--- a/Slide_BaoCao/AppChat_Nhom6.pptx
+++ b/Slide_BaoCao/AppChat_Nhom6.pptx
@@ -17,11 +17,13 @@
     <p:sldId id="265" r:id="rId11"/>
     <p:sldId id="266" r:id="rId12"/>
     <p:sldId id="267" r:id="rId13"/>
-    <p:sldId id="268" r:id="rId14"/>
-    <p:sldId id="269" r:id="rId15"/>
-    <p:sldId id="270" r:id="rId16"/>
-    <p:sldId id="271" r:id="rId17"/>
-    <p:sldId id="272" r:id="rId18"/>
+    <p:sldId id="273" r:id="rId14"/>
+    <p:sldId id="268" r:id="rId15"/>
+    <p:sldId id="274" r:id="rId16"/>
+    <p:sldId id="269" r:id="rId17"/>
+    <p:sldId id="270" r:id="rId18"/>
+    <p:sldId id="271" r:id="rId19"/>
+    <p:sldId id="272" r:id="rId20"/>
   </p:sldIdLst>
   <p:sldSz cx="12192000" cy="6858000"/>
   <p:notesSz cx="6858000" cy="9144000"/>
@@ -120,7 +122,47 @@
       </a:defRPr>
     </a:lvl9pPr>
   </p:defaultTextStyle>
+  <p:extLst>
+    <p:ext uri="{EFAFB233-063F-42B5-8137-9DF3F51BA10A}">
+      <p15:sldGuideLst xmlns:p15="http://schemas.microsoft.com/office/powerpoint/2012/main"/>
+    </p:ext>
+  </p:extLst>
 </p:presentation>
+</file>
+
+<file path=ppt/commentAuthors.xml><?xml version="1.0" encoding="utf-8"?>
+<p:cmAuthorLst xmlns:a="http://schemas.openxmlformats.org/drawingml/2006/main" xmlns:r="http://schemas.openxmlformats.org/officeDocument/2006/relationships" xmlns:p="http://schemas.openxmlformats.org/presentationml/2006/main">
+  <p:cmAuthor id="1" name="Phan Thị Tứ Thi" initials="PTTT" lastIdx="2" clrIdx="0">
+    <p:extLst>
+      <p:ext uri="{19B8F6BF-5375-455C-9EA6-DF929625EA0E}">
+        <p15:presenceInfo xmlns:p15="http://schemas.microsoft.com/office/powerpoint/2012/main" userId="S::18086141.thi@student.iuh.edu.vn::9d572473-ddb0-411c-b94f-39456af4d0a2" providerId="AD"/>
+      </p:ext>
+    </p:extLst>
+  </p:cmAuthor>
+</p:cmAuthorLst>
+</file>
+
+<file path=ppt/comments/comment1.xml><?xml version="1.0" encoding="utf-8"?>
+<p:cmLst xmlns:a="http://schemas.openxmlformats.org/drawingml/2006/main" xmlns:r="http://schemas.openxmlformats.org/officeDocument/2006/relationships" xmlns:p="http://schemas.openxmlformats.org/presentationml/2006/main">
+  <p:cm authorId="1" dt="2021-11-01T21:49:11.582" idx="1">
+    <p:pos x="6381" y="420"/>
+    <p:text/>
+    <p:extLst>
+      <p:ext uri="{C676402C-5697-4E1C-873F-D02D1690AC5C}">
+        <p15:threadingInfo xmlns:p15="http://schemas.microsoft.com/office/powerpoint/2012/main" timeZoneBias="-420"/>
+      </p:ext>
+    </p:extLst>
+  </p:cm>
+  <p:cm authorId="1" dt="2021-11-01T21:49:13.873" idx="2">
+    <p:pos x="10" y="10"/>
+    <p:text/>
+    <p:extLst>
+      <p:ext uri="{C676402C-5697-4E1C-873F-D02D1690AC5C}">
+        <p15:threadingInfo xmlns:p15="http://schemas.microsoft.com/office/powerpoint/2012/main" timeZoneBias="-420"/>
+      </p:ext>
+    </p:extLst>
+  </p:cm>
+</p:cmLst>
 </file>
 
 <file path=ppt/slideLayouts/slideLayout1.xml><?xml version="1.0" encoding="utf-8"?>
@@ -349,7 +391,7 @@
           <a:p>
             <a:fld id="{2F224862-4890-4559-9D4C-E7C6274E6D9D}" type="datetimeFigureOut">
               <a:rPr lang="en-US" smtClean="0"/>
-              <a:t>1/11/2021</a:t>
+              <a:t>11/1/2021</a:t>
             </a:fld>
             <a:endParaRPr lang="en-US"/>
           </a:p>
@@ -557,7 +599,7 @@
           <a:p>
             <a:fld id="{2F224862-4890-4559-9D4C-E7C6274E6D9D}" type="datetimeFigureOut">
               <a:rPr lang="en-US" smtClean="0"/>
-              <a:t>1/11/2021</a:t>
+              <a:t>11/1/2021</a:t>
             </a:fld>
             <a:endParaRPr lang="en-US"/>
           </a:p>
@@ -813,7 +855,7 @@
           <a:p>
             <a:fld id="{2F224862-4890-4559-9D4C-E7C6274E6D9D}" type="datetimeFigureOut">
               <a:rPr lang="en-US" smtClean="0"/>
-              <a:t>1/11/2021</a:t>
+              <a:t>11/1/2021</a:t>
             </a:fld>
             <a:endParaRPr lang="en-US"/>
           </a:p>
@@ -987,7 +1029,7 @@
           <a:p>
             <a:fld id="{2F224862-4890-4559-9D4C-E7C6274E6D9D}" type="datetimeFigureOut">
               <a:rPr lang="en-US" smtClean="0"/>
-              <a:t>1/11/2021</a:t>
+              <a:t>11/1/2021</a:t>
             </a:fld>
             <a:endParaRPr lang="en-US"/>
           </a:p>
@@ -1330,7 +1372,7 @@
           <a:p>
             <a:fld id="{2F224862-4890-4559-9D4C-E7C6274E6D9D}" type="datetimeFigureOut">
               <a:rPr lang="en-US" smtClean="0"/>
-              <a:t>1/11/2021</a:t>
+              <a:t>11/1/2021</a:t>
             </a:fld>
             <a:endParaRPr lang="en-US"/>
           </a:p>
@@ -1605,7 +1647,7 @@
           <a:p>
             <a:fld id="{2F224862-4890-4559-9D4C-E7C6274E6D9D}" type="datetimeFigureOut">
               <a:rPr lang="en-US" smtClean="0"/>
-              <a:t>1/11/2021</a:t>
+              <a:t>11/1/2021</a:t>
             </a:fld>
             <a:endParaRPr lang="en-US"/>
           </a:p>
@@ -1984,7 +2026,7 @@
           <a:p>
             <a:fld id="{2F224862-4890-4559-9D4C-E7C6274E6D9D}" type="datetimeFigureOut">
               <a:rPr lang="en-US" smtClean="0"/>
-              <a:t>1/11/2021</a:t>
+              <a:t>11/1/2021</a:t>
             </a:fld>
             <a:endParaRPr lang="en-US"/>
           </a:p>
@@ -2102,7 +2144,7 @@
           <a:p>
             <a:fld id="{2F224862-4890-4559-9D4C-E7C6274E6D9D}" type="datetimeFigureOut">
               <a:rPr lang="en-US" smtClean="0"/>
-              <a:t>1/11/2021</a:t>
+              <a:t>11/1/2021</a:t>
             </a:fld>
             <a:endParaRPr lang="en-US"/>
           </a:p>
@@ -2273,7 +2315,7 @@
           <a:p>
             <a:fld id="{2F224862-4890-4559-9D4C-E7C6274E6D9D}" type="datetimeFigureOut">
               <a:rPr lang="en-US" smtClean="0"/>
-              <a:t>1/11/2021</a:t>
+              <a:t>11/1/2021</a:t>
             </a:fld>
             <a:endParaRPr lang="en-US"/>
           </a:p>
@@ -2627,7 +2669,7 @@
           <a:p>
             <a:fld id="{2F224862-4890-4559-9D4C-E7C6274E6D9D}" type="datetimeFigureOut">
               <a:rPr lang="en-US" smtClean="0"/>
-              <a:t>1/11/2021</a:t>
+              <a:t>11/1/2021</a:t>
             </a:fld>
             <a:endParaRPr lang="en-US"/>
           </a:p>
@@ -3009,7 +3051,7 @@
           <a:p>
             <a:fld id="{2F224862-4890-4559-9D4C-E7C6274E6D9D}" type="datetimeFigureOut">
               <a:rPr lang="en-US" smtClean="0"/>
-              <a:t>1/11/2021</a:t>
+              <a:t>11/1/2021</a:t>
             </a:fld>
             <a:endParaRPr lang="en-US"/>
           </a:p>
@@ -3296,7 +3338,7 @@
           <a:p>
             <a:fld id="{2F224862-4890-4559-9D4C-E7C6274E6D9D}" type="datetimeFigureOut">
               <a:rPr lang="en-US" smtClean="0"/>
-              <a:t>1/11/2021</a:t>
+              <a:t>11/1/2021</a:t>
             </a:fld>
             <a:endParaRPr lang="en-US"/>
           </a:p>
@@ -6264,6 +6306,105 @@
           </a:p>
         </p:txBody>
       </p:sp>
+      <p:pic>
+        <p:nvPicPr>
+          <p:cNvPr id="11" name="Picture 10" descr="Diagram&#10;&#10;Description automatically generated">
+            <a:extLst>
+              <a:ext uri="{FF2B5EF4-FFF2-40B4-BE49-F238E27FC236}">
+                <a16:creationId xmlns:a16="http://schemas.microsoft.com/office/drawing/2014/main" id="{D09ABBCE-569B-486F-8551-435B790EC60B}"/>
+              </a:ext>
+            </a:extLst>
+          </p:cNvPr>
+          <p:cNvPicPr>
+            <a:picLocks noChangeAspect="1"/>
+          </p:cNvPicPr>
+          <p:nvPr/>
+        </p:nvPicPr>
+        <p:blipFill>
+          <a:blip r:embed="rId2">
+            <a:extLst>
+              <a:ext uri="{28A0092B-C50C-407E-A947-70E740481C1C}">
+                <a14:useLocalDpi xmlns:a14="http://schemas.microsoft.com/office/drawing/2010/main" val="0"/>
+              </a:ext>
+            </a:extLst>
+          </a:blip>
+          <a:stretch>
+            <a:fillRect/>
+          </a:stretch>
+        </p:blipFill>
+        <p:spPr>
+          <a:xfrm>
+            <a:off x="4549073" y="666690"/>
+            <a:ext cx="5580380" cy="5490210"/>
+          </a:xfrm>
+          <a:prstGeom prst="rect">
+            <a:avLst/>
+          </a:prstGeom>
+        </p:spPr>
+      </p:pic>
+      <p:sp>
+        <p:nvSpPr>
+          <p:cNvPr id="12" name="TextBox 11">
+            <a:extLst>
+              <a:ext uri="{FF2B5EF4-FFF2-40B4-BE49-F238E27FC236}">
+                <a16:creationId xmlns:a16="http://schemas.microsoft.com/office/drawing/2014/main" id="{B9C735CF-CD2C-436F-BBD2-9FCA8DA3E851}"/>
+              </a:ext>
+            </a:extLst>
+          </p:cNvPr>
+          <p:cNvSpPr txBox="1"/>
+          <p:nvPr/>
+        </p:nvSpPr>
+        <p:spPr>
+          <a:xfrm>
+            <a:off x="798990" y="1544715"/>
+            <a:ext cx="2706210" cy="492443"/>
+          </a:xfrm>
+          <a:prstGeom prst="rect">
+            <a:avLst/>
+          </a:prstGeom>
+          <a:noFill/>
+        </p:spPr>
+        <p:txBody>
+          <a:bodyPr wrap="square" rtlCol="0">
+            <a:spAutoFit/>
+          </a:bodyPr>
+          <a:lstStyle/>
+          <a:p>
+            <a:r>
+              <a:rPr lang="en-US" sz="2600" dirty="0">
+                <a:latin typeface="Times New Roman" panose="02020603050405020304" pitchFamily="18" charset="0"/>
+                <a:cs typeface="Times New Roman" panose="02020603050405020304" pitchFamily="18" charset="0"/>
+              </a:rPr>
+              <a:t>1. </a:t>
+            </a:r>
+            <a:r>
+              <a:rPr lang="en-US" sz="2600" dirty="0" err="1">
+                <a:latin typeface="Times New Roman" panose="02020603050405020304" pitchFamily="18" charset="0"/>
+                <a:cs typeface="Times New Roman" panose="02020603050405020304" pitchFamily="18" charset="0"/>
+              </a:rPr>
+              <a:t>Gửi</a:t>
+            </a:r>
+            <a:r>
+              <a:rPr lang="en-US" sz="2600" dirty="0">
+                <a:latin typeface="Times New Roman" panose="02020603050405020304" pitchFamily="18" charset="0"/>
+                <a:cs typeface="Times New Roman" panose="02020603050405020304" pitchFamily="18" charset="0"/>
+              </a:rPr>
+              <a:t> tin </a:t>
+            </a:r>
+            <a:r>
+              <a:rPr lang="en-US" sz="2600" dirty="0" err="1">
+                <a:latin typeface="Times New Roman" panose="02020603050405020304" pitchFamily="18" charset="0"/>
+                <a:cs typeface="Times New Roman" panose="02020603050405020304" pitchFamily="18" charset="0"/>
+              </a:rPr>
+              <a:t>nhắn</a:t>
+            </a:r>
+            <a:endParaRPr lang="vi-VN" sz="2600" dirty="0">
+              <a:latin typeface="Times New Roman" panose="02020603050405020304" pitchFamily="18" charset="0"/>
+              <a:cs typeface="Times New Roman" panose="02020603050405020304" pitchFamily="18" charset="0"/>
+            </a:endParaRPr>
+          </a:p>
+        </p:txBody>
+      </p:sp>
     </p:spTree>
     <p:extLst>
       <p:ext uri="{BB962C8B-B14F-4D97-AF65-F5344CB8AC3E}">
@@ -6294,82 +6435,48 @@
           <a:chExt cx="0" cy="0"/>
         </a:xfrm>
       </p:grpSpPr>
-      <p:sp>
-        <p:nvSpPr>
-          <p:cNvPr id="2" name="Google Shape;319;p35">
+      <p:pic>
+        <p:nvPicPr>
+          <p:cNvPr id="2" name="Picture 1" descr="Diagram&#10;&#10;Description automatically generated">
             <a:extLst>
               <a:ext uri="{FF2B5EF4-FFF2-40B4-BE49-F238E27FC236}">
-                <a16:creationId xmlns:a16="http://schemas.microsoft.com/office/drawing/2014/main" id="{A4D170BC-5353-45C2-B60B-EF3E9F13790A}"/>
+                <a16:creationId xmlns:a16="http://schemas.microsoft.com/office/drawing/2014/main" id="{3F354CD3-851C-4FC5-9804-F79DF3A2564E}"/>
               </a:ext>
             </a:extLst>
           </p:cNvPr>
-          <p:cNvSpPr/>
+          <p:cNvPicPr>
+            <a:picLocks noChangeAspect="1"/>
+          </p:cNvPicPr>
           <p:nvPr/>
-        </p:nvSpPr>
+        </p:nvPicPr>
+        <p:blipFill>
+          <a:blip r:embed="rId2">
+            <a:extLst>
+              <a:ext uri="{28A0092B-C50C-407E-A947-70E740481C1C}">
+                <a14:useLocalDpi xmlns:a14="http://schemas.microsoft.com/office/drawing/2010/main" val="0"/>
+              </a:ext>
+            </a:extLst>
+          </a:blip>
+          <a:stretch>
+            <a:fillRect/>
+          </a:stretch>
+        </p:blipFill>
         <p:spPr>
           <a:xfrm>
-            <a:off x="11173326" y="-476310"/>
-            <a:ext cx="609600" cy="1143000"/>
+            <a:off x="3559947" y="257154"/>
+            <a:ext cx="7403976" cy="6100613"/>
           </a:xfrm>
-          <a:prstGeom prst="roundRect">
-            <a:avLst>
-              <a:gd name="adj" fmla="val 16667"/>
-            </a:avLst>
+          <a:prstGeom prst="rect">
+            <a:avLst/>
           </a:prstGeom>
-          <a:solidFill>
-            <a:schemeClr val="accent3"/>
-          </a:solidFill>
-          <a:ln w="25400" cap="flat" cmpd="sng">
-            <a:solidFill>
-              <a:srgbClr val="05759E"/>
-            </a:solidFill>
-            <a:prstDash val="solid"/>
-            <a:round/>
-            <a:headEnd type="none" w="sm" len="sm"/>
-            <a:tailEnd type="none" w="sm" len="sm"/>
-          </a:ln>
         </p:spPr>
-        <p:txBody>
-          <a:bodyPr spcFirstLastPara="1" wrap="square" lIns="91425" tIns="45700" rIns="91425" bIns="45700" anchor="ctr" anchorCtr="0">
-            <a:noAutofit/>
-          </a:bodyPr>
-          <a:lstStyle/>
-          <a:p>
-            <a:pPr marL="0" marR="0" lvl="0" indent="0" algn="ctr" rtl="0">
-              <a:lnSpc>
-                <a:spcPct val="100000"/>
-              </a:lnSpc>
-              <a:spcBef>
-                <a:spcPts val="0"/>
-              </a:spcBef>
-              <a:spcAft>
-                <a:spcPts val="0"/>
-              </a:spcAft>
-              <a:buClr>
-                <a:srgbClr val="000000"/>
-              </a:buClr>
-              <a:buSzPts val="1800"/>
-              <a:buFont typeface="Arial"/>
-              <a:buNone/>
-            </a:pPr>
-            <a:endParaRPr sz="1800" b="0" i="0" u="none" strike="noStrike" cap="none">
-              <a:solidFill>
-                <a:schemeClr val="lt1"/>
-              </a:solidFill>
-              <a:latin typeface="Libre Franklin Thin"/>
-              <a:ea typeface="Libre Franklin Thin"/>
-              <a:cs typeface="Libre Franklin Thin"/>
-              <a:sym typeface="Libre Franklin Thin"/>
-            </a:endParaRPr>
-          </a:p>
-        </p:txBody>
-      </p:sp>
-      <p:sp>
-        <p:nvSpPr>
-          <p:cNvPr id="3" name="Google Shape;320;p35">
+      </p:pic>
+      <p:sp>
+        <p:nvSpPr>
+          <p:cNvPr id="3" name="TextBox 2">
             <a:extLst>
               <a:ext uri="{FF2B5EF4-FFF2-40B4-BE49-F238E27FC236}">
-                <a16:creationId xmlns:a16="http://schemas.microsoft.com/office/drawing/2014/main" id="{50A71EE2-54E0-4A4F-96BB-D973E6592D7C}"/>
+                <a16:creationId xmlns:a16="http://schemas.microsoft.com/office/drawing/2014/main" id="{C57EF541-BFD5-498F-B9FB-EE9E40EB0052}"/>
               </a:ext>
             </a:extLst>
           </p:cNvPr>
@@ -6378,223 +6485,51 @@
         </p:nvSpPr>
         <p:spPr>
           <a:xfrm>
-            <a:off x="409074" y="666690"/>
-            <a:ext cx="3385686" cy="400069"/>
+            <a:off x="896644" y="692458"/>
+            <a:ext cx="2077375" cy="492443"/>
           </a:xfrm>
           <a:prstGeom prst="rect">
             <a:avLst/>
           </a:prstGeom>
           <a:noFill/>
-          <a:ln>
-            <a:noFill/>
-          </a:ln>
         </p:spPr>
         <p:txBody>
-          <a:bodyPr spcFirstLastPara="1" wrap="square" lIns="91425" tIns="45700" rIns="91425" bIns="45700" anchor="t" anchorCtr="0">
+          <a:bodyPr wrap="square" rtlCol="0">
             <a:spAutoFit/>
           </a:bodyPr>
           <a:lstStyle/>
           <a:p>
-            <a:pPr marL="342900" marR="0" lvl="0" indent="-342900" algn="l" rtl="0">
-              <a:lnSpc>
-                <a:spcPct val="100000"/>
-              </a:lnSpc>
-              <a:spcBef>
-                <a:spcPts val="0"/>
-              </a:spcBef>
-              <a:spcAft>
-                <a:spcPts val="0"/>
-              </a:spcAft>
-              <a:buClr>
-                <a:srgbClr val="03506C"/>
-              </a:buClr>
-              <a:buSzPts val="2000"/>
-              <a:buFont typeface="Noto Sans Symbols"/>
-              <a:buChar char="❖"/>
-            </a:pPr>
-            <a:r>
-              <a:rPr lang="en-US" sz="2000" b="1" u="sng" dirty="0">
-                <a:solidFill>
-                  <a:srgbClr val="03506C"/>
-                </a:solidFill>
-                <a:latin typeface="Arial"/>
-                <a:ea typeface="Arial"/>
-                <a:cs typeface="Arial"/>
-                <a:sym typeface="Arial"/>
-              </a:rPr>
-              <a:t>SEQUENCE</a:t>
-            </a:r>
-            <a:r>
-              <a:rPr lang="en-US" sz="2000" b="1" i="0" u="sng" strike="noStrike" cap="none" dirty="0">
-                <a:solidFill>
-                  <a:srgbClr val="03506C"/>
-                </a:solidFill>
-                <a:latin typeface="Arial"/>
-                <a:ea typeface="Arial"/>
-                <a:cs typeface="Arial"/>
-                <a:sym typeface="Arial"/>
-              </a:rPr>
-              <a:t> DIAGRAM</a:t>
-            </a:r>
-            <a:endParaRPr sz="2000" b="1" i="0" u="sng" strike="noStrike" cap="none" dirty="0">
-              <a:solidFill>
-                <a:srgbClr val="03506C"/>
-              </a:solidFill>
-              <a:latin typeface="Arial"/>
-              <a:ea typeface="Arial"/>
-              <a:cs typeface="Arial"/>
-              <a:sym typeface="Arial"/>
-            </a:endParaRPr>
-          </a:p>
-        </p:txBody>
-      </p:sp>
-      <p:sp>
-        <p:nvSpPr>
-          <p:cNvPr id="4" name="Google Shape;321;p35">
-            <a:extLst>
-              <a:ext uri="{FF2B5EF4-FFF2-40B4-BE49-F238E27FC236}">
-                <a16:creationId xmlns:a16="http://schemas.microsoft.com/office/drawing/2014/main" id="{D6DE21F4-A363-416F-BC4B-9C9594FCFB20}"/>
-              </a:ext>
-            </a:extLst>
-          </p:cNvPr>
-          <p:cNvSpPr txBox="1"/>
-          <p:nvPr/>
-        </p:nvSpPr>
-        <p:spPr>
-          <a:xfrm>
-            <a:off x="9424736" y="57090"/>
-            <a:ext cx="1824789" cy="571500"/>
-          </a:xfrm>
-          <a:prstGeom prst="rect">
-            <a:avLst/>
-          </a:prstGeom>
-          <a:noFill/>
-          <a:ln>
-            <a:noFill/>
-          </a:ln>
-        </p:spPr>
-        <p:txBody>
-          <a:bodyPr spcFirstLastPara="1" wrap="square" lIns="91425" tIns="45700" rIns="91425" bIns="45700" anchor="ctr" anchorCtr="0">
-            <a:noAutofit/>
-          </a:bodyPr>
-          <a:lstStyle/>
-          <a:p>
-            <a:pPr marL="0" marR="0" lvl="0" indent="0" algn="l" rtl="0">
-              <a:lnSpc>
-                <a:spcPct val="100000"/>
-              </a:lnSpc>
-              <a:spcBef>
-                <a:spcPts val="0"/>
-              </a:spcBef>
-              <a:spcAft>
-                <a:spcPts val="0"/>
-              </a:spcAft>
-              <a:buClr>
-                <a:srgbClr val="0578A2"/>
-              </a:buClr>
-              <a:buSzPts val="2400"/>
-              <a:buFont typeface="Arial"/>
-              <a:buNone/>
-            </a:pPr>
-            <a:r>
-              <a:rPr lang="en-US" sz="2400" b="1" i="0" u="none" strike="noStrike" cap="none">
-                <a:solidFill>
-                  <a:srgbClr val="0578A2"/>
-                </a:solidFill>
-                <a:latin typeface="Arial"/>
-                <a:ea typeface="Arial"/>
-                <a:cs typeface="Arial"/>
-                <a:sym typeface="Arial"/>
-              </a:rPr>
-              <a:t>THIẾT KẾ</a:t>
-            </a:r>
-            <a:endParaRPr sz="2400" b="1" i="0" u="none" strike="noStrike" cap="none">
-              <a:solidFill>
-                <a:srgbClr val="0578A2"/>
-              </a:solidFill>
-              <a:latin typeface="Arial"/>
-              <a:ea typeface="Arial"/>
-              <a:cs typeface="Arial"/>
-              <a:sym typeface="Arial"/>
-            </a:endParaRPr>
-          </a:p>
-        </p:txBody>
-      </p:sp>
-      <p:sp>
-        <p:nvSpPr>
-          <p:cNvPr id="5" name="Google Shape;322;p35">
-            <a:extLst>
-              <a:ext uri="{FF2B5EF4-FFF2-40B4-BE49-F238E27FC236}">
-                <a16:creationId xmlns:a16="http://schemas.microsoft.com/office/drawing/2014/main" id="{0BEA1331-2B82-40E6-B724-D07C6E77C597}"/>
-              </a:ext>
-            </a:extLst>
-          </p:cNvPr>
-          <p:cNvSpPr txBox="1"/>
-          <p:nvPr/>
-        </p:nvSpPr>
-        <p:spPr>
-          <a:xfrm>
-            <a:off x="5314950" y="6396335"/>
-            <a:ext cx="1562100" cy="461665"/>
-          </a:xfrm>
-          <a:prstGeom prst="rect">
-            <a:avLst/>
-          </a:prstGeom>
-          <a:noFill/>
-          <a:ln>
-            <a:noFill/>
-          </a:ln>
-        </p:spPr>
-        <p:txBody>
-          <a:bodyPr spcFirstLastPara="1" wrap="square" lIns="91425" tIns="45700" rIns="91425" bIns="45700" anchor="t" anchorCtr="0">
-            <a:spAutoFit/>
-          </a:bodyPr>
-          <a:lstStyle/>
-          <a:p>
-            <a:pPr marL="0" marR="0" lvl="0" indent="0" algn="l" rtl="0">
-              <a:lnSpc>
-                <a:spcPct val="100000"/>
-              </a:lnSpc>
-              <a:spcBef>
-                <a:spcPts val="0"/>
-              </a:spcBef>
-              <a:spcAft>
-                <a:spcPts val="0"/>
-              </a:spcAft>
-              <a:buNone/>
-            </a:pPr>
-            <a:r>
-              <a:rPr lang="en-US" sz="2400" b="1" i="0" u="none" strike="noStrike" cap="none" dirty="0">
-                <a:solidFill>
-                  <a:schemeClr val="lt1"/>
-                </a:solidFill>
-                <a:latin typeface="Arial"/>
-                <a:ea typeface="Arial"/>
-                <a:cs typeface="Arial"/>
-                <a:sym typeface="Arial"/>
-              </a:rPr>
-              <a:t>NHÓM </a:t>
-            </a:r>
-            <a:r>
-              <a:rPr lang="en-US" sz="2400" b="1" dirty="0">
-                <a:solidFill>
-                  <a:schemeClr val="lt1"/>
-                </a:solidFill>
-                <a:latin typeface="Arial"/>
-                <a:ea typeface="Arial"/>
-                <a:cs typeface="Arial"/>
-                <a:sym typeface="Arial"/>
-              </a:rPr>
-              <a:t>6</a:t>
-            </a:r>
-            <a:endParaRPr sz="2400" b="1" i="0" u="none" strike="noStrike" cap="none" dirty="0">
-              <a:solidFill>
-                <a:schemeClr val="lt1"/>
-              </a:solidFill>
-              <a:latin typeface="Arial"/>
-              <a:ea typeface="Arial"/>
-              <a:cs typeface="Arial"/>
-              <a:sym typeface="Arial"/>
+            <a:r>
+              <a:rPr lang="en-US" sz="2600" dirty="0">
+                <a:latin typeface="Times New Roman" panose="02020603050405020304" pitchFamily="18" charset="0"/>
+                <a:cs typeface="Times New Roman" panose="02020603050405020304" pitchFamily="18" charset="0"/>
+              </a:rPr>
+              <a:t>2. </a:t>
+            </a:r>
+            <a:r>
+              <a:rPr lang="en-US" sz="2600" dirty="0" err="1">
+                <a:latin typeface="Times New Roman" panose="02020603050405020304" pitchFamily="18" charset="0"/>
+                <a:cs typeface="Times New Roman" panose="02020603050405020304" pitchFamily="18" charset="0"/>
+              </a:rPr>
+              <a:t>Kết</a:t>
+            </a:r>
+            <a:r>
+              <a:rPr lang="en-US" sz="2600" dirty="0">
+                <a:latin typeface="Times New Roman" panose="02020603050405020304" pitchFamily="18" charset="0"/>
+                <a:cs typeface="Times New Roman" panose="02020603050405020304" pitchFamily="18" charset="0"/>
+              </a:rPr>
+              <a:t> </a:t>
+            </a:r>
+            <a:r>
+              <a:rPr lang="en-US" sz="2600" dirty="0" err="1">
+                <a:latin typeface="Times New Roman" panose="02020603050405020304" pitchFamily="18" charset="0"/>
+                <a:cs typeface="Times New Roman" panose="02020603050405020304" pitchFamily="18" charset="0"/>
+              </a:rPr>
+              <a:t>bạn</a:t>
+            </a:r>
+            <a:endParaRPr lang="vi-VN" sz="2600" dirty="0">
+              <a:latin typeface="Times New Roman" panose="02020603050405020304" pitchFamily="18" charset="0"/>
+              <a:cs typeface="Times New Roman" panose="02020603050405020304" pitchFamily="18" charset="0"/>
             </a:endParaRPr>
           </a:p>
         </p:txBody>
@@ -6602,7 +6537,7 @@
     </p:spTree>
     <p:extLst>
       <p:ext uri="{BB962C8B-B14F-4D97-AF65-F5344CB8AC3E}">
-        <p14:creationId xmlns:p14="http://schemas.microsoft.com/office/powerpoint/2010/main" val="515282362"/>
+        <p14:creationId xmlns:p14="http://schemas.microsoft.com/office/powerpoint/2010/main" val="2546221097"/>
       </p:ext>
     </p:extLst>
   </p:cSld>
@@ -6634,7 +6569,7 @@
           <p:cNvPr id="2" name="Google Shape;319;p35">
             <a:extLst>
               <a:ext uri="{FF2B5EF4-FFF2-40B4-BE49-F238E27FC236}">
-                <a16:creationId xmlns:a16="http://schemas.microsoft.com/office/drawing/2014/main" id="{8D185048-8ACB-40BF-AF8D-10263A2D273D}"/>
+                <a16:creationId xmlns:a16="http://schemas.microsoft.com/office/drawing/2014/main" id="{A4D170BC-5353-45C2-B60B-EF3E9F13790A}"/>
               </a:ext>
             </a:extLst>
           </p:cNvPr>
@@ -6704,7 +6639,7 @@
           <p:cNvPr id="3" name="Google Shape;320;p35">
             <a:extLst>
               <a:ext uri="{FF2B5EF4-FFF2-40B4-BE49-F238E27FC236}">
-                <a16:creationId xmlns:a16="http://schemas.microsoft.com/office/drawing/2014/main" id="{E49E13B5-240F-48FA-8E4A-8CD783C3AF33}"/>
+                <a16:creationId xmlns:a16="http://schemas.microsoft.com/office/drawing/2014/main" id="{50A71EE2-54E0-4A4F-96BB-D973E6592D7C}"/>
               </a:ext>
             </a:extLst>
           </p:cNvPr>
@@ -6714,7 +6649,7 @@
         <p:spPr>
           <a:xfrm>
             <a:off x="409074" y="666690"/>
-            <a:ext cx="3096126" cy="400069"/>
+            <a:ext cx="3385686" cy="400069"/>
           </a:xfrm>
           <a:prstGeom prst="rect">
             <a:avLst/>
@@ -6757,7 +6692,7 @@
                 <a:cs typeface="Arial"/>
                 <a:sym typeface="Arial"/>
               </a:rPr>
-              <a:t>CLASS</a:t>
+              <a:t>SEQUENCE</a:t>
             </a:r>
             <a:r>
               <a:rPr lang="en-US" sz="2000" b="1" i="0" u="sng" strike="noStrike" cap="none" dirty="0">
@@ -6788,7 +6723,7 @@
           <p:cNvPr id="4" name="Google Shape;321;p35">
             <a:extLst>
               <a:ext uri="{FF2B5EF4-FFF2-40B4-BE49-F238E27FC236}">
-                <a16:creationId xmlns:a16="http://schemas.microsoft.com/office/drawing/2014/main" id="{8B64C938-FD0E-4557-AEB2-C88CF46E4DCE}"/>
+                <a16:creationId xmlns:a16="http://schemas.microsoft.com/office/drawing/2014/main" id="{D6DE21F4-A363-416F-BC4B-9C9594FCFB20}"/>
               </a:ext>
             </a:extLst>
           </p:cNvPr>
@@ -6860,7 +6795,7 @@
           <p:cNvPr id="5" name="Google Shape;322;p35">
             <a:extLst>
               <a:ext uri="{FF2B5EF4-FFF2-40B4-BE49-F238E27FC236}">
-                <a16:creationId xmlns:a16="http://schemas.microsoft.com/office/drawing/2014/main" id="{7C98B827-D5C4-4CC2-BCF9-C42EE97092FE}"/>
+                <a16:creationId xmlns:a16="http://schemas.microsoft.com/office/drawing/2014/main" id="{0BEA1331-2B82-40E6-B724-D07C6E77C597}"/>
               </a:ext>
             </a:extLst>
           </p:cNvPr>
@@ -6934,10 +6869,109 @@
           </a:p>
         </p:txBody>
       </p:sp>
+      <p:sp>
+        <p:nvSpPr>
+          <p:cNvPr id="7" name="TextBox 6">
+            <a:extLst>
+              <a:ext uri="{FF2B5EF4-FFF2-40B4-BE49-F238E27FC236}">
+                <a16:creationId xmlns:a16="http://schemas.microsoft.com/office/drawing/2014/main" id="{EDA98299-8B4C-4685-BD38-9EB1FC4EDE1E}"/>
+              </a:ext>
+            </a:extLst>
+          </p:cNvPr>
+          <p:cNvSpPr txBox="1"/>
+          <p:nvPr/>
+        </p:nvSpPr>
+        <p:spPr>
+          <a:xfrm>
+            <a:off x="694713" y="1213566"/>
+            <a:ext cx="2066278" cy="369332"/>
+          </a:xfrm>
+          <a:prstGeom prst="rect">
+            <a:avLst/>
+          </a:prstGeom>
+          <a:noFill/>
+        </p:spPr>
+        <p:txBody>
+          <a:bodyPr wrap="square">
+            <a:spAutoFit/>
+          </a:bodyPr>
+          <a:lstStyle/>
+          <a:p>
+            <a:r>
+              <a:rPr lang="en-US" sz="1800" dirty="0">
+                <a:latin typeface="Times New Roman" panose="02020603050405020304" pitchFamily="18" charset="0"/>
+                <a:cs typeface="Times New Roman" panose="02020603050405020304" pitchFamily="18" charset="0"/>
+              </a:rPr>
+              <a:t>1. </a:t>
+            </a:r>
+            <a:r>
+              <a:rPr lang="en-US" sz="1800" dirty="0" err="1">
+                <a:latin typeface="Times New Roman" panose="02020603050405020304" pitchFamily="18" charset="0"/>
+                <a:cs typeface="Times New Roman" panose="02020603050405020304" pitchFamily="18" charset="0"/>
+              </a:rPr>
+              <a:t>Gửi</a:t>
+            </a:r>
+            <a:r>
+              <a:rPr lang="en-US" sz="1800" dirty="0">
+                <a:latin typeface="Times New Roman" panose="02020603050405020304" pitchFamily="18" charset="0"/>
+                <a:cs typeface="Times New Roman" panose="02020603050405020304" pitchFamily="18" charset="0"/>
+              </a:rPr>
+              <a:t> tin </a:t>
+            </a:r>
+            <a:r>
+              <a:rPr lang="en-US" sz="1800" dirty="0" err="1">
+                <a:latin typeface="Times New Roman" panose="02020603050405020304" pitchFamily="18" charset="0"/>
+                <a:cs typeface="Times New Roman" panose="02020603050405020304" pitchFamily="18" charset="0"/>
+              </a:rPr>
+              <a:t>nhắn</a:t>
+            </a:r>
+            <a:endParaRPr lang="vi-VN" sz="1800" dirty="0">
+              <a:latin typeface="Times New Roman" panose="02020603050405020304" pitchFamily="18" charset="0"/>
+              <a:cs typeface="Times New Roman" panose="02020603050405020304" pitchFamily="18" charset="0"/>
+            </a:endParaRPr>
+          </a:p>
+        </p:txBody>
+      </p:sp>
+      <p:pic>
+        <p:nvPicPr>
+          <p:cNvPr id="8" name="Picture 7">
+            <a:extLst>
+              <a:ext uri="{FF2B5EF4-FFF2-40B4-BE49-F238E27FC236}">
+                <a16:creationId xmlns:a16="http://schemas.microsoft.com/office/drawing/2014/main" id="{C7F6EAEC-3967-4285-BA96-B287F0B7CF5B}"/>
+              </a:ext>
+            </a:extLst>
+          </p:cNvPr>
+          <p:cNvPicPr>
+            <a:picLocks noChangeAspect="1"/>
+          </p:cNvPicPr>
+          <p:nvPr/>
+        </p:nvPicPr>
+        <p:blipFill>
+          <a:blip r:embed="rId2">
+            <a:extLst>
+              <a:ext uri="{28A0092B-C50C-407E-A947-70E740481C1C}">
+                <a14:useLocalDpi xmlns:a14="http://schemas.microsoft.com/office/drawing/2010/main" val="0"/>
+              </a:ext>
+            </a:extLst>
+          </a:blip>
+          <a:stretch>
+            <a:fillRect/>
+          </a:stretch>
+        </p:blipFill>
+        <p:spPr>
+          <a:xfrm>
+            <a:off x="3657681" y="526168"/>
+            <a:ext cx="7591844" cy="5546158"/>
+          </a:xfrm>
+          <a:prstGeom prst="rect">
+            <a:avLst/>
+          </a:prstGeom>
+        </p:spPr>
+      </p:pic>
     </p:spTree>
     <p:extLst>
       <p:ext uri="{BB962C8B-B14F-4D97-AF65-F5344CB8AC3E}">
-        <p14:creationId xmlns:p14="http://schemas.microsoft.com/office/powerpoint/2010/main" val="3534707094"/>
+        <p14:creationId xmlns:p14="http://schemas.microsoft.com/office/powerpoint/2010/main" val="515282362"/>
       </p:ext>
     </p:extLst>
   </p:cSld>
@@ -6964,82 +6998,48 @@
           <a:chExt cx="0" cy="0"/>
         </a:xfrm>
       </p:grpSpPr>
-      <p:sp>
-        <p:nvSpPr>
-          <p:cNvPr id="2" name="Google Shape;319;p35">
+      <p:pic>
+        <p:nvPicPr>
+          <p:cNvPr id="2" name="Picture 1">
             <a:extLst>
               <a:ext uri="{FF2B5EF4-FFF2-40B4-BE49-F238E27FC236}">
-                <a16:creationId xmlns:a16="http://schemas.microsoft.com/office/drawing/2014/main" id="{E92A6367-C15C-45B5-8467-F9925B35CFD5}"/>
+                <a16:creationId xmlns:a16="http://schemas.microsoft.com/office/drawing/2014/main" id="{C9DB781C-2D9F-48A3-BA15-84D01B09EA26}"/>
               </a:ext>
             </a:extLst>
           </p:cNvPr>
-          <p:cNvSpPr/>
+          <p:cNvPicPr>
+            <a:picLocks noChangeAspect="1"/>
+          </p:cNvPicPr>
           <p:nvPr/>
-        </p:nvSpPr>
+        </p:nvPicPr>
+        <p:blipFill>
+          <a:blip r:embed="rId2">
+            <a:extLst>
+              <a:ext uri="{28A0092B-C50C-407E-A947-70E740481C1C}">
+                <a14:useLocalDpi xmlns:a14="http://schemas.microsoft.com/office/drawing/2010/main" val="0"/>
+              </a:ext>
+            </a:extLst>
+          </a:blip>
+          <a:stretch>
+            <a:fillRect/>
+          </a:stretch>
+        </p:blipFill>
         <p:spPr>
           <a:xfrm>
-            <a:off x="11173326" y="-476310"/>
-            <a:ext cx="609600" cy="1143000"/>
+            <a:off x="2672179" y="229507"/>
+            <a:ext cx="8202966" cy="6079417"/>
           </a:xfrm>
-          <a:prstGeom prst="roundRect">
-            <a:avLst>
-              <a:gd name="adj" fmla="val 16667"/>
-            </a:avLst>
+          <a:prstGeom prst="rect">
+            <a:avLst/>
           </a:prstGeom>
-          <a:solidFill>
-            <a:schemeClr val="accent3"/>
-          </a:solidFill>
-          <a:ln w="25400" cap="flat" cmpd="sng">
-            <a:solidFill>
-              <a:srgbClr val="05759E"/>
-            </a:solidFill>
-            <a:prstDash val="solid"/>
-            <a:round/>
-            <a:headEnd type="none" w="sm" len="sm"/>
-            <a:tailEnd type="none" w="sm" len="sm"/>
-          </a:ln>
         </p:spPr>
-        <p:txBody>
-          <a:bodyPr spcFirstLastPara="1" wrap="square" lIns="91425" tIns="45700" rIns="91425" bIns="45700" anchor="ctr" anchorCtr="0">
-            <a:noAutofit/>
-          </a:bodyPr>
-          <a:lstStyle/>
-          <a:p>
-            <a:pPr marL="0" marR="0" lvl="0" indent="0" algn="ctr" rtl="0">
-              <a:lnSpc>
-                <a:spcPct val="100000"/>
-              </a:lnSpc>
-              <a:spcBef>
-                <a:spcPts val="0"/>
-              </a:spcBef>
-              <a:spcAft>
-                <a:spcPts val="0"/>
-              </a:spcAft>
-              <a:buClr>
-                <a:srgbClr val="000000"/>
-              </a:buClr>
-              <a:buSzPts val="1800"/>
-              <a:buFont typeface="Arial"/>
-              <a:buNone/>
-            </a:pPr>
-            <a:endParaRPr sz="1800" b="0" i="0" u="none" strike="noStrike" cap="none">
-              <a:solidFill>
-                <a:schemeClr val="lt1"/>
-              </a:solidFill>
-              <a:latin typeface="Libre Franklin Thin"/>
-              <a:ea typeface="Libre Franklin Thin"/>
-              <a:cs typeface="Libre Franklin Thin"/>
-              <a:sym typeface="Libre Franklin Thin"/>
-            </a:endParaRPr>
-          </a:p>
-        </p:txBody>
-      </p:sp>
-      <p:sp>
-        <p:nvSpPr>
-          <p:cNvPr id="3" name="Google Shape;320;p35">
+      </p:pic>
+      <p:sp>
+        <p:nvSpPr>
+          <p:cNvPr id="3" name="TextBox 2">
             <a:extLst>
               <a:ext uri="{FF2B5EF4-FFF2-40B4-BE49-F238E27FC236}">
-                <a16:creationId xmlns:a16="http://schemas.microsoft.com/office/drawing/2014/main" id="{6B0395E8-8A89-4E5E-997E-B500C0381475}"/>
+                <a16:creationId xmlns:a16="http://schemas.microsoft.com/office/drawing/2014/main" id="{3816F362-346B-44B5-AA19-2351292F3EE3}"/>
               </a:ext>
             </a:extLst>
           </p:cNvPr>
@@ -7048,211 +7048,51 @@
         </p:nvSpPr>
         <p:spPr>
           <a:xfrm>
-            <a:off x="409074" y="666690"/>
-            <a:ext cx="3096126" cy="400069"/>
+            <a:off x="834500" y="905524"/>
+            <a:ext cx="1748901" cy="492443"/>
           </a:xfrm>
           <a:prstGeom prst="rect">
             <a:avLst/>
           </a:prstGeom>
           <a:noFill/>
-          <a:ln>
-            <a:noFill/>
-          </a:ln>
         </p:spPr>
         <p:txBody>
-          <a:bodyPr spcFirstLastPara="1" wrap="square" lIns="91425" tIns="45700" rIns="91425" bIns="45700" anchor="t" anchorCtr="0">
+          <a:bodyPr wrap="square" rtlCol="0">
             <a:spAutoFit/>
           </a:bodyPr>
           <a:lstStyle/>
           <a:p>
-            <a:pPr marL="342900" marR="0" lvl="0" indent="-342900" algn="l" rtl="0">
-              <a:lnSpc>
-                <a:spcPct val="100000"/>
-              </a:lnSpc>
-              <a:spcBef>
-                <a:spcPts val="0"/>
-              </a:spcBef>
-              <a:spcAft>
-                <a:spcPts val="0"/>
-              </a:spcAft>
-              <a:buClr>
-                <a:srgbClr val="03506C"/>
-              </a:buClr>
-              <a:buSzPts val="2000"/>
-              <a:buFont typeface="Noto Sans Symbols"/>
-              <a:buChar char="❖"/>
-            </a:pPr>
-            <a:r>
-              <a:rPr lang="en-US" sz="2000" b="1" u="sng" dirty="0">
-                <a:solidFill>
-                  <a:srgbClr val="03506C"/>
-                </a:solidFill>
-                <a:latin typeface="Arial"/>
-                <a:ea typeface="Arial"/>
-                <a:cs typeface="Arial"/>
-                <a:sym typeface="Arial"/>
-              </a:rPr>
-              <a:t>CƠ SỞ DỮ LIỆU</a:t>
-            </a:r>
-            <a:endParaRPr sz="2000" b="1" i="0" u="sng" strike="noStrike" cap="none" dirty="0">
-              <a:solidFill>
-                <a:srgbClr val="03506C"/>
-              </a:solidFill>
-              <a:latin typeface="Arial"/>
-              <a:ea typeface="Arial"/>
-              <a:cs typeface="Arial"/>
-              <a:sym typeface="Arial"/>
-            </a:endParaRPr>
-          </a:p>
-        </p:txBody>
-      </p:sp>
-      <p:sp>
-        <p:nvSpPr>
-          <p:cNvPr id="4" name="Google Shape;321;p35">
-            <a:extLst>
-              <a:ext uri="{FF2B5EF4-FFF2-40B4-BE49-F238E27FC236}">
-                <a16:creationId xmlns:a16="http://schemas.microsoft.com/office/drawing/2014/main" id="{65129259-E120-4C5A-8B09-8A39E81C75D9}"/>
-              </a:ext>
-            </a:extLst>
-          </p:cNvPr>
-          <p:cNvSpPr txBox="1"/>
-          <p:nvPr/>
-        </p:nvSpPr>
-        <p:spPr>
-          <a:xfrm>
-            <a:off x="9424736" y="57090"/>
-            <a:ext cx="1824789" cy="571500"/>
-          </a:xfrm>
-          <a:prstGeom prst="rect">
-            <a:avLst/>
-          </a:prstGeom>
-          <a:noFill/>
-          <a:ln>
-            <a:noFill/>
-          </a:ln>
-        </p:spPr>
-        <p:txBody>
-          <a:bodyPr spcFirstLastPara="1" wrap="square" lIns="91425" tIns="45700" rIns="91425" bIns="45700" anchor="ctr" anchorCtr="0">
-            <a:noAutofit/>
-          </a:bodyPr>
-          <a:lstStyle/>
-          <a:p>
-            <a:pPr marL="0" marR="0" lvl="0" indent="0" algn="l" rtl="0">
-              <a:lnSpc>
-                <a:spcPct val="100000"/>
-              </a:lnSpc>
-              <a:spcBef>
-                <a:spcPts val="0"/>
-              </a:spcBef>
-              <a:spcAft>
-                <a:spcPts val="0"/>
-              </a:spcAft>
-              <a:buClr>
-                <a:srgbClr val="0578A2"/>
-              </a:buClr>
-              <a:buSzPts val="2400"/>
-              <a:buFont typeface="Arial"/>
-              <a:buNone/>
-            </a:pPr>
-            <a:r>
-              <a:rPr lang="en-US" sz="2400" b="1" i="0" u="none" strike="noStrike" cap="none">
-                <a:solidFill>
-                  <a:srgbClr val="0578A2"/>
-                </a:solidFill>
-                <a:latin typeface="Arial"/>
-                <a:ea typeface="Arial"/>
-                <a:cs typeface="Arial"/>
-                <a:sym typeface="Arial"/>
-              </a:rPr>
-              <a:t>THIẾT KẾ</a:t>
-            </a:r>
-            <a:endParaRPr sz="2400" b="1" i="0" u="none" strike="noStrike" cap="none">
-              <a:solidFill>
-                <a:srgbClr val="0578A2"/>
-              </a:solidFill>
-              <a:latin typeface="Arial"/>
-              <a:ea typeface="Arial"/>
-              <a:cs typeface="Arial"/>
-              <a:sym typeface="Arial"/>
-            </a:endParaRPr>
-          </a:p>
-        </p:txBody>
-      </p:sp>
-      <p:sp>
-        <p:nvSpPr>
-          <p:cNvPr id="5" name="Google Shape;322;p35">
-            <a:extLst>
-              <a:ext uri="{FF2B5EF4-FFF2-40B4-BE49-F238E27FC236}">
-                <a16:creationId xmlns:a16="http://schemas.microsoft.com/office/drawing/2014/main" id="{E8971F61-40ED-4D27-B916-98434B122ADE}"/>
-              </a:ext>
-            </a:extLst>
-          </p:cNvPr>
-          <p:cNvSpPr txBox="1"/>
-          <p:nvPr/>
-        </p:nvSpPr>
-        <p:spPr>
-          <a:xfrm>
-            <a:off x="5314950" y="6396335"/>
-            <a:ext cx="1562100" cy="461665"/>
-          </a:xfrm>
-          <a:prstGeom prst="rect">
-            <a:avLst/>
-          </a:prstGeom>
-          <a:noFill/>
-          <a:ln>
-            <a:noFill/>
-          </a:ln>
-        </p:spPr>
-        <p:txBody>
-          <a:bodyPr spcFirstLastPara="1" wrap="square" lIns="91425" tIns="45700" rIns="91425" bIns="45700" anchor="t" anchorCtr="0">
-            <a:spAutoFit/>
-          </a:bodyPr>
-          <a:lstStyle/>
-          <a:p>
-            <a:pPr marL="0" marR="0" lvl="0" indent="0" algn="l" rtl="0">
-              <a:lnSpc>
-                <a:spcPct val="100000"/>
-              </a:lnSpc>
-              <a:spcBef>
-                <a:spcPts val="0"/>
-              </a:spcBef>
-              <a:spcAft>
-                <a:spcPts val="0"/>
-              </a:spcAft>
-              <a:buNone/>
-            </a:pPr>
-            <a:r>
-              <a:rPr lang="en-US" sz="2400" b="1" i="0" u="none" strike="noStrike" cap="none" dirty="0">
-                <a:solidFill>
-                  <a:schemeClr val="lt1"/>
-                </a:solidFill>
-                <a:latin typeface="Arial"/>
-                <a:ea typeface="Arial"/>
-                <a:cs typeface="Arial"/>
-                <a:sym typeface="Arial"/>
-              </a:rPr>
-              <a:t>NHÓM </a:t>
-            </a:r>
-            <a:r>
-              <a:rPr lang="en-US" sz="2400" b="1" dirty="0">
-                <a:solidFill>
-                  <a:schemeClr val="lt1"/>
-                </a:solidFill>
-                <a:latin typeface="Arial"/>
-                <a:ea typeface="Arial"/>
-                <a:cs typeface="Arial"/>
-                <a:sym typeface="Arial"/>
-              </a:rPr>
-              <a:t>6</a:t>
-            </a:r>
-            <a:endParaRPr sz="2400" b="1" i="0" u="none" strike="noStrike" cap="none" dirty="0">
-              <a:solidFill>
-                <a:schemeClr val="lt1"/>
-              </a:solidFill>
-              <a:latin typeface="Arial"/>
-              <a:ea typeface="Arial"/>
-              <a:cs typeface="Arial"/>
-              <a:sym typeface="Arial"/>
+            <a:r>
+              <a:rPr lang="en-US" sz="2600" dirty="0">
+                <a:latin typeface="Times New Roman" panose="02020603050405020304" pitchFamily="18" charset="0"/>
+                <a:cs typeface="Times New Roman" panose="02020603050405020304" pitchFamily="18" charset="0"/>
+              </a:rPr>
+              <a:t>2. </a:t>
+            </a:r>
+            <a:r>
+              <a:rPr lang="en-US" sz="2600" dirty="0" err="1">
+                <a:latin typeface="Times New Roman" panose="02020603050405020304" pitchFamily="18" charset="0"/>
+                <a:cs typeface="Times New Roman" panose="02020603050405020304" pitchFamily="18" charset="0"/>
+              </a:rPr>
+              <a:t>Kết</a:t>
+            </a:r>
+            <a:r>
+              <a:rPr lang="en-US" sz="2600" dirty="0">
+                <a:latin typeface="Times New Roman" panose="02020603050405020304" pitchFamily="18" charset="0"/>
+                <a:cs typeface="Times New Roman" panose="02020603050405020304" pitchFamily="18" charset="0"/>
+              </a:rPr>
+              <a:t> </a:t>
+            </a:r>
+            <a:r>
+              <a:rPr lang="en-US" sz="2600" dirty="0" err="1">
+                <a:latin typeface="Times New Roman" panose="02020603050405020304" pitchFamily="18" charset="0"/>
+                <a:cs typeface="Times New Roman" panose="02020603050405020304" pitchFamily="18" charset="0"/>
+              </a:rPr>
+              <a:t>bạn</a:t>
+            </a:r>
+            <a:endParaRPr lang="vi-VN" sz="2600" dirty="0">
+              <a:latin typeface="Times New Roman" panose="02020603050405020304" pitchFamily="18" charset="0"/>
+              <a:cs typeface="Times New Roman" panose="02020603050405020304" pitchFamily="18" charset="0"/>
             </a:endParaRPr>
           </a:p>
         </p:txBody>
@@ -7260,7 +7100,7 @@
     </p:spTree>
     <p:extLst>
       <p:ext uri="{BB962C8B-B14F-4D97-AF65-F5344CB8AC3E}">
-        <p14:creationId xmlns:p14="http://schemas.microsoft.com/office/powerpoint/2010/main" val="2758304604"/>
+        <p14:creationId xmlns:p14="http://schemas.microsoft.com/office/powerpoint/2010/main" val="421384694"/>
       </p:ext>
     </p:extLst>
   </p:cSld>
@@ -7292,7 +7132,7 @@
           <p:cNvPr id="2" name="Google Shape;319;p35">
             <a:extLst>
               <a:ext uri="{FF2B5EF4-FFF2-40B4-BE49-F238E27FC236}">
-                <a16:creationId xmlns:a16="http://schemas.microsoft.com/office/drawing/2014/main" id="{7C0478A8-3F75-4502-B52A-01C233A094E7}"/>
+                <a16:creationId xmlns:a16="http://schemas.microsoft.com/office/drawing/2014/main" id="{8D185048-8ACB-40BF-AF8D-10263A2D273D}"/>
               </a:ext>
             </a:extLst>
           </p:cNvPr>
@@ -7362,6 +7202,664 @@
           <p:cNvPr id="3" name="Google Shape;320;p35">
             <a:extLst>
               <a:ext uri="{FF2B5EF4-FFF2-40B4-BE49-F238E27FC236}">
+                <a16:creationId xmlns:a16="http://schemas.microsoft.com/office/drawing/2014/main" id="{E49E13B5-240F-48FA-8E4A-8CD783C3AF33}"/>
+              </a:ext>
+            </a:extLst>
+          </p:cNvPr>
+          <p:cNvSpPr txBox="1"/>
+          <p:nvPr/>
+        </p:nvSpPr>
+        <p:spPr>
+          <a:xfrm>
+            <a:off x="409074" y="666690"/>
+            <a:ext cx="3096126" cy="400069"/>
+          </a:xfrm>
+          <a:prstGeom prst="rect">
+            <a:avLst/>
+          </a:prstGeom>
+          <a:noFill/>
+          <a:ln>
+            <a:noFill/>
+          </a:ln>
+        </p:spPr>
+        <p:txBody>
+          <a:bodyPr spcFirstLastPara="1" wrap="square" lIns="91425" tIns="45700" rIns="91425" bIns="45700" anchor="t" anchorCtr="0">
+            <a:spAutoFit/>
+          </a:bodyPr>
+          <a:lstStyle/>
+          <a:p>
+            <a:pPr marL="342900" marR="0" lvl="0" indent="-342900" algn="l" rtl="0">
+              <a:lnSpc>
+                <a:spcPct val="100000"/>
+              </a:lnSpc>
+              <a:spcBef>
+                <a:spcPts val="0"/>
+              </a:spcBef>
+              <a:spcAft>
+                <a:spcPts val="0"/>
+              </a:spcAft>
+              <a:buClr>
+                <a:srgbClr val="03506C"/>
+              </a:buClr>
+              <a:buSzPts val="2000"/>
+              <a:buFont typeface="Noto Sans Symbols"/>
+              <a:buChar char="❖"/>
+            </a:pPr>
+            <a:r>
+              <a:rPr lang="en-US" sz="2000" b="1" u="sng" dirty="0">
+                <a:solidFill>
+                  <a:srgbClr val="03506C"/>
+                </a:solidFill>
+                <a:latin typeface="Arial"/>
+                <a:ea typeface="Arial"/>
+                <a:cs typeface="Arial"/>
+                <a:sym typeface="Arial"/>
+              </a:rPr>
+              <a:t>CLASS</a:t>
+            </a:r>
+            <a:r>
+              <a:rPr lang="en-US" sz="2000" b="1" i="0" u="sng" strike="noStrike" cap="none" dirty="0">
+                <a:solidFill>
+                  <a:srgbClr val="03506C"/>
+                </a:solidFill>
+                <a:latin typeface="Arial"/>
+                <a:ea typeface="Arial"/>
+                <a:cs typeface="Arial"/>
+                <a:sym typeface="Arial"/>
+              </a:rPr>
+              <a:t> DIAGRAM</a:t>
+            </a:r>
+            <a:endParaRPr sz="2000" b="1" i="0" u="sng" strike="noStrike" cap="none" dirty="0">
+              <a:solidFill>
+                <a:srgbClr val="03506C"/>
+              </a:solidFill>
+              <a:latin typeface="Arial"/>
+              <a:ea typeface="Arial"/>
+              <a:cs typeface="Arial"/>
+              <a:sym typeface="Arial"/>
+            </a:endParaRPr>
+          </a:p>
+        </p:txBody>
+      </p:sp>
+      <p:sp>
+        <p:nvSpPr>
+          <p:cNvPr id="4" name="Google Shape;321;p35">
+            <a:extLst>
+              <a:ext uri="{FF2B5EF4-FFF2-40B4-BE49-F238E27FC236}">
+                <a16:creationId xmlns:a16="http://schemas.microsoft.com/office/drawing/2014/main" id="{8B64C938-FD0E-4557-AEB2-C88CF46E4DCE}"/>
+              </a:ext>
+            </a:extLst>
+          </p:cNvPr>
+          <p:cNvSpPr txBox="1"/>
+          <p:nvPr/>
+        </p:nvSpPr>
+        <p:spPr>
+          <a:xfrm>
+            <a:off x="9424736" y="57090"/>
+            <a:ext cx="1824789" cy="571500"/>
+          </a:xfrm>
+          <a:prstGeom prst="rect">
+            <a:avLst/>
+          </a:prstGeom>
+          <a:noFill/>
+          <a:ln>
+            <a:noFill/>
+          </a:ln>
+        </p:spPr>
+        <p:txBody>
+          <a:bodyPr spcFirstLastPara="1" wrap="square" lIns="91425" tIns="45700" rIns="91425" bIns="45700" anchor="ctr" anchorCtr="0">
+            <a:noAutofit/>
+          </a:bodyPr>
+          <a:lstStyle/>
+          <a:p>
+            <a:pPr marL="0" marR="0" lvl="0" indent="0" algn="l" rtl="0">
+              <a:lnSpc>
+                <a:spcPct val="100000"/>
+              </a:lnSpc>
+              <a:spcBef>
+                <a:spcPts val="0"/>
+              </a:spcBef>
+              <a:spcAft>
+                <a:spcPts val="0"/>
+              </a:spcAft>
+              <a:buClr>
+                <a:srgbClr val="0578A2"/>
+              </a:buClr>
+              <a:buSzPts val="2400"/>
+              <a:buFont typeface="Arial"/>
+              <a:buNone/>
+            </a:pPr>
+            <a:r>
+              <a:rPr lang="en-US" sz="2400" b="1" i="0" u="none" strike="noStrike" cap="none">
+                <a:solidFill>
+                  <a:srgbClr val="0578A2"/>
+                </a:solidFill>
+                <a:latin typeface="Arial"/>
+                <a:ea typeface="Arial"/>
+                <a:cs typeface="Arial"/>
+                <a:sym typeface="Arial"/>
+              </a:rPr>
+              <a:t>THIẾT KẾ</a:t>
+            </a:r>
+            <a:endParaRPr sz="2400" b="1" i="0" u="none" strike="noStrike" cap="none">
+              <a:solidFill>
+                <a:srgbClr val="0578A2"/>
+              </a:solidFill>
+              <a:latin typeface="Arial"/>
+              <a:ea typeface="Arial"/>
+              <a:cs typeface="Arial"/>
+              <a:sym typeface="Arial"/>
+            </a:endParaRPr>
+          </a:p>
+        </p:txBody>
+      </p:sp>
+      <p:sp>
+        <p:nvSpPr>
+          <p:cNvPr id="5" name="Google Shape;322;p35">
+            <a:extLst>
+              <a:ext uri="{FF2B5EF4-FFF2-40B4-BE49-F238E27FC236}">
+                <a16:creationId xmlns:a16="http://schemas.microsoft.com/office/drawing/2014/main" id="{7C98B827-D5C4-4CC2-BCF9-C42EE97092FE}"/>
+              </a:ext>
+            </a:extLst>
+          </p:cNvPr>
+          <p:cNvSpPr txBox="1"/>
+          <p:nvPr/>
+        </p:nvSpPr>
+        <p:spPr>
+          <a:xfrm>
+            <a:off x="5314950" y="6396335"/>
+            <a:ext cx="1562100" cy="461665"/>
+          </a:xfrm>
+          <a:prstGeom prst="rect">
+            <a:avLst/>
+          </a:prstGeom>
+          <a:noFill/>
+          <a:ln>
+            <a:noFill/>
+          </a:ln>
+        </p:spPr>
+        <p:txBody>
+          <a:bodyPr spcFirstLastPara="1" wrap="square" lIns="91425" tIns="45700" rIns="91425" bIns="45700" anchor="t" anchorCtr="0">
+            <a:spAutoFit/>
+          </a:bodyPr>
+          <a:lstStyle/>
+          <a:p>
+            <a:pPr marL="0" marR="0" lvl="0" indent="0" algn="l" rtl="0">
+              <a:lnSpc>
+                <a:spcPct val="100000"/>
+              </a:lnSpc>
+              <a:spcBef>
+                <a:spcPts val="0"/>
+              </a:spcBef>
+              <a:spcAft>
+                <a:spcPts val="0"/>
+              </a:spcAft>
+              <a:buNone/>
+            </a:pPr>
+            <a:r>
+              <a:rPr lang="en-US" sz="2400" b="1" i="0" u="none" strike="noStrike" cap="none" dirty="0">
+                <a:solidFill>
+                  <a:schemeClr val="lt1"/>
+                </a:solidFill>
+                <a:latin typeface="Arial"/>
+                <a:ea typeface="Arial"/>
+                <a:cs typeface="Arial"/>
+                <a:sym typeface="Arial"/>
+              </a:rPr>
+              <a:t>NHÓM </a:t>
+            </a:r>
+            <a:r>
+              <a:rPr lang="en-US" sz="2400" b="1" dirty="0">
+                <a:solidFill>
+                  <a:schemeClr val="lt1"/>
+                </a:solidFill>
+                <a:latin typeface="Arial"/>
+                <a:ea typeface="Arial"/>
+                <a:cs typeface="Arial"/>
+                <a:sym typeface="Arial"/>
+              </a:rPr>
+              <a:t>6</a:t>
+            </a:r>
+            <a:endParaRPr sz="2400" b="1" i="0" u="none" strike="noStrike" cap="none" dirty="0">
+              <a:solidFill>
+                <a:schemeClr val="lt1"/>
+              </a:solidFill>
+              <a:latin typeface="Arial"/>
+              <a:ea typeface="Arial"/>
+              <a:cs typeface="Arial"/>
+              <a:sym typeface="Arial"/>
+            </a:endParaRPr>
+          </a:p>
+        </p:txBody>
+      </p:sp>
+    </p:spTree>
+    <p:extLst>
+      <p:ext uri="{BB962C8B-B14F-4D97-AF65-F5344CB8AC3E}">
+        <p14:creationId xmlns:p14="http://schemas.microsoft.com/office/powerpoint/2010/main" val="3534707094"/>
+      </p:ext>
+    </p:extLst>
+  </p:cSld>
+  <p:clrMapOvr>
+    <a:masterClrMapping/>
+  </p:clrMapOvr>
+</p:sld>
+</file>
+
+<file path=ppt/slides/slide17.xml><?xml version="1.0" encoding="utf-8"?>
+<p:sld xmlns:a="http://schemas.openxmlformats.org/drawingml/2006/main" xmlns:r="http://schemas.openxmlformats.org/officeDocument/2006/relationships" xmlns:p="http://schemas.openxmlformats.org/presentationml/2006/main">
+  <p:cSld>
+    <p:spTree>
+      <p:nvGrpSpPr>
+        <p:cNvPr id="1" name=""/>
+        <p:cNvGrpSpPr/>
+        <p:nvPr/>
+      </p:nvGrpSpPr>
+      <p:grpSpPr>
+        <a:xfrm>
+          <a:off x="0" y="0"/>
+          <a:ext cx="0" cy="0"/>
+          <a:chOff x="0" y="0"/>
+          <a:chExt cx="0" cy="0"/>
+        </a:xfrm>
+      </p:grpSpPr>
+      <p:sp>
+        <p:nvSpPr>
+          <p:cNvPr id="2" name="Google Shape;319;p35">
+            <a:extLst>
+              <a:ext uri="{FF2B5EF4-FFF2-40B4-BE49-F238E27FC236}">
+                <a16:creationId xmlns:a16="http://schemas.microsoft.com/office/drawing/2014/main" id="{E92A6367-C15C-45B5-8467-F9925B35CFD5}"/>
+              </a:ext>
+            </a:extLst>
+          </p:cNvPr>
+          <p:cNvSpPr/>
+          <p:nvPr/>
+        </p:nvSpPr>
+        <p:spPr>
+          <a:xfrm>
+            <a:off x="11173326" y="-476310"/>
+            <a:ext cx="609600" cy="1143000"/>
+          </a:xfrm>
+          <a:prstGeom prst="roundRect">
+            <a:avLst>
+              <a:gd name="adj" fmla="val 16667"/>
+            </a:avLst>
+          </a:prstGeom>
+          <a:solidFill>
+            <a:schemeClr val="accent3"/>
+          </a:solidFill>
+          <a:ln w="25400" cap="flat" cmpd="sng">
+            <a:solidFill>
+              <a:srgbClr val="05759E"/>
+            </a:solidFill>
+            <a:prstDash val="solid"/>
+            <a:round/>
+            <a:headEnd type="none" w="sm" len="sm"/>
+            <a:tailEnd type="none" w="sm" len="sm"/>
+          </a:ln>
+        </p:spPr>
+        <p:txBody>
+          <a:bodyPr spcFirstLastPara="1" wrap="square" lIns="91425" tIns="45700" rIns="91425" bIns="45700" anchor="ctr" anchorCtr="0">
+            <a:noAutofit/>
+          </a:bodyPr>
+          <a:lstStyle/>
+          <a:p>
+            <a:pPr marL="0" marR="0" lvl="0" indent="0" algn="ctr" rtl="0">
+              <a:lnSpc>
+                <a:spcPct val="100000"/>
+              </a:lnSpc>
+              <a:spcBef>
+                <a:spcPts val="0"/>
+              </a:spcBef>
+              <a:spcAft>
+                <a:spcPts val="0"/>
+              </a:spcAft>
+              <a:buClr>
+                <a:srgbClr val="000000"/>
+              </a:buClr>
+              <a:buSzPts val="1800"/>
+              <a:buFont typeface="Arial"/>
+              <a:buNone/>
+            </a:pPr>
+            <a:endParaRPr sz="1800" b="0" i="0" u="none" strike="noStrike" cap="none">
+              <a:solidFill>
+                <a:schemeClr val="lt1"/>
+              </a:solidFill>
+              <a:latin typeface="Libre Franklin Thin"/>
+              <a:ea typeface="Libre Franklin Thin"/>
+              <a:cs typeface="Libre Franklin Thin"/>
+              <a:sym typeface="Libre Franklin Thin"/>
+            </a:endParaRPr>
+          </a:p>
+        </p:txBody>
+      </p:sp>
+      <p:sp>
+        <p:nvSpPr>
+          <p:cNvPr id="3" name="Google Shape;320;p35">
+            <a:extLst>
+              <a:ext uri="{FF2B5EF4-FFF2-40B4-BE49-F238E27FC236}">
+                <a16:creationId xmlns:a16="http://schemas.microsoft.com/office/drawing/2014/main" id="{6B0395E8-8A89-4E5E-997E-B500C0381475}"/>
+              </a:ext>
+            </a:extLst>
+          </p:cNvPr>
+          <p:cNvSpPr txBox="1"/>
+          <p:nvPr/>
+        </p:nvSpPr>
+        <p:spPr>
+          <a:xfrm>
+            <a:off x="409074" y="666690"/>
+            <a:ext cx="3096126" cy="400069"/>
+          </a:xfrm>
+          <a:prstGeom prst="rect">
+            <a:avLst/>
+          </a:prstGeom>
+          <a:noFill/>
+          <a:ln>
+            <a:noFill/>
+          </a:ln>
+        </p:spPr>
+        <p:txBody>
+          <a:bodyPr spcFirstLastPara="1" wrap="square" lIns="91425" tIns="45700" rIns="91425" bIns="45700" anchor="t" anchorCtr="0">
+            <a:spAutoFit/>
+          </a:bodyPr>
+          <a:lstStyle/>
+          <a:p>
+            <a:pPr marL="342900" marR="0" lvl="0" indent="-342900" algn="l" rtl="0">
+              <a:lnSpc>
+                <a:spcPct val="100000"/>
+              </a:lnSpc>
+              <a:spcBef>
+                <a:spcPts val="0"/>
+              </a:spcBef>
+              <a:spcAft>
+                <a:spcPts val="0"/>
+              </a:spcAft>
+              <a:buClr>
+                <a:srgbClr val="03506C"/>
+              </a:buClr>
+              <a:buSzPts val="2000"/>
+              <a:buFont typeface="Noto Sans Symbols"/>
+              <a:buChar char="❖"/>
+            </a:pPr>
+            <a:r>
+              <a:rPr lang="en-US" sz="2000" b="1" u="sng" dirty="0">
+                <a:solidFill>
+                  <a:srgbClr val="03506C"/>
+                </a:solidFill>
+                <a:latin typeface="Arial"/>
+                <a:ea typeface="Arial"/>
+                <a:cs typeface="Arial"/>
+                <a:sym typeface="Arial"/>
+              </a:rPr>
+              <a:t>CƠ SỞ DỮ LIỆU</a:t>
+            </a:r>
+            <a:endParaRPr sz="2000" b="1" i="0" u="sng" strike="noStrike" cap="none" dirty="0">
+              <a:solidFill>
+                <a:srgbClr val="03506C"/>
+              </a:solidFill>
+              <a:latin typeface="Arial"/>
+              <a:ea typeface="Arial"/>
+              <a:cs typeface="Arial"/>
+              <a:sym typeface="Arial"/>
+            </a:endParaRPr>
+          </a:p>
+        </p:txBody>
+      </p:sp>
+      <p:sp>
+        <p:nvSpPr>
+          <p:cNvPr id="4" name="Google Shape;321;p35">
+            <a:extLst>
+              <a:ext uri="{FF2B5EF4-FFF2-40B4-BE49-F238E27FC236}">
+                <a16:creationId xmlns:a16="http://schemas.microsoft.com/office/drawing/2014/main" id="{65129259-E120-4C5A-8B09-8A39E81C75D9}"/>
+              </a:ext>
+            </a:extLst>
+          </p:cNvPr>
+          <p:cNvSpPr txBox="1"/>
+          <p:nvPr/>
+        </p:nvSpPr>
+        <p:spPr>
+          <a:xfrm>
+            <a:off x="9424736" y="57090"/>
+            <a:ext cx="1824789" cy="571500"/>
+          </a:xfrm>
+          <a:prstGeom prst="rect">
+            <a:avLst/>
+          </a:prstGeom>
+          <a:noFill/>
+          <a:ln>
+            <a:noFill/>
+          </a:ln>
+        </p:spPr>
+        <p:txBody>
+          <a:bodyPr spcFirstLastPara="1" wrap="square" lIns="91425" tIns="45700" rIns="91425" bIns="45700" anchor="ctr" anchorCtr="0">
+            <a:noAutofit/>
+          </a:bodyPr>
+          <a:lstStyle/>
+          <a:p>
+            <a:pPr marL="0" marR="0" lvl="0" indent="0" algn="l" rtl="0">
+              <a:lnSpc>
+                <a:spcPct val="100000"/>
+              </a:lnSpc>
+              <a:spcBef>
+                <a:spcPts val="0"/>
+              </a:spcBef>
+              <a:spcAft>
+                <a:spcPts val="0"/>
+              </a:spcAft>
+              <a:buClr>
+                <a:srgbClr val="0578A2"/>
+              </a:buClr>
+              <a:buSzPts val="2400"/>
+              <a:buFont typeface="Arial"/>
+              <a:buNone/>
+            </a:pPr>
+            <a:r>
+              <a:rPr lang="en-US" sz="2400" b="1" i="0" u="none" strike="noStrike" cap="none">
+                <a:solidFill>
+                  <a:srgbClr val="0578A2"/>
+                </a:solidFill>
+                <a:latin typeface="Arial"/>
+                <a:ea typeface="Arial"/>
+                <a:cs typeface="Arial"/>
+                <a:sym typeface="Arial"/>
+              </a:rPr>
+              <a:t>THIẾT KẾ</a:t>
+            </a:r>
+            <a:endParaRPr sz="2400" b="1" i="0" u="none" strike="noStrike" cap="none">
+              <a:solidFill>
+                <a:srgbClr val="0578A2"/>
+              </a:solidFill>
+              <a:latin typeface="Arial"/>
+              <a:ea typeface="Arial"/>
+              <a:cs typeface="Arial"/>
+              <a:sym typeface="Arial"/>
+            </a:endParaRPr>
+          </a:p>
+        </p:txBody>
+      </p:sp>
+      <p:sp>
+        <p:nvSpPr>
+          <p:cNvPr id="5" name="Google Shape;322;p35">
+            <a:extLst>
+              <a:ext uri="{FF2B5EF4-FFF2-40B4-BE49-F238E27FC236}">
+                <a16:creationId xmlns:a16="http://schemas.microsoft.com/office/drawing/2014/main" id="{E8971F61-40ED-4D27-B916-98434B122ADE}"/>
+              </a:ext>
+            </a:extLst>
+          </p:cNvPr>
+          <p:cNvSpPr txBox="1"/>
+          <p:nvPr/>
+        </p:nvSpPr>
+        <p:spPr>
+          <a:xfrm>
+            <a:off x="5314950" y="6396335"/>
+            <a:ext cx="1562100" cy="461665"/>
+          </a:xfrm>
+          <a:prstGeom prst="rect">
+            <a:avLst/>
+          </a:prstGeom>
+          <a:noFill/>
+          <a:ln>
+            <a:noFill/>
+          </a:ln>
+        </p:spPr>
+        <p:txBody>
+          <a:bodyPr spcFirstLastPara="1" wrap="square" lIns="91425" tIns="45700" rIns="91425" bIns="45700" anchor="t" anchorCtr="0">
+            <a:spAutoFit/>
+          </a:bodyPr>
+          <a:lstStyle/>
+          <a:p>
+            <a:pPr marL="0" marR="0" lvl="0" indent="0" algn="l" rtl="0">
+              <a:lnSpc>
+                <a:spcPct val="100000"/>
+              </a:lnSpc>
+              <a:spcBef>
+                <a:spcPts val="0"/>
+              </a:spcBef>
+              <a:spcAft>
+                <a:spcPts val="0"/>
+              </a:spcAft>
+              <a:buNone/>
+            </a:pPr>
+            <a:r>
+              <a:rPr lang="en-US" sz="2400" b="1" i="0" u="none" strike="noStrike" cap="none" dirty="0">
+                <a:solidFill>
+                  <a:schemeClr val="lt1"/>
+                </a:solidFill>
+                <a:latin typeface="Arial"/>
+                <a:ea typeface="Arial"/>
+                <a:cs typeface="Arial"/>
+                <a:sym typeface="Arial"/>
+              </a:rPr>
+              <a:t>NHÓM </a:t>
+            </a:r>
+            <a:r>
+              <a:rPr lang="en-US" sz="2400" b="1" dirty="0">
+                <a:solidFill>
+                  <a:schemeClr val="lt1"/>
+                </a:solidFill>
+                <a:latin typeface="Arial"/>
+                <a:ea typeface="Arial"/>
+                <a:cs typeface="Arial"/>
+                <a:sym typeface="Arial"/>
+              </a:rPr>
+              <a:t>6</a:t>
+            </a:r>
+            <a:endParaRPr sz="2400" b="1" i="0" u="none" strike="noStrike" cap="none" dirty="0">
+              <a:solidFill>
+                <a:schemeClr val="lt1"/>
+              </a:solidFill>
+              <a:latin typeface="Arial"/>
+              <a:ea typeface="Arial"/>
+              <a:cs typeface="Arial"/>
+              <a:sym typeface="Arial"/>
+            </a:endParaRPr>
+          </a:p>
+        </p:txBody>
+      </p:sp>
+    </p:spTree>
+    <p:extLst>
+      <p:ext uri="{BB962C8B-B14F-4D97-AF65-F5344CB8AC3E}">
+        <p14:creationId xmlns:p14="http://schemas.microsoft.com/office/powerpoint/2010/main" val="2758304604"/>
+      </p:ext>
+    </p:extLst>
+  </p:cSld>
+  <p:clrMapOvr>
+    <a:masterClrMapping/>
+  </p:clrMapOvr>
+</p:sld>
+</file>
+
+<file path=ppt/slides/slide18.xml><?xml version="1.0" encoding="utf-8"?>
+<p:sld xmlns:a="http://schemas.openxmlformats.org/drawingml/2006/main" xmlns:r="http://schemas.openxmlformats.org/officeDocument/2006/relationships" xmlns:p="http://schemas.openxmlformats.org/presentationml/2006/main">
+  <p:cSld>
+    <p:spTree>
+      <p:nvGrpSpPr>
+        <p:cNvPr id="1" name=""/>
+        <p:cNvGrpSpPr/>
+        <p:nvPr/>
+      </p:nvGrpSpPr>
+      <p:grpSpPr>
+        <a:xfrm>
+          <a:off x="0" y="0"/>
+          <a:ext cx="0" cy="0"/>
+          <a:chOff x="0" y="0"/>
+          <a:chExt cx="0" cy="0"/>
+        </a:xfrm>
+      </p:grpSpPr>
+      <p:sp>
+        <p:nvSpPr>
+          <p:cNvPr id="2" name="Google Shape;319;p35">
+            <a:extLst>
+              <a:ext uri="{FF2B5EF4-FFF2-40B4-BE49-F238E27FC236}">
+                <a16:creationId xmlns:a16="http://schemas.microsoft.com/office/drawing/2014/main" id="{7C0478A8-3F75-4502-B52A-01C233A094E7}"/>
+              </a:ext>
+            </a:extLst>
+          </p:cNvPr>
+          <p:cNvSpPr/>
+          <p:nvPr/>
+        </p:nvSpPr>
+        <p:spPr>
+          <a:xfrm>
+            <a:off x="11173326" y="-476310"/>
+            <a:ext cx="609600" cy="1143000"/>
+          </a:xfrm>
+          <a:prstGeom prst="roundRect">
+            <a:avLst>
+              <a:gd name="adj" fmla="val 16667"/>
+            </a:avLst>
+          </a:prstGeom>
+          <a:solidFill>
+            <a:schemeClr val="accent3"/>
+          </a:solidFill>
+          <a:ln w="25400" cap="flat" cmpd="sng">
+            <a:solidFill>
+              <a:srgbClr val="05759E"/>
+            </a:solidFill>
+            <a:prstDash val="solid"/>
+            <a:round/>
+            <a:headEnd type="none" w="sm" len="sm"/>
+            <a:tailEnd type="none" w="sm" len="sm"/>
+          </a:ln>
+        </p:spPr>
+        <p:txBody>
+          <a:bodyPr spcFirstLastPara="1" wrap="square" lIns="91425" tIns="45700" rIns="91425" bIns="45700" anchor="ctr" anchorCtr="0">
+            <a:noAutofit/>
+          </a:bodyPr>
+          <a:lstStyle/>
+          <a:p>
+            <a:pPr marL="0" marR="0" lvl="0" indent="0" algn="ctr" rtl="0">
+              <a:lnSpc>
+                <a:spcPct val="100000"/>
+              </a:lnSpc>
+              <a:spcBef>
+                <a:spcPts val="0"/>
+              </a:spcBef>
+              <a:spcAft>
+                <a:spcPts val="0"/>
+              </a:spcAft>
+              <a:buClr>
+                <a:srgbClr val="000000"/>
+              </a:buClr>
+              <a:buSzPts val="1800"/>
+              <a:buFont typeface="Arial"/>
+              <a:buNone/>
+            </a:pPr>
+            <a:endParaRPr sz="1800" b="0" i="0" u="none" strike="noStrike" cap="none">
+              <a:solidFill>
+                <a:schemeClr val="lt1"/>
+              </a:solidFill>
+              <a:latin typeface="Libre Franklin Thin"/>
+              <a:ea typeface="Libre Franklin Thin"/>
+              <a:cs typeface="Libre Franklin Thin"/>
+              <a:sym typeface="Libre Franklin Thin"/>
+            </a:endParaRPr>
+          </a:p>
+        </p:txBody>
+      </p:sp>
+      <p:sp>
+        <p:nvSpPr>
+          <p:cNvPr id="3" name="Google Shape;320;p35">
+            <a:extLst>
+              <a:ext uri="{FF2B5EF4-FFF2-40B4-BE49-F238E27FC236}">
                 <a16:creationId xmlns:a16="http://schemas.microsoft.com/office/drawing/2014/main" id="{0126A184-298E-41D6-A51D-95AF6E54812F}"/>
               </a:ext>
             </a:extLst>
@@ -7593,7 +8091,7 @@
 </p:sld>
 </file>
 
-<file path=ppt/slides/slide17.xml><?xml version="1.0" encoding="utf-8"?>
+<file path=ppt/slides/slide19.xml><?xml version="1.0" encoding="utf-8"?>
 <p:sld xmlns:a="http://schemas.openxmlformats.org/drawingml/2006/main" xmlns:r="http://schemas.openxmlformats.org/officeDocument/2006/relationships" xmlns:p="http://schemas.openxmlformats.org/presentationml/2006/main">
   <p:cSld>
     <p:spTree>

--- a/Slide_BaoCao/AppChat_Nhom6.pptx
+++ b/Slide_BaoCao/AppChat_Nhom6.pptx
@@ -16,14 +16,17 @@
     <p:sldId id="264" r:id="rId10"/>
     <p:sldId id="265" r:id="rId11"/>
     <p:sldId id="266" r:id="rId12"/>
-    <p:sldId id="267" r:id="rId13"/>
-    <p:sldId id="273" r:id="rId14"/>
-    <p:sldId id="268" r:id="rId15"/>
-    <p:sldId id="274" r:id="rId16"/>
-    <p:sldId id="269" r:id="rId17"/>
-    <p:sldId id="270" r:id="rId18"/>
-    <p:sldId id="271" r:id="rId19"/>
-    <p:sldId id="272" r:id="rId20"/>
+    <p:sldId id="275" r:id="rId13"/>
+    <p:sldId id="277" r:id="rId14"/>
+    <p:sldId id="278" r:id="rId15"/>
+    <p:sldId id="267" r:id="rId16"/>
+    <p:sldId id="273" r:id="rId17"/>
+    <p:sldId id="268" r:id="rId18"/>
+    <p:sldId id="274" r:id="rId19"/>
+    <p:sldId id="269" r:id="rId20"/>
+    <p:sldId id="270" r:id="rId21"/>
+    <p:sldId id="271" r:id="rId22"/>
+    <p:sldId id="272" r:id="rId23"/>
   </p:sldIdLst>
   <p:sldSz cx="12192000" cy="6858000"/>
   <p:notesSz cx="6858000" cy="9144000"/>
@@ -4977,7 +4980,19 @@
                 <a:cs typeface="Arial"/>
                 <a:sym typeface="Arial"/>
               </a:rPr>
-              <a:t>Lê Văn Toàn 	     18075801 </a:t>
+              <a:t>Lê Văn Toàn 	</a:t>
+            </a:r>
+            <a:r>
+              <a:rPr lang="en-US" sz="1800" b="1" i="0" u="none" strike="noStrike" cap="none">
+                <a:solidFill>
+                  <a:schemeClr val="dk1"/>
+                </a:solidFill>
+                <a:latin typeface="Arial"/>
+                <a:ea typeface="Arial"/>
+                <a:cs typeface="Arial"/>
+                <a:sym typeface="Arial"/>
+              </a:rPr>
+              <a:t>     18075801 </a:t>
             </a:r>
             <a:endParaRPr sz="1800" b="1" i="0" u="none" strike="noStrike" cap="none" dirty="0">
               <a:solidFill>
@@ -5008,7 +5023,7 @@
               <a:buNone/>
             </a:pPr>
             <a:r>
-              <a:rPr lang="en-US" sz="1800" b="1" i="0" u="none" strike="noStrike" cap="none" dirty="0">
+              <a:rPr lang="en-US" sz="1800" b="1" i="0" u="none" strike="noStrike" cap="none">
                 <a:solidFill>
                   <a:schemeClr val="dk1"/>
                 </a:solidFill>
@@ -5017,31 +5032,7 @@
                 <a:cs typeface="Arial"/>
                 <a:sym typeface="Arial"/>
               </a:rPr>
-              <a:t>Phan Văn </a:t>
-            </a:r>
-            <a:r>
-              <a:rPr lang="en-US" sz="1800" b="1" i="0" u="none" strike="noStrike" cap="none" dirty="0" err="1">
-                <a:solidFill>
-                  <a:schemeClr val="dk1"/>
-                </a:solidFill>
-                <a:latin typeface="Arial"/>
-                <a:ea typeface="Arial"/>
-                <a:cs typeface="Arial"/>
-                <a:sym typeface="Arial"/>
-              </a:rPr>
-              <a:t>Thông</a:t>
-            </a:r>
-            <a:r>
-              <a:rPr lang="en-US" sz="1800" b="1" i="0" u="none" strike="noStrike" cap="none" dirty="0">
-                <a:solidFill>
-                  <a:schemeClr val="dk1"/>
-                </a:solidFill>
-                <a:latin typeface="Arial"/>
-                <a:ea typeface="Arial"/>
-                <a:cs typeface="Arial"/>
-                <a:sym typeface="Arial"/>
-              </a:rPr>
-              <a:t>     18043151</a:t>
+              <a:t>Nguyễn Tấn Hưng   18043151</a:t>
             </a:r>
             <a:endParaRPr sz="1800" b="1" i="0" u="none" strike="noStrike" cap="none" dirty="0">
               <a:solidFill>
@@ -5141,7 +5132,19 @@
                 <a:cs typeface="Arial"/>
                 <a:sym typeface="Arial"/>
               </a:rPr>
-              <a:t> 	     18040671</a:t>
+              <a:t> 	</a:t>
+            </a:r>
+            <a:r>
+              <a:rPr lang="en-US" sz="1800" b="1" i="0" u="none" strike="noStrike" cap="none">
+                <a:solidFill>
+                  <a:schemeClr val="dk1"/>
+                </a:solidFill>
+                <a:latin typeface="Arial"/>
+                <a:ea typeface="Arial"/>
+                <a:cs typeface="Arial"/>
+                <a:sym typeface="Arial"/>
+              </a:rPr>
+              <a:t>            18040671</a:t>
             </a:r>
             <a:endParaRPr sz="1800" b="1" i="0" u="none" strike="noStrike" cap="none" dirty="0">
               <a:solidFill>
@@ -5220,7 +5223,7 @@
               <a:t> </a:t>
             </a:r>
             <a:r>
-              <a:rPr lang="en-US" sz="1800" b="1" i="0" u="none" strike="noStrike" cap="none" dirty="0" err="1">
+              <a:rPr lang="en-US" sz="1800" b="1" i="0" u="none" strike="noStrike" cap="none" err="1">
                 <a:solidFill>
                   <a:schemeClr val="dk1"/>
                 </a:solidFill>
@@ -5232,7 +5235,7 @@
               <a:t>Hoàng</a:t>
             </a:r>
             <a:r>
-              <a:rPr lang="en-US" sz="1800" b="1" i="0" u="none" strike="noStrike" cap="none" dirty="0">
+              <a:rPr lang="en-US" sz="1800" b="1" i="0" u="none" strike="noStrike" cap="none">
                 <a:solidFill>
                   <a:schemeClr val="dk1"/>
                 </a:solidFill>
@@ -5241,7 +5244,7 @@
                 <a:cs typeface="Arial"/>
                 <a:sym typeface="Arial"/>
               </a:rPr>
-              <a:t>   18081491</a:t>
+              <a:t>    18081491</a:t>
             </a:r>
             <a:endParaRPr sz="1800" b="1" i="0" u="none" strike="noStrike" cap="none" dirty="0">
               <a:solidFill>
@@ -5636,6 +5639,42 @@
           </a:p>
         </p:txBody>
       </p:sp>
+      <p:pic>
+        <p:nvPicPr>
+          <p:cNvPr id="6" name="Picture 5" descr="Diagram&#10;&#10;Description automatically generated">
+            <a:extLst>
+              <a:ext uri="{FF2B5EF4-FFF2-40B4-BE49-F238E27FC236}">
+                <a16:creationId xmlns:a16="http://schemas.microsoft.com/office/drawing/2014/main" id="{5BCAE55F-9B8E-4840-B748-B1116DC021A9}"/>
+              </a:ext>
+            </a:extLst>
+          </p:cNvPr>
+          <p:cNvPicPr>
+            <a:picLocks noChangeAspect="1"/>
+          </p:cNvPicPr>
+          <p:nvPr/>
+        </p:nvPicPr>
+        <p:blipFill>
+          <a:blip r:embed="rId2" cstate="print">
+            <a:extLst>
+              <a:ext uri="{28A0092B-C50C-407E-A947-70E740481C1C}">
+                <a14:useLocalDpi xmlns:a14="http://schemas.microsoft.com/office/drawing/2010/main" val="0"/>
+              </a:ext>
+            </a:extLst>
+          </a:blip>
+          <a:stretch>
+            <a:fillRect/>
+          </a:stretch>
+        </p:blipFill>
+        <p:spPr>
+          <a:xfrm>
+            <a:off x="798575" y="1066759"/>
+            <a:ext cx="10374751" cy="5289047"/>
+          </a:xfrm>
+          <a:prstGeom prst="rect">
+            <a:avLst/>
+          </a:prstGeom>
+        </p:spPr>
+      </p:pic>
     </p:spTree>
     <p:extLst>
       <p:ext uri="{BB962C8B-B14F-4D97-AF65-F5344CB8AC3E}">
@@ -5983,6 +6022,1269 @@
           </a:p>
         </p:txBody>
       </p:sp>
+      <p:graphicFrame>
+        <p:nvGraphicFramePr>
+          <p:cNvPr id="4" name="Table 3">
+            <a:extLst>
+              <a:ext uri="{FF2B5EF4-FFF2-40B4-BE49-F238E27FC236}">
+                <a16:creationId xmlns:a16="http://schemas.microsoft.com/office/drawing/2014/main" id="{0139FDC1-41FB-4FBD-AE85-DFA1E387C3C0}"/>
+              </a:ext>
+            </a:extLst>
+          </p:cNvPr>
+          <p:cNvGraphicFramePr>
+            <a:graphicFrameLocks noGrp="1"/>
+          </p:cNvGraphicFramePr>
+          <p:nvPr>
+            <p:extLst>
+              <p:ext uri="{D42A27DB-BD31-4B8C-83A1-F6EECF244321}">
+                <p14:modId xmlns:p14="http://schemas.microsoft.com/office/powerpoint/2010/main" val="3239041052"/>
+              </p:ext>
+            </p:extLst>
+          </p:nvPr>
+        </p:nvGraphicFramePr>
+        <p:xfrm>
+          <a:off x="878541" y="2010431"/>
+          <a:ext cx="10340504" cy="3442232"/>
+        </p:xfrm>
+        <a:graphic>
+          <a:graphicData uri="http://schemas.openxmlformats.org/drawingml/2006/table">
+            <a:tbl>
+              <a:tblPr firstRow="1" firstCol="1" bandRow="1">
+                <a:tableStyleId>{5C22544A-7EE6-4342-B048-85BDC9FD1C3A}</a:tableStyleId>
+              </a:tblPr>
+              <a:tblGrid>
+                <a:gridCol w="5170252">
+                  <a:extLst>
+                    <a:ext uri="{9D8B030D-6E8A-4147-A177-3AD203B41FA5}">
+                      <a16:colId xmlns:a16="http://schemas.microsoft.com/office/drawing/2014/main" val="2990971619"/>
+                    </a:ext>
+                  </a:extLst>
+                </a:gridCol>
+                <a:gridCol w="5170252">
+                  <a:extLst>
+                    <a:ext uri="{9D8B030D-6E8A-4147-A177-3AD203B41FA5}">
+                      <a16:colId xmlns:a16="http://schemas.microsoft.com/office/drawing/2014/main" val="3771580539"/>
+                    </a:ext>
+                  </a:extLst>
+                </a:gridCol>
+              </a:tblGrid>
+              <a:tr h="161407">
+                <a:tc gridSpan="2">
+                  <a:txBody>
+                    <a:bodyPr/>
+                    <a:lstStyle/>
+                    <a:p>
+                      <a:pPr marL="0" marR="0" indent="0" algn="just">
+                        <a:lnSpc>
+                          <a:spcPct val="150000"/>
+                        </a:lnSpc>
+                        <a:spcBef>
+                          <a:spcPts val="0"/>
+                        </a:spcBef>
+                        <a:spcAft>
+                          <a:spcPts val="0"/>
+                        </a:spcAft>
+                      </a:pPr>
+                      <a:r>
+                        <a:rPr lang="en-US" sz="1200">
+                          <a:solidFill>
+                            <a:schemeClr val="tx1"/>
+                          </a:solidFill>
+                          <a:effectLst/>
+                        </a:rPr>
+                        <a:t>Usecase: Gửi Tin Nhắn</a:t>
+                      </a:r>
+                      <a:endParaRPr lang="en-US" sz="1200">
+                        <a:solidFill>
+                          <a:schemeClr val="tx1"/>
+                        </a:solidFill>
+                        <a:effectLst/>
+                        <a:latin typeface="Times New Roman" panose="02020603050405020304" pitchFamily="18" charset="0"/>
+                        <a:ea typeface="Times New Roman" panose="02020603050405020304" pitchFamily="18" charset="0"/>
+                      </a:endParaRPr>
+                    </a:p>
+                  </a:txBody>
+                  <a:tcPr marL="14918" marR="14918" marT="0" marB="0" anchor="ctr">
+                    <a:lnL w="12700" cap="flat" cmpd="sng" algn="ctr">
+                      <a:solidFill>
+                        <a:schemeClr val="tx1"/>
+                      </a:solidFill>
+                      <a:prstDash val="solid"/>
+                      <a:round/>
+                      <a:headEnd type="none" w="med" len="med"/>
+                      <a:tailEnd type="none" w="med" len="med"/>
+                    </a:lnL>
+                    <a:lnR w="12700" cap="flat" cmpd="sng" algn="ctr">
+                      <a:solidFill>
+                        <a:schemeClr val="tx1"/>
+                      </a:solidFill>
+                      <a:prstDash val="solid"/>
+                      <a:round/>
+                      <a:headEnd type="none" w="med" len="med"/>
+                      <a:tailEnd type="none" w="med" len="med"/>
+                    </a:lnR>
+                    <a:lnT w="12700" cap="flat" cmpd="sng" algn="ctr">
+                      <a:solidFill>
+                        <a:schemeClr val="tx1"/>
+                      </a:solidFill>
+                      <a:prstDash val="solid"/>
+                      <a:round/>
+                      <a:headEnd type="none" w="med" len="med"/>
+                      <a:tailEnd type="none" w="med" len="med"/>
+                    </a:lnT>
+                    <a:lnB w="12700" cap="flat" cmpd="sng" algn="ctr">
+                      <a:solidFill>
+                        <a:schemeClr val="tx1"/>
+                      </a:solidFill>
+                      <a:prstDash val="solid"/>
+                      <a:round/>
+                      <a:headEnd type="none" w="med" len="med"/>
+                      <a:tailEnd type="none" w="med" len="med"/>
+                    </a:lnB>
+                    <a:solidFill>
+                      <a:schemeClr val="bg1"/>
+                    </a:solidFill>
+                  </a:tcPr>
+                </a:tc>
+                <a:tc hMerge="1">
+                  <a:txBody>
+                    <a:bodyPr/>
+                    <a:lstStyle/>
+                    <a:p>
+                      <a:endParaRPr lang="en-US"/>
+                    </a:p>
+                  </a:txBody>
+                  <a:tcPr/>
+                </a:tc>
+                <a:extLst>
+                  <a:ext uri="{0D108BD9-81ED-4DB2-BD59-A6C34878D82A}">
+                    <a16:rowId xmlns:a16="http://schemas.microsoft.com/office/drawing/2014/main" val="73495918"/>
+                  </a:ext>
+                </a:extLst>
+              </a:tr>
+              <a:tr h="604635">
+                <a:tc>
+                  <a:txBody>
+                    <a:bodyPr/>
+                    <a:lstStyle/>
+                    <a:p>
+                      <a:pPr marL="0" marR="0" indent="0" algn="just">
+                        <a:lnSpc>
+                          <a:spcPct val="150000"/>
+                        </a:lnSpc>
+                        <a:spcBef>
+                          <a:spcPts val="0"/>
+                        </a:spcBef>
+                        <a:spcAft>
+                          <a:spcPts val="0"/>
+                        </a:spcAft>
+                      </a:pPr>
+                      <a:r>
+                        <a:rPr lang="en-US" sz="1200">
+                          <a:solidFill>
+                            <a:schemeClr val="tx1"/>
+                          </a:solidFill>
+                          <a:effectLst/>
+                        </a:rPr>
+                        <a:t>Mục đích</a:t>
+                      </a:r>
+                      <a:endParaRPr lang="en-US" sz="1200">
+                        <a:solidFill>
+                          <a:schemeClr val="tx1"/>
+                        </a:solidFill>
+                        <a:effectLst/>
+                        <a:latin typeface="Times New Roman" panose="02020603050405020304" pitchFamily="18" charset="0"/>
+                        <a:ea typeface="Times New Roman" panose="02020603050405020304" pitchFamily="18" charset="0"/>
+                      </a:endParaRPr>
+                    </a:p>
+                  </a:txBody>
+                  <a:tcPr marL="14918" marR="14918" marT="0" marB="0" anchor="ctr">
+                    <a:lnL w="12700" cap="flat" cmpd="sng" algn="ctr">
+                      <a:solidFill>
+                        <a:schemeClr val="tx1"/>
+                      </a:solidFill>
+                      <a:prstDash val="solid"/>
+                      <a:round/>
+                      <a:headEnd type="none" w="med" len="med"/>
+                      <a:tailEnd type="none" w="med" len="med"/>
+                    </a:lnL>
+                    <a:lnR w="12700" cap="flat" cmpd="sng" algn="ctr">
+                      <a:solidFill>
+                        <a:schemeClr val="tx1"/>
+                      </a:solidFill>
+                      <a:prstDash val="solid"/>
+                      <a:round/>
+                      <a:headEnd type="none" w="med" len="med"/>
+                      <a:tailEnd type="none" w="med" len="med"/>
+                    </a:lnR>
+                    <a:lnT w="12700" cap="flat" cmpd="sng" algn="ctr">
+                      <a:solidFill>
+                        <a:schemeClr val="tx1"/>
+                      </a:solidFill>
+                      <a:prstDash val="solid"/>
+                      <a:round/>
+                      <a:headEnd type="none" w="med" len="med"/>
+                      <a:tailEnd type="none" w="med" len="med"/>
+                    </a:lnT>
+                    <a:lnB w="12700" cap="flat" cmpd="sng" algn="ctr">
+                      <a:solidFill>
+                        <a:schemeClr val="tx1"/>
+                      </a:solidFill>
+                      <a:prstDash val="solid"/>
+                      <a:round/>
+                      <a:headEnd type="none" w="med" len="med"/>
+                      <a:tailEnd type="none" w="med" len="med"/>
+                    </a:lnB>
+                    <a:solidFill>
+                      <a:schemeClr val="bg1"/>
+                    </a:solidFill>
+                  </a:tcPr>
+                </a:tc>
+                <a:tc>
+                  <a:txBody>
+                    <a:bodyPr/>
+                    <a:lstStyle/>
+                    <a:p>
+                      <a:pPr marL="0" marR="0" indent="0" algn="just">
+                        <a:lnSpc>
+                          <a:spcPct val="150000"/>
+                        </a:lnSpc>
+                        <a:spcBef>
+                          <a:spcPts val="0"/>
+                        </a:spcBef>
+                        <a:spcAft>
+                          <a:spcPts val="0"/>
+                        </a:spcAft>
+                      </a:pPr>
+                      <a:r>
+                        <a:rPr lang="en-US" sz="1200">
+                          <a:solidFill>
+                            <a:schemeClr val="tx1"/>
+                          </a:solidFill>
+                          <a:effectLst/>
+                        </a:rPr>
+                        <a:t>Cho phép thực hiện trao đổi tin nhắn dưới dạn văn bản giữa 2 người dùng hoặc nhóm chat</a:t>
+                      </a:r>
+                      <a:endParaRPr lang="en-US" sz="1200">
+                        <a:solidFill>
+                          <a:schemeClr val="tx1"/>
+                        </a:solidFill>
+                        <a:effectLst/>
+                        <a:latin typeface="Times New Roman" panose="02020603050405020304" pitchFamily="18" charset="0"/>
+                        <a:ea typeface="Times New Roman" panose="02020603050405020304" pitchFamily="18" charset="0"/>
+                      </a:endParaRPr>
+                    </a:p>
+                  </a:txBody>
+                  <a:tcPr marL="14918" marR="14918" marT="0" marB="0" anchor="ctr">
+                    <a:lnL w="12700" cap="flat" cmpd="sng" algn="ctr">
+                      <a:solidFill>
+                        <a:schemeClr val="tx1"/>
+                      </a:solidFill>
+                      <a:prstDash val="solid"/>
+                      <a:round/>
+                      <a:headEnd type="none" w="med" len="med"/>
+                      <a:tailEnd type="none" w="med" len="med"/>
+                    </a:lnL>
+                    <a:lnR w="12700" cap="flat" cmpd="sng" algn="ctr">
+                      <a:solidFill>
+                        <a:schemeClr val="tx1"/>
+                      </a:solidFill>
+                      <a:prstDash val="solid"/>
+                      <a:round/>
+                      <a:headEnd type="none" w="med" len="med"/>
+                      <a:tailEnd type="none" w="med" len="med"/>
+                    </a:lnR>
+                    <a:lnT w="12700" cap="flat" cmpd="sng" algn="ctr">
+                      <a:solidFill>
+                        <a:schemeClr val="tx1"/>
+                      </a:solidFill>
+                      <a:prstDash val="solid"/>
+                      <a:round/>
+                      <a:headEnd type="none" w="med" len="med"/>
+                      <a:tailEnd type="none" w="med" len="med"/>
+                    </a:lnT>
+                    <a:lnB w="12700" cap="flat" cmpd="sng" algn="ctr">
+                      <a:solidFill>
+                        <a:schemeClr val="tx1"/>
+                      </a:solidFill>
+                      <a:prstDash val="solid"/>
+                      <a:round/>
+                      <a:headEnd type="none" w="med" len="med"/>
+                      <a:tailEnd type="none" w="med" len="med"/>
+                    </a:lnB>
+                    <a:solidFill>
+                      <a:schemeClr val="bg1"/>
+                    </a:solidFill>
+                  </a:tcPr>
+                </a:tc>
+                <a:extLst>
+                  <a:ext uri="{0D108BD9-81ED-4DB2-BD59-A6C34878D82A}">
+                    <a16:rowId xmlns:a16="http://schemas.microsoft.com/office/drawing/2014/main" val="1156625457"/>
+                  </a:ext>
+                </a:extLst>
+              </a:tr>
+              <a:tr h="550785">
+                <a:tc>
+                  <a:txBody>
+                    <a:bodyPr/>
+                    <a:lstStyle/>
+                    <a:p>
+                      <a:pPr marL="0" marR="0" indent="0" algn="just">
+                        <a:lnSpc>
+                          <a:spcPct val="150000"/>
+                        </a:lnSpc>
+                        <a:spcBef>
+                          <a:spcPts val="0"/>
+                        </a:spcBef>
+                        <a:spcAft>
+                          <a:spcPts val="0"/>
+                        </a:spcAft>
+                      </a:pPr>
+                      <a:r>
+                        <a:rPr lang="en-US" sz="1200">
+                          <a:solidFill>
+                            <a:schemeClr val="tx1"/>
+                          </a:solidFill>
+                          <a:effectLst/>
+                        </a:rPr>
+                        <a:t>Mô tả sơ lược</a:t>
+                      </a:r>
+                      <a:endParaRPr lang="en-US" sz="1200">
+                        <a:solidFill>
+                          <a:schemeClr val="tx1"/>
+                        </a:solidFill>
+                        <a:effectLst/>
+                        <a:latin typeface="Times New Roman" panose="02020603050405020304" pitchFamily="18" charset="0"/>
+                        <a:ea typeface="Times New Roman" panose="02020603050405020304" pitchFamily="18" charset="0"/>
+                      </a:endParaRPr>
+                    </a:p>
+                  </a:txBody>
+                  <a:tcPr marL="14918" marR="14918" marT="0" marB="0" anchor="ctr">
+                    <a:lnL w="12700" cap="flat" cmpd="sng" algn="ctr">
+                      <a:solidFill>
+                        <a:schemeClr val="tx1"/>
+                      </a:solidFill>
+                      <a:prstDash val="solid"/>
+                      <a:round/>
+                      <a:headEnd type="none" w="med" len="med"/>
+                      <a:tailEnd type="none" w="med" len="med"/>
+                    </a:lnL>
+                    <a:lnR w="12700" cap="flat" cmpd="sng" algn="ctr">
+                      <a:solidFill>
+                        <a:schemeClr val="tx1"/>
+                      </a:solidFill>
+                      <a:prstDash val="solid"/>
+                      <a:round/>
+                      <a:headEnd type="none" w="med" len="med"/>
+                      <a:tailEnd type="none" w="med" len="med"/>
+                    </a:lnR>
+                    <a:lnT w="12700" cap="flat" cmpd="sng" algn="ctr">
+                      <a:solidFill>
+                        <a:schemeClr val="tx1"/>
+                      </a:solidFill>
+                      <a:prstDash val="solid"/>
+                      <a:round/>
+                      <a:headEnd type="none" w="med" len="med"/>
+                      <a:tailEnd type="none" w="med" len="med"/>
+                    </a:lnT>
+                    <a:lnB w="12700" cap="flat" cmpd="sng" algn="ctr">
+                      <a:solidFill>
+                        <a:schemeClr val="tx1"/>
+                      </a:solidFill>
+                      <a:prstDash val="solid"/>
+                      <a:round/>
+                      <a:headEnd type="none" w="med" len="med"/>
+                      <a:tailEnd type="none" w="med" len="med"/>
+                    </a:lnB>
+                    <a:solidFill>
+                      <a:schemeClr val="bg1"/>
+                    </a:solidFill>
+                  </a:tcPr>
+                </a:tc>
+                <a:tc>
+                  <a:txBody>
+                    <a:bodyPr/>
+                    <a:lstStyle/>
+                    <a:p>
+                      <a:pPr marL="0" marR="0" indent="0" algn="just">
+                        <a:lnSpc>
+                          <a:spcPct val="150000"/>
+                        </a:lnSpc>
+                        <a:spcBef>
+                          <a:spcPts val="0"/>
+                        </a:spcBef>
+                        <a:spcAft>
+                          <a:spcPts val="0"/>
+                        </a:spcAft>
+                      </a:pPr>
+                      <a:r>
+                        <a:rPr lang="en-US" sz="1200">
+                          <a:solidFill>
+                            <a:schemeClr val="tx1"/>
+                          </a:solidFill>
+                          <a:effectLst/>
+                        </a:rPr>
+                        <a:t>Người dùng chọn mục quản lý tin nhắn. Hệ thống hiển  thị danh sách bạn bè. Người dùng tìm và chọn đối tượng cần nhắn tin. Hệ thống hể thị form trao đổi tin nhắn người dùng nhập văn vản và ấn gửi. Hệ thống sẽ nạp tin nhắn lên khung chát giữ hai người dùng.</a:t>
+                      </a:r>
+                      <a:endParaRPr lang="en-US" sz="1200">
+                        <a:solidFill>
+                          <a:schemeClr val="tx1"/>
+                        </a:solidFill>
+                        <a:effectLst/>
+                        <a:latin typeface="Times New Roman" panose="02020603050405020304" pitchFamily="18" charset="0"/>
+                        <a:ea typeface="Times New Roman" panose="02020603050405020304" pitchFamily="18" charset="0"/>
+                      </a:endParaRPr>
+                    </a:p>
+                  </a:txBody>
+                  <a:tcPr marL="14918" marR="14918" marT="0" marB="0" anchor="ctr">
+                    <a:lnL w="12700" cap="flat" cmpd="sng" algn="ctr">
+                      <a:solidFill>
+                        <a:schemeClr val="tx1"/>
+                      </a:solidFill>
+                      <a:prstDash val="solid"/>
+                      <a:round/>
+                      <a:headEnd type="none" w="med" len="med"/>
+                      <a:tailEnd type="none" w="med" len="med"/>
+                    </a:lnL>
+                    <a:lnR w="12700" cap="flat" cmpd="sng" algn="ctr">
+                      <a:solidFill>
+                        <a:schemeClr val="tx1"/>
+                      </a:solidFill>
+                      <a:prstDash val="solid"/>
+                      <a:round/>
+                      <a:headEnd type="none" w="med" len="med"/>
+                      <a:tailEnd type="none" w="med" len="med"/>
+                    </a:lnR>
+                    <a:lnT w="12700" cap="flat" cmpd="sng" algn="ctr">
+                      <a:solidFill>
+                        <a:schemeClr val="tx1"/>
+                      </a:solidFill>
+                      <a:prstDash val="solid"/>
+                      <a:round/>
+                      <a:headEnd type="none" w="med" len="med"/>
+                      <a:tailEnd type="none" w="med" len="med"/>
+                    </a:lnT>
+                    <a:lnB w="12700" cap="flat" cmpd="sng" algn="ctr">
+                      <a:solidFill>
+                        <a:schemeClr val="tx1"/>
+                      </a:solidFill>
+                      <a:prstDash val="solid"/>
+                      <a:round/>
+                      <a:headEnd type="none" w="med" len="med"/>
+                      <a:tailEnd type="none" w="med" len="med"/>
+                    </a:lnB>
+                    <a:solidFill>
+                      <a:schemeClr val="bg1"/>
+                    </a:solidFill>
+                  </a:tcPr>
+                </a:tc>
+                <a:extLst>
+                  <a:ext uri="{0D108BD9-81ED-4DB2-BD59-A6C34878D82A}">
+                    <a16:rowId xmlns:a16="http://schemas.microsoft.com/office/drawing/2014/main" val="1003565592"/>
+                  </a:ext>
+                </a:extLst>
+              </a:tr>
+              <a:tr h="184769">
+                <a:tc>
+                  <a:txBody>
+                    <a:bodyPr/>
+                    <a:lstStyle/>
+                    <a:p>
+                      <a:pPr marL="0" marR="0" indent="0" algn="just">
+                        <a:lnSpc>
+                          <a:spcPct val="150000"/>
+                        </a:lnSpc>
+                        <a:spcBef>
+                          <a:spcPts val="0"/>
+                        </a:spcBef>
+                        <a:spcAft>
+                          <a:spcPts val="0"/>
+                        </a:spcAft>
+                      </a:pPr>
+                      <a:r>
+                        <a:rPr lang="en-US" sz="1200">
+                          <a:solidFill>
+                            <a:schemeClr val="tx1"/>
+                          </a:solidFill>
+                          <a:effectLst/>
+                        </a:rPr>
+                        <a:t>Actor chính</a:t>
+                      </a:r>
+                      <a:endParaRPr lang="en-US" sz="1200">
+                        <a:solidFill>
+                          <a:schemeClr val="tx1"/>
+                        </a:solidFill>
+                        <a:effectLst/>
+                        <a:latin typeface="Times New Roman" panose="02020603050405020304" pitchFamily="18" charset="0"/>
+                        <a:ea typeface="Times New Roman" panose="02020603050405020304" pitchFamily="18" charset="0"/>
+                      </a:endParaRPr>
+                    </a:p>
+                  </a:txBody>
+                  <a:tcPr marL="14918" marR="14918" marT="0" marB="0" anchor="ctr">
+                    <a:lnL w="12700" cap="flat" cmpd="sng" algn="ctr">
+                      <a:solidFill>
+                        <a:schemeClr val="tx1"/>
+                      </a:solidFill>
+                      <a:prstDash val="solid"/>
+                      <a:round/>
+                      <a:headEnd type="none" w="med" len="med"/>
+                      <a:tailEnd type="none" w="med" len="med"/>
+                    </a:lnL>
+                    <a:lnR w="12700" cap="flat" cmpd="sng" algn="ctr">
+                      <a:solidFill>
+                        <a:schemeClr val="tx1"/>
+                      </a:solidFill>
+                      <a:prstDash val="solid"/>
+                      <a:round/>
+                      <a:headEnd type="none" w="med" len="med"/>
+                      <a:tailEnd type="none" w="med" len="med"/>
+                    </a:lnR>
+                    <a:lnT w="12700" cap="flat" cmpd="sng" algn="ctr">
+                      <a:solidFill>
+                        <a:schemeClr val="tx1"/>
+                      </a:solidFill>
+                      <a:prstDash val="solid"/>
+                      <a:round/>
+                      <a:headEnd type="none" w="med" len="med"/>
+                      <a:tailEnd type="none" w="med" len="med"/>
+                    </a:lnT>
+                    <a:lnB w="12700" cap="flat" cmpd="sng" algn="ctr">
+                      <a:solidFill>
+                        <a:schemeClr val="tx1"/>
+                      </a:solidFill>
+                      <a:prstDash val="solid"/>
+                      <a:round/>
+                      <a:headEnd type="none" w="med" len="med"/>
+                      <a:tailEnd type="none" w="med" len="med"/>
+                    </a:lnB>
+                    <a:solidFill>
+                      <a:schemeClr val="bg1"/>
+                    </a:solidFill>
+                  </a:tcPr>
+                </a:tc>
+                <a:tc>
+                  <a:txBody>
+                    <a:bodyPr/>
+                    <a:lstStyle/>
+                    <a:p>
+                      <a:pPr marL="0" marR="0" indent="0" algn="just">
+                        <a:lnSpc>
+                          <a:spcPct val="150000"/>
+                        </a:lnSpc>
+                        <a:spcBef>
+                          <a:spcPts val="0"/>
+                        </a:spcBef>
+                        <a:spcAft>
+                          <a:spcPts val="0"/>
+                        </a:spcAft>
+                      </a:pPr>
+                      <a:r>
+                        <a:rPr lang="en-US" sz="1200">
+                          <a:solidFill>
+                            <a:schemeClr val="tx1"/>
+                          </a:solidFill>
+                          <a:effectLst/>
+                        </a:rPr>
+                        <a:t>Người dùng</a:t>
+                      </a:r>
+                      <a:endParaRPr lang="en-US" sz="1200">
+                        <a:solidFill>
+                          <a:schemeClr val="tx1"/>
+                        </a:solidFill>
+                        <a:effectLst/>
+                        <a:latin typeface="Times New Roman" panose="02020603050405020304" pitchFamily="18" charset="0"/>
+                        <a:ea typeface="Times New Roman" panose="02020603050405020304" pitchFamily="18" charset="0"/>
+                      </a:endParaRPr>
+                    </a:p>
+                  </a:txBody>
+                  <a:tcPr marL="14918" marR="14918" marT="0" marB="0" anchor="ctr">
+                    <a:lnL w="12700" cap="flat" cmpd="sng" algn="ctr">
+                      <a:solidFill>
+                        <a:schemeClr val="tx1"/>
+                      </a:solidFill>
+                      <a:prstDash val="solid"/>
+                      <a:round/>
+                      <a:headEnd type="none" w="med" len="med"/>
+                      <a:tailEnd type="none" w="med" len="med"/>
+                    </a:lnL>
+                    <a:lnR w="12700" cap="flat" cmpd="sng" algn="ctr">
+                      <a:solidFill>
+                        <a:schemeClr val="tx1"/>
+                      </a:solidFill>
+                      <a:prstDash val="solid"/>
+                      <a:round/>
+                      <a:headEnd type="none" w="med" len="med"/>
+                      <a:tailEnd type="none" w="med" len="med"/>
+                    </a:lnR>
+                    <a:lnT w="12700" cap="flat" cmpd="sng" algn="ctr">
+                      <a:solidFill>
+                        <a:schemeClr val="tx1"/>
+                      </a:solidFill>
+                      <a:prstDash val="solid"/>
+                      <a:round/>
+                      <a:headEnd type="none" w="med" len="med"/>
+                      <a:tailEnd type="none" w="med" len="med"/>
+                    </a:lnT>
+                    <a:lnB w="12700" cap="flat" cmpd="sng" algn="ctr">
+                      <a:solidFill>
+                        <a:schemeClr val="tx1"/>
+                      </a:solidFill>
+                      <a:prstDash val="solid"/>
+                      <a:round/>
+                      <a:headEnd type="none" w="med" len="med"/>
+                      <a:tailEnd type="none" w="med" len="med"/>
+                    </a:lnB>
+                    <a:solidFill>
+                      <a:schemeClr val="bg1"/>
+                    </a:solidFill>
+                  </a:tcPr>
+                </a:tc>
+                <a:extLst>
+                  <a:ext uri="{0D108BD9-81ED-4DB2-BD59-A6C34878D82A}">
+                    <a16:rowId xmlns:a16="http://schemas.microsoft.com/office/drawing/2014/main" val="84266101"/>
+                  </a:ext>
+                </a:extLst>
+              </a:tr>
+              <a:tr h="184769">
+                <a:tc>
+                  <a:txBody>
+                    <a:bodyPr/>
+                    <a:lstStyle/>
+                    <a:p>
+                      <a:pPr marL="0" marR="0" indent="0" algn="just">
+                        <a:lnSpc>
+                          <a:spcPct val="150000"/>
+                        </a:lnSpc>
+                        <a:spcBef>
+                          <a:spcPts val="0"/>
+                        </a:spcBef>
+                        <a:spcAft>
+                          <a:spcPts val="0"/>
+                        </a:spcAft>
+                      </a:pPr>
+                      <a:r>
+                        <a:rPr lang="en-US" sz="1200">
+                          <a:solidFill>
+                            <a:schemeClr val="tx1"/>
+                          </a:solidFill>
+                          <a:effectLst/>
+                        </a:rPr>
+                        <a:t>Actor phụ</a:t>
+                      </a:r>
+                      <a:endParaRPr lang="en-US" sz="1200">
+                        <a:solidFill>
+                          <a:schemeClr val="tx1"/>
+                        </a:solidFill>
+                        <a:effectLst/>
+                        <a:latin typeface="Times New Roman" panose="02020603050405020304" pitchFamily="18" charset="0"/>
+                        <a:ea typeface="Times New Roman" panose="02020603050405020304" pitchFamily="18" charset="0"/>
+                      </a:endParaRPr>
+                    </a:p>
+                  </a:txBody>
+                  <a:tcPr marL="14918" marR="14918" marT="0" marB="0" anchor="ctr">
+                    <a:lnL w="12700" cap="flat" cmpd="sng" algn="ctr">
+                      <a:solidFill>
+                        <a:schemeClr val="tx1"/>
+                      </a:solidFill>
+                      <a:prstDash val="solid"/>
+                      <a:round/>
+                      <a:headEnd type="none" w="med" len="med"/>
+                      <a:tailEnd type="none" w="med" len="med"/>
+                    </a:lnL>
+                    <a:lnR w="12700" cap="flat" cmpd="sng" algn="ctr">
+                      <a:solidFill>
+                        <a:schemeClr val="tx1"/>
+                      </a:solidFill>
+                      <a:prstDash val="solid"/>
+                      <a:round/>
+                      <a:headEnd type="none" w="med" len="med"/>
+                      <a:tailEnd type="none" w="med" len="med"/>
+                    </a:lnR>
+                    <a:lnT w="12700" cap="flat" cmpd="sng" algn="ctr">
+                      <a:solidFill>
+                        <a:schemeClr val="tx1"/>
+                      </a:solidFill>
+                      <a:prstDash val="solid"/>
+                      <a:round/>
+                      <a:headEnd type="none" w="med" len="med"/>
+                      <a:tailEnd type="none" w="med" len="med"/>
+                    </a:lnT>
+                    <a:lnB w="12700" cap="flat" cmpd="sng" algn="ctr">
+                      <a:solidFill>
+                        <a:schemeClr val="tx1"/>
+                      </a:solidFill>
+                      <a:prstDash val="solid"/>
+                      <a:round/>
+                      <a:headEnd type="none" w="med" len="med"/>
+                      <a:tailEnd type="none" w="med" len="med"/>
+                    </a:lnB>
+                    <a:solidFill>
+                      <a:schemeClr val="bg1"/>
+                    </a:solidFill>
+                  </a:tcPr>
+                </a:tc>
+                <a:tc>
+                  <a:txBody>
+                    <a:bodyPr/>
+                    <a:lstStyle/>
+                    <a:p>
+                      <a:pPr marL="0" marR="0" indent="0" algn="just">
+                        <a:lnSpc>
+                          <a:spcPct val="150000"/>
+                        </a:lnSpc>
+                        <a:spcBef>
+                          <a:spcPts val="0"/>
+                        </a:spcBef>
+                        <a:spcAft>
+                          <a:spcPts val="0"/>
+                        </a:spcAft>
+                      </a:pPr>
+                      <a:r>
+                        <a:rPr lang="en-US" sz="1200">
+                          <a:solidFill>
+                            <a:schemeClr val="tx1"/>
+                          </a:solidFill>
+                          <a:effectLst/>
+                        </a:rPr>
+                        <a:t>Không</a:t>
+                      </a:r>
+                      <a:endParaRPr lang="en-US" sz="1200">
+                        <a:solidFill>
+                          <a:schemeClr val="tx1"/>
+                        </a:solidFill>
+                        <a:effectLst/>
+                        <a:latin typeface="Times New Roman" panose="02020603050405020304" pitchFamily="18" charset="0"/>
+                        <a:ea typeface="Times New Roman" panose="02020603050405020304" pitchFamily="18" charset="0"/>
+                      </a:endParaRPr>
+                    </a:p>
+                  </a:txBody>
+                  <a:tcPr marL="14918" marR="14918" marT="0" marB="0" anchor="ctr">
+                    <a:lnL w="12700" cap="flat" cmpd="sng" algn="ctr">
+                      <a:solidFill>
+                        <a:schemeClr val="tx1"/>
+                      </a:solidFill>
+                      <a:prstDash val="solid"/>
+                      <a:round/>
+                      <a:headEnd type="none" w="med" len="med"/>
+                      <a:tailEnd type="none" w="med" len="med"/>
+                    </a:lnL>
+                    <a:lnR w="12700" cap="flat" cmpd="sng" algn="ctr">
+                      <a:solidFill>
+                        <a:schemeClr val="tx1"/>
+                      </a:solidFill>
+                      <a:prstDash val="solid"/>
+                      <a:round/>
+                      <a:headEnd type="none" w="med" len="med"/>
+                      <a:tailEnd type="none" w="med" len="med"/>
+                    </a:lnR>
+                    <a:lnT w="12700" cap="flat" cmpd="sng" algn="ctr">
+                      <a:solidFill>
+                        <a:schemeClr val="tx1"/>
+                      </a:solidFill>
+                      <a:prstDash val="solid"/>
+                      <a:round/>
+                      <a:headEnd type="none" w="med" len="med"/>
+                      <a:tailEnd type="none" w="med" len="med"/>
+                    </a:lnT>
+                    <a:lnB w="12700" cap="flat" cmpd="sng" algn="ctr">
+                      <a:solidFill>
+                        <a:schemeClr val="tx1"/>
+                      </a:solidFill>
+                      <a:prstDash val="solid"/>
+                      <a:round/>
+                      <a:headEnd type="none" w="med" len="med"/>
+                      <a:tailEnd type="none" w="med" len="med"/>
+                    </a:lnB>
+                    <a:solidFill>
+                      <a:schemeClr val="bg1"/>
+                    </a:solidFill>
+                  </a:tcPr>
+                </a:tc>
+                <a:extLst>
+                  <a:ext uri="{0D108BD9-81ED-4DB2-BD59-A6C34878D82A}">
+                    <a16:rowId xmlns:a16="http://schemas.microsoft.com/office/drawing/2014/main" val="963617155"/>
+                  </a:ext>
+                </a:extLst>
+              </a:tr>
+              <a:tr h="394701">
+                <a:tc>
+                  <a:txBody>
+                    <a:bodyPr/>
+                    <a:lstStyle/>
+                    <a:p>
+                      <a:pPr marL="0" marR="0" indent="0" algn="just">
+                        <a:lnSpc>
+                          <a:spcPct val="150000"/>
+                        </a:lnSpc>
+                        <a:spcBef>
+                          <a:spcPts val="0"/>
+                        </a:spcBef>
+                        <a:spcAft>
+                          <a:spcPts val="0"/>
+                        </a:spcAft>
+                      </a:pPr>
+                      <a:r>
+                        <a:rPr lang="en-US" sz="1200">
+                          <a:solidFill>
+                            <a:schemeClr val="tx1"/>
+                          </a:solidFill>
+                          <a:effectLst/>
+                        </a:rPr>
+                        <a:t>Tiền điều kiện (Pre-condition)</a:t>
+                      </a:r>
+                      <a:endParaRPr lang="en-US" sz="1200">
+                        <a:solidFill>
+                          <a:schemeClr val="tx1"/>
+                        </a:solidFill>
+                        <a:effectLst/>
+                        <a:latin typeface="Times New Roman" panose="02020603050405020304" pitchFamily="18" charset="0"/>
+                        <a:ea typeface="Times New Roman" panose="02020603050405020304" pitchFamily="18" charset="0"/>
+                      </a:endParaRPr>
+                    </a:p>
+                  </a:txBody>
+                  <a:tcPr marL="14918" marR="14918" marT="0" marB="0" anchor="ctr">
+                    <a:lnL w="12700" cap="flat" cmpd="sng" algn="ctr">
+                      <a:solidFill>
+                        <a:schemeClr val="tx1"/>
+                      </a:solidFill>
+                      <a:prstDash val="solid"/>
+                      <a:round/>
+                      <a:headEnd type="none" w="med" len="med"/>
+                      <a:tailEnd type="none" w="med" len="med"/>
+                    </a:lnL>
+                    <a:lnR w="12700" cap="flat" cmpd="sng" algn="ctr">
+                      <a:solidFill>
+                        <a:schemeClr val="tx1"/>
+                      </a:solidFill>
+                      <a:prstDash val="solid"/>
+                      <a:round/>
+                      <a:headEnd type="none" w="med" len="med"/>
+                      <a:tailEnd type="none" w="med" len="med"/>
+                    </a:lnR>
+                    <a:lnT w="12700" cap="flat" cmpd="sng" algn="ctr">
+                      <a:solidFill>
+                        <a:schemeClr val="tx1"/>
+                      </a:solidFill>
+                      <a:prstDash val="solid"/>
+                      <a:round/>
+                      <a:headEnd type="none" w="med" len="med"/>
+                      <a:tailEnd type="none" w="med" len="med"/>
+                    </a:lnT>
+                    <a:lnB w="12700" cap="flat" cmpd="sng" algn="ctr">
+                      <a:solidFill>
+                        <a:schemeClr val="tx1"/>
+                      </a:solidFill>
+                      <a:prstDash val="solid"/>
+                      <a:round/>
+                      <a:headEnd type="none" w="med" len="med"/>
+                      <a:tailEnd type="none" w="med" len="med"/>
+                    </a:lnB>
+                    <a:solidFill>
+                      <a:schemeClr val="bg1"/>
+                    </a:solidFill>
+                  </a:tcPr>
+                </a:tc>
+                <a:tc>
+                  <a:txBody>
+                    <a:bodyPr/>
+                    <a:lstStyle/>
+                    <a:p>
+                      <a:pPr marL="0" marR="0" indent="0" algn="just">
+                        <a:lnSpc>
+                          <a:spcPct val="150000"/>
+                        </a:lnSpc>
+                        <a:spcBef>
+                          <a:spcPts val="0"/>
+                        </a:spcBef>
+                        <a:spcAft>
+                          <a:spcPts val="0"/>
+                        </a:spcAft>
+                      </a:pPr>
+                      <a:r>
+                        <a:rPr lang="en-US" sz="1200">
+                          <a:solidFill>
+                            <a:schemeClr val="tx1"/>
+                          </a:solidFill>
+                          <a:effectLst/>
+                        </a:rPr>
+                        <a:t>Người dùng đăng nhập thành công vào hệ thống và đã kết bạn với đối phương.</a:t>
+                      </a:r>
+                      <a:endParaRPr lang="en-US" sz="1200">
+                        <a:solidFill>
+                          <a:schemeClr val="tx1"/>
+                        </a:solidFill>
+                        <a:effectLst/>
+                        <a:latin typeface="Times New Roman" panose="02020603050405020304" pitchFamily="18" charset="0"/>
+                        <a:ea typeface="Times New Roman" panose="02020603050405020304" pitchFamily="18" charset="0"/>
+                      </a:endParaRPr>
+                    </a:p>
+                  </a:txBody>
+                  <a:tcPr marL="14918" marR="14918" marT="0" marB="0" anchor="ctr">
+                    <a:lnL w="12700" cap="flat" cmpd="sng" algn="ctr">
+                      <a:solidFill>
+                        <a:schemeClr val="tx1"/>
+                      </a:solidFill>
+                      <a:prstDash val="solid"/>
+                      <a:round/>
+                      <a:headEnd type="none" w="med" len="med"/>
+                      <a:tailEnd type="none" w="med" len="med"/>
+                    </a:lnL>
+                    <a:lnR w="12700" cap="flat" cmpd="sng" algn="ctr">
+                      <a:solidFill>
+                        <a:schemeClr val="tx1"/>
+                      </a:solidFill>
+                      <a:prstDash val="solid"/>
+                      <a:round/>
+                      <a:headEnd type="none" w="med" len="med"/>
+                      <a:tailEnd type="none" w="med" len="med"/>
+                    </a:lnR>
+                    <a:lnT w="12700" cap="flat" cmpd="sng" algn="ctr">
+                      <a:solidFill>
+                        <a:schemeClr val="tx1"/>
+                      </a:solidFill>
+                      <a:prstDash val="solid"/>
+                      <a:round/>
+                      <a:headEnd type="none" w="med" len="med"/>
+                      <a:tailEnd type="none" w="med" len="med"/>
+                    </a:lnT>
+                    <a:lnB w="12700" cap="flat" cmpd="sng" algn="ctr">
+                      <a:solidFill>
+                        <a:schemeClr val="tx1"/>
+                      </a:solidFill>
+                      <a:prstDash val="solid"/>
+                      <a:round/>
+                      <a:headEnd type="none" w="med" len="med"/>
+                      <a:tailEnd type="none" w="med" len="med"/>
+                    </a:lnB>
+                    <a:solidFill>
+                      <a:schemeClr val="bg1"/>
+                    </a:solidFill>
+                  </a:tcPr>
+                </a:tc>
+                <a:extLst>
+                  <a:ext uri="{0D108BD9-81ED-4DB2-BD59-A6C34878D82A}">
+                    <a16:rowId xmlns:a16="http://schemas.microsoft.com/office/drawing/2014/main" val="4002347048"/>
+                  </a:ext>
+                </a:extLst>
+              </a:tr>
+              <a:tr h="394701">
+                <a:tc>
+                  <a:txBody>
+                    <a:bodyPr/>
+                    <a:lstStyle/>
+                    <a:p>
+                      <a:pPr marL="0" marR="0" indent="0" algn="just">
+                        <a:lnSpc>
+                          <a:spcPct val="150000"/>
+                        </a:lnSpc>
+                        <a:spcBef>
+                          <a:spcPts val="0"/>
+                        </a:spcBef>
+                        <a:spcAft>
+                          <a:spcPts val="0"/>
+                        </a:spcAft>
+                      </a:pPr>
+                      <a:r>
+                        <a:rPr lang="en-US" sz="1200">
+                          <a:solidFill>
+                            <a:schemeClr val="tx1"/>
+                          </a:solidFill>
+                          <a:effectLst/>
+                        </a:rPr>
+                        <a:t>Hậu điều kiện (Post-condition)</a:t>
+                      </a:r>
+                      <a:endParaRPr lang="en-US" sz="1200">
+                        <a:solidFill>
+                          <a:schemeClr val="tx1"/>
+                        </a:solidFill>
+                        <a:effectLst/>
+                        <a:latin typeface="Times New Roman" panose="02020603050405020304" pitchFamily="18" charset="0"/>
+                        <a:ea typeface="Times New Roman" panose="02020603050405020304" pitchFamily="18" charset="0"/>
+                      </a:endParaRPr>
+                    </a:p>
+                  </a:txBody>
+                  <a:tcPr marL="14918" marR="14918" marT="0" marB="0" anchor="ctr">
+                    <a:lnL w="12700" cap="flat" cmpd="sng" algn="ctr">
+                      <a:solidFill>
+                        <a:schemeClr val="tx1"/>
+                      </a:solidFill>
+                      <a:prstDash val="solid"/>
+                      <a:round/>
+                      <a:headEnd type="none" w="med" len="med"/>
+                      <a:tailEnd type="none" w="med" len="med"/>
+                    </a:lnL>
+                    <a:lnR w="12700" cap="flat" cmpd="sng" algn="ctr">
+                      <a:solidFill>
+                        <a:schemeClr val="tx1"/>
+                      </a:solidFill>
+                      <a:prstDash val="solid"/>
+                      <a:round/>
+                      <a:headEnd type="none" w="med" len="med"/>
+                      <a:tailEnd type="none" w="med" len="med"/>
+                    </a:lnR>
+                    <a:lnT w="12700" cap="flat" cmpd="sng" algn="ctr">
+                      <a:solidFill>
+                        <a:schemeClr val="tx1"/>
+                      </a:solidFill>
+                      <a:prstDash val="solid"/>
+                      <a:round/>
+                      <a:headEnd type="none" w="med" len="med"/>
+                      <a:tailEnd type="none" w="med" len="med"/>
+                    </a:lnT>
+                    <a:lnB w="12700" cap="flat" cmpd="sng" algn="ctr">
+                      <a:solidFill>
+                        <a:schemeClr val="tx1"/>
+                      </a:solidFill>
+                      <a:prstDash val="solid"/>
+                      <a:round/>
+                      <a:headEnd type="none" w="med" len="med"/>
+                      <a:tailEnd type="none" w="med" len="med"/>
+                    </a:lnB>
+                    <a:solidFill>
+                      <a:schemeClr val="bg1"/>
+                    </a:solidFill>
+                  </a:tcPr>
+                </a:tc>
+                <a:tc>
+                  <a:txBody>
+                    <a:bodyPr/>
+                    <a:lstStyle/>
+                    <a:p>
+                      <a:pPr marL="0" marR="0" indent="0" algn="just">
+                        <a:lnSpc>
+                          <a:spcPct val="150000"/>
+                        </a:lnSpc>
+                        <a:spcBef>
+                          <a:spcPts val="0"/>
+                        </a:spcBef>
+                        <a:spcAft>
+                          <a:spcPts val="0"/>
+                        </a:spcAft>
+                      </a:pPr>
+                      <a:r>
+                        <a:rPr lang="en-US" sz="1200">
+                          <a:solidFill>
+                            <a:schemeClr val="tx1"/>
+                          </a:solidFill>
+                          <a:effectLst/>
+                        </a:rPr>
+                        <a:t>Tin nhắn được nạp lên khung chát giữa 2 người dùng và được lưu trữ lại.</a:t>
+                      </a:r>
+                      <a:endParaRPr lang="en-US" sz="1200">
+                        <a:solidFill>
+                          <a:schemeClr val="tx1"/>
+                        </a:solidFill>
+                        <a:effectLst/>
+                        <a:latin typeface="Times New Roman" panose="02020603050405020304" pitchFamily="18" charset="0"/>
+                        <a:ea typeface="Times New Roman" panose="02020603050405020304" pitchFamily="18" charset="0"/>
+                      </a:endParaRPr>
+                    </a:p>
+                  </a:txBody>
+                  <a:tcPr marL="14918" marR="14918" marT="0" marB="0" anchor="ctr">
+                    <a:lnL w="12700" cap="flat" cmpd="sng" algn="ctr">
+                      <a:solidFill>
+                        <a:schemeClr val="tx1"/>
+                      </a:solidFill>
+                      <a:prstDash val="solid"/>
+                      <a:round/>
+                      <a:headEnd type="none" w="med" len="med"/>
+                      <a:tailEnd type="none" w="med" len="med"/>
+                    </a:lnL>
+                    <a:lnR w="12700" cap="flat" cmpd="sng" algn="ctr">
+                      <a:solidFill>
+                        <a:schemeClr val="tx1"/>
+                      </a:solidFill>
+                      <a:prstDash val="solid"/>
+                      <a:round/>
+                      <a:headEnd type="none" w="med" len="med"/>
+                      <a:tailEnd type="none" w="med" len="med"/>
+                    </a:lnR>
+                    <a:lnT w="12700" cap="flat" cmpd="sng" algn="ctr">
+                      <a:solidFill>
+                        <a:schemeClr val="tx1"/>
+                      </a:solidFill>
+                      <a:prstDash val="solid"/>
+                      <a:round/>
+                      <a:headEnd type="none" w="med" len="med"/>
+                      <a:tailEnd type="none" w="med" len="med"/>
+                    </a:lnT>
+                    <a:lnB w="12700" cap="flat" cmpd="sng" algn="ctr">
+                      <a:solidFill>
+                        <a:schemeClr val="tx1"/>
+                      </a:solidFill>
+                      <a:prstDash val="solid"/>
+                      <a:round/>
+                      <a:headEnd type="none" w="med" len="med"/>
+                      <a:tailEnd type="none" w="med" len="med"/>
+                    </a:lnB>
+                    <a:solidFill>
+                      <a:schemeClr val="bg1"/>
+                    </a:solidFill>
+                  </a:tcPr>
+                </a:tc>
+                <a:extLst>
+                  <a:ext uri="{0D108BD9-81ED-4DB2-BD59-A6C34878D82A}">
+                    <a16:rowId xmlns:a16="http://schemas.microsoft.com/office/drawing/2014/main" val="1327039719"/>
+                  </a:ext>
+                </a:extLst>
+              </a:tr>
+              <a:tr h="184769">
+                <a:tc gridSpan="2">
+                  <a:txBody>
+                    <a:bodyPr/>
+                    <a:lstStyle/>
+                    <a:p>
+                      <a:pPr marL="0" marR="0" indent="0" algn="just">
+                        <a:lnSpc>
+                          <a:spcPct val="150000"/>
+                        </a:lnSpc>
+                        <a:spcBef>
+                          <a:spcPts val="0"/>
+                        </a:spcBef>
+                        <a:spcAft>
+                          <a:spcPts val="0"/>
+                        </a:spcAft>
+                      </a:pPr>
+                      <a:r>
+                        <a:rPr lang="en-US" sz="1200">
+                          <a:solidFill>
+                            <a:schemeClr val="tx1"/>
+                          </a:solidFill>
+                          <a:effectLst/>
+                        </a:rPr>
+                        <a:t>Luồng sự kiện chính (main flow): </a:t>
+                      </a:r>
+                      <a:endParaRPr lang="en-US" sz="1200">
+                        <a:solidFill>
+                          <a:schemeClr val="tx1"/>
+                        </a:solidFill>
+                        <a:effectLst/>
+                        <a:latin typeface="Times New Roman" panose="02020603050405020304" pitchFamily="18" charset="0"/>
+                        <a:ea typeface="Times New Roman" panose="02020603050405020304" pitchFamily="18" charset="0"/>
+                      </a:endParaRPr>
+                    </a:p>
+                  </a:txBody>
+                  <a:tcPr marL="14918" marR="14918" marT="0" marB="0" anchor="ctr">
+                    <a:lnL w="12700" cap="flat" cmpd="sng" algn="ctr">
+                      <a:solidFill>
+                        <a:schemeClr val="tx1"/>
+                      </a:solidFill>
+                      <a:prstDash val="solid"/>
+                      <a:round/>
+                      <a:headEnd type="none" w="med" len="med"/>
+                      <a:tailEnd type="none" w="med" len="med"/>
+                    </a:lnL>
+                    <a:lnR w="12700" cap="flat" cmpd="sng" algn="ctr">
+                      <a:solidFill>
+                        <a:schemeClr val="tx1"/>
+                      </a:solidFill>
+                      <a:prstDash val="solid"/>
+                      <a:round/>
+                      <a:headEnd type="none" w="med" len="med"/>
+                      <a:tailEnd type="none" w="med" len="med"/>
+                    </a:lnR>
+                    <a:lnT w="12700" cap="flat" cmpd="sng" algn="ctr">
+                      <a:solidFill>
+                        <a:schemeClr val="tx1"/>
+                      </a:solidFill>
+                      <a:prstDash val="solid"/>
+                      <a:round/>
+                      <a:headEnd type="none" w="med" len="med"/>
+                      <a:tailEnd type="none" w="med" len="med"/>
+                    </a:lnT>
+                    <a:lnB w="12700" cap="flat" cmpd="sng" algn="ctr">
+                      <a:solidFill>
+                        <a:schemeClr val="tx1"/>
+                      </a:solidFill>
+                      <a:prstDash val="solid"/>
+                      <a:round/>
+                      <a:headEnd type="none" w="med" len="med"/>
+                      <a:tailEnd type="none" w="med" len="med"/>
+                    </a:lnB>
+                    <a:solidFill>
+                      <a:schemeClr val="bg1"/>
+                    </a:solidFill>
+                  </a:tcPr>
+                </a:tc>
+                <a:tc hMerge="1">
+                  <a:txBody>
+                    <a:bodyPr/>
+                    <a:lstStyle/>
+                    <a:p>
+                      <a:endParaRPr lang="en-US"/>
+                    </a:p>
+                  </a:txBody>
+                  <a:tcPr/>
+                </a:tc>
+                <a:extLst>
+                  <a:ext uri="{0D108BD9-81ED-4DB2-BD59-A6C34878D82A}">
+                    <a16:rowId xmlns:a16="http://schemas.microsoft.com/office/drawing/2014/main" val="717235304"/>
+                  </a:ext>
+                </a:extLst>
+              </a:tr>
+            </a:tbl>
+          </a:graphicData>
+        </a:graphic>
+      </p:graphicFrame>
+      <p:sp>
+        <p:nvSpPr>
+          <p:cNvPr id="9" name="TextBox 8">
+            <a:extLst>
+              <a:ext uri="{FF2B5EF4-FFF2-40B4-BE49-F238E27FC236}">
+                <a16:creationId xmlns:a16="http://schemas.microsoft.com/office/drawing/2014/main" id="{C107BDAB-A280-4652-8541-C45D0672AFD8}"/>
+              </a:ext>
+            </a:extLst>
+          </p:cNvPr>
+          <p:cNvSpPr txBox="1"/>
+          <p:nvPr/>
+        </p:nvSpPr>
+        <p:spPr>
+          <a:xfrm>
+            <a:off x="878541" y="1242996"/>
+            <a:ext cx="6096000" cy="463397"/>
+          </a:xfrm>
+          <a:prstGeom prst="rect">
+            <a:avLst/>
+          </a:prstGeom>
+          <a:noFill/>
+        </p:spPr>
+        <p:txBody>
+          <a:bodyPr wrap="square">
+            <a:spAutoFit/>
+          </a:bodyPr>
+          <a:lstStyle/>
+          <a:p>
+            <a:pPr marL="0" marR="0" indent="0" algn="just">
+              <a:lnSpc>
+                <a:spcPct val="150000"/>
+              </a:lnSpc>
+              <a:spcBef>
+                <a:spcPts val="0"/>
+              </a:spcBef>
+              <a:spcAft>
+                <a:spcPts val="0"/>
+              </a:spcAft>
+            </a:pPr>
+            <a:r>
+              <a:rPr lang="en-US" sz="1800">
+                <a:solidFill>
+                  <a:schemeClr val="tx1"/>
+                </a:solidFill>
+                <a:effectLst/>
+              </a:rPr>
+              <a:t>Usecase: Gửi Tin Nhắn</a:t>
+            </a:r>
+            <a:endParaRPr lang="en-US" sz="1800">
+              <a:solidFill>
+                <a:schemeClr val="tx1"/>
+              </a:solidFill>
+              <a:effectLst/>
+              <a:latin typeface="Times New Roman" panose="02020603050405020304" pitchFamily="18" charset="0"/>
+              <a:ea typeface="Times New Roman" panose="02020603050405020304" pitchFamily="18" charset="0"/>
+            </a:endParaRPr>
+          </a:p>
+        </p:txBody>
+      </p:sp>
     </p:spTree>
     <p:extLst>
       <p:ext uri="{BB962C8B-B14F-4D97-AF65-F5344CB8AC3E}">
@@ -5997,6 +7299,6756 @@
 </file>
 
 <file path=ppt/slides/slide12.xml><?xml version="1.0" encoding="utf-8"?>
+<p:sld xmlns:a="http://schemas.openxmlformats.org/drawingml/2006/main" xmlns:r="http://schemas.openxmlformats.org/officeDocument/2006/relationships" xmlns:p="http://schemas.openxmlformats.org/presentationml/2006/main">
+  <p:cSld>
+    <p:spTree>
+      <p:nvGrpSpPr>
+        <p:cNvPr id="1" name=""/>
+        <p:cNvGrpSpPr/>
+        <p:nvPr/>
+      </p:nvGrpSpPr>
+      <p:grpSpPr>
+        <a:xfrm>
+          <a:off x="0" y="0"/>
+          <a:ext cx="0" cy="0"/>
+          <a:chOff x="0" y="0"/>
+          <a:chExt cx="0" cy="0"/>
+        </a:xfrm>
+      </p:grpSpPr>
+      <p:graphicFrame>
+        <p:nvGraphicFramePr>
+          <p:cNvPr id="2" name="Table 1">
+            <a:extLst>
+              <a:ext uri="{FF2B5EF4-FFF2-40B4-BE49-F238E27FC236}">
+                <a16:creationId xmlns:a16="http://schemas.microsoft.com/office/drawing/2014/main" id="{5E485D33-3551-4161-AEF5-CE1F171EA57B}"/>
+              </a:ext>
+            </a:extLst>
+          </p:cNvPr>
+          <p:cNvGraphicFramePr>
+            <a:graphicFrameLocks noGrp="1"/>
+          </p:cNvGraphicFramePr>
+          <p:nvPr>
+            <p:extLst>
+              <p:ext uri="{D42A27DB-BD31-4B8C-83A1-F6EECF244321}">
+                <p14:modId xmlns:p14="http://schemas.microsoft.com/office/powerpoint/2010/main" val="3756391233"/>
+              </p:ext>
+            </p:extLst>
+          </p:nvPr>
+        </p:nvGraphicFramePr>
+        <p:xfrm>
+          <a:off x="1096963" y="1846263"/>
+          <a:ext cx="10340504" cy="3716409"/>
+        </p:xfrm>
+        <a:graphic>
+          <a:graphicData uri="http://schemas.openxmlformats.org/drawingml/2006/table">
+            <a:tbl>
+              <a:tblPr firstRow="1" firstCol="1" bandRow="1">
+                <a:tableStyleId>{5C22544A-7EE6-4342-B048-85BDC9FD1C3A}</a:tableStyleId>
+              </a:tblPr>
+              <a:tblGrid>
+                <a:gridCol w="5170252">
+                  <a:extLst>
+                    <a:ext uri="{9D8B030D-6E8A-4147-A177-3AD203B41FA5}">
+                      <a16:colId xmlns:a16="http://schemas.microsoft.com/office/drawing/2014/main" val="2557287575"/>
+                    </a:ext>
+                  </a:extLst>
+                </a:gridCol>
+                <a:gridCol w="5170252">
+                  <a:extLst>
+                    <a:ext uri="{9D8B030D-6E8A-4147-A177-3AD203B41FA5}">
+                      <a16:colId xmlns:a16="http://schemas.microsoft.com/office/drawing/2014/main" val="1707154958"/>
+                    </a:ext>
+                  </a:extLst>
+                </a:gridCol>
+              </a:tblGrid>
+              <a:tr h="184769">
+                <a:tc>
+                  <a:txBody>
+                    <a:bodyPr/>
+                    <a:lstStyle/>
+                    <a:p>
+                      <a:pPr marL="0" marR="0" indent="0" algn="l">
+                        <a:lnSpc>
+                          <a:spcPct val="150000"/>
+                        </a:lnSpc>
+                        <a:spcBef>
+                          <a:spcPts val="0"/>
+                        </a:spcBef>
+                        <a:spcAft>
+                          <a:spcPts val="0"/>
+                        </a:spcAft>
+                      </a:pPr>
+                      <a:r>
+                        <a:rPr lang="en-US" sz="1200" b="0">
+                          <a:solidFill>
+                            <a:schemeClr val="tx1"/>
+                          </a:solidFill>
+                          <a:effectLst/>
+                        </a:rPr>
+                        <a:t>Tác Nhân</a:t>
+                      </a:r>
+                      <a:endParaRPr lang="en-US" sz="1200" b="0">
+                        <a:solidFill>
+                          <a:schemeClr val="tx1"/>
+                        </a:solidFill>
+                        <a:effectLst/>
+                        <a:latin typeface="Times New Roman" panose="02020603050405020304" pitchFamily="18" charset="0"/>
+                        <a:ea typeface="Times New Roman" panose="02020603050405020304" pitchFamily="18" charset="0"/>
+                      </a:endParaRPr>
+                    </a:p>
+                  </a:txBody>
+                  <a:tcPr marL="14918" marR="14918" marT="0" marB="0" anchor="ctr">
+                    <a:lnL w="12700" cap="flat" cmpd="sng" algn="ctr">
+                      <a:solidFill>
+                        <a:schemeClr val="tx1"/>
+                      </a:solidFill>
+                      <a:prstDash val="solid"/>
+                      <a:round/>
+                      <a:headEnd type="none" w="med" len="med"/>
+                      <a:tailEnd type="none" w="med" len="med"/>
+                    </a:lnL>
+                    <a:lnR w="12700" cap="flat" cmpd="sng" algn="ctr">
+                      <a:solidFill>
+                        <a:schemeClr val="tx1"/>
+                      </a:solidFill>
+                      <a:prstDash val="solid"/>
+                      <a:round/>
+                      <a:headEnd type="none" w="med" len="med"/>
+                      <a:tailEnd type="none" w="med" len="med"/>
+                    </a:lnR>
+                    <a:lnT w="12700" cap="flat" cmpd="sng" algn="ctr">
+                      <a:solidFill>
+                        <a:schemeClr val="tx1"/>
+                      </a:solidFill>
+                      <a:prstDash val="solid"/>
+                      <a:round/>
+                      <a:headEnd type="none" w="med" len="med"/>
+                      <a:tailEnd type="none" w="med" len="med"/>
+                    </a:lnT>
+                    <a:lnB w="12700" cap="flat" cmpd="sng" algn="ctr">
+                      <a:solidFill>
+                        <a:schemeClr val="tx1"/>
+                      </a:solidFill>
+                      <a:prstDash val="solid"/>
+                      <a:round/>
+                      <a:headEnd type="none" w="med" len="med"/>
+                      <a:tailEnd type="none" w="med" len="med"/>
+                    </a:lnB>
+                    <a:solidFill>
+                      <a:schemeClr val="bg1"/>
+                    </a:solidFill>
+                  </a:tcPr>
+                </a:tc>
+                <a:tc>
+                  <a:txBody>
+                    <a:bodyPr/>
+                    <a:lstStyle/>
+                    <a:p>
+                      <a:pPr marL="0" marR="0" indent="0" algn="l">
+                        <a:lnSpc>
+                          <a:spcPct val="150000"/>
+                        </a:lnSpc>
+                        <a:spcBef>
+                          <a:spcPts val="0"/>
+                        </a:spcBef>
+                        <a:spcAft>
+                          <a:spcPts val="0"/>
+                        </a:spcAft>
+                      </a:pPr>
+                      <a:r>
+                        <a:rPr lang="en-US" sz="1200" b="0">
+                          <a:solidFill>
+                            <a:schemeClr val="tx1"/>
+                          </a:solidFill>
+                          <a:effectLst/>
+                        </a:rPr>
+                        <a:t>Hệ Thống</a:t>
+                      </a:r>
+                      <a:endParaRPr lang="en-US" sz="1200" b="0">
+                        <a:solidFill>
+                          <a:schemeClr val="tx1"/>
+                        </a:solidFill>
+                        <a:effectLst/>
+                        <a:latin typeface="Times New Roman" panose="02020603050405020304" pitchFamily="18" charset="0"/>
+                        <a:ea typeface="Times New Roman" panose="02020603050405020304" pitchFamily="18" charset="0"/>
+                      </a:endParaRPr>
+                    </a:p>
+                  </a:txBody>
+                  <a:tcPr marL="14918" marR="14918" marT="0" marB="0" anchor="ctr">
+                    <a:lnL w="12700" cap="flat" cmpd="sng" algn="ctr">
+                      <a:solidFill>
+                        <a:schemeClr val="tx1"/>
+                      </a:solidFill>
+                      <a:prstDash val="solid"/>
+                      <a:round/>
+                      <a:headEnd type="none" w="med" len="med"/>
+                      <a:tailEnd type="none" w="med" len="med"/>
+                    </a:lnL>
+                    <a:lnR w="12700" cap="flat" cmpd="sng" algn="ctr">
+                      <a:solidFill>
+                        <a:schemeClr val="tx1"/>
+                      </a:solidFill>
+                      <a:prstDash val="solid"/>
+                      <a:round/>
+                      <a:headEnd type="none" w="med" len="med"/>
+                      <a:tailEnd type="none" w="med" len="med"/>
+                    </a:lnR>
+                    <a:lnT w="12700" cap="flat" cmpd="sng" algn="ctr">
+                      <a:solidFill>
+                        <a:schemeClr val="tx1"/>
+                      </a:solidFill>
+                      <a:prstDash val="solid"/>
+                      <a:round/>
+                      <a:headEnd type="none" w="med" len="med"/>
+                      <a:tailEnd type="none" w="med" len="med"/>
+                    </a:lnT>
+                    <a:lnB w="12700" cap="flat" cmpd="sng" algn="ctr">
+                      <a:solidFill>
+                        <a:schemeClr val="tx1"/>
+                      </a:solidFill>
+                      <a:prstDash val="solid"/>
+                      <a:round/>
+                      <a:headEnd type="none" w="med" len="med"/>
+                      <a:tailEnd type="none" w="med" len="med"/>
+                    </a:lnB>
+                    <a:solidFill>
+                      <a:schemeClr val="bg1"/>
+                    </a:solidFill>
+                  </a:tcPr>
+                </a:tc>
+                <a:extLst>
+                  <a:ext uri="{0D108BD9-81ED-4DB2-BD59-A6C34878D82A}">
+                    <a16:rowId xmlns:a16="http://schemas.microsoft.com/office/drawing/2014/main" val="4103804984"/>
+                  </a:ext>
+                </a:extLst>
+              </a:tr>
+              <a:tr h="394701">
+                <a:tc>
+                  <a:txBody>
+                    <a:bodyPr/>
+                    <a:lstStyle/>
+                    <a:p>
+                      <a:pPr marL="0" marR="0" lvl="0" indent="0" algn="l">
+                        <a:lnSpc>
+                          <a:spcPct val="150000"/>
+                        </a:lnSpc>
+                        <a:spcBef>
+                          <a:spcPts val="0"/>
+                        </a:spcBef>
+                        <a:spcAft>
+                          <a:spcPts val="0"/>
+                        </a:spcAft>
+                        <a:buFont typeface="+mj-lt"/>
+                        <a:buNone/>
+                      </a:pPr>
+                      <a:r>
+                        <a:rPr lang="en-US" sz="1200" b="0">
+                          <a:solidFill>
+                            <a:schemeClr val="tx1"/>
+                          </a:solidFill>
+                          <a:effectLst/>
+                        </a:rPr>
+                        <a:t>1.Người dùng chọn vào mục quản lý tin nhắn.</a:t>
+                      </a:r>
+                      <a:endParaRPr lang="en-US" sz="1200" b="0">
+                        <a:solidFill>
+                          <a:schemeClr val="tx1"/>
+                        </a:solidFill>
+                        <a:effectLst/>
+                        <a:latin typeface="Times New Roman" panose="02020603050405020304" pitchFamily="18" charset="0"/>
+                        <a:ea typeface="Times New Roman" panose="02020603050405020304" pitchFamily="18" charset="0"/>
+                      </a:endParaRPr>
+                    </a:p>
+                  </a:txBody>
+                  <a:tcPr marL="14918" marR="14918" marT="0" marB="0" anchor="ctr">
+                    <a:lnL w="12700" cap="flat" cmpd="sng" algn="ctr">
+                      <a:solidFill>
+                        <a:schemeClr val="tx1"/>
+                      </a:solidFill>
+                      <a:prstDash val="solid"/>
+                      <a:round/>
+                      <a:headEnd type="none" w="med" len="med"/>
+                      <a:tailEnd type="none" w="med" len="med"/>
+                    </a:lnL>
+                    <a:lnR w="12700" cap="flat" cmpd="sng" algn="ctr">
+                      <a:solidFill>
+                        <a:schemeClr val="tx1"/>
+                      </a:solidFill>
+                      <a:prstDash val="solid"/>
+                      <a:round/>
+                      <a:headEnd type="none" w="med" len="med"/>
+                      <a:tailEnd type="none" w="med" len="med"/>
+                    </a:lnR>
+                    <a:lnT w="12700" cap="flat" cmpd="sng" algn="ctr">
+                      <a:solidFill>
+                        <a:schemeClr val="tx1"/>
+                      </a:solidFill>
+                      <a:prstDash val="solid"/>
+                      <a:round/>
+                      <a:headEnd type="none" w="med" len="med"/>
+                      <a:tailEnd type="none" w="med" len="med"/>
+                    </a:lnT>
+                    <a:lnB w="12700" cap="flat" cmpd="sng" algn="ctr">
+                      <a:solidFill>
+                        <a:schemeClr val="tx1"/>
+                      </a:solidFill>
+                      <a:prstDash val="solid"/>
+                      <a:round/>
+                      <a:headEnd type="none" w="med" len="med"/>
+                      <a:tailEnd type="none" w="med" len="med"/>
+                    </a:lnB>
+                    <a:solidFill>
+                      <a:schemeClr val="bg1"/>
+                    </a:solidFill>
+                  </a:tcPr>
+                </a:tc>
+                <a:tc>
+                  <a:txBody>
+                    <a:bodyPr/>
+                    <a:lstStyle/>
+                    <a:p>
+                      <a:pPr marL="0" marR="0" indent="0" algn="l">
+                        <a:lnSpc>
+                          <a:spcPct val="150000"/>
+                        </a:lnSpc>
+                        <a:spcBef>
+                          <a:spcPts val="0"/>
+                        </a:spcBef>
+                        <a:spcAft>
+                          <a:spcPts val="0"/>
+                        </a:spcAft>
+                      </a:pPr>
+                      <a:r>
+                        <a:rPr lang="en-US" sz="1200" b="0">
+                          <a:solidFill>
+                            <a:schemeClr val="tx1"/>
+                          </a:solidFill>
+                          <a:effectLst/>
+                        </a:rPr>
+                        <a:t> </a:t>
+                      </a:r>
+                      <a:endParaRPr lang="en-US" sz="1200" b="0">
+                        <a:solidFill>
+                          <a:schemeClr val="tx1"/>
+                        </a:solidFill>
+                        <a:effectLst/>
+                        <a:latin typeface="Times New Roman" panose="02020603050405020304" pitchFamily="18" charset="0"/>
+                        <a:ea typeface="Times New Roman" panose="02020603050405020304" pitchFamily="18" charset="0"/>
+                      </a:endParaRPr>
+                    </a:p>
+                  </a:txBody>
+                  <a:tcPr marL="14918" marR="14918" marT="0" marB="0" anchor="ctr">
+                    <a:lnL w="12700" cap="flat" cmpd="sng" algn="ctr">
+                      <a:solidFill>
+                        <a:schemeClr val="tx1"/>
+                      </a:solidFill>
+                      <a:prstDash val="solid"/>
+                      <a:round/>
+                      <a:headEnd type="none" w="med" len="med"/>
+                      <a:tailEnd type="none" w="med" len="med"/>
+                    </a:lnL>
+                    <a:lnR w="12700" cap="flat" cmpd="sng" algn="ctr">
+                      <a:solidFill>
+                        <a:schemeClr val="tx1"/>
+                      </a:solidFill>
+                      <a:prstDash val="solid"/>
+                      <a:round/>
+                      <a:headEnd type="none" w="med" len="med"/>
+                      <a:tailEnd type="none" w="med" len="med"/>
+                    </a:lnR>
+                    <a:lnT w="12700" cap="flat" cmpd="sng" algn="ctr">
+                      <a:solidFill>
+                        <a:schemeClr val="tx1"/>
+                      </a:solidFill>
+                      <a:prstDash val="solid"/>
+                      <a:round/>
+                      <a:headEnd type="none" w="med" len="med"/>
+                      <a:tailEnd type="none" w="med" len="med"/>
+                    </a:lnT>
+                    <a:lnB w="12700" cap="flat" cmpd="sng" algn="ctr">
+                      <a:solidFill>
+                        <a:schemeClr val="tx1"/>
+                      </a:solidFill>
+                      <a:prstDash val="solid"/>
+                      <a:round/>
+                      <a:headEnd type="none" w="med" len="med"/>
+                      <a:tailEnd type="none" w="med" len="med"/>
+                    </a:lnB>
+                    <a:solidFill>
+                      <a:schemeClr val="bg1"/>
+                    </a:solidFill>
+                  </a:tcPr>
+                </a:tc>
+                <a:extLst>
+                  <a:ext uri="{0D108BD9-81ED-4DB2-BD59-A6C34878D82A}">
+                    <a16:rowId xmlns:a16="http://schemas.microsoft.com/office/drawing/2014/main" val="48404960"/>
+                  </a:ext>
+                </a:extLst>
+              </a:tr>
+              <a:tr h="394701">
+                <a:tc>
+                  <a:txBody>
+                    <a:bodyPr/>
+                    <a:lstStyle/>
+                    <a:p>
+                      <a:pPr marL="0" marR="0" indent="0" algn="l">
+                        <a:lnSpc>
+                          <a:spcPct val="150000"/>
+                        </a:lnSpc>
+                        <a:spcBef>
+                          <a:spcPts val="0"/>
+                        </a:spcBef>
+                        <a:spcAft>
+                          <a:spcPts val="0"/>
+                        </a:spcAft>
+                      </a:pPr>
+                      <a:r>
+                        <a:rPr lang="en-US" sz="1200" b="0">
+                          <a:solidFill>
+                            <a:schemeClr val="tx1"/>
+                          </a:solidFill>
+                          <a:effectLst/>
+                        </a:rPr>
+                        <a:t> </a:t>
+                      </a:r>
+                      <a:endParaRPr lang="en-US" sz="1200" b="0">
+                        <a:solidFill>
+                          <a:schemeClr val="tx1"/>
+                        </a:solidFill>
+                        <a:effectLst/>
+                        <a:latin typeface="Times New Roman" panose="02020603050405020304" pitchFamily="18" charset="0"/>
+                        <a:ea typeface="Times New Roman" panose="02020603050405020304" pitchFamily="18" charset="0"/>
+                      </a:endParaRPr>
+                    </a:p>
+                  </a:txBody>
+                  <a:tcPr marL="14918" marR="14918" marT="0" marB="0" anchor="ctr">
+                    <a:lnL w="12700" cap="flat" cmpd="sng" algn="ctr">
+                      <a:solidFill>
+                        <a:schemeClr val="tx1"/>
+                      </a:solidFill>
+                      <a:prstDash val="solid"/>
+                      <a:round/>
+                      <a:headEnd type="none" w="med" len="med"/>
+                      <a:tailEnd type="none" w="med" len="med"/>
+                    </a:lnL>
+                    <a:lnR w="12700" cap="flat" cmpd="sng" algn="ctr">
+                      <a:solidFill>
+                        <a:schemeClr val="tx1"/>
+                      </a:solidFill>
+                      <a:prstDash val="solid"/>
+                      <a:round/>
+                      <a:headEnd type="none" w="med" len="med"/>
+                      <a:tailEnd type="none" w="med" len="med"/>
+                    </a:lnR>
+                    <a:lnT w="12700" cap="flat" cmpd="sng" algn="ctr">
+                      <a:solidFill>
+                        <a:schemeClr val="tx1"/>
+                      </a:solidFill>
+                      <a:prstDash val="solid"/>
+                      <a:round/>
+                      <a:headEnd type="none" w="med" len="med"/>
+                      <a:tailEnd type="none" w="med" len="med"/>
+                    </a:lnT>
+                    <a:lnB w="12700" cap="flat" cmpd="sng" algn="ctr">
+                      <a:solidFill>
+                        <a:schemeClr val="tx1"/>
+                      </a:solidFill>
+                      <a:prstDash val="solid"/>
+                      <a:round/>
+                      <a:headEnd type="none" w="med" len="med"/>
+                      <a:tailEnd type="none" w="med" len="med"/>
+                    </a:lnB>
+                    <a:solidFill>
+                      <a:schemeClr val="bg1"/>
+                    </a:solidFill>
+                  </a:tcPr>
+                </a:tc>
+                <a:tc>
+                  <a:txBody>
+                    <a:bodyPr/>
+                    <a:lstStyle/>
+                    <a:p>
+                      <a:pPr marL="0" marR="0" lvl="0" indent="0" algn="l">
+                        <a:lnSpc>
+                          <a:spcPct val="150000"/>
+                        </a:lnSpc>
+                        <a:spcBef>
+                          <a:spcPts val="0"/>
+                        </a:spcBef>
+                        <a:spcAft>
+                          <a:spcPts val="0"/>
+                        </a:spcAft>
+                        <a:buFont typeface="+mj-lt"/>
+                        <a:buNone/>
+                      </a:pPr>
+                      <a:r>
+                        <a:rPr lang="en-US" sz="1200" b="0">
+                          <a:solidFill>
+                            <a:schemeClr val="tx1"/>
+                          </a:solidFill>
+                          <a:effectLst/>
+                        </a:rPr>
+                        <a:t>2.Hệ thống hiển thị danh sách tin nhắn bạn bè</a:t>
+                      </a:r>
+                      <a:endParaRPr lang="en-US" sz="1200" b="0">
+                        <a:solidFill>
+                          <a:schemeClr val="tx1"/>
+                        </a:solidFill>
+                        <a:effectLst/>
+                        <a:latin typeface="Times New Roman" panose="02020603050405020304" pitchFamily="18" charset="0"/>
+                        <a:ea typeface="Times New Roman" panose="02020603050405020304" pitchFamily="18" charset="0"/>
+                      </a:endParaRPr>
+                    </a:p>
+                  </a:txBody>
+                  <a:tcPr marL="14918" marR="14918" marT="0" marB="0" anchor="ctr">
+                    <a:lnL w="12700" cap="flat" cmpd="sng" algn="ctr">
+                      <a:solidFill>
+                        <a:schemeClr val="tx1"/>
+                      </a:solidFill>
+                      <a:prstDash val="solid"/>
+                      <a:round/>
+                      <a:headEnd type="none" w="med" len="med"/>
+                      <a:tailEnd type="none" w="med" len="med"/>
+                    </a:lnL>
+                    <a:lnR w="12700" cap="flat" cmpd="sng" algn="ctr">
+                      <a:solidFill>
+                        <a:schemeClr val="tx1"/>
+                      </a:solidFill>
+                      <a:prstDash val="solid"/>
+                      <a:round/>
+                      <a:headEnd type="none" w="med" len="med"/>
+                      <a:tailEnd type="none" w="med" len="med"/>
+                    </a:lnR>
+                    <a:lnT w="12700" cap="flat" cmpd="sng" algn="ctr">
+                      <a:solidFill>
+                        <a:schemeClr val="tx1"/>
+                      </a:solidFill>
+                      <a:prstDash val="solid"/>
+                      <a:round/>
+                      <a:headEnd type="none" w="med" len="med"/>
+                      <a:tailEnd type="none" w="med" len="med"/>
+                    </a:lnT>
+                    <a:lnB w="12700" cap="flat" cmpd="sng" algn="ctr">
+                      <a:solidFill>
+                        <a:schemeClr val="tx1"/>
+                      </a:solidFill>
+                      <a:prstDash val="solid"/>
+                      <a:round/>
+                      <a:headEnd type="none" w="med" len="med"/>
+                      <a:tailEnd type="none" w="med" len="med"/>
+                    </a:lnB>
+                    <a:solidFill>
+                      <a:schemeClr val="bg1"/>
+                    </a:solidFill>
+                  </a:tcPr>
+                </a:tc>
+                <a:extLst>
+                  <a:ext uri="{0D108BD9-81ED-4DB2-BD59-A6C34878D82A}">
+                    <a16:rowId xmlns:a16="http://schemas.microsoft.com/office/drawing/2014/main" val="3255426332"/>
+                  </a:ext>
+                </a:extLst>
+              </a:tr>
+              <a:tr h="394701">
+                <a:tc>
+                  <a:txBody>
+                    <a:bodyPr/>
+                    <a:lstStyle/>
+                    <a:p>
+                      <a:pPr marL="0" marR="0" lvl="0" indent="0" algn="l">
+                        <a:lnSpc>
+                          <a:spcPct val="150000"/>
+                        </a:lnSpc>
+                        <a:spcBef>
+                          <a:spcPts val="0"/>
+                        </a:spcBef>
+                        <a:spcAft>
+                          <a:spcPts val="0"/>
+                        </a:spcAft>
+                        <a:buFont typeface="+mj-lt"/>
+                        <a:buNone/>
+                      </a:pPr>
+                      <a:r>
+                        <a:rPr lang="en-US" sz="1200" b="0">
+                          <a:solidFill>
+                            <a:schemeClr val="tx1"/>
+                          </a:solidFill>
+                          <a:effectLst/>
+                        </a:rPr>
+                        <a:t>3.Người dùng chọn bạn bè hoặc nhóm chat để nhắn tin </a:t>
+                      </a:r>
+                      <a:endParaRPr lang="en-US" sz="1200" b="0">
+                        <a:solidFill>
+                          <a:schemeClr val="tx1"/>
+                        </a:solidFill>
+                        <a:effectLst/>
+                        <a:latin typeface="Times New Roman" panose="02020603050405020304" pitchFamily="18" charset="0"/>
+                        <a:ea typeface="Times New Roman" panose="02020603050405020304" pitchFamily="18" charset="0"/>
+                      </a:endParaRPr>
+                    </a:p>
+                  </a:txBody>
+                  <a:tcPr marL="14918" marR="14918" marT="0" marB="0" anchor="ctr">
+                    <a:lnL w="12700" cap="flat" cmpd="sng" algn="ctr">
+                      <a:solidFill>
+                        <a:schemeClr val="tx1"/>
+                      </a:solidFill>
+                      <a:prstDash val="solid"/>
+                      <a:round/>
+                      <a:headEnd type="none" w="med" len="med"/>
+                      <a:tailEnd type="none" w="med" len="med"/>
+                    </a:lnL>
+                    <a:lnR w="12700" cap="flat" cmpd="sng" algn="ctr">
+                      <a:solidFill>
+                        <a:schemeClr val="tx1"/>
+                      </a:solidFill>
+                      <a:prstDash val="solid"/>
+                      <a:round/>
+                      <a:headEnd type="none" w="med" len="med"/>
+                      <a:tailEnd type="none" w="med" len="med"/>
+                    </a:lnR>
+                    <a:lnT w="12700" cap="flat" cmpd="sng" algn="ctr">
+                      <a:solidFill>
+                        <a:schemeClr val="tx1"/>
+                      </a:solidFill>
+                      <a:prstDash val="solid"/>
+                      <a:round/>
+                      <a:headEnd type="none" w="med" len="med"/>
+                      <a:tailEnd type="none" w="med" len="med"/>
+                    </a:lnT>
+                    <a:lnB w="12700" cap="flat" cmpd="sng" algn="ctr">
+                      <a:solidFill>
+                        <a:schemeClr val="tx1"/>
+                      </a:solidFill>
+                      <a:prstDash val="solid"/>
+                      <a:round/>
+                      <a:headEnd type="none" w="med" len="med"/>
+                      <a:tailEnd type="none" w="med" len="med"/>
+                    </a:lnB>
+                    <a:solidFill>
+                      <a:schemeClr val="bg1"/>
+                    </a:solidFill>
+                  </a:tcPr>
+                </a:tc>
+                <a:tc>
+                  <a:txBody>
+                    <a:bodyPr/>
+                    <a:lstStyle/>
+                    <a:p>
+                      <a:pPr marL="0" marR="0" indent="0" algn="l">
+                        <a:lnSpc>
+                          <a:spcPct val="150000"/>
+                        </a:lnSpc>
+                        <a:spcBef>
+                          <a:spcPts val="0"/>
+                        </a:spcBef>
+                        <a:spcAft>
+                          <a:spcPts val="0"/>
+                        </a:spcAft>
+                      </a:pPr>
+                      <a:r>
+                        <a:rPr lang="en-US" sz="1200" b="0">
+                          <a:solidFill>
+                            <a:schemeClr val="tx1"/>
+                          </a:solidFill>
+                          <a:effectLst/>
+                        </a:rPr>
+                        <a:t> </a:t>
+                      </a:r>
+                      <a:endParaRPr lang="en-US" sz="1200" b="0">
+                        <a:solidFill>
+                          <a:schemeClr val="tx1"/>
+                        </a:solidFill>
+                        <a:effectLst/>
+                        <a:latin typeface="Times New Roman" panose="02020603050405020304" pitchFamily="18" charset="0"/>
+                        <a:ea typeface="Times New Roman" panose="02020603050405020304" pitchFamily="18" charset="0"/>
+                      </a:endParaRPr>
+                    </a:p>
+                  </a:txBody>
+                  <a:tcPr marL="14918" marR="14918" marT="0" marB="0" anchor="ctr">
+                    <a:lnL w="12700" cap="flat" cmpd="sng" algn="ctr">
+                      <a:solidFill>
+                        <a:schemeClr val="tx1"/>
+                      </a:solidFill>
+                      <a:prstDash val="solid"/>
+                      <a:round/>
+                      <a:headEnd type="none" w="med" len="med"/>
+                      <a:tailEnd type="none" w="med" len="med"/>
+                    </a:lnL>
+                    <a:lnR w="12700" cap="flat" cmpd="sng" algn="ctr">
+                      <a:solidFill>
+                        <a:schemeClr val="tx1"/>
+                      </a:solidFill>
+                      <a:prstDash val="solid"/>
+                      <a:round/>
+                      <a:headEnd type="none" w="med" len="med"/>
+                      <a:tailEnd type="none" w="med" len="med"/>
+                    </a:lnR>
+                    <a:lnT w="12700" cap="flat" cmpd="sng" algn="ctr">
+                      <a:solidFill>
+                        <a:schemeClr val="tx1"/>
+                      </a:solidFill>
+                      <a:prstDash val="solid"/>
+                      <a:round/>
+                      <a:headEnd type="none" w="med" len="med"/>
+                      <a:tailEnd type="none" w="med" len="med"/>
+                    </a:lnT>
+                    <a:lnB w="12700" cap="flat" cmpd="sng" algn="ctr">
+                      <a:solidFill>
+                        <a:schemeClr val="tx1"/>
+                      </a:solidFill>
+                      <a:prstDash val="solid"/>
+                      <a:round/>
+                      <a:headEnd type="none" w="med" len="med"/>
+                      <a:tailEnd type="none" w="med" len="med"/>
+                    </a:lnB>
+                    <a:solidFill>
+                      <a:schemeClr val="bg1"/>
+                    </a:solidFill>
+                  </a:tcPr>
+                </a:tc>
+                <a:extLst>
+                  <a:ext uri="{0D108BD9-81ED-4DB2-BD59-A6C34878D82A}">
+                    <a16:rowId xmlns:a16="http://schemas.microsoft.com/office/drawing/2014/main" val="2940488168"/>
+                  </a:ext>
+                </a:extLst>
+              </a:tr>
+              <a:tr h="762716">
+                <a:tc>
+                  <a:txBody>
+                    <a:bodyPr/>
+                    <a:lstStyle/>
+                    <a:p>
+                      <a:pPr marL="0" marR="0" indent="0" algn="l">
+                        <a:lnSpc>
+                          <a:spcPct val="150000"/>
+                        </a:lnSpc>
+                        <a:spcBef>
+                          <a:spcPts val="0"/>
+                        </a:spcBef>
+                        <a:spcAft>
+                          <a:spcPts val="0"/>
+                        </a:spcAft>
+                      </a:pPr>
+                      <a:r>
+                        <a:rPr lang="en-US" sz="1200" b="0">
+                          <a:solidFill>
+                            <a:schemeClr val="tx1"/>
+                          </a:solidFill>
+                          <a:effectLst/>
+                        </a:rPr>
+                        <a:t> </a:t>
+                      </a:r>
+                      <a:endParaRPr lang="en-US" sz="1200" b="0">
+                        <a:solidFill>
+                          <a:schemeClr val="tx1"/>
+                        </a:solidFill>
+                        <a:effectLst/>
+                        <a:latin typeface="Times New Roman" panose="02020603050405020304" pitchFamily="18" charset="0"/>
+                        <a:ea typeface="Times New Roman" panose="02020603050405020304" pitchFamily="18" charset="0"/>
+                      </a:endParaRPr>
+                    </a:p>
+                  </a:txBody>
+                  <a:tcPr marL="14918" marR="14918" marT="0" marB="0" anchor="ctr">
+                    <a:lnL w="12700" cap="flat" cmpd="sng" algn="ctr">
+                      <a:solidFill>
+                        <a:schemeClr val="tx1"/>
+                      </a:solidFill>
+                      <a:prstDash val="solid"/>
+                      <a:round/>
+                      <a:headEnd type="none" w="med" len="med"/>
+                      <a:tailEnd type="none" w="med" len="med"/>
+                    </a:lnL>
+                    <a:lnR w="12700" cap="flat" cmpd="sng" algn="ctr">
+                      <a:solidFill>
+                        <a:schemeClr val="tx1"/>
+                      </a:solidFill>
+                      <a:prstDash val="solid"/>
+                      <a:round/>
+                      <a:headEnd type="none" w="med" len="med"/>
+                      <a:tailEnd type="none" w="med" len="med"/>
+                    </a:lnR>
+                    <a:lnT w="12700" cap="flat" cmpd="sng" algn="ctr">
+                      <a:solidFill>
+                        <a:schemeClr val="tx1"/>
+                      </a:solidFill>
+                      <a:prstDash val="solid"/>
+                      <a:round/>
+                      <a:headEnd type="none" w="med" len="med"/>
+                      <a:tailEnd type="none" w="med" len="med"/>
+                    </a:lnT>
+                    <a:lnB w="12700" cap="flat" cmpd="sng" algn="ctr">
+                      <a:solidFill>
+                        <a:schemeClr val="tx1"/>
+                      </a:solidFill>
+                      <a:prstDash val="solid"/>
+                      <a:round/>
+                      <a:headEnd type="none" w="med" len="med"/>
+                      <a:tailEnd type="none" w="med" len="med"/>
+                    </a:lnB>
+                    <a:solidFill>
+                      <a:schemeClr val="bg1"/>
+                    </a:solidFill>
+                  </a:tcPr>
+                </a:tc>
+                <a:tc>
+                  <a:txBody>
+                    <a:bodyPr/>
+                    <a:lstStyle/>
+                    <a:p>
+                      <a:pPr marL="0" marR="0" lvl="0" indent="0" algn="l">
+                        <a:lnSpc>
+                          <a:spcPct val="150000"/>
+                        </a:lnSpc>
+                        <a:spcBef>
+                          <a:spcPts val="0"/>
+                        </a:spcBef>
+                        <a:spcAft>
+                          <a:spcPts val="0"/>
+                        </a:spcAft>
+                        <a:buFont typeface="+mj-lt"/>
+                        <a:buNone/>
+                      </a:pPr>
+                      <a:r>
+                        <a:rPr lang="en-US" sz="1200" b="0">
+                          <a:solidFill>
+                            <a:schemeClr val="tx1"/>
+                          </a:solidFill>
+                          <a:effectLst/>
+                        </a:rPr>
+                        <a:t>4.Hệ thống hiển thị khung chat giữa 2 đối tượng người dùng hoặc giữa người dùng và nhóm chat</a:t>
+                      </a:r>
+                      <a:endParaRPr lang="en-US" sz="1200" b="0">
+                        <a:solidFill>
+                          <a:schemeClr val="tx1"/>
+                        </a:solidFill>
+                        <a:effectLst/>
+                        <a:latin typeface="Times New Roman" panose="02020603050405020304" pitchFamily="18" charset="0"/>
+                        <a:ea typeface="Times New Roman" panose="02020603050405020304" pitchFamily="18" charset="0"/>
+                      </a:endParaRPr>
+                    </a:p>
+                  </a:txBody>
+                  <a:tcPr marL="14918" marR="14918" marT="0" marB="0" anchor="ctr">
+                    <a:lnL w="12700" cap="flat" cmpd="sng" algn="ctr">
+                      <a:solidFill>
+                        <a:schemeClr val="tx1"/>
+                      </a:solidFill>
+                      <a:prstDash val="solid"/>
+                      <a:round/>
+                      <a:headEnd type="none" w="med" len="med"/>
+                      <a:tailEnd type="none" w="med" len="med"/>
+                    </a:lnL>
+                    <a:lnR w="12700" cap="flat" cmpd="sng" algn="ctr">
+                      <a:solidFill>
+                        <a:schemeClr val="tx1"/>
+                      </a:solidFill>
+                      <a:prstDash val="solid"/>
+                      <a:round/>
+                      <a:headEnd type="none" w="med" len="med"/>
+                      <a:tailEnd type="none" w="med" len="med"/>
+                    </a:lnR>
+                    <a:lnT w="12700" cap="flat" cmpd="sng" algn="ctr">
+                      <a:solidFill>
+                        <a:schemeClr val="tx1"/>
+                      </a:solidFill>
+                      <a:prstDash val="solid"/>
+                      <a:round/>
+                      <a:headEnd type="none" w="med" len="med"/>
+                      <a:tailEnd type="none" w="med" len="med"/>
+                    </a:lnT>
+                    <a:lnB w="12700" cap="flat" cmpd="sng" algn="ctr">
+                      <a:solidFill>
+                        <a:schemeClr val="tx1"/>
+                      </a:solidFill>
+                      <a:prstDash val="solid"/>
+                      <a:round/>
+                      <a:headEnd type="none" w="med" len="med"/>
+                      <a:tailEnd type="none" w="med" len="med"/>
+                    </a:lnB>
+                    <a:solidFill>
+                      <a:schemeClr val="bg1"/>
+                    </a:solidFill>
+                  </a:tcPr>
+                </a:tc>
+                <a:extLst>
+                  <a:ext uri="{0D108BD9-81ED-4DB2-BD59-A6C34878D82A}">
+                    <a16:rowId xmlns:a16="http://schemas.microsoft.com/office/drawing/2014/main" val="405741125"/>
+                  </a:ext>
+                </a:extLst>
+              </a:tr>
+              <a:tr h="394701">
+                <a:tc>
+                  <a:txBody>
+                    <a:bodyPr/>
+                    <a:lstStyle/>
+                    <a:p>
+                      <a:pPr marL="0" marR="0" lvl="0" indent="0" algn="l">
+                        <a:lnSpc>
+                          <a:spcPct val="150000"/>
+                        </a:lnSpc>
+                        <a:spcBef>
+                          <a:spcPts val="0"/>
+                        </a:spcBef>
+                        <a:spcAft>
+                          <a:spcPts val="0"/>
+                        </a:spcAft>
+                        <a:buFont typeface="+mj-lt"/>
+                        <a:buNone/>
+                      </a:pPr>
+                      <a:r>
+                        <a:rPr lang="en-US" sz="1200" b="0">
+                          <a:solidFill>
+                            <a:schemeClr val="tx1"/>
+                          </a:solidFill>
+                          <a:effectLst/>
+                        </a:rPr>
+                        <a:t>5.Người dùng nhập văn bản vào khung chat </a:t>
+                      </a:r>
+                      <a:endParaRPr lang="en-US" sz="1200" b="0">
+                        <a:solidFill>
+                          <a:schemeClr val="tx1"/>
+                        </a:solidFill>
+                        <a:effectLst/>
+                        <a:latin typeface="Times New Roman" panose="02020603050405020304" pitchFamily="18" charset="0"/>
+                        <a:ea typeface="Times New Roman" panose="02020603050405020304" pitchFamily="18" charset="0"/>
+                      </a:endParaRPr>
+                    </a:p>
+                  </a:txBody>
+                  <a:tcPr marL="14918" marR="14918" marT="0" marB="0" anchor="ctr">
+                    <a:lnL w="12700" cap="flat" cmpd="sng" algn="ctr">
+                      <a:solidFill>
+                        <a:schemeClr val="tx1"/>
+                      </a:solidFill>
+                      <a:prstDash val="solid"/>
+                      <a:round/>
+                      <a:headEnd type="none" w="med" len="med"/>
+                      <a:tailEnd type="none" w="med" len="med"/>
+                    </a:lnL>
+                    <a:lnR w="12700" cap="flat" cmpd="sng" algn="ctr">
+                      <a:solidFill>
+                        <a:schemeClr val="tx1"/>
+                      </a:solidFill>
+                      <a:prstDash val="solid"/>
+                      <a:round/>
+                      <a:headEnd type="none" w="med" len="med"/>
+                      <a:tailEnd type="none" w="med" len="med"/>
+                    </a:lnR>
+                    <a:lnT w="12700" cap="flat" cmpd="sng" algn="ctr">
+                      <a:solidFill>
+                        <a:schemeClr val="tx1"/>
+                      </a:solidFill>
+                      <a:prstDash val="solid"/>
+                      <a:round/>
+                      <a:headEnd type="none" w="med" len="med"/>
+                      <a:tailEnd type="none" w="med" len="med"/>
+                    </a:lnT>
+                    <a:lnB w="12700" cap="flat" cmpd="sng" algn="ctr">
+                      <a:solidFill>
+                        <a:schemeClr val="tx1"/>
+                      </a:solidFill>
+                      <a:prstDash val="solid"/>
+                      <a:round/>
+                      <a:headEnd type="none" w="med" len="med"/>
+                      <a:tailEnd type="none" w="med" len="med"/>
+                    </a:lnB>
+                    <a:solidFill>
+                      <a:schemeClr val="bg1"/>
+                    </a:solidFill>
+                  </a:tcPr>
+                </a:tc>
+                <a:tc>
+                  <a:txBody>
+                    <a:bodyPr/>
+                    <a:lstStyle/>
+                    <a:p>
+                      <a:pPr marL="0" marR="0" indent="0" algn="l">
+                        <a:lnSpc>
+                          <a:spcPct val="150000"/>
+                        </a:lnSpc>
+                        <a:spcBef>
+                          <a:spcPts val="0"/>
+                        </a:spcBef>
+                        <a:spcAft>
+                          <a:spcPts val="0"/>
+                        </a:spcAft>
+                      </a:pPr>
+                      <a:r>
+                        <a:rPr lang="en-US" sz="1200" b="0">
+                          <a:solidFill>
+                            <a:schemeClr val="tx1"/>
+                          </a:solidFill>
+                          <a:effectLst/>
+                        </a:rPr>
+                        <a:t> </a:t>
+                      </a:r>
+                      <a:endParaRPr lang="en-US" sz="1200" b="0">
+                        <a:solidFill>
+                          <a:schemeClr val="tx1"/>
+                        </a:solidFill>
+                        <a:effectLst/>
+                        <a:latin typeface="Times New Roman" panose="02020603050405020304" pitchFamily="18" charset="0"/>
+                        <a:ea typeface="Times New Roman" panose="02020603050405020304" pitchFamily="18" charset="0"/>
+                      </a:endParaRPr>
+                    </a:p>
+                  </a:txBody>
+                  <a:tcPr marL="14918" marR="14918" marT="0" marB="0" anchor="ctr">
+                    <a:lnL w="12700" cap="flat" cmpd="sng" algn="ctr">
+                      <a:solidFill>
+                        <a:schemeClr val="tx1"/>
+                      </a:solidFill>
+                      <a:prstDash val="solid"/>
+                      <a:round/>
+                      <a:headEnd type="none" w="med" len="med"/>
+                      <a:tailEnd type="none" w="med" len="med"/>
+                    </a:lnL>
+                    <a:lnR w="12700" cap="flat" cmpd="sng" algn="ctr">
+                      <a:solidFill>
+                        <a:schemeClr val="tx1"/>
+                      </a:solidFill>
+                      <a:prstDash val="solid"/>
+                      <a:round/>
+                      <a:headEnd type="none" w="med" len="med"/>
+                      <a:tailEnd type="none" w="med" len="med"/>
+                    </a:lnR>
+                    <a:lnT w="12700" cap="flat" cmpd="sng" algn="ctr">
+                      <a:solidFill>
+                        <a:schemeClr val="tx1"/>
+                      </a:solidFill>
+                      <a:prstDash val="solid"/>
+                      <a:round/>
+                      <a:headEnd type="none" w="med" len="med"/>
+                      <a:tailEnd type="none" w="med" len="med"/>
+                    </a:lnT>
+                    <a:lnB w="12700" cap="flat" cmpd="sng" algn="ctr">
+                      <a:solidFill>
+                        <a:schemeClr val="tx1"/>
+                      </a:solidFill>
+                      <a:prstDash val="solid"/>
+                      <a:round/>
+                      <a:headEnd type="none" w="med" len="med"/>
+                      <a:tailEnd type="none" w="med" len="med"/>
+                    </a:lnB>
+                    <a:solidFill>
+                      <a:schemeClr val="bg1"/>
+                    </a:solidFill>
+                  </a:tcPr>
+                </a:tc>
+                <a:extLst>
+                  <a:ext uri="{0D108BD9-81ED-4DB2-BD59-A6C34878D82A}">
+                    <a16:rowId xmlns:a16="http://schemas.microsoft.com/office/drawing/2014/main" val="2587984454"/>
+                  </a:ext>
+                </a:extLst>
+              </a:tr>
+              <a:tr h="184769">
+                <a:tc>
+                  <a:txBody>
+                    <a:bodyPr/>
+                    <a:lstStyle/>
+                    <a:p>
+                      <a:pPr marL="0" marR="0" lvl="0" indent="0" algn="l">
+                        <a:lnSpc>
+                          <a:spcPct val="150000"/>
+                        </a:lnSpc>
+                        <a:spcBef>
+                          <a:spcPts val="0"/>
+                        </a:spcBef>
+                        <a:spcAft>
+                          <a:spcPts val="0"/>
+                        </a:spcAft>
+                        <a:buFont typeface="+mj-lt"/>
+                        <a:buNone/>
+                      </a:pPr>
+                      <a:r>
+                        <a:rPr lang="en-US" sz="1200" b="0">
+                          <a:solidFill>
+                            <a:schemeClr val="tx1"/>
+                          </a:solidFill>
+                          <a:effectLst/>
+                        </a:rPr>
+                        <a:t>6.Người dùng ấn gửi. </a:t>
+                      </a:r>
+                      <a:endParaRPr lang="en-US" sz="1200" b="0">
+                        <a:solidFill>
+                          <a:schemeClr val="tx1"/>
+                        </a:solidFill>
+                        <a:effectLst/>
+                        <a:latin typeface="Times New Roman" panose="02020603050405020304" pitchFamily="18" charset="0"/>
+                        <a:ea typeface="Times New Roman" panose="02020603050405020304" pitchFamily="18" charset="0"/>
+                      </a:endParaRPr>
+                    </a:p>
+                  </a:txBody>
+                  <a:tcPr marL="14918" marR="14918" marT="0" marB="0" anchor="ctr">
+                    <a:lnL w="12700" cap="flat" cmpd="sng" algn="ctr">
+                      <a:solidFill>
+                        <a:schemeClr val="tx1"/>
+                      </a:solidFill>
+                      <a:prstDash val="solid"/>
+                      <a:round/>
+                      <a:headEnd type="none" w="med" len="med"/>
+                      <a:tailEnd type="none" w="med" len="med"/>
+                    </a:lnL>
+                    <a:lnR w="12700" cap="flat" cmpd="sng" algn="ctr">
+                      <a:solidFill>
+                        <a:schemeClr val="tx1"/>
+                      </a:solidFill>
+                      <a:prstDash val="solid"/>
+                      <a:round/>
+                      <a:headEnd type="none" w="med" len="med"/>
+                      <a:tailEnd type="none" w="med" len="med"/>
+                    </a:lnR>
+                    <a:lnT w="12700" cap="flat" cmpd="sng" algn="ctr">
+                      <a:solidFill>
+                        <a:schemeClr val="tx1"/>
+                      </a:solidFill>
+                      <a:prstDash val="solid"/>
+                      <a:round/>
+                      <a:headEnd type="none" w="med" len="med"/>
+                      <a:tailEnd type="none" w="med" len="med"/>
+                    </a:lnT>
+                    <a:lnB w="12700" cap="flat" cmpd="sng" algn="ctr">
+                      <a:solidFill>
+                        <a:schemeClr val="tx1"/>
+                      </a:solidFill>
+                      <a:prstDash val="solid"/>
+                      <a:round/>
+                      <a:headEnd type="none" w="med" len="med"/>
+                      <a:tailEnd type="none" w="med" len="med"/>
+                    </a:lnB>
+                    <a:solidFill>
+                      <a:schemeClr val="bg1"/>
+                    </a:solidFill>
+                  </a:tcPr>
+                </a:tc>
+                <a:tc>
+                  <a:txBody>
+                    <a:bodyPr/>
+                    <a:lstStyle/>
+                    <a:p>
+                      <a:pPr marL="0" marR="0" indent="0" algn="l">
+                        <a:lnSpc>
+                          <a:spcPct val="150000"/>
+                        </a:lnSpc>
+                        <a:spcBef>
+                          <a:spcPts val="0"/>
+                        </a:spcBef>
+                        <a:spcAft>
+                          <a:spcPts val="0"/>
+                        </a:spcAft>
+                      </a:pPr>
+                      <a:r>
+                        <a:rPr lang="en-US" sz="1200" b="0">
+                          <a:solidFill>
+                            <a:schemeClr val="tx1"/>
+                          </a:solidFill>
+                          <a:effectLst/>
+                        </a:rPr>
+                        <a:t> </a:t>
+                      </a:r>
+                      <a:endParaRPr lang="en-US" sz="1200" b="0">
+                        <a:solidFill>
+                          <a:schemeClr val="tx1"/>
+                        </a:solidFill>
+                        <a:effectLst/>
+                        <a:latin typeface="Times New Roman" panose="02020603050405020304" pitchFamily="18" charset="0"/>
+                        <a:ea typeface="Times New Roman" panose="02020603050405020304" pitchFamily="18" charset="0"/>
+                      </a:endParaRPr>
+                    </a:p>
+                  </a:txBody>
+                  <a:tcPr marL="14918" marR="14918" marT="0" marB="0" anchor="ctr">
+                    <a:lnL w="12700" cap="flat" cmpd="sng" algn="ctr">
+                      <a:solidFill>
+                        <a:schemeClr val="tx1"/>
+                      </a:solidFill>
+                      <a:prstDash val="solid"/>
+                      <a:round/>
+                      <a:headEnd type="none" w="med" len="med"/>
+                      <a:tailEnd type="none" w="med" len="med"/>
+                    </a:lnL>
+                    <a:lnR w="12700" cap="flat" cmpd="sng" algn="ctr">
+                      <a:solidFill>
+                        <a:schemeClr val="tx1"/>
+                      </a:solidFill>
+                      <a:prstDash val="solid"/>
+                      <a:round/>
+                      <a:headEnd type="none" w="med" len="med"/>
+                      <a:tailEnd type="none" w="med" len="med"/>
+                    </a:lnR>
+                    <a:lnT w="12700" cap="flat" cmpd="sng" algn="ctr">
+                      <a:solidFill>
+                        <a:schemeClr val="tx1"/>
+                      </a:solidFill>
+                      <a:prstDash val="solid"/>
+                      <a:round/>
+                      <a:headEnd type="none" w="med" len="med"/>
+                      <a:tailEnd type="none" w="med" len="med"/>
+                    </a:lnT>
+                    <a:lnB w="12700" cap="flat" cmpd="sng" algn="ctr">
+                      <a:solidFill>
+                        <a:schemeClr val="tx1"/>
+                      </a:solidFill>
+                      <a:prstDash val="solid"/>
+                      <a:round/>
+                      <a:headEnd type="none" w="med" len="med"/>
+                      <a:tailEnd type="none" w="med" len="med"/>
+                    </a:lnB>
+                    <a:solidFill>
+                      <a:schemeClr val="bg1"/>
+                    </a:solidFill>
+                  </a:tcPr>
+                </a:tc>
+                <a:extLst>
+                  <a:ext uri="{0D108BD9-81ED-4DB2-BD59-A6C34878D82A}">
+                    <a16:rowId xmlns:a16="http://schemas.microsoft.com/office/drawing/2014/main" val="1314639168"/>
+                  </a:ext>
+                </a:extLst>
+              </a:tr>
+              <a:tr h="184769">
+                <a:tc>
+                  <a:txBody>
+                    <a:bodyPr/>
+                    <a:lstStyle/>
+                    <a:p>
+                      <a:pPr marL="0" marR="0" indent="0" algn="l">
+                        <a:lnSpc>
+                          <a:spcPct val="150000"/>
+                        </a:lnSpc>
+                        <a:spcBef>
+                          <a:spcPts val="0"/>
+                        </a:spcBef>
+                        <a:spcAft>
+                          <a:spcPts val="0"/>
+                        </a:spcAft>
+                      </a:pPr>
+                      <a:r>
+                        <a:rPr lang="en-US" sz="1200" b="0">
+                          <a:solidFill>
+                            <a:schemeClr val="tx1"/>
+                          </a:solidFill>
+                          <a:effectLst/>
+                        </a:rPr>
+                        <a:t> </a:t>
+                      </a:r>
+                      <a:endParaRPr lang="en-US" sz="1200" b="0">
+                        <a:solidFill>
+                          <a:schemeClr val="tx1"/>
+                        </a:solidFill>
+                        <a:effectLst/>
+                        <a:latin typeface="Times New Roman" panose="02020603050405020304" pitchFamily="18" charset="0"/>
+                        <a:ea typeface="Times New Roman" panose="02020603050405020304" pitchFamily="18" charset="0"/>
+                      </a:endParaRPr>
+                    </a:p>
+                  </a:txBody>
+                  <a:tcPr marL="14918" marR="14918" marT="0" marB="0" anchor="ctr">
+                    <a:lnL w="12700" cap="flat" cmpd="sng" algn="ctr">
+                      <a:solidFill>
+                        <a:schemeClr val="tx1"/>
+                      </a:solidFill>
+                      <a:prstDash val="solid"/>
+                      <a:round/>
+                      <a:headEnd type="none" w="med" len="med"/>
+                      <a:tailEnd type="none" w="med" len="med"/>
+                    </a:lnL>
+                    <a:lnR w="12700" cap="flat" cmpd="sng" algn="ctr">
+                      <a:solidFill>
+                        <a:schemeClr val="tx1"/>
+                      </a:solidFill>
+                      <a:prstDash val="solid"/>
+                      <a:round/>
+                      <a:headEnd type="none" w="med" len="med"/>
+                      <a:tailEnd type="none" w="med" len="med"/>
+                    </a:lnR>
+                    <a:lnT w="12700" cap="flat" cmpd="sng" algn="ctr">
+                      <a:solidFill>
+                        <a:schemeClr val="tx1"/>
+                      </a:solidFill>
+                      <a:prstDash val="solid"/>
+                      <a:round/>
+                      <a:headEnd type="none" w="med" len="med"/>
+                      <a:tailEnd type="none" w="med" len="med"/>
+                    </a:lnT>
+                    <a:lnB w="12700" cap="flat" cmpd="sng" algn="ctr">
+                      <a:solidFill>
+                        <a:schemeClr val="tx1"/>
+                      </a:solidFill>
+                      <a:prstDash val="solid"/>
+                      <a:round/>
+                      <a:headEnd type="none" w="med" len="med"/>
+                      <a:tailEnd type="none" w="med" len="med"/>
+                    </a:lnB>
+                    <a:solidFill>
+                      <a:schemeClr val="bg1"/>
+                    </a:solidFill>
+                  </a:tcPr>
+                </a:tc>
+                <a:tc>
+                  <a:txBody>
+                    <a:bodyPr/>
+                    <a:lstStyle/>
+                    <a:p>
+                      <a:pPr marL="0" marR="0" lvl="0" indent="0" algn="l">
+                        <a:lnSpc>
+                          <a:spcPct val="150000"/>
+                        </a:lnSpc>
+                        <a:spcBef>
+                          <a:spcPts val="0"/>
+                        </a:spcBef>
+                        <a:spcAft>
+                          <a:spcPts val="0"/>
+                        </a:spcAft>
+                        <a:buFont typeface="+mj-lt"/>
+                        <a:buNone/>
+                      </a:pPr>
+                      <a:r>
+                        <a:rPr lang="en-US" sz="1200" b="0">
+                          <a:solidFill>
+                            <a:schemeClr val="tx1"/>
+                          </a:solidFill>
+                          <a:effectLst/>
+                        </a:rPr>
+                        <a:t>7.Hệ thống lưu trữ lại tin nhắn.</a:t>
+                      </a:r>
+                      <a:endParaRPr lang="en-US" sz="1200" b="0">
+                        <a:solidFill>
+                          <a:schemeClr val="tx1"/>
+                        </a:solidFill>
+                        <a:effectLst/>
+                        <a:latin typeface="Times New Roman" panose="02020603050405020304" pitchFamily="18" charset="0"/>
+                        <a:ea typeface="Times New Roman" panose="02020603050405020304" pitchFamily="18" charset="0"/>
+                      </a:endParaRPr>
+                    </a:p>
+                  </a:txBody>
+                  <a:tcPr marL="14918" marR="14918" marT="0" marB="0" anchor="ctr">
+                    <a:lnL w="12700" cap="flat" cmpd="sng" algn="ctr">
+                      <a:solidFill>
+                        <a:schemeClr val="tx1"/>
+                      </a:solidFill>
+                      <a:prstDash val="solid"/>
+                      <a:round/>
+                      <a:headEnd type="none" w="med" len="med"/>
+                      <a:tailEnd type="none" w="med" len="med"/>
+                    </a:lnL>
+                    <a:lnR w="12700" cap="flat" cmpd="sng" algn="ctr">
+                      <a:solidFill>
+                        <a:schemeClr val="tx1"/>
+                      </a:solidFill>
+                      <a:prstDash val="solid"/>
+                      <a:round/>
+                      <a:headEnd type="none" w="med" len="med"/>
+                      <a:tailEnd type="none" w="med" len="med"/>
+                    </a:lnR>
+                    <a:lnT w="12700" cap="flat" cmpd="sng" algn="ctr">
+                      <a:solidFill>
+                        <a:schemeClr val="tx1"/>
+                      </a:solidFill>
+                      <a:prstDash val="solid"/>
+                      <a:round/>
+                      <a:headEnd type="none" w="med" len="med"/>
+                      <a:tailEnd type="none" w="med" len="med"/>
+                    </a:lnT>
+                    <a:lnB w="12700" cap="flat" cmpd="sng" algn="ctr">
+                      <a:solidFill>
+                        <a:schemeClr val="tx1"/>
+                      </a:solidFill>
+                      <a:prstDash val="solid"/>
+                      <a:round/>
+                      <a:headEnd type="none" w="med" len="med"/>
+                      <a:tailEnd type="none" w="med" len="med"/>
+                    </a:lnB>
+                    <a:solidFill>
+                      <a:schemeClr val="bg1"/>
+                    </a:solidFill>
+                  </a:tcPr>
+                </a:tc>
+                <a:extLst>
+                  <a:ext uri="{0D108BD9-81ED-4DB2-BD59-A6C34878D82A}">
+                    <a16:rowId xmlns:a16="http://schemas.microsoft.com/office/drawing/2014/main" val="3683094978"/>
+                  </a:ext>
+                </a:extLst>
+              </a:tr>
+              <a:tr h="394701">
+                <a:tc>
+                  <a:txBody>
+                    <a:bodyPr/>
+                    <a:lstStyle/>
+                    <a:p>
+                      <a:pPr marL="0" marR="0" indent="0" algn="l">
+                        <a:lnSpc>
+                          <a:spcPct val="150000"/>
+                        </a:lnSpc>
+                        <a:spcBef>
+                          <a:spcPts val="0"/>
+                        </a:spcBef>
+                        <a:spcAft>
+                          <a:spcPts val="0"/>
+                        </a:spcAft>
+                      </a:pPr>
+                      <a:r>
+                        <a:rPr lang="en-US" sz="1200" b="0">
+                          <a:solidFill>
+                            <a:schemeClr val="tx1"/>
+                          </a:solidFill>
+                          <a:effectLst/>
+                        </a:rPr>
+                        <a:t> </a:t>
+                      </a:r>
+                      <a:endParaRPr lang="en-US" sz="1200" b="0">
+                        <a:solidFill>
+                          <a:schemeClr val="tx1"/>
+                        </a:solidFill>
+                        <a:effectLst/>
+                        <a:latin typeface="Times New Roman" panose="02020603050405020304" pitchFamily="18" charset="0"/>
+                        <a:ea typeface="Times New Roman" panose="02020603050405020304" pitchFamily="18" charset="0"/>
+                      </a:endParaRPr>
+                    </a:p>
+                  </a:txBody>
+                  <a:tcPr marL="14918" marR="14918" marT="0" marB="0" anchor="ctr">
+                    <a:lnL w="12700" cap="flat" cmpd="sng" algn="ctr">
+                      <a:solidFill>
+                        <a:schemeClr val="tx1"/>
+                      </a:solidFill>
+                      <a:prstDash val="solid"/>
+                      <a:round/>
+                      <a:headEnd type="none" w="med" len="med"/>
+                      <a:tailEnd type="none" w="med" len="med"/>
+                    </a:lnL>
+                    <a:lnR w="12700" cap="flat" cmpd="sng" algn="ctr">
+                      <a:solidFill>
+                        <a:schemeClr val="tx1"/>
+                      </a:solidFill>
+                      <a:prstDash val="solid"/>
+                      <a:round/>
+                      <a:headEnd type="none" w="med" len="med"/>
+                      <a:tailEnd type="none" w="med" len="med"/>
+                    </a:lnR>
+                    <a:lnT w="12700" cap="flat" cmpd="sng" algn="ctr">
+                      <a:solidFill>
+                        <a:schemeClr val="tx1"/>
+                      </a:solidFill>
+                      <a:prstDash val="solid"/>
+                      <a:round/>
+                      <a:headEnd type="none" w="med" len="med"/>
+                      <a:tailEnd type="none" w="med" len="med"/>
+                    </a:lnT>
+                    <a:lnB w="12700" cap="flat" cmpd="sng" algn="ctr">
+                      <a:solidFill>
+                        <a:schemeClr val="tx1"/>
+                      </a:solidFill>
+                      <a:prstDash val="solid"/>
+                      <a:round/>
+                      <a:headEnd type="none" w="med" len="med"/>
+                      <a:tailEnd type="none" w="med" len="med"/>
+                    </a:lnB>
+                    <a:solidFill>
+                      <a:schemeClr val="bg1"/>
+                    </a:solidFill>
+                  </a:tcPr>
+                </a:tc>
+                <a:tc>
+                  <a:txBody>
+                    <a:bodyPr/>
+                    <a:lstStyle/>
+                    <a:p>
+                      <a:pPr marL="0" marR="0" lvl="0" indent="0" algn="l">
+                        <a:lnSpc>
+                          <a:spcPct val="150000"/>
+                        </a:lnSpc>
+                        <a:spcBef>
+                          <a:spcPts val="0"/>
+                        </a:spcBef>
+                        <a:spcAft>
+                          <a:spcPts val="0"/>
+                        </a:spcAft>
+                        <a:buFont typeface="+mj-lt"/>
+                        <a:buNone/>
+                      </a:pPr>
+                      <a:r>
+                        <a:rPr lang="en-US" sz="1200" b="0">
+                          <a:solidFill>
+                            <a:schemeClr val="tx1"/>
+                          </a:solidFill>
+                          <a:effectLst/>
+                        </a:rPr>
+                        <a:t>8.Hệ thống hiển thị  tin nhắn người dùng lên khung chat</a:t>
+                      </a:r>
+                      <a:endParaRPr lang="en-US" sz="1200" b="0">
+                        <a:solidFill>
+                          <a:schemeClr val="tx1"/>
+                        </a:solidFill>
+                        <a:effectLst/>
+                        <a:latin typeface="Times New Roman" panose="02020603050405020304" pitchFamily="18" charset="0"/>
+                        <a:ea typeface="Times New Roman" panose="02020603050405020304" pitchFamily="18" charset="0"/>
+                      </a:endParaRPr>
+                    </a:p>
+                  </a:txBody>
+                  <a:tcPr marL="14918" marR="14918" marT="0" marB="0" anchor="ctr">
+                    <a:lnL w="12700" cap="flat" cmpd="sng" algn="ctr">
+                      <a:solidFill>
+                        <a:schemeClr val="tx1"/>
+                      </a:solidFill>
+                      <a:prstDash val="solid"/>
+                      <a:round/>
+                      <a:headEnd type="none" w="med" len="med"/>
+                      <a:tailEnd type="none" w="med" len="med"/>
+                    </a:lnL>
+                    <a:lnR w="12700" cap="flat" cmpd="sng" algn="ctr">
+                      <a:solidFill>
+                        <a:schemeClr val="tx1"/>
+                      </a:solidFill>
+                      <a:prstDash val="solid"/>
+                      <a:round/>
+                      <a:headEnd type="none" w="med" len="med"/>
+                      <a:tailEnd type="none" w="med" len="med"/>
+                    </a:lnR>
+                    <a:lnT w="12700" cap="flat" cmpd="sng" algn="ctr">
+                      <a:solidFill>
+                        <a:schemeClr val="tx1"/>
+                      </a:solidFill>
+                      <a:prstDash val="solid"/>
+                      <a:round/>
+                      <a:headEnd type="none" w="med" len="med"/>
+                      <a:tailEnd type="none" w="med" len="med"/>
+                    </a:lnT>
+                    <a:lnB w="12700" cap="flat" cmpd="sng" algn="ctr">
+                      <a:solidFill>
+                        <a:schemeClr val="tx1"/>
+                      </a:solidFill>
+                      <a:prstDash val="solid"/>
+                      <a:round/>
+                      <a:headEnd type="none" w="med" len="med"/>
+                      <a:tailEnd type="none" w="med" len="med"/>
+                    </a:lnB>
+                    <a:solidFill>
+                      <a:schemeClr val="bg1"/>
+                    </a:solidFill>
+                  </a:tcPr>
+                </a:tc>
+                <a:extLst>
+                  <a:ext uri="{0D108BD9-81ED-4DB2-BD59-A6C34878D82A}">
+                    <a16:rowId xmlns:a16="http://schemas.microsoft.com/office/drawing/2014/main" val="1967566374"/>
+                  </a:ext>
+                </a:extLst>
+              </a:tr>
+              <a:tr h="184769">
+                <a:tc>
+                  <a:txBody>
+                    <a:bodyPr/>
+                    <a:lstStyle/>
+                    <a:p>
+                      <a:pPr marL="0" marR="0" indent="0" algn="l">
+                        <a:lnSpc>
+                          <a:spcPct val="150000"/>
+                        </a:lnSpc>
+                        <a:spcBef>
+                          <a:spcPts val="0"/>
+                        </a:spcBef>
+                        <a:spcAft>
+                          <a:spcPts val="0"/>
+                        </a:spcAft>
+                      </a:pPr>
+                      <a:r>
+                        <a:rPr lang="en-US" sz="1200" b="0">
+                          <a:solidFill>
+                            <a:schemeClr val="tx1"/>
+                          </a:solidFill>
+                          <a:effectLst/>
+                        </a:rPr>
+                        <a:t> </a:t>
+                      </a:r>
+                      <a:endParaRPr lang="en-US" sz="1200" b="0">
+                        <a:solidFill>
+                          <a:schemeClr val="tx1"/>
+                        </a:solidFill>
+                        <a:effectLst/>
+                        <a:latin typeface="Times New Roman" panose="02020603050405020304" pitchFamily="18" charset="0"/>
+                        <a:ea typeface="Times New Roman" panose="02020603050405020304" pitchFamily="18" charset="0"/>
+                      </a:endParaRPr>
+                    </a:p>
+                  </a:txBody>
+                  <a:tcPr marL="14918" marR="14918" marT="0" marB="0" anchor="ctr">
+                    <a:lnL w="12700" cap="flat" cmpd="sng" algn="ctr">
+                      <a:solidFill>
+                        <a:schemeClr val="tx1"/>
+                      </a:solidFill>
+                      <a:prstDash val="solid"/>
+                      <a:round/>
+                      <a:headEnd type="none" w="med" len="med"/>
+                      <a:tailEnd type="none" w="med" len="med"/>
+                    </a:lnL>
+                    <a:lnR w="12700" cap="flat" cmpd="sng" algn="ctr">
+                      <a:solidFill>
+                        <a:schemeClr val="tx1"/>
+                      </a:solidFill>
+                      <a:prstDash val="solid"/>
+                      <a:round/>
+                      <a:headEnd type="none" w="med" len="med"/>
+                      <a:tailEnd type="none" w="med" len="med"/>
+                    </a:lnR>
+                    <a:lnT w="12700" cap="flat" cmpd="sng" algn="ctr">
+                      <a:solidFill>
+                        <a:schemeClr val="tx1"/>
+                      </a:solidFill>
+                      <a:prstDash val="solid"/>
+                      <a:round/>
+                      <a:headEnd type="none" w="med" len="med"/>
+                      <a:tailEnd type="none" w="med" len="med"/>
+                    </a:lnT>
+                    <a:lnB w="12700" cap="flat" cmpd="sng" algn="ctr">
+                      <a:solidFill>
+                        <a:schemeClr val="tx1"/>
+                      </a:solidFill>
+                      <a:prstDash val="solid"/>
+                      <a:round/>
+                      <a:headEnd type="none" w="med" len="med"/>
+                      <a:tailEnd type="none" w="med" len="med"/>
+                    </a:lnB>
+                    <a:solidFill>
+                      <a:schemeClr val="bg1"/>
+                    </a:solidFill>
+                  </a:tcPr>
+                </a:tc>
+                <a:tc>
+                  <a:txBody>
+                    <a:bodyPr/>
+                    <a:lstStyle/>
+                    <a:p>
+                      <a:pPr marL="0" marR="0" lvl="0" indent="0" algn="l">
+                        <a:lnSpc>
+                          <a:spcPct val="150000"/>
+                        </a:lnSpc>
+                        <a:spcBef>
+                          <a:spcPts val="0"/>
+                        </a:spcBef>
+                        <a:spcAft>
+                          <a:spcPts val="0"/>
+                        </a:spcAft>
+                        <a:buFont typeface="+mj-lt"/>
+                        <a:buNone/>
+                      </a:pPr>
+                      <a:r>
+                        <a:rPr lang="en-US" sz="1200" b="0">
+                          <a:solidFill>
+                            <a:schemeClr val="tx1"/>
+                          </a:solidFill>
+                          <a:effectLst/>
+                        </a:rPr>
+                        <a:t>9.Kết thúc UC</a:t>
+                      </a:r>
+                      <a:endParaRPr lang="en-US" sz="1200" b="0">
+                        <a:solidFill>
+                          <a:schemeClr val="tx1"/>
+                        </a:solidFill>
+                        <a:effectLst/>
+                        <a:latin typeface="Times New Roman" panose="02020603050405020304" pitchFamily="18" charset="0"/>
+                        <a:ea typeface="Times New Roman" panose="02020603050405020304" pitchFamily="18" charset="0"/>
+                      </a:endParaRPr>
+                    </a:p>
+                  </a:txBody>
+                  <a:tcPr marL="14918" marR="14918" marT="0" marB="0" anchor="ctr">
+                    <a:lnL w="12700" cap="flat" cmpd="sng" algn="ctr">
+                      <a:solidFill>
+                        <a:schemeClr val="tx1"/>
+                      </a:solidFill>
+                      <a:prstDash val="solid"/>
+                      <a:round/>
+                      <a:headEnd type="none" w="med" len="med"/>
+                      <a:tailEnd type="none" w="med" len="med"/>
+                    </a:lnL>
+                    <a:lnR w="12700" cap="flat" cmpd="sng" algn="ctr">
+                      <a:solidFill>
+                        <a:schemeClr val="tx1"/>
+                      </a:solidFill>
+                      <a:prstDash val="solid"/>
+                      <a:round/>
+                      <a:headEnd type="none" w="med" len="med"/>
+                      <a:tailEnd type="none" w="med" len="med"/>
+                    </a:lnR>
+                    <a:lnT w="12700" cap="flat" cmpd="sng" algn="ctr">
+                      <a:solidFill>
+                        <a:schemeClr val="tx1"/>
+                      </a:solidFill>
+                      <a:prstDash val="solid"/>
+                      <a:round/>
+                      <a:headEnd type="none" w="med" len="med"/>
+                      <a:tailEnd type="none" w="med" len="med"/>
+                    </a:lnT>
+                    <a:lnB w="12700" cap="flat" cmpd="sng" algn="ctr">
+                      <a:solidFill>
+                        <a:schemeClr val="tx1"/>
+                      </a:solidFill>
+                      <a:prstDash val="solid"/>
+                      <a:round/>
+                      <a:headEnd type="none" w="med" len="med"/>
+                      <a:tailEnd type="none" w="med" len="med"/>
+                    </a:lnB>
+                    <a:solidFill>
+                      <a:schemeClr val="bg1"/>
+                    </a:solidFill>
+                  </a:tcPr>
+                </a:tc>
+                <a:extLst>
+                  <a:ext uri="{0D108BD9-81ED-4DB2-BD59-A6C34878D82A}">
+                    <a16:rowId xmlns:a16="http://schemas.microsoft.com/office/drawing/2014/main" val="1618861939"/>
+                  </a:ext>
+                </a:extLst>
+              </a:tr>
+            </a:tbl>
+          </a:graphicData>
+        </a:graphic>
+      </p:graphicFrame>
+      <p:sp>
+        <p:nvSpPr>
+          <p:cNvPr id="4" name="TextBox 3">
+            <a:extLst>
+              <a:ext uri="{FF2B5EF4-FFF2-40B4-BE49-F238E27FC236}">
+                <a16:creationId xmlns:a16="http://schemas.microsoft.com/office/drawing/2014/main" id="{0FFF0E0C-534B-4281-8F8F-B2015ABB4401}"/>
+              </a:ext>
+            </a:extLst>
+          </p:cNvPr>
+          <p:cNvSpPr txBox="1"/>
+          <p:nvPr/>
+        </p:nvSpPr>
+        <p:spPr>
+          <a:xfrm>
+            <a:off x="466164" y="421808"/>
+            <a:ext cx="6096000" cy="369332"/>
+          </a:xfrm>
+          <a:prstGeom prst="rect">
+            <a:avLst/>
+          </a:prstGeom>
+          <a:noFill/>
+        </p:spPr>
+        <p:txBody>
+          <a:bodyPr wrap="square">
+            <a:spAutoFit/>
+          </a:bodyPr>
+          <a:lstStyle/>
+          <a:p>
+            <a:pPr marL="342900" marR="0" lvl="0" indent="-342900" algn="l" rtl="0">
+              <a:lnSpc>
+                <a:spcPct val="100000"/>
+              </a:lnSpc>
+              <a:spcBef>
+                <a:spcPts val="0"/>
+              </a:spcBef>
+              <a:spcAft>
+                <a:spcPts val="0"/>
+              </a:spcAft>
+              <a:buClr>
+                <a:srgbClr val="03506C"/>
+              </a:buClr>
+              <a:buSzPts val="2000"/>
+              <a:buFont typeface="Noto Sans Symbols"/>
+              <a:buChar char="❖"/>
+            </a:pPr>
+            <a:r>
+              <a:rPr lang="en-US" sz="1800" b="1" i="0" u="sng" strike="noStrike" cap="none">
+                <a:solidFill>
+                  <a:srgbClr val="03506C"/>
+                </a:solidFill>
+                <a:latin typeface="Arial"/>
+                <a:ea typeface="Arial"/>
+                <a:cs typeface="Arial"/>
+                <a:sym typeface="Arial"/>
+              </a:rPr>
+              <a:t>Mô tả USECASE – CHỨC NĂNG CHÍNH</a:t>
+            </a:r>
+            <a:endParaRPr lang="en-US" sz="1800" b="1" i="0" u="sng" strike="noStrike" cap="none" dirty="0">
+              <a:solidFill>
+                <a:srgbClr val="03506C"/>
+              </a:solidFill>
+              <a:latin typeface="Arial"/>
+              <a:ea typeface="Arial"/>
+              <a:cs typeface="Arial"/>
+              <a:sym typeface="Arial"/>
+            </a:endParaRPr>
+          </a:p>
+        </p:txBody>
+      </p:sp>
+      <p:sp>
+        <p:nvSpPr>
+          <p:cNvPr id="6" name="TextBox 5">
+            <a:extLst>
+              <a:ext uri="{FF2B5EF4-FFF2-40B4-BE49-F238E27FC236}">
+                <a16:creationId xmlns:a16="http://schemas.microsoft.com/office/drawing/2014/main" id="{FB5F383F-043E-430B-AB62-D66B4C0D11D4}"/>
+              </a:ext>
+            </a:extLst>
+          </p:cNvPr>
+          <p:cNvSpPr txBox="1"/>
+          <p:nvPr/>
+        </p:nvSpPr>
+        <p:spPr>
+          <a:xfrm>
+            <a:off x="887506" y="902337"/>
+            <a:ext cx="6096000" cy="463397"/>
+          </a:xfrm>
+          <a:prstGeom prst="rect">
+            <a:avLst/>
+          </a:prstGeom>
+          <a:noFill/>
+        </p:spPr>
+        <p:txBody>
+          <a:bodyPr wrap="square">
+            <a:spAutoFit/>
+          </a:bodyPr>
+          <a:lstStyle/>
+          <a:p>
+            <a:pPr marL="0" marR="0" indent="0" algn="just">
+              <a:lnSpc>
+                <a:spcPct val="150000"/>
+              </a:lnSpc>
+              <a:spcBef>
+                <a:spcPts val="0"/>
+              </a:spcBef>
+              <a:spcAft>
+                <a:spcPts val="0"/>
+              </a:spcAft>
+            </a:pPr>
+            <a:r>
+              <a:rPr lang="en-US" sz="1800">
+                <a:solidFill>
+                  <a:schemeClr val="tx1"/>
+                </a:solidFill>
+                <a:effectLst/>
+              </a:rPr>
+              <a:t>Usecase: Gửi Tin Nhắn</a:t>
+            </a:r>
+            <a:endParaRPr lang="en-US" sz="1800">
+              <a:solidFill>
+                <a:schemeClr val="tx1"/>
+              </a:solidFill>
+              <a:effectLst/>
+              <a:latin typeface="Times New Roman" panose="02020603050405020304" pitchFamily="18" charset="0"/>
+              <a:ea typeface="Times New Roman" panose="02020603050405020304" pitchFamily="18" charset="0"/>
+            </a:endParaRPr>
+          </a:p>
+        </p:txBody>
+      </p:sp>
+      <p:sp>
+        <p:nvSpPr>
+          <p:cNvPr id="7" name="Google Shape;291;p16">
+            <a:extLst>
+              <a:ext uri="{FF2B5EF4-FFF2-40B4-BE49-F238E27FC236}">
+                <a16:creationId xmlns:a16="http://schemas.microsoft.com/office/drawing/2014/main" id="{0CA32036-75B2-43E5-955A-1FCDD1CFEC89}"/>
+              </a:ext>
+            </a:extLst>
+          </p:cNvPr>
+          <p:cNvSpPr/>
+          <p:nvPr/>
+        </p:nvSpPr>
+        <p:spPr>
+          <a:xfrm>
+            <a:off x="11142846" y="-476310"/>
+            <a:ext cx="609600" cy="1143000"/>
+          </a:xfrm>
+          <a:prstGeom prst="roundRect">
+            <a:avLst>
+              <a:gd name="adj" fmla="val 16667"/>
+            </a:avLst>
+          </a:prstGeom>
+          <a:solidFill>
+            <a:schemeClr val="accent3"/>
+          </a:solidFill>
+          <a:ln w="25400" cap="flat" cmpd="sng">
+            <a:solidFill>
+              <a:srgbClr val="05759E"/>
+            </a:solidFill>
+            <a:prstDash val="solid"/>
+            <a:round/>
+            <a:headEnd type="none" w="sm" len="sm"/>
+            <a:tailEnd type="none" w="sm" len="sm"/>
+          </a:ln>
+        </p:spPr>
+        <p:txBody>
+          <a:bodyPr spcFirstLastPara="1" wrap="square" lIns="91425" tIns="45700" rIns="91425" bIns="45700" anchor="ctr" anchorCtr="0">
+            <a:noAutofit/>
+          </a:bodyPr>
+          <a:lstStyle/>
+          <a:p>
+            <a:pPr marL="0" marR="0" lvl="0" indent="0" algn="ctr" rtl="0">
+              <a:lnSpc>
+                <a:spcPct val="100000"/>
+              </a:lnSpc>
+              <a:spcBef>
+                <a:spcPts val="0"/>
+              </a:spcBef>
+              <a:spcAft>
+                <a:spcPts val="0"/>
+              </a:spcAft>
+              <a:buClr>
+                <a:srgbClr val="000000"/>
+              </a:buClr>
+              <a:buSzPts val="1800"/>
+              <a:buFont typeface="Arial"/>
+              <a:buNone/>
+            </a:pPr>
+            <a:endParaRPr sz="1800" b="0" i="0" u="none" strike="noStrike" cap="none">
+              <a:solidFill>
+                <a:schemeClr val="lt1"/>
+              </a:solidFill>
+              <a:latin typeface="Libre Franklin Thin"/>
+              <a:ea typeface="Libre Franklin Thin"/>
+              <a:cs typeface="Libre Franklin Thin"/>
+              <a:sym typeface="Libre Franklin Thin"/>
+            </a:endParaRPr>
+          </a:p>
+        </p:txBody>
+      </p:sp>
+      <p:sp>
+        <p:nvSpPr>
+          <p:cNvPr id="8" name="Google Shape;295;p16">
+            <a:extLst>
+              <a:ext uri="{FF2B5EF4-FFF2-40B4-BE49-F238E27FC236}">
+                <a16:creationId xmlns:a16="http://schemas.microsoft.com/office/drawing/2014/main" id="{B00EEF21-6B09-4BB8-BC93-6E058447D6A8}"/>
+              </a:ext>
+            </a:extLst>
+          </p:cNvPr>
+          <p:cNvSpPr txBox="1"/>
+          <p:nvPr/>
+        </p:nvSpPr>
+        <p:spPr>
+          <a:xfrm>
+            <a:off x="9394256" y="57090"/>
+            <a:ext cx="1824789" cy="571500"/>
+          </a:xfrm>
+          <a:prstGeom prst="rect">
+            <a:avLst/>
+          </a:prstGeom>
+          <a:noFill/>
+          <a:ln>
+            <a:noFill/>
+          </a:ln>
+        </p:spPr>
+        <p:txBody>
+          <a:bodyPr spcFirstLastPara="1" wrap="square" lIns="91425" tIns="45700" rIns="91425" bIns="45700" anchor="ctr" anchorCtr="0">
+            <a:noAutofit/>
+          </a:bodyPr>
+          <a:lstStyle/>
+          <a:p>
+            <a:pPr marL="0" marR="0" lvl="0" indent="0" algn="l" rtl="0">
+              <a:lnSpc>
+                <a:spcPct val="100000"/>
+              </a:lnSpc>
+              <a:spcBef>
+                <a:spcPts val="0"/>
+              </a:spcBef>
+              <a:spcAft>
+                <a:spcPts val="0"/>
+              </a:spcAft>
+              <a:buClr>
+                <a:srgbClr val="0578A2"/>
+              </a:buClr>
+              <a:buSzPts val="2400"/>
+              <a:buFont typeface="Arial"/>
+              <a:buNone/>
+            </a:pPr>
+            <a:r>
+              <a:rPr lang="en-US" sz="2400" b="1" i="0" u="none" strike="noStrike" cap="none">
+                <a:solidFill>
+                  <a:srgbClr val="0578A2"/>
+                </a:solidFill>
+                <a:latin typeface="Arial"/>
+                <a:ea typeface="Arial"/>
+                <a:cs typeface="Arial"/>
+                <a:sym typeface="Arial"/>
+              </a:rPr>
+              <a:t>THIẾT KẾ</a:t>
+            </a:r>
+            <a:endParaRPr sz="2400" b="1" i="0" u="none" strike="noStrike" cap="none">
+              <a:solidFill>
+                <a:srgbClr val="0578A2"/>
+              </a:solidFill>
+              <a:latin typeface="Arial"/>
+              <a:ea typeface="Arial"/>
+              <a:cs typeface="Arial"/>
+              <a:sym typeface="Arial"/>
+            </a:endParaRPr>
+          </a:p>
+        </p:txBody>
+      </p:sp>
+    </p:spTree>
+    <p:extLst>
+      <p:ext uri="{BB962C8B-B14F-4D97-AF65-F5344CB8AC3E}">
+        <p14:creationId xmlns:p14="http://schemas.microsoft.com/office/powerpoint/2010/main" val="91946899"/>
+      </p:ext>
+    </p:extLst>
+  </p:cSld>
+  <p:clrMapOvr>
+    <a:masterClrMapping/>
+  </p:clrMapOvr>
+</p:sld>
+</file>
+
+<file path=ppt/slides/slide13.xml><?xml version="1.0" encoding="utf-8"?>
+<p:sld xmlns:a="http://schemas.openxmlformats.org/drawingml/2006/main" xmlns:r="http://schemas.openxmlformats.org/officeDocument/2006/relationships" xmlns:p="http://schemas.openxmlformats.org/presentationml/2006/main">
+  <p:cSld>
+    <p:spTree>
+      <p:nvGrpSpPr>
+        <p:cNvPr id="1" name=""/>
+        <p:cNvGrpSpPr/>
+        <p:nvPr/>
+      </p:nvGrpSpPr>
+      <p:grpSpPr>
+        <a:xfrm>
+          <a:off x="0" y="0"/>
+          <a:ext cx="0" cy="0"/>
+          <a:chOff x="0" y="0"/>
+          <a:chExt cx="0" cy="0"/>
+        </a:xfrm>
+      </p:grpSpPr>
+      <p:sp>
+        <p:nvSpPr>
+          <p:cNvPr id="2" name="Google Shape;291;p16">
+            <a:extLst>
+              <a:ext uri="{FF2B5EF4-FFF2-40B4-BE49-F238E27FC236}">
+                <a16:creationId xmlns:a16="http://schemas.microsoft.com/office/drawing/2014/main" id="{5E3B62C7-8BE8-40FE-9618-F225098F31D2}"/>
+              </a:ext>
+            </a:extLst>
+          </p:cNvPr>
+          <p:cNvSpPr/>
+          <p:nvPr/>
+        </p:nvSpPr>
+        <p:spPr>
+          <a:xfrm>
+            <a:off x="11115952" y="-476310"/>
+            <a:ext cx="609600" cy="1143000"/>
+          </a:xfrm>
+          <a:prstGeom prst="roundRect">
+            <a:avLst>
+              <a:gd name="adj" fmla="val 16667"/>
+            </a:avLst>
+          </a:prstGeom>
+          <a:solidFill>
+            <a:schemeClr val="accent3"/>
+          </a:solidFill>
+          <a:ln w="25400" cap="flat" cmpd="sng">
+            <a:solidFill>
+              <a:srgbClr val="05759E"/>
+            </a:solidFill>
+            <a:prstDash val="solid"/>
+            <a:round/>
+            <a:headEnd type="none" w="sm" len="sm"/>
+            <a:tailEnd type="none" w="sm" len="sm"/>
+          </a:ln>
+        </p:spPr>
+        <p:txBody>
+          <a:bodyPr spcFirstLastPara="1" wrap="square" lIns="91425" tIns="45700" rIns="91425" bIns="45700" anchor="ctr" anchorCtr="0">
+            <a:noAutofit/>
+          </a:bodyPr>
+          <a:lstStyle/>
+          <a:p>
+            <a:pPr marL="0" marR="0" lvl="0" indent="0" algn="ctr" rtl="0">
+              <a:lnSpc>
+                <a:spcPct val="100000"/>
+              </a:lnSpc>
+              <a:spcBef>
+                <a:spcPts val="0"/>
+              </a:spcBef>
+              <a:spcAft>
+                <a:spcPts val="0"/>
+              </a:spcAft>
+              <a:buClr>
+                <a:srgbClr val="000000"/>
+              </a:buClr>
+              <a:buSzPts val="1800"/>
+              <a:buFont typeface="Arial"/>
+              <a:buNone/>
+            </a:pPr>
+            <a:endParaRPr sz="1800" b="0" i="0" u="none" strike="noStrike" cap="none">
+              <a:solidFill>
+                <a:schemeClr val="lt1"/>
+              </a:solidFill>
+              <a:latin typeface="Libre Franklin Thin"/>
+              <a:ea typeface="Libre Franklin Thin"/>
+              <a:cs typeface="Libre Franklin Thin"/>
+              <a:sym typeface="Libre Franklin Thin"/>
+            </a:endParaRPr>
+          </a:p>
+        </p:txBody>
+      </p:sp>
+      <p:sp>
+        <p:nvSpPr>
+          <p:cNvPr id="3" name="Google Shape;292;p16">
+            <a:extLst>
+              <a:ext uri="{FF2B5EF4-FFF2-40B4-BE49-F238E27FC236}">
+                <a16:creationId xmlns:a16="http://schemas.microsoft.com/office/drawing/2014/main" id="{7D6735B0-C281-43BA-BDDC-812E034F472C}"/>
+              </a:ext>
+            </a:extLst>
+          </p:cNvPr>
+          <p:cNvSpPr txBox="1"/>
+          <p:nvPr/>
+        </p:nvSpPr>
+        <p:spPr>
+          <a:xfrm>
+            <a:off x="382180" y="666690"/>
+            <a:ext cx="5397366" cy="400069"/>
+          </a:xfrm>
+          <a:prstGeom prst="rect">
+            <a:avLst/>
+          </a:prstGeom>
+          <a:noFill/>
+          <a:ln>
+            <a:noFill/>
+          </a:ln>
+        </p:spPr>
+        <p:txBody>
+          <a:bodyPr spcFirstLastPara="1" wrap="square" lIns="91425" tIns="45700" rIns="91425" bIns="45700" anchor="t" anchorCtr="0">
+            <a:spAutoFit/>
+          </a:bodyPr>
+          <a:lstStyle/>
+          <a:p>
+            <a:pPr marL="342900" marR="0" lvl="0" indent="-342900" algn="l" rtl="0">
+              <a:lnSpc>
+                <a:spcPct val="100000"/>
+              </a:lnSpc>
+              <a:spcBef>
+                <a:spcPts val="0"/>
+              </a:spcBef>
+              <a:spcAft>
+                <a:spcPts val="0"/>
+              </a:spcAft>
+              <a:buClr>
+                <a:srgbClr val="03506C"/>
+              </a:buClr>
+              <a:buSzPts val="2000"/>
+              <a:buFont typeface="Noto Sans Symbols"/>
+              <a:buChar char="❖"/>
+            </a:pPr>
+            <a:r>
+              <a:rPr lang="en-US" sz="2000" b="1" i="0" u="sng" strike="noStrike" cap="none" dirty="0" err="1">
+                <a:solidFill>
+                  <a:srgbClr val="03506C"/>
+                </a:solidFill>
+                <a:latin typeface="Arial"/>
+                <a:ea typeface="Arial"/>
+                <a:cs typeface="Arial"/>
+                <a:sym typeface="Arial"/>
+              </a:rPr>
+              <a:t>Mô</a:t>
+            </a:r>
+            <a:r>
+              <a:rPr lang="en-US" sz="2000" b="1" i="0" u="sng" strike="noStrike" cap="none" dirty="0">
+                <a:solidFill>
+                  <a:srgbClr val="03506C"/>
+                </a:solidFill>
+                <a:latin typeface="Arial"/>
+                <a:ea typeface="Arial"/>
+                <a:cs typeface="Arial"/>
+                <a:sym typeface="Arial"/>
+              </a:rPr>
+              <a:t> </a:t>
+            </a:r>
+            <a:r>
+              <a:rPr lang="en-US" sz="2000" b="1" i="0" u="sng" strike="noStrike" cap="none" dirty="0" err="1">
+                <a:solidFill>
+                  <a:srgbClr val="03506C"/>
+                </a:solidFill>
+                <a:latin typeface="Arial"/>
+                <a:ea typeface="Arial"/>
+                <a:cs typeface="Arial"/>
+                <a:sym typeface="Arial"/>
+              </a:rPr>
+              <a:t>tả</a:t>
+            </a:r>
+            <a:r>
+              <a:rPr lang="en-US" sz="2000" b="1" i="0" u="sng" strike="noStrike" cap="none" dirty="0">
+                <a:solidFill>
+                  <a:srgbClr val="03506C"/>
+                </a:solidFill>
+                <a:latin typeface="Arial"/>
+                <a:ea typeface="Arial"/>
+                <a:cs typeface="Arial"/>
+                <a:sym typeface="Arial"/>
+              </a:rPr>
+              <a:t> USECASE – CHỨC NĂNG CHÍNH</a:t>
+            </a:r>
+            <a:endParaRPr sz="2000" b="1" i="0" u="sng" strike="noStrike" cap="none" dirty="0">
+              <a:solidFill>
+                <a:srgbClr val="03506C"/>
+              </a:solidFill>
+              <a:latin typeface="Arial"/>
+              <a:ea typeface="Arial"/>
+              <a:cs typeface="Arial"/>
+              <a:sym typeface="Arial"/>
+            </a:endParaRPr>
+          </a:p>
+        </p:txBody>
+      </p:sp>
+      <p:sp>
+        <p:nvSpPr>
+          <p:cNvPr id="5" name="Google Shape;294;p16">
+            <a:extLst>
+              <a:ext uri="{FF2B5EF4-FFF2-40B4-BE49-F238E27FC236}">
+                <a16:creationId xmlns:a16="http://schemas.microsoft.com/office/drawing/2014/main" id="{9B5F5A40-0221-4026-9C46-24836F9C274F}"/>
+              </a:ext>
+            </a:extLst>
+          </p:cNvPr>
+          <p:cNvSpPr txBox="1"/>
+          <p:nvPr/>
+        </p:nvSpPr>
+        <p:spPr>
+          <a:xfrm>
+            <a:off x="5288056" y="6396335"/>
+            <a:ext cx="1562100" cy="461665"/>
+          </a:xfrm>
+          <a:prstGeom prst="rect">
+            <a:avLst/>
+          </a:prstGeom>
+          <a:noFill/>
+          <a:ln>
+            <a:noFill/>
+          </a:ln>
+        </p:spPr>
+        <p:txBody>
+          <a:bodyPr spcFirstLastPara="1" wrap="square" lIns="91425" tIns="45700" rIns="91425" bIns="45700" anchor="t" anchorCtr="0">
+            <a:spAutoFit/>
+          </a:bodyPr>
+          <a:lstStyle/>
+          <a:p>
+            <a:pPr marL="0" marR="0" lvl="0" indent="0" algn="l" rtl="0">
+              <a:lnSpc>
+                <a:spcPct val="100000"/>
+              </a:lnSpc>
+              <a:spcBef>
+                <a:spcPts val="0"/>
+              </a:spcBef>
+              <a:spcAft>
+                <a:spcPts val="0"/>
+              </a:spcAft>
+              <a:buNone/>
+            </a:pPr>
+            <a:r>
+              <a:rPr lang="en-US" sz="2400" b="1" i="0" u="none" strike="noStrike" cap="none" dirty="0">
+                <a:solidFill>
+                  <a:schemeClr val="lt1"/>
+                </a:solidFill>
+                <a:latin typeface="Arial"/>
+                <a:ea typeface="Arial"/>
+                <a:cs typeface="Arial"/>
+                <a:sym typeface="Arial"/>
+              </a:rPr>
+              <a:t>NHÓM 6</a:t>
+            </a:r>
+            <a:endParaRPr sz="2400" b="1" i="0" u="none" strike="noStrike" cap="none" dirty="0">
+              <a:solidFill>
+                <a:schemeClr val="lt1"/>
+              </a:solidFill>
+              <a:latin typeface="Arial"/>
+              <a:ea typeface="Arial"/>
+              <a:cs typeface="Arial"/>
+              <a:sym typeface="Arial"/>
+            </a:endParaRPr>
+          </a:p>
+        </p:txBody>
+      </p:sp>
+      <p:sp>
+        <p:nvSpPr>
+          <p:cNvPr id="6" name="Google Shape;295;p16">
+            <a:extLst>
+              <a:ext uri="{FF2B5EF4-FFF2-40B4-BE49-F238E27FC236}">
+                <a16:creationId xmlns:a16="http://schemas.microsoft.com/office/drawing/2014/main" id="{63A9AA41-ED3F-4103-A816-F3B5C65ECC7A}"/>
+              </a:ext>
+            </a:extLst>
+          </p:cNvPr>
+          <p:cNvSpPr txBox="1"/>
+          <p:nvPr/>
+        </p:nvSpPr>
+        <p:spPr>
+          <a:xfrm>
+            <a:off x="9367362" y="57090"/>
+            <a:ext cx="1824789" cy="571500"/>
+          </a:xfrm>
+          <a:prstGeom prst="rect">
+            <a:avLst/>
+          </a:prstGeom>
+          <a:noFill/>
+          <a:ln>
+            <a:noFill/>
+          </a:ln>
+        </p:spPr>
+        <p:txBody>
+          <a:bodyPr spcFirstLastPara="1" wrap="square" lIns="91425" tIns="45700" rIns="91425" bIns="45700" anchor="ctr" anchorCtr="0">
+            <a:noAutofit/>
+          </a:bodyPr>
+          <a:lstStyle/>
+          <a:p>
+            <a:pPr marL="0" marR="0" lvl="0" indent="0" algn="l" rtl="0">
+              <a:lnSpc>
+                <a:spcPct val="100000"/>
+              </a:lnSpc>
+              <a:spcBef>
+                <a:spcPts val="0"/>
+              </a:spcBef>
+              <a:spcAft>
+                <a:spcPts val="0"/>
+              </a:spcAft>
+              <a:buClr>
+                <a:srgbClr val="0578A2"/>
+              </a:buClr>
+              <a:buSzPts val="2400"/>
+              <a:buFont typeface="Arial"/>
+              <a:buNone/>
+            </a:pPr>
+            <a:r>
+              <a:rPr lang="en-US" sz="2400" b="1" i="0" u="none" strike="noStrike" cap="none">
+                <a:solidFill>
+                  <a:srgbClr val="0578A2"/>
+                </a:solidFill>
+                <a:latin typeface="Arial"/>
+                <a:ea typeface="Arial"/>
+                <a:cs typeface="Arial"/>
+                <a:sym typeface="Arial"/>
+              </a:rPr>
+              <a:t>THIẾT KẾ</a:t>
+            </a:r>
+            <a:endParaRPr sz="2400" b="1" i="0" u="none" strike="noStrike" cap="none">
+              <a:solidFill>
+                <a:srgbClr val="0578A2"/>
+              </a:solidFill>
+              <a:latin typeface="Arial"/>
+              <a:ea typeface="Arial"/>
+              <a:cs typeface="Arial"/>
+              <a:sym typeface="Arial"/>
+            </a:endParaRPr>
+          </a:p>
+        </p:txBody>
+      </p:sp>
+      <p:sp>
+        <p:nvSpPr>
+          <p:cNvPr id="9" name="TextBox 8">
+            <a:extLst>
+              <a:ext uri="{FF2B5EF4-FFF2-40B4-BE49-F238E27FC236}">
+                <a16:creationId xmlns:a16="http://schemas.microsoft.com/office/drawing/2014/main" id="{C107BDAB-A280-4652-8541-C45D0672AFD8}"/>
+              </a:ext>
+            </a:extLst>
+          </p:cNvPr>
+          <p:cNvSpPr txBox="1"/>
+          <p:nvPr/>
+        </p:nvSpPr>
+        <p:spPr>
+          <a:xfrm>
+            <a:off x="851647" y="1242996"/>
+            <a:ext cx="6096000" cy="463397"/>
+          </a:xfrm>
+          <a:prstGeom prst="rect">
+            <a:avLst/>
+          </a:prstGeom>
+          <a:noFill/>
+        </p:spPr>
+        <p:txBody>
+          <a:bodyPr wrap="square">
+            <a:spAutoFit/>
+          </a:bodyPr>
+          <a:lstStyle/>
+          <a:p>
+            <a:pPr marL="0" marR="0" indent="0" algn="just">
+              <a:lnSpc>
+                <a:spcPct val="150000"/>
+              </a:lnSpc>
+              <a:spcBef>
+                <a:spcPts val="0"/>
+              </a:spcBef>
+              <a:spcAft>
+                <a:spcPts val="0"/>
+              </a:spcAft>
+            </a:pPr>
+            <a:r>
+              <a:rPr lang="en-US" sz="1800">
+                <a:solidFill>
+                  <a:schemeClr val="tx1"/>
+                </a:solidFill>
+                <a:effectLst/>
+              </a:rPr>
+              <a:t>Usecase: Kết Bạn</a:t>
+            </a:r>
+            <a:endParaRPr lang="en-US" sz="1800">
+              <a:solidFill>
+                <a:schemeClr val="tx1"/>
+              </a:solidFill>
+              <a:effectLst/>
+              <a:latin typeface="Times New Roman" panose="02020603050405020304" pitchFamily="18" charset="0"/>
+              <a:ea typeface="Times New Roman" panose="02020603050405020304" pitchFamily="18" charset="0"/>
+            </a:endParaRPr>
+          </a:p>
+        </p:txBody>
+      </p:sp>
+      <p:graphicFrame>
+        <p:nvGraphicFramePr>
+          <p:cNvPr id="7" name="Table 6">
+            <a:extLst>
+              <a:ext uri="{FF2B5EF4-FFF2-40B4-BE49-F238E27FC236}">
+                <a16:creationId xmlns:a16="http://schemas.microsoft.com/office/drawing/2014/main" id="{AFA02B25-7779-4541-BFF7-2B60158D8043}"/>
+              </a:ext>
+            </a:extLst>
+          </p:cNvPr>
+          <p:cNvGraphicFramePr>
+            <a:graphicFrameLocks noGrp="1"/>
+          </p:cNvGraphicFramePr>
+          <p:nvPr>
+            <p:extLst>
+              <p:ext uri="{D42A27DB-BD31-4B8C-83A1-F6EECF244321}">
+                <p14:modId xmlns:p14="http://schemas.microsoft.com/office/powerpoint/2010/main" val="4076846807"/>
+              </p:ext>
+            </p:extLst>
+          </p:nvPr>
+        </p:nvGraphicFramePr>
+        <p:xfrm>
+          <a:off x="842398" y="1921588"/>
+          <a:ext cx="10873906" cy="4341101"/>
+        </p:xfrm>
+        <a:graphic>
+          <a:graphicData uri="http://schemas.openxmlformats.org/drawingml/2006/table">
+            <a:tbl>
+              <a:tblPr firstRow="1" firstCol="1" bandRow="1">
+                <a:tableStyleId>{5C22544A-7EE6-4342-B048-85BDC9FD1C3A}</a:tableStyleId>
+              </a:tblPr>
+              <a:tblGrid>
+                <a:gridCol w="5436953">
+                  <a:extLst>
+                    <a:ext uri="{9D8B030D-6E8A-4147-A177-3AD203B41FA5}">
+                      <a16:colId xmlns:a16="http://schemas.microsoft.com/office/drawing/2014/main" val="3542090638"/>
+                    </a:ext>
+                  </a:extLst>
+                </a:gridCol>
+                <a:gridCol w="5436953">
+                  <a:extLst>
+                    <a:ext uri="{9D8B030D-6E8A-4147-A177-3AD203B41FA5}">
+                      <a16:colId xmlns:a16="http://schemas.microsoft.com/office/drawing/2014/main" val="2751586903"/>
+                    </a:ext>
+                  </a:extLst>
+                </a:gridCol>
+              </a:tblGrid>
+              <a:tr h="235703">
+                <a:tc gridSpan="2">
+                  <a:txBody>
+                    <a:bodyPr/>
+                    <a:lstStyle/>
+                    <a:p>
+                      <a:pPr marL="0" marR="0" indent="0" algn="just">
+                        <a:lnSpc>
+                          <a:spcPct val="150000"/>
+                        </a:lnSpc>
+                        <a:spcBef>
+                          <a:spcPts val="0"/>
+                        </a:spcBef>
+                        <a:spcAft>
+                          <a:spcPts val="0"/>
+                        </a:spcAft>
+                      </a:pPr>
+                      <a:r>
+                        <a:rPr lang="en-US" sz="1200">
+                          <a:solidFill>
+                            <a:schemeClr val="tx1"/>
+                          </a:solidFill>
+                          <a:effectLst/>
+                        </a:rPr>
+                        <a:t>Usecase: Kết Bạn</a:t>
+                      </a:r>
+                      <a:endParaRPr lang="en-US" sz="1200">
+                        <a:solidFill>
+                          <a:schemeClr val="tx1"/>
+                        </a:solidFill>
+                        <a:effectLst/>
+                        <a:latin typeface="Times New Roman" panose="02020603050405020304" pitchFamily="18" charset="0"/>
+                        <a:ea typeface="Times New Roman" panose="02020603050405020304" pitchFamily="18" charset="0"/>
+                      </a:endParaRPr>
+                    </a:p>
+                  </a:txBody>
+                  <a:tcPr marL="26567" marR="26567" marT="0" marB="0" anchor="ctr">
+                    <a:lnL w="12700" cap="flat" cmpd="sng" algn="ctr">
+                      <a:solidFill>
+                        <a:schemeClr val="tx1"/>
+                      </a:solidFill>
+                      <a:prstDash val="solid"/>
+                      <a:round/>
+                      <a:headEnd type="none" w="med" len="med"/>
+                      <a:tailEnd type="none" w="med" len="med"/>
+                    </a:lnL>
+                    <a:lnR w="12700" cap="flat" cmpd="sng" algn="ctr">
+                      <a:solidFill>
+                        <a:schemeClr val="tx1"/>
+                      </a:solidFill>
+                      <a:prstDash val="solid"/>
+                      <a:round/>
+                      <a:headEnd type="none" w="med" len="med"/>
+                      <a:tailEnd type="none" w="med" len="med"/>
+                    </a:lnR>
+                    <a:lnT w="12700" cap="flat" cmpd="sng" algn="ctr">
+                      <a:solidFill>
+                        <a:schemeClr val="tx1"/>
+                      </a:solidFill>
+                      <a:prstDash val="solid"/>
+                      <a:round/>
+                      <a:headEnd type="none" w="med" len="med"/>
+                      <a:tailEnd type="none" w="med" len="med"/>
+                    </a:lnT>
+                    <a:lnB w="12700" cap="flat" cmpd="sng" algn="ctr">
+                      <a:solidFill>
+                        <a:schemeClr val="tx1"/>
+                      </a:solidFill>
+                      <a:prstDash val="solid"/>
+                      <a:round/>
+                      <a:headEnd type="none" w="med" len="med"/>
+                      <a:tailEnd type="none" w="med" len="med"/>
+                    </a:lnB>
+                    <a:lnTlToBr w="12700" cmpd="sng">
+                      <a:noFill/>
+                      <a:prstDash val="solid"/>
+                    </a:lnTlToBr>
+                    <a:lnBlToTr w="12700" cmpd="sng">
+                      <a:noFill/>
+                      <a:prstDash val="solid"/>
+                    </a:lnBlToTr>
+                    <a:solidFill>
+                      <a:schemeClr val="bg1"/>
+                    </a:solidFill>
+                  </a:tcPr>
+                </a:tc>
+                <a:tc hMerge="1">
+                  <a:txBody>
+                    <a:bodyPr/>
+                    <a:lstStyle/>
+                    <a:p>
+                      <a:endParaRPr lang="en-US"/>
+                    </a:p>
+                  </a:txBody>
+                  <a:tcPr/>
+                </a:tc>
+                <a:extLst>
+                  <a:ext uri="{0D108BD9-81ED-4DB2-BD59-A6C34878D82A}">
+                    <a16:rowId xmlns:a16="http://schemas.microsoft.com/office/drawing/2014/main" val="571101679"/>
+                  </a:ext>
+                </a:extLst>
+              </a:tr>
+              <a:tr h="410117">
+                <a:tc>
+                  <a:txBody>
+                    <a:bodyPr/>
+                    <a:lstStyle/>
+                    <a:p>
+                      <a:pPr marL="0" marR="0" indent="0" algn="just">
+                        <a:lnSpc>
+                          <a:spcPct val="150000"/>
+                        </a:lnSpc>
+                        <a:spcBef>
+                          <a:spcPts val="0"/>
+                        </a:spcBef>
+                        <a:spcAft>
+                          <a:spcPts val="0"/>
+                        </a:spcAft>
+                      </a:pPr>
+                      <a:r>
+                        <a:rPr lang="en-US" sz="1200">
+                          <a:solidFill>
+                            <a:schemeClr val="tx1"/>
+                          </a:solidFill>
+                          <a:effectLst/>
+                        </a:rPr>
+                        <a:t>Mục đích</a:t>
+                      </a:r>
+                      <a:endParaRPr lang="en-US" sz="1200">
+                        <a:solidFill>
+                          <a:schemeClr val="tx1"/>
+                        </a:solidFill>
+                        <a:effectLst/>
+                        <a:latin typeface="Times New Roman" panose="02020603050405020304" pitchFamily="18" charset="0"/>
+                        <a:ea typeface="Times New Roman" panose="02020603050405020304" pitchFamily="18" charset="0"/>
+                      </a:endParaRPr>
+                    </a:p>
+                  </a:txBody>
+                  <a:tcPr marL="26567" marR="26567" marT="0" marB="0" anchor="ctr">
+                    <a:lnL w="12700" cap="flat" cmpd="sng" algn="ctr">
+                      <a:solidFill>
+                        <a:schemeClr val="tx1"/>
+                      </a:solidFill>
+                      <a:prstDash val="solid"/>
+                      <a:round/>
+                      <a:headEnd type="none" w="med" len="med"/>
+                      <a:tailEnd type="none" w="med" len="med"/>
+                    </a:lnL>
+                    <a:lnR w="12700" cap="flat" cmpd="sng" algn="ctr">
+                      <a:solidFill>
+                        <a:schemeClr val="tx1"/>
+                      </a:solidFill>
+                      <a:prstDash val="solid"/>
+                      <a:round/>
+                      <a:headEnd type="none" w="med" len="med"/>
+                      <a:tailEnd type="none" w="med" len="med"/>
+                    </a:lnR>
+                    <a:lnT w="12700" cap="flat" cmpd="sng" algn="ctr">
+                      <a:solidFill>
+                        <a:schemeClr val="tx1"/>
+                      </a:solidFill>
+                      <a:prstDash val="solid"/>
+                      <a:round/>
+                      <a:headEnd type="none" w="med" len="med"/>
+                      <a:tailEnd type="none" w="med" len="med"/>
+                    </a:lnT>
+                    <a:lnB w="12700" cap="flat" cmpd="sng" algn="ctr">
+                      <a:solidFill>
+                        <a:schemeClr val="tx1"/>
+                      </a:solidFill>
+                      <a:prstDash val="solid"/>
+                      <a:round/>
+                      <a:headEnd type="none" w="med" len="med"/>
+                      <a:tailEnd type="none" w="med" len="med"/>
+                    </a:lnB>
+                    <a:lnTlToBr w="12700" cmpd="sng">
+                      <a:noFill/>
+                      <a:prstDash val="solid"/>
+                    </a:lnTlToBr>
+                    <a:lnBlToTr w="12700" cmpd="sng">
+                      <a:noFill/>
+                      <a:prstDash val="solid"/>
+                    </a:lnBlToTr>
+                    <a:solidFill>
+                      <a:schemeClr val="bg1"/>
+                    </a:solidFill>
+                  </a:tcPr>
+                </a:tc>
+                <a:tc>
+                  <a:txBody>
+                    <a:bodyPr/>
+                    <a:lstStyle/>
+                    <a:p>
+                      <a:pPr marL="0" marR="0" indent="0" algn="just">
+                        <a:lnSpc>
+                          <a:spcPct val="150000"/>
+                        </a:lnSpc>
+                        <a:spcBef>
+                          <a:spcPts val="0"/>
+                        </a:spcBef>
+                        <a:spcAft>
+                          <a:spcPts val="0"/>
+                        </a:spcAft>
+                      </a:pPr>
+                      <a:r>
+                        <a:rPr lang="en-US" sz="1200">
+                          <a:solidFill>
+                            <a:schemeClr val="tx1"/>
+                          </a:solidFill>
+                          <a:effectLst/>
+                        </a:rPr>
+                        <a:t>Cho phép người dùng kết bạn với số điện thoại mới hợp lệ</a:t>
+                      </a:r>
+                      <a:endParaRPr lang="en-US" sz="1200">
+                        <a:solidFill>
+                          <a:schemeClr val="tx1"/>
+                        </a:solidFill>
+                        <a:effectLst/>
+                        <a:latin typeface="Times New Roman" panose="02020603050405020304" pitchFamily="18" charset="0"/>
+                        <a:ea typeface="Times New Roman" panose="02020603050405020304" pitchFamily="18" charset="0"/>
+                      </a:endParaRPr>
+                    </a:p>
+                  </a:txBody>
+                  <a:tcPr marL="26567" marR="26567" marT="0" marB="0" anchor="ctr">
+                    <a:lnL w="12700" cap="flat" cmpd="sng" algn="ctr">
+                      <a:solidFill>
+                        <a:schemeClr val="tx1"/>
+                      </a:solidFill>
+                      <a:prstDash val="solid"/>
+                      <a:round/>
+                      <a:headEnd type="none" w="med" len="med"/>
+                      <a:tailEnd type="none" w="med" len="med"/>
+                    </a:lnL>
+                    <a:lnR w="12700" cap="flat" cmpd="sng" algn="ctr">
+                      <a:solidFill>
+                        <a:schemeClr val="tx1"/>
+                      </a:solidFill>
+                      <a:prstDash val="solid"/>
+                      <a:round/>
+                      <a:headEnd type="none" w="med" len="med"/>
+                      <a:tailEnd type="none" w="med" len="med"/>
+                    </a:lnR>
+                    <a:lnT w="12700" cap="flat" cmpd="sng" algn="ctr">
+                      <a:solidFill>
+                        <a:schemeClr val="tx1"/>
+                      </a:solidFill>
+                      <a:prstDash val="solid"/>
+                      <a:round/>
+                      <a:headEnd type="none" w="med" len="med"/>
+                      <a:tailEnd type="none" w="med" len="med"/>
+                    </a:lnT>
+                    <a:lnB w="12700" cap="flat" cmpd="sng" algn="ctr">
+                      <a:solidFill>
+                        <a:schemeClr val="tx1"/>
+                      </a:solidFill>
+                      <a:prstDash val="solid"/>
+                      <a:round/>
+                      <a:headEnd type="none" w="med" len="med"/>
+                      <a:tailEnd type="none" w="med" len="med"/>
+                    </a:lnB>
+                    <a:lnTlToBr w="12700" cmpd="sng">
+                      <a:noFill/>
+                      <a:prstDash val="solid"/>
+                    </a:lnTlToBr>
+                    <a:lnBlToTr w="12700" cmpd="sng">
+                      <a:noFill/>
+                      <a:prstDash val="solid"/>
+                    </a:lnBlToTr>
+                    <a:solidFill>
+                      <a:schemeClr val="bg1"/>
+                    </a:solidFill>
+                  </a:tcPr>
+                </a:tc>
+                <a:extLst>
+                  <a:ext uri="{0D108BD9-81ED-4DB2-BD59-A6C34878D82A}">
+                    <a16:rowId xmlns:a16="http://schemas.microsoft.com/office/drawing/2014/main" val="1764740474"/>
+                  </a:ext>
+                </a:extLst>
+              </a:tr>
+              <a:tr h="191985">
+                <a:tc>
+                  <a:txBody>
+                    <a:bodyPr/>
+                    <a:lstStyle/>
+                    <a:p>
+                      <a:pPr marL="0" marR="0" indent="0" algn="just">
+                        <a:lnSpc>
+                          <a:spcPct val="150000"/>
+                        </a:lnSpc>
+                        <a:spcBef>
+                          <a:spcPts val="0"/>
+                        </a:spcBef>
+                        <a:spcAft>
+                          <a:spcPts val="0"/>
+                        </a:spcAft>
+                      </a:pPr>
+                      <a:r>
+                        <a:rPr lang="en-US" sz="1200">
+                          <a:solidFill>
+                            <a:schemeClr val="tx1"/>
+                          </a:solidFill>
+                          <a:effectLst/>
+                        </a:rPr>
+                        <a:t>Actor chính</a:t>
+                      </a:r>
+                      <a:endParaRPr lang="en-US" sz="1200">
+                        <a:solidFill>
+                          <a:schemeClr val="tx1"/>
+                        </a:solidFill>
+                        <a:effectLst/>
+                        <a:latin typeface="Times New Roman" panose="02020603050405020304" pitchFamily="18" charset="0"/>
+                        <a:ea typeface="Times New Roman" panose="02020603050405020304" pitchFamily="18" charset="0"/>
+                      </a:endParaRPr>
+                    </a:p>
+                  </a:txBody>
+                  <a:tcPr marL="26567" marR="26567" marT="0" marB="0" anchor="ctr">
+                    <a:lnL w="12700" cap="flat" cmpd="sng" algn="ctr">
+                      <a:solidFill>
+                        <a:schemeClr val="tx1"/>
+                      </a:solidFill>
+                      <a:prstDash val="solid"/>
+                      <a:round/>
+                      <a:headEnd type="none" w="med" len="med"/>
+                      <a:tailEnd type="none" w="med" len="med"/>
+                    </a:lnL>
+                    <a:lnR w="12700" cap="flat" cmpd="sng" algn="ctr">
+                      <a:solidFill>
+                        <a:schemeClr val="tx1"/>
+                      </a:solidFill>
+                      <a:prstDash val="solid"/>
+                      <a:round/>
+                      <a:headEnd type="none" w="med" len="med"/>
+                      <a:tailEnd type="none" w="med" len="med"/>
+                    </a:lnR>
+                    <a:lnT w="12700" cap="flat" cmpd="sng" algn="ctr">
+                      <a:solidFill>
+                        <a:schemeClr val="tx1"/>
+                      </a:solidFill>
+                      <a:prstDash val="solid"/>
+                      <a:round/>
+                      <a:headEnd type="none" w="med" len="med"/>
+                      <a:tailEnd type="none" w="med" len="med"/>
+                    </a:lnT>
+                    <a:lnB w="12700" cap="flat" cmpd="sng" algn="ctr">
+                      <a:solidFill>
+                        <a:schemeClr val="tx1"/>
+                      </a:solidFill>
+                      <a:prstDash val="solid"/>
+                      <a:round/>
+                      <a:headEnd type="none" w="med" len="med"/>
+                      <a:tailEnd type="none" w="med" len="med"/>
+                    </a:lnB>
+                    <a:lnTlToBr w="12700" cmpd="sng">
+                      <a:noFill/>
+                      <a:prstDash val="solid"/>
+                    </a:lnTlToBr>
+                    <a:lnBlToTr w="12700" cmpd="sng">
+                      <a:noFill/>
+                      <a:prstDash val="solid"/>
+                    </a:lnBlToTr>
+                    <a:solidFill>
+                      <a:schemeClr val="bg1"/>
+                    </a:solidFill>
+                  </a:tcPr>
+                </a:tc>
+                <a:tc>
+                  <a:txBody>
+                    <a:bodyPr/>
+                    <a:lstStyle/>
+                    <a:p>
+                      <a:pPr marL="0" marR="0" indent="0" algn="just">
+                        <a:lnSpc>
+                          <a:spcPct val="150000"/>
+                        </a:lnSpc>
+                        <a:spcBef>
+                          <a:spcPts val="0"/>
+                        </a:spcBef>
+                        <a:spcAft>
+                          <a:spcPts val="0"/>
+                        </a:spcAft>
+                      </a:pPr>
+                      <a:r>
+                        <a:rPr lang="en-US" sz="1200">
+                          <a:solidFill>
+                            <a:schemeClr val="tx1"/>
+                          </a:solidFill>
+                          <a:effectLst/>
+                        </a:rPr>
+                        <a:t>Người dùng</a:t>
+                      </a:r>
+                      <a:endParaRPr lang="en-US" sz="1200">
+                        <a:solidFill>
+                          <a:schemeClr val="tx1"/>
+                        </a:solidFill>
+                        <a:effectLst/>
+                        <a:latin typeface="Times New Roman" panose="02020603050405020304" pitchFamily="18" charset="0"/>
+                        <a:ea typeface="Times New Roman" panose="02020603050405020304" pitchFamily="18" charset="0"/>
+                      </a:endParaRPr>
+                    </a:p>
+                  </a:txBody>
+                  <a:tcPr marL="26567" marR="26567" marT="0" marB="0" anchor="ctr">
+                    <a:lnL w="12700" cap="flat" cmpd="sng" algn="ctr">
+                      <a:solidFill>
+                        <a:schemeClr val="tx1"/>
+                      </a:solidFill>
+                      <a:prstDash val="solid"/>
+                      <a:round/>
+                      <a:headEnd type="none" w="med" len="med"/>
+                      <a:tailEnd type="none" w="med" len="med"/>
+                    </a:lnL>
+                    <a:lnR w="12700" cap="flat" cmpd="sng" algn="ctr">
+                      <a:solidFill>
+                        <a:schemeClr val="tx1"/>
+                      </a:solidFill>
+                      <a:prstDash val="solid"/>
+                      <a:round/>
+                      <a:headEnd type="none" w="med" len="med"/>
+                      <a:tailEnd type="none" w="med" len="med"/>
+                    </a:lnR>
+                    <a:lnT w="12700" cap="flat" cmpd="sng" algn="ctr">
+                      <a:solidFill>
+                        <a:schemeClr val="tx1"/>
+                      </a:solidFill>
+                      <a:prstDash val="solid"/>
+                      <a:round/>
+                      <a:headEnd type="none" w="med" len="med"/>
+                      <a:tailEnd type="none" w="med" len="med"/>
+                    </a:lnT>
+                    <a:lnB w="12700" cap="flat" cmpd="sng" algn="ctr">
+                      <a:solidFill>
+                        <a:schemeClr val="tx1"/>
+                      </a:solidFill>
+                      <a:prstDash val="solid"/>
+                      <a:round/>
+                      <a:headEnd type="none" w="med" len="med"/>
+                      <a:tailEnd type="none" w="med" len="med"/>
+                    </a:lnB>
+                    <a:lnTlToBr w="12700" cmpd="sng">
+                      <a:noFill/>
+                      <a:prstDash val="solid"/>
+                    </a:lnTlToBr>
+                    <a:lnBlToTr w="12700" cmpd="sng">
+                      <a:noFill/>
+                      <a:prstDash val="solid"/>
+                    </a:lnBlToTr>
+                    <a:solidFill>
+                      <a:schemeClr val="bg1"/>
+                    </a:solidFill>
+                  </a:tcPr>
+                </a:tc>
+                <a:extLst>
+                  <a:ext uri="{0D108BD9-81ED-4DB2-BD59-A6C34878D82A}">
+                    <a16:rowId xmlns:a16="http://schemas.microsoft.com/office/drawing/2014/main" val="2812253079"/>
+                  </a:ext>
+                </a:extLst>
+              </a:tr>
+              <a:tr h="191985">
+                <a:tc>
+                  <a:txBody>
+                    <a:bodyPr/>
+                    <a:lstStyle/>
+                    <a:p>
+                      <a:pPr marL="0" marR="0" indent="0" algn="just">
+                        <a:lnSpc>
+                          <a:spcPct val="150000"/>
+                        </a:lnSpc>
+                        <a:spcBef>
+                          <a:spcPts val="0"/>
+                        </a:spcBef>
+                        <a:spcAft>
+                          <a:spcPts val="0"/>
+                        </a:spcAft>
+                      </a:pPr>
+                      <a:r>
+                        <a:rPr lang="en-US" sz="1200">
+                          <a:solidFill>
+                            <a:schemeClr val="tx1"/>
+                          </a:solidFill>
+                          <a:effectLst/>
+                        </a:rPr>
+                        <a:t>Actor phụ</a:t>
+                      </a:r>
+                      <a:endParaRPr lang="en-US" sz="1200">
+                        <a:solidFill>
+                          <a:schemeClr val="tx1"/>
+                        </a:solidFill>
+                        <a:effectLst/>
+                        <a:latin typeface="Times New Roman" panose="02020603050405020304" pitchFamily="18" charset="0"/>
+                        <a:ea typeface="Times New Roman" panose="02020603050405020304" pitchFamily="18" charset="0"/>
+                      </a:endParaRPr>
+                    </a:p>
+                  </a:txBody>
+                  <a:tcPr marL="26567" marR="26567" marT="0" marB="0" anchor="ctr">
+                    <a:lnL w="12700" cap="flat" cmpd="sng" algn="ctr">
+                      <a:solidFill>
+                        <a:schemeClr val="tx1"/>
+                      </a:solidFill>
+                      <a:prstDash val="solid"/>
+                      <a:round/>
+                      <a:headEnd type="none" w="med" len="med"/>
+                      <a:tailEnd type="none" w="med" len="med"/>
+                    </a:lnL>
+                    <a:lnR w="12700" cap="flat" cmpd="sng" algn="ctr">
+                      <a:solidFill>
+                        <a:schemeClr val="tx1"/>
+                      </a:solidFill>
+                      <a:prstDash val="solid"/>
+                      <a:round/>
+                      <a:headEnd type="none" w="med" len="med"/>
+                      <a:tailEnd type="none" w="med" len="med"/>
+                    </a:lnR>
+                    <a:lnT w="12700" cap="flat" cmpd="sng" algn="ctr">
+                      <a:solidFill>
+                        <a:schemeClr val="tx1"/>
+                      </a:solidFill>
+                      <a:prstDash val="solid"/>
+                      <a:round/>
+                      <a:headEnd type="none" w="med" len="med"/>
+                      <a:tailEnd type="none" w="med" len="med"/>
+                    </a:lnT>
+                    <a:lnB w="12700" cap="flat" cmpd="sng" algn="ctr">
+                      <a:solidFill>
+                        <a:schemeClr val="tx1"/>
+                      </a:solidFill>
+                      <a:prstDash val="solid"/>
+                      <a:round/>
+                      <a:headEnd type="none" w="med" len="med"/>
+                      <a:tailEnd type="none" w="med" len="med"/>
+                    </a:lnB>
+                    <a:lnTlToBr w="12700" cmpd="sng">
+                      <a:noFill/>
+                      <a:prstDash val="solid"/>
+                    </a:lnTlToBr>
+                    <a:lnBlToTr w="12700" cmpd="sng">
+                      <a:noFill/>
+                      <a:prstDash val="solid"/>
+                    </a:lnBlToTr>
+                    <a:solidFill>
+                      <a:schemeClr val="bg1"/>
+                    </a:solidFill>
+                  </a:tcPr>
+                </a:tc>
+                <a:tc>
+                  <a:txBody>
+                    <a:bodyPr/>
+                    <a:lstStyle/>
+                    <a:p>
+                      <a:pPr marL="0" marR="0" indent="0" algn="just">
+                        <a:lnSpc>
+                          <a:spcPct val="150000"/>
+                        </a:lnSpc>
+                        <a:spcBef>
+                          <a:spcPts val="0"/>
+                        </a:spcBef>
+                        <a:spcAft>
+                          <a:spcPts val="0"/>
+                        </a:spcAft>
+                      </a:pPr>
+                      <a:r>
+                        <a:rPr lang="en-US" sz="1200">
+                          <a:solidFill>
+                            <a:schemeClr val="tx1"/>
+                          </a:solidFill>
+                          <a:effectLst/>
+                        </a:rPr>
+                        <a:t>Không có</a:t>
+                      </a:r>
+                      <a:endParaRPr lang="en-US" sz="1200">
+                        <a:solidFill>
+                          <a:schemeClr val="tx1"/>
+                        </a:solidFill>
+                        <a:effectLst/>
+                        <a:latin typeface="Times New Roman" panose="02020603050405020304" pitchFamily="18" charset="0"/>
+                        <a:ea typeface="Times New Roman" panose="02020603050405020304" pitchFamily="18" charset="0"/>
+                      </a:endParaRPr>
+                    </a:p>
+                  </a:txBody>
+                  <a:tcPr marL="26567" marR="26567" marT="0" marB="0" anchor="ctr">
+                    <a:lnL w="12700" cap="flat" cmpd="sng" algn="ctr">
+                      <a:solidFill>
+                        <a:schemeClr val="tx1"/>
+                      </a:solidFill>
+                      <a:prstDash val="solid"/>
+                      <a:round/>
+                      <a:headEnd type="none" w="med" len="med"/>
+                      <a:tailEnd type="none" w="med" len="med"/>
+                    </a:lnL>
+                    <a:lnR w="12700" cap="flat" cmpd="sng" algn="ctr">
+                      <a:solidFill>
+                        <a:schemeClr val="tx1"/>
+                      </a:solidFill>
+                      <a:prstDash val="solid"/>
+                      <a:round/>
+                      <a:headEnd type="none" w="med" len="med"/>
+                      <a:tailEnd type="none" w="med" len="med"/>
+                    </a:lnR>
+                    <a:lnT w="12700" cap="flat" cmpd="sng" algn="ctr">
+                      <a:solidFill>
+                        <a:schemeClr val="tx1"/>
+                      </a:solidFill>
+                      <a:prstDash val="solid"/>
+                      <a:round/>
+                      <a:headEnd type="none" w="med" len="med"/>
+                      <a:tailEnd type="none" w="med" len="med"/>
+                    </a:lnT>
+                    <a:lnB w="12700" cap="flat" cmpd="sng" algn="ctr">
+                      <a:solidFill>
+                        <a:schemeClr val="tx1"/>
+                      </a:solidFill>
+                      <a:prstDash val="solid"/>
+                      <a:round/>
+                      <a:headEnd type="none" w="med" len="med"/>
+                      <a:tailEnd type="none" w="med" len="med"/>
+                    </a:lnB>
+                    <a:lnTlToBr w="12700" cmpd="sng">
+                      <a:noFill/>
+                      <a:prstDash val="solid"/>
+                    </a:lnTlToBr>
+                    <a:lnBlToTr w="12700" cmpd="sng">
+                      <a:noFill/>
+                      <a:prstDash val="solid"/>
+                    </a:lnBlToTr>
+                    <a:solidFill>
+                      <a:schemeClr val="bg1"/>
+                    </a:solidFill>
+                  </a:tcPr>
+                </a:tc>
+                <a:extLst>
+                  <a:ext uri="{0D108BD9-81ED-4DB2-BD59-A6C34878D82A}">
+                    <a16:rowId xmlns:a16="http://schemas.microsoft.com/office/drawing/2014/main" val="2287934634"/>
+                  </a:ext>
+                </a:extLst>
+              </a:tr>
+              <a:tr h="410117">
+                <a:tc>
+                  <a:txBody>
+                    <a:bodyPr/>
+                    <a:lstStyle/>
+                    <a:p>
+                      <a:pPr marL="0" marR="0" indent="0" algn="just">
+                        <a:lnSpc>
+                          <a:spcPct val="150000"/>
+                        </a:lnSpc>
+                        <a:spcBef>
+                          <a:spcPts val="0"/>
+                        </a:spcBef>
+                        <a:spcAft>
+                          <a:spcPts val="0"/>
+                        </a:spcAft>
+                      </a:pPr>
+                      <a:r>
+                        <a:rPr lang="en-US" sz="1200">
+                          <a:solidFill>
+                            <a:schemeClr val="tx1"/>
+                          </a:solidFill>
+                          <a:effectLst/>
+                        </a:rPr>
+                        <a:t>Tiền điều kiện (Pre-condition)</a:t>
+                      </a:r>
+                      <a:endParaRPr lang="en-US" sz="1200">
+                        <a:solidFill>
+                          <a:schemeClr val="tx1"/>
+                        </a:solidFill>
+                        <a:effectLst/>
+                        <a:latin typeface="Times New Roman" panose="02020603050405020304" pitchFamily="18" charset="0"/>
+                        <a:ea typeface="Times New Roman" panose="02020603050405020304" pitchFamily="18" charset="0"/>
+                      </a:endParaRPr>
+                    </a:p>
+                  </a:txBody>
+                  <a:tcPr marL="26567" marR="26567" marT="0" marB="0" anchor="ctr">
+                    <a:lnL w="12700" cap="flat" cmpd="sng" algn="ctr">
+                      <a:solidFill>
+                        <a:schemeClr val="tx1"/>
+                      </a:solidFill>
+                      <a:prstDash val="solid"/>
+                      <a:round/>
+                      <a:headEnd type="none" w="med" len="med"/>
+                      <a:tailEnd type="none" w="med" len="med"/>
+                    </a:lnL>
+                    <a:lnR w="12700" cap="flat" cmpd="sng" algn="ctr">
+                      <a:solidFill>
+                        <a:schemeClr val="tx1"/>
+                      </a:solidFill>
+                      <a:prstDash val="solid"/>
+                      <a:round/>
+                      <a:headEnd type="none" w="med" len="med"/>
+                      <a:tailEnd type="none" w="med" len="med"/>
+                    </a:lnR>
+                    <a:lnT w="12700" cap="flat" cmpd="sng" algn="ctr">
+                      <a:solidFill>
+                        <a:schemeClr val="tx1"/>
+                      </a:solidFill>
+                      <a:prstDash val="solid"/>
+                      <a:round/>
+                      <a:headEnd type="none" w="med" len="med"/>
+                      <a:tailEnd type="none" w="med" len="med"/>
+                    </a:lnT>
+                    <a:lnB w="12700" cap="flat" cmpd="sng" algn="ctr">
+                      <a:solidFill>
+                        <a:schemeClr val="tx1"/>
+                      </a:solidFill>
+                      <a:prstDash val="solid"/>
+                      <a:round/>
+                      <a:headEnd type="none" w="med" len="med"/>
+                      <a:tailEnd type="none" w="med" len="med"/>
+                    </a:lnB>
+                    <a:lnTlToBr w="12700" cmpd="sng">
+                      <a:noFill/>
+                      <a:prstDash val="solid"/>
+                    </a:lnTlToBr>
+                    <a:lnBlToTr w="12700" cmpd="sng">
+                      <a:noFill/>
+                      <a:prstDash val="solid"/>
+                    </a:lnBlToTr>
+                    <a:solidFill>
+                      <a:schemeClr val="bg1"/>
+                    </a:solidFill>
+                  </a:tcPr>
+                </a:tc>
+                <a:tc>
+                  <a:txBody>
+                    <a:bodyPr/>
+                    <a:lstStyle/>
+                    <a:p>
+                      <a:pPr marL="0" marR="0" indent="0" algn="just">
+                        <a:lnSpc>
+                          <a:spcPct val="150000"/>
+                        </a:lnSpc>
+                        <a:spcBef>
+                          <a:spcPts val="0"/>
+                        </a:spcBef>
+                        <a:spcAft>
+                          <a:spcPts val="0"/>
+                        </a:spcAft>
+                      </a:pPr>
+                      <a:r>
+                        <a:rPr lang="en-US" sz="1200">
+                          <a:solidFill>
+                            <a:schemeClr val="tx1"/>
+                          </a:solidFill>
+                          <a:effectLst/>
+                        </a:rPr>
+                        <a:t>Người dùng đăng nhập thành công vào hệ thống chưa có trong danh sách liên hệ</a:t>
+                      </a:r>
+                      <a:endParaRPr lang="en-US" sz="1200">
+                        <a:solidFill>
+                          <a:schemeClr val="tx1"/>
+                        </a:solidFill>
+                        <a:effectLst/>
+                        <a:latin typeface="Times New Roman" panose="02020603050405020304" pitchFamily="18" charset="0"/>
+                        <a:ea typeface="Times New Roman" panose="02020603050405020304" pitchFamily="18" charset="0"/>
+                      </a:endParaRPr>
+                    </a:p>
+                  </a:txBody>
+                  <a:tcPr marL="26567" marR="26567" marT="0" marB="0" anchor="ctr">
+                    <a:lnL w="12700" cap="flat" cmpd="sng" algn="ctr">
+                      <a:solidFill>
+                        <a:schemeClr val="tx1"/>
+                      </a:solidFill>
+                      <a:prstDash val="solid"/>
+                      <a:round/>
+                      <a:headEnd type="none" w="med" len="med"/>
+                      <a:tailEnd type="none" w="med" len="med"/>
+                    </a:lnL>
+                    <a:lnR w="12700" cap="flat" cmpd="sng" algn="ctr">
+                      <a:solidFill>
+                        <a:schemeClr val="tx1"/>
+                      </a:solidFill>
+                      <a:prstDash val="solid"/>
+                      <a:round/>
+                      <a:headEnd type="none" w="med" len="med"/>
+                      <a:tailEnd type="none" w="med" len="med"/>
+                    </a:lnR>
+                    <a:lnT w="12700" cap="flat" cmpd="sng" algn="ctr">
+                      <a:solidFill>
+                        <a:schemeClr val="tx1"/>
+                      </a:solidFill>
+                      <a:prstDash val="solid"/>
+                      <a:round/>
+                      <a:headEnd type="none" w="med" len="med"/>
+                      <a:tailEnd type="none" w="med" len="med"/>
+                    </a:lnT>
+                    <a:lnB w="12700" cap="flat" cmpd="sng" algn="ctr">
+                      <a:solidFill>
+                        <a:schemeClr val="tx1"/>
+                      </a:solidFill>
+                      <a:prstDash val="solid"/>
+                      <a:round/>
+                      <a:headEnd type="none" w="med" len="med"/>
+                      <a:tailEnd type="none" w="med" len="med"/>
+                    </a:lnB>
+                    <a:lnTlToBr w="12700" cmpd="sng">
+                      <a:noFill/>
+                      <a:prstDash val="solid"/>
+                    </a:lnTlToBr>
+                    <a:lnBlToTr w="12700" cmpd="sng">
+                      <a:noFill/>
+                      <a:prstDash val="solid"/>
+                    </a:lnBlToTr>
+                    <a:solidFill>
+                      <a:schemeClr val="bg1"/>
+                    </a:solidFill>
+                  </a:tcPr>
+                </a:tc>
+                <a:extLst>
+                  <a:ext uri="{0D108BD9-81ED-4DB2-BD59-A6C34878D82A}">
+                    <a16:rowId xmlns:a16="http://schemas.microsoft.com/office/drawing/2014/main" val="2663421474"/>
+                  </a:ext>
+                </a:extLst>
+              </a:tr>
+              <a:tr h="410117">
+                <a:tc>
+                  <a:txBody>
+                    <a:bodyPr/>
+                    <a:lstStyle/>
+                    <a:p>
+                      <a:pPr marL="0" marR="0" indent="0" algn="just">
+                        <a:lnSpc>
+                          <a:spcPct val="150000"/>
+                        </a:lnSpc>
+                        <a:spcBef>
+                          <a:spcPts val="0"/>
+                        </a:spcBef>
+                        <a:spcAft>
+                          <a:spcPts val="0"/>
+                        </a:spcAft>
+                      </a:pPr>
+                      <a:r>
+                        <a:rPr lang="en-US" sz="1200">
+                          <a:solidFill>
+                            <a:schemeClr val="tx1"/>
+                          </a:solidFill>
+                          <a:effectLst/>
+                        </a:rPr>
+                        <a:t>Hậu điều kiện (Post-condition)</a:t>
+                      </a:r>
+                      <a:endParaRPr lang="en-US" sz="1200">
+                        <a:solidFill>
+                          <a:schemeClr val="tx1"/>
+                        </a:solidFill>
+                        <a:effectLst/>
+                        <a:latin typeface="Times New Roman" panose="02020603050405020304" pitchFamily="18" charset="0"/>
+                        <a:ea typeface="Times New Roman" panose="02020603050405020304" pitchFamily="18" charset="0"/>
+                      </a:endParaRPr>
+                    </a:p>
+                  </a:txBody>
+                  <a:tcPr marL="26567" marR="26567" marT="0" marB="0" anchor="ctr">
+                    <a:lnL w="12700" cap="flat" cmpd="sng" algn="ctr">
+                      <a:solidFill>
+                        <a:schemeClr val="tx1"/>
+                      </a:solidFill>
+                      <a:prstDash val="solid"/>
+                      <a:round/>
+                      <a:headEnd type="none" w="med" len="med"/>
+                      <a:tailEnd type="none" w="med" len="med"/>
+                    </a:lnL>
+                    <a:lnR w="12700" cap="flat" cmpd="sng" algn="ctr">
+                      <a:solidFill>
+                        <a:schemeClr val="tx1"/>
+                      </a:solidFill>
+                      <a:prstDash val="solid"/>
+                      <a:round/>
+                      <a:headEnd type="none" w="med" len="med"/>
+                      <a:tailEnd type="none" w="med" len="med"/>
+                    </a:lnR>
+                    <a:lnT w="12700" cap="flat" cmpd="sng" algn="ctr">
+                      <a:solidFill>
+                        <a:schemeClr val="tx1"/>
+                      </a:solidFill>
+                      <a:prstDash val="solid"/>
+                      <a:round/>
+                      <a:headEnd type="none" w="med" len="med"/>
+                      <a:tailEnd type="none" w="med" len="med"/>
+                    </a:lnT>
+                    <a:lnB w="12700" cap="flat" cmpd="sng" algn="ctr">
+                      <a:solidFill>
+                        <a:schemeClr val="tx1"/>
+                      </a:solidFill>
+                      <a:prstDash val="solid"/>
+                      <a:round/>
+                      <a:headEnd type="none" w="med" len="med"/>
+                      <a:tailEnd type="none" w="med" len="med"/>
+                    </a:lnB>
+                    <a:lnTlToBr w="12700" cmpd="sng">
+                      <a:noFill/>
+                      <a:prstDash val="solid"/>
+                    </a:lnTlToBr>
+                    <a:lnBlToTr w="12700" cmpd="sng">
+                      <a:noFill/>
+                      <a:prstDash val="solid"/>
+                    </a:lnBlToTr>
+                    <a:solidFill>
+                      <a:schemeClr val="bg1"/>
+                    </a:solidFill>
+                  </a:tcPr>
+                </a:tc>
+                <a:tc>
+                  <a:txBody>
+                    <a:bodyPr/>
+                    <a:lstStyle/>
+                    <a:p>
+                      <a:pPr marL="0" marR="0" indent="0" algn="just">
+                        <a:lnSpc>
+                          <a:spcPct val="150000"/>
+                        </a:lnSpc>
+                        <a:spcBef>
+                          <a:spcPts val="0"/>
+                        </a:spcBef>
+                        <a:spcAft>
+                          <a:spcPts val="0"/>
+                        </a:spcAft>
+                      </a:pPr>
+                      <a:r>
+                        <a:rPr lang="en-US" sz="1200">
+                          <a:solidFill>
+                            <a:schemeClr val="tx1"/>
+                          </a:solidFill>
+                          <a:effectLst/>
+                        </a:rPr>
+                        <a:t>Bạn mới được thêm vào danh sách bạn bè</a:t>
+                      </a:r>
+                      <a:endParaRPr lang="en-US" sz="1200">
+                        <a:solidFill>
+                          <a:schemeClr val="tx1"/>
+                        </a:solidFill>
+                        <a:effectLst/>
+                        <a:latin typeface="Times New Roman" panose="02020603050405020304" pitchFamily="18" charset="0"/>
+                        <a:ea typeface="Times New Roman" panose="02020603050405020304" pitchFamily="18" charset="0"/>
+                      </a:endParaRPr>
+                    </a:p>
+                  </a:txBody>
+                  <a:tcPr marL="26567" marR="26567" marT="0" marB="0" anchor="ctr">
+                    <a:lnL w="12700" cap="flat" cmpd="sng" algn="ctr">
+                      <a:solidFill>
+                        <a:schemeClr val="tx1"/>
+                      </a:solidFill>
+                      <a:prstDash val="solid"/>
+                      <a:round/>
+                      <a:headEnd type="none" w="med" len="med"/>
+                      <a:tailEnd type="none" w="med" len="med"/>
+                    </a:lnL>
+                    <a:lnR w="12700" cap="flat" cmpd="sng" algn="ctr">
+                      <a:solidFill>
+                        <a:schemeClr val="tx1"/>
+                      </a:solidFill>
+                      <a:prstDash val="solid"/>
+                      <a:round/>
+                      <a:headEnd type="none" w="med" len="med"/>
+                      <a:tailEnd type="none" w="med" len="med"/>
+                    </a:lnR>
+                    <a:lnT w="12700" cap="flat" cmpd="sng" algn="ctr">
+                      <a:solidFill>
+                        <a:schemeClr val="tx1"/>
+                      </a:solidFill>
+                      <a:prstDash val="solid"/>
+                      <a:round/>
+                      <a:headEnd type="none" w="med" len="med"/>
+                      <a:tailEnd type="none" w="med" len="med"/>
+                    </a:lnT>
+                    <a:lnB w="12700" cap="flat" cmpd="sng" algn="ctr">
+                      <a:solidFill>
+                        <a:schemeClr val="tx1"/>
+                      </a:solidFill>
+                      <a:prstDash val="solid"/>
+                      <a:round/>
+                      <a:headEnd type="none" w="med" len="med"/>
+                      <a:tailEnd type="none" w="med" len="med"/>
+                    </a:lnB>
+                    <a:lnTlToBr w="12700" cmpd="sng">
+                      <a:noFill/>
+                      <a:prstDash val="solid"/>
+                    </a:lnTlToBr>
+                    <a:lnBlToTr w="12700" cmpd="sng">
+                      <a:noFill/>
+                      <a:prstDash val="solid"/>
+                    </a:lnBlToTr>
+                    <a:solidFill>
+                      <a:schemeClr val="bg1"/>
+                    </a:solidFill>
+                  </a:tcPr>
+                </a:tc>
+                <a:extLst>
+                  <a:ext uri="{0D108BD9-81ED-4DB2-BD59-A6C34878D82A}">
+                    <a16:rowId xmlns:a16="http://schemas.microsoft.com/office/drawing/2014/main" val="811313411"/>
+                  </a:ext>
+                </a:extLst>
+              </a:tr>
+              <a:tr h="191985">
+                <a:tc>
+                  <a:txBody>
+                    <a:bodyPr/>
+                    <a:lstStyle/>
+                    <a:p>
+                      <a:pPr marL="0" marR="0" indent="0" algn="just">
+                        <a:lnSpc>
+                          <a:spcPct val="150000"/>
+                        </a:lnSpc>
+                        <a:spcBef>
+                          <a:spcPts val="0"/>
+                        </a:spcBef>
+                        <a:spcAft>
+                          <a:spcPts val="0"/>
+                        </a:spcAft>
+                      </a:pPr>
+                      <a:r>
+                        <a:rPr lang="en-US" sz="1200">
+                          <a:solidFill>
+                            <a:schemeClr val="tx1"/>
+                          </a:solidFill>
+                          <a:effectLst/>
+                        </a:rPr>
+                        <a:t>Luồng sự kiện chính (main flow): </a:t>
+                      </a:r>
+                      <a:endParaRPr lang="en-US" sz="1200">
+                        <a:solidFill>
+                          <a:schemeClr val="tx1"/>
+                        </a:solidFill>
+                        <a:effectLst/>
+                        <a:latin typeface="Times New Roman" panose="02020603050405020304" pitchFamily="18" charset="0"/>
+                        <a:ea typeface="Times New Roman" panose="02020603050405020304" pitchFamily="18" charset="0"/>
+                      </a:endParaRPr>
+                    </a:p>
+                  </a:txBody>
+                  <a:tcPr marL="26567" marR="26567" marT="0" marB="0" anchor="ctr">
+                    <a:lnL w="12700" cap="flat" cmpd="sng" algn="ctr">
+                      <a:solidFill>
+                        <a:schemeClr val="tx1"/>
+                      </a:solidFill>
+                      <a:prstDash val="solid"/>
+                      <a:round/>
+                      <a:headEnd type="none" w="med" len="med"/>
+                      <a:tailEnd type="none" w="med" len="med"/>
+                    </a:lnL>
+                    <a:lnR w="12700" cap="flat" cmpd="sng" algn="ctr">
+                      <a:solidFill>
+                        <a:schemeClr val="tx1"/>
+                      </a:solidFill>
+                      <a:prstDash val="solid"/>
+                      <a:round/>
+                      <a:headEnd type="none" w="med" len="med"/>
+                      <a:tailEnd type="none" w="med" len="med"/>
+                    </a:lnR>
+                    <a:lnT w="12700" cap="flat" cmpd="sng" algn="ctr">
+                      <a:solidFill>
+                        <a:schemeClr val="tx1"/>
+                      </a:solidFill>
+                      <a:prstDash val="solid"/>
+                      <a:round/>
+                      <a:headEnd type="none" w="med" len="med"/>
+                      <a:tailEnd type="none" w="med" len="med"/>
+                    </a:lnT>
+                    <a:lnB w="12700" cap="flat" cmpd="sng" algn="ctr">
+                      <a:solidFill>
+                        <a:schemeClr val="tx1"/>
+                      </a:solidFill>
+                      <a:prstDash val="solid"/>
+                      <a:round/>
+                      <a:headEnd type="none" w="med" len="med"/>
+                      <a:tailEnd type="none" w="med" len="med"/>
+                    </a:lnB>
+                    <a:lnTlToBr w="12700" cmpd="sng">
+                      <a:noFill/>
+                      <a:prstDash val="solid"/>
+                    </a:lnTlToBr>
+                    <a:lnBlToTr w="12700" cmpd="sng">
+                      <a:noFill/>
+                      <a:prstDash val="solid"/>
+                    </a:lnBlToTr>
+                    <a:solidFill>
+                      <a:schemeClr val="bg1"/>
+                    </a:solidFill>
+                  </a:tcPr>
+                </a:tc>
+                <a:tc>
+                  <a:txBody>
+                    <a:bodyPr/>
+                    <a:lstStyle/>
+                    <a:p>
+                      <a:pPr marL="0" marR="0" indent="0" algn="just">
+                        <a:lnSpc>
+                          <a:spcPct val="150000"/>
+                        </a:lnSpc>
+                        <a:spcBef>
+                          <a:spcPts val="0"/>
+                        </a:spcBef>
+                        <a:spcAft>
+                          <a:spcPts val="0"/>
+                        </a:spcAft>
+                      </a:pPr>
+                      <a:r>
+                        <a:rPr lang="en-US" sz="1200">
+                          <a:solidFill>
+                            <a:schemeClr val="tx1"/>
+                          </a:solidFill>
+                          <a:effectLst/>
+                        </a:rPr>
+                        <a:t> </a:t>
+                      </a:r>
+                      <a:endParaRPr lang="en-US" sz="1200">
+                        <a:solidFill>
+                          <a:schemeClr val="tx1"/>
+                        </a:solidFill>
+                        <a:effectLst/>
+                        <a:latin typeface="Times New Roman" panose="02020603050405020304" pitchFamily="18" charset="0"/>
+                        <a:ea typeface="Times New Roman" panose="02020603050405020304" pitchFamily="18" charset="0"/>
+                      </a:endParaRPr>
+                    </a:p>
+                  </a:txBody>
+                  <a:tcPr marL="26567" marR="26567" marT="0" marB="0" anchor="ctr">
+                    <a:lnL w="12700" cap="flat" cmpd="sng" algn="ctr">
+                      <a:solidFill>
+                        <a:schemeClr val="tx1"/>
+                      </a:solidFill>
+                      <a:prstDash val="solid"/>
+                      <a:round/>
+                      <a:headEnd type="none" w="med" len="med"/>
+                      <a:tailEnd type="none" w="med" len="med"/>
+                    </a:lnL>
+                    <a:lnR w="12700" cap="flat" cmpd="sng" algn="ctr">
+                      <a:solidFill>
+                        <a:schemeClr val="tx1"/>
+                      </a:solidFill>
+                      <a:prstDash val="solid"/>
+                      <a:round/>
+                      <a:headEnd type="none" w="med" len="med"/>
+                      <a:tailEnd type="none" w="med" len="med"/>
+                    </a:lnR>
+                    <a:lnT w="12700" cap="flat" cmpd="sng" algn="ctr">
+                      <a:solidFill>
+                        <a:schemeClr val="tx1"/>
+                      </a:solidFill>
+                      <a:prstDash val="solid"/>
+                      <a:round/>
+                      <a:headEnd type="none" w="med" len="med"/>
+                      <a:tailEnd type="none" w="med" len="med"/>
+                    </a:lnT>
+                    <a:lnB w="12700" cap="flat" cmpd="sng" algn="ctr">
+                      <a:solidFill>
+                        <a:schemeClr val="tx1"/>
+                      </a:solidFill>
+                      <a:prstDash val="solid"/>
+                      <a:round/>
+                      <a:headEnd type="none" w="med" len="med"/>
+                      <a:tailEnd type="none" w="med" len="med"/>
+                    </a:lnB>
+                    <a:lnTlToBr w="12700" cmpd="sng">
+                      <a:noFill/>
+                      <a:prstDash val="solid"/>
+                    </a:lnTlToBr>
+                    <a:lnBlToTr w="12700" cmpd="sng">
+                      <a:noFill/>
+                      <a:prstDash val="solid"/>
+                    </a:lnBlToTr>
+                    <a:solidFill>
+                      <a:schemeClr val="bg1"/>
+                    </a:solidFill>
+                  </a:tcPr>
+                </a:tc>
+                <a:extLst>
+                  <a:ext uri="{0D108BD9-81ED-4DB2-BD59-A6C34878D82A}">
+                    <a16:rowId xmlns:a16="http://schemas.microsoft.com/office/drawing/2014/main" val="881147841"/>
+                  </a:ext>
+                </a:extLst>
+              </a:tr>
+              <a:tr h="191985">
+                <a:tc>
+                  <a:txBody>
+                    <a:bodyPr/>
+                    <a:lstStyle/>
+                    <a:p>
+                      <a:pPr marL="0" marR="0" indent="0" algn="just">
+                        <a:lnSpc>
+                          <a:spcPct val="150000"/>
+                        </a:lnSpc>
+                        <a:spcBef>
+                          <a:spcPts val="0"/>
+                        </a:spcBef>
+                        <a:spcAft>
+                          <a:spcPts val="0"/>
+                        </a:spcAft>
+                      </a:pPr>
+                      <a:r>
+                        <a:rPr lang="en-US" sz="1200" b="1">
+                          <a:solidFill>
+                            <a:schemeClr val="tx1"/>
+                          </a:solidFill>
+                          <a:effectLst/>
+                        </a:rPr>
+                        <a:t>Tác Nhân</a:t>
+                      </a:r>
+                      <a:endParaRPr lang="en-US" sz="1200" b="1">
+                        <a:solidFill>
+                          <a:schemeClr val="tx1"/>
+                        </a:solidFill>
+                        <a:effectLst/>
+                        <a:latin typeface="Times New Roman" panose="02020603050405020304" pitchFamily="18" charset="0"/>
+                        <a:ea typeface="Times New Roman" panose="02020603050405020304" pitchFamily="18" charset="0"/>
+                      </a:endParaRPr>
+                    </a:p>
+                  </a:txBody>
+                  <a:tcPr marL="26567" marR="26567" marT="0" marB="0" anchor="ctr">
+                    <a:lnL w="12700" cap="flat" cmpd="sng" algn="ctr">
+                      <a:solidFill>
+                        <a:schemeClr val="tx1"/>
+                      </a:solidFill>
+                      <a:prstDash val="solid"/>
+                      <a:round/>
+                      <a:headEnd type="none" w="med" len="med"/>
+                      <a:tailEnd type="none" w="med" len="med"/>
+                    </a:lnL>
+                    <a:lnR w="12700" cap="flat" cmpd="sng" algn="ctr">
+                      <a:solidFill>
+                        <a:schemeClr val="tx1"/>
+                      </a:solidFill>
+                      <a:prstDash val="solid"/>
+                      <a:round/>
+                      <a:headEnd type="none" w="med" len="med"/>
+                      <a:tailEnd type="none" w="med" len="med"/>
+                    </a:lnR>
+                    <a:lnT w="12700" cap="flat" cmpd="sng" algn="ctr">
+                      <a:solidFill>
+                        <a:schemeClr val="tx1"/>
+                      </a:solidFill>
+                      <a:prstDash val="solid"/>
+                      <a:round/>
+                      <a:headEnd type="none" w="med" len="med"/>
+                      <a:tailEnd type="none" w="med" len="med"/>
+                    </a:lnT>
+                    <a:lnB w="12700" cap="flat" cmpd="sng" algn="ctr">
+                      <a:solidFill>
+                        <a:schemeClr val="tx1"/>
+                      </a:solidFill>
+                      <a:prstDash val="solid"/>
+                      <a:round/>
+                      <a:headEnd type="none" w="med" len="med"/>
+                      <a:tailEnd type="none" w="med" len="med"/>
+                    </a:lnB>
+                    <a:lnTlToBr w="12700" cmpd="sng">
+                      <a:noFill/>
+                      <a:prstDash val="solid"/>
+                    </a:lnTlToBr>
+                    <a:lnBlToTr w="12700" cmpd="sng">
+                      <a:noFill/>
+                      <a:prstDash val="solid"/>
+                    </a:lnBlToTr>
+                    <a:solidFill>
+                      <a:schemeClr val="bg1"/>
+                    </a:solidFill>
+                  </a:tcPr>
+                </a:tc>
+                <a:tc>
+                  <a:txBody>
+                    <a:bodyPr/>
+                    <a:lstStyle/>
+                    <a:p>
+                      <a:pPr marL="0" marR="0" indent="0" algn="just">
+                        <a:lnSpc>
+                          <a:spcPct val="150000"/>
+                        </a:lnSpc>
+                        <a:spcBef>
+                          <a:spcPts val="0"/>
+                        </a:spcBef>
+                        <a:spcAft>
+                          <a:spcPts val="0"/>
+                        </a:spcAft>
+                      </a:pPr>
+                      <a:r>
+                        <a:rPr lang="en-US" sz="1200" b="1">
+                          <a:solidFill>
+                            <a:schemeClr val="tx1"/>
+                          </a:solidFill>
+                          <a:effectLst/>
+                        </a:rPr>
+                        <a:t>Hệ Thống</a:t>
+                      </a:r>
+                      <a:endParaRPr lang="en-US" sz="1200" b="1">
+                        <a:solidFill>
+                          <a:schemeClr val="tx1"/>
+                        </a:solidFill>
+                        <a:effectLst/>
+                        <a:latin typeface="Times New Roman" panose="02020603050405020304" pitchFamily="18" charset="0"/>
+                        <a:ea typeface="Times New Roman" panose="02020603050405020304" pitchFamily="18" charset="0"/>
+                      </a:endParaRPr>
+                    </a:p>
+                  </a:txBody>
+                  <a:tcPr marL="26567" marR="26567" marT="0" marB="0" anchor="ctr">
+                    <a:lnL w="12700" cap="flat" cmpd="sng" algn="ctr">
+                      <a:solidFill>
+                        <a:schemeClr val="tx1"/>
+                      </a:solidFill>
+                      <a:prstDash val="solid"/>
+                      <a:round/>
+                      <a:headEnd type="none" w="med" len="med"/>
+                      <a:tailEnd type="none" w="med" len="med"/>
+                    </a:lnL>
+                    <a:lnR w="12700" cap="flat" cmpd="sng" algn="ctr">
+                      <a:solidFill>
+                        <a:schemeClr val="tx1"/>
+                      </a:solidFill>
+                      <a:prstDash val="solid"/>
+                      <a:round/>
+                      <a:headEnd type="none" w="med" len="med"/>
+                      <a:tailEnd type="none" w="med" len="med"/>
+                    </a:lnR>
+                    <a:lnT w="12700" cap="flat" cmpd="sng" algn="ctr">
+                      <a:solidFill>
+                        <a:schemeClr val="tx1"/>
+                      </a:solidFill>
+                      <a:prstDash val="solid"/>
+                      <a:round/>
+                      <a:headEnd type="none" w="med" len="med"/>
+                      <a:tailEnd type="none" w="med" len="med"/>
+                    </a:lnT>
+                    <a:lnB w="12700" cap="flat" cmpd="sng" algn="ctr">
+                      <a:solidFill>
+                        <a:schemeClr val="tx1"/>
+                      </a:solidFill>
+                      <a:prstDash val="solid"/>
+                      <a:round/>
+                      <a:headEnd type="none" w="med" len="med"/>
+                      <a:tailEnd type="none" w="med" len="med"/>
+                    </a:lnB>
+                    <a:lnTlToBr w="12700" cmpd="sng">
+                      <a:noFill/>
+                      <a:prstDash val="solid"/>
+                    </a:lnTlToBr>
+                    <a:lnBlToTr w="12700" cmpd="sng">
+                      <a:noFill/>
+                      <a:prstDash val="solid"/>
+                    </a:lnBlToTr>
+                    <a:solidFill>
+                      <a:schemeClr val="bg1"/>
+                    </a:solidFill>
+                  </a:tcPr>
+                </a:tc>
+                <a:extLst>
+                  <a:ext uri="{0D108BD9-81ED-4DB2-BD59-A6C34878D82A}">
+                    <a16:rowId xmlns:a16="http://schemas.microsoft.com/office/drawing/2014/main" val="2070046318"/>
+                  </a:ext>
+                </a:extLst>
+              </a:tr>
+              <a:tr h="410117">
+                <a:tc>
+                  <a:txBody>
+                    <a:bodyPr/>
+                    <a:lstStyle/>
+                    <a:p>
+                      <a:pPr marL="0" marR="0" lvl="0" indent="0" algn="just">
+                        <a:lnSpc>
+                          <a:spcPct val="150000"/>
+                        </a:lnSpc>
+                        <a:spcBef>
+                          <a:spcPts val="0"/>
+                        </a:spcBef>
+                        <a:spcAft>
+                          <a:spcPts val="0"/>
+                        </a:spcAft>
+                        <a:buFont typeface="+mj-lt"/>
+                        <a:buNone/>
+                      </a:pPr>
+                      <a:r>
+                        <a:rPr lang="en-US" sz="1200" b="0">
+                          <a:solidFill>
+                            <a:schemeClr val="tx1"/>
+                          </a:solidFill>
+                          <a:effectLst/>
+                        </a:rPr>
+                        <a:t>1.Người dùng chọn vào mục Danh sách liên hệ</a:t>
+                      </a:r>
+                      <a:endParaRPr lang="en-US" sz="1200" b="0">
+                        <a:solidFill>
+                          <a:schemeClr val="tx1"/>
+                        </a:solidFill>
+                        <a:effectLst/>
+                        <a:latin typeface="Times New Roman" panose="02020603050405020304" pitchFamily="18" charset="0"/>
+                        <a:ea typeface="Times New Roman" panose="02020603050405020304" pitchFamily="18" charset="0"/>
+                      </a:endParaRPr>
+                    </a:p>
+                  </a:txBody>
+                  <a:tcPr marL="26567" marR="26567" marT="0" marB="0" anchor="ctr">
+                    <a:lnL w="12700" cap="flat" cmpd="sng" algn="ctr">
+                      <a:solidFill>
+                        <a:schemeClr val="tx1"/>
+                      </a:solidFill>
+                      <a:prstDash val="solid"/>
+                      <a:round/>
+                      <a:headEnd type="none" w="med" len="med"/>
+                      <a:tailEnd type="none" w="med" len="med"/>
+                    </a:lnL>
+                    <a:lnR w="12700" cap="flat" cmpd="sng" algn="ctr">
+                      <a:solidFill>
+                        <a:schemeClr val="tx1"/>
+                      </a:solidFill>
+                      <a:prstDash val="solid"/>
+                      <a:round/>
+                      <a:headEnd type="none" w="med" len="med"/>
+                      <a:tailEnd type="none" w="med" len="med"/>
+                    </a:lnR>
+                    <a:lnT w="12700" cap="flat" cmpd="sng" algn="ctr">
+                      <a:solidFill>
+                        <a:schemeClr val="tx1"/>
+                      </a:solidFill>
+                      <a:prstDash val="solid"/>
+                      <a:round/>
+                      <a:headEnd type="none" w="med" len="med"/>
+                      <a:tailEnd type="none" w="med" len="med"/>
+                    </a:lnT>
+                    <a:lnB w="12700" cap="flat" cmpd="sng" algn="ctr">
+                      <a:solidFill>
+                        <a:schemeClr val="tx1"/>
+                      </a:solidFill>
+                      <a:prstDash val="solid"/>
+                      <a:round/>
+                      <a:headEnd type="none" w="med" len="med"/>
+                      <a:tailEnd type="none" w="med" len="med"/>
+                    </a:lnB>
+                    <a:lnTlToBr w="12700" cmpd="sng">
+                      <a:noFill/>
+                      <a:prstDash val="solid"/>
+                    </a:lnTlToBr>
+                    <a:lnBlToTr w="12700" cmpd="sng">
+                      <a:noFill/>
+                      <a:prstDash val="solid"/>
+                    </a:lnBlToTr>
+                    <a:solidFill>
+                      <a:schemeClr val="bg1"/>
+                    </a:solidFill>
+                  </a:tcPr>
+                </a:tc>
+                <a:tc>
+                  <a:txBody>
+                    <a:bodyPr/>
+                    <a:lstStyle/>
+                    <a:p>
+                      <a:pPr marL="0" marR="0" indent="0" algn="just">
+                        <a:lnSpc>
+                          <a:spcPct val="150000"/>
+                        </a:lnSpc>
+                        <a:spcBef>
+                          <a:spcPts val="0"/>
+                        </a:spcBef>
+                        <a:spcAft>
+                          <a:spcPts val="0"/>
+                        </a:spcAft>
+                      </a:pPr>
+                      <a:r>
+                        <a:rPr lang="en-US" sz="1200" b="0">
+                          <a:solidFill>
+                            <a:schemeClr val="tx1"/>
+                          </a:solidFill>
+                          <a:effectLst/>
+                        </a:rPr>
+                        <a:t> </a:t>
+                      </a:r>
+                      <a:endParaRPr lang="en-US" sz="1200" b="0">
+                        <a:solidFill>
+                          <a:schemeClr val="tx1"/>
+                        </a:solidFill>
+                        <a:effectLst/>
+                        <a:latin typeface="Times New Roman" panose="02020603050405020304" pitchFamily="18" charset="0"/>
+                        <a:ea typeface="Times New Roman" panose="02020603050405020304" pitchFamily="18" charset="0"/>
+                      </a:endParaRPr>
+                    </a:p>
+                  </a:txBody>
+                  <a:tcPr marL="26567" marR="26567" marT="0" marB="0" anchor="ctr">
+                    <a:lnL w="12700" cap="flat" cmpd="sng" algn="ctr">
+                      <a:solidFill>
+                        <a:schemeClr val="tx1"/>
+                      </a:solidFill>
+                      <a:prstDash val="solid"/>
+                      <a:round/>
+                      <a:headEnd type="none" w="med" len="med"/>
+                      <a:tailEnd type="none" w="med" len="med"/>
+                    </a:lnL>
+                    <a:lnR w="12700" cap="flat" cmpd="sng" algn="ctr">
+                      <a:solidFill>
+                        <a:schemeClr val="tx1"/>
+                      </a:solidFill>
+                      <a:prstDash val="solid"/>
+                      <a:round/>
+                      <a:headEnd type="none" w="med" len="med"/>
+                      <a:tailEnd type="none" w="med" len="med"/>
+                    </a:lnR>
+                    <a:lnT w="12700" cap="flat" cmpd="sng" algn="ctr">
+                      <a:solidFill>
+                        <a:schemeClr val="tx1"/>
+                      </a:solidFill>
+                      <a:prstDash val="solid"/>
+                      <a:round/>
+                      <a:headEnd type="none" w="med" len="med"/>
+                      <a:tailEnd type="none" w="med" len="med"/>
+                    </a:lnT>
+                    <a:lnB w="12700" cap="flat" cmpd="sng" algn="ctr">
+                      <a:solidFill>
+                        <a:schemeClr val="tx1"/>
+                      </a:solidFill>
+                      <a:prstDash val="solid"/>
+                      <a:round/>
+                      <a:headEnd type="none" w="med" len="med"/>
+                      <a:tailEnd type="none" w="med" len="med"/>
+                    </a:lnB>
+                    <a:lnTlToBr w="12700" cmpd="sng">
+                      <a:noFill/>
+                      <a:prstDash val="solid"/>
+                    </a:lnTlToBr>
+                    <a:lnBlToTr w="12700" cmpd="sng">
+                      <a:noFill/>
+                      <a:prstDash val="solid"/>
+                    </a:lnBlToTr>
+                    <a:solidFill>
+                      <a:schemeClr val="bg1"/>
+                    </a:solidFill>
+                  </a:tcPr>
+                </a:tc>
+                <a:extLst>
+                  <a:ext uri="{0D108BD9-81ED-4DB2-BD59-A6C34878D82A}">
+                    <a16:rowId xmlns:a16="http://schemas.microsoft.com/office/drawing/2014/main" val="4216868347"/>
+                  </a:ext>
+                </a:extLst>
+              </a:tr>
+              <a:tr h="410117">
+                <a:tc>
+                  <a:txBody>
+                    <a:bodyPr/>
+                    <a:lstStyle/>
+                    <a:p>
+                      <a:pPr marL="0" marR="0" indent="0" algn="just">
+                        <a:lnSpc>
+                          <a:spcPct val="150000"/>
+                        </a:lnSpc>
+                        <a:spcBef>
+                          <a:spcPts val="0"/>
+                        </a:spcBef>
+                        <a:spcAft>
+                          <a:spcPts val="0"/>
+                        </a:spcAft>
+                      </a:pPr>
+                      <a:r>
+                        <a:rPr lang="en-US" sz="1200" b="0">
+                          <a:solidFill>
+                            <a:schemeClr val="tx1"/>
+                          </a:solidFill>
+                          <a:effectLst/>
+                        </a:rPr>
+                        <a:t> </a:t>
+                      </a:r>
+                      <a:endParaRPr lang="en-US" sz="1200" b="0">
+                        <a:solidFill>
+                          <a:schemeClr val="tx1"/>
+                        </a:solidFill>
+                        <a:effectLst/>
+                        <a:latin typeface="Times New Roman" panose="02020603050405020304" pitchFamily="18" charset="0"/>
+                        <a:ea typeface="Times New Roman" panose="02020603050405020304" pitchFamily="18" charset="0"/>
+                      </a:endParaRPr>
+                    </a:p>
+                  </a:txBody>
+                  <a:tcPr marL="26567" marR="26567" marT="0" marB="0" anchor="ctr">
+                    <a:lnL w="12700" cap="flat" cmpd="sng" algn="ctr">
+                      <a:solidFill>
+                        <a:schemeClr val="tx1"/>
+                      </a:solidFill>
+                      <a:prstDash val="solid"/>
+                      <a:round/>
+                      <a:headEnd type="none" w="med" len="med"/>
+                      <a:tailEnd type="none" w="med" len="med"/>
+                    </a:lnL>
+                    <a:lnR w="12700" cap="flat" cmpd="sng" algn="ctr">
+                      <a:solidFill>
+                        <a:schemeClr val="tx1"/>
+                      </a:solidFill>
+                      <a:prstDash val="solid"/>
+                      <a:round/>
+                      <a:headEnd type="none" w="med" len="med"/>
+                      <a:tailEnd type="none" w="med" len="med"/>
+                    </a:lnR>
+                    <a:lnT w="12700" cap="flat" cmpd="sng" algn="ctr">
+                      <a:solidFill>
+                        <a:schemeClr val="tx1"/>
+                      </a:solidFill>
+                      <a:prstDash val="solid"/>
+                      <a:round/>
+                      <a:headEnd type="none" w="med" len="med"/>
+                      <a:tailEnd type="none" w="med" len="med"/>
+                    </a:lnT>
+                    <a:lnB w="12700" cap="flat" cmpd="sng" algn="ctr">
+                      <a:solidFill>
+                        <a:schemeClr val="tx1"/>
+                      </a:solidFill>
+                      <a:prstDash val="solid"/>
+                      <a:round/>
+                      <a:headEnd type="none" w="med" len="med"/>
+                      <a:tailEnd type="none" w="med" len="med"/>
+                    </a:lnB>
+                    <a:lnTlToBr w="12700" cmpd="sng">
+                      <a:noFill/>
+                      <a:prstDash val="solid"/>
+                    </a:lnTlToBr>
+                    <a:lnBlToTr w="12700" cmpd="sng">
+                      <a:noFill/>
+                      <a:prstDash val="solid"/>
+                    </a:lnBlToTr>
+                    <a:solidFill>
+                      <a:schemeClr val="bg1"/>
+                    </a:solidFill>
+                  </a:tcPr>
+                </a:tc>
+                <a:tc>
+                  <a:txBody>
+                    <a:bodyPr/>
+                    <a:lstStyle/>
+                    <a:p>
+                      <a:pPr marL="0" marR="0" lvl="0" indent="0" algn="just">
+                        <a:lnSpc>
+                          <a:spcPct val="150000"/>
+                        </a:lnSpc>
+                        <a:spcBef>
+                          <a:spcPts val="0"/>
+                        </a:spcBef>
+                        <a:spcAft>
+                          <a:spcPts val="0"/>
+                        </a:spcAft>
+                        <a:buFont typeface="+mj-lt"/>
+                        <a:buNone/>
+                      </a:pPr>
+                      <a:r>
+                        <a:rPr lang="en-US" sz="1200" b="0">
+                          <a:solidFill>
+                            <a:schemeClr val="tx1"/>
+                          </a:solidFill>
+                          <a:effectLst/>
+                        </a:rPr>
+                        <a:t>2.Hệ thống hiển thị danh sách bạn bè được kết bạn</a:t>
+                      </a:r>
+                      <a:endParaRPr lang="en-US" sz="1200" b="0">
+                        <a:solidFill>
+                          <a:schemeClr val="tx1"/>
+                        </a:solidFill>
+                        <a:effectLst/>
+                        <a:latin typeface="Times New Roman" panose="02020603050405020304" pitchFamily="18" charset="0"/>
+                        <a:ea typeface="Times New Roman" panose="02020603050405020304" pitchFamily="18" charset="0"/>
+                      </a:endParaRPr>
+                    </a:p>
+                  </a:txBody>
+                  <a:tcPr marL="26567" marR="26567" marT="0" marB="0" anchor="ctr">
+                    <a:lnL w="12700" cap="flat" cmpd="sng" algn="ctr">
+                      <a:solidFill>
+                        <a:schemeClr val="tx1"/>
+                      </a:solidFill>
+                      <a:prstDash val="solid"/>
+                      <a:round/>
+                      <a:headEnd type="none" w="med" len="med"/>
+                      <a:tailEnd type="none" w="med" len="med"/>
+                    </a:lnL>
+                    <a:lnR w="12700" cap="flat" cmpd="sng" algn="ctr">
+                      <a:solidFill>
+                        <a:schemeClr val="tx1"/>
+                      </a:solidFill>
+                      <a:prstDash val="solid"/>
+                      <a:round/>
+                      <a:headEnd type="none" w="med" len="med"/>
+                      <a:tailEnd type="none" w="med" len="med"/>
+                    </a:lnR>
+                    <a:lnT w="12700" cap="flat" cmpd="sng" algn="ctr">
+                      <a:solidFill>
+                        <a:schemeClr val="tx1"/>
+                      </a:solidFill>
+                      <a:prstDash val="solid"/>
+                      <a:round/>
+                      <a:headEnd type="none" w="med" len="med"/>
+                      <a:tailEnd type="none" w="med" len="med"/>
+                    </a:lnT>
+                    <a:lnB w="12700" cap="flat" cmpd="sng" algn="ctr">
+                      <a:solidFill>
+                        <a:schemeClr val="tx1"/>
+                      </a:solidFill>
+                      <a:prstDash val="solid"/>
+                      <a:round/>
+                      <a:headEnd type="none" w="med" len="med"/>
+                      <a:tailEnd type="none" w="med" len="med"/>
+                    </a:lnB>
+                    <a:lnTlToBr w="12700" cmpd="sng">
+                      <a:noFill/>
+                      <a:prstDash val="solid"/>
+                    </a:lnTlToBr>
+                    <a:lnBlToTr w="12700" cmpd="sng">
+                      <a:noFill/>
+                      <a:prstDash val="solid"/>
+                    </a:lnBlToTr>
+                    <a:solidFill>
+                      <a:schemeClr val="bg1"/>
+                    </a:solidFill>
+                  </a:tcPr>
+                </a:tc>
+                <a:extLst>
+                  <a:ext uri="{0D108BD9-81ED-4DB2-BD59-A6C34878D82A}">
+                    <a16:rowId xmlns:a16="http://schemas.microsoft.com/office/drawing/2014/main" val="63386319"/>
+                  </a:ext>
+                </a:extLst>
+              </a:tr>
+              <a:tr h="410117">
+                <a:tc>
+                  <a:txBody>
+                    <a:bodyPr/>
+                    <a:lstStyle/>
+                    <a:p>
+                      <a:pPr marL="0" marR="0" lvl="0" indent="0" algn="just">
+                        <a:lnSpc>
+                          <a:spcPct val="150000"/>
+                        </a:lnSpc>
+                        <a:spcBef>
+                          <a:spcPts val="0"/>
+                        </a:spcBef>
+                        <a:spcAft>
+                          <a:spcPts val="0"/>
+                        </a:spcAft>
+                        <a:buFont typeface="+mj-lt"/>
+                        <a:buNone/>
+                      </a:pPr>
+                      <a:r>
+                        <a:rPr lang="en-US" sz="1200" b="0">
+                          <a:solidFill>
+                            <a:schemeClr val="tx1"/>
+                          </a:solidFill>
+                          <a:effectLst/>
+                        </a:rPr>
+                        <a:t>3.Người dùng chọn chức năng thêm bạn bằng số điện thoại</a:t>
+                      </a:r>
+                      <a:endParaRPr lang="en-US" sz="1200" b="0">
+                        <a:solidFill>
+                          <a:schemeClr val="tx1"/>
+                        </a:solidFill>
+                        <a:effectLst/>
+                        <a:latin typeface="Times New Roman" panose="02020603050405020304" pitchFamily="18" charset="0"/>
+                        <a:ea typeface="Times New Roman" panose="02020603050405020304" pitchFamily="18" charset="0"/>
+                      </a:endParaRPr>
+                    </a:p>
+                  </a:txBody>
+                  <a:tcPr marL="26567" marR="26567" marT="0" marB="0" anchor="ctr">
+                    <a:lnL w="12700" cap="flat" cmpd="sng" algn="ctr">
+                      <a:solidFill>
+                        <a:schemeClr val="tx1"/>
+                      </a:solidFill>
+                      <a:prstDash val="solid"/>
+                      <a:round/>
+                      <a:headEnd type="none" w="med" len="med"/>
+                      <a:tailEnd type="none" w="med" len="med"/>
+                    </a:lnL>
+                    <a:lnR w="12700" cap="flat" cmpd="sng" algn="ctr">
+                      <a:solidFill>
+                        <a:schemeClr val="tx1"/>
+                      </a:solidFill>
+                      <a:prstDash val="solid"/>
+                      <a:round/>
+                      <a:headEnd type="none" w="med" len="med"/>
+                      <a:tailEnd type="none" w="med" len="med"/>
+                    </a:lnR>
+                    <a:lnT w="12700" cap="flat" cmpd="sng" algn="ctr">
+                      <a:solidFill>
+                        <a:schemeClr val="tx1"/>
+                      </a:solidFill>
+                      <a:prstDash val="solid"/>
+                      <a:round/>
+                      <a:headEnd type="none" w="med" len="med"/>
+                      <a:tailEnd type="none" w="med" len="med"/>
+                    </a:lnT>
+                    <a:lnB w="12700" cap="flat" cmpd="sng" algn="ctr">
+                      <a:solidFill>
+                        <a:schemeClr val="tx1"/>
+                      </a:solidFill>
+                      <a:prstDash val="solid"/>
+                      <a:round/>
+                      <a:headEnd type="none" w="med" len="med"/>
+                      <a:tailEnd type="none" w="med" len="med"/>
+                    </a:lnB>
+                    <a:lnTlToBr w="12700" cmpd="sng">
+                      <a:noFill/>
+                      <a:prstDash val="solid"/>
+                    </a:lnTlToBr>
+                    <a:lnBlToTr w="12700" cmpd="sng">
+                      <a:noFill/>
+                      <a:prstDash val="solid"/>
+                    </a:lnBlToTr>
+                    <a:solidFill>
+                      <a:schemeClr val="bg1"/>
+                    </a:solidFill>
+                  </a:tcPr>
+                </a:tc>
+                <a:tc>
+                  <a:txBody>
+                    <a:bodyPr/>
+                    <a:lstStyle/>
+                    <a:p>
+                      <a:pPr marL="0" marR="0" indent="0" algn="just">
+                        <a:lnSpc>
+                          <a:spcPct val="150000"/>
+                        </a:lnSpc>
+                        <a:spcBef>
+                          <a:spcPts val="0"/>
+                        </a:spcBef>
+                        <a:spcAft>
+                          <a:spcPts val="0"/>
+                        </a:spcAft>
+                      </a:pPr>
+                      <a:r>
+                        <a:rPr lang="en-US" sz="1200" b="0">
+                          <a:solidFill>
+                            <a:schemeClr val="tx1"/>
+                          </a:solidFill>
+                          <a:effectLst/>
+                        </a:rPr>
+                        <a:t> </a:t>
+                      </a:r>
+                      <a:endParaRPr lang="en-US" sz="1200" b="0">
+                        <a:solidFill>
+                          <a:schemeClr val="tx1"/>
+                        </a:solidFill>
+                        <a:effectLst/>
+                        <a:latin typeface="Times New Roman" panose="02020603050405020304" pitchFamily="18" charset="0"/>
+                        <a:ea typeface="Times New Roman" panose="02020603050405020304" pitchFamily="18" charset="0"/>
+                      </a:endParaRPr>
+                    </a:p>
+                  </a:txBody>
+                  <a:tcPr marL="26567" marR="26567" marT="0" marB="0" anchor="ctr">
+                    <a:lnL w="12700" cap="flat" cmpd="sng" algn="ctr">
+                      <a:solidFill>
+                        <a:schemeClr val="tx1"/>
+                      </a:solidFill>
+                      <a:prstDash val="solid"/>
+                      <a:round/>
+                      <a:headEnd type="none" w="med" len="med"/>
+                      <a:tailEnd type="none" w="med" len="med"/>
+                    </a:lnL>
+                    <a:lnR w="12700" cap="flat" cmpd="sng" algn="ctr">
+                      <a:solidFill>
+                        <a:schemeClr val="tx1"/>
+                      </a:solidFill>
+                      <a:prstDash val="solid"/>
+                      <a:round/>
+                      <a:headEnd type="none" w="med" len="med"/>
+                      <a:tailEnd type="none" w="med" len="med"/>
+                    </a:lnR>
+                    <a:lnT w="12700" cap="flat" cmpd="sng" algn="ctr">
+                      <a:solidFill>
+                        <a:schemeClr val="tx1"/>
+                      </a:solidFill>
+                      <a:prstDash val="solid"/>
+                      <a:round/>
+                      <a:headEnd type="none" w="med" len="med"/>
+                      <a:tailEnd type="none" w="med" len="med"/>
+                    </a:lnT>
+                    <a:lnB w="12700" cap="flat" cmpd="sng" algn="ctr">
+                      <a:solidFill>
+                        <a:schemeClr val="tx1"/>
+                      </a:solidFill>
+                      <a:prstDash val="solid"/>
+                      <a:round/>
+                      <a:headEnd type="none" w="med" len="med"/>
+                      <a:tailEnd type="none" w="med" len="med"/>
+                    </a:lnB>
+                    <a:lnTlToBr w="12700" cmpd="sng">
+                      <a:noFill/>
+                      <a:prstDash val="solid"/>
+                    </a:lnTlToBr>
+                    <a:lnBlToTr w="12700" cmpd="sng">
+                      <a:noFill/>
+                      <a:prstDash val="solid"/>
+                    </a:lnBlToTr>
+                    <a:solidFill>
+                      <a:schemeClr val="bg1"/>
+                    </a:solidFill>
+                  </a:tcPr>
+                </a:tc>
+                <a:extLst>
+                  <a:ext uri="{0D108BD9-81ED-4DB2-BD59-A6C34878D82A}">
+                    <a16:rowId xmlns:a16="http://schemas.microsoft.com/office/drawing/2014/main" val="539159060"/>
+                  </a:ext>
+                </a:extLst>
+              </a:tr>
+              <a:tr h="410117">
+                <a:tc>
+                  <a:txBody>
+                    <a:bodyPr/>
+                    <a:lstStyle/>
+                    <a:p>
+                      <a:pPr marL="0" marR="0" indent="0" algn="just">
+                        <a:lnSpc>
+                          <a:spcPct val="150000"/>
+                        </a:lnSpc>
+                        <a:spcBef>
+                          <a:spcPts val="0"/>
+                        </a:spcBef>
+                        <a:spcAft>
+                          <a:spcPts val="0"/>
+                        </a:spcAft>
+                      </a:pPr>
+                      <a:r>
+                        <a:rPr lang="en-US" sz="1200" b="0">
+                          <a:solidFill>
+                            <a:schemeClr val="tx1"/>
+                          </a:solidFill>
+                          <a:effectLst/>
+                        </a:rPr>
+                        <a:t> </a:t>
+                      </a:r>
+                      <a:endParaRPr lang="en-US" sz="1200" b="0">
+                        <a:solidFill>
+                          <a:schemeClr val="tx1"/>
+                        </a:solidFill>
+                        <a:effectLst/>
+                        <a:latin typeface="Times New Roman" panose="02020603050405020304" pitchFamily="18" charset="0"/>
+                        <a:ea typeface="Times New Roman" panose="02020603050405020304" pitchFamily="18" charset="0"/>
+                      </a:endParaRPr>
+                    </a:p>
+                  </a:txBody>
+                  <a:tcPr marL="26567" marR="26567" marT="0" marB="0" anchor="ctr">
+                    <a:lnL w="12700" cap="flat" cmpd="sng" algn="ctr">
+                      <a:solidFill>
+                        <a:schemeClr val="tx1"/>
+                      </a:solidFill>
+                      <a:prstDash val="solid"/>
+                      <a:round/>
+                      <a:headEnd type="none" w="med" len="med"/>
+                      <a:tailEnd type="none" w="med" len="med"/>
+                    </a:lnL>
+                    <a:lnR w="12700" cap="flat" cmpd="sng" algn="ctr">
+                      <a:solidFill>
+                        <a:schemeClr val="tx1"/>
+                      </a:solidFill>
+                      <a:prstDash val="solid"/>
+                      <a:round/>
+                      <a:headEnd type="none" w="med" len="med"/>
+                      <a:tailEnd type="none" w="med" len="med"/>
+                    </a:lnR>
+                    <a:lnT w="12700" cap="flat" cmpd="sng" algn="ctr">
+                      <a:solidFill>
+                        <a:schemeClr val="tx1"/>
+                      </a:solidFill>
+                      <a:prstDash val="solid"/>
+                      <a:round/>
+                      <a:headEnd type="none" w="med" len="med"/>
+                      <a:tailEnd type="none" w="med" len="med"/>
+                    </a:lnT>
+                    <a:lnB w="12700" cap="flat" cmpd="sng" algn="ctr">
+                      <a:solidFill>
+                        <a:schemeClr val="tx1"/>
+                      </a:solidFill>
+                      <a:prstDash val="solid"/>
+                      <a:round/>
+                      <a:headEnd type="none" w="med" len="med"/>
+                      <a:tailEnd type="none" w="med" len="med"/>
+                    </a:lnB>
+                    <a:lnTlToBr w="12700" cmpd="sng">
+                      <a:noFill/>
+                      <a:prstDash val="solid"/>
+                    </a:lnTlToBr>
+                    <a:lnBlToTr w="12700" cmpd="sng">
+                      <a:noFill/>
+                      <a:prstDash val="solid"/>
+                    </a:lnBlToTr>
+                    <a:solidFill>
+                      <a:schemeClr val="bg1"/>
+                    </a:solidFill>
+                  </a:tcPr>
+                </a:tc>
+                <a:tc>
+                  <a:txBody>
+                    <a:bodyPr/>
+                    <a:lstStyle/>
+                    <a:p>
+                      <a:pPr marL="0" marR="0" lvl="0" indent="0" algn="just">
+                        <a:lnSpc>
+                          <a:spcPct val="150000"/>
+                        </a:lnSpc>
+                        <a:spcBef>
+                          <a:spcPts val="0"/>
+                        </a:spcBef>
+                        <a:spcAft>
+                          <a:spcPts val="0"/>
+                        </a:spcAft>
+                        <a:buFont typeface="+mj-lt"/>
+                        <a:buNone/>
+                      </a:pPr>
+                      <a:r>
+                        <a:rPr lang="en-US" sz="1200" b="0">
+                          <a:solidFill>
+                            <a:schemeClr val="tx1"/>
+                          </a:solidFill>
+                          <a:effectLst/>
+                        </a:rPr>
+                        <a:t>4.Hệ thống hiển thị form nhập số điện thoại để kết bạn </a:t>
+                      </a:r>
+                      <a:endParaRPr lang="en-US" sz="1200" b="0">
+                        <a:solidFill>
+                          <a:schemeClr val="tx1"/>
+                        </a:solidFill>
+                        <a:effectLst/>
+                        <a:latin typeface="Times New Roman" panose="02020603050405020304" pitchFamily="18" charset="0"/>
+                        <a:ea typeface="Times New Roman" panose="02020603050405020304" pitchFamily="18" charset="0"/>
+                      </a:endParaRPr>
+                    </a:p>
+                  </a:txBody>
+                  <a:tcPr marL="26567" marR="26567" marT="0" marB="0" anchor="ctr">
+                    <a:lnL w="12700" cap="flat" cmpd="sng" algn="ctr">
+                      <a:solidFill>
+                        <a:schemeClr val="tx1"/>
+                      </a:solidFill>
+                      <a:prstDash val="solid"/>
+                      <a:round/>
+                      <a:headEnd type="none" w="med" len="med"/>
+                      <a:tailEnd type="none" w="med" len="med"/>
+                    </a:lnL>
+                    <a:lnR w="12700" cap="flat" cmpd="sng" algn="ctr">
+                      <a:solidFill>
+                        <a:schemeClr val="tx1"/>
+                      </a:solidFill>
+                      <a:prstDash val="solid"/>
+                      <a:round/>
+                      <a:headEnd type="none" w="med" len="med"/>
+                      <a:tailEnd type="none" w="med" len="med"/>
+                    </a:lnR>
+                    <a:lnT w="12700" cap="flat" cmpd="sng" algn="ctr">
+                      <a:solidFill>
+                        <a:schemeClr val="tx1"/>
+                      </a:solidFill>
+                      <a:prstDash val="solid"/>
+                      <a:round/>
+                      <a:headEnd type="none" w="med" len="med"/>
+                      <a:tailEnd type="none" w="med" len="med"/>
+                    </a:lnT>
+                    <a:lnB w="12700" cap="flat" cmpd="sng" algn="ctr">
+                      <a:solidFill>
+                        <a:schemeClr val="tx1"/>
+                      </a:solidFill>
+                      <a:prstDash val="solid"/>
+                      <a:round/>
+                      <a:headEnd type="none" w="med" len="med"/>
+                      <a:tailEnd type="none" w="med" len="med"/>
+                    </a:lnB>
+                    <a:lnTlToBr w="12700" cmpd="sng">
+                      <a:noFill/>
+                      <a:prstDash val="solid"/>
+                    </a:lnTlToBr>
+                    <a:lnBlToTr w="12700" cmpd="sng">
+                      <a:noFill/>
+                      <a:prstDash val="solid"/>
+                    </a:lnBlToTr>
+                    <a:solidFill>
+                      <a:schemeClr val="bg1"/>
+                    </a:solidFill>
+                  </a:tcPr>
+                </a:tc>
+                <a:extLst>
+                  <a:ext uri="{0D108BD9-81ED-4DB2-BD59-A6C34878D82A}">
+                    <a16:rowId xmlns:a16="http://schemas.microsoft.com/office/drawing/2014/main" val="3235994394"/>
+                  </a:ext>
+                </a:extLst>
+              </a:tr>
+              <a:tr h="191985">
+                <a:tc>
+                  <a:txBody>
+                    <a:bodyPr/>
+                    <a:lstStyle/>
+                    <a:p>
+                      <a:pPr marL="0" marR="0" lvl="0" indent="0" algn="just">
+                        <a:lnSpc>
+                          <a:spcPct val="150000"/>
+                        </a:lnSpc>
+                        <a:spcBef>
+                          <a:spcPts val="0"/>
+                        </a:spcBef>
+                        <a:spcAft>
+                          <a:spcPts val="0"/>
+                        </a:spcAft>
+                        <a:buFont typeface="+mj-lt"/>
+                        <a:buNone/>
+                      </a:pPr>
+                      <a:r>
+                        <a:rPr lang="en-US" sz="1200" b="0">
+                          <a:solidFill>
+                            <a:schemeClr val="tx1"/>
+                          </a:solidFill>
+                          <a:effectLst/>
+                        </a:rPr>
+                        <a:t>5.Người dùng nhập số điện thoại </a:t>
+                      </a:r>
+                      <a:endParaRPr lang="en-US" sz="1200" b="0">
+                        <a:solidFill>
+                          <a:schemeClr val="tx1"/>
+                        </a:solidFill>
+                        <a:effectLst/>
+                        <a:latin typeface="Times New Roman" panose="02020603050405020304" pitchFamily="18" charset="0"/>
+                        <a:ea typeface="Times New Roman" panose="02020603050405020304" pitchFamily="18" charset="0"/>
+                      </a:endParaRPr>
+                    </a:p>
+                  </a:txBody>
+                  <a:tcPr marL="26567" marR="26567" marT="0" marB="0" anchor="ctr">
+                    <a:lnL w="12700" cap="flat" cmpd="sng" algn="ctr">
+                      <a:solidFill>
+                        <a:schemeClr val="tx1"/>
+                      </a:solidFill>
+                      <a:prstDash val="solid"/>
+                      <a:round/>
+                      <a:headEnd type="none" w="med" len="med"/>
+                      <a:tailEnd type="none" w="med" len="med"/>
+                    </a:lnL>
+                    <a:lnR w="12700" cap="flat" cmpd="sng" algn="ctr">
+                      <a:solidFill>
+                        <a:schemeClr val="tx1"/>
+                      </a:solidFill>
+                      <a:prstDash val="solid"/>
+                      <a:round/>
+                      <a:headEnd type="none" w="med" len="med"/>
+                      <a:tailEnd type="none" w="med" len="med"/>
+                    </a:lnR>
+                    <a:lnT w="12700" cap="flat" cmpd="sng" algn="ctr">
+                      <a:solidFill>
+                        <a:schemeClr val="tx1"/>
+                      </a:solidFill>
+                      <a:prstDash val="solid"/>
+                      <a:round/>
+                      <a:headEnd type="none" w="med" len="med"/>
+                      <a:tailEnd type="none" w="med" len="med"/>
+                    </a:lnT>
+                    <a:lnB w="12700" cap="flat" cmpd="sng" algn="ctr">
+                      <a:solidFill>
+                        <a:schemeClr val="tx1"/>
+                      </a:solidFill>
+                      <a:prstDash val="solid"/>
+                      <a:round/>
+                      <a:headEnd type="none" w="med" len="med"/>
+                      <a:tailEnd type="none" w="med" len="med"/>
+                    </a:lnB>
+                    <a:lnTlToBr w="12700" cmpd="sng">
+                      <a:noFill/>
+                      <a:prstDash val="solid"/>
+                    </a:lnTlToBr>
+                    <a:lnBlToTr w="12700" cmpd="sng">
+                      <a:noFill/>
+                      <a:prstDash val="solid"/>
+                    </a:lnBlToTr>
+                    <a:solidFill>
+                      <a:schemeClr val="bg1"/>
+                    </a:solidFill>
+                  </a:tcPr>
+                </a:tc>
+                <a:tc>
+                  <a:txBody>
+                    <a:bodyPr/>
+                    <a:lstStyle/>
+                    <a:p>
+                      <a:pPr marL="0" marR="0" indent="0" algn="just">
+                        <a:lnSpc>
+                          <a:spcPct val="150000"/>
+                        </a:lnSpc>
+                        <a:spcBef>
+                          <a:spcPts val="0"/>
+                        </a:spcBef>
+                        <a:spcAft>
+                          <a:spcPts val="0"/>
+                        </a:spcAft>
+                      </a:pPr>
+                      <a:r>
+                        <a:rPr lang="en-US" sz="1200" b="0">
+                          <a:solidFill>
+                            <a:schemeClr val="tx1"/>
+                          </a:solidFill>
+                          <a:effectLst/>
+                        </a:rPr>
+                        <a:t> </a:t>
+                      </a:r>
+                      <a:endParaRPr lang="en-US" sz="1200" b="0">
+                        <a:solidFill>
+                          <a:schemeClr val="tx1"/>
+                        </a:solidFill>
+                        <a:effectLst/>
+                        <a:latin typeface="Times New Roman" panose="02020603050405020304" pitchFamily="18" charset="0"/>
+                        <a:ea typeface="Times New Roman" panose="02020603050405020304" pitchFamily="18" charset="0"/>
+                      </a:endParaRPr>
+                    </a:p>
+                  </a:txBody>
+                  <a:tcPr marL="26567" marR="26567" marT="0" marB="0" anchor="ctr">
+                    <a:lnL w="12700" cap="flat" cmpd="sng" algn="ctr">
+                      <a:solidFill>
+                        <a:schemeClr val="tx1"/>
+                      </a:solidFill>
+                      <a:prstDash val="solid"/>
+                      <a:round/>
+                      <a:headEnd type="none" w="med" len="med"/>
+                      <a:tailEnd type="none" w="med" len="med"/>
+                    </a:lnL>
+                    <a:lnR w="12700" cap="flat" cmpd="sng" algn="ctr">
+                      <a:solidFill>
+                        <a:schemeClr val="tx1"/>
+                      </a:solidFill>
+                      <a:prstDash val="solid"/>
+                      <a:round/>
+                      <a:headEnd type="none" w="med" len="med"/>
+                      <a:tailEnd type="none" w="med" len="med"/>
+                    </a:lnR>
+                    <a:lnT w="12700" cap="flat" cmpd="sng" algn="ctr">
+                      <a:solidFill>
+                        <a:schemeClr val="tx1"/>
+                      </a:solidFill>
+                      <a:prstDash val="solid"/>
+                      <a:round/>
+                      <a:headEnd type="none" w="med" len="med"/>
+                      <a:tailEnd type="none" w="med" len="med"/>
+                    </a:lnT>
+                    <a:lnB w="12700" cap="flat" cmpd="sng" algn="ctr">
+                      <a:solidFill>
+                        <a:schemeClr val="tx1"/>
+                      </a:solidFill>
+                      <a:prstDash val="solid"/>
+                      <a:round/>
+                      <a:headEnd type="none" w="med" len="med"/>
+                      <a:tailEnd type="none" w="med" len="med"/>
+                    </a:lnB>
+                    <a:lnTlToBr w="12700" cmpd="sng">
+                      <a:noFill/>
+                      <a:prstDash val="solid"/>
+                    </a:lnTlToBr>
+                    <a:lnBlToTr w="12700" cmpd="sng">
+                      <a:noFill/>
+                      <a:prstDash val="solid"/>
+                    </a:lnBlToTr>
+                    <a:solidFill>
+                      <a:schemeClr val="bg1"/>
+                    </a:solidFill>
+                  </a:tcPr>
+                </a:tc>
+                <a:extLst>
+                  <a:ext uri="{0D108BD9-81ED-4DB2-BD59-A6C34878D82A}">
+                    <a16:rowId xmlns:a16="http://schemas.microsoft.com/office/drawing/2014/main" val="3943188045"/>
+                  </a:ext>
+                </a:extLst>
+              </a:tr>
+            </a:tbl>
+          </a:graphicData>
+        </a:graphic>
+      </p:graphicFrame>
+    </p:spTree>
+    <p:extLst>
+      <p:ext uri="{BB962C8B-B14F-4D97-AF65-F5344CB8AC3E}">
+        <p14:creationId xmlns:p14="http://schemas.microsoft.com/office/powerpoint/2010/main" val="2497981720"/>
+      </p:ext>
+    </p:extLst>
+  </p:cSld>
+  <p:clrMapOvr>
+    <a:masterClrMapping/>
+  </p:clrMapOvr>
+</p:sld>
+</file>
+
+<file path=ppt/slides/slide14.xml><?xml version="1.0" encoding="utf-8"?>
+<p:sld xmlns:a="http://schemas.openxmlformats.org/drawingml/2006/main" xmlns:r="http://schemas.openxmlformats.org/officeDocument/2006/relationships" xmlns:p="http://schemas.openxmlformats.org/presentationml/2006/main">
+  <p:cSld>
+    <p:spTree>
+      <p:nvGrpSpPr>
+        <p:cNvPr id="1" name=""/>
+        <p:cNvGrpSpPr/>
+        <p:nvPr/>
+      </p:nvGrpSpPr>
+      <p:grpSpPr>
+        <a:xfrm>
+          <a:off x="0" y="0"/>
+          <a:ext cx="0" cy="0"/>
+          <a:chOff x="0" y="0"/>
+          <a:chExt cx="0" cy="0"/>
+        </a:xfrm>
+      </p:grpSpPr>
+      <p:sp>
+        <p:nvSpPr>
+          <p:cNvPr id="2" name="Google Shape;291;p16">
+            <a:extLst>
+              <a:ext uri="{FF2B5EF4-FFF2-40B4-BE49-F238E27FC236}">
+                <a16:creationId xmlns:a16="http://schemas.microsoft.com/office/drawing/2014/main" id="{5E3B62C7-8BE8-40FE-9618-F225098F31D2}"/>
+              </a:ext>
+            </a:extLst>
+          </p:cNvPr>
+          <p:cNvSpPr/>
+          <p:nvPr/>
+        </p:nvSpPr>
+        <p:spPr>
+          <a:xfrm>
+            <a:off x="11115952" y="-476310"/>
+            <a:ext cx="609600" cy="1143000"/>
+          </a:xfrm>
+          <a:prstGeom prst="roundRect">
+            <a:avLst>
+              <a:gd name="adj" fmla="val 16667"/>
+            </a:avLst>
+          </a:prstGeom>
+          <a:solidFill>
+            <a:schemeClr val="accent3"/>
+          </a:solidFill>
+          <a:ln w="25400" cap="flat" cmpd="sng">
+            <a:solidFill>
+              <a:srgbClr val="05759E"/>
+            </a:solidFill>
+            <a:prstDash val="solid"/>
+            <a:round/>
+            <a:headEnd type="none" w="sm" len="sm"/>
+            <a:tailEnd type="none" w="sm" len="sm"/>
+          </a:ln>
+        </p:spPr>
+        <p:txBody>
+          <a:bodyPr spcFirstLastPara="1" wrap="square" lIns="91425" tIns="45700" rIns="91425" bIns="45700" anchor="ctr" anchorCtr="0">
+            <a:noAutofit/>
+          </a:bodyPr>
+          <a:lstStyle/>
+          <a:p>
+            <a:pPr marL="0" marR="0" lvl="0" indent="0" algn="ctr" rtl="0">
+              <a:lnSpc>
+                <a:spcPct val="100000"/>
+              </a:lnSpc>
+              <a:spcBef>
+                <a:spcPts val="0"/>
+              </a:spcBef>
+              <a:spcAft>
+                <a:spcPts val="0"/>
+              </a:spcAft>
+              <a:buClr>
+                <a:srgbClr val="000000"/>
+              </a:buClr>
+              <a:buSzPts val="1800"/>
+              <a:buFont typeface="Arial"/>
+              <a:buNone/>
+            </a:pPr>
+            <a:endParaRPr sz="1800" b="0" i="0" u="none" strike="noStrike" cap="none">
+              <a:solidFill>
+                <a:schemeClr val="lt1"/>
+              </a:solidFill>
+              <a:latin typeface="Libre Franklin Thin"/>
+              <a:ea typeface="Libre Franklin Thin"/>
+              <a:cs typeface="Libre Franklin Thin"/>
+              <a:sym typeface="Libre Franklin Thin"/>
+            </a:endParaRPr>
+          </a:p>
+        </p:txBody>
+      </p:sp>
+      <p:sp>
+        <p:nvSpPr>
+          <p:cNvPr id="3" name="Google Shape;292;p16">
+            <a:extLst>
+              <a:ext uri="{FF2B5EF4-FFF2-40B4-BE49-F238E27FC236}">
+                <a16:creationId xmlns:a16="http://schemas.microsoft.com/office/drawing/2014/main" id="{7D6735B0-C281-43BA-BDDC-812E034F472C}"/>
+              </a:ext>
+            </a:extLst>
+          </p:cNvPr>
+          <p:cNvSpPr txBox="1"/>
+          <p:nvPr/>
+        </p:nvSpPr>
+        <p:spPr>
+          <a:xfrm>
+            <a:off x="382180" y="666690"/>
+            <a:ext cx="5397366" cy="400069"/>
+          </a:xfrm>
+          <a:prstGeom prst="rect">
+            <a:avLst/>
+          </a:prstGeom>
+          <a:noFill/>
+          <a:ln>
+            <a:noFill/>
+          </a:ln>
+        </p:spPr>
+        <p:txBody>
+          <a:bodyPr spcFirstLastPara="1" wrap="square" lIns="91425" tIns="45700" rIns="91425" bIns="45700" anchor="t" anchorCtr="0">
+            <a:spAutoFit/>
+          </a:bodyPr>
+          <a:lstStyle/>
+          <a:p>
+            <a:pPr marL="342900" marR="0" lvl="0" indent="-342900" algn="l" rtl="0">
+              <a:lnSpc>
+                <a:spcPct val="100000"/>
+              </a:lnSpc>
+              <a:spcBef>
+                <a:spcPts val="0"/>
+              </a:spcBef>
+              <a:spcAft>
+                <a:spcPts val="0"/>
+              </a:spcAft>
+              <a:buClr>
+                <a:srgbClr val="03506C"/>
+              </a:buClr>
+              <a:buSzPts val="2000"/>
+              <a:buFont typeface="Noto Sans Symbols"/>
+              <a:buChar char="❖"/>
+            </a:pPr>
+            <a:r>
+              <a:rPr lang="en-US" sz="2000" b="1" i="0" u="sng" strike="noStrike" cap="none" dirty="0" err="1">
+                <a:solidFill>
+                  <a:srgbClr val="03506C"/>
+                </a:solidFill>
+                <a:latin typeface="Arial"/>
+                <a:ea typeface="Arial"/>
+                <a:cs typeface="Arial"/>
+                <a:sym typeface="Arial"/>
+              </a:rPr>
+              <a:t>Mô</a:t>
+            </a:r>
+            <a:r>
+              <a:rPr lang="en-US" sz="2000" b="1" i="0" u="sng" strike="noStrike" cap="none" dirty="0">
+                <a:solidFill>
+                  <a:srgbClr val="03506C"/>
+                </a:solidFill>
+                <a:latin typeface="Arial"/>
+                <a:ea typeface="Arial"/>
+                <a:cs typeface="Arial"/>
+                <a:sym typeface="Arial"/>
+              </a:rPr>
+              <a:t> </a:t>
+            </a:r>
+            <a:r>
+              <a:rPr lang="en-US" sz="2000" b="1" i="0" u="sng" strike="noStrike" cap="none" dirty="0" err="1">
+                <a:solidFill>
+                  <a:srgbClr val="03506C"/>
+                </a:solidFill>
+                <a:latin typeface="Arial"/>
+                <a:ea typeface="Arial"/>
+                <a:cs typeface="Arial"/>
+                <a:sym typeface="Arial"/>
+              </a:rPr>
+              <a:t>tả</a:t>
+            </a:r>
+            <a:r>
+              <a:rPr lang="en-US" sz="2000" b="1" i="0" u="sng" strike="noStrike" cap="none" dirty="0">
+                <a:solidFill>
+                  <a:srgbClr val="03506C"/>
+                </a:solidFill>
+                <a:latin typeface="Arial"/>
+                <a:ea typeface="Arial"/>
+                <a:cs typeface="Arial"/>
+                <a:sym typeface="Arial"/>
+              </a:rPr>
+              <a:t> USECASE – CHỨC NĂNG CHÍNH</a:t>
+            </a:r>
+            <a:endParaRPr sz="2000" b="1" i="0" u="sng" strike="noStrike" cap="none" dirty="0">
+              <a:solidFill>
+                <a:srgbClr val="03506C"/>
+              </a:solidFill>
+              <a:latin typeface="Arial"/>
+              <a:ea typeface="Arial"/>
+              <a:cs typeface="Arial"/>
+              <a:sym typeface="Arial"/>
+            </a:endParaRPr>
+          </a:p>
+        </p:txBody>
+      </p:sp>
+      <p:sp>
+        <p:nvSpPr>
+          <p:cNvPr id="5" name="Google Shape;294;p16">
+            <a:extLst>
+              <a:ext uri="{FF2B5EF4-FFF2-40B4-BE49-F238E27FC236}">
+                <a16:creationId xmlns:a16="http://schemas.microsoft.com/office/drawing/2014/main" id="{9B5F5A40-0221-4026-9C46-24836F9C274F}"/>
+              </a:ext>
+            </a:extLst>
+          </p:cNvPr>
+          <p:cNvSpPr txBox="1"/>
+          <p:nvPr/>
+        </p:nvSpPr>
+        <p:spPr>
+          <a:xfrm>
+            <a:off x="5288056" y="6396335"/>
+            <a:ext cx="1562100" cy="461665"/>
+          </a:xfrm>
+          <a:prstGeom prst="rect">
+            <a:avLst/>
+          </a:prstGeom>
+          <a:noFill/>
+          <a:ln>
+            <a:noFill/>
+          </a:ln>
+        </p:spPr>
+        <p:txBody>
+          <a:bodyPr spcFirstLastPara="1" wrap="square" lIns="91425" tIns="45700" rIns="91425" bIns="45700" anchor="t" anchorCtr="0">
+            <a:spAutoFit/>
+          </a:bodyPr>
+          <a:lstStyle/>
+          <a:p>
+            <a:pPr marL="0" marR="0" lvl="0" indent="0" algn="l" rtl="0">
+              <a:lnSpc>
+                <a:spcPct val="100000"/>
+              </a:lnSpc>
+              <a:spcBef>
+                <a:spcPts val="0"/>
+              </a:spcBef>
+              <a:spcAft>
+                <a:spcPts val="0"/>
+              </a:spcAft>
+              <a:buNone/>
+            </a:pPr>
+            <a:r>
+              <a:rPr lang="en-US" sz="2400" b="1" i="0" u="none" strike="noStrike" cap="none" dirty="0">
+                <a:solidFill>
+                  <a:schemeClr val="lt1"/>
+                </a:solidFill>
+                <a:latin typeface="Arial"/>
+                <a:ea typeface="Arial"/>
+                <a:cs typeface="Arial"/>
+                <a:sym typeface="Arial"/>
+              </a:rPr>
+              <a:t>NHÓM 6</a:t>
+            </a:r>
+            <a:endParaRPr sz="2400" b="1" i="0" u="none" strike="noStrike" cap="none" dirty="0">
+              <a:solidFill>
+                <a:schemeClr val="lt1"/>
+              </a:solidFill>
+              <a:latin typeface="Arial"/>
+              <a:ea typeface="Arial"/>
+              <a:cs typeface="Arial"/>
+              <a:sym typeface="Arial"/>
+            </a:endParaRPr>
+          </a:p>
+        </p:txBody>
+      </p:sp>
+      <p:sp>
+        <p:nvSpPr>
+          <p:cNvPr id="6" name="Google Shape;295;p16">
+            <a:extLst>
+              <a:ext uri="{FF2B5EF4-FFF2-40B4-BE49-F238E27FC236}">
+                <a16:creationId xmlns:a16="http://schemas.microsoft.com/office/drawing/2014/main" id="{63A9AA41-ED3F-4103-A816-F3B5C65ECC7A}"/>
+              </a:ext>
+            </a:extLst>
+          </p:cNvPr>
+          <p:cNvSpPr txBox="1"/>
+          <p:nvPr/>
+        </p:nvSpPr>
+        <p:spPr>
+          <a:xfrm>
+            <a:off x="9367362" y="57090"/>
+            <a:ext cx="1824789" cy="571500"/>
+          </a:xfrm>
+          <a:prstGeom prst="rect">
+            <a:avLst/>
+          </a:prstGeom>
+          <a:noFill/>
+          <a:ln>
+            <a:noFill/>
+          </a:ln>
+        </p:spPr>
+        <p:txBody>
+          <a:bodyPr spcFirstLastPara="1" wrap="square" lIns="91425" tIns="45700" rIns="91425" bIns="45700" anchor="ctr" anchorCtr="0">
+            <a:noAutofit/>
+          </a:bodyPr>
+          <a:lstStyle/>
+          <a:p>
+            <a:pPr marL="0" marR="0" lvl="0" indent="0" algn="l" rtl="0">
+              <a:lnSpc>
+                <a:spcPct val="100000"/>
+              </a:lnSpc>
+              <a:spcBef>
+                <a:spcPts val="0"/>
+              </a:spcBef>
+              <a:spcAft>
+                <a:spcPts val="0"/>
+              </a:spcAft>
+              <a:buClr>
+                <a:srgbClr val="0578A2"/>
+              </a:buClr>
+              <a:buSzPts val="2400"/>
+              <a:buFont typeface="Arial"/>
+              <a:buNone/>
+            </a:pPr>
+            <a:r>
+              <a:rPr lang="en-US" sz="2400" b="1" i="0" u="none" strike="noStrike" cap="none">
+                <a:solidFill>
+                  <a:srgbClr val="0578A2"/>
+                </a:solidFill>
+                <a:latin typeface="Arial"/>
+                <a:ea typeface="Arial"/>
+                <a:cs typeface="Arial"/>
+                <a:sym typeface="Arial"/>
+              </a:rPr>
+              <a:t>THIẾT KẾ</a:t>
+            </a:r>
+            <a:endParaRPr sz="2400" b="1" i="0" u="none" strike="noStrike" cap="none">
+              <a:solidFill>
+                <a:srgbClr val="0578A2"/>
+              </a:solidFill>
+              <a:latin typeface="Arial"/>
+              <a:ea typeface="Arial"/>
+              <a:cs typeface="Arial"/>
+              <a:sym typeface="Arial"/>
+            </a:endParaRPr>
+          </a:p>
+        </p:txBody>
+      </p:sp>
+      <p:sp>
+        <p:nvSpPr>
+          <p:cNvPr id="9" name="TextBox 8">
+            <a:extLst>
+              <a:ext uri="{FF2B5EF4-FFF2-40B4-BE49-F238E27FC236}">
+                <a16:creationId xmlns:a16="http://schemas.microsoft.com/office/drawing/2014/main" id="{C107BDAB-A280-4652-8541-C45D0672AFD8}"/>
+              </a:ext>
+            </a:extLst>
+          </p:cNvPr>
+          <p:cNvSpPr txBox="1"/>
+          <p:nvPr/>
+        </p:nvSpPr>
+        <p:spPr>
+          <a:xfrm>
+            <a:off x="851647" y="1242996"/>
+            <a:ext cx="6096000" cy="463397"/>
+          </a:xfrm>
+          <a:prstGeom prst="rect">
+            <a:avLst/>
+          </a:prstGeom>
+          <a:noFill/>
+        </p:spPr>
+        <p:txBody>
+          <a:bodyPr wrap="square">
+            <a:spAutoFit/>
+          </a:bodyPr>
+          <a:lstStyle/>
+          <a:p>
+            <a:pPr marL="0" marR="0" indent="0" algn="just">
+              <a:lnSpc>
+                <a:spcPct val="150000"/>
+              </a:lnSpc>
+              <a:spcBef>
+                <a:spcPts val="0"/>
+              </a:spcBef>
+              <a:spcAft>
+                <a:spcPts val="0"/>
+              </a:spcAft>
+            </a:pPr>
+            <a:r>
+              <a:rPr lang="en-US" sz="1800">
+                <a:solidFill>
+                  <a:schemeClr val="tx1"/>
+                </a:solidFill>
+                <a:effectLst/>
+              </a:rPr>
+              <a:t>Usecase: Kết Bạn</a:t>
+            </a:r>
+            <a:endParaRPr lang="en-US" sz="1800">
+              <a:solidFill>
+                <a:schemeClr val="tx1"/>
+              </a:solidFill>
+              <a:effectLst/>
+              <a:latin typeface="Times New Roman" panose="02020603050405020304" pitchFamily="18" charset="0"/>
+              <a:ea typeface="Times New Roman" panose="02020603050405020304" pitchFamily="18" charset="0"/>
+            </a:endParaRPr>
+          </a:p>
+        </p:txBody>
+      </p:sp>
+      <p:graphicFrame>
+        <p:nvGraphicFramePr>
+          <p:cNvPr id="4" name="Table 3">
+            <a:extLst>
+              <a:ext uri="{FF2B5EF4-FFF2-40B4-BE49-F238E27FC236}">
+                <a16:creationId xmlns:a16="http://schemas.microsoft.com/office/drawing/2014/main" id="{22991971-70B2-4F8E-9B3A-6096577CC373}"/>
+              </a:ext>
+            </a:extLst>
+          </p:cNvPr>
+          <p:cNvGraphicFramePr>
+            <a:graphicFrameLocks noGrp="1"/>
+          </p:cNvGraphicFramePr>
+          <p:nvPr>
+            <p:extLst>
+              <p:ext uri="{D42A27DB-BD31-4B8C-83A1-F6EECF244321}">
+                <p14:modId xmlns:p14="http://schemas.microsoft.com/office/powerpoint/2010/main" val="66218957"/>
+              </p:ext>
+            </p:extLst>
+          </p:nvPr>
+        </p:nvGraphicFramePr>
+        <p:xfrm>
+          <a:off x="851646" y="1846264"/>
+          <a:ext cx="10873906" cy="4125677"/>
+        </p:xfrm>
+        <a:graphic>
+          <a:graphicData uri="http://schemas.openxmlformats.org/drawingml/2006/table">
+            <a:tbl>
+              <a:tblPr firstRow="1" firstCol="1" bandRow="1">
+                <a:tableStyleId>{5C22544A-7EE6-4342-B048-85BDC9FD1C3A}</a:tableStyleId>
+              </a:tblPr>
+              <a:tblGrid>
+                <a:gridCol w="5436953">
+                  <a:extLst>
+                    <a:ext uri="{9D8B030D-6E8A-4147-A177-3AD203B41FA5}">
+                      <a16:colId xmlns:a16="http://schemas.microsoft.com/office/drawing/2014/main" val="3961997839"/>
+                    </a:ext>
+                  </a:extLst>
+                </a:gridCol>
+                <a:gridCol w="5436953">
+                  <a:extLst>
+                    <a:ext uri="{9D8B030D-6E8A-4147-A177-3AD203B41FA5}">
+                      <a16:colId xmlns:a16="http://schemas.microsoft.com/office/drawing/2014/main" val="3482509705"/>
+                    </a:ext>
+                  </a:extLst>
+                </a:gridCol>
+              </a:tblGrid>
+              <a:tr h="210729">
+                <a:tc>
+                  <a:txBody>
+                    <a:bodyPr/>
+                    <a:lstStyle/>
+                    <a:p>
+                      <a:pPr marL="0" marR="0" lvl="0" indent="0" algn="just">
+                        <a:lnSpc>
+                          <a:spcPct val="150000"/>
+                        </a:lnSpc>
+                        <a:spcBef>
+                          <a:spcPts val="0"/>
+                        </a:spcBef>
+                        <a:spcAft>
+                          <a:spcPts val="0"/>
+                        </a:spcAft>
+                        <a:buFont typeface="+mj-lt"/>
+                        <a:buNone/>
+                      </a:pPr>
+                      <a:r>
+                        <a:rPr lang="en-US" sz="1200" b="0">
+                          <a:solidFill>
+                            <a:schemeClr val="tx1"/>
+                          </a:solidFill>
+                          <a:effectLst/>
+                        </a:rPr>
+                        <a:t>6.Người dùng ấn tìm kiếm. </a:t>
+                      </a:r>
+                      <a:endParaRPr lang="en-US" sz="1200" b="0">
+                        <a:solidFill>
+                          <a:schemeClr val="tx1"/>
+                        </a:solidFill>
+                        <a:effectLst/>
+                        <a:latin typeface="Times New Roman" panose="02020603050405020304" pitchFamily="18" charset="0"/>
+                        <a:ea typeface="Times New Roman" panose="02020603050405020304" pitchFamily="18" charset="0"/>
+                      </a:endParaRPr>
+                    </a:p>
+                  </a:txBody>
+                  <a:tcPr marL="29161" marR="29161" marT="0" marB="0" anchor="ctr">
+                    <a:lnL w="12700" cap="flat" cmpd="sng" algn="ctr">
+                      <a:solidFill>
+                        <a:schemeClr val="tx1"/>
+                      </a:solidFill>
+                      <a:prstDash val="solid"/>
+                      <a:round/>
+                      <a:headEnd type="none" w="med" len="med"/>
+                      <a:tailEnd type="none" w="med" len="med"/>
+                    </a:lnL>
+                    <a:lnR w="12700" cap="flat" cmpd="sng" algn="ctr">
+                      <a:solidFill>
+                        <a:schemeClr val="tx1"/>
+                      </a:solidFill>
+                      <a:prstDash val="solid"/>
+                      <a:round/>
+                      <a:headEnd type="none" w="med" len="med"/>
+                      <a:tailEnd type="none" w="med" len="med"/>
+                    </a:lnR>
+                    <a:lnT w="12700" cap="flat" cmpd="sng" algn="ctr">
+                      <a:solidFill>
+                        <a:schemeClr val="tx1"/>
+                      </a:solidFill>
+                      <a:prstDash val="solid"/>
+                      <a:round/>
+                      <a:headEnd type="none" w="med" len="med"/>
+                      <a:tailEnd type="none" w="med" len="med"/>
+                    </a:lnT>
+                    <a:lnB w="12700" cap="flat" cmpd="sng" algn="ctr">
+                      <a:solidFill>
+                        <a:schemeClr val="tx1"/>
+                      </a:solidFill>
+                      <a:prstDash val="solid"/>
+                      <a:round/>
+                      <a:headEnd type="none" w="med" len="med"/>
+                      <a:tailEnd type="none" w="med" len="med"/>
+                    </a:lnB>
+                    <a:solidFill>
+                      <a:schemeClr val="bg1"/>
+                    </a:solidFill>
+                  </a:tcPr>
+                </a:tc>
+                <a:tc>
+                  <a:txBody>
+                    <a:bodyPr/>
+                    <a:lstStyle/>
+                    <a:p>
+                      <a:pPr marL="0" marR="0" indent="0" algn="just">
+                        <a:lnSpc>
+                          <a:spcPct val="150000"/>
+                        </a:lnSpc>
+                        <a:spcBef>
+                          <a:spcPts val="0"/>
+                        </a:spcBef>
+                        <a:spcAft>
+                          <a:spcPts val="0"/>
+                        </a:spcAft>
+                      </a:pPr>
+                      <a:r>
+                        <a:rPr lang="en-US" sz="1200" b="0">
+                          <a:solidFill>
+                            <a:schemeClr val="tx1"/>
+                          </a:solidFill>
+                          <a:effectLst/>
+                        </a:rPr>
+                        <a:t> </a:t>
+                      </a:r>
+                      <a:endParaRPr lang="en-US" sz="1200" b="0">
+                        <a:solidFill>
+                          <a:schemeClr val="tx1"/>
+                        </a:solidFill>
+                        <a:effectLst/>
+                        <a:latin typeface="Times New Roman" panose="02020603050405020304" pitchFamily="18" charset="0"/>
+                        <a:ea typeface="Times New Roman" panose="02020603050405020304" pitchFamily="18" charset="0"/>
+                      </a:endParaRPr>
+                    </a:p>
+                  </a:txBody>
+                  <a:tcPr marL="29161" marR="29161" marT="0" marB="0" anchor="ctr">
+                    <a:lnL w="12700" cap="flat" cmpd="sng" algn="ctr">
+                      <a:solidFill>
+                        <a:schemeClr val="tx1"/>
+                      </a:solidFill>
+                      <a:prstDash val="solid"/>
+                      <a:round/>
+                      <a:headEnd type="none" w="med" len="med"/>
+                      <a:tailEnd type="none" w="med" len="med"/>
+                    </a:lnL>
+                    <a:lnR w="12700" cap="flat" cmpd="sng" algn="ctr">
+                      <a:solidFill>
+                        <a:schemeClr val="tx1"/>
+                      </a:solidFill>
+                      <a:prstDash val="solid"/>
+                      <a:round/>
+                      <a:headEnd type="none" w="med" len="med"/>
+                      <a:tailEnd type="none" w="med" len="med"/>
+                    </a:lnR>
+                    <a:lnT w="12700" cap="flat" cmpd="sng" algn="ctr">
+                      <a:solidFill>
+                        <a:schemeClr val="tx1"/>
+                      </a:solidFill>
+                      <a:prstDash val="solid"/>
+                      <a:round/>
+                      <a:headEnd type="none" w="med" len="med"/>
+                      <a:tailEnd type="none" w="med" len="med"/>
+                    </a:lnT>
+                    <a:lnB w="12700" cap="flat" cmpd="sng" algn="ctr">
+                      <a:solidFill>
+                        <a:schemeClr val="tx1"/>
+                      </a:solidFill>
+                      <a:prstDash val="solid"/>
+                      <a:round/>
+                      <a:headEnd type="none" w="med" len="med"/>
+                      <a:tailEnd type="none" w="med" len="med"/>
+                    </a:lnB>
+                    <a:solidFill>
+                      <a:schemeClr val="bg1"/>
+                    </a:solidFill>
+                  </a:tcPr>
+                </a:tc>
+                <a:extLst>
+                  <a:ext uri="{0D108BD9-81ED-4DB2-BD59-A6C34878D82A}">
+                    <a16:rowId xmlns:a16="http://schemas.microsoft.com/office/drawing/2014/main" val="3176668503"/>
+                  </a:ext>
+                </a:extLst>
+              </a:tr>
+              <a:tr h="450158">
+                <a:tc>
+                  <a:txBody>
+                    <a:bodyPr/>
+                    <a:lstStyle/>
+                    <a:p>
+                      <a:pPr marL="0" marR="0" indent="0" algn="just">
+                        <a:lnSpc>
+                          <a:spcPct val="150000"/>
+                        </a:lnSpc>
+                        <a:spcBef>
+                          <a:spcPts val="0"/>
+                        </a:spcBef>
+                        <a:spcAft>
+                          <a:spcPts val="0"/>
+                        </a:spcAft>
+                      </a:pPr>
+                      <a:r>
+                        <a:rPr lang="en-US" sz="1200" b="0">
+                          <a:solidFill>
+                            <a:schemeClr val="tx1"/>
+                          </a:solidFill>
+                          <a:effectLst/>
+                        </a:rPr>
+                        <a:t> </a:t>
+                      </a:r>
+                      <a:endParaRPr lang="en-US" sz="1200" b="0">
+                        <a:solidFill>
+                          <a:schemeClr val="tx1"/>
+                        </a:solidFill>
+                        <a:effectLst/>
+                        <a:latin typeface="Times New Roman" panose="02020603050405020304" pitchFamily="18" charset="0"/>
+                        <a:ea typeface="Times New Roman" panose="02020603050405020304" pitchFamily="18" charset="0"/>
+                      </a:endParaRPr>
+                    </a:p>
+                  </a:txBody>
+                  <a:tcPr marL="29161" marR="29161" marT="0" marB="0" anchor="ctr">
+                    <a:lnL w="12700" cap="flat" cmpd="sng" algn="ctr">
+                      <a:solidFill>
+                        <a:schemeClr val="tx1"/>
+                      </a:solidFill>
+                      <a:prstDash val="solid"/>
+                      <a:round/>
+                      <a:headEnd type="none" w="med" len="med"/>
+                      <a:tailEnd type="none" w="med" len="med"/>
+                    </a:lnL>
+                    <a:lnR w="12700" cap="flat" cmpd="sng" algn="ctr">
+                      <a:solidFill>
+                        <a:schemeClr val="tx1"/>
+                      </a:solidFill>
+                      <a:prstDash val="solid"/>
+                      <a:round/>
+                      <a:headEnd type="none" w="med" len="med"/>
+                      <a:tailEnd type="none" w="med" len="med"/>
+                    </a:lnR>
+                    <a:lnT w="12700" cap="flat" cmpd="sng" algn="ctr">
+                      <a:solidFill>
+                        <a:schemeClr val="tx1"/>
+                      </a:solidFill>
+                      <a:prstDash val="solid"/>
+                      <a:round/>
+                      <a:headEnd type="none" w="med" len="med"/>
+                      <a:tailEnd type="none" w="med" len="med"/>
+                    </a:lnT>
+                    <a:lnB w="12700" cap="flat" cmpd="sng" algn="ctr">
+                      <a:solidFill>
+                        <a:schemeClr val="tx1"/>
+                      </a:solidFill>
+                      <a:prstDash val="solid"/>
+                      <a:round/>
+                      <a:headEnd type="none" w="med" len="med"/>
+                      <a:tailEnd type="none" w="med" len="med"/>
+                    </a:lnB>
+                    <a:solidFill>
+                      <a:schemeClr val="bg1"/>
+                    </a:solidFill>
+                  </a:tcPr>
+                </a:tc>
+                <a:tc>
+                  <a:txBody>
+                    <a:bodyPr/>
+                    <a:lstStyle/>
+                    <a:p>
+                      <a:pPr marL="0" marR="0" lvl="0" indent="0" algn="just">
+                        <a:lnSpc>
+                          <a:spcPct val="150000"/>
+                        </a:lnSpc>
+                        <a:spcBef>
+                          <a:spcPts val="0"/>
+                        </a:spcBef>
+                        <a:spcAft>
+                          <a:spcPts val="0"/>
+                        </a:spcAft>
+                        <a:buFont typeface="+mj-lt"/>
+                        <a:buNone/>
+                      </a:pPr>
+                      <a:r>
+                        <a:rPr lang="en-US" sz="1200" b="0">
+                          <a:solidFill>
+                            <a:schemeClr val="tx1"/>
+                          </a:solidFill>
+                          <a:effectLst/>
+                        </a:rPr>
+                        <a:t>7.Hệ thống kiểm tra số điện thoại vừa nhập.</a:t>
+                      </a:r>
+                      <a:endParaRPr lang="en-US" sz="1200" b="0">
+                        <a:solidFill>
+                          <a:schemeClr val="tx1"/>
+                        </a:solidFill>
+                        <a:effectLst/>
+                        <a:latin typeface="Times New Roman" panose="02020603050405020304" pitchFamily="18" charset="0"/>
+                        <a:ea typeface="Times New Roman" panose="02020603050405020304" pitchFamily="18" charset="0"/>
+                      </a:endParaRPr>
+                    </a:p>
+                  </a:txBody>
+                  <a:tcPr marL="29161" marR="29161" marT="0" marB="0" anchor="ctr">
+                    <a:lnL w="12700" cap="flat" cmpd="sng" algn="ctr">
+                      <a:solidFill>
+                        <a:schemeClr val="tx1"/>
+                      </a:solidFill>
+                      <a:prstDash val="solid"/>
+                      <a:round/>
+                      <a:headEnd type="none" w="med" len="med"/>
+                      <a:tailEnd type="none" w="med" len="med"/>
+                    </a:lnL>
+                    <a:lnR w="12700" cap="flat" cmpd="sng" algn="ctr">
+                      <a:solidFill>
+                        <a:schemeClr val="tx1"/>
+                      </a:solidFill>
+                      <a:prstDash val="solid"/>
+                      <a:round/>
+                      <a:headEnd type="none" w="med" len="med"/>
+                      <a:tailEnd type="none" w="med" len="med"/>
+                    </a:lnR>
+                    <a:lnT w="12700" cap="flat" cmpd="sng" algn="ctr">
+                      <a:solidFill>
+                        <a:schemeClr val="tx1"/>
+                      </a:solidFill>
+                      <a:prstDash val="solid"/>
+                      <a:round/>
+                      <a:headEnd type="none" w="med" len="med"/>
+                      <a:tailEnd type="none" w="med" len="med"/>
+                    </a:lnT>
+                    <a:lnB w="12700" cap="flat" cmpd="sng" algn="ctr">
+                      <a:solidFill>
+                        <a:schemeClr val="tx1"/>
+                      </a:solidFill>
+                      <a:prstDash val="solid"/>
+                      <a:round/>
+                      <a:headEnd type="none" w="med" len="med"/>
+                      <a:tailEnd type="none" w="med" len="med"/>
+                    </a:lnB>
+                    <a:solidFill>
+                      <a:schemeClr val="bg1"/>
+                    </a:solidFill>
+                  </a:tcPr>
+                </a:tc>
+                <a:extLst>
+                  <a:ext uri="{0D108BD9-81ED-4DB2-BD59-A6C34878D82A}">
+                    <a16:rowId xmlns:a16="http://schemas.microsoft.com/office/drawing/2014/main" val="3001035513"/>
+                  </a:ext>
+                </a:extLst>
+              </a:tr>
+              <a:tr h="210729">
+                <a:tc>
+                  <a:txBody>
+                    <a:bodyPr/>
+                    <a:lstStyle/>
+                    <a:p>
+                      <a:pPr marL="0" marR="0" indent="0" algn="just">
+                        <a:lnSpc>
+                          <a:spcPct val="150000"/>
+                        </a:lnSpc>
+                        <a:spcBef>
+                          <a:spcPts val="0"/>
+                        </a:spcBef>
+                        <a:spcAft>
+                          <a:spcPts val="0"/>
+                        </a:spcAft>
+                      </a:pPr>
+                      <a:r>
+                        <a:rPr lang="en-US" sz="1200" b="0">
+                          <a:solidFill>
+                            <a:schemeClr val="tx1"/>
+                          </a:solidFill>
+                          <a:effectLst/>
+                        </a:rPr>
+                        <a:t> </a:t>
+                      </a:r>
+                      <a:endParaRPr lang="en-US" sz="1200" b="0">
+                        <a:solidFill>
+                          <a:schemeClr val="tx1"/>
+                        </a:solidFill>
+                        <a:effectLst/>
+                        <a:latin typeface="Times New Roman" panose="02020603050405020304" pitchFamily="18" charset="0"/>
+                        <a:ea typeface="Times New Roman" panose="02020603050405020304" pitchFamily="18" charset="0"/>
+                      </a:endParaRPr>
+                    </a:p>
+                  </a:txBody>
+                  <a:tcPr marL="29161" marR="29161" marT="0" marB="0" anchor="ctr">
+                    <a:lnL w="12700" cap="flat" cmpd="sng" algn="ctr">
+                      <a:solidFill>
+                        <a:schemeClr val="tx1"/>
+                      </a:solidFill>
+                      <a:prstDash val="solid"/>
+                      <a:round/>
+                      <a:headEnd type="none" w="med" len="med"/>
+                      <a:tailEnd type="none" w="med" len="med"/>
+                    </a:lnL>
+                    <a:lnR w="12700" cap="flat" cmpd="sng" algn="ctr">
+                      <a:solidFill>
+                        <a:schemeClr val="tx1"/>
+                      </a:solidFill>
+                      <a:prstDash val="solid"/>
+                      <a:round/>
+                      <a:headEnd type="none" w="med" len="med"/>
+                      <a:tailEnd type="none" w="med" len="med"/>
+                    </a:lnR>
+                    <a:lnT w="12700" cap="flat" cmpd="sng" algn="ctr">
+                      <a:solidFill>
+                        <a:schemeClr val="tx1"/>
+                      </a:solidFill>
+                      <a:prstDash val="solid"/>
+                      <a:round/>
+                      <a:headEnd type="none" w="med" len="med"/>
+                      <a:tailEnd type="none" w="med" len="med"/>
+                    </a:lnT>
+                    <a:lnB w="12700" cap="flat" cmpd="sng" algn="ctr">
+                      <a:solidFill>
+                        <a:schemeClr val="tx1"/>
+                      </a:solidFill>
+                      <a:prstDash val="solid"/>
+                      <a:round/>
+                      <a:headEnd type="none" w="med" len="med"/>
+                      <a:tailEnd type="none" w="med" len="med"/>
+                    </a:lnB>
+                    <a:solidFill>
+                      <a:schemeClr val="bg1"/>
+                    </a:solidFill>
+                  </a:tcPr>
+                </a:tc>
+                <a:tc>
+                  <a:txBody>
+                    <a:bodyPr/>
+                    <a:lstStyle/>
+                    <a:p>
+                      <a:pPr marL="0" marR="0" lvl="0" indent="0" algn="just">
+                        <a:lnSpc>
+                          <a:spcPct val="150000"/>
+                        </a:lnSpc>
+                        <a:spcBef>
+                          <a:spcPts val="0"/>
+                        </a:spcBef>
+                        <a:spcAft>
+                          <a:spcPts val="0"/>
+                        </a:spcAft>
+                        <a:buFont typeface="+mj-lt"/>
+                        <a:buNone/>
+                      </a:pPr>
+                      <a:r>
+                        <a:rPr lang="en-US" sz="1200" b="0">
+                          <a:solidFill>
+                            <a:schemeClr val="tx1"/>
+                          </a:solidFill>
+                          <a:effectLst/>
+                        </a:rPr>
+                        <a:t>8.Hệ thống hiển thị bạn bè để kết bạn</a:t>
+                      </a:r>
+                      <a:endParaRPr lang="en-US" sz="1200" b="0">
+                        <a:solidFill>
+                          <a:schemeClr val="tx1"/>
+                        </a:solidFill>
+                        <a:effectLst/>
+                        <a:latin typeface="Times New Roman" panose="02020603050405020304" pitchFamily="18" charset="0"/>
+                        <a:ea typeface="Times New Roman" panose="02020603050405020304" pitchFamily="18" charset="0"/>
+                      </a:endParaRPr>
+                    </a:p>
+                  </a:txBody>
+                  <a:tcPr marL="29161" marR="29161" marT="0" marB="0" anchor="ctr">
+                    <a:lnL w="12700" cap="flat" cmpd="sng" algn="ctr">
+                      <a:solidFill>
+                        <a:schemeClr val="tx1"/>
+                      </a:solidFill>
+                      <a:prstDash val="solid"/>
+                      <a:round/>
+                      <a:headEnd type="none" w="med" len="med"/>
+                      <a:tailEnd type="none" w="med" len="med"/>
+                    </a:lnL>
+                    <a:lnR w="12700" cap="flat" cmpd="sng" algn="ctr">
+                      <a:solidFill>
+                        <a:schemeClr val="tx1"/>
+                      </a:solidFill>
+                      <a:prstDash val="solid"/>
+                      <a:round/>
+                      <a:headEnd type="none" w="med" len="med"/>
+                      <a:tailEnd type="none" w="med" len="med"/>
+                    </a:lnR>
+                    <a:lnT w="12700" cap="flat" cmpd="sng" algn="ctr">
+                      <a:solidFill>
+                        <a:schemeClr val="tx1"/>
+                      </a:solidFill>
+                      <a:prstDash val="solid"/>
+                      <a:round/>
+                      <a:headEnd type="none" w="med" len="med"/>
+                      <a:tailEnd type="none" w="med" len="med"/>
+                    </a:lnT>
+                    <a:lnB w="12700" cap="flat" cmpd="sng" algn="ctr">
+                      <a:solidFill>
+                        <a:schemeClr val="tx1"/>
+                      </a:solidFill>
+                      <a:prstDash val="solid"/>
+                      <a:round/>
+                      <a:headEnd type="none" w="med" len="med"/>
+                      <a:tailEnd type="none" w="med" len="med"/>
+                    </a:lnB>
+                    <a:solidFill>
+                      <a:schemeClr val="bg1"/>
+                    </a:solidFill>
+                  </a:tcPr>
+                </a:tc>
+                <a:extLst>
+                  <a:ext uri="{0D108BD9-81ED-4DB2-BD59-A6C34878D82A}">
+                    <a16:rowId xmlns:a16="http://schemas.microsoft.com/office/drawing/2014/main" val="4222276828"/>
+                  </a:ext>
+                </a:extLst>
+              </a:tr>
+              <a:tr h="450158">
+                <a:tc>
+                  <a:txBody>
+                    <a:bodyPr/>
+                    <a:lstStyle/>
+                    <a:p>
+                      <a:pPr marL="0" marR="0" lvl="0" indent="0" algn="just">
+                        <a:lnSpc>
+                          <a:spcPct val="150000"/>
+                        </a:lnSpc>
+                        <a:spcBef>
+                          <a:spcPts val="0"/>
+                        </a:spcBef>
+                        <a:spcAft>
+                          <a:spcPts val="0"/>
+                        </a:spcAft>
+                        <a:buFont typeface="+mj-lt"/>
+                        <a:buNone/>
+                      </a:pPr>
+                      <a:r>
+                        <a:rPr lang="en-US" sz="1200" b="0">
+                          <a:solidFill>
+                            <a:schemeClr val="tx1"/>
+                          </a:solidFill>
+                          <a:effectLst/>
+                        </a:rPr>
+                        <a:t>9.Người dùng ấn vào nút thêm bạn bè để gửi lời mời kết bạn</a:t>
+                      </a:r>
+                      <a:endParaRPr lang="en-US" sz="1200" b="0">
+                        <a:solidFill>
+                          <a:schemeClr val="tx1"/>
+                        </a:solidFill>
+                        <a:effectLst/>
+                        <a:latin typeface="Times New Roman" panose="02020603050405020304" pitchFamily="18" charset="0"/>
+                        <a:ea typeface="Times New Roman" panose="02020603050405020304" pitchFamily="18" charset="0"/>
+                      </a:endParaRPr>
+                    </a:p>
+                  </a:txBody>
+                  <a:tcPr marL="29161" marR="29161" marT="0" marB="0" anchor="ctr">
+                    <a:lnL w="12700" cap="flat" cmpd="sng" algn="ctr">
+                      <a:solidFill>
+                        <a:schemeClr val="tx1"/>
+                      </a:solidFill>
+                      <a:prstDash val="solid"/>
+                      <a:round/>
+                      <a:headEnd type="none" w="med" len="med"/>
+                      <a:tailEnd type="none" w="med" len="med"/>
+                    </a:lnL>
+                    <a:lnR w="12700" cap="flat" cmpd="sng" algn="ctr">
+                      <a:solidFill>
+                        <a:schemeClr val="tx1"/>
+                      </a:solidFill>
+                      <a:prstDash val="solid"/>
+                      <a:round/>
+                      <a:headEnd type="none" w="med" len="med"/>
+                      <a:tailEnd type="none" w="med" len="med"/>
+                    </a:lnR>
+                    <a:lnT w="12700" cap="flat" cmpd="sng" algn="ctr">
+                      <a:solidFill>
+                        <a:schemeClr val="tx1"/>
+                      </a:solidFill>
+                      <a:prstDash val="solid"/>
+                      <a:round/>
+                      <a:headEnd type="none" w="med" len="med"/>
+                      <a:tailEnd type="none" w="med" len="med"/>
+                    </a:lnT>
+                    <a:lnB w="12700" cap="flat" cmpd="sng" algn="ctr">
+                      <a:solidFill>
+                        <a:schemeClr val="tx1"/>
+                      </a:solidFill>
+                      <a:prstDash val="solid"/>
+                      <a:round/>
+                      <a:headEnd type="none" w="med" len="med"/>
+                      <a:tailEnd type="none" w="med" len="med"/>
+                    </a:lnB>
+                    <a:solidFill>
+                      <a:schemeClr val="bg1"/>
+                    </a:solidFill>
+                  </a:tcPr>
+                </a:tc>
+                <a:tc>
+                  <a:txBody>
+                    <a:bodyPr/>
+                    <a:lstStyle/>
+                    <a:p>
+                      <a:pPr marL="0" marR="0" indent="0" algn="just">
+                        <a:lnSpc>
+                          <a:spcPct val="150000"/>
+                        </a:lnSpc>
+                        <a:spcBef>
+                          <a:spcPts val="0"/>
+                        </a:spcBef>
+                        <a:spcAft>
+                          <a:spcPts val="0"/>
+                        </a:spcAft>
+                      </a:pPr>
+                      <a:r>
+                        <a:rPr lang="en-US" sz="1200" b="0">
+                          <a:solidFill>
+                            <a:schemeClr val="tx1"/>
+                          </a:solidFill>
+                          <a:effectLst/>
+                        </a:rPr>
+                        <a:t> </a:t>
+                      </a:r>
+                      <a:endParaRPr lang="en-US" sz="1200" b="0">
+                        <a:solidFill>
+                          <a:schemeClr val="tx1"/>
+                        </a:solidFill>
+                        <a:effectLst/>
+                        <a:latin typeface="Times New Roman" panose="02020603050405020304" pitchFamily="18" charset="0"/>
+                        <a:ea typeface="Times New Roman" panose="02020603050405020304" pitchFamily="18" charset="0"/>
+                      </a:endParaRPr>
+                    </a:p>
+                  </a:txBody>
+                  <a:tcPr marL="29161" marR="29161" marT="0" marB="0" anchor="ctr">
+                    <a:lnL w="12700" cap="flat" cmpd="sng" algn="ctr">
+                      <a:solidFill>
+                        <a:schemeClr val="tx1"/>
+                      </a:solidFill>
+                      <a:prstDash val="solid"/>
+                      <a:round/>
+                      <a:headEnd type="none" w="med" len="med"/>
+                      <a:tailEnd type="none" w="med" len="med"/>
+                    </a:lnL>
+                    <a:lnR w="12700" cap="flat" cmpd="sng" algn="ctr">
+                      <a:solidFill>
+                        <a:schemeClr val="tx1"/>
+                      </a:solidFill>
+                      <a:prstDash val="solid"/>
+                      <a:round/>
+                      <a:headEnd type="none" w="med" len="med"/>
+                      <a:tailEnd type="none" w="med" len="med"/>
+                    </a:lnR>
+                    <a:lnT w="12700" cap="flat" cmpd="sng" algn="ctr">
+                      <a:solidFill>
+                        <a:schemeClr val="tx1"/>
+                      </a:solidFill>
+                      <a:prstDash val="solid"/>
+                      <a:round/>
+                      <a:headEnd type="none" w="med" len="med"/>
+                      <a:tailEnd type="none" w="med" len="med"/>
+                    </a:lnT>
+                    <a:lnB w="12700" cap="flat" cmpd="sng" algn="ctr">
+                      <a:solidFill>
+                        <a:schemeClr val="tx1"/>
+                      </a:solidFill>
+                      <a:prstDash val="solid"/>
+                      <a:round/>
+                      <a:headEnd type="none" w="med" len="med"/>
+                      <a:tailEnd type="none" w="med" len="med"/>
+                    </a:lnB>
+                    <a:solidFill>
+                      <a:schemeClr val="bg1"/>
+                    </a:solidFill>
+                  </a:tcPr>
+                </a:tc>
+                <a:extLst>
+                  <a:ext uri="{0D108BD9-81ED-4DB2-BD59-A6C34878D82A}">
+                    <a16:rowId xmlns:a16="http://schemas.microsoft.com/office/drawing/2014/main" val="4254750080"/>
+                  </a:ext>
+                </a:extLst>
+              </a:tr>
+              <a:tr h="450158">
+                <a:tc>
+                  <a:txBody>
+                    <a:bodyPr/>
+                    <a:lstStyle/>
+                    <a:p>
+                      <a:pPr marL="0" marR="0" indent="0" algn="just">
+                        <a:lnSpc>
+                          <a:spcPct val="150000"/>
+                        </a:lnSpc>
+                        <a:spcBef>
+                          <a:spcPts val="0"/>
+                        </a:spcBef>
+                        <a:spcAft>
+                          <a:spcPts val="0"/>
+                        </a:spcAft>
+                      </a:pPr>
+                      <a:r>
+                        <a:rPr lang="en-US" sz="1200" b="0">
+                          <a:solidFill>
+                            <a:schemeClr val="tx1"/>
+                          </a:solidFill>
+                          <a:effectLst/>
+                        </a:rPr>
+                        <a:t> </a:t>
+                      </a:r>
+                      <a:endParaRPr lang="en-US" sz="1200" b="0">
+                        <a:solidFill>
+                          <a:schemeClr val="tx1"/>
+                        </a:solidFill>
+                        <a:effectLst/>
+                        <a:latin typeface="Times New Roman" panose="02020603050405020304" pitchFamily="18" charset="0"/>
+                        <a:ea typeface="Times New Roman" panose="02020603050405020304" pitchFamily="18" charset="0"/>
+                      </a:endParaRPr>
+                    </a:p>
+                  </a:txBody>
+                  <a:tcPr marL="29161" marR="29161" marT="0" marB="0" anchor="ctr">
+                    <a:lnL w="12700" cap="flat" cmpd="sng" algn="ctr">
+                      <a:solidFill>
+                        <a:schemeClr val="tx1"/>
+                      </a:solidFill>
+                      <a:prstDash val="solid"/>
+                      <a:round/>
+                      <a:headEnd type="none" w="med" len="med"/>
+                      <a:tailEnd type="none" w="med" len="med"/>
+                    </a:lnL>
+                    <a:lnR w="12700" cap="flat" cmpd="sng" algn="ctr">
+                      <a:solidFill>
+                        <a:schemeClr val="tx1"/>
+                      </a:solidFill>
+                      <a:prstDash val="solid"/>
+                      <a:round/>
+                      <a:headEnd type="none" w="med" len="med"/>
+                      <a:tailEnd type="none" w="med" len="med"/>
+                    </a:lnR>
+                    <a:lnT w="12700" cap="flat" cmpd="sng" algn="ctr">
+                      <a:solidFill>
+                        <a:schemeClr val="tx1"/>
+                      </a:solidFill>
+                      <a:prstDash val="solid"/>
+                      <a:round/>
+                      <a:headEnd type="none" w="med" len="med"/>
+                      <a:tailEnd type="none" w="med" len="med"/>
+                    </a:lnT>
+                    <a:lnB w="12700" cap="flat" cmpd="sng" algn="ctr">
+                      <a:solidFill>
+                        <a:schemeClr val="tx1"/>
+                      </a:solidFill>
+                      <a:prstDash val="solid"/>
+                      <a:round/>
+                      <a:headEnd type="none" w="med" len="med"/>
+                      <a:tailEnd type="none" w="med" len="med"/>
+                    </a:lnB>
+                    <a:solidFill>
+                      <a:schemeClr val="bg1"/>
+                    </a:solidFill>
+                  </a:tcPr>
+                </a:tc>
+                <a:tc>
+                  <a:txBody>
+                    <a:bodyPr/>
+                    <a:lstStyle/>
+                    <a:p>
+                      <a:pPr marL="0" marR="0" lvl="0" indent="0" algn="just">
+                        <a:lnSpc>
+                          <a:spcPct val="150000"/>
+                        </a:lnSpc>
+                        <a:spcBef>
+                          <a:spcPts val="0"/>
+                        </a:spcBef>
+                        <a:spcAft>
+                          <a:spcPts val="0"/>
+                        </a:spcAft>
+                        <a:buFont typeface="+mj-lt"/>
+                        <a:buNone/>
+                      </a:pPr>
+                      <a:r>
+                        <a:rPr lang="en-US" sz="1200" b="0">
+                          <a:solidFill>
+                            <a:schemeClr val="tx1"/>
+                          </a:solidFill>
+                          <a:effectLst/>
+                        </a:rPr>
+                        <a:t>10.Hệ thống kết nói và thông báo cho đối tượng lời mời kết bạn</a:t>
+                      </a:r>
+                      <a:endParaRPr lang="en-US" sz="1200" b="0">
+                        <a:solidFill>
+                          <a:schemeClr val="tx1"/>
+                        </a:solidFill>
+                        <a:effectLst/>
+                        <a:latin typeface="Times New Roman" panose="02020603050405020304" pitchFamily="18" charset="0"/>
+                        <a:ea typeface="Times New Roman" panose="02020603050405020304" pitchFamily="18" charset="0"/>
+                      </a:endParaRPr>
+                    </a:p>
+                  </a:txBody>
+                  <a:tcPr marL="29161" marR="29161" marT="0" marB="0" anchor="ctr">
+                    <a:lnL w="12700" cap="flat" cmpd="sng" algn="ctr">
+                      <a:solidFill>
+                        <a:schemeClr val="tx1"/>
+                      </a:solidFill>
+                      <a:prstDash val="solid"/>
+                      <a:round/>
+                      <a:headEnd type="none" w="med" len="med"/>
+                      <a:tailEnd type="none" w="med" len="med"/>
+                    </a:lnL>
+                    <a:lnR w="12700" cap="flat" cmpd="sng" algn="ctr">
+                      <a:solidFill>
+                        <a:schemeClr val="tx1"/>
+                      </a:solidFill>
+                      <a:prstDash val="solid"/>
+                      <a:round/>
+                      <a:headEnd type="none" w="med" len="med"/>
+                      <a:tailEnd type="none" w="med" len="med"/>
+                    </a:lnR>
+                    <a:lnT w="12700" cap="flat" cmpd="sng" algn="ctr">
+                      <a:solidFill>
+                        <a:schemeClr val="tx1"/>
+                      </a:solidFill>
+                      <a:prstDash val="solid"/>
+                      <a:round/>
+                      <a:headEnd type="none" w="med" len="med"/>
+                      <a:tailEnd type="none" w="med" len="med"/>
+                    </a:lnT>
+                    <a:lnB w="12700" cap="flat" cmpd="sng" algn="ctr">
+                      <a:solidFill>
+                        <a:schemeClr val="tx1"/>
+                      </a:solidFill>
+                      <a:prstDash val="solid"/>
+                      <a:round/>
+                      <a:headEnd type="none" w="med" len="med"/>
+                      <a:tailEnd type="none" w="med" len="med"/>
+                    </a:lnB>
+                    <a:solidFill>
+                      <a:schemeClr val="bg1"/>
+                    </a:solidFill>
+                  </a:tcPr>
+                </a:tc>
+                <a:extLst>
+                  <a:ext uri="{0D108BD9-81ED-4DB2-BD59-A6C34878D82A}">
+                    <a16:rowId xmlns:a16="http://schemas.microsoft.com/office/drawing/2014/main" val="4254101340"/>
+                  </a:ext>
+                </a:extLst>
+              </a:tr>
+              <a:tr h="450158">
+                <a:tc>
+                  <a:txBody>
+                    <a:bodyPr/>
+                    <a:lstStyle/>
+                    <a:p>
+                      <a:pPr marL="0" marR="0" indent="0" algn="just">
+                        <a:lnSpc>
+                          <a:spcPct val="150000"/>
+                        </a:lnSpc>
+                        <a:spcBef>
+                          <a:spcPts val="0"/>
+                        </a:spcBef>
+                        <a:spcAft>
+                          <a:spcPts val="0"/>
+                        </a:spcAft>
+                      </a:pPr>
+                      <a:r>
+                        <a:rPr lang="en-US" sz="1200" b="0">
+                          <a:solidFill>
+                            <a:schemeClr val="tx1"/>
+                          </a:solidFill>
+                          <a:effectLst/>
+                        </a:rPr>
+                        <a:t> </a:t>
+                      </a:r>
+                      <a:endParaRPr lang="en-US" sz="1200" b="0">
+                        <a:solidFill>
+                          <a:schemeClr val="tx1"/>
+                        </a:solidFill>
+                        <a:effectLst/>
+                        <a:latin typeface="Times New Roman" panose="02020603050405020304" pitchFamily="18" charset="0"/>
+                        <a:ea typeface="Times New Roman" panose="02020603050405020304" pitchFamily="18" charset="0"/>
+                      </a:endParaRPr>
+                    </a:p>
+                  </a:txBody>
+                  <a:tcPr marL="29161" marR="29161" marT="0" marB="0" anchor="ctr">
+                    <a:lnL w="12700" cap="flat" cmpd="sng" algn="ctr">
+                      <a:solidFill>
+                        <a:schemeClr val="tx1"/>
+                      </a:solidFill>
+                      <a:prstDash val="solid"/>
+                      <a:round/>
+                      <a:headEnd type="none" w="med" len="med"/>
+                      <a:tailEnd type="none" w="med" len="med"/>
+                    </a:lnL>
+                    <a:lnR w="12700" cap="flat" cmpd="sng" algn="ctr">
+                      <a:solidFill>
+                        <a:schemeClr val="tx1"/>
+                      </a:solidFill>
+                      <a:prstDash val="solid"/>
+                      <a:round/>
+                      <a:headEnd type="none" w="med" len="med"/>
+                      <a:tailEnd type="none" w="med" len="med"/>
+                    </a:lnR>
+                    <a:lnT w="12700" cap="flat" cmpd="sng" algn="ctr">
+                      <a:solidFill>
+                        <a:schemeClr val="tx1"/>
+                      </a:solidFill>
+                      <a:prstDash val="solid"/>
+                      <a:round/>
+                      <a:headEnd type="none" w="med" len="med"/>
+                      <a:tailEnd type="none" w="med" len="med"/>
+                    </a:lnT>
+                    <a:lnB w="12700" cap="flat" cmpd="sng" algn="ctr">
+                      <a:solidFill>
+                        <a:schemeClr val="tx1"/>
+                      </a:solidFill>
+                      <a:prstDash val="solid"/>
+                      <a:round/>
+                      <a:headEnd type="none" w="med" len="med"/>
+                      <a:tailEnd type="none" w="med" len="med"/>
+                    </a:lnB>
+                    <a:solidFill>
+                      <a:schemeClr val="bg1"/>
+                    </a:solidFill>
+                  </a:tcPr>
+                </a:tc>
+                <a:tc>
+                  <a:txBody>
+                    <a:bodyPr/>
+                    <a:lstStyle/>
+                    <a:p>
+                      <a:pPr marL="0" marR="0" lvl="0" indent="0" algn="just">
+                        <a:lnSpc>
+                          <a:spcPct val="150000"/>
+                        </a:lnSpc>
+                        <a:spcBef>
+                          <a:spcPts val="0"/>
+                        </a:spcBef>
+                        <a:spcAft>
+                          <a:spcPts val="0"/>
+                        </a:spcAft>
+                        <a:buFont typeface="+mj-lt"/>
+                        <a:buNone/>
+                      </a:pPr>
+                      <a:r>
+                        <a:rPr lang="en-US" sz="1200" b="0">
+                          <a:solidFill>
+                            <a:schemeClr val="tx1"/>
+                          </a:solidFill>
+                          <a:effectLst/>
+                        </a:rPr>
+                        <a:t>11.Hệ thống cập nhật trạng thái đã gửi lời kết bạn</a:t>
+                      </a:r>
+                      <a:endParaRPr lang="en-US" sz="1200" b="0">
+                        <a:solidFill>
+                          <a:schemeClr val="tx1"/>
+                        </a:solidFill>
+                        <a:effectLst/>
+                        <a:latin typeface="Times New Roman" panose="02020603050405020304" pitchFamily="18" charset="0"/>
+                        <a:ea typeface="Times New Roman" panose="02020603050405020304" pitchFamily="18" charset="0"/>
+                      </a:endParaRPr>
+                    </a:p>
+                  </a:txBody>
+                  <a:tcPr marL="29161" marR="29161" marT="0" marB="0" anchor="ctr">
+                    <a:lnL w="12700" cap="flat" cmpd="sng" algn="ctr">
+                      <a:solidFill>
+                        <a:schemeClr val="tx1"/>
+                      </a:solidFill>
+                      <a:prstDash val="solid"/>
+                      <a:round/>
+                      <a:headEnd type="none" w="med" len="med"/>
+                      <a:tailEnd type="none" w="med" len="med"/>
+                    </a:lnL>
+                    <a:lnR w="12700" cap="flat" cmpd="sng" algn="ctr">
+                      <a:solidFill>
+                        <a:schemeClr val="tx1"/>
+                      </a:solidFill>
+                      <a:prstDash val="solid"/>
+                      <a:round/>
+                      <a:headEnd type="none" w="med" len="med"/>
+                      <a:tailEnd type="none" w="med" len="med"/>
+                    </a:lnR>
+                    <a:lnT w="12700" cap="flat" cmpd="sng" algn="ctr">
+                      <a:solidFill>
+                        <a:schemeClr val="tx1"/>
+                      </a:solidFill>
+                      <a:prstDash val="solid"/>
+                      <a:round/>
+                      <a:headEnd type="none" w="med" len="med"/>
+                      <a:tailEnd type="none" w="med" len="med"/>
+                    </a:lnT>
+                    <a:lnB w="12700" cap="flat" cmpd="sng" algn="ctr">
+                      <a:solidFill>
+                        <a:schemeClr val="tx1"/>
+                      </a:solidFill>
+                      <a:prstDash val="solid"/>
+                      <a:round/>
+                      <a:headEnd type="none" w="med" len="med"/>
+                      <a:tailEnd type="none" w="med" len="med"/>
+                    </a:lnB>
+                    <a:solidFill>
+                      <a:schemeClr val="bg1"/>
+                    </a:solidFill>
+                  </a:tcPr>
+                </a:tc>
+                <a:extLst>
+                  <a:ext uri="{0D108BD9-81ED-4DB2-BD59-A6C34878D82A}">
+                    <a16:rowId xmlns:a16="http://schemas.microsoft.com/office/drawing/2014/main" val="2955837412"/>
+                  </a:ext>
+                </a:extLst>
+              </a:tr>
+              <a:tr h="210729">
+                <a:tc>
+                  <a:txBody>
+                    <a:bodyPr/>
+                    <a:lstStyle/>
+                    <a:p>
+                      <a:pPr marL="0" marR="0" lvl="0" indent="0" algn="just">
+                        <a:lnSpc>
+                          <a:spcPct val="150000"/>
+                        </a:lnSpc>
+                        <a:spcBef>
+                          <a:spcPts val="0"/>
+                        </a:spcBef>
+                        <a:spcAft>
+                          <a:spcPts val="0"/>
+                        </a:spcAft>
+                        <a:buFont typeface="+mj-lt"/>
+                        <a:buNone/>
+                      </a:pPr>
+                      <a:r>
+                        <a:rPr lang="en-US" sz="1200" b="0">
+                          <a:solidFill>
+                            <a:schemeClr val="tx1"/>
+                          </a:solidFill>
+                          <a:effectLst/>
+                        </a:rPr>
+                        <a:t>Người dùng xác nhận kết thúc UC</a:t>
+                      </a:r>
+                      <a:endParaRPr lang="en-US" sz="1200" b="0">
+                        <a:solidFill>
+                          <a:schemeClr val="tx1"/>
+                        </a:solidFill>
+                        <a:effectLst/>
+                        <a:latin typeface="Times New Roman" panose="02020603050405020304" pitchFamily="18" charset="0"/>
+                        <a:ea typeface="Times New Roman" panose="02020603050405020304" pitchFamily="18" charset="0"/>
+                      </a:endParaRPr>
+                    </a:p>
+                  </a:txBody>
+                  <a:tcPr marL="29161" marR="29161" marT="0" marB="0" anchor="ctr">
+                    <a:lnL w="12700" cap="flat" cmpd="sng" algn="ctr">
+                      <a:solidFill>
+                        <a:schemeClr val="tx1"/>
+                      </a:solidFill>
+                      <a:prstDash val="solid"/>
+                      <a:round/>
+                      <a:headEnd type="none" w="med" len="med"/>
+                      <a:tailEnd type="none" w="med" len="med"/>
+                    </a:lnL>
+                    <a:lnR w="12700" cap="flat" cmpd="sng" algn="ctr">
+                      <a:solidFill>
+                        <a:schemeClr val="tx1"/>
+                      </a:solidFill>
+                      <a:prstDash val="solid"/>
+                      <a:round/>
+                      <a:headEnd type="none" w="med" len="med"/>
+                      <a:tailEnd type="none" w="med" len="med"/>
+                    </a:lnR>
+                    <a:lnT w="12700" cap="flat" cmpd="sng" algn="ctr">
+                      <a:solidFill>
+                        <a:schemeClr val="tx1"/>
+                      </a:solidFill>
+                      <a:prstDash val="solid"/>
+                      <a:round/>
+                      <a:headEnd type="none" w="med" len="med"/>
+                      <a:tailEnd type="none" w="med" len="med"/>
+                    </a:lnT>
+                    <a:lnB w="12700" cap="flat" cmpd="sng" algn="ctr">
+                      <a:solidFill>
+                        <a:schemeClr val="tx1"/>
+                      </a:solidFill>
+                      <a:prstDash val="solid"/>
+                      <a:round/>
+                      <a:headEnd type="none" w="med" len="med"/>
+                      <a:tailEnd type="none" w="med" len="med"/>
+                    </a:lnB>
+                    <a:solidFill>
+                      <a:schemeClr val="bg1"/>
+                    </a:solidFill>
+                  </a:tcPr>
+                </a:tc>
+                <a:tc>
+                  <a:txBody>
+                    <a:bodyPr/>
+                    <a:lstStyle/>
+                    <a:p>
+                      <a:pPr marL="0" marR="0" indent="0" algn="just">
+                        <a:lnSpc>
+                          <a:spcPct val="150000"/>
+                        </a:lnSpc>
+                        <a:spcBef>
+                          <a:spcPts val="0"/>
+                        </a:spcBef>
+                        <a:spcAft>
+                          <a:spcPts val="0"/>
+                        </a:spcAft>
+                      </a:pPr>
+                      <a:r>
+                        <a:rPr lang="en-US" sz="1200" b="0">
+                          <a:solidFill>
+                            <a:schemeClr val="tx1"/>
+                          </a:solidFill>
+                          <a:effectLst/>
+                        </a:rPr>
+                        <a:t> </a:t>
+                      </a:r>
+                      <a:endParaRPr lang="en-US" sz="1200" b="0">
+                        <a:solidFill>
+                          <a:schemeClr val="tx1"/>
+                        </a:solidFill>
+                        <a:effectLst/>
+                        <a:latin typeface="Times New Roman" panose="02020603050405020304" pitchFamily="18" charset="0"/>
+                        <a:ea typeface="Times New Roman" panose="02020603050405020304" pitchFamily="18" charset="0"/>
+                      </a:endParaRPr>
+                    </a:p>
+                  </a:txBody>
+                  <a:tcPr marL="29161" marR="29161" marT="0" marB="0" anchor="ctr">
+                    <a:lnL w="12700" cap="flat" cmpd="sng" algn="ctr">
+                      <a:solidFill>
+                        <a:schemeClr val="tx1"/>
+                      </a:solidFill>
+                      <a:prstDash val="solid"/>
+                      <a:round/>
+                      <a:headEnd type="none" w="med" len="med"/>
+                      <a:tailEnd type="none" w="med" len="med"/>
+                    </a:lnL>
+                    <a:lnR w="12700" cap="flat" cmpd="sng" algn="ctr">
+                      <a:solidFill>
+                        <a:schemeClr val="tx1"/>
+                      </a:solidFill>
+                      <a:prstDash val="solid"/>
+                      <a:round/>
+                      <a:headEnd type="none" w="med" len="med"/>
+                      <a:tailEnd type="none" w="med" len="med"/>
+                    </a:lnR>
+                    <a:lnT w="12700" cap="flat" cmpd="sng" algn="ctr">
+                      <a:solidFill>
+                        <a:schemeClr val="tx1"/>
+                      </a:solidFill>
+                      <a:prstDash val="solid"/>
+                      <a:round/>
+                      <a:headEnd type="none" w="med" len="med"/>
+                      <a:tailEnd type="none" w="med" len="med"/>
+                    </a:lnT>
+                    <a:lnB w="12700" cap="flat" cmpd="sng" algn="ctr">
+                      <a:solidFill>
+                        <a:schemeClr val="tx1"/>
+                      </a:solidFill>
+                      <a:prstDash val="solid"/>
+                      <a:round/>
+                      <a:headEnd type="none" w="med" len="med"/>
+                      <a:tailEnd type="none" w="med" len="med"/>
+                    </a:lnB>
+                    <a:solidFill>
+                      <a:schemeClr val="bg1"/>
+                    </a:solidFill>
+                  </a:tcPr>
+                </a:tc>
+                <a:extLst>
+                  <a:ext uri="{0D108BD9-81ED-4DB2-BD59-A6C34878D82A}">
+                    <a16:rowId xmlns:a16="http://schemas.microsoft.com/office/drawing/2014/main" val="3386741355"/>
+                  </a:ext>
+                </a:extLst>
+              </a:tr>
+              <a:tr h="450158">
+                <a:tc>
+                  <a:txBody>
+                    <a:bodyPr/>
+                    <a:lstStyle/>
+                    <a:p>
+                      <a:pPr marL="0" marR="0" indent="0" algn="just">
+                        <a:lnSpc>
+                          <a:spcPct val="150000"/>
+                        </a:lnSpc>
+                        <a:spcBef>
+                          <a:spcPts val="0"/>
+                        </a:spcBef>
+                        <a:spcAft>
+                          <a:spcPts val="0"/>
+                        </a:spcAft>
+                      </a:pPr>
+                      <a:r>
+                        <a:rPr lang="en-US" sz="1200" b="0">
+                          <a:solidFill>
+                            <a:schemeClr val="tx1"/>
+                          </a:solidFill>
+                          <a:effectLst/>
+                        </a:rPr>
+                        <a:t>Luồng sự kiện thay thế (alternate flow): </a:t>
+                      </a:r>
+                      <a:endParaRPr lang="en-US" sz="1200" b="0">
+                        <a:solidFill>
+                          <a:schemeClr val="tx1"/>
+                        </a:solidFill>
+                        <a:effectLst/>
+                        <a:latin typeface="Times New Roman" panose="02020603050405020304" pitchFamily="18" charset="0"/>
+                        <a:ea typeface="Times New Roman" panose="02020603050405020304" pitchFamily="18" charset="0"/>
+                      </a:endParaRPr>
+                    </a:p>
+                  </a:txBody>
+                  <a:tcPr marL="29161" marR="29161" marT="0" marB="0" anchor="ctr">
+                    <a:lnL w="12700" cap="flat" cmpd="sng" algn="ctr">
+                      <a:solidFill>
+                        <a:schemeClr val="tx1"/>
+                      </a:solidFill>
+                      <a:prstDash val="solid"/>
+                      <a:round/>
+                      <a:headEnd type="none" w="med" len="med"/>
+                      <a:tailEnd type="none" w="med" len="med"/>
+                    </a:lnL>
+                    <a:lnR w="12700" cap="flat" cmpd="sng" algn="ctr">
+                      <a:solidFill>
+                        <a:schemeClr val="tx1"/>
+                      </a:solidFill>
+                      <a:prstDash val="solid"/>
+                      <a:round/>
+                      <a:headEnd type="none" w="med" len="med"/>
+                      <a:tailEnd type="none" w="med" len="med"/>
+                    </a:lnR>
+                    <a:lnT w="12700" cap="flat" cmpd="sng" algn="ctr">
+                      <a:solidFill>
+                        <a:schemeClr val="tx1"/>
+                      </a:solidFill>
+                      <a:prstDash val="solid"/>
+                      <a:round/>
+                      <a:headEnd type="none" w="med" len="med"/>
+                      <a:tailEnd type="none" w="med" len="med"/>
+                    </a:lnT>
+                    <a:lnB w="12700" cap="flat" cmpd="sng" algn="ctr">
+                      <a:solidFill>
+                        <a:schemeClr val="tx1"/>
+                      </a:solidFill>
+                      <a:prstDash val="solid"/>
+                      <a:round/>
+                      <a:headEnd type="none" w="med" len="med"/>
+                      <a:tailEnd type="none" w="med" len="med"/>
+                    </a:lnB>
+                    <a:solidFill>
+                      <a:schemeClr val="bg1"/>
+                    </a:solidFill>
+                  </a:tcPr>
+                </a:tc>
+                <a:tc>
+                  <a:txBody>
+                    <a:bodyPr/>
+                    <a:lstStyle/>
+                    <a:p>
+                      <a:pPr marL="0" marR="0" indent="0" algn="just">
+                        <a:lnSpc>
+                          <a:spcPct val="150000"/>
+                        </a:lnSpc>
+                        <a:spcBef>
+                          <a:spcPts val="0"/>
+                        </a:spcBef>
+                        <a:spcAft>
+                          <a:spcPts val="0"/>
+                        </a:spcAft>
+                      </a:pPr>
+                      <a:r>
+                        <a:rPr lang="en-US" sz="1200" b="0">
+                          <a:solidFill>
+                            <a:schemeClr val="tx1"/>
+                          </a:solidFill>
+                          <a:effectLst/>
+                        </a:rPr>
+                        <a:t> </a:t>
+                      </a:r>
+                      <a:endParaRPr lang="en-US" sz="1200" b="0">
+                        <a:solidFill>
+                          <a:schemeClr val="tx1"/>
+                        </a:solidFill>
+                        <a:effectLst/>
+                        <a:latin typeface="Times New Roman" panose="02020603050405020304" pitchFamily="18" charset="0"/>
+                        <a:ea typeface="Times New Roman" panose="02020603050405020304" pitchFamily="18" charset="0"/>
+                      </a:endParaRPr>
+                    </a:p>
+                  </a:txBody>
+                  <a:tcPr marL="29161" marR="29161" marT="0" marB="0" anchor="ctr">
+                    <a:lnL w="12700" cap="flat" cmpd="sng" algn="ctr">
+                      <a:solidFill>
+                        <a:schemeClr val="tx1"/>
+                      </a:solidFill>
+                      <a:prstDash val="solid"/>
+                      <a:round/>
+                      <a:headEnd type="none" w="med" len="med"/>
+                      <a:tailEnd type="none" w="med" len="med"/>
+                    </a:lnL>
+                    <a:lnR w="12700" cap="flat" cmpd="sng" algn="ctr">
+                      <a:solidFill>
+                        <a:schemeClr val="tx1"/>
+                      </a:solidFill>
+                      <a:prstDash val="solid"/>
+                      <a:round/>
+                      <a:headEnd type="none" w="med" len="med"/>
+                      <a:tailEnd type="none" w="med" len="med"/>
+                    </a:lnR>
+                    <a:lnT w="12700" cap="flat" cmpd="sng" algn="ctr">
+                      <a:solidFill>
+                        <a:schemeClr val="tx1"/>
+                      </a:solidFill>
+                      <a:prstDash val="solid"/>
+                      <a:round/>
+                      <a:headEnd type="none" w="med" len="med"/>
+                      <a:tailEnd type="none" w="med" len="med"/>
+                    </a:lnT>
+                    <a:lnB w="12700" cap="flat" cmpd="sng" algn="ctr">
+                      <a:solidFill>
+                        <a:schemeClr val="tx1"/>
+                      </a:solidFill>
+                      <a:prstDash val="solid"/>
+                      <a:round/>
+                      <a:headEnd type="none" w="med" len="med"/>
+                      <a:tailEnd type="none" w="med" len="med"/>
+                    </a:lnB>
+                    <a:solidFill>
+                      <a:schemeClr val="bg1"/>
+                    </a:solidFill>
+                  </a:tcPr>
+                </a:tc>
+                <a:extLst>
+                  <a:ext uri="{0D108BD9-81ED-4DB2-BD59-A6C34878D82A}">
+                    <a16:rowId xmlns:a16="http://schemas.microsoft.com/office/drawing/2014/main" val="2440973784"/>
+                  </a:ext>
+                </a:extLst>
+              </a:tr>
+              <a:tr h="450158">
+                <a:tc>
+                  <a:txBody>
+                    <a:bodyPr/>
+                    <a:lstStyle/>
+                    <a:p>
+                      <a:pPr marL="0" marR="0" indent="0" algn="just">
+                        <a:lnSpc>
+                          <a:spcPct val="150000"/>
+                        </a:lnSpc>
+                        <a:spcBef>
+                          <a:spcPts val="0"/>
+                        </a:spcBef>
+                        <a:spcAft>
+                          <a:spcPts val="0"/>
+                        </a:spcAft>
+                      </a:pPr>
+                      <a:r>
+                        <a:rPr lang="en-US" sz="1200" b="0">
+                          <a:solidFill>
+                            <a:schemeClr val="tx1"/>
+                          </a:solidFill>
+                          <a:effectLst/>
+                        </a:rPr>
+                        <a:t> </a:t>
+                      </a:r>
+                      <a:endParaRPr lang="en-US" sz="1200" b="0">
+                        <a:solidFill>
+                          <a:schemeClr val="tx1"/>
+                        </a:solidFill>
+                        <a:effectLst/>
+                        <a:latin typeface="Times New Roman" panose="02020603050405020304" pitchFamily="18" charset="0"/>
+                        <a:ea typeface="Times New Roman" panose="02020603050405020304" pitchFamily="18" charset="0"/>
+                      </a:endParaRPr>
+                    </a:p>
+                  </a:txBody>
+                  <a:tcPr marL="29161" marR="29161" marT="0" marB="0" anchor="ctr">
+                    <a:lnL w="12700" cap="flat" cmpd="sng" algn="ctr">
+                      <a:solidFill>
+                        <a:schemeClr val="tx1"/>
+                      </a:solidFill>
+                      <a:prstDash val="solid"/>
+                      <a:round/>
+                      <a:headEnd type="none" w="med" len="med"/>
+                      <a:tailEnd type="none" w="med" len="med"/>
+                    </a:lnL>
+                    <a:lnR w="12700" cap="flat" cmpd="sng" algn="ctr">
+                      <a:solidFill>
+                        <a:schemeClr val="tx1"/>
+                      </a:solidFill>
+                      <a:prstDash val="solid"/>
+                      <a:round/>
+                      <a:headEnd type="none" w="med" len="med"/>
+                      <a:tailEnd type="none" w="med" len="med"/>
+                    </a:lnR>
+                    <a:lnT w="12700" cap="flat" cmpd="sng" algn="ctr">
+                      <a:solidFill>
+                        <a:schemeClr val="tx1"/>
+                      </a:solidFill>
+                      <a:prstDash val="solid"/>
+                      <a:round/>
+                      <a:headEnd type="none" w="med" len="med"/>
+                      <a:tailEnd type="none" w="med" len="med"/>
+                    </a:lnT>
+                    <a:lnB w="12700" cap="flat" cmpd="sng" algn="ctr">
+                      <a:solidFill>
+                        <a:schemeClr val="tx1"/>
+                      </a:solidFill>
+                      <a:prstDash val="solid"/>
+                      <a:round/>
+                      <a:headEnd type="none" w="med" len="med"/>
+                      <a:tailEnd type="none" w="med" len="med"/>
+                    </a:lnB>
+                    <a:solidFill>
+                      <a:schemeClr val="bg1"/>
+                    </a:solidFill>
+                  </a:tcPr>
+                </a:tc>
+                <a:tc>
+                  <a:txBody>
+                    <a:bodyPr/>
+                    <a:lstStyle/>
+                    <a:p>
+                      <a:pPr marL="0" marR="0" indent="0" algn="just">
+                        <a:lnSpc>
+                          <a:spcPct val="150000"/>
+                        </a:lnSpc>
+                        <a:spcBef>
+                          <a:spcPts val="0"/>
+                        </a:spcBef>
+                        <a:spcAft>
+                          <a:spcPts val="0"/>
+                        </a:spcAft>
+                      </a:pPr>
+                      <a:r>
+                        <a:rPr lang="en-US" sz="1200" b="0">
+                          <a:solidFill>
+                            <a:schemeClr val="tx1"/>
+                          </a:solidFill>
+                          <a:effectLst/>
+                        </a:rPr>
+                        <a:t>       7.1 Hệ thống thông bao số điện thoại không hợp lệ quay lại bước 5</a:t>
+                      </a:r>
+                      <a:endParaRPr lang="en-US" sz="1200" b="0">
+                        <a:solidFill>
+                          <a:schemeClr val="tx1"/>
+                        </a:solidFill>
+                        <a:effectLst/>
+                        <a:latin typeface="Times New Roman" panose="02020603050405020304" pitchFamily="18" charset="0"/>
+                        <a:ea typeface="Times New Roman" panose="02020603050405020304" pitchFamily="18" charset="0"/>
+                      </a:endParaRPr>
+                    </a:p>
+                  </a:txBody>
+                  <a:tcPr marL="29161" marR="29161" marT="0" marB="0" anchor="ctr">
+                    <a:lnL w="12700" cap="flat" cmpd="sng" algn="ctr">
+                      <a:solidFill>
+                        <a:schemeClr val="tx1"/>
+                      </a:solidFill>
+                      <a:prstDash val="solid"/>
+                      <a:round/>
+                      <a:headEnd type="none" w="med" len="med"/>
+                      <a:tailEnd type="none" w="med" len="med"/>
+                    </a:lnL>
+                    <a:lnR w="12700" cap="flat" cmpd="sng" algn="ctr">
+                      <a:solidFill>
+                        <a:schemeClr val="tx1"/>
+                      </a:solidFill>
+                      <a:prstDash val="solid"/>
+                      <a:round/>
+                      <a:headEnd type="none" w="med" len="med"/>
+                      <a:tailEnd type="none" w="med" len="med"/>
+                    </a:lnR>
+                    <a:lnT w="12700" cap="flat" cmpd="sng" algn="ctr">
+                      <a:solidFill>
+                        <a:schemeClr val="tx1"/>
+                      </a:solidFill>
+                      <a:prstDash val="solid"/>
+                      <a:round/>
+                      <a:headEnd type="none" w="med" len="med"/>
+                      <a:tailEnd type="none" w="med" len="med"/>
+                    </a:lnT>
+                    <a:lnB w="12700" cap="flat" cmpd="sng" algn="ctr">
+                      <a:solidFill>
+                        <a:schemeClr val="tx1"/>
+                      </a:solidFill>
+                      <a:prstDash val="solid"/>
+                      <a:round/>
+                      <a:headEnd type="none" w="med" len="med"/>
+                      <a:tailEnd type="none" w="med" len="med"/>
+                    </a:lnB>
+                    <a:solidFill>
+                      <a:schemeClr val="bg1"/>
+                    </a:solidFill>
+                  </a:tcPr>
+                </a:tc>
+                <a:extLst>
+                  <a:ext uri="{0D108BD9-81ED-4DB2-BD59-A6C34878D82A}">
+                    <a16:rowId xmlns:a16="http://schemas.microsoft.com/office/drawing/2014/main" val="4292817541"/>
+                  </a:ext>
+                </a:extLst>
+              </a:tr>
+              <a:tr h="689588">
+                <a:tc>
+                  <a:txBody>
+                    <a:bodyPr/>
+                    <a:lstStyle/>
+                    <a:p>
+                      <a:pPr marL="0" marR="0" indent="0" algn="just">
+                        <a:lnSpc>
+                          <a:spcPct val="150000"/>
+                        </a:lnSpc>
+                        <a:spcBef>
+                          <a:spcPts val="0"/>
+                        </a:spcBef>
+                        <a:spcAft>
+                          <a:spcPts val="0"/>
+                        </a:spcAft>
+                      </a:pPr>
+                      <a:r>
+                        <a:rPr lang="en-US" sz="1200" b="0">
+                          <a:solidFill>
+                            <a:schemeClr val="tx1"/>
+                          </a:solidFill>
+                          <a:effectLst/>
+                        </a:rPr>
+                        <a:t> </a:t>
+                      </a:r>
+                      <a:endParaRPr lang="en-US" sz="1200" b="0">
+                        <a:solidFill>
+                          <a:schemeClr val="tx1"/>
+                        </a:solidFill>
+                        <a:effectLst/>
+                        <a:latin typeface="Times New Roman" panose="02020603050405020304" pitchFamily="18" charset="0"/>
+                        <a:ea typeface="Times New Roman" panose="02020603050405020304" pitchFamily="18" charset="0"/>
+                      </a:endParaRPr>
+                    </a:p>
+                  </a:txBody>
+                  <a:tcPr marL="29161" marR="29161" marT="0" marB="0" anchor="ctr">
+                    <a:lnL w="12700" cap="flat" cmpd="sng" algn="ctr">
+                      <a:solidFill>
+                        <a:schemeClr val="tx1"/>
+                      </a:solidFill>
+                      <a:prstDash val="solid"/>
+                      <a:round/>
+                      <a:headEnd type="none" w="med" len="med"/>
+                      <a:tailEnd type="none" w="med" len="med"/>
+                    </a:lnL>
+                    <a:lnR w="12700" cap="flat" cmpd="sng" algn="ctr">
+                      <a:solidFill>
+                        <a:schemeClr val="tx1"/>
+                      </a:solidFill>
+                      <a:prstDash val="solid"/>
+                      <a:round/>
+                      <a:headEnd type="none" w="med" len="med"/>
+                      <a:tailEnd type="none" w="med" len="med"/>
+                    </a:lnR>
+                    <a:lnT w="12700" cap="flat" cmpd="sng" algn="ctr">
+                      <a:solidFill>
+                        <a:schemeClr val="tx1"/>
+                      </a:solidFill>
+                      <a:prstDash val="solid"/>
+                      <a:round/>
+                      <a:headEnd type="none" w="med" len="med"/>
+                      <a:tailEnd type="none" w="med" len="med"/>
+                    </a:lnT>
+                    <a:lnB w="12700" cap="flat" cmpd="sng" algn="ctr">
+                      <a:solidFill>
+                        <a:schemeClr val="tx1"/>
+                      </a:solidFill>
+                      <a:prstDash val="solid"/>
+                      <a:round/>
+                      <a:headEnd type="none" w="med" len="med"/>
+                      <a:tailEnd type="none" w="med" len="med"/>
+                    </a:lnB>
+                    <a:solidFill>
+                      <a:schemeClr val="bg1"/>
+                    </a:solidFill>
+                  </a:tcPr>
+                </a:tc>
+                <a:tc>
+                  <a:txBody>
+                    <a:bodyPr/>
+                    <a:lstStyle/>
+                    <a:p>
+                      <a:pPr marL="0" marR="0" indent="0" algn="just">
+                        <a:lnSpc>
+                          <a:spcPct val="150000"/>
+                        </a:lnSpc>
+                        <a:spcBef>
+                          <a:spcPts val="0"/>
+                        </a:spcBef>
+                        <a:spcAft>
+                          <a:spcPts val="0"/>
+                        </a:spcAft>
+                      </a:pPr>
+                      <a:r>
+                        <a:rPr lang="en-US" sz="1200" b="0">
+                          <a:solidFill>
+                            <a:schemeClr val="tx1"/>
+                          </a:solidFill>
+                          <a:effectLst/>
+                        </a:rPr>
+                        <a:t>       7.1.1 Hệ thông thông báo số điện thoại chưa đăng ký tài khoản quay lại bước 5</a:t>
+                      </a:r>
+                      <a:endParaRPr lang="en-US" sz="1200" b="0">
+                        <a:solidFill>
+                          <a:schemeClr val="tx1"/>
+                        </a:solidFill>
+                        <a:effectLst/>
+                        <a:latin typeface="Times New Roman" panose="02020603050405020304" pitchFamily="18" charset="0"/>
+                        <a:ea typeface="Times New Roman" panose="02020603050405020304" pitchFamily="18" charset="0"/>
+                      </a:endParaRPr>
+                    </a:p>
+                  </a:txBody>
+                  <a:tcPr marL="29161" marR="29161" marT="0" marB="0" anchor="ctr">
+                    <a:lnL w="12700" cap="flat" cmpd="sng" algn="ctr">
+                      <a:solidFill>
+                        <a:schemeClr val="tx1"/>
+                      </a:solidFill>
+                      <a:prstDash val="solid"/>
+                      <a:round/>
+                      <a:headEnd type="none" w="med" len="med"/>
+                      <a:tailEnd type="none" w="med" len="med"/>
+                    </a:lnL>
+                    <a:lnR w="12700" cap="flat" cmpd="sng" algn="ctr">
+                      <a:solidFill>
+                        <a:schemeClr val="tx1"/>
+                      </a:solidFill>
+                      <a:prstDash val="solid"/>
+                      <a:round/>
+                      <a:headEnd type="none" w="med" len="med"/>
+                      <a:tailEnd type="none" w="med" len="med"/>
+                    </a:lnR>
+                    <a:lnT w="12700" cap="flat" cmpd="sng" algn="ctr">
+                      <a:solidFill>
+                        <a:schemeClr val="tx1"/>
+                      </a:solidFill>
+                      <a:prstDash val="solid"/>
+                      <a:round/>
+                      <a:headEnd type="none" w="med" len="med"/>
+                      <a:tailEnd type="none" w="med" len="med"/>
+                    </a:lnT>
+                    <a:lnB w="12700" cap="flat" cmpd="sng" algn="ctr">
+                      <a:solidFill>
+                        <a:schemeClr val="tx1"/>
+                      </a:solidFill>
+                      <a:prstDash val="solid"/>
+                      <a:round/>
+                      <a:headEnd type="none" w="med" len="med"/>
+                      <a:tailEnd type="none" w="med" len="med"/>
+                    </a:lnB>
+                    <a:solidFill>
+                      <a:schemeClr val="bg1"/>
+                    </a:solidFill>
+                  </a:tcPr>
+                </a:tc>
+                <a:extLst>
+                  <a:ext uri="{0D108BD9-81ED-4DB2-BD59-A6C34878D82A}">
+                    <a16:rowId xmlns:a16="http://schemas.microsoft.com/office/drawing/2014/main" val="32902329"/>
+                  </a:ext>
+                </a:extLst>
+              </a:tr>
+            </a:tbl>
+          </a:graphicData>
+        </a:graphic>
+      </p:graphicFrame>
+    </p:spTree>
+    <p:extLst>
+      <p:ext uri="{BB962C8B-B14F-4D97-AF65-F5344CB8AC3E}">
+        <p14:creationId xmlns:p14="http://schemas.microsoft.com/office/powerpoint/2010/main" val="1127881267"/>
+      </p:ext>
+    </p:extLst>
+  </p:cSld>
+  <p:clrMapOvr>
+    <a:masterClrMapping/>
+  </p:clrMapOvr>
+</p:sld>
+</file>
+
+<file path=ppt/slides/slide15.xml><?xml version="1.0" encoding="utf-8"?>
 <p:sld xmlns:a="http://schemas.openxmlformats.org/drawingml/2006/main" xmlns:r="http://schemas.openxmlformats.org/officeDocument/2006/relationships" xmlns:p="http://schemas.openxmlformats.org/presentationml/2006/main">
   <p:cSld>
     <p:spTree>
@@ -6418,7 +14470,7 @@
 </p:sld>
 </file>
 
-<file path=ppt/slides/slide13.xml><?xml version="1.0" encoding="utf-8"?>
+<file path=ppt/slides/slide16.xml><?xml version="1.0" encoding="utf-8"?>
 <p:sld xmlns:a="http://schemas.openxmlformats.org/drawingml/2006/main" xmlns:r="http://schemas.openxmlformats.org/officeDocument/2006/relationships" xmlns:p="http://schemas.openxmlformats.org/presentationml/2006/main">
   <p:cSld>
     <p:spTree>
@@ -6547,7 +14599,7 @@
 </p:sld>
 </file>
 
-<file path=ppt/slides/slide14.xml><?xml version="1.0" encoding="utf-8"?>
+<file path=ppt/slides/slide17.xml><?xml version="1.0" encoding="utf-8"?>
 <p:sld xmlns:a="http://schemas.openxmlformats.org/drawingml/2006/main" xmlns:r="http://schemas.openxmlformats.org/officeDocument/2006/relationships" xmlns:p="http://schemas.openxmlformats.org/presentationml/2006/main">
   <p:cSld>
     <p:spTree>
@@ -6981,7 +15033,7 @@
 </p:sld>
 </file>
 
-<file path=ppt/slides/slide15.xml><?xml version="1.0" encoding="utf-8"?>
+<file path=ppt/slides/slide18.xml><?xml version="1.0" encoding="utf-8"?>
 <p:sld xmlns:a="http://schemas.openxmlformats.org/drawingml/2006/main" xmlns:r="http://schemas.openxmlformats.org/officeDocument/2006/relationships" xmlns:p="http://schemas.openxmlformats.org/presentationml/2006/main">
   <p:cSld>
     <p:spTree>
@@ -7110,7 +15162,7 @@
 </p:sld>
 </file>
 
-<file path=ppt/slides/slide16.xml><?xml version="1.0" encoding="utf-8"?>
+<file path=ppt/slides/slide19.xml><?xml version="1.0" encoding="utf-8"?>
 <p:sld xmlns:a="http://schemas.openxmlformats.org/drawingml/2006/main" xmlns:r="http://schemas.openxmlformats.org/officeDocument/2006/relationships" xmlns:p="http://schemas.openxmlformats.org/presentationml/2006/main">
   <p:cSld>
     <p:spTree>
@@ -7436,828 +15488,6 @@
     <p:extLst>
       <p:ext uri="{BB962C8B-B14F-4D97-AF65-F5344CB8AC3E}">
         <p14:creationId xmlns:p14="http://schemas.microsoft.com/office/powerpoint/2010/main" val="3534707094"/>
-      </p:ext>
-    </p:extLst>
-  </p:cSld>
-  <p:clrMapOvr>
-    <a:masterClrMapping/>
-  </p:clrMapOvr>
-</p:sld>
-</file>
-
-<file path=ppt/slides/slide17.xml><?xml version="1.0" encoding="utf-8"?>
-<p:sld xmlns:a="http://schemas.openxmlformats.org/drawingml/2006/main" xmlns:r="http://schemas.openxmlformats.org/officeDocument/2006/relationships" xmlns:p="http://schemas.openxmlformats.org/presentationml/2006/main">
-  <p:cSld>
-    <p:spTree>
-      <p:nvGrpSpPr>
-        <p:cNvPr id="1" name=""/>
-        <p:cNvGrpSpPr/>
-        <p:nvPr/>
-      </p:nvGrpSpPr>
-      <p:grpSpPr>
-        <a:xfrm>
-          <a:off x="0" y="0"/>
-          <a:ext cx="0" cy="0"/>
-          <a:chOff x="0" y="0"/>
-          <a:chExt cx="0" cy="0"/>
-        </a:xfrm>
-      </p:grpSpPr>
-      <p:sp>
-        <p:nvSpPr>
-          <p:cNvPr id="2" name="Google Shape;319;p35">
-            <a:extLst>
-              <a:ext uri="{FF2B5EF4-FFF2-40B4-BE49-F238E27FC236}">
-                <a16:creationId xmlns:a16="http://schemas.microsoft.com/office/drawing/2014/main" id="{E92A6367-C15C-45B5-8467-F9925B35CFD5}"/>
-              </a:ext>
-            </a:extLst>
-          </p:cNvPr>
-          <p:cNvSpPr/>
-          <p:nvPr/>
-        </p:nvSpPr>
-        <p:spPr>
-          <a:xfrm>
-            <a:off x="11173326" y="-476310"/>
-            <a:ext cx="609600" cy="1143000"/>
-          </a:xfrm>
-          <a:prstGeom prst="roundRect">
-            <a:avLst>
-              <a:gd name="adj" fmla="val 16667"/>
-            </a:avLst>
-          </a:prstGeom>
-          <a:solidFill>
-            <a:schemeClr val="accent3"/>
-          </a:solidFill>
-          <a:ln w="25400" cap="flat" cmpd="sng">
-            <a:solidFill>
-              <a:srgbClr val="05759E"/>
-            </a:solidFill>
-            <a:prstDash val="solid"/>
-            <a:round/>
-            <a:headEnd type="none" w="sm" len="sm"/>
-            <a:tailEnd type="none" w="sm" len="sm"/>
-          </a:ln>
-        </p:spPr>
-        <p:txBody>
-          <a:bodyPr spcFirstLastPara="1" wrap="square" lIns="91425" tIns="45700" rIns="91425" bIns="45700" anchor="ctr" anchorCtr="0">
-            <a:noAutofit/>
-          </a:bodyPr>
-          <a:lstStyle/>
-          <a:p>
-            <a:pPr marL="0" marR="0" lvl="0" indent="0" algn="ctr" rtl="0">
-              <a:lnSpc>
-                <a:spcPct val="100000"/>
-              </a:lnSpc>
-              <a:spcBef>
-                <a:spcPts val="0"/>
-              </a:spcBef>
-              <a:spcAft>
-                <a:spcPts val="0"/>
-              </a:spcAft>
-              <a:buClr>
-                <a:srgbClr val="000000"/>
-              </a:buClr>
-              <a:buSzPts val="1800"/>
-              <a:buFont typeface="Arial"/>
-              <a:buNone/>
-            </a:pPr>
-            <a:endParaRPr sz="1800" b="0" i="0" u="none" strike="noStrike" cap="none">
-              <a:solidFill>
-                <a:schemeClr val="lt1"/>
-              </a:solidFill>
-              <a:latin typeface="Libre Franklin Thin"/>
-              <a:ea typeface="Libre Franklin Thin"/>
-              <a:cs typeface="Libre Franklin Thin"/>
-              <a:sym typeface="Libre Franklin Thin"/>
-            </a:endParaRPr>
-          </a:p>
-        </p:txBody>
-      </p:sp>
-      <p:sp>
-        <p:nvSpPr>
-          <p:cNvPr id="3" name="Google Shape;320;p35">
-            <a:extLst>
-              <a:ext uri="{FF2B5EF4-FFF2-40B4-BE49-F238E27FC236}">
-                <a16:creationId xmlns:a16="http://schemas.microsoft.com/office/drawing/2014/main" id="{6B0395E8-8A89-4E5E-997E-B500C0381475}"/>
-              </a:ext>
-            </a:extLst>
-          </p:cNvPr>
-          <p:cNvSpPr txBox="1"/>
-          <p:nvPr/>
-        </p:nvSpPr>
-        <p:spPr>
-          <a:xfrm>
-            <a:off x="409074" y="666690"/>
-            <a:ext cx="3096126" cy="400069"/>
-          </a:xfrm>
-          <a:prstGeom prst="rect">
-            <a:avLst/>
-          </a:prstGeom>
-          <a:noFill/>
-          <a:ln>
-            <a:noFill/>
-          </a:ln>
-        </p:spPr>
-        <p:txBody>
-          <a:bodyPr spcFirstLastPara="1" wrap="square" lIns="91425" tIns="45700" rIns="91425" bIns="45700" anchor="t" anchorCtr="0">
-            <a:spAutoFit/>
-          </a:bodyPr>
-          <a:lstStyle/>
-          <a:p>
-            <a:pPr marL="342900" marR="0" lvl="0" indent="-342900" algn="l" rtl="0">
-              <a:lnSpc>
-                <a:spcPct val="100000"/>
-              </a:lnSpc>
-              <a:spcBef>
-                <a:spcPts val="0"/>
-              </a:spcBef>
-              <a:spcAft>
-                <a:spcPts val="0"/>
-              </a:spcAft>
-              <a:buClr>
-                <a:srgbClr val="03506C"/>
-              </a:buClr>
-              <a:buSzPts val="2000"/>
-              <a:buFont typeface="Noto Sans Symbols"/>
-              <a:buChar char="❖"/>
-            </a:pPr>
-            <a:r>
-              <a:rPr lang="en-US" sz="2000" b="1" u="sng" dirty="0">
-                <a:solidFill>
-                  <a:srgbClr val="03506C"/>
-                </a:solidFill>
-                <a:latin typeface="Arial"/>
-                <a:ea typeface="Arial"/>
-                <a:cs typeface="Arial"/>
-                <a:sym typeface="Arial"/>
-              </a:rPr>
-              <a:t>CƠ SỞ DỮ LIỆU</a:t>
-            </a:r>
-            <a:endParaRPr sz="2000" b="1" i="0" u="sng" strike="noStrike" cap="none" dirty="0">
-              <a:solidFill>
-                <a:srgbClr val="03506C"/>
-              </a:solidFill>
-              <a:latin typeface="Arial"/>
-              <a:ea typeface="Arial"/>
-              <a:cs typeface="Arial"/>
-              <a:sym typeface="Arial"/>
-            </a:endParaRPr>
-          </a:p>
-        </p:txBody>
-      </p:sp>
-      <p:sp>
-        <p:nvSpPr>
-          <p:cNvPr id="4" name="Google Shape;321;p35">
-            <a:extLst>
-              <a:ext uri="{FF2B5EF4-FFF2-40B4-BE49-F238E27FC236}">
-                <a16:creationId xmlns:a16="http://schemas.microsoft.com/office/drawing/2014/main" id="{65129259-E120-4C5A-8B09-8A39E81C75D9}"/>
-              </a:ext>
-            </a:extLst>
-          </p:cNvPr>
-          <p:cNvSpPr txBox="1"/>
-          <p:nvPr/>
-        </p:nvSpPr>
-        <p:spPr>
-          <a:xfrm>
-            <a:off x="9424736" y="57090"/>
-            <a:ext cx="1824789" cy="571500"/>
-          </a:xfrm>
-          <a:prstGeom prst="rect">
-            <a:avLst/>
-          </a:prstGeom>
-          <a:noFill/>
-          <a:ln>
-            <a:noFill/>
-          </a:ln>
-        </p:spPr>
-        <p:txBody>
-          <a:bodyPr spcFirstLastPara="1" wrap="square" lIns="91425" tIns="45700" rIns="91425" bIns="45700" anchor="ctr" anchorCtr="0">
-            <a:noAutofit/>
-          </a:bodyPr>
-          <a:lstStyle/>
-          <a:p>
-            <a:pPr marL="0" marR="0" lvl="0" indent="0" algn="l" rtl="0">
-              <a:lnSpc>
-                <a:spcPct val="100000"/>
-              </a:lnSpc>
-              <a:spcBef>
-                <a:spcPts val="0"/>
-              </a:spcBef>
-              <a:spcAft>
-                <a:spcPts val="0"/>
-              </a:spcAft>
-              <a:buClr>
-                <a:srgbClr val="0578A2"/>
-              </a:buClr>
-              <a:buSzPts val="2400"/>
-              <a:buFont typeface="Arial"/>
-              <a:buNone/>
-            </a:pPr>
-            <a:r>
-              <a:rPr lang="en-US" sz="2400" b="1" i="0" u="none" strike="noStrike" cap="none">
-                <a:solidFill>
-                  <a:srgbClr val="0578A2"/>
-                </a:solidFill>
-                <a:latin typeface="Arial"/>
-                <a:ea typeface="Arial"/>
-                <a:cs typeface="Arial"/>
-                <a:sym typeface="Arial"/>
-              </a:rPr>
-              <a:t>THIẾT KẾ</a:t>
-            </a:r>
-            <a:endParaRPr sz="2400" b="1" i="0" u="none" strike="noStrike" cap="none">
-              <a:solidFill>
-                <a:srgbClr val="0578A2"/>
-              </a:solidFill>
-              <a:latin typeface="Arial"/>
-              <a:ea typeface="Arial"/>
-              <a:cs typeface="Arial"/>
-              <a:sym typeface="Arial"/>
-            </a:endParaRPr>
-          </a:p>
-        </p:txBody>
-      </p:sp>
-      <p:sp>
-        <p:nvSpPr>
-          <p:cNvPr id="5" name="Google Shape;322;p35">
-            <a:extLst>
-              <a:ext uri="{FF2B5EF4-FFF2-40B4-BE49-F238E27FC236}">
-                <a16:creationId xmlns:a16="http://schemas.microsoft.com/office/drawing/2014/main" id="{E8971F61-40ED-4D27-B916-98434B122ADE}"/>
-              </a:ext>
-            </a:extLst>
-          </p:cNvPr>
-          <p:cNvSpPr txBox="1"/>
-          <p:nvPr/>
-        </p:nvSpPr>
-        <p:spPr>
-          <a:xfrm>
-            <a:off x="5314950" y="6396335"/>
-            <a:ext cx="1562100" cy="461665"/>
-          </a:xfrm>
-          <a:prstGeom prst="rect">
-            <a:avLst/>
-          </a:prstGeom>
-          <a:noFill/>
-          <a:ln>
-            <a:noFill/>
-          </a:ln>
-        </p:spPr>
-        <p:txBody>
-          <a:bodyPr spcFirstLastPara="1" wrap="square" lIns="91425" tIns="45700" rIns="91425" bIns="45700" anchor="t" anchorCtr="0">
-            <a:spAutoFit/>
-          </a:bodyPr>
-          <a:lstStyle/>
-          <a:p>
-            <a:pPr marL="0" marR="0" lvl="0" indent="0" algn="l" rtl="0">
-              <a:lnSpc>
-                <a:spcPct val="100000"/>
-              </a:lnSpc>
-              <a:spcBef>
-                <a:spcPts val="0"/>
-              </a:spcBef>
-              <a:spcAft>
-                <a:spcPts val="0"/>
-              </a:spcAft>
-              <a:buNone/>
-            </a:pPr>
-            <a:r>
-              <a:rPr lang="en-US" sz="2400" b="1" i="0" u="none" strike="noStrike" cap="none" dirty="0">
-                <a:solidFill>
-                  <a:schemeClr val="lt1"/>
-                </a:solidFill>
-                <a:latin typeface="Arial"/>
-                <a:ea typeface="Arial"/>
-                <a:cs typeface="Arial"/>
-                <a:sym typeface="Arial"/>
-              </a:rPr>
-              <a:t>NHÓM </a:t>
-            </a:r>
-            <a:r>
-              <a:rPr lang="en-US" sz="2400" b="1" dirty="0">
-                <a:solidFill>
-                  <a:schemeClr val="lt1"/>
-                </a:solidFill>
-                <a:latin typeface="Arial"/>
-                <a:ea typeface="Arial"/>
-                <a:cs typeface="Arial"/>
-                <a:sym typeface="Arial"/>
-              </a:rPr>
-              <a:t>6</a:t>
-            </a:r>
-            <a:endParaRPr sz="2400" b="1" i="0" u="none" strike="noStrike" cap="none" dirty="0">
-              <a:solidFill>
-                <a:schemeClr val="lt1"/>
-              </a:solidFill>
-              <a:latin typeface="Arial"/>
-              <a:ea typeface="Arial"/>
-              <a:cs typeface="Arial"/>
-              <a:sym typeface="Arial"/>
-            </a:endParaRPr>
-          </a:p>
-        </p:txBody>
-      </p:sp>
-    </p:spTree>
-    <p:extLst>
-      <p:ext uri="{BB962C8B-B14F-4D97-AF65-F5344CB8AC3E}">
-        <p14:creationId xmlns:p14="http://schemas.microsoft.com/office/powerpoint/2010/main" val="2758304604"/>
-      </p:ext>
-    </p:extLst>
-  </p:cSld>
-  <p:clrMapOvr>
-    <a:masterClrMapping/>
-  </p:clrMapOvr>
-</p:sld>
-</file>
-
-<file path=ppt/slides/slide18.xml><?xml version="1.0" encoding="utf-8"?>
-<p:sld xmlns:a="http://schemas.openxmlformats.org/drawingml/2006/main" xmlns:r="http://schemas.openxmlformats.org/officeDocument/2006/relationships" xmlns:p="http://schemas.openxmlformats.org/presentationml/2006/main">
-  <p:cSld>
-    <p:spTree>
-      <p:nvGrpSpPr>
-        <p:cNvPr id="1" name=""/>
-        <p:cNvGrpSpPr/>
-        <p:nvPr/>
-      </p:nvGrpSpPr>
-      <p:grpSpPr>
-        <a:xfrm>
-          <a:off x="0" y="0"/>
-          <a:ext cx="0" cy="0"/>
-          <a:chOff x="0" y="0"/>
-          <a:chExt cx="0" cy="0"/>
-        </a:xfrm>
-      </p:grpSpPr>
-      <p:sp>
-        <p:nvSpPr>
-          <p:cNvPr id="2" name="Google Shape;319;p35">
-            <a:extLst>
-              <a:ext uri="{FF2B5EF4-FFF2-40B4-BE49-F238E27FC236}">
-                <a16:creationId xmlns:a16="http://schemas.microsoft.com/office/drawing/2014/main" id="{7C0478A8-3F75-4502-B52A-01C233A094E7}"/>
-              </a:ext>
-            </a:extLst>
-          </p:cNvPr>
-          <p:cNvSpPr/>
-          <p:nvPr/>
-        </p:nvSpPr>
-        <p:spPr>
-          <a:xfrm>
-            <a:off x="11173326" y="-476310"/>
-            <a:ext cx="609600" cy="1143000"/>
-          </a:xfrm>
-          <a:prstGeom prst="roundRect">
-            <a:avLst>
-              <a:gd name="adj" fmla="val 16667"/>
-            </a:avLst>
-          </a:prstGeom>
-          <a:solidFill>
-            <a:schemeClr val="accent3"/>
-          </a:solidFill>
-          <a:ln w="25400" cap="flat" cmpd="sng">
-            <a:solidFill>
-              <a:srgbClr val="05759E"/>
-            </a:solidFill>
-            <a:prstDash val="solid"/>
-            <a:round/>
-            <a:headEnd type="none" w="sm" len="sm"/>
-            <a:tailEnd type="none" w="sm" len="sm"/>
-          </a:ln>
-        </p:spPr>
-        <p:txBody>
-          <a:bodyPr spcFirstLastPara="1" wrap="square" lIns="91425" tIns="45700" rIns="91425" bIns="45700" anchor="ctr" anchorCtr="0">
-            <a:noAutofit/>
-          </a:bodyPr>
-          <a:lstStyle/>
-          <a:p>
-            <a:pPr marL="0" marR="0" lvl="0" indent="0" algn="ctr" rtl="0">
-              <a:lnSpc>
-                <a:spcPct val="100000"/>
-              </a:lnSpc>
-              <a:spcBef>
-                <a:spcPts val="0"/>
-              </a:spcBef>
-              <a:spcAft>
-                <a:spcPts val="0"/>
-              </a:spcAft>
-              <a:buClr>
-                <a:srgbClr val="000000"/>
-              </a:buClr>
-              <a:buSzPts val="1800"/>
-              <a:buFont typeface="Arial"/>
-              <a:buNone/>
-            </a:pPr>
-            <a:endParaRPr sz="1800" b="0" i="0" u="none" strike="noStrike" cap="none">
-              <a:solidFill>
-                <a:schemeClr val="lt1"/>
-              </a:solidFill>
-              <a:latin typeface="Libre Franklin Thin"/>
-              <a:ea typeface="Libre Franklin Thin"/>
-              <a:cs typeface="Libre Franklin Thin"/>
-              <a:sym typeface="Libre Franklin Thin"/>
-            </a:endParaRPr>
-          </a:p>
-        </p:txBody>
-      </p:sp>
-      <p:sp>
-        <p:nvSpPr>
-          <p:cNvPr id="3" name="Google Shape;320;p35">
-            <a:extLst>
-              <a:ext uri="{FF2B5EF4-FFF2-40B4-BE49-F238E27FC236}">
-                <a16:creationId xmlns:a16="http://schemas.microsoft.com/office/drawing/2014/main" id="{0126A184-298E-41D6-A51D-95AF6E54812F}"/>
-              </a:ext>
-            </a:extLst>
-          </p:cNvPr>
-          <p:cNvSpPr txBox="1"/>
-          <p:nvPr/>
-        </p:nvSpPr>
-        <p:spPr>
-          <a:xfrm>
-            <a:off x="409074" y="666690"/>
-            <a:ext cx="4162926" cy="400069"/>
-          </a:xfrm>
-          <a:prstGeom prst="rect">
-            <a:avLst/>
-          </a:prstGeom>
-          <a:noFill/>
-          <a:ln>
-            <a:noFill/>
-          </a:ln>
-        </p:spPr>
-        <p:txBody>
-          <a:bodyPr spcFirstLastPara="1" wrap="square" lIns="91425" tIns="45700" rIns="91425" bIns="45700" anchor="t" anchorCtr="0">
-            <a:spAutoFit/>
-          </a:bodyPr>
-          <a:lstStyle/>
-          <a:p>
-            <a:pPr marL="342900" marR="0" lvl="0" indent="-342900" algn="l" rtl="0">
-              <a:lnSpc>
-                <a:spcPct val="100000"/>
-              </a:lnSpc>
-              <a:spcBef>
-                <a:spcPts val="0"/>
-              </a:spcBef>
-              <a:spcAft>
-                <a:spcPts val="0"/>
-              </a:spcAft>
-              <a:buClr>
-                <a:srgbClr val="03506C"/>
-              </a:buClr>
-              <a:buSzPts val="2000"/>
-              <a:buFont typeface="Noto Sans Symbols"/>
-              <a:buChar char="❖"/>
-            </a:pPr>
-            <a:r>
-              <a:rPr lang="en-US" sz="2000" b="1" u="sng" dirty="0">
-                <a:solidFill>
-                  <a:srgbClr val="03506C"/>
-                </a:solidFill>
-                <a:latin typeface="Arial"/>
-                <a:ea typeface="Arial"/>
-                <a:cs typeface="Arial"/>
-                <a:sym typeface="Arial"/>
-              </a:rPr>
-              <a:t>CÁC GIAO DIỆN MÀN HÌNH</a:t>
-            </a:r>
-            <a:endParaRPr sz="2000" b="1" i="0" u="sng" strike="noStrike" cap="none" dirty="0">
-              <a:solidFill>
-                <a:srgbClr val="03506C"/>
-              </a:solidFill>
-              <a:latin typeface="Arial"/>
-              <a:ea typeface="Arial"/>
-              <a:cs typeface="Arial"/>
-              <a:sym typeface="Arial"/>
-            </a:endParaRPr>
-          </a:p>
-        </p:txBody>
-      </p:sp>
-      <p:sp>
-        <p:nvSpPr>
-          <p:cNvPr id="4" name="Google Shape;321;p35">
-            <a:extLst>
-              <a:ext uri="{FF2B5EF4-FFF2-40B4-BE49-F238E27FC236}">
-                <a16:creationId xmlns:a16="http://schemas.microsoft.com/office/drawing/2014/main" id="{D2A71821-2155-4AB7-8140-AE2578AA2C56}"/>
-              </a:ext>
-            </a:extLst>
-          </p:cNvPr>
-          <p:cNvSpPr txBox="1"/>
-          <p:nvPr/>
-        </p:nvSpPr>
-        <p:spPr>
-          <a:xfrm>
-            <a:off x="9424736" y="57090"/>
-            <a:ext cx="1824789" cy="571500"/>
-          </a:xfrm>
-          <a:prstGeom prst="rect">
-            <a:avLst/>
-          </a:prstGeom>
-          <a:noFill/>
-          <a:ln>
-            <a:noFill/>
-          </a:ln>
-        </p:spPr>
-        <p:txBody>
-          <a:bodyPr spcFirstLastPara="1" wrap="square" lIns="91425" tIns="45700" rIns="91425" bIns="45700" anchor="ctr" anchorCtr="0">
-            <a:noAutofit/>
-          </a:bodyPr>
-          <a:lstStyle/>
-          <a:p>
-            <a:pPr marL="0" marR="0" lvl="0" indent="0" algn="l" rtl="0">
-              <a:lnSpc>
-                <a:spcPct val="100000"/>
-              </a:lnSpc>
-              <a:spcBef>
-                <a:spcPts val="0"/>
-              </a:spcBef>
-              <a:spcAft>
-                <a:spcPts val="0"/>
-              </a:spcAft>
-              <a:buClr>
-                <a:srgbClr val="0578A2"/>
-              </a:buClr>
-              <a:buSzPts val="2400"/>
-              <a:buFont typeface="Arial"/>
-              <a:buNone/>
-            </a:pPr>
-            <a:r>
-              <a:rPr lang="en-US" sz="2400" b="1" i="0" u="none" strike="noStrike" cap="none">
-                <a:solidFill>
-                  <a:srgbClr val="0578A2"/>
-                </a:solidFill>
-                <a:latin typeface="Arial"/>
-                <a:ea typeface="Arial"/>
-                <a:cs typeface="Arial"/>
-                <a:sym typeface="Arial"/>
-              </a:rPr>
-              <a:t>THIẾT KẾ</a:t>
-            </a:r>
-            <a:endParaRPr sz="2400" b="1" i="0" u="none" strike="noStrike" cap="none">
-              <a:solidFill>
-                <a:srgbClr val="0578A2"/>
-              </a:solidFill>
-              <a:latin typeface="Arial"/>
-              <a:ea typeface="Arial"/>
-              <a:cs typeface="Arial"/>
-              <a:sym typeface="Arial"/>
-            </a:endParaRPr>
-          </a:p>
-        </p:txBody>
-      </p:sp>
-      <p:sp>
-        <p:nvSpPr>
-          <p:cNvPr id="5" name="Google Shape;322;p35">
-            <a:extLst>
-              <a:ext uri="{FF2B5EF4-FFF2-40B4-BE49-F238E27FC236}">
-                <a16:creationId xmlns:a16="http://schemas.microsoft.com/office/drawing/2014/main" id="{59D5B30F-C62E-4D16-8C3B-EF79DFD6400F}"/>
-              </a:ext>
-            </a:extLst>
-          </p:cNvPr>
-          <p:cNvSpPr txBox="1"/>
-          <p:nvPr/>
-        </p:nvSpPr>
-        <p:spPr>
-          <a:xfrm>
-            <a:off x="5314950" y="6396335"/>
-            <a:ext cx="1562100" cy="461665"/>
-          </a:xfrm>
-          <a:prstGeom prst="rect">
-            <a:avLst/>
-          </a:prstGeom>
-          <a:noFill/>
-          <a:ln>
-            <a:noFill/>
-          </a:ln>
-        </p:spPr>
-        <p:txBody>
-          <a:bodyPr spcFirstLastPara="1" wrap="square" lIns="91425" tIns="45700" rIns="91425" bIns="45700" anchor="t" anchorCtr="0">
-            <a:spAutoFit/>
-          </a:bodyPr>
-          <a:lstStyle/>
-          <a:p>
-            <a:pPr marL="0" marR="0" lvl="0" indent="0" algn="l" rtl="0">
-              <a:lnSpc>
-                <a:spcPct val="100000"/>
-              </a:lnSpc>
-              <a:spcBef>
-                <a:spcPts val="0"/>
-              </a:spcBef>
-              <a:spcAft>
-                <a:spcPts val="0"/>
-              </a:spcAft>
-              <a:buNone/>
-            </a:pPr>
-            <a:r>
-              <a:rPr lang="en-US" sz="2400" b="1" i="0" u="none" strike="noStrike" cap="none" dirty="0">
-                <a:solidFill>
-                  <a:schemeClr val="lt1"/>
-                </a:solidFill>
-                <a:latin typeface="Arial"/>
-                <a:ea typeface="Arial"/>
-                <a:cs typeface="Arial"/>
-                <a:sym typeface="Arial"/>
-              </a:rPr>
-              <a:t>NHÓM </a:t>
-            </a:r>
-            <a:r>
-              <a:rPr lang="en-US" sz="2400" b="1" dirty="0">
-                <a:solidFill>
-                  <a:schemeClr val="lt1"/>
-                </a:solidFill>
-                <a:latin typeface="Arial"/>
-                <a:ea typeface="Arial"/>
-                <a:cs typeface="Arial"/>
-                <a:sym typeface="Arial"/>
-              </a:rPr>
-              <a:t>6</a:t>
-            </a:r>
-            <a:endParaRPr sz="2400" b="1" i="0" u="none" strike="noStrike" cap="none" dirty="0">
-              <a:solidFill>
-                <a:schemeClr val="lt1"/>
-              </a:solidFill>
-              <a:latin typeface="Arial"/>
-              <a:ea typeface="Arial"/>
-              <a:cs typeface="Arial"/>
-              <a:sym typeface="Arial"/>
-            </a:endParaRPr>
-          </a:p>
-        </p:txBody>
-      </p:sp>
-    </p:spTree>
-    <p:extLst>
-      <p:ext uri="{BB962C8B-B14F-4D97-AF65-F5344CB8AC3E}">
-        <p14:creationId xmlns:p14="http://schemas.microsoft.com/office/powerpoint/2010/main" val="1682014255"/>
-      </p:ext>
-    </p:extLst>
-  </p:cSld>
-  <p:clrMapOvr>
-    <a:masterClrMapping/>
-  </p:clrMapOvr>
-</p:sld>
-</file>
-
-<file path=ppt/slides/slide19.xml><?xml version="1.0" encoding="utf-8"?>
-<p:sld xmlns:a="http://schemas.openxmlformats.org/drawingml/2006/main" xmlns:r="http://schemas.openxmlformats.org/officeDocument/2006/relationships" xmlns:p="http://schemas.openxmlformats.org/presentationml/2006/main">
-  <p:cSld>
-    <p:spTree>
-      <p:nvGrpSpPr>
-        <p:cNvPr id="1" name=""/>
-        <p:cNvGrpSpPr/>
-        <p:nvPr/>
-      </p:nvGrpSpPr>
-      <p:grpSpPr>
-        <a:xfrm>
-          <a:off x="0" y="0"/>
-          <a:ext cx="0" cy="0"/>
-          <a:chOff x="0" y="0"/>
-          <a:chExt cx="0" cy="0"/>
-        </a:xfrm>
-      </p:grpSpPr>
-      <p:sp>
-        <p:nvSpPr>
-          <p:cNvPr id="2" name="Google Shape;536;p57">
-            <a:extLst>
-              <a:ext uri="{FF2B5EF4-FFF2-40B4-BE49-F238E27FC236}">
-                <a16:creationId xmlns:a16="http://schemas.microsoft.com/office/drawing/2014/main" id="{8FCC8CB8-632D-4BD9-A21F-353B3A67637B}"/>
-              </a:ext>
-            </a:extLst>
-          </p:cNvPr>
-          <p:cNvSpPr txBox="1"/>
-          <p:nvPr/>
-        </p:nvSpPr>
-        <p:spPr>
-          <a:xfrm>
-            <a:off x="2684060" y="1503271"/>
-            <a:ext cx="6823879" cy="4524315"/>
-          </a:xfrm>
-          <a:prstGeom prst="rect">
-            <a:avLst/>
-          </a:prstGeom>
-          <a:noFill/>
-          <a:ln>
-            <a:noFill/>
-          </a:ln>
-        </p:spPr>
-        <p:txBody>
-          <a:bodyPr spcFirstLastPara="1" wrap="square" lIns="91425" tIns="45700" rIns="91425" bIns="45700" anchor="t" anchorCtr="0">
-            <a:spAutoFit/>
-          </a:bodyPr>
-          <a:lstStyle/>
-          <a:p>
-            <a:pPr marL="0" marR="0" lvl="0" indent="0" algn="ctr" rtl="0">
-              <a:lnSpc>
-                <a:spcPct val="100000"/>
-              </a:lnSpc>
-              <a:spcBef>
-                <a:spcPts val="0"/>
-              </a:spcBef>
-              <a:spcAft>
-                <a:spcPts val="0"/>
-              </a:spcAft>
-              <a:buNone/>
-            </a:pPr>
-            <a:r>
-              <a:rPr lang="en-US" sz="9600" b="1" i="0" u="none" strike="noStrike" cap="none" dirty="0">
-                <a:solidFill>
-                  <a:srgbClr val="2683C6"/>
-                </a:solidFill>
-                <a:latin typeface="Courier New"/>
-                <a:ea typeface="Courier New"/>
-                <a:cs typeface="Courier New"/>
-                <a:sym typeface="Courier New"/>
-              </a:rPr>
-              <a:t>THANKS FOR WATCHING</a:t>
-            </a:r>
-            <a:endParaRPr sz="9600" b="1" i="0" u="none" strike="noStrike" cap="none" dirty="0">
-              <a:solidFill>
-                <a:srgbClr val="2683C6"/>
-              </a:solidFill>
-              <a:latin typeface="Courier New"/>
-              <a:ea typeface="Courier New"/>
-              <a:cs typeface="Courier New"/>
-              <a:sym typeface="Courier New"/>
-            </a:endParaRPr>
-          </a:p>
-        </p:txBody>
-      </p:sp>
-      <p:sp>
-        <p:nvSpPr>
-          <p:cNvPr id="3" name="Google Shape;537;p57">
-            <a:extLst>
-              <a:ext uri="{FF2B5EF4-FFF2-40B4-BE49-F238E27FC236}">
-                <a16:creationId xmlns:a16="http://schemas.microsoft.com/office/drawing/2014/main" id="{7EC9ECD5-A625-4450-B9E5-0F7D43FEC01D}"/>
-              </a:ext>
-            </a:extLst>
-          </p:cNvPr>
-          <p:cNvSpPr txBox="1"/>
-          <p:nvPr/>
-        </p:nvSpPr>
-        <p:spPr>
-          <a:xfrm>
-            <a:off x="5314950" y="726031"/>
-            <a:ext cx="1562100" cy="461665"/>
-          </a:xfrm>
-          <a:prstGeom prst="rect">
-            <a:avLst/>
-          </a:prstGeom>
-          <a:noFill/>
-          <a:ln>
-            <a:noFill/>
-          </a:ln>
-        </p:spPr>
-        <p:txBody>
-          <a:bodyPr spcFirstLastPara="1" wrap="square" lIns="91425" tIns="45700" rIns="91425" bIns="45700" anchor="t" anchorCtr="0">
-            <a:spAutoFit/>
-          </a:bodyPr>
-          <a:lstStyle/>
-          <a:p>
-            <a:pPr marL="0" marR="0" lvl="0" indent="0" algn="l" rtl="0">
-              <a:lnSpc>
-                <a:spcPct val="100000"/>
-              </a:lnSpc>
-              <a:spcBef>
-                <a:spcPts val="0"/>
-              </a:spcBef>
-              <a:spcAft>
-                <a:spcPts val="0"/>
-              </a:spcAft>
-              <a:buNone/>
-            </a:pPr>
-            <a:r>
-              <a:rPr lang="en-US" sz="2400" b="1" i="0" u="none" strike="noStrike" cap="none" dirty="0">
-                <a:solidFill>
-                  <a:srgbClr val="2683C6"/>
-                </a:solidFill>
-                <a:latin typeface="Arial"/>
-                <a:ea typeface="Arial"/>
-                <a:cs typeface="Arial"/>
-                <a:sym typeface="Arial"/>
-              </a:rPr>
-              <a:t>NHÓM </a:t>
-            </a:r>
-            <a:r>
-              <a:rPr lang="en-US" sz="2400" b="1" dirty="0">
-                <a:solidFill>
-                  <a:srgbClr val="2683C6"/>
-                </a:solidFill>
-                <a:latin typeface="Arial"/>
-                <a:ea typeface="Arial"/>
-                <a:cs typeface="Arial"/>
-                <a:sym typeface="Arial"/>
-              </a:rPr>
-              <a:t>6</a:t>
-            </a:r>
-            <a:endParaRPr sz="2400" b="1" i="0" u="none" strike="noStrike" cap="none" dirty="0">
-              <a:solidFill>
-                <a:srgbClr val="2683C6"/>
-              </a:solidFill>
-              <a:latin typeface="Arial"/>
-              <a:ea typeface="Arial"/>
-              <a:cs typeface="Arial"/>
-              <a:sym typeface="Arial"/>
-            </a:endParaRPr>
-          </a:p>
-        </p:txBody>
-      </p:sp>
-    </p:spTree>
-    <p:extLst>
-      <p:ext uri="{BB962C8B-B14F-4D97-AF65-F5344CB8AC3E}">
-        <p14:creationId xmlns:p14="http://schemas.microsoft.com/office/powerpoint/2010/main" val="1806808571"/>
       </p:ext>
     </p:extLst>
   </p:cSld>
@@ -9871,6 +17101,828 @@
 </p:sld>
 </file>
 
+<file path=ppt/slides/slide20.xml><?xml version="1.0" encoding="utf-8"?>
+<p:sld xmlns:a="http://schemas.openxmlformats.org/drawingml/2006/main" xmlns:r="http://schemas.openxmlformats.org/officeDocument/2006/relationships" xmlns:p="http://schemas.openxmlformats.org/presentationml/2006/main">
+  <p:cSld>
+    <p:spTree>
+      <p:nvGrpSpPr>
+        <p:cNvPr id="1" name=""/>
+        <p:cNvGrpSpPr/>
+        <p:nvPr/>
+      </p:nvGrpSpPr>
+      <p:grpSpPr>
+        <a:xfrm>
+          <a:off x="0" y="0"/>
+          <a:ext cx="0" cy="0"/>
+          <a:chOff x="0" y="0"/>
+          <a:chExt cx="0" cy="0"/>
+        </a:xfrm>
+      </p:grpSpPr>
+      <p:sp>
+        <p:nvSpPr>
+          <p:cNvPr id="2" name="Google Shape;319;p35">
+            <a:extLst>
+              <a:ext uri="{FF2B5EF4-FFF2-40B4-BE49-F238E27FC236}">
+                <a16:creationId xmlns:a16="http://schemas.microsoft.com/office/drawing/2014/main" id="{E92A6367-C15C-45B5-8467-F9925B35CFD5}"/>
+              </a:ext>
+            </a:extLst>
+          </p:cNvPr>
+          <p:cNvSpPr/>
+          <p:nvPr/>
+        </p:nvSpPr>
+        <p:spPr>
+          <a:xfrm>
+            <a:off x="11173326" y="-476310"/>
+            <a:ext cx="609600" cy="1143000"/>
+          </a:xfrm>
+          <a:prstGeom prst="roundRect">
+            <a:avLst>
+              <a:gd name="adj" fmla="val 16667"/>
+            </a:avLst>
+          </a:prstGeom>
+          <a:solidFill>
+            <a:schemeClr val="accent3"/>
+          </a:solidFill>
+          <a:ln w="25400" cap="flat" cmpd="sng">
+            <a:solidFill>
+              <a:srgbClr val="05759E"/>
+            </a:solidFill>
+            <a:prstDash val="solid"/>
+            <a:round/>
+            <a:headEnd type="none" w="sm" len="sm"/>
+            <a:tailEnd type="none" w="sm" len="sm"/>
+          </a:ln>
+        </p:spPr>
+        <p:txBody>
+          <a:bodyPr spcFirstLastPara="1" wrap="square" lIns="91425" tIns="45700" rIns="91425" bIns="45700" anchor="ctr" anchorCtr="0">
+            <a:noAutofit/>
+          </a:bodyPr>
+          <a:lstStyle/>
+          <a:p>
+            <a:pPr marL="0" marR="0" lvl="0" indent="0" algn="ctr" rtl="0">
+              <a:lnSpc>
+                <a:spcPct val="100000"/>
+              </a:lnSpc>
+              <a:spcBef>
+                <a:spcPts val="0"/>
+              </a:spcBef>
+              <a:spcAft>
+                <a:spcPts val="0"/>
+              </a:spcAft>
+              <a:buClr>
+                <a:srgbClr val="000000"/>
+              </a:buClr>
+              <a:buSzPts val="1800"/>
+              <a:buFont typeface="Arial"/>
+              <a:buNone/>
+            </a:pPr>
+            <a:endParaRPr sz="1800" b="0" i="0" u="none" strike="noStrike" cap="none">
+              <a:solidFill>
+                <a:schemeClr val="lt1"/>
+              </a:solidFill>
+              <a:latin typeface="Libre Franklin Thin"/>
+              <a:ea typeface="Libre Franklin Thin"/>
+              <a:cs typeface="Libre Franklin Thin"/>
+              <a:sym typeface="Libre Franklin Thin"/>
+            </a:endParaRPr>
+          </a:p>
+        </p:txBody>
+      </p:sp>
+      <p:sp>
+        <p:nvSpPr>
+          <p:cNvPr id="3" name="Google Shape;320;p35">
+            <a:extLst>
+              <a:ext uri="{FF2B5EF4-FFF2-40B4-BE49-F238E27FC236}">
+                <a16:creationId xmlns:a16="http://schemas.microsoft.com/office/drawing/2014/main" id="{6B0395E8-8A89-4E5E-997E-B500C0381475}"/>
+              </a:ext>
+            </a:extLst>
+          </p:cNvPr>
+          <p:cNvSpPr txBox="1"/>
+          <p:nvPr/>
+        </p:nvSpPr>
+        <p:spPr>
+          <a:xfrm>
+            <a:off x="409074" y="666690"/>
+            <a:ext cx="3096126" cy="400069"/>
+          </a:xfrm>
+          <a:prstGeom prst="rect">
+            <a:avLst/>
+          </a:prstGeom>
+          <a:noFill/>
+          <a:ln>
+            <a:noFill/>
+          </a:ln>
+        </p:spPr>
+        <p:txBody>
+          <a:bodyPr spcFirstLastPara="1" wrap="square" lIns="91425" tIns="45700" rIns="91425" bIns="45700" anchor="t" anchorCtr="0">
+            <a:spAutoFit/>
+          </a:bodyPr>
+          <a:lstStyle/>
+          <a:p>
+            <a:pPr marL="342900" marR="0" lvl="0" indent="-342900" algn="l" rtl="0">
+              <a:lnSpc>
+                <a:spcPct val="100000"/>
+              </a:lnSpc>
+              <a:spcBef>
+                <a:spcPts val="0"/>
+              </a:spcBef>
+              <a:spcAft>
+                <a:spcPts val="0"/>
+              </a:spcAft>
+              <a:buClr>
+                <a:srgbClr val="03506C"/>
+              </a:buClr>
+              <a:buSzPts val="2000"/>
+              <a:buFont typeface="Noto Sans Symbols"/>
+              <a:buChar char="❖"/>
+            </a:pPr>
+            <a:r>
+              <a:rPr lang="en-US" sz="2000" b="1" u="sng" dirty="0">
+                <a:solidFill>
+                  <a:srgbClr val="03506C"/>
+                </a:solidFill>
+                <a:latin typeface="Arial"/>
+                <a:ea typeface="Arial"/>
+                <a:cs typeface="Arial"/>
+                <a:sym typeface="Arial"/>
+              </a:rPr>
+              <a:t>CƠ SỞ DỮ LIỆU</a:t>
+            </a:r>
+            <a:endParaRPr sz="2000" b="1" i="0" u="sng" strike="noStrike" cap="none" dirty="0">
+              <a:solidFill>
+                <a:srgbClr val="03506C"/>
+              </a:solidFill>
+              <a:latin typeface="Arial"/>
+              <a:ea typeface="Arial"/>
+              <a:cs typeface="Arial"/>
+              <a:sym typeface="Arial"/>
+            </a:endParaRPr>
+          </a:p>
+        </p:txBody>
+      </p:sp>
+      <p:sp>
+        <p:nvSpPr>
+          <p:cNvPr id="4" name="Google Shape;321;p35">
+            <a:extLst>
+              <a:ext uri="{FF2B5EF4-FFF2-40B4-BE49-F238E27FC236}">
+                <a16:creationId xmlns:a16="http://schemas.microsoft.com/office/drawing/2014/main" id="{65129259-E120-4C5A-8B09-8A39E81C75D9}"/>
+              </a:ext>
+            </a:extLst>
+          </p:cNvPr>
+          <p:cNvSpPr txBox="1"/>
+          <p:nvPr/>
+        </p:nvSpPr>
+        <p:spPr>
+          <a:xfrm>
+            <a:off x="9424736" y="57090"/>
+            <a:ext cx="1824789" cy="571500"/>
+          </a:xfrm>
+          <a:prstGeom prst="rect">
+            <a:avLst/>
+          </a:prstGeom>
+          <a:noFill/>
+          <a:ln>
+            <a:noFill/>
+          </a:ln>
+        </p:spPr>
+        <p:txBody>
+          <a:bodyPr spcFirstLastPara="1" wrap="square" lIns="91425" tIns="45700" rIns="91425" bIns="45700" anchor="ctr" anchorCtr="0">
+            <a:noAutofit/>
+          </a:bodyPr>
+          <a:lstStyle/>
+          <a:p>
+            <a:pPr marL="0" marR="0" lvl="0" indent="0" algn="l" rtl="0">
+              <a:lnSpc>
+                <a:spcPct val="100000"/>
+              </a:lnSpc>
+              <a:spcBef>
+                <a:spcPts val="0"/>
+              </a:spcBef>
+              <a:spcAft>
+                <a:spcPts val="0"/>
+              </a:spcAft>
+              <a:buClr>
+                <a:srgbClr val="0578A2"/>
+              </a:buClr>
+              <a:buSzPts val="2400"/>
+              <a:buFont typeface="Arial"/>
+              <a:buNone/>
+            </a:pPr>
+            <a:r>
+              <a:rPr lang="en-US" sz="2400" b="1" i="0" u="none" strike="noStrike" cap="none">
+                <a:solidFill>
+                  <a:srgbClr val="0578A2"/>
+                </a:solidFill>
+                <a:latin typeface="Arial"/>
+                <a:ea typeface="Arial"/>
+                <a:cs typeface="Arial"/>
+                <a:sym typeface="Arial"/>
+              </a:rPr>
+              <a:t>THIẾT KẾ</a:t>
+            </a:r>
+            <a:endParaRPr sz="2400" b="1" i="0" u="none" strike="noStrike" cap="none">
+              <a:solidFill>
+                <a:srgbClr val="0578A2"/>
+              </a:solidFill>
+              <a:latin typeface="Arial"/>
+              <a:ea typeface="Arial"/>
+              <a:cs typeface="Arial"/>
+              <a:sym typeface="Arial"/>
+            </a:endParaRPr>
+          </a:p>
+        </p:txBody>
+      </p:sp>
+      <p:sp>
+        <p:nvSpPr>
+          <p:cNvPr id="5" name="Google Shape;322;p35">
+            <a:extLst>
+              <a:ext uri="{FF2B5EF4-FFF2-40B4-BE49-F238E27FC236}">
+                <a16:creationId xmlns:a16="http://schemas.microsoft.com/office/drawing/2014/main" id="{E8971F61-40ED-4D27-B916-98434B122ADE}"/>
+              </a:ext>
+            </a:extLst>
+          </p:cNvPr>
+          <p:cNvSpPr txBox="1"/>
+          <p:nvPr/>
+        </p:nvSpPr>
+        <p:spPr>
+          <a:xfrm>
+            <a:off x="5314950" y="6396335"/>
+            <a:ext cx="1562100" cy="461665"/>
+          </a:xfrm>
+          <a:prstGeom prst="rect">
+            <a:avLst/>
+          </a:prstGeom>
+          <a:noFill/>
+          <a:ln>
+            <a:noFill/>
+          </a:ln>
+        </p:spPr>
+        <p:txBody>
+          <a:bodyPr spcFirstLastPara="1" wrap="square" lIns="91425" tIns="45700" rIns="91425" bIns="45700" anchor="t" anchorCtr="0">
+            <a:spAutoFit/>
+          </a:bodyPr>
+          <a:lstStyle/>
+          <a:p>
+            <a:pPr marL="0" marR="0" lvl="0" indent="0" algn="l" rtl="0">
+              <a:lnSpc>
+                <a:spcPct val="100000"/>
+              </a:lnSpc>
+              <a:spcBef>
+                <a:spcPts val="0"/>
+              </a:spcBef>
+              <a:spcAft>
+                <a:spcPts val="0"/>
+              </a:spcAft>
+              <a:buNone/>
+            </a:pPr>
+            <a:r>
+              <a:rPr lang="en-US" sz="2400" b="1" i="0" u="none" strike="noStrike" cap="none" dirty="0">
+                <a:solidFill>
+                  <a:schemeClr val="lt1"/>
+                </a:solidFill>
+                <a:latin typeface="Arial"/>
+                <a:ea typeface="Arial"/>
+                <a:cs typeface="Arial"/>
+                <a:sym typeface="Arial"/>
+              </a:rPr>
+              <a:t>NHÓM </a:t>
+            </a:r>
+            <a:r>
+              <a:rPr lang="en-US" sz="2400" b="1" dirty="0">
+                <a:solidFill>
+                  <a:schemeClr val="lt1"/>
+                </a:solidFill>
+                <a:latin typeface="Arial"/>
+                <a:ea typeface="Arial"/>
+                <a:cs typeface="Arial"/>
+                <a:sym typeface="Arial"/>
+              </a:rPr>
+              <a:t>6</a:t>
+            </a:r>
+            <a:endParaRPr sz="2400" b="1" i="0" u="none" strike="noStrike" cap="none" dirty="0">
+              <a:solidFill>
+                <a:schemeClr val="lt1"/>
+              </a:solidFill>
+              <a:latin typeface="Arial"/>
+              <a:ea typeface="Arial"/>
+              <a:cs typeface="Arial"/>
+              <a:sym typeface="Arial"/>
+            </a:endParaRPr>
+          </a:p>
+        </p:txBody>
+      </p:sp>
+    </p:spTree>
+    <p:extLst>
+      <p:ext uri="{BB962C8B-B14F-4D97-AF65-F5344CB8AC3E}">
+        <p14:creationId xmlns:p14="http://schemas.microsoft.com/office/powerpoint/2010/main" val="2758304604"/>
+      </p:ext>
+    </p:extLst>
+  </p:cSld>
+  <p:clrMapOvr>
+    <a:masterClrMapping/>
+  </p:clrMapOvr>
+</p:sld>
+</file>
+
+<file path=ppt/slides/slide21.xml><?xml version="1.0" encoding="utf-8"?>
+<p:sld xmlns:a="http://schemas.openxmlformats.org/drawingml/2006/main" xmlns:r="http://schemas.openxmlformats.org/officeDocument/2006/relationships" xmlns:p="http://schemas.openxmlformats.org/presentationml/2006/main">
+  <p:cSld>
+    <p:spTree>
+      <p:nvGrpSpPr>
+        <p:cNvPr id="1" name=""/>
+        <p:cNvGrpSpPr/>
+        <p:nvPr/>
+      </p:nvGrpSpPr>
+      <p:grpSpPr>
+        <a:xfrm>
+          <a:off x="0" y="0"/>
+          <a:ext cx="0" cy="0"/>
+          <a:chOff x="0" y="0"/>
+          <a:chExt cx="0" cy="0"/>
+        </a:xfrm>
+      </p:grpSpPr>
+      <p:sp>
+        <p:nvSpPr>
+          <p:cNvPr id="2" name="Google Shape;319;p35">
+            <a:extLst>
+              <a:ext uri="{FF2B5EF4-FFF2-40B4-BE49-F238E27FC236}">
+                <a16:creationId xmlns:a16="http://schemas.microsoft.com/office/drawing/2014/main" id="{7C0478A8-3F75-4502-B52A-01C233A094E7}"/>
+              </a:ext>
+            </a:extLst>
+          </p:cNvPr>
+          <p:cNvSpPr/>
+          <p:nvPr/>
+        </p:nvSpPr>
+        <p:spPr>
+          <a:xfrm>
+            <a:off x="11173326" y="-476310"/>
+            <a:ext cx="609600" cy="1143000"/>
+          </a:xfrm>
+          <a:prstGeom prst="roundRect">
+            <a:avLst>
+              <a:gd name="adj" fmla="val 16667"/>
+            </a:avLst>
+          </a:prstGeom>
+          <a:solidFill>
+            <a:schemeClr val="accent3"/>
+          </a:solidFill>
+          <a:ln w="25400" cap="flat" cmpd="sng">
+            <a:solidFill>
+              <a:srgbClr val="05759E"/>
+            </a:solidFill>
+            <a:prstDash val="solid"/>
+            <a:round/>
+            <a:headEnd type="none" w="sm" len="sm"/>
+            <a:tailEnd type="none" w="sm" len="sm"/>
+          </a:ln>
+        </p:spPr>
+        <p:txBody>
+          <a:bodyPr spcFirstLastPara="1" wrap="square" lIns="91425" tIns="45700" rIns="91425" bIns="45700" anchor="ctr" anchorCtr="0">
+            <a:noAutofit/>
+          </a:bodyPr>
+          <a:lstStyle/>
+          <a:p>
+            <a:pPr marL="0" marR="0" lvl="0" indent="0" algn="ctr" rtl="0">
+              <a:lnSpc>
+                <a:spcPct val="100000"/>
+              </a:lnSpc>
+              <a:spcBef>
+                <a:spcPts val="0"/>
+              </a:spcBef>
+              <a:spcAft>
+                <a:spcPts val="0"/>
+              </a:spcAft>
+              <a:buClr>
+                <a:srgbClr val="000000"/>
+              </a:buClr>
+              <a:buSzPts val="1800"/>
+              <a:buFont typeface="Arial"/>
+              <a:buNone/>
+            </a:pPr>
+            <a:endParaRPr sz="1800" b="0" i="0" u="none" strike="noStrike" cap="none">
+              <a:solidFill>
+                <a:schemeClr val="lt1"/>
+              </a:solidFill>
+              <a:latin typeface="Libre Franklin Thin"/>
+              <a:ea typeface="Libre Franklin Thin"/>
+              <a:cs typeface="Libre Franklin Thin"/>
+              <a:sym typeface="Libre Franklin Thin"/>
+            </a:endParaRPr>
+          </a:p>
+        </p:txBody>
+      </p:sp>
+      <p:sp>
+        <p:nvSpPr>
+          <p:cNvPr id="3" name="Google Shape;320;p35">
+            <a:extLst>
+              <a:ext uri="{FF2B5EF4-FFF2-40B4-BE49-F238E27FC236}">
+                <a16:creationId xmlns:a16="http://schemas.microsoft.com/office/drawing/2014/main" id="{0126A184-298E-41D6-A51D-95AF6E54812F}"/>
+              </a:ext>
+            </a:extLst>
+          </p:cNvPr>
+          <p:cNvSpPr txBox="1"/>
+          <p:nvPr/>
+        </p:nvSpPr>
+        <p:spPr>
+          <a:xfrm>
+            <a:off x="409074" y="666690"/>
+            <a:ext cx="4162926" cy="400069"/>
+          </a:xfrm>
+          <a:prstGeom prst="rect">
+            <a:avLst/>
+          </a:prstGeom>
+          <a:noFill/>
+          <a:ln>
+            <a:noFill/>
+          </a:ln>
+        </p:spPr>
+        <p:txBody>
+          <a:bodyPr spcFirstLastPara="1" wrap="square" lIns="91425" tIns="45700" rIns="91425" bIns="45700" anchor="t" anchorCtr="0">
+            <a:spAutoFit/>
+          </a:bodyPr>
+          <a:lstStyle/>
+          <a:p>
+            <a:pPr marL="342900" marR="0" lvl="0" indent="-342900" algn="l" rtl="0">
+              <a:lnSpc>
+                <a:spcPct val="100000"/>
+              </a:lnSpc>
+              <a:spcBef>
+                <a:spcPts val="0"/>
+              </a:spcBef>
+              <a:spcAft>
+                <a:spcPts val="0"/>
+              </a:spcAft>
+              <a:buClr>
+                <a:srgbClr val="03506C"/>
+              </a:buClr>
+              <a:buSzPts val="2000"/>
+              <a:buFont typeface="Noto Sans Symbols"/>
+              <a:buChar char="❖"/>
+            </a:pPr>
+            <a:r>
+              <a:rPr lang="en-US" sz="2000" b="1" u="sng" dirty="0">
+                <a:solidFill>
+                  <a:srgbClr val="03506C"/>
+                </a:solidFill>
+                <a:latin typeface="Arial"/>
+                <a:ea typeface="Arial"/>
+                <a:cs typeface="Arial"/>
+                <a:sym typeface="Arial"/>
+              </a:rPr>
+              <a:t>CÁC GIAO DIỆN MÀN HÌNH</a:t>
+            </a:r>
+            <a:endParaRPr sz="2000" b="1" i="0" u="sng" strike="noStrike" cap="none" dirty="0">
+              <a:solidFill>
+                <a:srgbClr val="03506C"/>
+              </a:solidFill>
+              <a:latin typeface="Arial"/>
+              <a:ea typeface="Arial"/>
+              <a:cs typeface="Arial"/>
+              <a:sym typeface="Arial"/>
+            </a:endParaRPr>
+          </a:p>
+        </p:txBody>
+      </p:sp>
+      <p:sp>
+        <p:nvSpPr>
+          <p:cNvPr id="4" name="Google Shape;321;p35">
+            <a:extLst>
+              <a:ext uri="{FF2B5EF4-FFF2-40B4-BE49-F238E27FC236}">
+                <a16:creationId xmlns:a16="http://schemas.microsoft.com/office/drawing/2014/main" id="{D2A71821-2155-4AB7-8140-AE2578AA2C56}"/>
+              </a:ext>
+            </a:extLst>
+          </p:cNvPr>
+          <p:cNvSpPr txBox="1"/>
+          <p:nvPr/>
+        </p:nvSpPr>
+        <p:spPr>
+          <a:xfrm>
+            <a:off x="9424736" y="57090"/>
+            <a:ext cx="1824789" cy="571500"/>
+          </a:xfrm>
+          <a:prstGeom prst="rect">
+            <a:avLst/>
+          </a:prstGeom>
+          <a:noFill/>
+          <a:ln>
+            <a:noFill/>
+          </a:ln>
+        </p:spPr>
+        <p:txBody>
+          <a:bodyPr spcFirstLastPara="1" wrap="square" lIns="91425" tIns="45700" rIns="91425" bIns="45700" anchor="ctr" anchorCtr="0">
+            <a:noAutofit/>
+          </a:bodyPr>
+          <a:lstStyle/>
+          <a:p>
+            <a:pPr marL="0" marR="0" lvl="0" indent="0" algn="l" rtl="0">
+              <a:lnSpc>
+                <a:spcPct val="100000"/>
+              </a:lnSpc>
+              <a:spcBef>
+                <a:spcPts val="0"/>
+              </a:spcBef>
+              <a:spcAft>
+                <a:spcPts val="0"/>
+              </a:spcAft>
+              <a:buClr>
+                <a:srgbClr val="0578A2"/>
+              </a:buClr>
+              <a:buSzPts val="2400"/>
+              <a:buFont typeface="Arial"/>
+              <a:buNone/>
+            </a:pPr>
+            <a:r>
+              <a:rPr lang="en-US" sz="2400" b="1" i="0" u="none" strike="noStrike" cap="none">
+                <a:solidFill>
+                  <a:srgbClr val="0578A2"/>
+                </a:solidFill>
+                <a:latin typeface="Arial"/>
+                <a:ea typeface="Arial"/>
+                <a:cs typeface="Arial"/>
+                <a:sym typeface="Arial"/>
+              </a:rPr>
+              <a:t>THIẾT KẾ</a:t>
+            </a:r>
+            <a:endParaRPr sz="2400" b="1" i="0" u="none" strike="noStrike" cap="none">
+              <a:solidFill>
+                <a:srgbClr val="0578A2"/>
+              </a:solidFill>
+              <a:latin typeface="Arial"/>
+              <a:ea typeface="Arial"/>
+              <a:cs typeface="Arial"/>
+              <a:sym typeface="Arial"/>
+            </a:endParaRPr>
+          </a:p>
+        </p:txBody>
+      </p:sp>
+      <p:sp>
+        <p:nvSpPr>
+          <p:cNvPr id="5" name="Google Shape;322;p35">
+            <a:extLst>
+              <a:ext uri="{FF2B5EF4-FFF2-40B4-BE49-F238E27FC236}">
+                <a16:creationId xmlns:a16="http://schemas.microsoft.com/office/drawing/2014/main" id="{59D5B30F-C62E-4D16-8C3B-EF79DFD6400F}"/>
+              </a:ext>
+            </a:extLst>
+          </p:cNvPr>
+          <p:cNvSpPr txBox="1"/>
+          <p:nvPr/>
+        </p:nvSpPr>
+        <p:spPr>
+          <a:xfrm>
+            <a:off x="5314950" y="6396335"/>
+            <a:ext cx="1562100" cy="461665"/>
+          </a:xfrm>
+          <a:prstGeom prst="rect">
+            <a:avLst/>
+          </a:prstGeom>
+          <a:noFill/>
+          <a:ln>
+            <a:noFill/>
+          </a:ln>
+        </p:spPr>
+        <p:txBody>
+          <a:bodyPr spcFirstLastPara="1" wrap="square" lIns="91425" tIns="45700" rIns="91425" bIns="45700" anchor="t" anchorCtr="0">
+            <a:spAutoFit/>
+          </a:bodyPr>
+          <a:lstStyle/>
+          <a:p>
+            <a:pPr marL="0" marR="0" lvl="0" indent="0" algn="l" rtl="0">
+              <a:lnSpc>
+                <a:spcPct val="100000"/>
+              </a:lnSpc>
+              <a:spcBef>
+                <a:spcPts val="0"/>
+              </a:spcBef>
+              <a:spcAft>
+                <a:spcPts val="0"/>
+              </a:spcAft>
+              <a:buNone/>
+            </a:pPr>
+            <a:r>
+              <a:rPr lang="en-US" sz="2400" b="1" i="0" u="none" strike="noStrike" cap="none" dirty="0">
+                <a:solidFill>
+                  <a:schemeClr val="lt1"/>
+                </a:solidFill>
+                <a:latin typeface="Arial"/>
+                <a:ea typeface="Arial"/>
+                <a:cs typeface="Arial"/>
+                <a:sym typeface="Arial"/>
+              </a:rPr>
+              <a:t>NHÓM </a:t>
+            </a:r>
+            <a:r>
+              <a:rPr lang="en-US" sz="2400" b="1" dirty="0">
+                <a:solidFill>
+                  <a:schemeClr val="lt1"/>
+                </a:solidFill>
+                <a:latin typeface="Arial"/>
+                <a:ea typeface="Arial"/>
+                <a:cs typeface="Arial"/>
+                <a:sym typeface="Arial"/>
+              </a:rPr>
+              <a:t>6</a:t>
+            </a:r>
+            <a:endParaRPr sz="2400" b="1" i="0" u="none" strike="noStrike" cap="none" dirty="0">
+              <a:solidFill>
+                <a:schemeClr val="lt1"/>
+              </a:solidFill>
+              <a:latin typeface="Arial"/>
+              <a:ea typeface="Arial"/>
+              <a:cs typeface="Arial"/>
+              <a:sym typeface="Arial"/>
+            </a:endParaRPr>
+          </a:p>
+        </p:txBody>
+      </p:sp>
+    </p:spTree>
+    <p:extLst>
+      <p:ext uri="{BB962C8B-B14F-4D97-AF65-F5344CB8AC3E}">
+        <p14:creationId xmlns:p14="http://schemas.microsoft.com/office/powerpoint/2010/main" val="1682014255"/>
+      </p:ext>
+    </p:extLst>
+  </p:cSld>
+  <p:clrMapOvr>
+    <a:masterClrMapping/>
+  </p:clrMapOvr>
+</p:sld>
+</file>
+
+<file path=ppt/slides/slide22.xml><?xml version="1.0" encoding="utf-8"?>
+<p:sld xmlns:a="http://schemas.openxmlformats.org/drawingml/2006/main" xmlns:r="http://schemas.openxmlformats.org/officeDocument/2006/relationships" xmlns:p="http://schemas.openxmlformats.org/presentationml/2006/main">
+  <p:cSld>
+    <p:spTree>
+      <p:nvGrpSpPr>
+        <p:cNvPr id="1" name=""/>
+        <p:cNvGrpSpPr/>
+        <p:nvPr/>
+      </p:nvGrpSpPr>
+      <p:grpSpPr>
+        <a:xfrm>
+          <a:off x="0" y="0"/>
+          <a:ext cx="0" cy="0"/>
+          <a:chOff x="0" y="0"/>
+          <a:chExt cx="0" cy="0"/>
+        </a:xfrm>
+      </p:grpSpPr>
+      <p:sp>
+        <p:nvSpPr>
+          <p:cNvPr id="2" name="Google Shape;536;p57">
+            <a:extLst>
+              <a:ext uri="{FF2B5EF4-FFF2-40B4-BE49-F238E27FC236}">
+                <a16:creationId xmlns:a16="http://schemas.microsoft.com/office/drawing/2014/main" id="{8FCC8CB8-632D-4BD9-A21F-353B3A67637B}"/>
+              </a:ext>
+            </a:extLst>
+          </p:cNvPr>
+          <p:cNvSpPr txBox="1"/>
+          <p:nvPr/>
+        </p:nvSpPr>
+        <p:spPr>
+          <a:xfrm>
+            <a:off x="2684060" y="1503271"/>
+            <a:ext cx="6823879" cy="4524315"/>
+          </a:xfrm>
+          <a:prstGeom prst="rect">
+            <a:avLst/>
+          </a:prstGeom>
+          <a:noFill/>
+          <a:ln>
+            <a:noFill/>
+          </a:ln>
+        </p:spPr>
+        <p:txBody>
+          <a:bodyPr spcFirstLastPara="1" wrap="square" lIns="91425" tIns="45700" rIns="91425" bIns="45700" anchor="t" anchorCtr="0">
+            <a:spAutoFit/>
+          </a:bodyPr>
+          <a:lstStyle/>
+          <a:p>
+            <a:pPr marL="0" marR="0" lvl="0" indent="0" algn="ctr" rtl="0">
+              <a:lnSpc>
+                <a:spcPct val="100000"/>
+              </a:lnSpc>
+              <a:spcBef>
+                <a:spcPts val="0"/>
+              </a:spcBef>
+              <a:spcAft>
+                <a:spcPts val="0"/>
+              </a:spcAft>
+              <a:buNone/>
+            </a:pPr>
+            <a:r>
+              <a:rPr lang="en-US" sz="9600" b="1" i="0" u="none" strike="noStrike" cap="none" dirty="0">
+                <a:solidFill>
+                  <a:srgbClr val="2683C6"/>
+                </a:solidFill>
+                <a:latin typeface="Courier New"/>
+                <a:ea typeface="Courier New"/>
+                <a:cs typeface="Courier New"/>
+                <a:sym typeface="Courier New"/>
+              </a:rPr>
+              <a:t>THANKS FOR WATCHING</a:t>
+            </a:r>
+            <a:endParaRPr sz="9600" b="1" i="0" u="none" strike="noStrike" cap="none" dirty="0">
+              <a:solidFill>
+                <a:srgbClr val="2683C6"/>
+              </a:solidFill>
+              <a:latin typeface="Courier New"/>
+              <a:ea typeface="Courier New"/>
+              <a:cs typeface="Courier New"/>
+              <a:sym typeface="Courier New"/>
+            </a:endParaRPr>
+          </a:p>
+        </p:txBody>
+      </p:sp>
+      <p:sp>
+        <p:nvSpPr>
+          <p:cNvPr id="3" name="Google Shape;537;p57">
+            <a:extLst>
+              <a:ext uri="{FF2B5EF4-FFF2-40B4-BE49-F238E27FC236}">
+                <a16:creationId xmlns:a16="http://schemas.microsoft.com/office/drawing/2014/main" id="{7EC9ECD5-A625-4450-B9E5-0F7D43FEC01D}"/>
+              </a:ext>
+            </a:extLst>
+          </p:cNvPr>
+          <p:cNvSpPr txBox="1"/>
+          <p:nvPr/>
+        </p:nvSpPr>
+        <p:spPr>
+          <a:xfrm>
+            <a:off x="5314950" y="726031"/>
+            <a:ext cx="1562100" cy="461665"/>
+          </a:xfrm>
+          <a:prstGeom prst="rect">
+            <a:avLst/>
+          </a:prstGeom>
+          <a:noFill/>
+          <a:ln>
+            <a:noFill/>
+          </a:ln>
+        </p:spPr>
+        <p:txBody>
+          <a:bodyPr spcFirstLastPara="1" wrap="square" lIns="91425" tIns="45700" rIns="91425" bIns="45700" anchor="t" anchorCtr="0">
+            <a:spAutoFit/>
+          </a:bodyPr>
+          <a:lstStyle/>
+          <a:p>
+            <a:pPr marL="0" marR="0" lvl="0" indent="0" algn="l" rtl="0">
+              <a:lnSpc>
+                <a:spcPct val="100000"/>
+              </a:lnSpc>
+              <a:spcBef>
+                <a:spcPts val="0"/>
+              </a:spcBef>
+              <a:spcAft>
+                <a:spcPts val="0"/>
+              </a:spcAft>
+              <a:buNone/>
+            </a:pPr>
+            <a:r>
+              <a:rPr lang="en-US" sz="2400" b="1" i="0" u="none" strike="noStrike" cap="none" dirty="0">
+                <a:solidFill>
+                  <a:srgbClr val="2683C6"/>
+                </a:solidFill>
+                <a:latin typeface="Arial"/>
+                <a:ea typeface="Arial"/>
+                <a:cs typeface="Arial"/>
+                <a:sym typeface="Arial"/>
+              </a:rPr>
+              <a:t>NHÓM </a:t>
+            </a:r>
+            <a:r>
+              <a:rPr lang="en-US" sz="2400" b="1" dirty="0">
+                <a:solidFill>
+                  <a:srgbClr val="2683C6"/>
+                </a:solidFill>
+                <a:latin typeface="Arial"/>
+                <a:ea typeface="Arial"/>
+                <a:cs typeface="Arial"/>
+                <a:sym typeface="Arial"/>
+              </a:rPr>
+              <a:t>6</a:t>
+            </a:r>
+            <a:endParaRPr sz="2400" b="1" i="0" u="none" strike="noStrike" cap="none" dirty="0">
+              <a:solidFill>
+                <a:srgbClr val="2683C6"/>
+              </a:solidFill>
+              <a:latin typeface="Arial"/>
+              <a:ea typeface="Arial"/>
+              <a:cs typeface="Arial"/>
+              <a:sym typeface="Arial"/>
+            </a:endParaRPr>
+          </a:p>
+        </p:txBody>
+      </p:sp>
+    </p:spTree>
+    <p:extLst>
+      <p:ext uri="{BB962C8B-B14F-4D97-AF65-F5344CB8AC3E}">
+        <p14:creationId xmlns:p14="http://schemas.microsoft.com/office/powerpoint/2010/main" val="1806808571"/>
+      </p:ext>
+    </p:extLst>
+  </p:cSld>
+  <p:clrMapOvr>
+    <a:masterClrMapping/>
+  </p:clrMapOvr>
+</p:sld>
+</file>
+
 <file path=ppt/slides/slide3.xml><?xml version="1.0" encoding="utf-8"?>
 <p:sld xmlns:a="http://schemas.openxmlformats.org/drawingml/2006/main" xmlns:r="http://schemas.openxmlformats.org/officeDocument/2006/relationships" xmlns:p="http://schemas.openxmlformats.org/presentationml/2006/main">
   <p:cSld>

--- a/Slide_BaoCao/AppChat_Nhom6.pptx
+++ b/Slide_BaoCao/AppChat_Nhom6.pptx
@@ -13,20 +13,18 @@
     <p:sldId id="261" r:id="rId7"/>
     <p:sldId id="262" r:id="rId8"/>
     <p:sldId id="263" r:id="rId9"/>
-    <p:sldId id="264" r:id="rId10"/>
-    <p:sldId id="265" r:id="rId11"/>
-    <p:sldId id="266" r:id="rId12"/>
-    <p:sldId id="275" r:id="rId13"/>
-    <p:sldId id="277" r:id="rId14"/>
-    <p:sldId id="278" r:id="rId15"/>
-    <p:sldId id="267" r:id="rId16"/>
-    <p:sldId id="273" r:id="rId17"/>
-    <p:sldId id="268" r:id="rId18"/>
-    <p:sldId id="274" r:id="rId19"/>
+    <p:sldId id="265" r:id="rId10"/>
+    <p:sldId id="266" r:id="rId11"/>
+    <p:sldId id="275" r:id="rId12"/>
+    <p:sldId id="277" r:id="rId13"/>
+    <p:sldId id="278" r:id="rId14"/>
+    <p:sldId id="267" r:id="rId15"/>
+    <p:sldId id="273" r:id="rId16"/>
+    <p:sldId id="268" r:id="rId17"/>
+    <p:sldId id="274" r:id="rId18"/>
+    <p:sldId id="271" r:id="rId19"/>
     <p:sldId id="269" r:id="rId20"/>
-    <p:sldId id="270" r:id="rId21"/>
-    <p:sldId id="271" r:id="rId22"/>
-    <p:sldId id="272" r:id="rId23"/>
+    <p:sldId id="272" r:id="rId21"/>
   </p:sldIdLst>
   <p:sldSz cx="12192000" cy="6858000"/>
   <p:notesSz cx="6858000" cy="9144000"/>
@@ -394,7 +392,7 @@
           <a:p>
             <a:fld id="{2F224862-4890-4559-9D4C-E7C6274E6D9D}" type="datetimeFigureOut">
               <a:rPr lang="en-US" smtClean="0"/>
-              <a:t>11/1/2021</a:t>
+              <a:t>11/2/2021</a:t>
             </a:fld>
             <a:endParaRPr lang="en-US"/>
           </a:p>
@@ -602,7 +600,7 @@
           <a:p>
             <a:fld id="{2F224862-4890-4559-9D4C-E7C6274E6D9D}" type="datetimeFigureOut">
               <a:rPr lang="en-US" smtClean="0"/>
-              <a:t>11/1/2021</a:t>
+              <a:t>11/2/2021</a:t>
             </a:fld>
             <a:endParaRPr lang="en-US"/>
           </a:p>
@@ -858,7 +856,7 @@
           <a:p>
             <a:fld id="{2F224862-4890-4559-9D4C-E7C6274E6D9D}" type="datetimeFigureOut">
               <a:rPr lang="en-US" smtClean="0"/>
-              <a:t>11/1/2021</a:t>
+              <a:t>11/2/2021</a:t>
             </a:fld>
             <a:endParaRPr lang="en-US"/>
           </a:p>
@@ -1032,7 +1030,7 @@
           <a:p>
             <a:fld id="{2F224862-4890-4559-9D4C-E7C6274E6D9D}" type="datetimeFigureOut">
               <a:rPr lang="en-US" smtClean="0"/>
-              <a:t>11/1/2021</a:t>
+              <a:t>11/2/2021</a:t>
             </a:fld>
             <a:endParaRPr lang="en-US"/>
           </a:p>
@@ -1375,7 +1373,7 @@
           <a:p>
             <a:fld id="{2F224862-4890-4559-9D4C-E7C6274E6D9D}" type="datetimeFigureOut">
               <a:rPr lang="en-US" smtClean="0"/>
-              <a:t>11/1/2021</a:t>
+              <a:t>11/2/2021</a:t>
             </a:fld>
             <a:endParaRPr lang="en-US"/>
           </a:p>
@@ -1650,7 +1648,7 @@
           <a:p>
             <a:fld id="{2F224862-4890-4559-9D4C-E7C6274E6D9D}" type="datetimeFigureOut">
               <a:rPr lang="en-US" smtClean="0"/>
-              <a:t>11/1/2021</a:t>
+              <a:t>11/2/2021</a:t>
             </a:fld>
             <a:endParaRPr lang="en-US"/>
           </a:p>
@@ -2029,7 +2027,7 @@
           <a:p>
             <a:fld id="{2F224862-4890-4559-9D4C-E7C6274E6D9D}" type="datetimeFigureOut">
               <a:rPr lang="en-US" smtClean="0"/>
-              <a:t>11/1/2021</a:t>
+              <a:t>11/2/2021</a:t>
             </a:fld>
             <a:endParaRPr lang="en-US"/>
           </a:p>
@@ -2147,7 +2145,7 @@
           <a:p>
             <a:fld id="{2F224862-4890-4559-9D4C-E7C6274E6D9D}" type="datetimeFigureOut">
               <a:rPr lang="en-US" smtClean="0"/>
-              <a:t>11/1/2021</a:t>
+              <a:t>11/2/2021</a:t>
             </a:fld>
             <a:endParaRPr lang="en-US"/>
           </a:p>
@@ -2318,7 +2316,7 @@
           <a:p>
             <a:fld id="{2F224862-4890-4559-9D4C-E7C6274E6D9D}" type="datetimeFigureOut">
               <a:rPr lang="en-US" smtClean="0"/>
-              <a:t>11/1/2021</a:t>
+              <a:t>11/2/2021</a:t>
             </a:fld>
             <a:endParaRPr lang="en-US"/>
           </a:p>
@@ -2672,7 +2670,7 @@
           <a:p>
             <a:fld id="{2F224862-4890-4559-9D4C-E7C6274E6D9D}" type="datetimeFigureOut">
               <a:rPr lang="en-US" smtClean="0"/>
-              <a:t>11/1/2021</a:t>
+              <a:t>11/2/2021</a:t>
             </a:fld>
             <a:endParaRPr lang="en-US"/>
           </a:p>
@@ -3054,7 +3052,7 @@
           <a:p>
             <a:fld id="{2F224862-4890-4559-9D4C-E7C6274E6D9D}" type="datetimeFigureOut">
               <a:rPr lang="en-US" smtClean="0"/>
-              <a:t>11/1/2021</a:t>
+              <a:t>11/2/2021</a:t>
             </a:fld>
             <a:endParaRPr lang="en-US"/>
           </a:p>
@@ -3341,7 +3339,7 @@
           <a:p>
             <a:fld id="{2F224862-4890-4559-9D4C-E7C6274E6D9D}" type="datetimeFigureOut">
               <a:rPr lang="en-US" smtClean="0"/>
-              <a:t>11/1/2021</a:t>
+              <a:t>11/2/2021</a:t>
             </a:fld>
             <a:endParaRPr lang="en-US"/>
           </a:p>
@@ -5360,353 +5358,6 @@
       </p:grpSpPr>
       <p:sp>
         <p:nvSpPr>
-          <p:cNvPr id="2" name="Google Shape;278;p34">
-            <a:extLst>
-              <a:ext uri="{FF2B5EF4-FFF2-40B4-BE49-F238E27FC236}">
-                <a16:creationId xmlns:a16="http://schemas.microsoft.com/office/drawing/2014/main" id="{257836AA-7F8D-4989-BAAB-9C59A3AA8A42}"/>
-              </a:ext>
-            </a:extLst>
-          </p:cNvPr>
-          <p:cNvSpPr txBox="1"/>
-          <p:nvPr/>
-        </p:nvSpPr>
-        <p:spPr>
-          <a:xfrm>
-            <a:off x="9424736" y="57090"/>
-            <a:ext cx="1824789" cy="571500"/>
-          </a:xfrm>
-          <a:prstGeom prst="rect">
-            <a:avLst/>
-          </a:prstGeom>
-          <a:noFill/>
-          <a:ln>
-            <a:noFill/>
-          </a:ln>
-        </p:spPr>
-        <p:txBody>
-          <a:bodyPr spcFirstLastPara="1" wrap="square" lIns="91425" tIns="45700" rIns="91425" bIns="45700" anchor="ctr" anchorCtr="0">
-            <a:noAutofit/>
-          </a:bodyPr>
-          <a:lstStyle/>
-          <a:p>
-            <a:pPr marL="0" marR="0" lvl="0" indent="0" algn="l" rtl="0">
-              <a:lnSpc>
-                <a:spcPct val="100000"/>
-              </a:lnSpc>
-              <a:spcBef>
-                <a:spcPts val="0"/>
-              </a:spcBef>
-              <a:spcAft>
-                <a:spcPts val="0"/>
-              </a:spcAft>
-              <a:buClr>
-                <a:srgbClr val="0578A2"/>
-              </a:buClr>
-              <a:buSzPts val="2400"/>
-              <a:buFont typeface="Arial"/>
-              <a:buNone/>
-            </a:pPr>
-            <a:r>
-              <a:rPr lang="en-US" sz="2400" b="1" i="0" u="none" strike="noStrike" cap="none">
-                <a:solidFill>
-                  <a:srgbClr val="0578A2"/>
-                </a:solidFill>
-                <a:latin typeface="Arial"/>
-                <a:ea typeface="Arial"/>
-                <a:cs typeface="Arial"/>
-                <a:sym typeface="Arial"/>
-              </a:rPr>
-              <a:t>THIẾT KẾ</a:t>
-            </a:r>
-            <a:endParaRPr sz="2400" b="1" i="0" u="none" strike="noStrike" cap="none">
-              <a:solidFill>
-                <a:srgbClr val="0578A2"/>
-              </a:solidFill>
-              <a:latin typeface="Arial"/>
-              <a:ea typeface="Arial"/>
-              <a:cs typeface="Arial"/>
-              <a:sym typeface="Arial"/>
-            </a:endParaRPr>
-          </a:p>
-        </p:txBody>
-      </p:sp>
-      <p:sp>
-        <p:nvSpPr>
-          <p:cNvPr id="3" name="Google Shape;279;p34">
-            <a:extLst>
-              <a:ext uri="{FF2B5EF4-FFF2-40B4-BE49-F238E27FC236}">
-                <a16:creationId xmlns:a16="http://schemas.microsoft.com/office/drawing/2014/main" id="{A464EEFD-93AF-4670-A19C-7208AF790495}"/>
-              </a:ext>
-            </a:extLst>
-          </p:cNvPr>
-          <p:cNvSpPr/>
-          <p:nvPr/>
-        </p:nvSpPr>
-        <p:spPr>
-          <a:xfrm>
-            <a:off x="11173326" y="-476310"/>
-            <a:ext cx="609600" cy="1143000"/>
-          </a:xfrm>
-          <a:prstGeom prst="roundRect">
-            <a:avLst>
-              <a:gd name="adj" fmla="val 16667"/>
-            </a:avLst>
-          </a:prstGeom>
-          <a:solidFill>
-            <a:schemeClr val="accent3"/>
-          </a:solidFill>
-          <a:ln w="25400" cap="flat" cmpd="sng">
-            <a:solidFill>
-              <a:srgbClr val="05759E"/>
-            </a:solidFill>
-            <a:prstDash val="solid"/>
-            <a:round/>
-            <a:headEnd type="none" w="sm" len="sm"/>
-            <a:tailEnd type="none" w="sm" len="sm"/>
-          </a:ln>
-        </p:spPr>
-        <p:txBody>
-          <a:bodyPr spcFirstLastPara="1" wrap="square" lIns="91425" tIns="45700" rIns="91425" bIns="45700" anchor="ctr" anchorCtr="0">
-            <a:noAutofit/>
-          </a:bodyPr>
-          <a:lstStyle/>
-          <a:p>
-            <a:pPr marL="0" marR="0" lvl="0" indent="0" algn="ctr" rtl="0">
-              <a:lnSpc>
-                <a:spcPct val="100000"/>
-              </a:lnSpc>
-              <a:spcBef>
-                <a:spcPts val="0"/>
-              </a:spcBef>
-              <a:spcAft>
-                <a:spcPts val="0"/>
-              </a:spcAft>
-              <a:buClr>
-                <a:srgbClr val="000000"/>
-              </a:buClr>
-              <a:buSzPts val="1800"/>
-              <a:buFont typeface="Arial"/>
-              <a:buNone/>
-            </a:pPr>
-            <a:endParaRPr sz="1800" b="0" i="0" u="none" strike="noStrike" cap="none">
-              <a:solidFill>
-                <a:schemeClr val="lt1"/>
-              </a:solidFill>
-              <a:latin typeface="Libre Franklin Thin"/>
-              <a:ea typeface="Libre Franklin Thin"/>
-              <a:cs typeface="Libre Franklin Thin"/>
-              <a:sym typeface="Libre Franklin Thin"/>
-            </a:endParaRPr>
-          </a:p>
-        </p:txBody>
-      </p:sp>
-      <p:sp>
-        <p:nvSpPr>
-          <p:cNvPr id="4" name="Google Shape;280;p34">
-            <a:extLst>
-              <a:ext uri="{FF2B5EF4-FFF2-40B4-BE49-F238E27FC236}">
-                <a16:creationId xmlns:a16="http://schemas.microsoft.com/office/drawing/2014/main" id="{902ADAD4-C829-4AEB-84BB-904CDD690669}"/>
-              </a:ext>
-            </a:extLst>
-          </p:cNvPr>
-          <p:cNvSpPr txBox="1"/>
-          <p:nvPr/>
-        </p:nvSpPr>
-        <p:spPr>
-          <a:xfrm>
-            <a:off x="409074" y="666690"/>
-            <a:ext cx="2600826" cy="400069"/>
-          </a:xfrm>
-          <a:prstGeom prst="rect">
-            <a:avLst/>
-          </a:prstGeom>
-          <a:noFill/>
-          <a:ln>
-            <a:noFill/>
-          </a:ln>
-        </p:spPr>
-        <p:txBody>
-          <a:bodyPr spcFirstLastPara="1" wrap="square" lIns="91425" tIns="45700" rIns="91425" bIns="45700" anchor="t" anchorCtr="0">
-            <a:spAutoFit/>
-          </a:bodyPr>
-          <a:lstStyle/>
-          <a:p>
-            <a:pPr marL="342900" marR="0" lvl="0" indent="-342900" algn="l" rtl="0">
-              <a:lnSpc>
-                <a:spcPct val="100000"/>
-              </a:lnSpc>
-              <a:spcBef>
-                <a:spcPts val="0"/>
-              </a:spcBef>
-              <a:spcAft>
-                <a:spcPts val="0"/>
-              </a:spcAft>
-              <a:buClr>
-                <a:srgbClr val="03506C"/>
-              </a:buClr>
-              <a:buSzPts val="2000"/>
-              <a:buFont typeface="Noto Sans Symbols"/>
-              <a:buChar char="❖"/>
-            </a:pPr>
-            <a:r>
-              <a:rPr lang="en-US" sz="2000" b="1" i="0" u="sng" strike="noStrike" cap="none">
-                <a:solidFill>
-                  <a:srgbClr val="03506C"/>
-                </a:solidFill>
-                <a:latin typeface="Arial"/>
-                <a:ea typeface="Arial"/>
-                <a:cs typeface="Arial"/>
-                <a:sym typeface="Arial"/>
-              </a:rPr>
-              <a:t>Sơ đồ USECASE</a:t>
-            </a:r>
-            <a:endParaRPr sz="2000" b="1" i="0" u="sng" strike="noStrike" cap="none">
-              <a:solidFill>
-                <a:srgbClr val="03506C"/>
-              </a:solidFill>
-              <a:latin typeface="Arial"/>
-              <a:ea typeface="Arial"/>
-              <a:cs typeface="Arial"/>
-              <a:sym typeface="Arial"/>
-            </a:endParaRPr>
-          </a:p>
-        </p:txBody>
-      </p:sp>
-      <p:sp>
-        <p:nvSpPr>
-          <p:cNvPr id="5" name="Google Shape;281;p34">
-            <a:extLst>
-              <a:ext uri="{FF2B5EF4-FFF2-40B4-BE49-F238E27FC236}">
-                <a16:creationId xmlns:a16="http://schemas.microsoft.com/office/drawing/2014/main" id="{9B8DD7F9-299B-4B5D-8296-2F0BA22D0482}"/>
-              </a:ext>
-            </a:extLst>
-          </p:cNvPr>
-          <p:cNvSpPr txBox="1"/>
-          <p:nvPr/>
-        </p:nvSpPr>
-        <p:spPr>
-          <a:xfrm>
-            <a:off x="5314950" y="6396335"/>
-            <a:ext cx="1562100" cy="461665"/>
-          </a:xfrm>
-          <a:prstGeom prst="rect">
-            <a:avLst/>
-          </a:prstGeom>
-          <a:noFill/>
-          <a:ln>
-            <a:noFill/>
-          </a:ln>
-        </p:spPr>
-        <p:txBody>
-          <a:bodyPr spcFirstLastPara="1" wrap="square" lIns="91425" tIns="45700" rIns="91425" bIns="45700" anchor="t" anchorCtr="0">
-            <a:spAutoFit/>
-          </a:bodyPr>
-          <a:lstStyle/>
-          <a:p>
-            <a:pPr marL="0" marR="0" lvl="0" indent="0" algn="l" rtl="0">
-              <a:lnSpc>
-                <a:spcPct val="100000"/>
-              </a:lnSpc>
-              <a:spcBef>
-                <a:spcPts val="0"/>
-              </a:spcBef>
-              <a:spcAft>
-                <a:spcPts val="0"/>
-              </a:spcAft>
-              <a:buNone/>
-            </a:pPr>
-            <a:r>
-              <a:rPr lang="en-US" sz="2400" b="1" i="0" u="none" strike="noStrike" cap="none" dirty="0">
-                <a:solidFill>
-                  <a:schemeClr val="lt1"/>
-                </a:solidFill>
-                <a:latin typeface="Arial"/>
-                <a:ea typeface="Arial"/>
-                <a:cs typeface="Arial"/>
-                <a:sym typeface="Arial"/>
-              </a:rPr>
-              <a:t>NHÓM 6</a:t>
-            </a:r>
-            <a:endParaRPr sz="2400" b="1" i="0" u="none" strike="noStrike" cap="none" dirty="0">
-              <a:solidFill>
-                <a:schemeClr val="lt1"/>
-              </a:solidFill>
-              <a:latin typeface="Arial"/>
-              <a:ea typeface="Arial"/>
-              <a:cs typeface="Arial"/>
-              <a:sym typeface="Arial"/>
-            </a:endParaRPr>
-          </a:p>
-        </p:txBody>
-      </p:sp>
-      <p:pic>
-        <p:nvPicPr>
-          <p:cNvPr id="6" name="Picture 5" descr="Diagram&#10;&#10;Description automatically generated">
-            <a:extLst>
-              <a:ext uri="{FF2B5EF4-FFF2-40B4-BE49-F238E27FC236}">
-                <a16:creationId xmlns:a16="http://schemas.microsoft.com/office/drawing/2014/main" id="{5BCAE55F-9B8E-4840-B748-B1116DC021A9}"/>
-              </a:ext>
-            </a:extLst>
-          </p:cNvPr>
-          <p:cNvPicPr>
-            <a:picLocks noChangeAspect="1"/>
-          </p:cNvPicPr>
-          <p:nvPr/>
-        </p:nvPicPr>
-        <p:blipFill>
-          <a:blip r:embed="rId2" cstate="print">
-            <a:extLst>
-              <a:ext uri="{28A0092B-C50C-407E-A947-70E740481C1C}">
-                <a14:useLocalDpi xmlns:a14="http://schemas.microsoft.com/office/drawing/2010/main" val="0"/>
-              </a:ext>
-            </a:extLst>
-          </a:blip>
-          <a:stretch>
-            <a:fillRect/>
-          </a:stretch>
-        </p:blipFill>
-        <p:spPr>
-          <a:xfrm>
-            <a:off x="798575" y="1066759"/>
-            <a:ext cx="10374751" cy="5289047"/>
-          </a:xfrm>
-          <a:prstGeom prst="rect">
-            <a:avLst/>
-          </a:prstGeom>
-        </p:spPr>
-      </p:pic>
-    </p:spTree>
-    <p:extLst>
-      <p:ext uri="{BB962C8B-B14F-4D97-AF65-F5344CB8AC3E}">
-        <p14:creationId xmlns:p14="http://schemas.microsoft.com/office/powerpoint/2010/main" val="1424451358"/>
-      </p:ext>
-    </p:extLst>
-  </p:cSld>
-  <p:clrMapOvr>
-    <a:masterClrMapping/>
-  </p:clrMapOvr>
-</p:sld>
-</file>
-
-<file path=ppt/slides/slide11.xml><?xml version="1.0" encoding="utf-8"?>
-<p:sld xmlns:a="http://schemas.openxmlformats.org/drawingml/2006/main" xmlns:r="http://schemas.openxmlformats.org/officeDocument/2006/relationships" xmlns:p="http://schemas.openxmlformats.org/presentationml/2006/main">
-  <p:cSld>
-    <p:spTree>
-      <p:nvGrpSpPr>
-        <p:cNvPr id="1" name=""/>
-        <p:cNvGrpSpPr/>
-        <p:nvPr/>
-      </p:nvGrpSpPr>
-      <p:grpSpPr>
-        <a:xfrm>
-          <a:off x="0" y="0"/>
-          <a:ext cx="0" cy="0"/>
-          <a:chOff x="0" y="0"/>
-          <a:chExt cx="0" cy="0"/>
-        </a:xfrm>
-      </p:grpSpPr>
-      <p:sp>
-        <p:nvSpPr>
           <p:cNvPr id="2" name="Google Shape;291;p16">
             <a:extLst>
               <a:ext uri="{FF2B5EF4-FFF2-40B4-BE49-F238E27FC236}">
@@ -7298,7 +6949,7 @@
 </p:sld>
 </file>
 
-<file path=ppt/slides/slide12.xml><?xml version="1.0" encoding="utf-8"?>
+<file path=ppt/slides/slide11.xml><?xml version="1.0" encoding="utf-8"?>
 <p:sld xmlns:a="http://schemas.openxmlformats.org/drawingml/2006/main" xmlns:r="http://schemas.openxmlformats.org/officeDocument/2006/relationships" xmlns:p="http://schemas.openxmlformats.org/presentationml/2006/main">
   <p:cSld>
     <p:spTree>
@@ -9267,6 +8918,2698 @@
     <p:extLst>
       <p:ext uri="{BB962C8B-B14F-4D97-AF65-F5344CB8AC3E}">
         <p14:creationId xmlns:p14="http://schemas.microsoft.com/office/powerpoint/2010/main" val="91946899"/>
+      </p:ext>
+    </p:extLst>
+  </p:cSld>
+  <p:clrMapOvr>
+    <a:masterClrMapping/>
+  </p:clrMapOvr>
+</p:sld>
+</file>
+
+<file path=ppt/slides/slide12.xml><?xml version="1.0" encoding="utf-8"?>
+<p:sld xmlns:a="http://schemas.openxmlformats.org/drawingml/2006/main" xmlns:r="http://schemas.openxmlformats.org/officeDocument/2006/relationships" xmlns:p="http://schemas.openxmlformats.org/presentationml/2006/main">
+  <p:cSld>
+    <p:spTree>
+      <p:nvGrpSpPr>
+        <p:cNvPr id="1" name=""/>
+        <p:cNvGrpSpPr/>
+        <p:nvPr/>
+      </p:nvGrpSpPr>
+      <p:grpSpPr>
+        <a:xfrm>
+          <a:off x="0" y="0"/>
+          <a:ext cx="0" cy="0"/>
+          <a:chOff x="0" y="0"/>
+          <a:chExt cx="0" cy="0"/>
+        </a:xfrm>
+      </p:grpSpPr>
+      <p:sp>
+        <p:nvSpPr>
+          <p:cNvPr id="2" name="Google Shape;291;p16">
+            <a:extLst>
+              <a:ext uri="{FF2B5EF4-FFF2-40B4-BE49-F238E27FC236}">
+                <a16:creationId xmlns:a16="http://schemas.microsoft.com/office/drawing/2014/main" id="{5E3B62C7-8BE8-40FE-9618-F225098F31D2}"/>
+              </a:ext>
+            </a:extLst>
+          </p:cNvPr>
+          <p:cNvSpPr/>
+          <p:nvPr/>
+        </p:nvSpPr>
+        <p:spPr>
+          <a:xfrm>
+            <a:off x="11115952" y="-476310"/>
+            <a:ext cx="609600" cy="1143000"/>
+          </a:xfrm>
+          <a:prstGeom prst="roundRect">
+            <a:avLst>
+              <a:gd name="adj" fmla="val 16667"/>
+            </a:avLst>
+          </a:prstGeom>
+          <a:solidFill>
+            <a:schemeClr val="accent3"/>
+          </a:solidFill>
+          <a:ln w="25400" cap="flat" cmpd="sng">
+            <a:solidFill>
+              <a:srgbClr val="05759E"/>
+            </a:solidFill>
+            <a:prstDash val="solid"/>
+            <a:round/>
+            <a:headEnd type="none" w="sm" len="sm"/>
+            <a:tailEnd type="none" w="sm" len="sm"/>
+          </a:ln>
+        </p:spPr>
+        <p:txBody>
+          <a:bodyPr spcFirstLastPara="1" wrap="square" lIns="91425" tIns="45700" rIns="91425" bIns="45700" anchor="ctr" anchorCtr="0">
+            <a:noAutofit/>
+          </a:bodyPr>
+          <a:lstStyle/>
+          <a:p>
+            <a:pPr marL="0" marR="0" lvl="0" indent="0" algn="ctr" rtl="0">
+              <a:lnSpc>
+                <a:spcPct val="100000"/>
+              </a:lnSpc>
+              <a:spcBef>
+                <a:spcPts val="0"/>
+              </a:spcBef>
+              <a:spcAft>
+                <a:spcPts val="0"/>
+              </a:spcAft>
+              <a:buClr>
+                <a:srgbClr val="000000"/>
+              </a:buClr>
+              <a:buSzPts val="1800"/>
+              <a:buFont typeface="Arial"/>
+              <a:buNone/>
+            </a:pPr>
+            <a:endParaRPr sz="1800" b="0" i="0" u="none" strike="noStrike" cap="none">
+              <a:solidFill>
+                <a:schemeClr val="lt1"/>
+              </a:solidFill>
+              <a:latin typeface="Libre Franklin Thin"/>
+              <a:ea typeface="Libre Franklin Thin"/>
+              <a:cs typeface="Libre Franklin Thin"/>
+              <a:sym typeface="Libre Franklin Thin"/>
+            </a:endParaRPr>
+          </a:p>
+        </p:txBody>
+      </p:sp>
+      <p:sp>
+        <p:nvSpPr>
+          <p:cNvPr id="3" name="Google Shape;292;p16">
+            <a:extLst>
+              <a:ext uri="{FF2B5EF4-FFF2-40B4-BE49-F238E27FC236}">
+                <a16:creationId xmlns:a16="http://schemas.microsoft.com/office/drawing/2014/main" id="{7D6735B0-C281-43BA-BDDC-812E034F472C}"/>
+              </a:ext>
+            </a:extLst>
+          </p:cNvPr>
+          <p:cNvSpPr txBox="1"/>
+          <p:nvPr/>
+        </p:nvSpPr>
+        <p:spPr>
+          <a:xfrm>
+            <a:off x="382180" y="666690"/>
+            <a:ext cx="5397366" cy="400069"/>
+          </a:xfrm>
+          <a:prstGeom prst="rect">
+            <a:avLst/>
+          </a:prstGeom>
+          <a:noFill/>
+          <a:ln>
+            <a:noFill/>
+          </a:ln>
+        </p:spPr>
+        <p:txBody>
+          <a:bodyPr spcFirstLastPara="1" wrap="square" lIns="91425" tIns="45700" rIns="91425" bIns="45700" anchor="t" anchorCtr="0">
+            <a:spAutoFit/>
+          </a:bodyPr>
+          <a:lstStyle/>
+          <a:p>
+            <a:pPr marL="342900" marR="0" lvl="0" indent="-342900" algn="l" rtl="0">
+              <a:lnSpc>
+                <a:spcPct val="100000"/>
+              </a:lnSpc>
+              <a:spcBef>
+                <a:spcPts val="0"/>
+              </a:spcBef>
+              <a:spcAft>
+                <a:spcPts val="0"/>
+              </a:spcAft>
+              <a:buClr>
+                <a:srgbClr val="03506C"/>
+              </a:buClr>
+              <a:buSzPts val="2000"/>
+              <a:buFont typeface="Noto Sans Symbols"/>
+              <a:buChar char="❖"/>
+            </a:pPr>
+            <a:r>
+              <a:rPr lang="en-US" sz="2000" b="1" i="0" u="sng" strike="noStrike" cap="none" dirty="0" err="1">
+                <a:solidFill>
+                  <a:srgbClr val="03506C"/>
+                </a:solidFill>
+                <a:latin typeface="Arial"/>
+                <a:ea typeface="Arial"/>
+                <a:cs typeface="Arial"/>
+                <a:sym typeface="Arial"/>
+              </a:rPr>
+              <a:t>Mô</a:t>
+            </a:r>
+            <a:r>
+              <a:rPr lang="en-US" sz="2000" b="1" i="0" u="sng" strike="noStrike" cap="none" dirty="0">
+                <a:solidFill>
+                  <a:srgbClr val="03506C"/>
+                </a:solidFill>
+                <a:latin typeface="Arial"/>
+                <a:ea typeface="Arial"/>
+                <a:cs typeface="Arial"/>
+                <a:sym typeface="Arial"/>
+              </a:rPr>
+              <a:t> </a:t>
+            </a:r>
+            <a:r>
+              <a:rPr lang="en-US" sz="2000" b="1" i="0" u="sng" strike="noStrike" cap="none" dirty="0" err="1">
+                <a:solidFill>
+                  <a:srgbClr val="03506C"/>
+                </a:solidFill>
+                <a:latin typeface="Arial"/>
+                <a:ea typeface="Arial"/>
+                <a:cs typeface="Arial"/>
+                <a:sym typeface="Arial"/>
+              </a:rPr>
+              <a:t>tả</a:t>
+            </a:r>
+            <a:r>
+              <a:rPr lang="en-US" sz="2000" b="1" i="0" u="sng" strike="noStrike" cap="none" dirty="0">
+                <a:solidFill>
+                  <a:srgbClr val="03506C"/>
+                </a:solidFill>
+                <a:latin typeface="Arial"/>
+                <a:ea typeface="Arial"/>
+                <a:cs typeface="Arial"/>
+                <a:sym typeface="Arial"/>
+              </a:rPr>
+              <a:t> USECASE – CHỨC NĂNG CHÍNH</a:t>
+            </a:r>
+            <a:endParaRPr sz="2000" b="1" i="0" u="sng" strike="noStrike" cap="none" dirty="0">
+              <a:solidFill>
+                <a:srgbClr val="03506C"/>
+              </a:solidFill>
+              <a:latin typeface="Arial"/>
+              <a:ea typeface="Arial"/>
+              <a:cs typeface="Arial"/>
+              <a:sym typeface="Arial"/>
+            </a:endParaRPr>
+          </a:p>
+        </p:txBody>
+      </p:sp>
+      <p:sp>
+        <p:nvSpPr>
+          <p:cNvPr id="5" name="Google Shape;294;p16">
+            <a:extLst>
+              <a:ext uri="{FF2B5EF4-FFF2-40B4-BE49-F238E27FC236}">
+                <a16:creationId xmlns:a16="http://schemas.microsoft.com/office/drawing/2014/main" id="{9B5F5A40-0221-4026-9C46-24836F9C274F}"/>
+              </a:ext>
+            </a:extLst>
+          </p:cNvPr>
+          <p:cNvSpPr txBox="1"/>
+          <p:nvPr/>
+        </p:nvSpPr>
+        <p:spPr>
+          <a:xfrm>
+            <a:off x="5288056" y="6396335"/>
+            <a:ext cx="1562100" cy="461665"/>
+          </a:xfrm>
+          <a:prstGeom prst="rect">
+            <a:avLst/>
+          </a:prstGeom>
+          <a:noFill/>
+          <a:ln>
+            <a:noFill/>
+          </a:ln>
+        </p:spPr>
+        <p:txBody>
+          <a:bodyPr spcFirstLastPara="1" wrap="square" lIns="91425" tIns="45700" rIns="91425" bIns="45700" anchor="t" anchorCtr="0">
+            <a:spAutoFit/>
+          </a:bodyPr>
+          <a:lstStyle/>
+          <a:p>
+            <a:pPr marL="0" marR="0" lvl="0" indent="0" algn="l" rtl="0">
+              <a:lnSpc>
+                <a:spcPct val="100000"/>
+              </a:lnSpc>
+              <a:spcBef>
+                <a:spcPts val="0"/>
+              </a:spcBef>
+              <a:spcAft>
+                <a:spcPts val="0"/>
+              </a:spcAft>
+              <a:buNone/>
+            </a:pPr>
+            <a:r>
+              <a:rPr lang="en-US" sz="2400" b="1" i="0" u="none" strike="noStrike" cap="none" dirty="0">
+                <a:solidFill>
+                  <a:schemeClr val="lt1"/>
+                </a:solidFill>
+                <a:latin typeface="Arial"/>
+                <a:ea typeface="Arial"/>
+                <a:cs typeface="Arial"/>
+                <a:sym typeface="Arial"/>
+              </a:rPr>
+              <a:t>NHÓM 6</a:t>
+            </a:r>
+            <a:endParaRPr sz="2400" b="1" i="0" u="none" strike="noStrike" cap="none" dirty="0">
+              <a:solidFill>
+                <a:schemeClr val="lt1"/>
+              </a:solidFill>
+              <a:latin typeface="Arial"/>
+              <a:ea typeface="Arial"/>
+              <a:cs typeface="Arial"/>
+              <a:sym typeface="Arial"/>
+            </a:endParaRPr>
+          </a:p>
+        </p:txBody>
+      </p:sp>
+      <p:sp>
+        <p:nvSpPr>
+          <p:cNvPr id="6" name="Google Shape;295;p16">
+            <a:extLst>
+              <a:ext uri="{FF2B5EF4-FFF2-40B4-BE49-F238E27FC236}">
+                <a16:creationId xmlns:a16="http://schemas.microsoft.com/office/drawing/2014/main" id="{63A9AA41-ED3F-4103-A816-F3B5C65ECC7A}"/>
+              </a:ext>
+            </a:extLst>
+          </p:cNvPr>
+          <p:cNvSpPr txBox="1"/>
+          <p:nvPr/>
+        </p:nvSpPr>
+        <p:spPr>
+          <a:xfrm>
+            <a:off x="9367362" y="57090"/>
+            <a:ext cx="1824789" cy="571500"/>
+          </a:xfrm>
+          <a:prstGeom prst="rect">
+            <a:avLst/>
+          </a:prstGeom>
+          <a:noFill/>
+          <a:ln>
+            <a:noFill/>
+          </a:ln>
+        </p:spPr>
+        <p:txBody>
+          <a:bodyPr spcFirstLastPara="1" wrap="square" lIns="91425" tIns="45700" rIns="91425" bIns="45700" anchor="ctr" anchorCtr="0">
+            <a:noAutofit/>
+          </a:bodyPr>
+          <a:lstStyle/>
+          <a:p>
+            <a:pPr marL="0" marR="0" lvl="0" indent="0" algn="l" rtl="0">
+              <a:lnSpc>
+                <a:spcPct val="100000"/>
+              </a:lnSpc>
+              <a:spcBef>
+                <a:spcPts val="0"/>
+              </a:spcBef>
+              <a:spcAft>
+                <a:spcPts val="0"/>
+              </a:spcAft>
+              <a:buClr>
+                <a:srgbClr val="0578A2"/>
+              </a:buClr>
+              <a:buSzPts val="2400"/>
+              <a:buFont typeface="Arial"/>
+              <a:buNone/>
+            </a:pPr>
+            <a:r>
+              <a:rPr lang="en-US" sz="2400" b="1" i="0" u="none" strike="noStrike" cap="none">
+                <a:solidFill>
+                  <a:srgbClr val="0578A2"/>
+                </a:solidFill>
+                <a:latin typeface="Arial"/>
+                <a:ea typeface="Arial"/>
+                <a:cs typeface="Arial"/>
+                <a:sym typeface="Arial"/>
+              </a:rPr>
+              <a:t>THIẾT KẾ</a:t>
+            </a:r>
+            <a:endParaRPr sz="2400" b="1" i="0" u="none" strike="noStrike" cap="none">
+              <a:solidFill>
+                <a:srgbClr val="0578A2"/>
+              </a:solidFill>
+              <a:latin typeface="Arial"/>
+              <a:ea typeface="Arial"/>
+              <a:cs typeface="Arial"/>
+              <a:sym typeface="Arial"/>
+            </a:endParaRPr>
+          </a:p>
+        </p:txBody>
+      </p:sp>
+      <p:sp>
+        <p:nvSpPr>
+          <p:cNvPr id="9" name="TextBox 8">
+            <a:extLst>
+              <a:ext uri="{FF2B5EF4-FFF2-40B4-BE49-F238E27FC236}">
+                <a16:creationId xmlns:a16="http://schemas.microsoft.com/office/drawing/2014/main" id="{C107BDAB-A280-4652-8541-C45D0672AFD8}"/>
+              </a:ext>
+            </a:extLst>
+          </p:cNvPr>
+          <p:cNvSpPr txBox="1"/>
+          <p:nvPr/>
+        </p:nvSpPr>
+        <p:spPr>
+          <a:xfrm>
+            <a:off x="851647" y="1242996"/>
+            <a:ext cx="6096000" cy="463397"/>
+          </a:xfrm>
+          <a:prstGeom prst="rect">
+            <a:avLst/>
+          </a:prstGeom>
+          <a:noFill/>
+        </p:spPr>
+        <p:txBody>
+          <a:bodyPr wrap="square">
+            <a:spAutoFit/>
+          </a:bodyPr>
+          <a:lstStyle/>
+          <a:p>
+            <a:pPr marL="0" marR="0" indent="0" algn="just">
+              <a:lnSpc>
+                <a:spcPct val="150000"/>
+              </a:lnSpc>
+              <a:spcBef>
+                <a:spcPts val="0"/>
+              </a:spcBef>
+              <a:spcAft>
+                <a:spcPts val="0"/>
+              </a:spcAft>
+            </a:pPr>
+            <a:r>
+              <a:rPr lang="en-US" sz="1800">
+                <a:solidFill>
+                  <a:schemeClr val="tx1"/>
+                </a:solidFill>
+                <a:effectLst/>
+              </a:rPr>
+              <a:t>Usecase: Kết Bạn</a:t>
+            </a:r>
+            <a:endParaRPr lang="en-US" sz="1800">
+              <a:solidFill>
+                <a:schemeClr val="tx1"/>
+              </a:solidFill>
+              <a:effectLst/>
+              <a:latin typeface="Times New Roman" panose="02020603050405020304" pitchFamily="18" charset="0"/>
+              <a:ea typeface="Times New Roman" panose="02020603050405020304" pitchFamily="18" charset="0"/>
+            </a:endParaRPr>
+          </a:p>
+        </p:txBody>
+      </p:sp>
+      <p:graphicFrame>
+        <p:nvGraphicFramePr>
+          <p:cNvPr id="7" name="Table 6">
+            <a:extLst>
+              <a:ext uri="{FF2B5EF4-FFF2-40B4-BE49-F238E27FC236}">
+                <a16:creationId xmlns:a16="http://schemas.microsoft.com/office/drawing/2014/main" id="{AFA02B25-7779-4541-BFF7-2B60158D8043}"/>
+              </a:ext>
+            </a:extLst>
+          </p:cNvPr>
+          <p:cNvGraphicFramePr>
+            <a:graphicFrameLocks noGrp="1"/>
+          </p:cNvGraphicFramePr>
+          <p:nvPr>
+            <p:extLst>
+              <p:ext uri="{D42A27DB-BD31-4B8C-83A1-F6EECF244321}">
+                <p14:modId xmlns:p14="http://schemas.microsoft.com/office/powerpoint/2010/main" val="4076846807"/>
+              </p:ext>
+            </p:extLst>
+          </p:nvPr>
+        </p:nvGraphicFramePr>
+        <p:xfrm>
+          <a:off x="842398" y="1921588"/>
+          <a:ext cx="10873906" cy="4341101"/>
+        </p:xfrm>
+        <a:graphic>
+          <a:graphicData uri="http://schemas.openxmlformats.org/drawingml/2006/table">
+            <a:tbl>
+              <a:tblPr firstRow="1" firstCol="1" bandRow="1">
+                <a:tableStyleId>{5C22544A-7EE6-4342-B048-85BDC9FD1C3A}</a:tableStyleId>
+              </a:tblPr>
+              <a:tblGrid>
+                <a:gridCol w="5436953">
+                  <a:extLst>
+                    <a:ext uri="{9D8B030D-6E8A-4147-A177-3AD203B41FA5}">
+                      <a16:colId xmlns:a16="http://schemas.microsoft.com/office/drawing/2014/main" val="3542090638"/>
+                    </a:ext>
+                  </a:extLst>
+                </a:gridCol>
+                <a:gridCol w="5436953">
+                  <a:extLst>
+                    <a:ext uri="{9D8B030D-6E8A-4147-A177-3AD203B41FA5}">
+                      <a16:colId xmlns:a16="http://schemas.microsoft.com/office/drawing/2014/main" val="2751586903"/>
+                    </a:ext>
+                  </a:extLst>
+                </a:gridCol>
+              </a:tblGrid>
+              <a:tr h="235703">
+                <a:tc gridSpan="2">
+                  <a:txBody>
+                    <a:bodyPr/>
+                    <a:lstStyle/>
+                    <a:p>
+                      <a:pPr marL="0" marR="0" indent="0" algn="just">
+                        <a:lnSpc>
+                          <a:spcPct val="150000"/>
+                        </a:lnSpc>
+                        <a:spcBef>
+                          <a:spcPts val="0"/>
+                        </a:spcBef>
+                        <a:spcAft>
+                          <a:spcPts val="0"/>
+                        </a:spcAft>
+                      </a:pPr>
+                      <a:r>
+                        <a:rPr lang="en-US" sz="1200">
+                          <a:solidFill>
+                            <a:schemeClr val="tx1"/>
+                          </a:solidFill>
+                          <a:effectLst/>
+                        </a:rPr>
+                        <a:t>Usecase: Kết Bạn</a:t>
+                      </a:r>
+                      <a:endParaRPr lang="en-US" sz="1200">
+                        <a:solidFill>
+                          <a:schemeClr val="tx1"/>
+                        </a:solidFill>
+                        <a:effectLst/>
+                        <a:latin typeface="Times New Roman" panose="02020603050405020304" pitchFamily="18" charset="0"/>
+                        <a:ea typeface="Times New Roman" panose="02020603050405020304" pitchFamily="18" charset="0"/>
+                      </a:endParaRPr>
+                    </a:p>
+                  </a:txBody>
+                  <a:tcPr marL="26567" marR="26567" marT="0" marB="0" anchor="ctr">
+                    <a:lnL w="12700" cap="flat" cmpd="sng" algn="ctr">
+                      <a:solidFill>
+                        <a:schemeClr val="tx1"/>
+                      </a:solidFill>
+                      <a:prstDash val="solid"/>
+                      <a:round/>
+                      <a:headEnd type="none" w="med" len="med"/>
+                      <a:tailEnd type="none" w="med" len="med"/>
+                    </a:lnL>
+                    <a:lnR w="12700" cap="flat" cmpd="sng" algn="ctr">
+                      <a:solidFill>
+                        <a:schemeClr val="tx1"/>
+                      </a:solidFill>
+                      <a:prstDash val="solid"/>
+                      <a:round/>
+                      <a:headEnd type="none" w="med" len="med"/>
+                      <a:tailEnd type="none" w="med" len="med"/>
+                    </a:lnR>
+                    <a:lnT w="12700" cap="flat" cmpd="sng" algn="ctr">
+                      <a:solidFill>
+                        <a:schemeClr val="tx1"/>
+                      </a:solidFill>
+                      <a:prstDash val="solid"/>
+                      <a:round/>
+                      <a:headEnd type="none" w="med" len="med"/>
+                      <a:tailEnd type="none" w="med" len="med"/>
+                    </a:lnT>
+                    <a:lnB w="12700" cap="flat" cmpd="sng" algn="ctr">
+                      <a:solidFill>
+                        <a:schemeClr val="tx1"/>
+                      </a:solidFill>
+                      <a:prstDash val="solid"/>
+                      <a:round/>
+                      <a:headEnd type="none" w="med" len="med"/>
+                      <a:tailEnd type="none" w="med" len="med"/>
+                    </a:lnB>
+                    <a:lnTlToBr w="12700" cmpd="sng">
+                      <a:noFill/>
+                      <a:prstDash val="solid"/>
+                    </a:lnTlToBr>
+                    <a:lnBlToTr w="12700" cmpd="sng">
+                      <a:noFill/>
+                      <a:prstDash val="solid"/>
+                    </a:lnBlToTr>
+                    <a:solidFill>
+                      <a:schemeClr val="bg1"/>
+                    </a:solidFill>
+                  </a:tcPr>
+                </a:tc>
+                <a:tc hMerge="1">
+                  <a:txBody>
+                    <a:bodyPr/>
+                    <a:lstStyle/>
+                    <a:p>
+                      <a:endParaRPr lang="en-US"/>
+                    </a:p>
+                  </a:txBody>
+                  <a:tcPr/>
+                </a:tc>
+                <a:extLst>
+                  <a:ext uri="{0D108BD9-81ED-4DB2-BD59-A6C34878D82A}">
+                    <a16:rowId xmlns:a16="http://schemas.microsoft.com/office/drawing/2014/main" val="571101679"/>
+                  </a:ext>
+                </a:extLst>
+              </a:tr>
+              <a:tr h="410117">
+                <a:tc>
+                  <a:txBody>
+                    <a:bodyPr/>
+                    <a:lstStyle/>
+                    <a:p>
+                      <a:pPr marL="0" marR="0" indent="0" algn="just">
+                        <a:lnSpc>
+                          <a:spcPct val="150000"/>
+                        </a:lnSpc>
+                        <a:spcBef>
+                          <a:spcPts val="0"/>
+                        </a:spcBef>
+                        <a:spcAft>
+                          <a:spcPts val="0"/>
+                        </a:spcAft>
+                      </a:pPr>
+                      <a:r>
+                        <a:rPr lang="en-US" sz="1200">
+                          <a:solidFill>
+                            <a:schemeClr val="tx1"/>
+                          </a:solidFill>
+                          <a:effectLst/>
+                        </a:rPr>
+                        <a:t>Mục đích</a:t>
+                      </a:r>
+                      <a:endParaRPr lang="en-US" sz="1200">
+                        <a:solidFill>
+                          <a:schemeClr val="tx1"/>
+                        </a:solidFill>
+                        <a:effectLst/>
+                        <a:latin typeface="Times New Roman" panose="02020603050405020304" pitchFamily="18" charset="0"/>
+                        <a:ea typeface="Times New Roman" panose="02020603050405020304" pitchFamily="18" charset="0"/>
+                      </a:endParaRPr>
+                    </a:p>
+                  </a:txBody>
+                  <a:tcPr marL="26567" marR="26567" marT="0" marB="0" anchor="ctr">
+                    <a:lnL w="12700" cap="flat" cmpd="sng" algn="ctr">
+                      <a:solidFill>
+                        <a:schemeClr val="tx1"/>
+                      </a:solidFill>
+                      <a:prstDash val="solid"/>
+                      <a:round/>
+                      <a:headEnd type="none" w="med" len="med"/>
+                      <a:tailEnd type="none" w="med" len="med"/>
+                    </a:lnL>
+                    <a:lnR w="12700" cap="flat" cmpd="sng" algn="ctr">
+                      <a:solidFill>
+                        <a:schemeClr val="tx1"/>
+                      </a:solidFill>
+                      <a:prstDash val="solid"/>
+                      <a:round/>
+                      <a:headEnd type="none" w="med" len="med"/>
+                      <a:tailEnd type="none" w="med" len="med"/>
+                    </a:lnR>
+                    <a:lnT w="12700" cap="flat" cmpd="sng" algn="ctr">
+                      <a:solidFill>
+                        <a:schemeClr val="tx1"/>
+                      </a:solidFill>
+                      <a:prstDash val="solid"/>
+                      <a:round/>
+                      <a:headEnd type="none" w="med" len="med"/>
+                      <a:tailEnd type="none" w="med" len="med"/>
+                    </a:lnT>
+                    <a:lnB w="12700" cap="flat" cmpd="sng" algn="ctr">
+                      <a:solidFill>
+                        <a:schemeClr val="tx1"/>
+                      </a:solidFill>
+                      <a:prstDash val="solid"/>
+                      <a:round/>
+                      <a:headEnd type="none" w="med" len="med"/>
+                      <a:tailEnd type="none" w="med" len="med"/>
+                    </a:lnB>
+                    <a:lnTlToBr w="12700" cmpd="sng">
+                      <a:noFill/>
+                      <a:prstDash val="solid"/>
+                    </a:lnTlToBr>
+                    <a:lnBlToTr w="12700" cmpd="sng">
+                      <a:noFill/>
+                      <a:prstDash val="solid"/>
+                    </a:lnBlToTr>
+                    <a:solidFill>
+                      <a:schemeClr val="bg1"/>
+                    </a:solidFill>
+                  </a:tcPr>
+                </a:tc>
+                <a:tc>
+                  <a:txBody>
+                    <a:bodyPr/>
+                    <a:lstStyle/>
+                    <a:p>
+                      <a:pPr marL="0" marR="0" indent="0" algn="just">
+                        <a:lnSpc>
+                          <a:spcPct val="150000"/>
+                        </a:lnSpc>
+                        <a:spcBef>
+                          <a:spcPts val="0"/>
+                        </a:spcBef>
+                        <a:spcAft>
+                          <a:spcPts val="0"/>
+                        </a:spcAft>
+                      </a:pPr>
+                      <a:r>
+                        <a:rPr lang="en-US" sz="1200">
+                          <a:solidFill>
+                            <a:schemeClr val="tx1"/>
+                          </a:solidFill>
+                          <a:effectLst/>
+                        </a:rPr>
+                        <a:t>Cho phép người dùng kết bạn với số điện thoại mới hợp lệ</a:t>
+                      </a:r>
+                      <a:endParaRPr lang="en-US" sz="1200">
+                        <a:solidFill>
+                          <a:schemeClr val="tx1"/>
+                        </a:solidFill>
+                        <a:effectLst/>
+                        <a:latin typeface="Times New Roman" panose="02020603050405020304" pitchFamily="18" charset="0"/>
+                        <a:ea typeface="Times New Roman" panose="02020603050405020304" pitchFamily="18" charset="0"/>
+                      </a:endParaRPr>
+                    </a:p>
+                  </a:txBody>
+                  <a:tcPr marL="26567" marR="26567" marT="0" marB="0" anchor="ctr">
+                    <a:lnL w="12700" cap="flat" cmpd="sng" algn="ctr">
+                      <a:solidFill>
+                        <a:schemeClr val="tx1"/>
+                      </a:solidFill>
+                      <a:prstDash val="solid"/>
+                      <a:round/>
+                      <a:headEnd type="none" w="med" len="med"/>
+                      <a:tailEnd type="none" w="med" len="med"/>
+                    </a:lnL>
+                    <a:lnR w="12700" cap="flat" cmpd="sng" algn="ctr">
+                      <a:solidFill>
+                        <a:schemeClr val="tx1"/>
+                      </a:solidFill>
+                      <a:prstDash val="solid"/>
+                      <a:round/>
+                      <a:headEnd type="none" w="med" len="med"/>
+                      <a:tailEnd type="none" w="med" len="med"/>
+                    </a:lnR>
+                    <a:lnT w="12700" cap="flat" cmpd="sng" algn="ctr">
+                      <a:solidFill>
+                        <a:schemeClr val="tx1"/>
+                      </a:solidFill>
+                      <a:prstDash val="solid"/>
+                      <a:round/>
+                      <a:headEnd type="none" w="med" len="med"/>
+                      <a:tailEnd type="none" w="med" len="med"/>
+                    </a:lnT>
+                    <a:lnB w="12700" cap="flat" cmpd="sng" algn="ctr">
+                      <a:solidFill>
+                        <a:schemeClr val="tx1"/>
+                      </a:solidFill>
+                      <a:prstDash val="solid"/>
+                      <a:round/>
+                      <a:headEnd type="none" w="med" len="med"/>
+                      <a:tailEnd type="none" w="med" len="med"/>
+                    </a:lnB>
+                    <a:lnTlToBr w="12700" cmpd="sng">
+                      <a:noFill/>
+                      <a:prstDash val="solid"/>
+                    </a:lnTlToBr>
+                    <a:lnBlToTr w="12700" cmpd="sng">
+                      <a:noFill/>
+                      <a:prstDash val="solid"/>
+                    </a:lnBlToTr>
+                    <a:solidFill>
+                      <a:schemeClr val="bg1"/>
+                    </a:solidFill>
+                  </a:tcPr>
+                </a:tc>
+                <a:extLst>
+                  <a:ext uri="{0D108BD9-81ED-4DB2-BD59-A6C34878D82A}">
+                    <a16:rowId xmlns:a16="http://schemas.microsoft.com/office/drawing/2014/main" val="1764740474"/>
+                  </a:ext>
+                </a:extLst>
+              </a:tr>
+              <a:tr h="191985">
+                <a:tc>
+                  <a:txBody>
+                    <a:bodyPr/>
+                    <a:lstStyle/>
+                    <a:p>
+                      <a:pPr marL="0" marR="0" indent="0" algn="just">
+                        <a:lnSpc>
+                          <a:spcPct val="150000"/>
+                        </a:lnSpc>
+                        <a:spcBef>
+                          <a:spcPts val="0"/>
+                        </a:spcBef>
+                        <a:spcAft>
+                          <a:spcPts val="0"/>
+                        </a:spcAft>
+                      </a:pPr>
+                      <a:r>
+                        <a:rPr lang="en-US" sz="1200">
+                          <a:solidFill>
+                            <a:schemeClr val="tx1"/>
+                          </a:solidFill>
+                          <a:effectLst/>
+                        </a:rPr>
+                        <a:t>Actor chính</a:t>
+                      </a:r>
+                      <a:endParaRPr lang="en-US" sz="1200">
+                        <a:solidFill>
+                          <a:schemeClr val="tx1"/>
+                        </a:solidFill>
+                        <a:effectLst/>
+                        <a:latin typeface="Times New Roman" panose="02020603050405020304" pitchFamily="18" charset="0"/>
+                        <a:ea typeface="Times New Roman" panose="02020603050405020304" pitchFamily="18" charset="0"/>
+                      </a:endParaRPr>
+                    </a:p>
+                  </a:txBody>
+                  <a:tcPr marL="26567" marR="26567" marT="0" marB="0" anchor="ctr">
+                    <a:lnL w="12700" cap="flat" cmpd="sng" algn="ctr">
+                      <a:solidFill>
+                        <a:schemeClr val="tx1"/>
+                      </a:solidFill>
+                      <a:prstDash val="solid"/>
+                      <a:round/>
+                      <a:headEnd type="none" w="med" len="med"/>
+                      <a:tailEnd type="none" w="med" len="med"/>
+                    </a:lnL>
+                    <a:lnR w="12700" cap="flat" cmpd="sng" algn="ctr">
+                      <a:solidFill>
+                        <a:schemeClr val="tx1"/>
+                      </a:solidFill>
+                      <a:prstDash val="solid"/>
+                      <a:round/>
+                      <a:headEnd type="none" w="med" len="med"/>
+                      <a:tailEnd type="none" w="med" len="med"/>
+                    </a:lnR>
+                    <a:lnT w="12700" cap="flat" cmpd="sng" algn="ctr">
+                      <a:solidFill>
+                        <a:schemeClr val="tx1"/>
+                      </a:solidFill>
+                      <a:prstDash val="solid"/>
+                      <a:round/>
+                      <a:headEnd type="none" w="med" len="med"/>
+                      <a:tailEnd type="none" w="med" len="med"/>
+                    </a:lnT>
+                    <a:lnB w="12700" cap="flat" cmpd="sng" algn="ctr">
+                      <a:solidFill>
+                        <a:schemeClr val="tx1"/>
+                      </a:solidFill>
+                      <a:prstDash val="solid"/>
+                      <a:round/>
+                      <a:headEnd type="none" w="med" len="med"/>
+                      <a:tailEnd type="none" w="med" len="med"/>
+                    </a:lnB>
+                    <a:lnTlToBr w="12700" cmpd="sng">
+                      <a:noFill/>
+                      <a:prstDash val="solid"/>
+                    </a:lnTlToBr>
+                    <a:lnBlToTr w="12700" cmpd="sng">
+                      <a:noFill/>
+                      <a:prstDash val="solid"/>
+                    </a:lnBlToTr>
+                    <a:solidFill>
+                      <a:schemeClr val="bg1"/>
+                    </a:solidFill>
+                  </a:tcPr>
+                </a:tc>
+                <a:tc>
+                  <a:txBody>
+                    <a:bodyPr/>
+                    <a:lstStyle/>
+                    <a:p>
+                      <a:pPr marL="0" marR="0" indent="0" algn="just">
+                        <a:lnSpc>
+                          <a:spcPct val="150000"/>
+                        </a:lnSpc>
+                        <a:spcBef>
+                          <a:spcPts val="0"/>
+                        </a:spcBef>
+                        <a:spcAft>
+                          <a:spcPts val="0"/>
+                        </a:spcAft>
+                      </a:pPr>
+                      <a:r>
+                        <a:rPr lang="en-US" sz="1200">
+                          <a:solidFill>
+                            <a:schemeClr val="tx1"/>
+                          </a:solidFill>
+                          <a:effectLst/>
+                        </a:rPr>
+                        <a:t>Người dùng</a:t>
+                      </a:r>
+                      <a:endParaRPr lang="en-US" sz="1200">
+                        <a:solidFill>
+                          <a:schemeClr val="tx1"/>
+                        </a:solidFill>
+                        <a:effectLst/>
+                        <a:latin typeface="Times New Roman" panose="02020603050405020304" pitchFamily="18" charset="0"/>
+                        <a:ea typeface="Times New Roman" panose="02020603050405020304" pitchFamily="18" charset="0"/>
+                      </a:endParaRPr>
+                    </a:p>
+                  </a:txBody>
+                  <a:tcPr marL="26567" marR="26567" marT="0" marB="0" anchor="ctr">
+                    <a:lnL w="12700" cap="flat" cmpd="sng" algn="ctr">
+                      <a:solidFill>
+                        <a:schemeClr val="tx1"/>
+                      </a:solidFill>
+                      <a:prstDash val="solid"/>
+                      <a:round/>
+                      <a:headEnd type="none" w="med" len="med"/>
+                      <a:tailEnd type="none" w="med" len="med"/>
+                    </a:lnL>
+                    <a:lnR w="12700" cap="flat" cmpd="sng" algn="ctr">
+                      <a:solidFill>
+                        <a:schemeClr val="tx1"/>
+                      </a:solidFill>
+                      <a:prstDash val="solid"/>
+                      <a:round/>
+                      <a:headEnd type="none" w="med" len="med"/>
+                      <a:tailEnd type="none" w="med" len="med"/>
+                    </a:lnR>
+                    <a:lnT w="12700" cap="flat" cmpd="sng" algn="ctr">
+                      <a:solidFill>
+                        <a:schemeClr val="tx1"/>
+                      </a:solidFill>
+                      <a:prstDash val="solid"/>
+                      <a:round/>
+                      <a:headEnd type="none" w="med" len="med"/>
+                      <a:tailEnd type="none" w="med" len="med"/>
+                    </a:lnT>
+                    <a:lnB w="12700" cap="flat" cmpd="sng" algn="ctr">
+                      <a:solidFill>
+                        <a:schemeClr val="tx1"/>
+                      </a:solidFill>
+                      <a:prstDash val="solid"/>
+                      <a:round/>
+                      <a:headEnd type="none" w="med" len="med"/>
+                      <a:tailEnd type="none" w="med" len="med"/>
+                    </a:lnB>
+                    <a:lnTlToBr w="12700" cmpd="sng">
+                      <a:noFill/>
+                      <a:prstDash val="solid"/>
+                    </a:lnTlToBr>
+                    <a:lnBlToTr w="12700" cmpd="sng">
+                      <a:noFill/>
+                      <a:prstDash val="solid"/>
+                    </a:lnBlToTr>
+                    <a:solidFill>
+                      <a:schemeClr val="bg1"/>
+                    </a:solidFill>
+                  </a:tcPr>
+                </a:tc>
+                <a:extLst>
+                  <a:ext uri="{0D108BD9-81ED-4DB2-BD59-A6C34878D82A}">
+                    <a16:rowId xmlns:a16="http://schemas.microsoft.com/office/drawing/2014/main" val="2812253079"/>
+                  </a:ext>
+                </a:extLst>
+              </a:tr>
+              <a:tr h="191985">
+                <a:tc>
+                  <a:txBody>
+                    <a:bodyPr/>
+                    <a:lstStyle/>
+                    <a:p>
+                      <a:pPr marL="0" marR="0" indent="0" algn="just">
+                        <a:lnSpc>
+                          <a:spcPct val="150000"/>
+                        </a:lnSpc>
+                        <a:spcBef>
+                          <a:spcPts val="0"/>
+                        </a:spcBef>
+                        <a:spcAft>
+                          <a:spcPts val="0"/>
+                        </a:spcAft>
+                      </a:pPr>
+                      <a:r>
+                        <a:rPr lang="en-US" sz="1200">
+                          <a:solidFill>
+                            <a:schemeClr val="tx1"/>
+                          </a:solidFill>
+                          <a:effectLst/>
+                        </a:rPr>
+                        <a:t>Actor phụ</a:t>
+                      </a:r>
+                      <a:endParaRPr lang="en-US" sz="1200">
+                        <a:solidFill>
+                          <a:schemeClr val="tx1"/>
+                        </a:solidFill>
+                        <a:effectLst/>
+                        <a:latin typeface="Times New Roman" panose="02020603050405020304" pitchFamily="18" charset="0"/>
+                        <a:ea typeface="Times New Roman" panose="02020603050405020304" pitchFamily="18" charset="0"/>
+                      </a:endParaRPr>
+                    </a:p>
+                  </a:txBody>
+                  <a:tcPr marL="26567" marR="26567" marT="0" marB="0" anchor="ctr">
+                    <a:lnL w="12700" cap="flat" cmpd="sng" algn="ctr">
+                      <a:solidFill>
+                        <a:schemeClr val="tx1"/>
+                      </a:solidFill>
+                      <a:prstDash val="solid"/>
+                      <a:round/>
+                      <a:headEnd type="none" w="med" len="med"/>
+                      <a:tailEnd type="none" w="med" len="med"/>
+                    </a:lnL>
+                    <a:lnR w="12700" cap="flat" cmpd="sng" algn="ctr">
+                      <a:solidFill>
+                        <a:schemeClr val="tx1"/>
+                      </a:solidFill>
+                      <a:prstDash val="solid"/>
+                      <a:round/>
+                      <a:headEnd type="none" w="med" len="med"/>
+                      <a:tailEnd type="none" w="med" len="med"/>
+                    </a:lnR>
+                    <a:lnT w="12700" cap="flat" cmpd="sng" algn="ctr">
+                      <a:solidFill>
+                        <a:schemeClr val="tx1"/>
+                      </a:solidFill>
+                      <a:prstDash val="solid"/>
+                      <a:round/>
+                      <a:headEnd type="none" w="med" len="med"/>
+                      <a:tailEnd type="none" w="med" len="med"/>
+                    </a:lnT>
+                    <a:lnB w="12700" cap="flat" cmpd="sng" algn="ctr">
+                      <a:solidFill>
+                        <a:schemeClr val="tx1"/>
+                      </a:solidFill>
+                      <a:prstDash val="solid"/>
+                      <a:round/>
+                      <a:headEnd type="none" w="med" len="med"/>
+                      <a:tailEnd type="none" w="med" len="med"/>
+                    </a:lnB>
+                    <a:lnTlToBr w="12700" cmpd="sng">
+                      <a:noFill/>
+                      <a:prstDash val="solid"/>
+                    </a:lnTlToBr>
+                    <a:lnBlToTr w="12700" cmpd="sng">
+                      <a:noFill/>
+                      <a:prstDash val="solid"/>
+                    </a:lnBlToTr>
+                    <a:solidFill>
+                      <a:schemeClr val="bg1"/>
+                    </a:solidFill>
+                  </a:tcPr>
+                </a:tc>
+                <a:tc>
+                  <a:txBody>
+                    <a:bodyPr/>
+                    <a:lstStyle/>
+                    <a:p>
+                      <a:pPr marL="0" marR="0" indent="0" algn="just">
+                        <a:lnSpc>
+                          <a:spcPct val="150000"/>
+                        </a:lnSpc>
+                        <a:spcBef>
+                          <a:spcPts val="0"/>
+                        </a:spcBef>
+                        <a:spcAft>
+                          <a:spcPts val="0"/>
+                        </a:spcAft>
+                      </a:pPr>
+                      <a:r>
+                        <a:rPr lang="en-US" sz="1200">
+                          <a:solidFill>
+                            <a:schemeClr val="tx1"/>
+                          </a:solidFill>
+                          <a:effectLst/>
+                        </a:rPr>
+                        <a:t>Không có</a:t>
+                      </a:r>
+                      <a:endParaRPr lang="en-US" sz="1200">
+                        <a:solidFill>
+                          <a:schemeClr val="tx1"/>
+                        </a:solidFill>
+                        <a:effectLst/>
+                        <a:latin typeface="Times New Roman" panose="02020603050405020304" pitchFamily="18" charset="0"/>
+                        <a:ea typeface="Times New Roman" panose="02020603050405020304" pitchFamily="18" charset="0"/>
+                      </a:endParaRPr>
+                    </a:p>
+                  </a:txBody>
+                  <a:tcPr marL="26567" marR="26567" marT="0" marB="0" anchor="ctr">
+                    <a:lnL w="12700" cap="flat" cmpd="sng" algn="ctr">
+                      <a:solidFill>
+                        <a:schemeClr val="tx1"/>
+                      </a:solidFill>
+                      <a:prstDash val="solid"/>
+                      <a:round/>
+                      <a:headEnd type="none" w="med" len="med"/>
+                      <a:tailEnd type="none" w="med" len="med"/>
+                    </a:lnL>
+                    <a:lnR w="12700" cap="flat" cmpd="sng" algn="ctr">
+                      <a:solidFill>
+                        <a:schemeClr val="tx1"/>
+                      </a:solidFill>
+                      <a:prstDash val="solid"/>
+                      <a:round/>
+                      <a:headEnd type="none" w="med" len="med"/>
+                      <a:tailEnd type="none" w="med" len="med"/>
+                    </a:lnR>
+                    <a:lnT w="12700" cap="flat" cmpd="sng" algn="ctr">
+                      <a:solidFill>
+                        <a:schemeClr val="tx1"/>
+                      </a:solidFill>
+                      <a:prstDash val="solid"/>
+                      <a:round/>
+                      <a:headEnd type="none" w="med" len="med"/>
+                      <a:tailEnd type="none" w="med" len="med"/>
+                    </a:lnT>
+                    <a:lnB w="12700" cap="flat" cmpd="sng" algn="ctr">
+                      <a:solidFill>
+                        <a:schemeClr val="tx1"/>
+                      </a:solidFill>
+                      <a:prstDash val="solid"/>
+                      <a:round/>
+                      <a:headEnd type="none" w="med" len="med"/>
+                      <a:tailEnd type="none" w="med" len="med"/>
+                    </a:lnB>
+                    <a:lnTlToBr w="12700" cmpd="sng">
+                      <a:noFill/>
+                      <a:prstDash val="solid"/>
+                    </a:lnTlToBr>
+                    <a:lnBlToTr w="12700" cmpd="sng">
+                      <a:noFill/>
+                      <a:prstDash val="solid"/>
+                    </a:lnBlToTr>
+                    <a:solidFill>
+                      <a:schemeClr val="bg1"/>
+                    </a:solidFill>
+                  </a:tcPr>
+                </a:tc>
+                <a:extLst>
+                  <a:ext uri="{0D108BD9-81ED-4DB2-BD59-A6C34878D82A}">
+                    <a16:rowId xmlns:a16="http://schemas.microsoft.com/office/drawing/2014/main" val="2287934634"/>
+                  </a:ext>
+                </a:extLst>
+              </a:tr>
+              <a:tr h="410117">
+                <a:tc>
+                  <a:txBody>
+                    <a:bodyPr/>
+                    <a:lstStyle/>
+                    <a:p>
+                      <a:pPr marL="0" marR="0" indent="0" algn="just">
+                        <a:lnSpc>
+                          <a:spcPct val="150000"/>
+                        </a:lnSpc>
+                        <a:spcBef>
+                          <a:spcPts val="0"/>
+                        </a:spcBef>
+                        <a:spcAft>
+                          <a:spcPts val="0"/>
+                        </a:spcAft>
+                      </a:pPr>
+                      <a:r>
+                        <a:rPr lang="en-US" sz="1200">
+                          <a:solidFill>
+                            <a:schemeClr val="tx1"/>
+                          </a:solidFill>
+                          <a:effectLst/>
+                        </a:rPr>
+                        <a:t>Tiền điều kiện (Pre-condition)</a:t>
+                      </a:r>
+                      <a:endParaRPr lang="en-US" sz="1200">
+                        <a:solidFill>
+                          <a:schemeClr val="tx1"/>
+                        </a:solidFill>
+                        <a:effectLst/>
+                        <a:latin typeface="Times New Roman" panose="02020603050405020304" pitchFamily="18" charset="0"/>
+                        <a:ea typeface="Times New Roman" panose="02020603050405020304" pitchFamily="18" charset="0"/>
+                      </a:endParaRPr>
+                    </a:p>
+                  </a:txBody>
+                  <a:tcPr marL="26567" marR="26567" marT="0" marB="0" anchor="ctr">
+                    <a:lnL w="12700" cap="flat" cmpd="sng" algn="ctr">
+                      <a:solidFill>
+                        <a:schemeClr val="tx1"/>
+                      </a:solidFill>
+                      <a:prstDash val="solid"/>
+                      <a:round/>
+                      <a:headEnd type="none" w="med" len="med"/>
+                      <a:tailEnd type="none" w="med" len="med"/>
+                    </a:lnL>
+                    <a:lnR w="12700" cap="flat" cmpd="sng" algn="ctr">
+                      <a:solidFill>
+                        <a:schemeClr val="tx1"/>
+                      </a:solidFill>
+                      <a:prstDash val="solid"/>
+                      <a:round/>
+                      <a:headEnd type="none" w="med" len="med"/>
+                      <a:tailEnd type="none" w="med" len="med"/>
+                    </a:lnR>
+                    <a:lnT w="12700" cap="flat" cmpd="sng" algn="ctr">
+                      <a:solidFill>
+                        <a:schemeClr val="tx1"/>
+                      </a:solidFill>
+                      <a:prstDash val="solid"/>
+                      <a:round/>
+                      <a:headEnd type="none" w="med" len="med"/>
+                      <a:tailEnd type="none" w="med" len="med"/>
+                    </a:lnT>
+                    <a:lnB w="12700" cap="flat" cmpd="sng" algn="ctr">
+                      <a:solidFill>
+                        <a:schemeClr val="tx1"/>
+                      </a:solidFill>
+                      <a:prstDash val="solid"/>
+                      <a:round/>
+                      <a:headEnd type="none" w="med" len="med"/>
+                      <a:tailEnd type="none" w="med" len="med"/>
+                    </a:lnB>
+                    <a:lnTlToBr w="12700" cmpd="sng">
+                      <a:noFill/>
+                      <a:prstDash val="solid"/>
+                    </a:lnTlToBr>
+                    <a:lnBlToTr w="12700" cmpd="sng">
+                      <a:noFill/>
+                      <a:prstDash val="solid"/>
+                    </a:lnBlToTr>
+                    <a:solidFill>
+                      <a:schemeClr val="bg1"/>
+                    </a:solidFill>
+                  </a:tcPr>
+                </a:tc>
+                <a:tc>
+                  <a:txBody>
+                    <a:bodyPr/>
+                    <a:lstStyle/>
+                    <a:p>
+                      <a:pPr marL="0" marR="0" indent="0" algn="just">
+                        <a:lnSpc>
+                          <a:spcPct val="150000"/>
+                        </a:lnSpc>
+                        <a:spcBef>
+                          <a:spcPts val="0"/>
+                        </a:spcBef>
+                        <a:spcAft>
+                          <a:spcPts val="0"/>
+                        </a:spcAft>
+                      </a:pPr>
+                      <a:r>
+                        <a:rPr lang="en-US" sz="1200">
+                          <a:solidFill>
+                            <a:schemeClr val="tx1"/>
+                          </a:solidFill>
+                          <a:effectLst/>
+                        </a:rPr>
+                        <a:t>Người dùng đăng nhập thành công vào hệ thống chưa có trong danh sách liên hệ</a:t>
+                      </a:r>
+                      <a:endParaRPr lang="en-US" sz="1200">
+                        <a:solidFill>
+                          <a:schemeClr val="tx1"/>
+                        </a:solidFill>
+                        <a:effectLst/>
+                        <a:latin typeface="Times New Roman" panose="02020603050405020304" pitchFamily="18" charset="0"/>
+                        <a:ea typeface="Times New Roman" panose="02020603050405020304" pitchFamily="18" charset="0"/>
+                      </a:endParaRPr>
+                    </a:p>
+                  </a:txBody>
+                  <a:tcPr marL="26567" marR="26567" marT="0" marB="0" anchor="ctr">
+                    <a:lnL w="12700" cap="flat" cmpd="sng" algn="ctr">
+                      <a:solidFill>
+                        <a:schemeClr val="tx1"/>
+                      </a:solidFill>
+                      <a:prstDash val="solid"/>
+                      <a:round/>
+                      <a:headEnd type="none" w="med" len="med"/>
+                      <a:tailEnd type="none" w="med" len="med"/>
+                    </a:lnL>
+                    <a:lnR w="12700" cap="flat" cmpd="sng" algn="ctr">
+                      <a:solidFill>
+                        <a:schemeClr val="tx1"/>
+                      </a:solidFill>
+                      <a:prstDash val="solid"/>
+                      <a:round/>
+                      <a:headEnd type="none" w="med" len="med"/>
+                      <a:tailEnd type="none" w="med" len="med"/>
+                    </a:lnR>
+                    <a:lnT w="12700" cap="flat" cmpd="sng" algn="ctr">
+                      <a:solidFill>
+                        <a:schemeClr val="tx1"/>
+                      </a:solidFill>
+                      <a:prstDash val="solid"/>
+                      <a:round/>
+                      <a:headEnd type="none" w="med" len="med"/>
+                      <a:tailEnd type="none" w="med" len="med"/>
+                    </a:lnT>
+                    <a:lnB w="12700" cap="flat" cmpd="sng" algn="ctr">
+                      <a:solidFill>
+                        <a:schemeClr val="tx1"/>
+                      </a:solidFill>
+                      <a:prstDash val="solid"/>
+                      <a:round/>
+                      <a:headEnd type="none" w="med" len="med"/>
+                      <a:tailEnd type="none" w="med" len="med"/>
+                    </a:lnB>
+                    <a:lnTlToBr w="12700" cmpd="sng">
+                      <a:noFill/>
+                      <a:prstDash val="solid"/>
+                    </a:lnTlToBr>
+                    <a:lnBlToTr w="12700" cmpd="sng">
+                      <a:noFill/>
+                      <a:prstDash val="solid"/>
+                    </a:lnBlToTr>
+                    <a:solidFill>
+                      <a:schemeClr val="bg1"/>
+                    </a:solidFill>
+                  </a:tcPr>
+                </a:tc>
+                <a:extLst>
+                  <a:ext uri="{0D108BD9-81ED-4DB2-BD59-A6C34878D82A}">
+                    <a16:rowId xmlns:a16="http://schemas.microsoft.com/office/drawing/2014/main" val="2663421474"/>
+                  </a:ext>
+                </a:extLst>
+              </a:tr>
+              <a:tr h="410117">
+                <a:tc>
+                  <a:txBody>
+                    <a:bodyPr/>
+                    <a:lstStyle/>
+                    <a:p>
+                      <a:pPr marL="0" marR="0" indent="0" algn="just">
+                        <a:lnSpc>
+                          <a:spcPct val="150000"/>
+                        </a:lnSpc>
+                        <a:spcBef>
+                          <a:spcPts val="0"/>
+                        </a:spcBef>
+                        <a:spcAft>
+                          <a:spcPts val="0"/>
+                        </a:spcAft>
+                      </a:pPr>
+                      <a:r>
+                        <a:rPr lang="en-US" sz="1200">
+                          <a:solidFill>
+                            <a:schemeClr val="tx1"/>
+                          </a:solidFill>
+                          <a:effectLst/>
+                        </a:rPr>
+                        <a:t>Hậu điều kiện (Post-condition)</a:t>
+                      </a:r>
+                      <a:endParaRPr lang="en-US" sz="1200">
+                        <a:solidFill>
+                          <a:schemeClr val="tx1"/>
+                        </a:solidFill>
+                        <a:effectLst/>
+                        <a:latin typeface="Times New Roman" panose="02020603050405020304" pitchFamily="18" charset="0"/>
+                        <a:ea typeface="Times New Roman" panose="02020603050405020304" pitchFamily="18" charset="0"/>
+                      </a:endParaRPr>
+                    </a:p>
+                  </a:txBody>
+                  <a:tcPr marL="26567" marR="26567" marT="0" marB="0" anchor="ctr">
+                    <a:lnL w="12700" cap="flat" cmpd="sng" algn="ctr">
+                      <a:solidFill>
+                        <a:schemeClr val="tx1"/>
+                      </a:solidFill>
+                      <a:prstDash val="solid"/>
+                      <a:round/>
+                      <a:headEnd type="none" w="med" len="med"/>
+                      <a:tailEnd type="none" w="med" len="med"/>
+                    </a:lnL>
+                    <a:lnR w="12700" cap="flat" cmpd="sng" algn="ctr">
+                      <a:solidFill>
+                        <a:schemeClr val="tx1"/>
+                      </a:solidFill>
+                      <a:prstDash val="solid"/>
+                      <a:round/>
+                      <a:headEnd type="none" w="med" len="med"/>
+                      <a:tailEnd type="none" w="med" len="med"/>
+                    </a:lnR>
+                    <a:lnT w="12700" cap="flat" cmpd="sng" algn="ctr">
+                      <a:solidFill>
+                        <a:schemeClr val="tx1"/>
+                      </a:solidFill>
+                      <a:prstDash val="solid"/>
+                      <a:round/>
+                      <a:headEnd type="none" w="med" len="med"/>
+                      <a:tailEnd type="none" w="med" len="med"/>
+                    </a:lnT>
+                    <a:lnB w="12700" cap="flat" cmpd="sng" algn="ctr">
+                      <a:solidFill>
+                        <a:schemeClr val="tx1"/>
+                      </a:solidFill>
+                      <a:prstDash val="solid"/>
+                      <a:round/>
+                      <a:headEnd type="none" w="med" len="med"/>
+                      <a:tailEnd type="none" w="med" len="med"/>
+                    </a:lnB>
+                    <a:lnTlToBr w="12700" cmpd="sng">
+                      <a:noFill/>
+                      <a:prstDash val="solid"/>
+                    </a:lnTlToBr>
+                    <a:lnBlToTr w="12700" cmpd="sng">
+                      <a:noFill/>
+                      <a:prstDash val="solid"/>
+                    </a:lnBlToTr>
+                    <a:solidFill>
+                      <a:schemeClr val="bg1"/>
+                    </a:solidFill>
+                  </a:tcPr>
+                </a:tc>
+                <a:tc>
+                  <a:txBody>
+                    <a:bodyPr/>
+                    <a:lstStyle/>
+                    <a:p>
+                      <a:pPr marL="0" marR="0" indent="0" algn="just">
+                        <a:lnSpc>
+                          <a:spcPct val="150000"/>
+                        </a:lnSpc>
+                        <a:spcBef>
+                          <a:spcPts val="0"/>
+                        </a:spcBef>
+                        <a:spcAft>
+                          <a:spcPts val="0"/>
+                        </a:spcAft>
+                      </a:pPr>
+                      <a:r>
+                        <a:rPr lang="en-US" sz="1200">
+                          <a:solidFill>
+                            <a:schemeClr val="tx1"/>
+                          </a:solidFill>
+                          <a:effectLst/>
+                        </a:rPr>
+                        <a:t>Bạn mới được thêm vào danh sách bạn bè</a:t>
+                      </a:r>
+                      <a:endParaRPr lang="en-US" sz="1200">
+                        <a:solidFill>
+                          <a:schemeClr val="tx1"/>
+                        </a:solidFill>
+                        <a:effectLst/>
+                        <a:latin typeface="Times New Roman" panose="02020603050405020304" pitchFamily="18" charset="0"/>
+                        <a:ea typeface="Times New Roman" panose="02020603050405020304" pitchFamily="18" charset="0"/>
+                      </a:endParaRPr>
+                    </a:p>
+                  </a:txBody>
+                  <a:tcPr marL="26567" marR="26567" marT="0" marB="0" anchor="ctr">
+                    <a:lnL w="12700" cap="flat" cmpd="sng" algn="ctr">
+                      <a:solidFill>
+                        <a:schemeClr val="tx1"/>
+                      </a:solidFill>
+                      <a:prstDash val="solid"/>
+                      <a:round/>
+                      <a:headEnd type="none" w="med" len="med"/>
+                      <a:tailEnd type="none" w="med" len="med"/>
+                    </a:lnL>
+                    <a:lnR w="12700" cap="flat" cmpd="sng" algn="ctr">
+                      <a:solidFill>
+                        <a:schemeClr val="tx1"/>
+                      </a:solidFill>
+                      <a:prstDash val="solid"/>
+                      <a:round/>
+                      <a:headEnd type="none" w="med" len="med"/>
+                      <a:tailEnd type="none" w="med" len="med"/>
+                    </a:lnR>
+                    <a:lnT w="12700" cap="flat" cmpd="sng" algn="ctr">
+                      <a:solidFill>
+                        <a:schemeClr val="tx1"/>
+                      </a:solidFill>
+                      <a:prstDash val="solid"/>
+                      <a:round/>
+                      <a:headEnd type="none" w="med" len="med"/>
+                      <a:tailEnd type="none" w="med" len="med"/>
+                    </a:lnT>
+                    <a:lnB w="12700" cap="flat" cmpd="sng" algn="ctr">
+                      <a:solidFill>
+                        <a:schemeClr val="tx1"/>
+                      </a:solidFill>
+                      <a:prstDash val="solid"/>
+                      <a:round/>
+                      <a:headEnd type="none" w="med" len="med"/>
+                      <a:tailEnd type="none" w="med" len="med"/>
+                    </a:lnB>
+                    <a:lnTlToBr w="12700" cmpd="sng">
+                      <a:noFill/>
+                      <a:prstDash val="solid"/>
+                    </a:lnTlToBr>
+                    <a:lnBlToTr w="12700" cmpd="sng">
+                      <a:noFill/>
+                      <a:prstDash val="solid"/>
+                    </a:lnBlToTr>
+                    <a:solidFill>
+                      <a:schemeClr val="bg1"/>
+                    </a:solidFill>
+                  </a:tcPr>
+                </a:tc>
+                <a:extLst>
+                  <a:ext uri="{0D108BD9-81ED-4DB2-BD59-A6C34878D82A}">
+                    <a16:rowId xmlns:a16="http://schemas.microsoft.com/office/drawing/2014/main" val="811313411"/>
+                  </a:ext>
+                </a:extLst>
+              </a:tr>
+              <a:tr h="191985">
+                <a:tc>
+                  <a:txBody>
+                    <a:bodyPr/>
+                    <a:lstStyle/>
+                    <a:p>
+                      <a:pPr marL="0" marR="0" indent="0" algn="just">
+                        <a:lnSpc>
+                          <a:spcPct val="150000"/>
+                        </a:lnSpc>
+                        <a:spcBef>
+                          <a:spcPts val="0"/>
+                        </a:spcBef>
+                        <a:spcAft>
+                          <a:spcPts val="0"/>
+                        </a:spcAft>
+                      </a:pPr>
+                      <a:r>
+                        <a:rPr lang="en-US" sz="1200">
+                          <a:solidFill>
+                            <a:schemeClr val="tx1"/>
+                          </a:solidFill>
+                          <a:effectLst/>
+                        </a:rPr>
+                        <a:t>Luồng sự kiện chính (main flow): </a:t>
+                      </a:r>
+                      <a:endParaRPr lang="en-US" sz="1200">
+                        <a:solidFill>
+                          <a:schemeClr val="tx1"/>
+                        </a:solidFill>
+                        <a:effectLst/>
+                        <a:latin typeface="Times New Roman" panose="02020603050405020304" pitchFamily="18" charset="0"/>
+                        <a:ea typeface="Times New Roman" panose="02020603050405020304" pitchFamily="18" charset="0"/>
+                      </a:endParaRPr>
+                    </a:p>
+                  </a:txBody>
+                  <a:tcPr marL="26567" marR="26567" marT="0" marB="0" anchor="ctr">
+                    <a:lnL w="12700" cap="flat" cmpd="sng" algn="ctr">
+                      <a:solidFill>
+                        <a:schemeClr val="tx1"/>
+                      </a:solidFill>
+                      <a:prstDash val="solid"/>
+                      <a:round/>
+                      <a:headEnd type="none" w="med" len="med"/>
+                      <a:tailEnd type="none" w="med" len="med"/>
+                    </a:lnL>
+                    <a:lnR w="12700" cap="flat" cmpd="sng" algn="ctr">
+                      <a:solidFill>
+                        <a:schemeClr val="tx1"/>
+                      </a:solidFill>
+                      <a:prstDash val="solid"/>
+                      <a:round/>
+                      <a:headEnd type="none" w="med" len="med"/>
+                      <a:tailEnd type="none" w="med" len="med"/>
+                    </a:lnR>
+                    <a:lnT w="12700" cap="flat" cmpd="sng" algn="ctr">
+                      <a:solidFill>
+                        <a:schemeClr val="tx1"/>
+                      </a:solidFill>
+                      <a:prstDash val="solid"/>
+                      <a:round/>
+                      <a:headEnd type="none" w="med" len="med"/>
+                      <a:tailEnd type="none" w="med" len="med"/>
+                    </a:lnT>
+                    <a:lnB w="12700" cap="flat" cmpd="sng" algn="ctr">
+                      <a:solidFill>
+                        <a:schemeClr val="tx1"/>
+                      </a:solidFill>
+                      <a:prstDash val="solid"/>
+                      <a:round/>
+                      <a:headEnd type="none" w="med" len="med"/>
+                      <a:tailEnd type="none" w="med" len="med"/>
+                    </a:lnB>
+                    <a:lnTlToBr w="12700" cmpd="sng">
+                      <a:noFill/>
+                      <a:prstDash val="solid"/>
+                    </a:lnTlToBr>
+                    <a:lnBlToTr w="12700" cmpd="sng">
+                      <a:noFill/>
+                      <a:prstDash val="solid"/>
+                    </a:lnBlToTr>
+                    <a:solidFill>
+                      <a:schemeClr val="bg1"/>
+                    </a:solidFill>
+                  </a:tcPr>
+                </a:tc>
+                <a:tc>
+                  <a:txBody>
+                    <a:bodyPr/>
+                    <a:lstStyle/>
+                    <a:p>
+                      <a:pPr marL="0" marR="0" indent="0" algn="just">
+                        <a:lnSpc>
+                          <a:spcPct val="150000"/>
+                        </a:lnSpc>
+                        <a:spcBef>
+                          <a:spcPts val="0"/>
+                        </a:spcBef>
+                        <a:spcAft>
+                          <a:spcPts val="0"/>
+                        </a:spcAft>
+                      </a:pPr>
+                      <a:r>
+                        <a:rPr lang="en-US" sz="1200">
+                          <a:solidFill>
+                            <a:schemeClr val="tx1"/>
+                          </a:solidFill>
+                          <a:effectLst/>
+                        </a:rPr>
+                        <a:t> </a:t>
+                      </a:r>
+                      <a:endParaRPr lang="en-US" sz="1200">
+                        <a:solidFill>
+                          <a:schemeClr val="tx1"/>
+                        </a:solidFill>
+                        <a:effectLst/>
+                        <a:latin typeface="Times New Roman" panose="02020603050405020304" pitchFamily="18" charset="0"/>
+                        <a:ea typeface="Times New Roman" panose="02020603050405020304" pitchFamily="18" charset="0"/>
+                      </a:endParaRPr>
+                    </a:p>
+                  </a:txBody>
+                  <a:tcPr marL="26567" marR="26567" marT="0" marB="0" anchor="ctr">
+                    <a:lnL w="12700" cap="flat" cmpd="sng" algn="ctr">
+                      <a:solidFill>
+                        <a:schemeClr val="tx1"/>
+                      </a:solidFill>
+                      <a:prstDash val="solid"/>
+                      <a:round/>
+                      <a:headEnd type="none" w="med" len="med"/>
+                      <a:tailEnd type="none" w="med" len="med"/>
+                    </a:lnL>
+                    <a:lnR w="12700" cap="flat" cmpd="sng" algn="ctr">
+                      <a:solidFill>
+                        <a:schemeClr val="tx1"/>
+                      </a:solidFill>
+                      <a:prstDash val="solid"/>
+                      <a:round/>
+                      <a:headEnd type="none" w="med" len="med"/>
+                      <a:tailEnd type="none" w="med" len="med"/>
+                    </a:lnR>
+                    <a:lnT w="12700" cap="flat" cmpd="sng" algn="ctr">
+                      <a:solidFill>
+                        <a:schemeClr val="tx1"/>
+                      </a:solidFill>
+                      <a:prstDash val="solid"/>
+                      <a:round/>
+                      <a:headEnd type="none" w="med" len="med"/>
+                      <a:tailEnd type="none" w="med" len="med"/>
+                    </a:lnT>
+                    <a:lnB w="12700" cap="flat" cmpd="sng" algn="ctr">
+                      <a:solidFill>
+                        <a:schemeClr val="tx1"/>
+                      </a:solidFill>
+                      <a:prstDash val="solid"/>
+                      <a:round/>
+                      <a:headEnd type="none" w="med" len="med"/>
+                      <a:tailEnd type="none" w="med" len="med"/>
+                    </a:lnB>
+                    <a:lnTlToBr w="12700" cmpd="sng">
+                      <a:noFill/>
+                      <a:prstDash val="solid"/>
+                    </a:lnTlToBr>
+                    <a:lnBlToTr w="12700" cmpd="sng">
+                      <a:noFill/>
+                      <a:prstDash val="solid"/>
+                    </a:lnBlToTr>
+                    <a:solidFill>
+                      <a:schemeClr val="bg1"/>
+                    </a:solidFill>
+                  </a:tcPr>
+                </a:tc>
+                <a:extLst>
+                  <a:ext uri="{0D108BD9-81ED-4DB2-BD59-A6C34878D82A}">
+                    <a16:rowId xmlns:a16="http://schemas.microsoft.com/office/drawing/2014/main" val="881147841"/>
+                  </a:ext>
+                </a:extLst>
+              </a:tr>
+              <a:tr h="191985">
+                <a:tc>
+                  <a:txBody>
+                    <a:bodyPr/>
+                    <a:lstStyle/>
+                    <a:p>
+                      <a:pPr marL="0" marR="0" indent="0" algn="just">
+                        <a:lnSpc>
+                          <a:spcPct val="150000"/>
+                        </a:lnSpc>
+                        <a:spcBef>
+                          <a:spcPts val="0"/>
+                        </a:spcBef>
+                        <a:spcAft>
+                          <a:spcPts val="0"/>
+                        </a:spcAft>
+                      </a:pPr>
+                      <a:r>
+                        <a:rPr lang="en-US" sz="1200" b="1">
+                          <a:solidFill>
+                            <a:schemeClr val="tx1"/>
+                          </a:solidFill>
+                          <a:effectLst/>
+                        </a:rPr>
+                        <a:t>Tác Nhân</a:t>
+                      </a:r>
+                      <a:endParaRPr lang="en-US" sz="1200" b="1">
+                        <a:solidFill>
+                          <a:schemeClr val="tx1"/>
+                        </a:solidFill>
+                        <a:effectLst/>
+                        <a:latin typeface="Times New Roman" panose="02020603050405020304" pitchFamily="18" charset="0"/>
+                        <a:ea typeface="Times New Roman" panose="02020603050405020304" pitchFamily="18" charset="0"/>
+                      </a:endParaRPr>
+                    </a:p>
+                  </a:txBody>
+                  <a:tcPr marL="26567" marR="26567" marT="0" marB="0" anchor="ctr">
+                    <a:lnL w="12700" cap="flat" cmpd="sng" algn="ctr">
+                      <a:solidFill>
+                        <a:schemeClr val="tx1"/>
+                      </a:solidFill>
+                      <a:prstDash val="solid"/>
+                      <a:round/>
+                      <a:headEnd type="none" w="med" len="med"/>
+                      <a:tailEnd type="none" w="med" len="med"/>
+                    </a:lnL>
+                    <a:lnR w="12700" cap="flat" cmpd="sng" algn="ctr">
+                      <a:solidFill>
+                        <a:schemeClr val="tx1"/>
+                      </a:solidFill>
+                      <a:prstDash val="solid"/>
+                      <a:round/>
+                      <a:headEnd type="none" w="med" len="med"/>
+                      <a:tailEnd type="none" w="med" len="med"/>
+                    </a:lnR>
+                    <a:lnT w="12700" cap="flat" cmpd="sng" algn="ctr">
+                      <a:solidFill>
+                        <a:schemeClr val="tx1"/>
+                      </a:solidFill>
+                      <a:prstDash val="solid"/>
+                      <a:round/>
+                      <a:headEnd type="none" w="med" len="med"/>
+                      <a:tailEnd type="none" w="med" len="med"/>
+                    </a:lnT>
+                    <a:lnB w="12700" cap="flat" cmpd="sng" algn="ctr">
+                      <a:solidFill>
+                        <a:schemeClr val="tx1"/>
+                      </a:solidFill>
+                      <a:prstDash val="solid"/>
+                      <a:round/>
+                      <a:headEnd type="none" w="med" len="med"/>
+                      <a:tailEnd type="none" w="med" len="med"/>
+                    </a:lnB>
+                    <a:lnTlToBr w="12700" cmpd="sng">
+                      <a:noFill/>
+                      <a:prstDash val="solid"/>
+                    </a:lnTlToBr>
+                    <a:lnBlToTr w="12700" cmpd="sng">
+                      <a:noFill/>
+                      <a:prstDash val="solid"/>
+                    </a:lnBlToTr>
+                    <a:solidFill>
+                      <a:schemeClr val="bg1"/>
+                    </a:solidFill>
+                  </a:tcPr>
+                </a:tc>
+                <a:tc>
+                  <a:txBody>
+                    <a:bodyPr/>
+                    <a:lstStyle/>
+                    <a:p>
+                      <a:pPr marL="0" marR="0" indent="0" algn="just">
+                        <a:lnSpc>
+                          <a:spcPct val="150000"/>
+                        </a:lnSpc>
+                        <a:spcBef>
+                          <a:spcPts val="0"/>
+                        </a:spcBef>
+                        <a:spcAft>
+                          <a:spcPts val="0"/>
+                        </a:spcAft>
+                      </a:pPr>
+                      <a:r>
+                        <a:rPr lang="en-US" sz="1200" b="1">
+                          <a:solidFill>
+                            <a:schemeClr val="tx1"/>
+                          </a:solidFill>
+                          <a:effectLst/>
+                        </a:rPr>
+                        <a:t>Hệ Thống</a:t>
+                      </a:r>
+                      <a:endParaRPr lang="en-US" sz="1200" b="1">
+                        <a:solidFill>
+                          <a:schemeClr val="tx1"/>
+                        </a:solidFill>
+                        <a:effectLst/>
+                        <a:latin typeface="Times New Roman" panose="02020603050405020304" pitchFamily="18" charset="0"/>
+                        <a:ea typeface="Times New Roman" panose="02020603050405020304" pitchFamily="18" charset="0"/>
+                      </a:endParaRPr>
+                    </a:p>
+                  </a:txBody>
+                  <a:tcPr marL="26567" marR="26567" marT="0" marB="0" anchor="ctr">
+                    <a:lnL w="12700" cap="flat" cmpd="sng" algn="ctr">
+                      <a:solidFill>
+                        <a:schemeClr val="tx1"/>
+                      </a:solidFill>
+                      <a:prstDash val="solid"/>
+                      <a:round/>
+                      <a:headEnd type="none" w="med" len="med"/>
+                      <a:tailEnd type="none" w="med" len="med"/>
+                    </a:lnL>
+                    <a:lnR w="12700" cap="flat" cmpd="sng" algn="ctr">
+                      <a:solidFill>
+                        <a:schemeClr val="tx1"/>
+                      </a:solidFill>
+                      <a:prstDash val="solid"/>
+                      <a:round/>
+                      <a:headEnd type="none" w="med" len="med"/>
+                      <a:tailEnd type="none" w="med" len="med"/>
+                    </a:lnR>
+                    <a:lnT w="12700" cap="flat" cmpd="sng" algn="ctr">
+                      <a:solidFill>
+                        <a:schemeClr val="tx1"/>
+                      </a:solidFill>
+                      <a:prstDash val="solid"/>
+                      <a:round/>
+                      <a:headEnd type="none" w="med" len="med"/>
+                      <a:tailEnd type="none" w="med" len="med"/>
+                    </a:lnT>
+                    <a:lnB w="12700" cap="flat" cmpd="sng" algn="ctr">
+                      <a:solidFill>
+                        <a:schemeClr val="tx1"/>
+                      </a:solidFill>
+                      <a:prstDash val="solid"/>
+                      <a:round/>
+                      <a:headEnd type="none" w="med" len="med"/>
+                      <a:tailEnd type="none" w="med" len="med"/>
+                    </a:lnB>
+                    <a:lnTlToBr w="12700" cmpd="sng">
+                      <a:noFill/>
+                      <a:prstDash val="solid"/>
+                    </a:lnTlToBr>
+                    <a:lnBlToTr w="12700" cmpd="sng">
+                      <a:noFill/>
+                      <a:prstDash val="solid"/>
+                    </a:lnBlToTr>
+                    <a:solidFill>
+                      <a:schemeClr val="bg1"/>
+                    </a:solidFill>
+                  </a:tcPr>
+                </a:tc>
+                <a:extLst>
+                  <a:ext uri="{0D108BD9-81ED-4DB2-BD59-A6C34878D82A}">
+                    <a16:rowId xmlns:a16="http://schemas.microsoft.com/office/drawing/2014/main" val="2070046318"/>
+                  </a:ext>
+                </a:extLst>
+              </a:tr>
+              <a:tr h="410117">
+                <a:tc>
+                  <a:txBody>
+                    <a:bodyPr/>
+                    <a:lstStyle/>
+                    <a:p>
+                      <a:pPr marL="0" marR="0" lvl="0" indent="0" algn="just">
+                        <a:lnSpc>
+                          <a:spcPct val="150000"/>
+                        </a:lnSpc>
+                        <a:spcBef>
+                          <a:spcPts val="0"/>
+                        </a:spcBef>
+                        <a:spcAft>
+                          <a:spcPts val="0"/>
+                        </a:spcAft>
+                        <a:buFont typeface="+mj-lt"/>
+                        <a:buNone/>
+                      </a:pPr>
+                      <a:r>
+                        <a:rPr lang="en-US" sz="1200" b="0">
+                          <a:solidFill>
+                            <a:schemeClr val="tx1"/>
+                          </a:solidFill>
+                          <a:effectLst/>
+                        </a:rPr>
+                        <a:t>1.Người dùng chọn vào mục Danh sách liên hệ</a:t>
+                      </a:r>
+                      <a:endParaRPr lang="en-US" sz="1200" b="0">
+                        <a:solidFill>
+                          <a:schemeClr val="tx1"/>
+                        </a:solidFill>
+                        <a:effectLst/>
+                        <a:latin typeface="Times New Roman" panose="02020603050405020304" pitchFamily="18" charset="0"/>
+                        <a:ea typeface="Times New Roman" panose="02020603050405020304" pitchFamily="18" charset="0"/>
+                      </a:endParaRPr>
+                    </a:p>
+                  </a:txBody>
+                  <a:tcPr marL="26567" marR="26567" marT="0" marB="0" anchor="ctr">
+                    <a:lnL w="12700" cap="flat" cmpd="sng" algn="ctr">
+                      <a:solidFill>
+                        <a:schemeClr val="tx1"/>
+                      </a:solidFill>
+                      <a:prstDash val="solid"/>
+                      <a:round/>
+                      <a:headEnd type="none" w="med" len="med"/>
+                      <a:tailEnd type="none" w="med" len="med"/>
+                    </a:lnL>
+                    <a:lnR w="12700" cap="flat" cmpd="sng" algn="ctr">
+                      <a:solidFill>
+                        <a:schemeClr val="tx1"/>
+                      </a:solidFill>
+                      <a:prstDash val="solid"/>
+                      <a:round/>
+                      <a:headEnd type="none" w="med" len="med"/>
+                      <a:tailEnd type="none" w="med" len="med"/>
+                    </a:lnR>
+                    <a:lnT w="12700" cap="flat" cmpd="sng" algn="ctr">
+                      <a:solidFill>
+                        <a:schemeClr val="tx1"/>
+                      </a:solidFill>
+                      <a:prstDash val="solid"/>
+                      <a:round/>
+                      <a:headEnd type="none" w="med" len="med"/>
+                      <a:tailEnd type="none" w="med" len="med"/>
+                    </a:lnT>
+                    <a:lnB w="12700" cap="flat" cmpd="sng" algn="ctr">
+                      <a:solidFill>
+                        <a:schemeClr val="tx1"/>
+                      </a:solidFill>
+                      <a:prstDash val="solid"/>
+                      <a:round/>
+                      <a:headEnd type="none" w="med" len="med"/>
+                      <a:tailEnd type="none" w="med" len="med"/>
+                    </a:lnB>
+                    <a:lnTlToBr w="12700" cmpd="sng">
+                      <a:noFill/>
+                      <a:prstDash val="solid"/>
+                    </a:lnTlToBr>
+                    <a:lnBlToTr w="12700" cmpd="sng">
+                      <a:noFill/>
+                      <a:prstDash val="solid"/>
+                    </a:lnBlToTr>
+                    <a:solidFill>
+                      <a:schemeClr val="bg1"/>
+                    </a:solidFill>
+                  </a:tcPr>
+                </a:tc>
+                <a:tc>
+                  <a:txBody>
+                    <a:bodyPr/>
+                    <a:lstStyle/>
+                    <a:p>
+                      <a:pPr marL="0" marR="0" indent="0" algn="just">
+                        <a:lnSpc>
+                          <a:spcPct val="150000"/>
+                        </a:lnSpc>
+                        <a:spcBef>
+                          <a:spcPts val="0"/>
+                        </a:spcBef>
+                        <a:spcAft>
+                          <a:spcPts val="0"/>
+                        </a:spcAft>
+                      </a:pPr>
+                      <a:r>
+                        <a:rPr lang="en-US" sz="1200" b="0">
+                          <a:solidFill>
+                            <a:schemeClr val="tx1"/>
+                          </a:solidFill>
+                          <a:effectLst/>
+                        </a:rPr>
+                        <a:t> </a:t>
+                      </a:r>
+                      <a:endParaRPr lang="en-US" sz="1200" b="0">
+                        <a:solidFill>
+                          <a:schemeClr val="tx1"/>
+                        </a:solidFill>
+                        <a:effectLst/>
+                        <a:latin typeface="Times New Roman" panose="02020603050405020304" pitchFamily="18" charset="0"/>
+                        <a:ea typeface="Times New Roman" panose="02020603050405020304" pitchFamily="18" charset="0"/>
+                      </a:endParaRPr>
+                    </a:p>
+                  </a:txBody>
+                  <a:tcPr marL="26567" marR="26567" marT="0" marB="0" anchor="ctr">
+                    <a:lnL w="12700" cap="flat" cmpd="sng" algn="ctr">
+                      <a:solidFill>
+                        <a:schemeClr val="tx1"/>
+                      </a:solidFill>
+                      <a:prstDash val="solid"/>
+                      <a:round/>
+                      <a:headEnd type="none" w="med" len="med"/>
+                      <a:tailEnd type="none" w="med" len="med"/>
+                    </a:lnL>
+                    <a:lnR w="12700" cap="flat" cmpd="sng" algn="ctr">
+                      <a:solidFill>
+                        <a:schemeClr val="tx1"/>
+                      </a:solidFill>
+                      <a:prstDash val="solid"/>
+                      <a:round/>
+                      <a:headEnd type="none" w="med" len="med"/>
+                      <a:tailEnd type="none" w="med" len="med"/>
+                    </a:lnR>
+                    <a:lnT w="12700" cap="flat" cmpd="sng" algn="ctr">
+                      <a:solidFill>
+                        <a:schemeClr val="tx1"/>
+                      </a:solidFill>
+                      <a:prstDash val="solid"/>
+                      <a:round/>
+                      <a:headEnd type="none" w="med" len="med"/>
+                      <a:tailEnd type="none" w="med" len="med"/>
+                    </a:lnT>
+                    <a:lnB w="12700" cap="flat" cmpd="sng" algn="ctr">
+                      <a:solidFill>
+                        <a:schemeClr val="tx1"/>
+                      </a:solidFill>
+                      <a:prstDash val="solid"/>
+                      <a:round/>
+                      <a:headEnd type="none" w="med" len="med"/>
+                      <a:tailEnd type="none" w="med" len="med"/>
+                    </a:lnB>
+                    <a:lnTlToBr w="12700" cmpd="sng">
+                      <a:noFill/>
+                      <a:prstDash val="solid"/>
+                    </a:lnTlToBr>
+                    <a:lnBlToTr w="12700" cmpd="sng">
+                      <a:noFill/>
+                      <a:prstDash val="solid"/>
+                    </a:lnBlToTr>
+                    <a:solidFill>
+                      <a:schemeClr val="bg1"/>
+                    </a:solidFill>
+                  </a:tcPr>
+                </a:tc>
+                <a:extLst>
+                  <a:ext uri="{0D108BD9-81ED-4DB2-BD59-A6C34878D82A}">
+                    <a16:rowId xmlns:a16="http://schemas.microsoft.com/office/drawing/2014/main" val="4216868347"/>
+                  </a:ext>
+                </a:extLst>
+              </a:tr>
+              <a:tr h="410117">
+                <a:tc>
+                  <a:txBody>
+                    <a:bodyPr/>
+                    <a:lstStyle/>
+                    <a:p>
+                      <a:pPr marL="0" marR="0" indent="0" algn="just">
+                        <a:lnSpc>
+                          <a:spcPct val="150000"/>
+                        </a:lnSpc>
+                        <a:spcBef>
+                          <a:spcPts val="0"/>
+                        </a:spcBef>
+                        <a:spcAft>
+                          <a:spcPts val="0"/>
+                        </a:spcAft>
+                      </a:pPr>
+                      <a:r>
+                        <a:rPr lang="en-US" sz="1200" b="0">
+                          <a:solidFill>
+                            <a:schemeClr val="tx1"/>
+                          </a:solidFill>
+                          <a:effectLst/>
+                        </a:rPr>
+                        <a:t> </a:t>
+                      </a:r>
+                      <a:endParaRPr lang="en-US" sz="1200" b="0">
+                        <a:solidFill>
+                          <a:schemeClr val="tx1"/>
+                        </a:solidFill>
+                        <a:effectLst/>
+                        <a:latin typeface="Times New Roman" panose="02020603050405020304" pitchFamily="18" charset="0"/>
+                        <a:ea typeface="Times New Roman" panose="02020603050405020304" pitchFamily="18" charset="0"/>
+                      </a:endParaRPr>
+                    </a:p>
+                  </a:txBody>
+                  <a:tcPr marL="26567" marR="26567" marT="0" marB="0" anchor="ctr">
+                    <a:lnL w="12700" cap="flat" cmpd="sng" algn="ctr">
+                      <a:solidFill>
+                        <a:schemeClr val="tx1"/>
+                      </a:solidFill>
+                      <a:prstDash val="solid"/>
+                      <a:round/>
+                      <a:headEnd type="none" w="med" len="med"/>
+                      <a:tailEnd type="none" w="med" len="med"/>
+                    </a:lnL>
+                    <a:lnR w="12700" cap="flat" cmpd="sng" algn="ctr">
+                      <a:solidFill>
+                        <a:schemeClr val="tx1"/>
+                      </a:solidFill>
+                      <a:prstDash val="solid"/>
+                      <a:round/>
+                      <a:headEnd type="none" w="med" len="med"/>
+                      <a:tailEnd type="none" w="med" len="med"/>
+                    </a:lnR>
+                    <a:lnT w="12700" cap="flat" cmpd="sng" algn="ctr">
+                      <a:solidFill>
+                        <a:schemeClr val="tx1"/>
+                      </a:solidFill>
+                      <a:prstDash val="solid"/>
+                      <a:round/>
+                      <a:headEnd type="none" w="med" len="med"/>
+                      <a:tailEnd type="none" w="med" len="med"/>
+                    </a:lnT>
+                    <a:lnB w="12700" cap="flat" cmpd="sng" algn="ctr">
+                      <a:solidFill>
+                        <a:schemeClr val="tx1"/>
+                      </a:solidFill>
+                      <a:prstDash val="solid"/>
+                      <a:round/>
+                      <a:headEnd type="none" w="med" len="med"/>
+                      <a:tailEnd type="none" w="med" len="med"/>
+                    </a:lnB>
+                    <a:lnTlToBr w="12700" cmpd="sng">
+                      <a:noFill/>
+                      <a:prstDash val="solid"/>
+                    </a:lnTlToBr>
+                    <a:lnBlToTr w="12700" cmpd="sng">
+                      <a:noFill/>
+                      <a:prstDash val="solid"/>
+                    </a:lnBlToTr>
+                    <a:solidFill>
+                      <a:schemeClr val="bg1"/>
+                    </a:solidFill>
+                  </a:tcPr>
+                </a:tc>
+                <a:tc>
+                  <a:txBody>
+                    <a:bodyPr/>
+                    <a:lstStyle/>
+                    <a:p>
+                      <a:pPr marL="0" marR="0" lvl="0" indent="0" algn="just">
+                        <a:lnSpc>
+                          <a:spcPct val="150000"/>
+                        </a:lnSpc>
+                        <a:spcBef>
+                          <a:spcPts val="0"/>
+                        </a:spcBef>
+                        <a:spcAft>
+                          <a:spcPts val="0"/>
+                        </a:spcAft>
+                        <a:buFont typeface="+mj-lt"/>
+                        <a:buNone/>
+                      </a:pPr>
+                      <a:r>
+                        <a:rPr lang="en-US" sz="1200" b="0">
+                          <a:solidFill>
+                            <a:schemeClr val="tx1"/>
+                          </a:solidFill>
+                          <a:effectLst/>
+                        </a:rPr>
+                        <a:t>2.Hệ thống hiển thị danh sách bạn bè được kết bạn</a:t>
+                      </a:r>
+                      <a:endParaRPr lang="en-US" sz="1200" b="0">
+                        <a:solidFill>
+                          <a:schemeClr val="tx1"/>
+                        </a:solidFill>
+                        <a:effectLst/>
+                        <a:latin typeface="Times New Roman" panose="02020603050405020304" pitchFamily="18" charset="0"/>
+                        <a:ea typeface="Times New Roman" panose="02020603050405020304" pitchFamily="18" charset="0"/>
+                      </a:endParaRPr>
+                    </a:p>
+                  </a:txBody>
+                  <a:tcPr marL="26567" marR="26567" marT="0" marB="0" anchor="ctr">
+                    <a:lnL w="12700" cap="flat" cmpd="sng" algn="ctr">
+                      <a:solidFill>
+                        <a:schemeClr val="tx1"/>
+                      </a:solidFill>
+                      <a:prstDash val="solid"/>
+                      <a:round/>
+                      <a:headEnd type="none" w="med" len="med"/>
+                      <a:tailEnd type="none" w="med" len="med"/>
+                    </a:lnL>
+                    <a:lnR w="12700" cap="flat" cmpd="sng" algn="ctr">
+                      <a:solidFill>
+                        <a:schemeClr val="tx1"/>
+                      </a:solidFill>
+                      <a:prstDash val="solid"/>
+                      <a:round/>
+                      <a:headEnd type="none" w="med" len="med"/>
+                      <a:tailEnd type="none" w="med" len="med"/>
+                    </a:lnR>
+                    <a:lnT w="12700" cap="flat" cmpd="sng" algn="ctr">
+                      <a:solidFill>
+                        <a:schemeClr val="tx1"/>
+                      </a:solidFill>
+                      <a:prstDash val="solid"/>
+                      <a:round/>
+                      <a:headEnd type="none" w="med" len="med"/>
+                      <a:tailEnd type="none" w="med" len="med"/>
+                    </a:lnT>
+                    <a:lnB w="12700" cap="flat" cmpd="sng" algn="ctr">
+                      <a:solidFill>
+                        <a:schemeClr val="tx1"/>
+                      </a:solidFill>
+                      <a:prstDash val="solid"/>
+                      <a:round/>
+                      <a:headEnd type="none" w="med" len="med"/>
+                      <a:tailEnd type="none" w="med" len="med"/>
+                    </a:lnB>
+                    <a:lnTlToBr w="12700" cmpd="sng">
+                      <a:noFill/>
+                      <a:prstDash val="solid"/>
+                    </a:lnTlToBr>
+                    <a:lnBlToTr w="12700" cmpd="sng">
+                      <a:noFill/>
+                      <a:prstDash val="solid"/>
+                    </a:lnBlToTr>
+                    <a:solidFill>
+                      <a:schemeClr val="bg1"/>
+                    </a:solidFill>
+                  </a:tcPr>
+                </a:tc>
+                <a:extLst>
+                  <a:ext uri="{0D108BD9-81ED-4DB2-BD59-A6C34878D82A}">
+                    <a16:rowId xmlns:a16="http://schemas.microsoft.com/office/drawing/2014/main" val="63386319"/>
+                  </a:ext>
+                </a:extLst>
+              </a:tr>
+              <a:tr h="410117">
+                <a:tc>
+                  <a:txBody>
+                    <a:bodyPr/>
+                    <a:lstStyle/>
+                    <a:p>
+                      <a:pPr marL="0" marR="0" lvl="0" indent="0" algn="just">
+                        <a:lnSpc>
+                          <a:spcPct val="150000"/>
+                        </a:lnSpc>
+                        <a:spcBef>
+                          <a:spcPts val="0"/>
+                        </a:spcBef>
+                        <a:spcAft>
+                          <a:spcPts val="0"/>
+                        </a:spcAft>
+                        <a:buFont typeface="+mj-lt"/>
+                        <a:buNone/>
+                      </a:pPr>
+                      <a:r>
+                        <a:rPr lang="en-US" sz="1200" b="0">
+                          <a:solidFill>
+                            <a:schemeClr val="tx1"/>
+                          </a:solidFill>
+                          <a:effectLst/>
+                        </a:rPr>
+                        <a:t>3.Người dùng chọn chức năng thêm bạn bằng số điện thoại</a:t>
+                      </a:r>
+                      <a:endParaRPr lang="en-US" sz="1200" b="0">
+                        <a:solidFill>
+                          <a:schemeClr val="tx1"/>
+                        </a:solidFill>
+                        <a:effectLst/>
+                        <a:latin typeface="Times New Roman" panose="02020603050405020304" pitchFamily="18" charset="0"/>
+                        <a:ea typeface="Times New Roman" panose="02020603050405020304" pitchFamily="18" charset="0"/>
+                      </a:endParaRPr>
+                    </a:p>
+                  </a:txBody>
+                  <a:tcPr marL="26567" marR="26567" marT="0" marB="0" anchor="ctr">
+                    <a:lnL w="12700" cap="flat" cmpd="sng" algn="ctr">
+                      <a:solidFill>
+                        <a:schemeClr val="tx1"/>
+                      </a:solidFill>
+                      <a:prstDash val="solid"/>
+                      <a:round/>
+                      <a:headEnd type="none" w="med" len="med"/>
+                      <a:tailEnd type="none" w="med" len="med"/>
+                    </a:lnL>
+                    <a:lnR w="12700" cap="flat" cmpd="sng" algn="ctr">
+                      <a:solidFill>
+                        <a:schemeClr val="tx1"/>
+                      </a:solidFill>
+                      <a:prstDash val="solid"/>
+                      <a:round/>
+                      <a:headEnd type="none" w="med" len="med"/>
+                      <a:tailEnd type="none" w="med" len="med"/>
+                    </a:lnR>
+                    <a:lnT w="12700" cap="flat" cmpd="sng" algn="ctr">
+                      <a:solidFill>
+                        <a:schemeClr val="tx1"/>
+                      </a:solidFill>
+                      <a:prstDash val="solid"/>
+                      <a:round/>
+                      <a:headEnd type="none" w="med" len="med"/>
+                      <a:tailEnd type="none" w="med" len="med"/>
+                    </a:lnT>
+                    <a:lnB w="12700" cap="flat" cmpd="sng" algn="ctr">
+                      <a:solidFill>
+                        <a:schemeClr val="tx1"/>
+                      </a:solidFill>
+                      <a:prstDash val="solid"/>
+                      <a:round/>
+                      <a:headEnd type="none" w="med" len="med"/>
+                      <a:tailEnd type="none" w="med" len="med"/>
+                    </a:lnB>
+                    <a:lnTlToBr w="12700" cmpd="sng">
+                      <a:noFill/>
+                      <a:prstDash val="solid"/>
+                    </a:lnTlToBr>
+                    <a:lnBlToTr w="12700" cmpd="sng">
+                      <a:noFill/>
+                      <a:prstDash val="solid"/>
+                    </a:lnBlToTr>
+                    <a:solidFill>
+                      <a:schemeClr val="bg1"/>
+                    </a:solidFill>
+                  </a:tcPr>
+                </a:tc>
+                <a:tc>
+                  <a:txBody>
+                    <a:bodyPr/>
+                    <a:lstStyle/>
+                    <a:p>
+                      <a:pPr marL="0" marR="0" indent="0" algn="just">
+                        <a:lnSpc>
+                          <a:spcPct val="150000"/>
+                        </a:lnSpc>
+                        <a:spcBef>
+                          <a:spcPts val="0"/>
+                        </a:spcBef>
+                        <a:spcAft>
+                          <a:spcPts val="0"/>
+                        </a:spcAft>
+                      </a:pPr>
+                      <a:r>
+                        <a:rPr lang="en-US" sz="1200" b="0">
+                          <a:solidFill>
+                            <a:schemeClr val="tx1"/>
+                          </a:solidFill>
+                          <a:effectLst/>
+                        </a:rPr>
+                        <a:t> </a:t>
+                      </a:r>
+                      <a:endParaRPr lang="en-US" sz="1200" b="0">
+                        <a:solidFill>
+                          <a:schemeClr val="tx1"/>
+                        </a:solidFill>
+                        <a:effectLst/>
+                        <a:latin typeface="Times New Roman" panose="02020603050405020304" pitchFamily="18" charset="0"/>
+                        <a:ea typeface="Times New Roman" panose="02020603050405020304" pitchFamily="18" charset="0"/>
+                      </a:endParaRPr>
+                    </a:p>
+                  </a:txBody>
+                  <a:tcPr marL="26567" marR="26567" marT="0" marB="0" anchor="ctr">
+                    <a:lnL w="12700" cap="flat" cmpd="sng" algn="ctr">
+                      <a:solidFill>
+                        <a:schemeClr val="tx1"/>
+                      </a:solidFill>
+                      <a:prstDash val="solid"/>
+                      <a:round/>
+                      <a:headEnd type="none" w="med" len="med"/>
+                      <a:tailEnd type="none" w="med" len="med"/>
+                    </a:lnL>
+                    <a:lnR w="12700" cap="flat" cmpd="sng" algn="ctr">
+                      <a:solidFill>
+                        <a:schemeClr val="tx1"/>
+                      </a:solidFill>
+                      <a:prstDash val="solid"/>
+                      <a:round/>
+                      <a:headEnd type="none" w="med" len="med"/>
+                      <a:tailEnd type="none" w="med" len="med"/>
+                    </a:lnR>
+                    <a:lnT w="12700" cap="flat" cmpd="sng" algn="ctr">
+                      <a:solidFill>
+                        <a:schemeClr val="tx1"/>
+                      </a:solidFill>
+                      <a:prstDash val="solid"/>
+                      <a:round/>
+                      <a:headEnd type="none" w="med" len="med"/>
+                      <a:tailEnd type="none" w="med" len="med"/>
+                    </a:lnT>
+                    <a:lnB w="12700" cap="flat" cmpd="sng" algn="ctr">
+                      <a:solidFill>
+                        <a:schemeClr val="tx1"/>
+                      </a:solidFill>
+                      <a:prstDash val="solid"/>
+                      <a:round/>
+                      <a:headEnd type="none" w="med" len="med"/>
+                      <a:tailEnd type="none" w="med" len="med"/>
+                    </a:lnB>
+                    <a:lnTlToBr w="12700" cmpd="sng">
+                      <a:noFill/>
+                      <a:prstDash val="solid"/>
+                    </a:lnTlToBr>
+                    <a:lnBlToTr w="12700" cmpd="sng">
+                      <a:noFill/>
+                      <a:prstDash val="solid"/>
+                    </a:lnBlToTr>
+                    <a:solidFill>
+                      <a:schemeClr val="bg1"/>
+                    </a:solidFill>
+                  </a:tcPr>
+                </a:tc>
+                <a:extLst>
+                  <a:ext uri="{0D108BD9-81ED-4DB2-BD59-A6C34878D82A}">
+                    <a16:rowId xmlns:a16="http://schemas.microsoft.com/office/drawing/2014/main" val="539159060"/>
+                  </a:ext>
+                </a:extLst>
+              </a:tr>
+              <a:tr h="410117">
+                <a:tc>
+                  <a:txBody>
+                    <a:bodyPr/>
+                    <a:lstStyle/>
+                    <a:p>
+                      <a:pPr marL="0" marR="0" indent="0" algn="just">
+                        <a:lnSpc>
+                          <a:spcPct val="150000"/>
+                        </a:lnSpc>
+                        <a:spcBef>
+                          <a:spcPts val="0"/>
+                        </a:spcBef>
+                        <a:spcAft>
+                          <a:spcPts val="0"/>
+                        </a:spcAft>
+                      </a:pPr>
+                      <a:r>
+                        <a:rPr lang="en-US" sz="1200" b="0">
+                          <a:solidFill>
+                            <a:schemeClr val="tx1"/>
+                          </a:solidFill>
+                          <a:effectLst/>
+                        </a:rPr>
+                        <a:t> </a:t>
+                      </a:r>
+                      <a:endParaRPr lang="en-US" sz="1200" b="0">
+                        <a:solidFill>
+                          <a:schemeClr val="tx1"/>
+                        </a:solidFill>
+                        <a:effectLst/>
+                        <a:latin typeface="Times New Roman" panose="02020603050405020304" pitchFamily="18" charset="0"/>
+                        <a:ea typeface="Times New Roman" panose="02020603050405020304" pitchFamily="18" charset="0"/>
+                      </a:endParaRPr>
+                    </a:p>
+                  </a:txBody>
+                  <a:tcPr marL="26567" marR="26567" marT="0" marB="0" anchor="ctr">
+                    <a:lnL w="12700" cap="flat" cmpd="sng" algn="ctr">
+                      <a:solidFill>
+                        <a:schemeClr val="tx1"/>
+                      </a:solidFill>
+                      <a:prstDash val="solid"/>
+                      <a:round/>
+                      <a:headEnd type="none" w="med" len="med"/>
+                      <a:tailEnd type="none" w="med" len="med"/>
+                    </a:lnL>
+                    <a:lnR w="12700" cap="flat" cmpd="sng" algn="ctr">
+                      <a:solidFill>
+                        <a:schemeClr val="tx1"/>
+                      </a:solidFill>
+                      <a:prstDash val="solid"/>
+                      <a:round/>
+                      <a:headEnd type="none" w="med" len="med"/>
+                      <a:tailEnd type="none" w="med" len="med"/>
+                    </a:lnR>
+                    <a:lnT w="12700" cap="flat" cmpd="sng" algn="ctr">
+                      <a:solidFill>
+                        <a:schemeClr val="tx1"/>
+                      </a:solidFill>
+                      <a:prstDash val="solid"/>
+                      <a:round/>
+                      <a:headEnd type="none" w="med" len="med"/>
+                      <a:tailEnd type="none" w="med" len="med"/>
+                    </a:lnT>
+                    <a:lnB w="12700" cap="flat" cmpd="sng" algn="ctr">
+                      <a:solidFill>
+                        <a:schemeClr val="tx1"/>
+                      </a:solidFill>
+                      <a:prstDash val="solid"/>
+                      <a:round/>
+                      <a:headEnd type="none" w="med" len="med"/>
+                      <a:tailEnd type="none" w="med" len="med"/>
+                    </a:lnB>
+                    <a:lnTlToBr w="12700" cmpd="sng">
+                      <a:noFill/>
+                      <a:prstDash val="solid"/>
+                    </a:lnTlToBr>
+                    <a:lnBlToTr w="12700" cmpd="sng">
+                      <a:noFill/>
+                      <a:prstDash val="solid"/>
+                    </a:lnBlToTr>
+                    <a:solidFill>
+                      <a:schemeClr val="bg1"/>
+                    </a:solidFill>
+                  </a:tcPr>
+                </a:tc>
+                <a:tc>
+                  <a:txBody>
+                    <a:bodyPr/>
+                    <a:lstStyle/>
+                    <a:p>
+                      <a:pPr marL="0" marR="0" lvl="0" indent="0" algn="just">
+                        <a:lnSpc>
+                          <a:spcPct val="150000"/>
+                        </a:lnSpc>
+                        <a:spcBef>
+                          <a:spcPts val="0"/>
+                        </a:spcBef>
+                        <a:spcAft>
+                          <a:spcPts val="0"/>
+                        </a:spcAft>
+                        <a:buFont typeface="+mj-lt"/>
+                        <a:buNone/>
+                      </a:pPr>
+                      <a:r>
+                        <a:rPr lang="en-US" sz="1200" b="0">
+                          <a:solidFill>
+                            <a:schemeClr val="tx1"/>
+                          </a:solidFill>
+                          <a:effectLst/>
+                        </a:rPr>
+                        <a:t>4.Hệ thống hiển thị form nhập số điện thoại để kết bạn </a:t>
+                      </a:r>
+                      <a:endParaRPr lang="en-US" sz="1200" b="0">
+                        <a:solidFill>
+                          <a:schemeClr val="tx1"/>
+                        </a:solidFill>
+                        <a:effectLst/>
+                        <a:latin typeface="Times New Roman" panose="02020603050405020304" pitchFamily="18" charset="0"/>
+                        <a:ea typeface="Times New Roman" panose="02020603050405020304" pitchFamily="18" charset="0"/>
+                      </a:endParaRPr>
+                    </a:p>
+                  </a:txBody>
+                  <a:tcPr marL="26567" marR="26567" marT="0" marB="0" anchor="ctr">
+                    <a:lnL w="12700" cap="flat" cmpd="sng" algn="ctr">
+                      <a:solidFill>
+                        <a:schemeClr val="tx1"/>
+                      </a:solidFill>
+                      <a:prstDash val="solid"/>
+                      <a:round/>
+                      <a:headEnd type="none" w="med" len="med"/>
+                      <a:tailEnd type="none" w="med" len="med"/>
+                    </a:lnL>
+                    <a:lnR w="12700" cap="flat" cmpd="sng" algn="ctr">
+                      <a:solidFill>
+                        <a:schemeClr val="tx1"/>
+                      </a:solidFill>
+                      <a:prstDash val="solid"/>
+                      <a:round/>
+                      <a:headEnd type="none" w="med" len="med"/>
+                      <a:tailEnd type="none" w="med" len="med"/>
+                    </a:lnR>
+                    <a:lnT w="12700" cap="flat" cmpd="sng" algn="ctr">
+                      <a:solidFill>
+                        <a:schemeClr val="tx1"/>
+                      </a:solidFill>
+                      <a:prstDash val="solid"/>
+                      <a:round/>
+                      <a:headEnd type="none" w="med" len="med"/>
+                      <a:tailEnd type="none" w="med" len="med"/>
+                    </a:lnT>
+                    <a:lnB w="12700" cap="flat" cmpd="sng" algn="ctr">
+                      <a:solidFill>
+                        <a:schemeClr val="tx1"/>
+                      </a:solidFill>
+                      <a:prstDash val="solid"/>
+                      <a:round/>
+                      <a:headEnd type="none" w="med" len="med"/>
+                      <a:tailEnd type="none" w="med" len="med"/>
+                    </a:lnB>
+                    <a:lnTlToBr w="12700" cmpd="sng">
+                      <a:noFill/>
+                      <a:prstDash val="solid"/>
+                    </a:lnTlToBr>
+                    <a:lnBlToTr w="12700" cmpd="sng">
+                      <a:noFill/>
+                      <a:prstDash val="solid"/>
+                    </a:lnBlToTr>
+                    <a:solidFill>
+                      <a:schemeClr val="bg1"/>
+                    </a:solidFill>
+                  </a:tcPr>
+                </a:tc>
+                <a:extLst>
+                  <a:ext uri="{0D108BD9-81ED-4DB2-BD59-A6C34878D82A}">
+                    <a16:rowId xmlns:a16="http://schemas.microsoft.com/office/drawing/2014/main" val="3235994394"/>
+                  </a:ext>
+                </a:extLst>
+              </a:tr>
+              <a:tr h="191985">
+                <a:tc>
+                  <a:txBody>
+                    <a:bodyPr/>
+                    <a:lstStyle/>
+                    <a:p>
+                      <a:pPr marL="0" marR="0" lvl="0" indent="0" algn="just">
+                        <a:lnSpc>
+                          <a:spcPct val="150000"/>
+                        </a:lnSpc>
+                        <a:spcBef>
+                          <a:spcPts val="0"/>
+                        </a:spcBef>
+                        <a:spcAft>
+                          <a:spcPts val="0"/>
+                        </a:spcAft>
+                        <a:buFont typeface="+mj-lt"/>
+                        <a:buNone/>
+                      </a:pPr>
+                      <a:r>
+                        <a:rPr lang="en-US" sz="1200" b="0">
+                          <a:solidFill>
+                            <a:schemeClr val="tx1"/>
+                          </a:solidFill>
+                          <a:effectLst/>
+                        </a:rPr>
+                        <a:t>5.Người dùng nhập số điện thoại </a:t>
+                      </a:r>
+                      <a:endParaRPr lang="en-US" sz="1200" b="0">
+                        <a:solidFill>
+                          <a:schemeClr val="tx1"/>
+                        </a:solidFill>
+                        <a:effectLst/>
+                        <a:latin typeface="Times New Roman" panose="02020603050405020304" pitchFamily="18" charset="0"/>
+                        <a:ea typeface="Times New Roman" panose="02020603050405020304" pitchFamily="18" charset="0"/>
+                      </a:endParaRPr>
+                    </a:p>
+                  </a:txBody>
+                  <a:tcPr marL="26567" marR="26567" marT="0" marB="0" anchor="ctr">
+                    <a:lnL w="12700" cap="flat" cmpd="sng" algn="ctr">
+                      <a:solidFill>
+                        <a:schemeClr val="tx1"/>
+                      </a:solidFill>
+                      <a:prstDash val="solid"/>
+                      <a:round/>
+                      <a:headEnd type="none" w="med" len="med"/>
+                      <a:tailEnd type="none" w="med" len="med"/>
+                    </a:lnL>
+                    <a:lnR w="12700" cap="flat" cmpd="sng" algn="ctr">
+                      <a:solidFill>
+                        <a:schemeClr val="tx1"/>
+                      </a:solidFill>
+                      <a:prstDash val="solid"/>
+                      <a:round/>
+                      <a:headEnd type="none" w="med" len="med"/>
+                      <a:tailEnd type="none" w="med" len="med"/>
+                    </a:lnR>
+                    <a:lnT w="12700" cap="flat" cmpd="sng" algn="ctr">
+                      <a:solidFill>
+                        <a:schemeClr val="tx1"/>
+                      </a:solidFill>
+                      <a:prstDash val="solid"/>
+                      <a:round/>
+                      <a:headEnd type="none" w="med" len="med"/>
+                      <a:tailEnd type="none" w="med" len="med"/>
+                    </a:lnT>
+                    <a:lnB w="12700" cap="flat" cmpd="sng" algn="ctr">
+                      <a:solidFill>
+                        <a:schemeClr val="tx1"/>
+                      </a:solidFill>
+                      <a:prstDash val="solid"/>
+                      <a:round/>
+                      <a:headEnd type="none" w="med" len="med"/>
+                      <a:tailEnd type="none" w="med" len="med"/>
+                    </a:lnB>
+                    <a:lnTlToBr w="12700" cmpd="sng">
+                      <a:noFill/>
+                      <a:prstDash val="solid"/>
+                    </a:lnTlToBr>
+                    <a:lnBlToTr w="12700" cmpd="sng">
+                      <a:noFill/>
+                      <a:prstDash val="solid"/>
+                    </a:lnBlToTr>
+                    <a:solidFill>
+                      <a:schemeClr val="bg1"/>
+                    </a:solidFill>
+                  </a:tcPr>
+                </a:tc>
+                <a:tc>
+                  <a:txBody>
+                    <a:bodyPr/>
+                    <a:lstStyle/>
+                    <a:p>
+                      <a:pPr marL="0" marR="0" indent="0" algn="just">
+                        <a:lnSpc>
+                          <a:spcPct val="150000"/>
+                        </a:lnSpc>
+                        <a:spcBef>
+                          <a:spcPts val="0"/>
+                        </a:spcBef>
+                        <a:spcAft>
+                          <a:spcPts val="0"/>
+                        </a:spcAft>
+                      </a:pPr>
+                      <a:r>
+                        <a:rPr lang="en-US" sz="1200" b="0">
+                          <a:solidFill>
+                            <a:schemeClr val="tx1"/>
+                          </a:solidFill>
+                          <a:effectLst/>
+                        </a:rPr>
+                        <a:t> </a:t>
+                      </a:r>
+                      <a:endParaRPr lang="en-US" sz="1200" b="0">
+                        <a:solidFill>
+                          <a:schemeClr val="tx1"/>
+                        </a:solidFill>
+                        <a:effectLst/>
+                        <a:latin typeface="Times New Roman" panose="02020603050405020304" pitchFamily="18" charset="0"/>
+                        <a:ea typeface="Times New Roman" panose="02020603050405020304" pitchFamily="18" charset="0"/>
+                      </a:endParaRPr>
+                    </a:p>
+                  </a:txBody>
+                  <a:tcPr marL="26567" marR="26567" marT="0" marB="0" anchor="ctr">
+                    <a:lnL w="12700" cap="flat" cmpd="sng" algn="ctr">
+                      <a:solidFill>
+                        <a:schemeClr val="tx1"/>
+                      </a:solidFill>
+                      <a:prstDash val="solid"/>
+                      <a:round/>
+                      <a:headEnd type="none" w="med" len="med"/>
+                      <a:tailEnd type="none" w="med" len="med"/>
+                    </a:lnL>
+                    <a:lnR w="12700" cap="flat" cmpd="sng" algn="ctr">
+                      <a:solidFill>
+                        <a:schemeClr val="tx1"/>
+                      </a:solidFill>
+                      <a:prstDash val="solid"/>
+                      <a:round/>
+                      <a:headEnd type="none" w="med" len="med"/>
+                      <a:tailEnd type="none" w="med" len="med"/>
+                    </a:lnR>
+                    <a:lnT w="12700" cap="flat" cmpd="sng" algn="ctr">
+                      <a:solidFill>
+                        <a:schemeClr val="tx1"/>
+                      </a:solidFill>
+                      <a:prstDash val="solid"/>
+                      <a:round/>
+                      <a:headEnd type="none" w="med" len="med"/>
+                      <a:tailEnd type="none" w="med" len="med"/>
+                    </a:lnT>
+                    <a:lnB w="12700" cap="flat" cmpd="sng" algn="ctr">
+                      <a:solidFill>
+                        <a:schemeClr val="tx1"/>
+                      </a:solidFill>
+                      <a:prstDash val="solid"/>
+                      <a:round/>
+                      <a:headEnd type="none" w="med" len="med"/>
+                      <a:tailEnd type="none" w="med" len="med"/>
+                    </a:lnB>
+                    <a:lnTlToBr w="12700" cmpd="sng">
+                      <a:noFill/>
+                      <a:prstDash val="solid"/>
+                    </a:lnTlToBr>
+                    <a:lnBlToTr w="12700" cmpd="sng">
+                      <a:noFill/>
+                      <a:prstDash val="solid"/>
+                    </a:lnBlToTr>
+                    <a:solidFill>
+                      <a:schemeClr val="bg1"/>
+                    </a:solidFill>
+                  </a:tcPr>
+                </a:tc>
+                <a:extLst>
+                  <a:ext uri="{0D108BD9-81ED-4DB2-BD59-A6C34878D82A}">
+                    <a16:rowId xmlns:a16="http://schemas.microsoft.com/office/drawing/2014/main" val="3943188045"/>
+                  </a:ext>
+                </a:extLst>
+              </a:tr>
+            </a:tbl>
+          </a:graphicData>
+        </a:graphic>
+      </p:graphicFrame>
+    </p:spTree>
+    <p:extLst>
+      <p:ext uri="{BB962C8B-B14F-4D97-AF65-F5344CB8AC3E}">
+        <p14:creationId xmlns:p14="http://schemas.microsoft.com/office/powerpoint/2010/main" val="2497981720"/>
       </p:ext>
     </p:extLst>
   </p:cSld>
@@ -9671,2698 +12014,6 @@
       </p:sp>
       <p:graphicFrame>
         <p:nvGraphicFramePr>
-          <p:cNvPr id="7" name="Table 6">
-            <a:extLst>
-              <a:ext uri="{FF2B5EF4-FFF2-40B4-BE49-F238E27FC236}">
-                <a16:creationId xmlns:a16="http://schemas.microsoft.com/office/drawing/2014/main" id="{AFA02B25-7779-4541-BFF7-2B60158D8043}"/>
-              </a:ext>
-            </a:extLst>
-          </p:cNvPr>
-          <p:cNvGraphicFramePr>
-            <a:graphicFrameLocks noGrp="1"/>
-          </p:cNvGraphicFramePr>
-          <p:nvPr>
-            <p:extLst>
-              <p:ext uri="{D42A27DB-BD31-4B8C-83A1-F6EECF244321}">
-                <p14:modId xmlns:p14="http://schemas.microsoft.com/office/powerpoint/2010/main" val="4076846807"/>
-              </p:ext>
-            </p:extLst>
-          </p:nvPr>
-        </p:nvGraphicFramePr>
-        <p:xfrm>
-          <a:off x="842398" y="1921588"/>
-          <a:ext cx="10873906" cy="4341101"/>
-        </p:xfrm>
-        <a:graphic>
-          <a:graphicData uri="http://schemas.openxmlformats.org/drawingml/2006/table">
-            <a:tbl>
-              <a:tblPr firstRow="1" firstCol="1" bandRow="1">
-                <a:tableStyleId>{5C22544A-7EE6-4342-B048-85BDC9FD1C3A}</a:tableStyleId>
-              </a:tblPr>
-              <a:tblGrid>
-                <a:gridCol w="5436953">
-                  <a:extLst>
-                    <a:ext uri="{9D8B030D-6E8A-4147-A177-3AD203B41FA5}">
-                      <a16:colId xmlns:a16="http://schemas.microsoft.com/office/drawing/2014/main" val="3542090638"/>
-                    </a:ext>
-                  </a:extLst>
-                </a:gridCol>
-                <a:gridCol w="5436953">
-                  <a:extLst>
-                    <a:ext uri="{9D8B030D-6E8A-4147-A177-3AD203B41FA5}">
-                      <a16:colId xmlns:a16="http://schemas.microsoft.com/office/drawing/2014/main" val="2751586903"/>
-                    </a:ext>
-                  </a:extLst>
-                </a:gridCol>
-              </a:tblGrid>
-              <a:tr h="235703">
-                <a:tc gridSpan="2">
-                  <a:txBody>
-                    <a:bodyPr/>
-                    <a:lstStyle/>
-                    <a:p>
-                      <a:pPr marL="0" marR="0" indent="0" algn="just">
-                        <a:lnSpc>
-                          <a:spcPct val="150000"/>
-                        </a:lnSpc>
-                        <a:spcBef>
-                          <a:spcPts val="0"/>
-                        </a:spcBef>
-                        <a:spcAft>
-                          <a:spcPts val="0"/>
-                        </a:spcAft>
-                      </a:pPr>
-                      <a:r>
-                        <a:rPr lang="en-US" sz="1200">
-                          <a:solidFill>
-                            <a:schemeClr val="tx1"/>
-                          </a:solidFill>
-                          <a:effectLst/>
-                        </a:rPr>
-                        <a:t>Usecase: Kết Bạn</a:t>
-                      </a:r>
-                      <a:endParaRPr lang="en-US" sz="1200">
-                        <a:solidFill>
-                          <a:schemeClr val="tx1"/>
-                        </a:solidFill>
-                        <a:effectLst/>
-                        <a:latin typeface="Times New Roman" panose="02020603050405020304" pitchFamily="18" charset="0"/>
-                        <a:ea typeface="Times New Roman" panose="02020603050405020304" pitchFamily="18" charset="0"/>
-                      </a:endParaRPr>
-                    </a:p>
-                  </a:txBody>
-                  <a:tcPr marL="26567" marR="26567" marT="0" marB="0" anchor="ctr">
-                    <a:lnL w="12700" cap="flat" cmpd="sng" algn="ctr">
-                      <a:solidFill>
-                        <a:schemeClr val="tx1"/>
-                      </a:solidFill>
-                      <a:prstDash val="solid"/>
-                      <a:round/>
-                      <a:headEnd type="none" w="med" len="med"/>
-                      <a:tailEnd type="none" w="med" len="med"/>
-                    </a:lnL>
-                    <a:lnR w="12700" cap="flat" cmpd="sng" algn="ctr">
-                      <a:solidFill>
-                        <a:schemeClr val="tx1"/>
-                      </a:solidFill>
-                      <a:prstDash val="solid"/>
-                      <a:round/>
-                      <a:headEnd type="none" w="med" len="med"/>
-                      <a:tailEnd type="none" w="med" len="med"/>
-                    </a:lnR>
-                    <a:lnT w="12700" cap="flat" cmpd="sng" algn="ctr">
-                      <a:solidFill>
-                        <a:schemeClr val="tx1"/>
-                      </a:solidFill>
-                      <a:prstDash val="solid"/>
-                      <a:round/>
-                      <a:headEnd type="none" w="med" len="med"/>
-                      <a:tailEnd type="none" w="med" len="med"/>
-                    </a:lnT>
-                    <a:lnB w="12700" cap="flat" cmpd="sng" algn="ctr">
-                      <a:solidFill>
-                        <a:schemeClr val="tx1"/>
-                      </a:solidFill>
-                      <a:prstDash val="solid"/>
-                      <a:round/>
-                      <a:headEnd type="none" w="med" len="med"/>
-                      <a:tailEnd type="none" w="med" len="med"/>
-                    </a:lnB>
-                    <a:lnTlToBr w="12700" cmpd="sng">
-                      <a:noFill/>
-                      <a:prstDash val="solid"/>
-                    </a:lnTlToBr>
-                    <a:lnBlToTr w="12700" cmpd="sng">
-                      <a:noFill/>
-                      <a:prstDash val="solid"/>
-                    </a:lnBlToTr>
-                    <a:solidFill>
-                      <a:schemeClr val="bg1"/>
-                    </a:solidFill>
-                  </a:tcPr>
-                </a:tc>
-                <a:tc hMerge="1">
-                  <a:txBody>
-                    <a:bodyPr/>
-                    <a:lstStyle/>
-                    <a:p>
-                      <a:endParaRPr lang="en-US"/>
-                    </a:p>
-                  </a:txBody>
-                  <a:tcPr/>
-                </a:tc>
-                <a:extLst>
-                  <a:ext uri="{0D108BD9-81ED-4DB2-BD59-A6C34878D82A}">
-                    <a16:rowId xmlns:a16="http://schemas.microsoft.com/office/drawing/2014/main" val="571101679"/>
-                  </a:ext>
-                </a:extLst>
-              </a:tr>
-              <a:tr h="410117">
-                <a:tc>
-                  <a:txBody>
-                    <a:bodyPr/>
-                    <a:lstStyle/>
-                    <a:p>
-                      <a:pPr marL="0" marR="0" indent="0" algn="just">
-                        <a:lnSpc>
-                          <a:spcPct val="150000"/>
-                        </a:lnSpc>
-                        <a:spcBef>
-                          <a:spcPts val="0"/>
-                        </a:spcBef>
-                        <a:spcAft>
-                          <a:spcPts val="0"/>
-                        </a:spcAft>
-                      </a:pPr>
-                      <a:r>
-                        <a:rPr lang="en-US" sz="1200">
-                          <a:solidFill>
-                            <a:schemeClr val="tx1"/>
-                          </a:solidFill>
-                          <a:effectLst/>
-                        </a:rPr>
-                        <a:t>Mục đích</a:t>
-                      </a:r>
-                      <a:endParaRPr lang="en-US" sz="1200">
-                        <a:solidFill>
-                          <a:schemeClr val="tx1"/>
-                        </a:solidFill>
-                        <a:effectLst/>
-                        <a:latin typeface="Times New Roman" panose="02020603050405020304" pitchFamily="18" charset="0"/>
-                        <a:ea typeface="Times New Roman" panose="02020603050405020304" pitchFamily="18" charset="0"/>
-                      </a:endParaRPr>
-                    </a:p>
-                  </a:txBody>
-                  <a:tcPr marL="26567" marR="26567" marT="0" marB="0" anchor="ctr">
-                    <a:lnL w="12700" cap="flat" cmpd="sng" algn="ctr">
-                      <a:solidFill>
-                        <a:schemeClr val="tx1"/>
-                      </a:solidFill>
-                      <a:prstDash val="solid"/>
-                      <a:round/>
-                      <a:headEnd type="none" w="med" len="med"/>
-                      <a:tailEnd type="none" w="med" len="med"/>
-                    </a:lnL>
-                    <a:lnR w="12700" cap="flat" cmpd="sng" algn="ctr">
-                      <a:solidFill>
-                        <a:schemeClr val="tx1"/>
-                      </a:solidFill>
-                      <a:prstDash val="solid"/>
-                      <a:round/>
-                      <a:headEnd type="none" w="med" len="med"/>
-                      <a:tailEnd type="none" w="med" len="med"/>
-                    </a:lnR>
-                    <a:lnT w="12700" cap="flat" cmpd="sng" algn="ctr">
-                      <a:solidFill>
-                        <a:schemeClr val="tx1"/>
-                      </a:solidFill>
-                      <a:prstDash val="solid"/>
-                      <a:round/>
-                      <a:headEnd type="none" w="med" len="med"/>
-                      <a:tailEnd type="none" w="med" len="med"/>
-                    </a:lnT>
-                    <a:lnB w="12700" cap="flat" cmpd="sng" algn="ctr">
-                      <a:solidFill>
-                        <a:schemeClr val="tx1"/>
-                      </a:solidFill>
-                      <a:prstDash val="solid"/>
-                      <a:round/>
-                      <a:headEnd type="none" w="med" len="med"/>
-                      <a:tailEnd type="none" w="med" len="med"/>
-                    </a:lnB>
-                    <a:lnTlToBr w="12700" cmpd="sng">
-                      <a:noFill/>
-                      <a:prstDash val="solid"/>
-                    </a:lnTlToBr>
-                    <a:lnBlToTr w="12700" cmpd="sng">
-                      <a:noFill/>
-                      <a:prstDash val="solid"/>
-                    </a:lnBlToTr>
-                    <a:solidFill>
-                      <a:schemeClr val="bg1"/>
-                    </a:solidFill>
-                  </a:tcPr>
-                </a:tc>
-                <a:tc>
-                  <a:txBody>
-                    <a:bodyPr/>
-                    <a:lstStyle/>
-                    <a:p>
-                      <a:pPr marL="0" marR="0" indent="0" algn="just">
-                        <a:lnSpc>
-                          <a:spcPct val="150000"/>
-                        </a:lnSpc>
-                        <a:spcBef>
-                          <a:spcPts val="0"/>
-                        </a:spcBef>
-                        <a:spcAft>
-                          <a:spcPts val="0"/>
-                        </a:spcAft>
-                      </a:pPr>
-                      <a:r>
-                        <a:rPr lang="en-US" sz="1200">
-                          <a:solidFill>
-                            <a:schemeClr val="tx1"/>
-                          </a:solidFill>
-                          <a:effectLst/>
-                        </a:rPr>
-                        <a:t>Cho phép người dùng kết bạn với số điện thoại mới hợp lệ</a:t>
-                      </a:r>
-                      <a:endParaRPr lang="en-US" sz="1200">
-                        <a:solidFill>
-                          <a:schemeClr val="tx1"/>
-                        </a:solidFill>
-                        <a:effectLst/>
-                        <a:latin typeface="Times New Roman" panose="02020603050405020304" pitchFamily="18" charset="0"/>
-                        <a:ea typeface="Times New Roman" panose="02020603050405020304" pitchFamily="18" charset="0"/>
-                      </a:endParaRPr>
-                    </a:p>
-                  </a:txBody>
-                  <a:tcPr marL="26567" marR="26567" marT="0" marB="0" anchor="ctr">
-                    <a:lnL w="12700" cap="flat" cmpd="sng" algn="ctr">
-                      <a:solidFill>
-                        <a:schemeClr val="tx1"/>
-                      </a:solidFill>
-                      <a:prstDash val="solid"/>
-                      <a:round/>
-                      <a:headEnd type="none" w="med" len="med"/>
-                      <a:tailEnd type="none" w="med" len="med"/>
-                    </a:lnL>
-                    <a:lnR w="12700" cap="flat" cmpd="sng" algn="ctr">
-                      <a:solidFill>
-                        <a:schemeClr val="tx1"/>
-                      </a:solidFill>
-                      <a:prstDash val="solid"/>
-                      <a:round/>
-                      <a:headEnd type="none" w="med" len="med"/>
-                      <a:tailEnd type="none" w="med" len="med"/>
-                    </a:lnR>
-                    <a:lnT w="12700" cap="flat" cmpd="sng" algn="ctr">
-                      <a:solidFill>
-                        <a:schemeClr val="tx1"/>
-                      </a:solidFill>
-                      <a:prstDash val="solid"/>
-                      <a:round/>
-                      <a:headEnd type="none" w="med" len="med"/>
-                      <a:tailEnd type="none" w="med" len="med"/>
-                    </a:lnT>
-                    <a:lnB w="12700" cap="flat" cmpd="sng" algn="ctr">
-                      <a:solidFill>
-                        <a:schemeClr val="tx1"/>
-                      </a:solidFill>
-                      <a:prstDash val="solid"/>
-                      <a:round/>
-                      <a:headEnd type="none" w="med" len="med"/>
-                      <a:tailEnd type="none" w="med" len="med"/>
-                    </a:lnB>
-                    <a:lnTlToBr w="12700" cmpd="sng">
-                      <a:noFill/>
-                      <a:prstDash val="solid"/>
-                    </a:lnTlToBr>
-                    <a:lnBlToTr w="12700" cmpd="sng">
-                      <a:noFill/>
-                      <a:prstDash val="solid"/>
-                    </a:lnBlToTr>
-                    <a:solidFill>
-                      <a:schemeClr val="bg1"/>
-                    </a:solidFill>
-                  </a:tcPr>
-                </a:tc>
-                <a:extLst>
-                  <a:ext uri="{0D108BD9-81ED-4DB2-BD59-A6C34878D82A}">
-                    <a16:rowId xmlns:a16="http://schemas.microsoft.com/office/drawing/2014/main" val="1764740474"/>
-                  </a:ext>
-                </a:extLst>
-              </a:tr>
-              <a:tr h="191985">
-                <a:tc>
-                  <a:txBody>
-                    <a:bodyPr/>
-                    <a:lstStyle/>
-                    <a:p>
-                      <a:pPr marL="0" marR="0" indent="0" algn="just">
-                        <a:lnSpc>
-                          <a:spcPct val="150000"/>
-                        </a:lnSpc>
-                        <a:spcBef>
-                          <a:spcPts val="0"/>
-                        </a:spcBef>
-                        <a:spcAft>
-                          <a:spcPts val="0"/>
-                        </a:spcAft>
-                      </a:pPr>
-                      <a:r>
-                        <a:rPr lang="en-US" sz="1200">
-                          <a:solidFill>
-                            <a:schemeClr val="tx1"/>
-                          </a:solidFill>
-                          <a:effectLst/>
-                        </a:rPr>
-                        <a:t>Actor chính</a:t>
-                      </a:r>
-                      <a:endParaRPr lang="en-US" sz="1200">
-                        <a:solidFill>
-                          <a:schemeClr val="tx1"/>
-                        </a:solidFill>
-                        <a:effectLst/>
-                        <a:latin typeface="Times New Roman" panose="02020603050405020304" pitchFamily="18" charset="0"/>
-                        <a:ea typeface="Times New Roman" panose="02020603050405020304" pitchFamily="18" charset="0"/>
-                      </a:endParaRPr>
-                    </a:p>
-                  </a:txBody>
-                  <a:tcPr marL="26567" marR="26567" marT="0" marB="0" anchor="ctr">
-                    <a:lnL w="12700" cap="flat" cmpd="sng" algn="ctr">
-                      <a:solidFill>
-                        <a:schemeClr val="tx1"/>
-                      </a:solidFill>
-                      <a:prstDash val="solid"/>
-                      <a:round/>
-                      <a:headEnd type="none" w="med" len="med"/>
-                      <a:tailEnd type="none" w="med" len="med"/>
-                    </a:lnL>
-                    <a:lnR w="12700" cap="flat" cmpd="sng" algn="ctr">
-                      <a:solidFill>
-                        <a:schemeClr val="tx1"/>
-                      </a:solidFill>
-                      <a:prstDash val="solid"/>
-                      <a:round/>
-                      <a:headEnd type="none" w="med" len="med"/>
-                      <a:tailEnd type="none" w="med" len="med"/>
-                    </a:lnR>
-                    <a:lnT w="12700" cap="flat" cmpd="sng" algn="ctr">
-                      <a:solidFill>
-                        <a:schemeClr val="tx1"/>
-                      </a:solidFill>
-                      <a:prstDash val="solid"/>
-                      <a:round/>
-                      <a:headEnd type="none" w="med" len="med"/>
-                      <a:tailEnd type="none" w="med" len="med"/>
-                    </a:lnT>
-                    <a:lnB w="12700" cap="flat" cmpd="sng" algn="ctr">
-                      <a:solidFill>
-                        <a:schemeClr val="tx1"/>
-                      </a:solidFill>
-                      <a:prstDash val="solid"/>
-                      <a:round/>
-                      <a:headEnd type="none" w="med" len="med"/>
-                      <a:tailEnd type="none" w="med" len="med"/>
-                    </a:lnB>
-                    <a:lnTlToBr w="12700" cmpd="sng">
-                      <a:noFill/>
-                      <a:prstDash val="solid"/>
-                    </a:lnTlToBr>
-                    <a:lnBlToTr w="12700" cmpd="sng">
-                      <a:noFill/>
-                      <a:prstDash val="solid"/>
-                    </a:lnBlToTr>
-                    <a:solidFill>
-                      <a:schemeClr val="bg1"/>
-                    </a:solidFill>
-                  </a:tcPr>
-                </a:tc>
-                <a:tc>
-                  <a:txBody>
-                    <a:bodyPr/>
-                    <a:lstStyle/>
-                    <a:p>
-                      <a:pPr marL="0" marR="0" indent="0" algn="just">
-                        <a:lnSpc>
-                          <a:spcPct val="150000"/>
-                        </a:lnSpc>
-                        <a:spcBef>
-                          <a:spcPts val="0"/>
-                        </a:spcBef>
-                        <a:spcAft>
-                          <a:spcPts val="0"/>
-                        </a:spcAft>
-                      </a:pPr>
-                      <a:r>
-                        <a:rPr lang="en-US" sz="1200">
-                          <a:solidFill>
-                            <a:schemeClr val="tx1"/>
-                          </a:solidFill>
-                          <a:effectLst/>
-                        </a:rPr>
-                        <a:t>Người dùng</a:t>
-                      </a:r>
-                      <a:endParaRPr lang="en-US" sz="1200">
-                        <a:solidFill>
-                          <a:schemeClr val="tx1"/>
-                        </a:solidFill>
-                        <a:effectLst/>
-                        <a:latin typeface="Times New Roman" panose="02020603050405020304" pitchFamily="18" charset="0"/>
-                        <a:ea typeface="Times New Roman" panose="02020603050405020304" pitchFamily="18" charset="0"/>
-                      </a:endParaRPr>
-                    </a:p>
-                  </a:txBody>
-                  <a:tcPr marL="26567" marR="26567" marT="0" marB="0" anchor="ctr">
-                    <a:lnL w="12700" cap="flat" cmpd="sng" algn="ctr">
-                      <a:solidFill>
-                        <a:schemeClr val="tx1"/>
-                      </a:solidFill>
-                      <a:prstDash val="solid"/>
-                      <a:round/>
-                      <a:headEnd type="none" w="med" len="med"/>
-                      <a:tailEnd type="none" w="med" len="med"/>
-                    </a:lnL>
-                    <a:lnR w="12700" cap="flat" cmpd="sng" algn="ctr">
-                      <a:solidFill>
-                        <a:schemeClr val="tx1"/>
-                      </a:solidFill>
-                      <a:prstDash val="solid"/>
-                      <a:round/>
-                      <a:headEnd type="none" w="med" len="med"/>
-                      <a:tailEnd type="none" w="med" len="med"/>
-                    </a:lnR>
-                    <a:lnT w="12700" cap="flat" cmpd="sng" algn="ctr">
-                      <a:solidFill>
-                        <a:schemeClr val="tx1"/>
-                      </a:solidFill>
-                      <a:prstDash val="solid"/>
-                      <a:round/>
-                      <a:headEnd type="none" w="med" len="med"/>
-                      <a:tailEnd type="none" w="med" len="med"/>
-                    </a:lnT>
-                    <a:lnB w="12700" cap="flat" cmpd="sng" algn="ctr">
-                      <a:solidFill>
-                        <a:schemeClr val="tx1"/>
-                      </a:solidFill>
-                      <a:prstDash val="solid"/>
-                      <a:round/>
-                      <a:headEnd type="none" w="med" len="med"/>
-                      <a:tailEnd type="none" w="med" len="med"/>
-                    </a:lnB>
-                    <a:lnTlToBr w="12700" cmpd="sng">
-                      <a:noFill/>
-                      <a:prstDash val="solid"/>
-                    </a:lnTlToBr>
-                    <a:lnBlToTr w="12700" cmpd="sng">
-                      <a:noFill/>
-                      <a:prstDash val="solid"/>
-                    </a:lnBlToTr>
-                    <a:solidFill>
-                      <a:schemeClr val="bg1"/>
-                    </a:solidFill>
-                  </a:tcPr>
-                </a:tc>
-                <a:extLst>
-                  <a:ext uri="{0D108BD9-81ED-4DB2-BD59-A6C34878D82A}">
-                    <a16:rowId xmlns:a16="http://schemas.microsoft.com/office/drawing/2014/main" val="2812253079"/>
-                  </a:ext>
-                </a:extLst>
-              </a:tr>
-              <a:tr h="191985">
-                <a:tc>
-                  <a:txBody>
-                    <a:bodyPr/>
-                    <a:lstStyle/>
-                    <a:p>
-                      <a:pPr marL="0" marR="0" indent="0" algn="just">
-                        <a:lnSpc>
-                          <a:spcPct val="150000"/>
-                        </a:lnSpc>
-                        <a:spcBef>
-                          <a:spcPts val="0"/>
-                        </a:spcBef>
-                        <a:spcAft>
-                          <a:spcPts val="0"/>
-                        </a:spcAft>
-                      </a:pPr>
-                      <a:r>
-                        <a:rPr lang="en-US" sz="1200">
-                          <a:solidFill>
-                            <a:schemeClr val="tx1"/>
-                          </a:solidFill>
-                          <a:effectLst/>
-                        </a:rPr>
-                        <a:t>Actor phụ</a:t>
-                      </a:r>
-                      <a:endParaRPr lang="en-US" sz="1200">
-                        <a:solidFill>
-                          <a:schemeClr val="tx1"/>
-                        </a:solidFill>
-                        <a:effectLst/>
-                        <a:latin typeface="Times New Roman" panose="02020603050405020304" pitchFamily="18" charset="0"/>
-                        <a:ea typeface="Times New Roman" panose="02020603050405020304" pitchFamily="18" charset="0"/>
-                      </a:endParaRPr>
-                    </a:p>
-                  </a:txBody>
-                  <a:tcPr marL="26567" marR="26567" marT="0" marB="0" anchor="ctr">
-                    <a:lnL w="12700" cap="flat" cmpd="sng" algn="ctr">
-                      <a:solidFill>
-                        <a:schemeClr val="tx1"/>
-                      </a:solidFill>
-                      <a:prstDash val="solid"/>
-                      <a:round/>
-                      <a:headEnd type="none" w="med" len="med"/>
-                      <a:tailEnd type="none" w="med" len="med"/>
-                    </a:lnL>
-                    <a:lnR w="12700" cap="flat" cmpd="sng" algn="ctr">
-                      <a:solidFill>
-                        <a:schemeClr val="tx1"/>
-                      </a:solidFill>
-                      <a:prstDash val="solid"/>
-                      <a:round/>
-                      <a:headEnd type="none" w="med" len="med"/>
-                      <a:tailEnd type="none" w="med" len="med"/>
-                    </a:lnR>
-                    <a:lnT w="12700" cap="flat" cmpd="sng" algn="ctr">
-                      <a:solidFill>
-                        <a:schemeClr val="tx1"/>
-                      </a:solidFill>
-                      <a:prstDash val="solid"/>
-                      <a:round/>
-                      <a:headEnd type="none" w="med" len="med"/>
-                      <a:tailEnd type="none" w="med" len="med"/>
-                    </a:lnT>
-                    <a:lnB w="12700" cap="flat" cmpd="sng" algn="ctr">
-                      <a:solidFill>
-                        <a:schemeClr val="tx1"/>
-                      </a:solidFill>
-                      <a:prstDash val="solid"/>
-                      <a:round/>
-                      <a:headEnd type="none" w="med" len="med"/>
-                      <a:tailEnd type="none" w="med" len="med"/>
-                    </a:lnB>
-                    <a:lnTlToBr w="12700" cmpd="sng">
-                      <a:noFill/>
-                      <a:prstDash val="solid"/>
-                    </a:lnTlToBr>
-                    <a:lnBlToTr w="12700" cmpd="sng">
-                      <a:noFill/>
-                      <a:prstDash val="solid"/>
-                    </a:lnBlToTr>
-                    <a:solidFill>
-                      <a:schemeClr val="bg1"/>
-                    </a:solidFill>
-                  </a:tcPr>
-                </a:tc>
-                <a:tc>
-                  <a:txBody>
-                    <a:bodyPr/>
-                    <a:lstStyle/>
-                    <a:p>
-                      <a:pPr marL="0" marR="0" indent="0" algn="just">
-                        <a:lnSpc>
-                          <a:spcPct val="150000"/>
-                        </a:lnSpc>
-                        <a:spcBef>
-                          <a:spcPts val="0"/>
-                        </a:spcBef>
-                        <a:spcAft>
-                          <a:spcPts val="0"/>
-                        </a:spcAft>
-                      </a:pPr>
-                      <a:r>
-                        <a:rPr lang="en-US" sz="1200">
-                          <a:solidFill>
-                            <a:schemeClr val="tx1"/>
-                          </a:solidFill>
-                          <a:effectLst/>
-                        </a:rPr>
-                        <a:t>Không có</a:t>
-                      </a:r>
-                      <a:endParaRPr lang="en-US" sz="1200">
-                        <a:solidFill>
-                          <a:schemeClr val="tx1"/>
-                        </a:solidFill>
-                        <a:effectLst/>
-                        <a:latin typeface="Times New Roman" panose="02020603050405020304" pitchFamily="18" charset="0"/>
-                        <a:ea typeface="Times New Roman" panose="02020603050405020304" pitchFamily="18" charset="0"/>
-                      </a:endParaRPr>
-                    </a:p>
-                  </a:txBody>
-                  <a:tcPr marL="26567" marR="26567" marT="0" marB="0" anchor="ctr">
-                    <a:lnL w="12700" cap="flat" cmpd="sng" algn="ctr">
-                      <a:solidFill>
-                        <a:schemeClr val="tx1"/>
-                      </a:solidFill>
-                      <a:prstDash val="solid"/>
-                      <a:round/>
-                      <a:headEnd type="none" w="med" len="med"/>
-                      <a:tailEnd type="none" w="med" len="med"/>
-                    </a:lnL>
-                    <a:lnR w="12700" cap="flat" cmpd="sng" algn="ctr">
-                      <a:solidFill>
-                        <a:schemeClr val="tx1"/>
-                      </a:solidFill>
-                      <a:prstDash val="solid"/>
-                      <a:round/>
-                      <a:headEnd type="none" w="med" len="med"/>
-                      <a:tailEnd type="none" w="med" len="med"/>
-                    </a:lnR>
-                    <a:lnT w="12700" cap="flat" cmpd="sng" algn="ctr">
-                      <a:solidFill>
-                        <a:schemeClr val="tx1"/>
-                      </a:solidFill>
-                      <a:prstDash val="solid"/>
-                      <a:round/>
-                      <a:headEnd type="none" w="med" len="med"/>
-                      <a:tailEnd type="none" w="med" len="med"/>
-                    </a:lnT>
-                    <a:lnB w="12700" cap="flat" cmpd="sng" algn="ctr">
-                      <a:solidFill>
-                        <a:schemeClr val="tx1"/>
-                      </a:solidFill>
-                      <a:prstDash val="solid"/>
-                      <a:round/>
-                      <a:headEnd type="none" w="med" len="med"/>
-                      <a:tailEnd type="none" w="med" len="med"/>
-                    </a:lnB>
-                    <a:lnTlToBr w="12700" cmpd="sng">
-                      <a:noFill/>
-                      <a:prstDash val="solid"/>
-                    </a:lnTlToBr>
-                    <a:lnBlToTr w="12700" cmpd="sng">
-                      <a:noFill/>
-                      <a:prstDash val="solid"/>
-                    </a:lnBlToTr>
-                    <a:solidFill>
-                      <a:schemeClr val="bg1"/>
-                    </a:solidFill>
-                  </a:tcPr>
-                </a:tc>
-                <a:extLst>
-                  <a:ext uri="{0D108BD9-81ED-4DB2-BD59-A6C34878D82A}">
-                    <a16:rowId xmlns:a16="http://schemas.microsoft.com/office/drawing/2014/main" val="2287934634"/>
-                  </a:ext>
-                </a:extLst>
-              </a:tr>
-              <a:tr h="410117">
-                <a:tc>
-                  <a:txBody>
-                    <a:bodyPr/>
-                    <a:lstStyle/>
-                    <a:p>
-                      <a:pPr marL="0" marR="0" indent="0" algn="just">
-                        <a:lnSpc>
-                          <a:spcPct val="150000"/>
-                        </a:lnSpc>
-                        <a:spcBef>
-                          <a:spcPts val="0"/>
-                        </a:spcBef>
-                        <a:spcAft>
-                          <a:spcPts val="0"/>
-                        </a:spcAft>
-                      </a:pPr>
-                      <a:r>
-                        <a:rPr lang="en-US" sz="1200">
-                          <a:solidFill>
-                            <a:schemeClr val="tx1"/>
-                          </a:solidFill>
-                          <a:effectLst/>
-                        </a:rPr>
-                        <a:t>Tiền điều kiện (Pre-condition)</a:t>
-                      </a:r>
-                      <a:endParaRPr lang="en-US" sz="1200">
-                        <a:solidFill>
-                          <a:schemeClr val="tx1"/>
-                        </a:solidFill>
-                        <a:effectLst/>
-                        <a:latin typeface="Times New Roman" panose="02020603050405020304" pitchFamily="18" charset="0"/>
-                        <a:ea typeface="Times New Roman" panose="02020603050405020304" pitchFamily="18" charset="0"/>
-                      </a:endParaRPr>
-                    </a:p>
-                  </a:txBody>
-                  <a:tcPr marL="26567" marR="26567" marT="0" marB="0" anchor="ctr">
-                    <a:lnL w="12700" cap="flat" cmpd="sng" algn="ctr">
-                      <a:solidFill>
-                        <a:schemeClr val="tx1"/>
-                      </a:solidFill>
-                      <a:prstDash val="solid"/>
-                      <a:round/>
-                      <a:headEnd type="none" w="med" len="med"/>
-                      <a:tailEnd type="none" w="med" len="med"/>
-                    </a:lnL>
-                    <a:lnR w="12700" cap="flat" cmpd="sng" algn="ctr">
-                      <a:solidFill>
-                        <a:schemeClr val="tx1"/>
-                      </a:solidFill>
-                      <a:prstDash val="solid"/>
-                      <a:round/>
-                      <a:headEnd type="none" w="med" len="med"/>
-                      <a:tailEnd type="none" w="med" len="med"/>
-                    </a:lnR>
-                    <a:lnT w="12700" cap="flat" cmpd="sng" algn="ctr">
-                      <a:solidFill>
-                        <a:schemeClr val="tx1"/>
-                      </a:solidFill>
-                      <a:prstDash val="solid"/>
-                      <a:round/>
-                      <a:headEnd type="none" w="med" len="med"/>
-                      <a:tailEnd type="none" w="med" len="med"/>
-                    </a:lnT>
-                    <a:lnB w="12700" cap="flat" cmpd="sng" algn="ctr">
-                      <a:solidFill>
-                        <a:schemeClr val="tx1"/>
-                      </a:solidFill>
-                      <a:prstDash val="solid"/>
-                      <a:round/>
-                      <a:headEnd type="none" w="med" len="med"/>
-                      <a:tailEnd type="none" w="med" len="med"/>
-                    </a:lnB>
-                    <a:lnTlToBr w="12700" cmpd="sng">
-                      <a:noFill/>
-                      <a:prstDash val="solid"/>
-                    </a:lnTlToBr>
-                    <a:lnBlToTr w="12700" cmpd="sng">
-                      <a:noFill/>
-                      <a:prstDash val="solid"/>
-                    </a:lnBlToTr>
-                    <a:solidFill>
-                      <a:schemeClr val="bg1"/>
-                    </a:solidFill>
-                  </a:tcPr>
-                </a:tc>
-                <a:tc>
-                  <a:txBody>
-                    <a:bodyPr/>
-                    <a:lstStyle/>
-                    <a:p>
-                      <a:pPr marL="0" marR="0" indent="0" algn="just">
-                        <a:lnSpc>
-                          <a:spcPct val="150000"/>
-                        </a:lnSpc>
-                        <a:spcBef>
-                          <a:spcPts val="0"/>
-                        </a:spcBef>
-                        <a:spcAft>
-                          <a:spcPts val="0"/>
-                        </a:spcAft>
-                      </a:pPr>
-                      <a:r>
-                        <a:rPr lang="en-US" sz="1200">
-                          <a:solidFill>
-                            <a:schemeClr val="tx1"/>
-                          </a:solidFill>
-                          <a:effectLst/>
-                        </a:rPr>
-                        <a:t>Người dùng đăng nhập thành công vào hệ thống chưa có trong danh sách liên hệ</a:t>
-                      </a:r>
-                      <a:endParaRPr lang="en-US" sz="1200">
-                        <a:solidFill>
-                          <a:schemeClr val="tx1"/>
-                        </a:solidFill>
-                        <a:effectLst/>
-                        <a:latin typeface="Times New Roman" panose="02020603050405020304" pitchFamily="18" charset="0"/>
-                        <a:ea typeface="Times New Roman" panose="02020603050405020304" pitchFamily="18" charset="0"/>
-                      </a:endParaRPr>
-                    </a:p>
-                  </a:txBody>
-                  <a:tcPr marL="26567" marR="26567" marT="0" marB="0" anchor="ctr">
-                    <a:lnL w="12700" cap="flat" cmpd="sng" algn="ctr">
-                      <a:solidFill>
-                        <a:schemeClr val="tx1"/>
-                      </a:solidFill>
-                      <a:prstDash val="solid"/>
-                      <a:round/>
-                      <a:headEnd type="none" w="med" len="med"/>
-                      <a:tailEnd type="none" w="med" len="med"/>
-                    </a:lnL>
-                    <a:lnR w="12700" cap="flat" cmpd="sng" algn="ctr">
-                      <a:solidFill>
-                        <a:schemeClr val="tx1"/>
-                      </a:solidFill>
-                      <a:prstDash val="solid"/>
-                      <a:round/>
-                      <a:headEnd type="none" w="med" len="med"/>
-                      <a:tailEnd type="none" w="med" len="med"/>
-                    </a:lnR>
-                    <a:lnT w="12700" cap="flat" cmpd="sng" algn="ctr">
-                      <a:solidFill>
-                        <a:schemeClr val="tx1"/>
-                      </a:solidFill>
-                      <a:prstDash val="solid"/>
-                      <a:round/>
-                      <a:headEnd type="none" w="med" len="med"/>
-                      <a:tailEnd type="none" w="med" len="med"/>
-                    </a:lnT>
-                    <a:lnB w="12700" cap="flat" cmpd="sng" algn="ctr">
-                      <a:solidFill>
-                        <a:schemeClr val="tx1"/>
-                      </a:solidFill>
-                      <a:prstDash val="solid"/>
-                      <a:round/>
-                      <a:headEnd type="none" w="med" len="med"/>
-                      <a:tailEnd type="none" w="med" len="med"/>
-                    </a:lnB>
-                    <a:lnTlToBr w="12700" cmpd="sng">
-                      <a:noFill/>
-                      <a:prstDash val="solid"/>
-                    </a:lnTlToBr>
-                    <a:lnBlToTr w="12700" cmpd="sng">
-                      <a:noFill/>
-                      <a:prstDash val="solid"/>
-                    </a:lnBlToTr>
-                    <a:solidFill>
-                      <a:schemeClr val="bg1"/>
-                    </a:solidFill>
-                  </a:tcPr>
-                </a:tc>
-                <a:extLst>
-                  <a:ext uri="{0D108BD9-81ED-4DB2-BD59-A6C34878D82A}">
-                    <a16:rowId xmlns:a16="http://schemas.microsoft.com/office/drawing/2014/main" val="2663421474"/>
-                  </a:ext>
-                </a:extLst>
-              </a:tr>
-              <a:tr h="410117">
-                <a:tc>
-                  <a:txBody>
-                    <a:bodyPr/>
-                    <a:lstStyle/>
-                    <a:p>
-                      <a:pPr marL="0" marR="0" indent="0" algn="just">
-                        <a:lnSpc>
-                          <a:spcPct val="150000"/>
-                        </a:lnSpc>
-                        <a:spcBef>
-                          <a:spcPts val="0"/>
-                        </a:spcBef>
-                        <a:spcAft>
-                          <a:spcPts val="0"/>
-                        </a:spcAft>
-                      </a:pPr>
-                      <a:r>
-                        <a:rPr lang="en-US" sz="1200">
-                          <a:solidFill>
-                            <a:schemeClr val="tx1"/>
-                          </a:solidFill>
-                          <a:effectLst/>
-                        </a:rPr>
-                        <a:t>Hậu điều kiện (Post-condition)</a:t>
-                      </a:r>
-                      <a:endParaRPr lang="en-US" sz="1200">
-                        <a:solidFill>
-                          <a:schemeClr val="tx1"/>
-                        </a:solidFill>
-                        <a:effectLst/>
-                        <a:latin typeface="Times New Roman" panose="02020603050405020304" pitchFamily="18" charset="0"/>
-                        <a:ea typeface="Times New Roman" panose="02020603050405020304" pitchFamily="18" charset="0"/>
-                      </a:endParaRPr>
-                    </a:p>
-                  </a:txBody>
-                  <a:tcPr marL="26567" marR="26567" marT="0" marB="0" anchor="ctr">
-                    <a:lnL w="12700" cap="flat" cmpd="sng" algn="ctr">
-                      <a:solidFill>
-                        <a:schemeClr val="tx1"/>
-                      </a:solidFill>
-                      <a:prstDash val="solid"/>
-                      <a:round/>
-                      <a:headEnd type="none" w="med" len="med"/>
-                      <a:tailEnd type="none" w="med" len="med"/>
-                    </a:lnL>
-                    <a:lnR w="12700" cap="flat" cmpd="sng" algn="ctr">
-                      <a:solidFill>
-                        <a:schemeClr val="tx1"/>
-                      </a:solidFill>
-                      <a:prstDash val="solid"/>
-                      <a:round/>
-                      <a:headEnd type="none" w="med" len="med"/>
-                      <a:tailEnd type="none" w="med" len="med"/>
-                    </a:lnR>
-                    <a:lnT w="12700" cap="flat" cmpd="sng" algn="ctr">
-                      <a:solidFill>
-                        <a:schemeClr val="tx1"/>
-                      </a:solidFill>
-                      <a:prstDash val="solid"/>
-                      <a:round/>
-                      <a:headEnd type="none" w="med" len="med"/>
-                      <a:tailEnd type="none" w="med" len="med"/>
-                    </a:lnT>
-                    <a:lnB w="12700" cap="flat" cmpd="sng" algn="ctr">
-                      <a:solidFill>
-                        <a:schemeClr val="tx1"/>
-                      </a:solidFill>
-                      <a:prstDash val="solid"/>
-                      <a:round/>
-                      <a:headEnd type="none" w="med" len="med"/>
-                      <a:tailEnd type="none" w="med" len="med"/>
-                    </a:lnB>
-                    <a:lnTlToBr w="12700" cmpd="sng">
-                      <a:noFill/>
-                      <a:prstDash val="solid"/>
-                    </a:lnTlToBr>
-                    <a:lnBlToTr w="12700" cmpd="sng">
-                      <a:noFill/>
-                      <a:prstDash val="solid"/>
-                    </a:lnBlToTr>
-                    <a:solidFill>
-                      <a:schemeClr val="bg1"/>
-                    </a:solidFill>
-                  </a:tcPr>
-                </a:tc>
-                <a:tc>
-                  <a:txBody>
-                    <a:bodyPr/>
-                    <a:lstStyle/>
-                    <a:p>
-                      <a:pPr marL="0" marR="0" indent="0" algn="just">
-                        <a:lnSpc>
-                          <a:spcPct val="150000"/>
-                        </a:lnSpc>
-                        <a:spcBef>
-                          <a:spcPts val="0"/>
-                        </a:spcBef>
-                        <a:spcAft>
-                          <a:spcPts val="0"/>
-                        </a:spcAft>
-                      </a:pPr>
-                      <a:r>
-                        <a:rPr lang="en-US" sz="1200">
-                          <a:solidFill>
-                            <a:schemeClr val="tx1"/>
-                          </a:solidFill>
-                          <a:effectLst/>
-                        </a:rPr>
-                        <a:t>Bạn mới được thêm vào danh sách bạn bè</a:t>
-                      </a:r>
-                      <a:endParaRPr lang="en-US" sz="1200">
-                        <a:solidFill>
-                          <a:schemeClr val="tx1"/>
-                        </a:solidFill>
-                        <a:effectLst/>
-                        <a:latin typeface="Times New Roman" panose="02020603050405020304" pitchFamily="18" charset="0"/>
-                        <a:ea typeface="Times New Roman" panose="02020603050405020304" pitchFamily="18" charset="0"/>
-                      </a:endParaRPr>
-                    </a:p>
-                  </a:txBody>
-                  <a:tcPr marL="26567" marR="26567" marT="0" marB="0" anchor="ctr">
-                    <a:lnL w="12700" cap="flat" cmpd="sng" algn="ctr">
-                      <a:solidFill>
-                        <a:schemeClr val="tx1"/>
-                      </a:solidFill>
-                      <a:prstDash val="solid"/>
-                      <a:round/>
-                      <a:headEnd type="none" w="med" len="med"/>
-                      <a:tailEnd type="none" w="med" len="med"/>
-                    </a:lnL>
-                    <a:lnR w="12700" cap="flat" cmpd="sng" algn="ctr">
-                      <a:solidFill>
-                        <a:schemeClr val="tx1"/>
-                      </a:solidFill>
-                      <a:prstDash val="solid"/>
-                      <a:round/>
-                      <a:headEnd type="none" w="med" len="med"/>
-                      <a:tailEnd type="none" w="med" len="med"/>
-                    </a:lnR>
-                    <a:lnT w="12700" cap="flat" cmpd="sng" algn="ctr">
-                      <a:solidFill>
-                        <a:schemeClr val="tx1"/>
-                      </a:solidFill>
-                      <a:prstDash val="solid"/>
-                      <a:round/>
-                      <a:headEnd type="none" w="med" len="med"/>
-                      <a:tailEnd type="none" w="med" len="med"/>
-                    </a:lnT>
-                    <a:lnB w="12700" cap="flat" cmpd="sng" algn="ctr">
-                      <a:solidFill>
-                        <a:schemeClr val="tx1"/>
-                      </a:solidFill>
-                      <a:prstDash val="solid"/>
-                      <a:round/>
-                      <a:headEnd type="none" w="med" len="med"/>
-                      <a:tailEnd type="none" w="med" len="med"/>
-                    </a:lnB>
-                    <a:lnTlToBr w="12700" cmpd="sng">
-                      <a:noFill/>
-                      <a:prstDash val="solid"/>
-                    </a:lnTlToBr>
-                    <a:lnBlToTr w="12700" cmpd="sng">
-                      <a:noFill/>
-                      <a:prstDash val="solid"/>
-                    </a:lnBlToTr>
-                    <a:solidFill>
-                      <a:schemeClr val="bg1"/>
-                    </a:solidFill>
-                  </a:tcPr>
-                </a:tc>
-                <a:extLst>
-                  <a:ext uri="{0D108BD9-81ED-4DB2-BD59-A6C34878D82A}">
-                    <a16:rowId xmlns:a16="http://schemas.microsoft.com/office/drawing/2014/main" val="811313411"/>
-                  </a:ext>
-                </a:extLst>
-              </a:tr>
-              <a:tr h="191985">
-                <a:tc>
-                  <a:txBody>
-                    <a:bodyPr/>
-                    <a:lstStyle/>
-                    <a:p>
-                      <a:pPr marL="0" marR="0" indent="0" algn="just">
-                        <a:lnSpc>
-                          <a:spcPct val="150000"/>
-                        </a:lnSpc>
-                        <a:spcBef>
-                          <a:spcPts val="0"/>
-                        </a:spcBef>
-                        <a:spcAft>
-                          <a:spcPts val="0"/>
-                        </a:spcAft>
-                      </a:pPr>
-                      <a:r>
-                        <a:rPr lang="en-US" sz="1200">
-                          <a:solidFill>
-                            <a:schemeClr val="tx1"/>
-                          </a:solidFill>
-                          <a:effectLst/>
-                        </a:rPr>
-                        <a:t>Luồng sự kiện chính (main flow): </a:t>
-                      </a:r>
-                      <a:endParaRPr lang="en-US" sz="1200">
-                        <a:solidFill>
-                          <a:schemeClr val="tx1"/>
-                        </a:solidFill>
-                        <a:effectLst/>
-                        <a:latin typeface="Times New Roman" panose="02020603050405020304" pitchFamily="18" charset="0"/>
-                        <a:ea typeface="Times New Roman" panose="02020603050405020304" pitchFamily="18" charset="0"/>
-                      </a:endParaRPr>
-                    </a:p>
-                  </a:txBody>
-                  <a:tcPr marL="26567" marR="26567" marT="0" marB="0" anchor="ctr">
-                    <a:lnL w="12700" cap="flat" cmpd="sng" algn="ctr">
-                      <a:solidFill>
-                        <a:schemeClr val="tx1"/>
-                      </a:solidFill>
-                      <a:prstDash val="solid"/>
-                      <a:round/>
-                      <a:headEnd type="none" w="med" len="med"/>
-                      <a:tailEnd type="none" w="med" len="med"/>
-                    </a:lnL>
-                    <a:lnR w="12700" cap="flat" cmpd="sng" algn="ctr">
-                      <a:solidFill>
-                        <a:schemeClr val="tx1"/>
-                      </a:solidFill>
-                      <a:prstDash val="solid"/>
-                      <a:round/>
-                      <a:headEnd type="none" w="med" len="med"/>
-                      <a:tailEnd type="none" w="med" len="med"/>
-                    </a:lnR>
-                    <a:lnT w="12700" cap="flat" cmpd="sng" algn="ctr">
-                      <a:solidFill>
-                        <a:schemeClr val="tx1"/>
-                      </a:solidFill>
-                      <a:prstDash val="solid"/>
-                      <a:round/>
-                      <a:headEnd type="none" w="med" len="med"/>
-                      <a:tailEnd type="none" w="med" len="med"/>
-                    </a:lnT>
-                    <a:lnB w="12700" cap="flat" cmpd="sng" algn="ctr">
-                      <a:solidFill>
-                        <a:schemeClr val="tx1"/>
-                      </a:solidFill>
-                      <a:prstDash val="solid"/>
-                      <a:round/>
-                      <a:headEnd type="none" w="med" len="med"/>
-                      <a:tailEnd type="none" w="med" len="med"/>
-                    </a:lnB>
-                    <a:lnTlToBr w="12700" cmpd="sng">
-                      <a:noFill/>
-                      <a:prstDash val="solid"/>
-                    </a:lnTlToBr>
-                    <a:lnBlToTr w="12700" cmpd="sng">
-                      <a:noFill/>
-                      <a:prstDash val="solid"/>
-                    </a:lnBlToTr>
-                    <a:solidFill>
-                      <a:schemeClr val="bg1"/>
-                    </a:solidFill>
-                  </a:tcPr>
-                </a:tc>
-                <a:tc>
-                  <a:txBody>
-                    <a:bodyPr/>
-                    <a:lstStyle/>
-                    <a:p>
-                      <a:pPr marL="0" marR="0" indent="0" algn="just">
-                        <a:lnSpc>
-                          <a:spcPct val="150000"/>
-                        </a:lnSpc>
-                        <a:spcBef>
-                          <a:spcPts val="0"/>
-                        </a:spcBef>
-                        <a:spcAft>
-                          <a:spcPts val="0"/>
-                        </a:spcAft>
-                      </a:pPr>
-                      <a:r>
-                        <a:rPr lang="en-US" sz="1200">
-                          <a:solidFill>
-                            <a:schemeClr val="tx1"/>
-                          </a:solidFill>
-                          <a:effectLst/>
-                        </a:rPr>
-                        <a:t> </a:t>
-                      </a:r>
-                      <a:endParaRPr lang="en-US" sz="1200">
-                        <a:solidFill>
-                          <a:schemeClr val="tx1"/>
-                        </a:solidFill>
-                        <a:effectLst/>
-                        <a:latin typeface="Times New Roman" panose="02020603050405020304" pitchFamily="18" charset="0"/>
-                        <a:ea typeface="Times New Roman" panose="02020603050405020304" pitchFamily="18" charset="0"/>
-                      </a:endParaRPr>
-                    </a:p>
-                  </a:txBody>
-                  <a:tcPr marL="26567" marR="26567" marT="0" marB="0" anchor="ctr">
-                    <a:lnL w="12700" cap="flat" cmpd="sng" algn="ctr">
-                      <a:solidFill>
-                        <a:schemeClr val="tx1"/>
-                      </a:solidFill>
-                      <a:prstDash val="solid"/>
-                      <a:round/>
-                      <a:headEnd type="none" w="med" len="med"/>
-                      <a:tailEnd type="none" w="med" len="med"/>
-                    </a:lnL>
-                    <a:lnR w="12700" cap="flat" cmpd="sng" algn="ctr">
-                      <a:solidFill>
-                        <a:schemeClr val="tx1"/>
-                      </a:solidFill>
-                      <a:prstDash val="solid"/>
-                      <a:round/>
-                      <a:headEnd type="none" w="med" len="med"/>
-                      <a:tailEnd type="none" w="med" len="med"/>
-                    </a:lnR>
-                    <a:lnT w="12700" cap="flat" cmpd="sng" algn="ctr">
-                      <a:solidFill>
-                        <a:schemeClr val="tx1"/>
-                      </a:solidFill>
-                      <a:prstDash val="solid"/>
-                      <a:round/>
-                      <a:headEnd type="none" w="med" len="med"/>
-                      <a:tailEnd type="none" w="med" len="med"/>
-                    </a:lnT>
-                    <a:lnB w="12700" cap="flat" cmpd="sng" algn="ctr">
-                      <a:solidFill>
-                        <a:schemeClr val="tx1"/>
-                      </a:solidFill>
-                      <a:prstDash val="solid"/>
-                      <a:round/>
-                      <a:headEnd type="none" w="med" len="med"/>
-                      <a:tailEnd type="none" w="med" len="med"/>
-                    </a:lnB>
-                    <a:lnTlToBr w="12700" cmpd="sng">
-                      <a:noFill/>
-                      <a:prstDash val="solid"/>
-                    </a:lnTlToBr>
-                    <a:lnBlToTr w="12700" cmpd="sng">
-                      <a:noFill/>
-                      <a:prstDash val="solid"/>
-                    </a:lnBlToTr>
-                    <a:solidFill>
-                      <a:schemeClr val="bg1"/>
-                    </a:solidFill>
-                  </a:tcPr>
-                </a:tc>
-                <a:extLst>
-                  <a:ext uri="{0D108BD9-81ED-4DB2-BD59-A6C34878D82A}">
-                    <a16:rowId xmlns:a16="http://schemas.microsoft.com/office/drawing/2014/main" val="881147841"/>
-                  </a:ext>
-                </a:extLst>
-              </a:tr>
-              <a:tr h="191985">
-                <a:tc>
-                  <a:txBody>
-                    <a:bodyPr/>
-                    <a:lstStyle/>
-                    <a:p>
-                      <a:pPr marL="0" marR="0" indent="0" algn="just">
-                        <a:lnSpc>
-                          <a:spcPct val="150000"/>
-                        </a:lnSpc>
-                        <a:spcBef>
-                          <a:spcPts val="0"/>
-                        </a:spcBef>
-                        <a:spcAft>
-                          <a:spcPts val="0"/>
-                        </a:spcAft>
-                      </a:pPr>
-                      <a:r>
-                        <a:rPr lang="en-US" sz="1200" b="1">
-                          <a:solidFill>
-                            <a:schemeClr val="tx1"/>
-                          </a:solidFill>
-                          <a:effectLst/>
-                        </a:rPr>
-                        <a:t>Tác Nhân</a:t>
-                      </a:r>
-                      <a:endParaRPr lang="en-US" sz="1200" b="1">
-                        <a:solidFill>
-                          <a:schemeClr val="tx1"/>
-                        </a:solidFill>
-                        <a:effectLst/>
-                        <a:latin typeface="Times New Roman" panose="02020603050405020304" pitchFamily="18" charset="0"/>
-                        <a:ea typeface="Times New Roman" panose="02020603050405020304" pitchFamily="18" charset="0"/>
-                      </a:endParaRPr>
-                    </a:p>
-                  </a:txBody>
-                  <a:tcPr marL="26567" marR="26567" marT="0" marB="0" anchor="ctr">
-                    <a:lnL w="12700" cap="flat" cmpd="sng" algn="ctr">
-                      <a:solidFill>
-                        <a:schemeClr val="tx1"/>
-                      </a:solidFill>
-                      <a:prstDash val="solid"/>
-                      <a:round/>
-                      <a:headEnd type="none" w="med" len="med"/>
-                      <a:tailEnd type="none" w="med" len="med"/>
-                    </a:lnL>
-                    <a:lnR w="12700" cap="flat" cmpd="sng" algn="ctr">
-                      <a:solidFill>
-                        <a:schemeClr val="tx1"/>
-                      </a:solidFill>
-                      <a:prstDash val="solid"/>
-                      <a:round/>
-                      <a:headEnd type="none" w="med" len="med"/>
-                      <a:tailEnd type="none" w="med" len="med"/>
-                    </a:lnR>
-                    <a:lnT w="12700" cap="flat" cmpd="sng" algn="ctr">
-                      <a:solidFill>
-                        <a:schemeClr val="tx1"/>
-                      </a:solidFill>
-                      <a:prstDash val="solid"/>
-                      <a:round/>
-                      <a:headEnd type="none" w="med" len="med"/>
-                      <a:tailEnd type="none" w="med" len="med"/>
-                    </a:lnT>
-                    <a:lnB w="12700" cap="flat" cmpd="sng" algn="ctr">
-                      <a:solidFill>
-                        <a:schemeClr val="tx1"/>
-                      </a:solidFill>
-                      <a:prstDash val="solid"/>
-                      <a:round/>
-                      <a:headEnd type="none" w="med" len="med"/>
-                      <a:tailEnd type="none" w="med" len="med"/>
-                    </a:lnB>
-                    <a:lnTlToBr w="12700" cmpd="sng">
-                      <a:noFill/>
-                      <a:prstDash val="solid"/>
-                    </a:lnTlToBr>
-                    <a:lnBlToTr w="12700" cmpd="sng">
-                      <a:noFill/>
-                      <a:prstDash val="solid"/>
-                    </a:lnBlToTr>
-                    <a:solidFill>
-                      <a:schemeClr val="bg1"/>
-                    </a:solidFill>
-                  </a:tcPr>
-                </a:tc>
-                <a:tc>
-                  <a:txBody>
-                    <a:bodyPr/>
-                    <a:lstStyle/>
-                    <a:p>
-                      <a:pPr marL="0" marR="0" indent="0" algn="just">
-                        <a:lnSpc>
-                          <a:spcPct val="150000"/>
-                        </a:lnSpc>
-                        <a:spcBef>
-                          <a:spcPts val="0"/>
-                        </a:spcBef>
-                        <a:spcAft>
-                          <a:spcPts val="0"/>
-                        </a:spcAft>
-                      </a:pPr>
-                      <a:r>
-                        <a:rPr lang="en-US" sz="1200" b="1">
-                          <a:solidFill>
-                            <a:schemeClr val="tx1"/>
-                          </a:solidFill>
-                          <a:effectLst/>
-                        </a:rPr>
-                        <a:t>Hệ Thống</a:t>
-                      </a:r>
-                      <a:endParaRPr lang="en-US" sz="1200" b="1">
-                        <a:solidFill>
-                          <a:schemeClr val="tx1"/>
-                        </a:solidFill>
-                        <a:effectLst/>
-                        <a:latin typeface="Times New Roman" panose="02020603050405020304" pitchFamily="18" charset="0"/>
-                        <a:ea typeface="Times New Roman" panose="02020603050405020304" pitchFamily="18" charset="0"/>
-                      </a:endParaRPr>
-                    </a:p>
-                  </a:txBody>
-                  <a:tcPr marL="26567" marR="26567" marT="0" marB="0" anchor="ctr">
-                    <a:lnL w="12700" cap="flat" cmpd="sng" algn="ctr">
-                      <a:solidFill>
-                        <a:schemeClr val="tx1"/>
-                      </a:solidFill>
-                      <a:prstDash val="solid"/>
-                      <a:round/>
-                      <a:headEnd type="none" w="med" len="med"/>
-                      <a:tailEnd type="none" w="med" len="med"/>
-                    </a:lnL>
-                    <a:lnR w="12700" cap="flat" cmpd="sng" algn="ctr">
-                      <a:solidFill>
-                        <a:schemeClr val="tx1"/>
-                      </a:solidFill>
-                      <a:prstDash val="solid"/>
-                      <a:round/>
-                      <a:headEnd type="none" w="med" len="med"/>
-                      <a:tailEnd type="none" w="med" len="med"/>
-                    </a:lnR>
-                    <a:lnT w="12700" cap="flat" cmpd="sng" algn="ctr">
-                      <a:solidFill>
-                        <a:schemeClr val="tx1"/>
-                      </a:solidFill>
-                      <a:prstDash val="solid"/>
-                      <a:round/>
-                      <a:headEnd type="none" w="med" len="med"/>
-                      <a:tailEnd type="none" w="med" len="med"/>
-                    </a:lnT>
-                    <a:lnB w="12700" cap="flat" cmpd="sng" algn="ctr">
-                      <a:solidFill>
-                        <a:schemeClr val="tx1"/>
-                      </a:solidFill>
-                      <a:prstDash val="solid"/>
-                      <a:round/>
-                      <a:headEnd type="none" w="med" len="med"/>
-                      <a:tailEnd type="none" w="med" len="med"/>
-                    </a:lnB>
-                    <a:lnTlToBr w="12700" cmpd="sng">
-                      <a:noFill/>
-                      <a:prstDash val="solid"/>
-                    </a:lnTlToBr>
-                    <a:lnBlToTr w="12700" cmpd="sng">
-                      <a:noFill/>
-                      <a:prstDash val="solid"/>
-                    </a:lnBlToTr>
-                    <a:solidFill>
-                      <a:schemeClr val="bg1"/>
-                    </a:solidFill>
-                  </a:tcPr>
-                </a:tc>
-                <a:extLst>
-                  <a:ext uri="{0D108BD9-81ED-4DB2-BD59-A6C34878D82A}">
-                    <a16:rowId xmlns:a16="http://schemas.microsoft.com/office/drawing/2014/main" val="2070046318"/>
-                  </a:ext>
-                </a:extLst>
-              </a:tr>
-              <a:tr h="410117">
-                <a:tc>
-                  <a:txBody>
-                    <a:bodyPr/>
-                    <a:lstStyle/>
-                    <a:p>
-                      <a:pPr marL="0" marR="0" lvl="0" indent="0" algn="just">
-                        <a:lnSpc>
-                          <a:spcPct val="150000"/>
-                        </a:lnSpc>
-                        <a:spcBef>
-                          <a:spcPts val="0"/>
-                        </a:spcBef>
-                        <a:spcAft>
-                          <a:spcPts val="0"/>
-                        </a:spcAft>
-                        <a:buFont typeface="+mj-lt"/>
-                        <a:buNone/>
-                      </a:pPr>
-                      <a:r>
-                        <a:rPr lang="en-US" sz="1200" b="0">
-                          <a:solidFill>
-                            <a:schemeClr val="tx1"/>
-                          </a:solidFill>
-                          <a:effectLst/>
-                        </a:rPr>
-                        <a:t>1.Người dùng chọn vào mục Danh sách liên hệ</a:t>
-                      </a:r>
-                      <a:endParaRPr lang="en-US" sz="1200" b="0">
-                        <a:solidFill>
-                          <a:schemeClr val="tx1"/>
-                        </a:solidFill>
-                        <a:effectLst/>
-                        <a:latin typeface="Times New Roman" panose="02020603050405020304" pitchFamily="18" charset="0"/>
-                        <a:ea typeface="Times New Roman" panose="02020603050405020304" pitchFamily="18" charset="0"/>
-                      </a:endParaRPr>
-                    </a:p>
-                  </a:txBody>
-                  <a:tcPr marL="26567" marR="26567" marT="0" marB="0" anchor="ctr">
-                    <a:lnL w="12700" cap="flat" cmpd="sng" algn="ctr">
-                      <a:solidFill>
-                        <a:schemeClr val="tx1"/>
-                      </a:solidFill>
-                      <a:prstDash val="solid"/>
-                      <a:round/>
-                      <a:headEnd type="none" w="med" len="med"/>
-                      <a:tailEnd type="none" w="med" len="med"/>
-                    </a:lnL>
-                    <a:lnR w="12700" cap="flat" cmpd="sng" algn="ctr">
-                      <a:solidFill>
-                        <a:schemeClr val="tx1"/>
-                      </a:solidFill>
-                      <a:prstDash val="solid"/>
-                      <a:round/>
-                      <a:headEnd type="none" w="med" len="med"/>
-                      <a:tailEnd type="none" w="med" len="med"/>
-                    </a:lnR>
-                    <a:lnT w="12700" cap="flat" cmpd="sng" algn="ctr">
-                      <a:solidFill>
-                        <a:schemeClr val="tx1"/>
-                      </a:solidFill>
-                      <a:prstDash val="solid"/>
-                      <a:round/>
-                      <a:headEnd type="none" w="med" len="med"/>
-                      <a:tailEnd type="none" w="med" len="med"/>
-                    </a:lnT>
-                    <a:lnB w="12700" cap="flat" cmpd="sng" algn="ctr">
-                      <a:solidFill>
-                        <a:schemeClr val="tx1"/>
-                      </a:solidFill>
-                      <a:prstDash val="solid"/>
-                      <a:round/>
-                      <a:headEnd type="none" w="med" len="med"/>
-                      <a:tailEnd type="none" w="med" len="med"/>
-                    </a:lnB>
-                    <a:lnTlToBr w="12700" cmpd="sng">
-                      <a:noFill/>
-                      <a:prstDash val="solid"/>
-                    </a:lnTlToBr>
-                    <a:lnBlToTr w="12700" cmpd="sng">
-                      <a:noFill/>
-                      <a:prstDash val="solid"/>
-                    </a:lnBlToTr>
-                    <a:solidFill>
-                      <a:schemeClr val="bg1"/>
-                    </a:solidFill>
-                  </a:tcPr>
-                </a:tc>
-                <a:tc>
-                  <a:txBody>
-                    <a:bodyPr/>
-                    <a:lstStyle/>
-                    <a:p>
-                      <a:pPr marL="0" marR="0" indent="0" algn="just">
-                        <a:lnSpc>
-                          <a:spcPct val="150000"/>
-                        </a:lnSpc>
-                        <a:spcBef>
-                          <a:spcPts val="0"/>
-                        </a:spcBef>
-                        <a:spcAft>
-                          <a:spcPts val="0"/>
-                        </a:spcAft>
-                      </a:pPr>
-                      <a:r>
-                        <a:rPr lang="en-US" sz="1200" b="0">
-                          <a:solidFill>
-                            <a:schemeClr val="tx1"/>
-                          </a:solidFill>
-                          <a:effectLst/>
-                        </a:rPr>
-                        <a:t> </a:t>
-                      </a:r>
-                      <a:endParaRPr lang="en-US" sz="1200" b="0">
-                        <a:solidFill>
-                          <a:schemeClr val="tx1"/>
-                        </a:solidFill>
-                        <a:effectLst/>
-                        <a:latin typeface="Times New Roman" panose="02020603050405020304" pitchFamily="18" charset="0"/>
-                        <a:ea typeface="Times New Roman" panose="02020603050405020304" pitchFamily="18" charset="0"/>
-                      </a:endParaRPr>
-                    </a:p>
-                  </a:txBody>
-                  <a:tcPr marL="26567" marR="26567" marT="0" marB="0" anchor="ctr">
-                    <a:lnL w="12700" cap="flat" cmpd="sng" algn="ctr">
-                      <a:solidFill>
-                        <a:schemeClr val="tx1"/>
-                      </a:solidFill>
-                      <a:prstDash val="solid"/>
-                      <a:round/>
-                      <a:headEnd type="none" w="med" len="med"/>
-                      <a:tailEnd type="none" w="med" len="med"/>
-                    </a:lnL>
-                    <a:lnR w="12700" cap="flat" cmpd="sng" algn="ctr">
-                      <a:solidFill>
-                        <a:schemeClr val="tx1"/>
-                      </a:solidFill>
-                      <a:prstDash val="solid"/>
-                      <a:round/>
-                      <a:headEnd type="none" w="med" len="med"/>
-                      <a:tailEnd type="none" w="med" len="med"/>
-                    </a:lnR>
-                    <a:lnT w="12700" cap="flat" cmpd="sng" algn="ctr">
-                      <a:solidFill>
-                        <a:schemeClr val="tx1"/>
-                      </a:solidFill>
-                      <a:prstDash val="solid"/>
-                      <a:round/>
-                      <a:headEnd type="none" w="med" len="med"/>
-                      <a:tailEnd type="none" w="med" len="med"/>
-                    </a:lnT>
-                    <a:lnB w="12700" cap="flat" cmpd="sng" algn="ctr">
-                      <a:solidFill>
-                        <a:schemeClr val="tx1"/>
-                      </a:solidFill>
-                      <a:prstDash val="solid"/>
-                      <a:round/>
-                      <a:headEnd type="none" w="med" len="med"/>
-                      <a:tailEnd type="none" w="med" len="med"/>
-                    </a:lnB>
-                    <a:lnTlToBr w="12700" cmpd="sng">
-                      <a:noFill/>
-                      <a:prstDash val="solid"/>
-                    </a:lnTlToBr>
-                    <a:lnBlToTr w="12700" cmpd="sng">
-                      <a:noFill/>
-                      <a:prstDash val="solid"/>
-                    </a:lnBlToTr>
-                    <a:solidFill>
-                      <a:schemeClr val="bg1"/>
-                    </a:solidFill>
-                  </a:tcPr>
-                </a:tc>
-                <a:extLst>
-                  <a:ext uri="{0D108BD9-81ED-4DB2-BD59-A6C34878D82A}">
-                    <a16:rowId xmlns:a16="http://schemas.microsoft.com/office/drawing/2014/main" val="4216868347"/>
-                  </a:ext>
-                </a:extLst>
-              </a:tr>
-              <a:tr h="410117">
-                <a:tc>
-                  <a:txBody>
-                    <a:bodyPr/>
-                    <a:lstStyle/>
-                    <a:p>
-                      <a:pPr marL="0" marR="0" indent="0" algn="just">
-                        <a:lnSpc>
-                          <a:spcPct val="150000"/>
-                        </a:lnSpc>
-                        <a:spcBef>
-                          <a:spcPts val="0"/>
-                        </a:spcBef>
-                        <a:spcAft>
-                          <a:spcPts val="0"/>
-                        </a:spcAft>
-                      </a:pPr>
-                      <a:r>
-                        <a:rPr lang="en-US" sz="1200" b="0">
-                          <a:solidFill>
-                            <a:schemeClr val="tx1"/>
-                          </a:solidFill>
-                          <a:effectLst/>
-                        </a:rPr>
-                        <a:t> </a:t>
-                      </a:r>
-                      <a:endParaRPr lang="en-US" sz="1200" b="0">
-                        <a:solidFill>
-                          <a:schemeClr val="tx1"/>
-                        </a:solidFill>
-                        <a:effectLst/>
-                        <a:latin typeface="Times New Roman" panose="02020603050405020304" pitchFamily="18" charset="0"/>
-                        <a:ea typeface="Times New Roman" panose="02020603050405020304" pitchFamily="18" charset="0"/>
-                      </a:endParaRPr>
-                    </a:p>
-                  </a:txBody>
-                  <a:tcPr marL="26567" marR="26567" marT="0" marB="0" anchor="ctr">
-                    <a:lnL w="12700" cap="flat" cmpd="sng" algn="ctr">
-                      <a:solidFill>
-                        <a:schemeClr val="tx1"/>
-                      </a:solidFill>
-                      <a:prstDash val="solid"/>
-                      <a:round/>
-                      <a:headEnd type="none" w="med" len="med"/>
-                      <a:tailEnd type="none" w="med" len="med"/>
-                    </a:lnL>
-                    <a:lnR w="12700" cap="flat" cmpd="sng" algn="ctr">
-                      <a:solidFill>
-                        <a:schemeClr val="tx1"/>
-                      </a:solidFill>
-                      <a:prstDash val="solid"/>
-                      <a:round/>
-                      <a:headEnd type="none" w="med" len="med"/>
-                      <a:tailEnd type="none" w="med" len="med"/>
-                    </a:lnR>
-                    <a:lnT w="12700" cap="flat" cmpd="sng" algn="ctr">
-                      <a:solidFill>
-                        <a:schemeClr val="tx1"/>
-                      </a:solidFill>
-                      <a:prstDash val="solid"/>
-                      <a:round/>
-                      <a:headEnd type="none" w="med" len="med"/>
-                      <a:tailEnd type="none" w="med" len="med"/>
-                    </a:lnT>
-                    <a:lnB w="12700" cap="flat" cmpd="sng" algn="ctr">
-                      <a:solidFill>
-                        <a:schemeClr val="tx1"/>
-                      </a:solidFill>
-                      <a:prstDash val="solid"/>
-                      <a:round/>
-                      <a:headEnd type="none" w="med" len="med"/>
-                      <a:tailEnd type="none" w="med" len="med"/>
-                    </a:lnB>
-                    <a:lnTlToBr w="12700" cmpd="sng">
-                      <a:noFill/>
-                      <a:prstDash val="solid"/>
-                    </a:lnTlToBr>
-                    <a:lnBlToTr w="12700" cmpd="sng">
-                      <a:noFill/>
-                      <a:prstDash val="solid"/>
-                    </a:lnBlToTr>
-                    <a:solidFill>
-                      <a:schemeClr val="bg1"/>
-                    </a:solidFill>
-                  </a:tcPr>
-                </a:tc>
-                <a:tc>
-                  <a:txBody>
-                    <a:bodyPr/>
-                    <a:lstStyle/>
-                    <a:p>
-                      <a:pPr marL="0" marR="0" lvl="0" indent="0" algn="just">
-                        <a:lnSpc>
-                          <a:spcPct val="150000"/>
-                        </a:lnSpc>
-                        <a:spcBef>
-                          <a:spcPts val="0"/>
-                        </a:spcBef>
-                        <a:spcAft>
-                          <a:spcPts val="0"/>
-                        </a:spcAft>
-                        <a:buFont typeface="+mj-lt"/>
-                        <a:buNone/>
-                      </a:pPr>
-                      <a:r>
-                        <a:rPr lang="en-US" sz="1200" b="0">
-                          <a:solidFill>
-                            <a:schemeClr val="tx1"/>
-                          </a:solidFill>
-                          <a:effectLst/>
-                        </a:rPr>
-                        <a:t>2.Hệ thống hiển thị danh sách bạn bè được kết bạn</a:t>
-                      </a:r>
-                      <a:endParaRPr lang="en-US" sz="1200" b="0">
-                        <a:solidFill>
-                          <a:schemeClr val="tx1"/>
-                        </a:solidFill>
-                        <a:effectLst/>
-                        <a:latin typeface="Times New Roman" panose="02020603050405020304" pitchFamily="18" charset="0"/>
-                        <a:ea typeface="Times New Roman" panose="02020603050405020304" pitchFamily="18" charset="0"/>
-                      </a:endParaRPr>
-                    </a:p>
-                  </a:txBody>
-                  <a:tcPr marL="26567" marR="26567" marT="0" marB="0" anchor="ctr">
-                    <a:lnL w="12700" cap="flat" cmpd="sng" algn="ctr">
-                      <a:solidFill>
-                        <a:schemeClr val="tx1"/>
-                      </a:solidFill>
-                      <a:prstDash val="solid"/>
-                      <a:round/>
-                      <a:headEnd type="none" w="med" len="med"/>
-                      <a:tailEnd type="none" w="med" len="med"/>
-                    </a:lnL>
-                    <a:lnR w="12700" cap="flat" cmpd="sng" algn="ctr">
-                      <a:solidFill>
-                        <a:schemeClr val="tx1"/>
-                      </a:solidFill>
-                      <a:prstDash val="solid"/>
-                      <a:round/>
-                      <a:headEnd type="none" w="med" len="med"/>
-                      <a:tailEnd type="none" w="med" len="med"/>
-                    </a:lnR>
-                    <a:lnT w="12700" cap="flat" cmpd="sng" algn="ctr">
-                      <a:solidFill>
-                        <a:schemeClr val="tx1"/>
-                      </a:solidFill>
-                      <a:prstDash val="solid"/>
-                      <a:round/>
-                      <a:headEnd type="none" w="med" len="med"/>
-                      <a:tailEnd type="none" w="med" len="med"/>
-                    </a:lnT>
-                    <a:lnB w="12700" cap="flat" cmpd="sng" algn="ctr">
-                      <a:solidFill>
-                        <a:schemeClr val="tx1"/>
-                      </a:solidFill>
-                      <a:prstDash val="solid"/>
-                      <a:round/>
-                      <a:headEnd type="none" w="med" len="med"/>
-                      <a:tailEnd type="none" w="med" len="med"/>
-                    </a:lnB>
-                    <a:lnTlToBr w="12700" cmpd="sng">
-                      <a:noFill/>
-                      <a:prstDash val="solid"/>
-                    </a:lnTlToBr>
-                    <a:lnBlToTr w="12700" cmpd="sng">
-                      <a:noFill/>
-                      <a:prstDash val="solid"/>
-                    </a:lnBlToTr>
-                    <a:solidFill>
-                      <a:schemeClr val="bg1"/>
-                    </a:solidFill>
-                  </a:tcPr>
-                </a:tc>
-                <a:extLst>
-                  <a:ext uri="{0D108BD9-81ED-4DB2-BD59-A6C34878D82A}">
-                    <a16:rowId xmlns:a16="http://schemas.microsoft.com/office/drawing/2014/main" val="63386319"/>
-                  </a:ext>
-                </a:extLst>
-              </a:tr>
-              <a:tr h="410117">
-                <a:tc>
-                  <a:txBody>
-                    <a:bodyPr/>
-                    <a:lstStyle/>
-                    <a:p>
-                      <a:pPr marL="0" marR="0" lvl="0" indent="0" algn="just">
-                        <a:lnSpc>
-                          <a:spcPct val="150000"/>
-                        </a:lnSpc>
-                        <a:spcBef>
-                          <a:spcPts val="0"/>
-                        </a:spcBef>
-                        <a:spcAft>
-                          <a:spcPts val="0"/>
-                        </a:spcAft>
-                        <a:buFont typeface="+mj-lt"/>
-                        <a:buNone/>
-                      </a:pPr>
-                      <a:r>
-                        <a:rPr lang="en-US" sz="1200" b="0">
-                          <a:solidFill>
-                            <a:schemeClr val="tx1"/>
-                          </a:solidFill>
-                          <a:effectLst/>
-                        </a:rPr>
-                        <a:t>3.Người dùng chọn chức năng thêm bạn bằng số điện thoại</a:t>
-                      </a:r>
-                      <a:endParaRPr lang="en-US" sz="1200" b="0">
-                        <a:solidFill>
-                          <a:schemeClr val="tx1"/>
-                        </a:solidFill>
-                        <a:effectLst/>
-                        <a:latin typeface="Times New Roman" panose="02020603050405020304" pitchFamily="18" charset="0"/>
-                        <a:ea typeface="Times New Roman" panose="02020603050405020304" pitchFamily="18" charset="0"/>
-                      </a:endParaRPr>
-                    </a:p>
-                  </a:txBody>
-                  <a:tcPr marL="26567" marR="26567" marT="0" marB="0" anchor="ctr">
-                    <a:lnL w="12700" cap="flat" cmpd="sng" algn="ctr">
-                      <a:solidFill>
-                        <a:schemeClr val="tx1"/>
-                      </a:solidFill>
-                      <a:prstDash val="solid"/>
-                      <a:round/>
-                      <a:headEnd type="none" w="med" len="med"/>
-                      <a:tailEnd type="none" w="med" len="med"/>
-                    </a:lnL>
-                    <a:lnR w="12700" cap="flat" cmpd="sng" algn="ctr">
-                      <a:solidFill>
-                        <a:schemeClr val="tx1"/>
-                      </a:solidFill>
-                      <a:prstDash val="solid"/>
-                      <a:round/>
-                      <a:headEnd type="none" w="med" len="med"/>
-                      <a:tailEnd type="none" w="med" len="med"/>
-                    </a:lnR>
-                    <a:lnT w="12700" cap="flat" cmpd="sng" algn="ctr">
-                      <a:solidFill>
-                        <a:schemeClr val="tx1"/>
-                      </a:solidFill>
-                      <a:prstDash val="solid"/>
-                      <a:round/>
-                      <a:headEnd type="none" w="med" len="med"/>
-                      <a:tailEnd type="none" w="med" len="med"/>
-                    </a:lnT>
-                    <a:lnB w="12700" cap="flat" cmpd="sng" algn="ctr">
-                      <a:solidFill>
-                        <a:schemeClr val="tx1"/>
-                      </a:solidFill>
-                      <a:prstDash val="solid"/>
-                      <a:round/>
-                      <a:headEnd type="none" w="med" len="med"/>
-                      <a:tailEnd type="none" w="med" len="med"/>
-                    </a:lnB>
-                    <a:lnTlToBr w="12700" cmpd="sng">
-                      <a:noFill/>
-                      <a:prstDash val="solid"/>
-                    </a:lnTlToBr>
-                    <a:lnBlToTr w="12700" cmpd="sng">
-                      <a:noFill/>
-                      <a:prstDash val="solid"/>
-                    </a:lnBlToTr>
-                    <a:solidFill>
-                      <a:schemeClr val="bg1"/>
-                    </a:solidFill>
-                  </a:tcPr>
-                </a:tc>
-                <a:tc>
-                  <a:txBody>
-                    <a:bodyPr/>
-                    <a:lstStyle/>
-                    <a:p>
-                      <a:pPr marL="0" marR="0" indent="0" algn="just">
-                        <a:lnSpc>
-                          <a:spcPct val="150000"/>
-                        </a:lnSpc>
-                        <a:spcBef>
-                          <a:spcPts val="0"/>
-                        </a:spcBef>
-                        <a:spcAft>
-                          <a:spcPts val="0"/>
-                        </a:spcAft>
-                      </a:pPr>
-                      <a:r>
-                        <a:rPr lang="en-US" sz="1200" b="0">
-                          <a:solidFill>
-                            <a:schemeClr val="tx1"/>
-                          </a:solidFill>
-                          <a:effectLst/>
-                        </a:rPr>
-                        <a:t> </a:t>
-                      </a:r>
-                      <a:endParaRPr lang="en-US" sz="1200" b="0">
-                        <a:solidFill>
-                          <a:schemeClr val="tx1"/>
-                        </a:solidFill>
-                        <a:effectLst/>
-                        <a:latin typeface="Times New Roman" panose="02020603050405020304" pitchFamily="18" charset="0"/>
-                        <a:ea typeface="Times New Roman" panose="02020603050405020304" pitchFamily="18" charset="0"/>
-                      </a:endParaRPr>
-                    </a:p>
-                  </a:txBody>
-                  <a:tcPr marL="26567" marR="26567" marT="0" marB="0" anchor="ctr">
-                    <a:lnL w="12700" cap="flat" cmpd="sng" algn="ctr">
-                      <a:solidFill>
-                        <a:schemeClr val="tx1"/>
-                      </a:solidFill>
-                      <a:prstDash val="solid"/>
-                      <a:round/>
-                      <a:headEnd type="none" w="med" len="med"/>
-                      <a:tailEnd type="none" w="med" len="med"/>
-                    </a:lnL>
-                    <a:lnR w="12700" cap="flat" cmpd="sng" algn="ctr">
-                      <a:solidFill>
-                        <a:schemeClr val="tx1"/>
-                      </a:solidFill>
-                      <a:prstDash val="solid"/>
-                      <a:round/>
-                      <a:headEnd type="none" w="med" len="med"/>
-                      <a:tailEnd type="none" w="med" len="med"/>
-                    </a:lnR>
-                    <a:lnT w="12700" cap="flat" cmpd="sng" algn="ctr">
-                      <a:solidFill>
-                        <a:schemeClr val="tx1"/>
-                      </a:solidFill>
-                      <a:prstDash val="solid"/>
-                      <a:round/>
-                      <a:headEnd type="none" w="med" len="med"/>
-                      <a:tailEnd type="none" w="med" len="med"/>
-                    </a:lnT>
-                    <a:lnB w="12700" cap="flat" cmpd="sng" algn="ctr">
-                      <a:solidFill>
-                        <a:schemeClr val="tx1"/>
-                      </a:solidFill>
-                      <a:prstDash val="solid"/>
-                      <a:round/>
-                      <a:headEnd type="none" w="med" len="med"/>
-                      <a:tailEnd type="none" w="med" len="med"/>
-                    </a:lnB>
-                    <a:lnTlToBr w="12700" cmpd="sng">
-                      <a:noFill/>
-                      <a:prstDash val="solid"/>
-                    </a:lnTlToBr>
-                    <a:lnBlToTr w="12700" cmpd="sng">
-                      <a:noFill/>
-                      <a:prstDash val="solid"/>
-                    </a:lnBlToTr>
-                    <a:solidFill>
-                      <a:schemeClr val="bg1"/>
-                    </a:solidFill>
-                  </a:tcPr>
-                </a:tc>
-                <a:extLst>
-                  <a:ext uri="{0D108BD9-81ED-4DB2-BD59-A6C34878D82A}">
-                    <a16:rowId xmlns:a16="http://schemas.microsoft.com/office/drawing/2014/main" val="539159060"/>
-                  </a:ext>
-                </a:extLst>
-              </a:tr>
-              <a:tr h="410117">
-                <a:tc>
-                  <a:txBody>
-                    <a:bodyPr/>
-                    <a:lstStyle/>
-                    <a:p>
-                      <a:pPr marL="0" marR="0" indent="0" algn="just">
-                        <a:lnSpc>
-                          <a:spcPct val="150000"/>
-                        </a:lnSpc>
-                        <a:spcBef>
-                          <a:spcPts val="0"/>
-                        </a:spcBef>
-                        <a:spcAft>
-                          <a:spcPts val="0"/>
-                        </a:spcAft>
-                      </a:pPr>
-                      <a:r>
-                        <a:rPr lang="en-US" sz="1200" b="0">
-                          <a:solidFill>
-                            <a:schemeClr val="tx1"/>
-                          </a:solidFill>
-                          <a:effectLst/>
-                        </a:rPr>
-                        <a:t> </a:t>
-                      </a:r>
-                      <a:endParaRPr lang="en-US" sz="1200" b="0">
-                        <a:solidFill>
-                          <a:schemeClr val="tx1"/>
-                        </a:solidFill>
-                        <a:effectLst/>
-                        <a:latin typeface="Times New Roman" panose="02020603050405020304" pitchFamily="18" charset="0"/>
-                        <a:ea typeface="Times New Roman" panose="02020603050405020304" pitchFamily="18" charset="0"/>
-                      </a:endParaRPr>
-                    </a:p>
-                  </a:txBody>
-                  <a:tcPr marL="26567" marR="26567" marT="0" marB="0" anchor="ctr">
-                    <a:lnL w="12700" cap="flat" cmpd="sng" algn="ctr">
-                      <a:solidFill>
-                        <a:schemeClr val="tx1"/>
-                      </a:solidFill>
-                      <a:prstDash val="solid"/>
-                      <a:round/>
-                      <a:headEnd type="none" w="med" len="med"/>
-                      <a:tailEnd type="none" w="med" len="med"/>
-                    </a:lnL>
-                    <a:lnR w="12700" cap="flat" cmpd="sng" algn="ctr">
-                      <a:solidFill>
-                        <a:schemeClr val="tx1"/>
-                      </a:solidFill>
-                      <a:prstDash val="solid"/>
-                      <a:round/>
-                      <a:headEnd type="none" w="med" len="med"/>
-                      <a:tailEnd type="none" w="med" len="med"/>
-                    </a:lnR>
-                    <a:lnT w="12700" cap="flat" cmpd="sng" algn="ctr">
-                      <a:solidFill>
-                        <a:schemeClr val="tx1"/>
-                      </a:solidFill>
-                      <a:prstDash val="solid"/>
-                      <a:round/>
-                      <a:headEnd type="none" w="med" len="med"/>
-                      <a:tailEnd type="none" w="med" len="med"/>
-                    </a:lnT>
-                    <a:lnB w="12700" cap="flat" cmpd="sng" algn="ctr">
-                      <a:solidFill>
-                        <a:schemeClr val="tx1"/>
-                      </a:solidFill>
-                      <a:prstDash val="solid"/>
-                      <a:round/>
-                      <a:headEnd type="none" w="med" len="med"/>
-                      <a:tailEnd type="none" w="med" len="med"/>
-                    </a:lnB>
-                    <a:lnTlToBr w="12700" cmpd="sng">
-                      <a:noFill/>
-                      <a:prstDash val="solid"/>
-                    </a:lnTlToBr>
-                    <a:lnBlToTr w="12700" cmpd="sng">
-                      <a:noFill/>
-                      <a:prstDash val="solid"/>
-                    </a:lnBlToTr>
-                    <a:solidFill>
-                      <a:schemeClr val="bg1"/>
-                    </a:solidFill>
-                  </a:tcPr>
-                </a:tc>
-                <a:tc>
-                  <a:txBody>
-                    <a:bodyPr/>
-                    <a:lstStyle/>
-                    <a:p>
-                      <a:pPr marL="0" marR="0" lvl="0" indent="0" algn="just">
-                        <a:lnSpc>
-                          <a:spcPct val="150000"/>
-                        </a:lnSpc>
-                        <a:spcBef>
-                          <a:spcPts val="0"/>
-                        </a:spcBef>
-                        <a:spcAft>
-                          <a:spcPts val="0"/>
-                        </a:spcAft>
-                        <a:buFont typeface="+mj-lt"/>
-                        <a:buNone/>
-                      </a:pPr>
-                      <a:r>
-                        <a:rPr lang="en-US" sz="1200" b="0">
-                          <a:solidFill>
-                            <a:schemeClr val="tx1"/>
-                          </a:solidFill>
-                          <a:effectLst/>
-                        </a:rPr>
-                        <a:t>4.Hệ thống hiển thị form nhập số điện thoại để kết bạn </a:t>
-                      </a:r>
-                      <a:endParaRPr lang="en-US" sz="1200" b="0">
-                        <a:solidFill>
-                          <a:schemeClr val="tx1"/>
-                        </a:solidFill>
-                        <a:effectLst/>
-                        <a:latin typeface="Times New Roman" panose="02020603050405020304" pitchFamily="18" charset="0"/>
-                        <a:ea typeface="Times New Roman" panose="02020603050405020304" pitchFamily="18" charset="0"/>
-                      </a:endParaRPr>
-                    </a:p>
-                  </a:txBody>
-                  <a:tcPr marL="26567" marR="26567" marT="0" marB="0" anchor="ctr">
-                    <a:lnL w="12700" cap="flat" cmpd="sng" algn="ctr">
-                      <a:solidFill>
-                        <a:schemeClr val="tx1"/>
-                      </a:solidFill>
-                      <a:prstDash val="solid"/>
-                      <a:round/>
-                      <a:headEnd type="none" w="med" len="med"/>
-                      <a:tailEnd type="none" w="med" len="med"/>
-                    </a:lnL>
-                    <a:lnR w="12700" cap="flat" cmpd="sng" algn="ctr">
-                      <a:solidFill>
-                        <a:schemeClr val="tx1"/>
-                      </a:solidFill>
-                      <a:prstDash val="solid"/>
-                      <a:round/>
-                      <a:headEnd type="none" w="med" len="med"/>
-                      <a:tailEnd type="none" w="med" len="med"/>
-                    </a:lnR>
-                    <a:lnT w="12700" cap="flat" cmpd="sng" algn="ctr">
-                      <a:solidFill>
-                        <a:schemeClr val="tx1"/>
-                      </a:solidFill>
-                      <a:prstDash val="solid"/>
-                      <a:round/>
-                      <a:headEnd type="none" w="med" len="med"/>
-                      <a:tailEnd type="none" w="med" len="med"/>
-                    </a:lnT>
-                    <a:lnB w="12700" cap="flat" cmpd="sng" algn="ctr">
-                      <a:solidFill>
-                        <a:schemeClr val="tx1"/>
-                      </a:solidFill>
-                      <a:prstDash val="solid"/>
-                      <a:round/>
-                      <a:headEnd type="none" w="med" len="med"/>
-                      <a:tailEnd type="none" w="med" len="med"/>
-                    </a:lnB>
-                    <a:lnTlToBr w="12700" cmpd="sng">
-                      <a:noFill/>
-                      <a:prstDash val="solid"/>
-                    </a:lnTlToBr>
-                    <a:lnBlToTr w="12700" cmpd="sng">
-                      <a:noFill/>
-                      <a:prstDash val="solid"/>
-                    </a:lnBlToTr>
-                    <a:solidFill>
-                      <a:schemeClr val="bg1"/>
-                    </a:solidFill>
-                  </a:tcPr>
-                </a:tc>
-                <a:extLst>
-                  <a:ext uri="{0D108BD9-81ED-4DB2-BD59-A6C34878D82A}">
-                    <a16:rowId xmlns:a16="http://schemas.microsoft.com/office/drawing/2014/main" val="3235994394"/>
-                  </a:ext>
-                </a:extLst>
-              </a:tr>
-              <a:tr h="191985">
-                <a:tc>
-                  <a:txBody>
-                    <a:bodyPr/>
-                    <a:lstStyle/>
-                    <a:p>
-                      <a:pPr marL="0" marR="0" lvl="0" indent="0" algn="just">
-                        <a:lnSpc>
-                          <a:spcPct val="150000"/>
-                        </a:lnSpc>
-                        <a:spcBef>
-                          <a:spcPts val="0"/>
-                        </a:spcBef>
-                        <a:spcAft>
-                          <a:spcPts val="0"/>
-                        </a:spcAft>
-                        <a:buFont typeface="+mj-lt"/>
-                        <a:buNone/>
-                      </a:pPr>
-                      <a:r>
-                        <a:rPr lang="en-US" sz="1200" b="0">
-                          <a:solidFill>
-                            <a:schemeClr val="tx1"/>
-                          </a:solidFill>
-                          <a:effectLst/>
-                        </a:rPr>
-                        <a:t>5.Người dùng nhập số điện thoại </a:t>
-                      </a:r>
-                      <a:endParaRPr lang="en-US" sz="1200" b="0">
-                        <a:solidFill>
-                          <a:schemeClr val="tx1"/>
-                        </a:solidFill>
-                        <a:effectLst/>
-                        <a:latin typeface="Times New Roman" panose="02020603050405020304" pitchFamily="18" charset="0"/>
-                        <a:ea typeface="Times New Roman" panose="02020603050405020304" pitchFamily="18" charset="0"/>
-                      </a:endParaRPr>
-                    </a:p>
-                  </a:txBody>
-                  <a:tcPr marL="26567" marR="26567" marT="0" marB="0" anchor="ctr">
-                    <a:lnL w="12700" cap="flat" cmpd="sng" algn="ctr">
-                      <a:solidFill>
-                        <a:schemeClr val="tx1"/>
-                      </a:solidFill>
-                      <a:prstDash val="solid"/>
-                      <a:round/>
-                      <a:headEnd type="none" w="med" len="med"/>
-                      <a:tailEnd type="none" w="med" len="med"/>
-                    </a:lnL>
-                    <a:lnR w="12700" cap="flat" cmpd="sng" algn="ctr">
-                      <a:solidFill>
-                        <a:schemeClr val="tx1"/>
-                      </a:solidFill>
-                      <a:prstDash val="solid"/>
-                      <a:round/>
-                      <a:headEnd type="none" w="med" len="med"/>
-                      <a:tailEnd type="none" w="med" len="med"/>
-                    </a:lnR>
-                    <a:lnT w="12700" cap="flat" cmpd="sng" algn="ctr">
-                      <a:solidFill>
-                        <a:schemeClr val="tx1"/>
-                      </a:solidFill>
-                      <a:prstDash val="solid"/>
-                      <a:round/>
-                      <a:headEnd type="none" w="med" len="med"/>
-                      <a:tailEnd type="none" w="med" len="med"/>
-                    </a:lnT>
-                    <a:lnB w="12700" cap="flat" cmpd="sng" algn="ctr">
-                      <a:solidFill>
-                        <a:schemeClr val="tx1"/>
-                      </a:solidFill>
-                      <a:prstDash val="solid"/>
-                      <a:round/>
-                      <a:headEnd type="none" w="med" len="med"/>
-                      <a:tailEnd type="none" w="med" len="med"/>
-                    </a:lnB>
-                    <a:lnTlToBr w="12700" cmpd="sng">
-                      <a:noFill/>
-                      <a:prstDash val="solid"/>
-                    </a:lnTlToBr>
-                    <a:lnBlToTr w="12700" cmpd="sng">
-                      <a:noFill/>
-                      <a:prstDash val="solid"/>
-                    </a:lnBlToTr>
-                    <a:solidFill>
-                      <a:schemeClr val="bg1"/>
-                    </a:solidFill>
-                  </a:tcPr>
-                </a:tc>
-                <a:tc>
-                  <a:txBody>
-                    <a:bodyPr/>
-                    <a:lstStyle/>
-                    <a:p>
-                      <a:pPr marL="0" marR="0" indent="0" algn="just">
-                        <a:lnSpc>
-                          <a:spcPct val="150000"/>
-                        </a:lnSpc>
-                        <a:spcBef>
-                          <a:spcPts val="0"/>
-                        </a:spcBef>
-                        <a:spcAft>
-                          <a:spcPts val="0"/>
-                        </a:spcAft>
-                      </a:pPr>
-                      <a:r>
-                        <a:rPr lang="en-US" sz="1200" b="0">
-                          <a:solidFill>
-                            <a:schemeClr val="tx1"/>
-                          </a:solidFill>
-                          <a:effectLst/>
-                        </a:rPr>
-                        <a:t> </a:t>
-                      </a:r>
-                      <a:endParaRPr lang="en-US" sz="1200" b="0">
-                        <a:solidFill>
-                          <a:schemeClr val="tx1"/>
-                        </a:solidFill>
-                        <a:effectLst/>
-                        <a:latin typeface="Times New Roman" panose="02020603050405020304" pitchFamily="18" charset="0"/>
-                        <a:ea typeface="Times New Roman" panose="02020603050405020304" pitchFamily="18" charset="0"/>
-                      </a:endParaRPr>
-                    </a:p>
-                  </a:txBody>
-                  <a:tcPr marL="26567" marR="26567" marT="0" marB="0" anchor="ctr">
-                    <a:lnL w="12700" cap="flat" cmpd="sng" algn="ctr">
-                      <a:solidFill>
-                        <a:schemeClr val="tx1"/>
-                      </a:solidFill>
-                      <a:prstDash val="solid"/>
-                      <a:round/>
-                      <a:headEnd type="none" w="med" len="med"/>
-                      <a:tailEnd type="none" w="med" len="med"/>
-                    </a:lnL>
-                    <a:lnR w="12700" cap="flat" cmpd="sng" algn="ctr">
-                      <a:solidFill>
-                        <a:schemeClr val="tx1"/>
-                      </a:solidFill>
-                      <a:prstDash val="solid"/>
-                      <a:round/>
-                      <a:headEnd type="none" w="med" len="med"/>
-                      <a:tailEnd type="none" w="med" len="med"/>
-                    </a:lnR>
-                    <a:lnT w="12700" cap="flat" cmpd="sng" algn="ctr">
-                      <a:solidFill>
-                        <a:schemeClr val="tx1"/>
-                      </a:solidFill>
-                      <a:prstDash val="solid"/>
-                      <a:round/>
-                      <a:headEnd type="none" w="med" len="med"/>
-                      <a:tailEnd type="none" w="med" len="med"/>
-                    </a:lnT>
-                    <a:lnB w="12700" cap="flat" cmpd="sng" algn="ctr">
-                      <a:solidFill>
-                        <a:schemeClr val="tx1"/>
-                      </a:solidFill>
-                      <a:prstDash val="solid"/>
-                      <a:round/>
-                      <a:headEnd type="none" w="med" len="med"/>
-                      <a:tailEnd type="none" w="med" len="med"/>
-                    </a:lnB>
-                    <a:lnTlToBr w="12700" cmpd="sng">
-                      <a:noFill/>
-                      <a:prstDash val="solid"/>
-                    </a:lnTlToBr>
-                    <a:lnBlToTr w="12700" cmpd="sng">
-                      <a:noFill/>
-                      <a:prstDash val="solid"/>
-                    </a:lnBlToTr>
-                    <a:solidFill>
-                      <a:schemeClr val="bg1"/>
-                    </a:solidFill>
-                  </a:tcPr>
-                </a:tc>
-                <a:extLst>
-                  <a:ext uri="{0D108BD9-81ED-4DB2-BD59-A6C34878D82A}">
-                    <a16:rowId xmlns:a16="http://schemas.microsoft.com/office/drawing/2014/main" val="3943188045"/>
-                  </a:ext>
-                </a:extLst>
-              </a:tr>
-            </a:tbl>
-          </a:graphicData>
-        </a:graphic>
-      </p:graphicFrame>
-    </p:spTree>
-    <p:extLst>
-      <p:ext uri="{BB962C8B-B14F-4D97-AF65-F5344CB8AC3E}">
-        <p14:creationId xmlns:p14="http://schemas.microsoft.com/office/powerpoint/2010/main" val="2497981720"/>
-      </p:ext>
-    </p:extLst>
-  </p:cSld>
-  <p:clrMapOvr>
-    <a:masterClrMapping/>
-  </p:clrMapOvr>
-</p:sld>
-</file>
-
-<file path=ppt/slides/slide14.xml><?xml version="1.0" encoding="utf-8"?>
-<p:sld xmlns:a="http://schemas.openxmlformats.org/drawingml/2006/main" xmlns:r="http://schemas.openxmlformats.org/officeDocument/2006/relationships" xmlns:p="http://schemas.openxmlformats.org/presentationml/2006/main">
-  <p:cSld>
-    <p:spTree>
-      <p:nvGrpSpPr>
-        <p:cNvPr id="1" name=""/>
-        <p:cNvGrpSpPr/>
-        <p:nvPr/>
-      </p:nvGrpSpPr>
-      <p:grpSpPr>
-        <a:xfrm>
-          <a:off x="0" y="0"/>
-          <a:ext cx="0" cy="0"/>
-          <a:chOff x="0" y="0"/>
-          <a:chExt cx="0" cy="0"/>
-        </a:xfrm>
-      </p:grpSpPr>
-      <p:sp>
-        <p:nvSpPr>
-          <p:cNvPr id="2" name="Google Shape;291;p16">
-            <a:extLst>
-              <a:ext uri="{FF2B5EF4-FFF2-40B4-BE49-F238E27FC236}">
-                <a16:creationId xmlns:a16="http://schemas.microsoft.com/office/drawing/2014/main" id="{5E3B62C7-8BE8-40FE-9618-F225098F31D2}"/>
-              </a:ext>
-            </a:extLst>
-          </p:cNvPr>
-          <p:cNvSpPr/>
-          <p:nvPr/>
-        </p:nvSpPr>
-        <p:spPr>
-          <a:xfrm>
-            <a:off x="11115952" y="-476310"/>
-            <a:ext cx="609600" cy="1143000"/>
-          </a:xfrm>
-          <a:prstGeom prst="roundRect">
-            <a:avLst>
-              <a:gd name="adj" fmla="val 16667"/>
-            </a:avLst>
-          </a:prstGeom>
-          <a:solidFill>
-            <a:schemeClr val="accent3"/>
-          </a:solidFill>
-          <a:ln w="25400" cap="flat" cmpd="sng">
-            <a:solidFill>
-              <a:srgbClr val="05759E"/>
-            </a:solidFill>
-            <a:prstDash val="solid"/>
-            <a:round/>
-            <a:headEnd type="none" w="sm" len="sm"/>
-            <a:tailEnd type="none" w="sm" len="sm"/>
-          </a:ln>
-        </p:spPr>
-        <p:txBody>
-          <a:bodyPr spcFirstLastPara="1" wrap="square" lIns="91425" tIns="45700" rIns="91425" bIns="45700" anchor="ctr" anchorCtr="0">
-            <a:noAutofit/>
-          </a:bodyPr>
-          <a:lstStyle/>
-          <a:p>
-            <a:pPr marL="0" marR="0" lvl="0" indent="0" algn="ctr" rtl="0">
-              <a:lnSpc>
-                <a:spcPct val="100000"/>
-              </a:lnSpc>
-              <a:spcBef>
-                <a:spcPts val="0"/>
-              </a:spcBef>
-              <a:spcAft>
-                <a:spcPts val="0"/>
-              </a:spcAft>
-              <a:buClr>
-                <a:srgbClr val="000000"/>
-              </a:buClr>
-              <a:buSzPts val="1800"/>
-              <a:buFont typeface="Arial"/>
-              <a:buNone/>
-            </a:pPr>
-            <a:endParaRPr sz="1800" b="0" i="0" u="none" strike="noStrike" cap="none">
-              <a:solidFill>
-                <a:schemeClr val="lt1"/>
-              </a:solidFill>
-              <a:latin typeface="Libre Franklin Thin"/>
-              <a:ea typeface="Libre Franklin Thin"/>
-              <a:cs typeface="Libre Franklin Thin"/>
-              <a:sym typeface="Libre Franklin Thin"/>
-            </a:endParaRPr>
-          </a:p>
-        </p:txBody>
-      </p:sp>
-      <p:sp>
-        <p:nvSpPr>
-          <p:cNvPr id="3" name="Google Shape;292;p16">
-            <a:extLst>
-              <a:ext uri="{FF2B5EF4-FFF2-40B4-BE49-F238E27FC236}">
-                <a16:creationId xmlns:a16="http://schemas.microsoft.com/office/drawing/2014/main" id="{7D6735B0-C281-43BA-BDDC-812E034F472C}"/>
-              </a:ext>
-            </a:extLst>
-          </p:cNvPr>
-          <p:cNvSpPr txBox="1"/>
-          <p:nvPr/>
-        </p:nvSpPr>
-        <p:spPr>
-          <a:xfrm>
-            <a:off x="382180" y="666690"/>
-            <a:ext cx="5397366" cy="400069"/>
-          </a:xfrm>
-          <a:prstGeom prst="rect">
-            <a:avLst/>
-          </a:prstGeom>
-          <a:noFill/>
-          <a:ln>
-            <a:noFill/>
-          </a:ln>
-        </p:spPr>
-        <p:txBody>
-          <a:bodyPr spcFirstLastPara="1" wrap="square" lIns="91425" tIns="45700" rIns="91425" bIns="45700" anchor="t" anchorCtr="0">
-            <a:spAutoFit/>
-          </a:bodyPr>
-          <a:lstStyle/>
-          <a:p>
-            <a:pPr marL="342900" marR="0" lvl="0" indent="-342900" algn="l" rtl="0">
-              <a:lnSpc>
-                <a:spcPct val="100000"/>
-              </a:lnSpc>
-              <a:spcBef>
-                <a:spcPts val="0"/>
-              </a:spcBef>
-              <a:spcAft>
-                <a:spcPts val="0"/>
-              </a:spcAft>
-              <a:buClr>
-                <a:srgbClr val="03506C"/>
-              </a:buClr>
-              <a:buSzPts val="2000"/>
-              <a:buFont typeface="Noto Sans Symbols"/>
-              <a:buChar char="❖"/>
-            </a:pPr>
-            <a:r>
-              <a:rPr lang="en-US" sz="2000" b="1" i="0" u="sng" strike="noStrike" cap="none" dirty="0" err="1">
-                <a:solidFill>
-                  <a:srgbClr val="03506C"/>
-                </a:solidFill>
-                <a:latin typeface="Arial"/>
-                <a:ea typeface="Arial"/>
-                <a:cs typeface="Arial"/>
-                <a:sym typeface="Arial"/>
-              </a:rPr>
-              <a:t>Mô</a:t>
-            </a:r>
-            <a:r>
-              <a:rPr lang="en-US" sz="2000" b="1" i="0" u="sng" strike="noStrike" cap="none" dirty="0">
-                <a:solidFill>
-                  <a:srgbClr val="03506C"/>
-                </a:solidFill>
-                <a:latin typeface="Arial"/>
-                <a:ea typeface="Arial"/>
-                <a:cs typeface="Arial"/>
-                <a:sym typeface="Arial"/>
-              </a:rPr>
-              <a:t> </a:t>
-            </a:r>
-            <a:r>
-              <a:rPr lang="en-US" sz="2000" b="1" i="0" u="sng" strike="noStrike" cap="none" dirty="0" err="1">
-                <a:solidFill>
-                  <a:srgbClr val="03506C"/>
-                </a:solidFill>
-                <a:latin typeface="Arial"/>
-                <a:ea typeface="Arial"/>
-                <a:cs typeface="Arial"/>
-                <a:sym typeface="Arial"/>
-              </a:rPr>
-              <a:t>tả</a:t>
-            </a:r>
-            <a:r>
-              <a:rPr lang="en-US" sz="2000" b="1" i="0" u="sng" strike="noStrike" cap="none" dirty="0">
-                <a:solidFill>
-                  <a:srgbClr val="03506C"/>
-                </a:solidFill>
-                <a:latin typeface="Arial"/>
-                <a:ea typeface="Arial"/>
-                <a:cs typeface="Arial"/>
-                <a:sym typeface="Arial"/>
-              </a:rPr>
-              <a:t> USECASE – CHỨC NĂNG CHÍNH</a:t>
-            </a:r>
-            <a:endParaRPr sz="2000" b="1" i="0" u="sng" strike="noStrike" cap="none" dirty="0">
-              <a:solidFill>
-                <a:srgbClr val="03506C"/>
-              </a:solidFill>
-              <a:latin typeface="Arial"/>
-              <a:ea typeface="Arial"/>
-              <a:cs typeface="Arial"/>
-              <a:sym typeface="Arial"/>
-            </a:endParaRPr>
-          </a:p>
-        </p:txBody>
-      </p:sp>
-      <p:sp>
-        <p:nvSpPr>
-          <p:cNvPr id="5" name="Google Shape;294;p16">
-            <a:extLst>
-              <a:ext uri="{FF2B5EF4-FFF2-40B4-BE49-F238E27FC236}">
-                <a16:creationId xmlns:a16="http://schemas.microsoft.com/office/drawing/2014/main" id="{9B5F5A40-0221-4026-9C46-24836F9C274F}"/>
-              </a:ext>
-            </a:extLst>
-          </p:cNvPr>
-          <p:cNvSpPr txBox="1"/>
-          <p:nvPr/>
-        </p:nvSpPr>
-        <p:spPr>
-          <a:xfrm>
-            <a:off x="5288056" y="6396335"/>
-            <a:ext cx="1562100" cy="461665"/>
-          </a:xfrm>
-          <a:prstGeom prst="rect">
-            <a:avLst/>
-          </a:prstGeom>
-          <a:noFill/>
-          <a:ln>
-            <a:noFill/>
-          </a:ln>
-        </p:spPr>
-        <p:txBody>
-          <a:bodyPr spcFirstLastPara="1" wrap="square" lIns="91425" tIns="45700" rIns="91425" bIns="45700" anchor="t" anchorCtr="0">
-            <a:spAutoFit/>
-          </a:bodyPr>
-          <a:lstStyle/>
-          <a:p>
-            <a:pPr marL="0" marR="0" lvl="0" indent="0" algn="l" rtl="0">
-              <a:lnSpc>
-                <a:spcPct val="100000"/>
-              </a:lnSpc>
-              <a:spcBef>
-                <a:spcPts val="0"/>
-              </a:spcBef>
-              <a:spcAft>
-                <a:spcPts val="0"/>
-              </a:spcAft>
-              <a:buNone/>
-            </a:pPr>
-            <a:r>
-              <a:rPr lang="en-US" sz="2400" b="1" i="0" u="none" strike="noStrike" cap="none" dirty="0">
-                <a:solidFill>
-                  <a:schemeClr val="lt1"/>
-                </a:solidFill>
-                <a:latin typeface="Arial"/>
-                <a:ea typeface="Arial"/>
-                <a:cs typeface="Arial"/>
-                <a:sym typeface="Arial"/>
-              </a:rPr>
-              <a:t>NHÓM 6</a:t>
-            </a:r>
-            <a:endParaRPr sz="2400" b="1" i="0" u="none" strike="noStrike" cap="none" dirty="0">
-              <a:solidFill>
-                <a:schemeClr val="lt1"/>
-              </a:solidFill>
-              <a:latin typeface="Arial"/>
-              <a:ea typeface="Arial"/>
-              <a:cs typeface="Arial"/>
-              <a:sym typeface="Arial"/>
-            </a:endParaRPr>
-          </a:p>
-        </p:txBody>
-      </p:sp>
-      <p:sp>
-        <p:nvSpPr>
-          <p:cNvPr id="6" name="Google Shape;295;p16">
-            <a:extLst>
-              <a:ext uri="{FF2B5EF4-FFF2-40B4-BE49-F238E27FC236}">
-                <a16:creationId xmlns:a16="http://schemas.microsoft.com/office/drawing/2014/main" id="{63A9AA41-ED3F-4103-A816-F3B5C65ECC7A}"/>
-              </a:ext>
-            </a:extLst>
-          </p:cNvPr>
-          <p:cNvSpPr txBox="1"/>
-          <p:nvPr/>
-        </p:nvSpPr>
-        <p:spPr>
-          <a:xfrm>
-            <a:off x="9367362" y="57090"/>
-            <a:ext cx="1824789" cy="571500"/>
-          </a:xfrm>
-          <a:prstGeom prst="rect">
-            <a:avLst/>
-          </a:prstGeom>
-          <a:noFill/>
-          <a:ln>
-            <a:noFill/>
-          </a:ln>
-        </p:spPr>
-        <p:txBody>
-          <a:bodyPr spcFirstLastPara="1" wrap="square" lIns="91425" tIns="45700" rIns="91425" bIns="45700" anchor="ctr" anchorCtr="0">
-            <a:noAutofit/>
-          </a:bodyPr>
-          <a:lstStyle/>
-          <a:p>
-            <a:pPr marL="0" marR="0" lvl="0" indent="0" algn="l" rtl="0">
-              <a:lnSpc>
-                <a:spcPct val="100000"/>
-              </a:lnSpc>
-              <a:spcBef>
-                <a:spcPts val="0"/>
-              </a:spcBef>
-              <a:spcAft>
-                <a:spcPts val="0"/>
-              </a:spcAft>
-              <a:buClr>
-                <a:srgbClr val="0578A2"/>
-              </a:buClr>
-              <a:buSzPts val="2400"/>
-              <a:buFont typeface="Arial"/>
-              <a:buNone/>
-            </a:pPr>
-            <a:r>
-              <a:rPr lang="en-US" sz="2400" b="1" i="0" u="none" strike="noStrike" cap="none">
-                <a:solidFill>
-                  <a:srgbClr val="0578A2"/>
-                </a:solidFill>
-                <a:latin typeface="Arial"/>
-                <a:ea typeface="Arial"/>
-                <a:cs typeface="Arial"/>
-                <a:sym typeface="Arial"/>
-              </a:rPr>
-              <a:t>THIẾT KẾ</a:t>
-            </a:r>
-            <a:endParaRPr sz="2400" b="1" i="0" u="none" strike="noStrike" cap="none">
-              <a:solidFill>
-                <a:srgbClr val="0578A2"/>
-              </a:solidFill>
-              <a:latin typeface="Arial"/>
-              <a:ea typeface="Arial"/>
-              <a:cs typeface="Arial"/>
-              <a:sym typeface="Arial"/>
-            </a:endParaRPr>
-          </a:p>
-        </p:txBody>
-      </p:sp>
-      <p:sp>
-        <p:nvSpPr>
-          <p:cNvPr id="9" name="TextBox 8">
-            <a:extLst>
-              <a:ext uri="{FF2B5EF4-FFF2-40B4-BE49-F238E27FC236}">
-                <a16:creationId xmlns:a16="http://schemas.microsoft.com/office/drawing/2014/main" id="{C107BDAB-A280-4652-8541-C45D0672AFD8}"/>
-              </a:ext>
-            </a:extLst>
-          </p:cNvPr>
-          <p:cNvSpPr txBox="1"/>
-          <p:nvPr/>
-        </p:nvSpPr>
-        <p:spPr>
-          <a:xfrm>
-            <a:off x="851647" y="1242996"/>
-            <a:ext cx="6096000" cy="463397"/>
-          </a:xfrm>
-          <a:prstGeom prst="rect">
-            <a:avLst/>
-          </a:prstGeom>
-          <a:noFill/>
-        </p:spPr>
-        <p:txBody>
-          <a:bodyPr wrap="square">
-            <a:spAutoFit/>
-          </a:bodyPr>
-          <a:lstStyle/>
-          <a:p>
-            <a:pPr marL="0" marR="0" indent="0" algn="just">
-              <a:lnSpc>
-                <a:spcPct val="150000"/>
-              </a:lnSpc>
-              <a:spcBef>
-                <a:spcPts val="0"/>
-              </a:spcBef>
-              <a:spcAft>
-                <a:spcPts val="0"/>
-              </a:spcAft>
-            </a:pPr>
-            <a:r>
-              <a:rPr lang="en-US" sz="1800">
-                <a:solidFill>
-                  <a:schemeClr val="tx1"/>
-                </a:solidFill>
-                <a:effectLst/>
-              </a:rPr>
-              <a:t>Usecase: Kết Bạn</a:t>
-            </a:r>
-            <a:endParaRPr lang="en-US" sz="1800">
-              <a:solidFill>
-                <a:schemeClr val="tx1"/>
-              </a:solidFill>
-              <a:effectLst/>
-              <a:latin typeface="Times New Roman" panose="02020603050405020304" pitchFamily="18" charset="0"/>
-              <a:ea typeface="Times New Roman" panose="02020603050405020304" pitchFamily="18" charset="0"/>
-            </a:endParaRPr>
-          </a:p>
-        </p:txBody>
-      </p:sp>
-      <p:graphicFrame>
-        <p:nvGraphicFramePr>
           <p:cNvPr id="4" name="Table 3">
             <a:extLst>
               <a:ext uri="{FF2B5EF4-FFF2-40B4-BE49-F238E27FC236}">
@@ -14048,7 +13699,7 @@
 </p:sld>
 </file>
 
-<file path=ppt/slides/slide15.xml><?xml version="1.0" encoding="utf-8"?>
+<file path=ppt/slides/slide14.xml><?xml version="1.0" encoding="utf-8"?>
 <p:sld xmlns:a="http://schemas.openxmlformats.org/drawingml/2006/main" xmlns:r="http://schemas.openxmlformats.org/officeDocument/2006/relationships" xmlns:p="http://schemas.openxmlformats.org/presentationml/2006/main">
   <p:cSld>
     <p:spTree>
@@ -14470,7 +14121,7 @@
 </p:sld>
 </file>
 
-<file path=ppt/slides/slide16.xml><?xml version="1.0" encoding="utf-8"?>
+<file path=ppt/slides/slide15.xml><?xml version="1.0" encoding="utf-8"?>
 <p:sld xmlns:a="http://schemas.openxmlformats.org/drawingml/2006/main" xmlns:r="http://schemas.openxmlformats.org/officeDocument/2006/relationships" xmlns:p="http://schemas.openxmlformats.org/presentationml/2006/main">
   <p:cSld>
     <p:spTree>
@@ -14599,7 +14250,7 @@
 </p:sld>
 </file>
 
-<file path=ppt/slides/slide17.xml><?xml version="1.0" encoding="utf-8"?>
+<file path=ppt/slides/slide16.xml><?xml version="1.0" encoding="utf-8"?>
 <p:sld xmlns:a="http://schemas.openxmlformats.org/drawingml/2006/main" xmlns:r="http://schemas.openxmlformats.org/officeDocument/2006/relationships" xmlns:p="http://schemas.openxmlformats.org/presentationml/2006/main">
   <p:cSld>
     <p:spTree>
@@ -15033,7 +14684,7 @@
 </p:sld>
 </file>
 
-<file path=ppt/slides/slide18.xml><?xml version="1.0" encoding="utf-8"?>
+<file path=ppt/slides/slide17.xml><?xml version="1.0" encoding="utf-8"?>
 <p:sld xmlns:a="http://schemas.openxmlformats.org/drawingml/2006/main" xmlns:r="http://schemas.openxmlformats.org/officeDocument/2006/relationships" xmlns:p="http://schemas.openxmlformats.org/presentationml/2006/main">
   <p:cSld>
     <p:spTree>
@@ -15153,6 +14804,329 @@
     <p:extLst>
       <p:ext uri="{BB962C8B-B14F-4D97-AF65-F5344CB8AC3E}">
         <p14:creationId xmlns:p14="http://schemas.microsoft.com/office/powerpoint/2010/main" val="421384694"/>
+      </p:ext>
+    </p:extLst>
+  </p:cSld>
+  <p:clrMapOvr>
+    <a:masterClrMapping/>
+  </p:clrMapOvr>
+</p:sld>
+</file>
+
+<file path=ppt/slides/slide18.xml><?xml version="1.0" encoding="utf-8"?>
+<p:sld xmlns:a="http://schemas.openxmlformats.org/drawingml/2006/main" xmlns:r="http://schemas.openxmlformats.org/officeDocument/2006/relationships" xmlns:p="http://schemas.openxmlformats.org/presentationml/2006/main">
+  <p:cSld>
+    <p:spTree>
+      <p:nvGrpSpPr>
+        <p:cNvPr id="1" name=""/>
+        <p:cNvGrpSpPr/>
+        <p:nvPr/>
+      </p:nvGrpSpPr>
+      <p:grpSpPr>
+        <a:xfrm>
+          <a:off x="0" y="0"/>
+          <a:ext cx="0" cy="0"/>
+          <a:chOff x="0" y="0"/>
+          <a:chExt cx="0" cy="0"/>
+        </a:xfrm>
+      </p:grpSpPr>
+      <p:sp>
+        <p:nvSpPr>
+          <p:cNvPr id="2" name="Google Shape;319;p35">
+            <a:extLst>
+              <a:ext uri="{FF2B5EF4-FFF2-40B4-BE49-F238E27FC236}">
+                <a16:creationId xmlns:a16="http://schemas.microsoft.com/office/drawing/2014/main" id="{7C0478A8-3F75-4502-B52A-01C233A094E7}"/>
+              </a:ext>
+            </a:extLst>
+          </p:cNvPr>
+          <p:cNvSpPr/>
+          <p:nvPr/>
+        </p:nvSpPr>
+        <p:spPr>
+          <a:xfrm>
+            <a:off x="11173326" y="-476310"/>
+            <a:ext cx="609600" cy="1143000"/>
+          </a:xfrm>
+          <a:prstGeom prst="roundRect">
+            <a:avLst>
+              <a:gd name="adj" fmla="val 16667"/>
+            </a:avLst>
+          </a:prstGeom>
+          <a:solidFill>
+            <a:schemeClr val="accent3"/>
+          </a:solidFill>
+          <a:ln w="25400" cap="flat" cmpd="sng">
+            <a:solidFill>
+              <a:srgbClr val="05759E"/>
+            </a:solidFill>
+            <a:prstDash val="solid"/>
+            <a:round/>
+            <a:headEnd type="none" w="sm" len="sm"/>
+            <a:tailEnd type="none" w="sm" len="sm"/>
+          </a:ln>
+        </p:spPr>
+        <p:txBody>
+          <a:bodyPr spcFirstLastPara="1" wrap="square" lIns="91425" tIns="45700" rIns="91425" bIns="45700" anchor="ctr" anchorCtr="0">
+            <a:noAutofit/>
+          </a:bodyPr>
+          <a:lstStyle/>
+          <a:p>
+            <a:pPr marL="0" marR="0" lvl="0" indent="0" algn="ctr" rtl="0">
+              <a:lnSpc>
+                <a:spcPct val="100000"/>
+              </a:lnSpc>
+              <a:spcBef>
+                <a:spcPts val="0"/>
+              </a:spcBef>
+              <a:spcAft>
+                <a:spcPts val="0"/>
+              </a:spcAft>
+              <a:buClr>
+                <a:srgbClr val="000000"/>
+              </a:buClr>
+              <a:buSzPts val="1800"/>
+              <a:buFont typeface="Arial"/>
+              <a:buNone/>
+            </a:pPr>
+            <a:endParaRPr sz="1800" b="0" i="0" u="none" strike="noStrike" cap="none">
+              <a:solidFill>
+                <a:schemeClr val="lt1"/>
+              </a:solidFill>
+              <a:latin typeface="Libre Franklin Thin"/>
+              <a:ea typeface="Libre Franklin Thin"/>
+              <a:cs typeface="Libre Franklin Thin"/>
+              <a:sym typeface="Libre Franklin Thin"/>
+            </a:endParaRPr>
+          </a:p>
+        </p:txBody>
+      </p:sp>
+      <p:sp>
+        <p:nvSpPr>
+          <p:cNvPr id="3" name="Google Shape;320;p35">
+            <a:extLst>
+              <a:ext uri="{FF2B5EF4-FFF2-40B4-BE49-F238E27FC236}">
+                <a16:creationId xmlns:a16="http://schemas.microsoft.com/office/drawing/2014/main" id="{0126A184-298E-41D6-A51D-95AF6E54812F}"/>
+              </a:ext>
+            </a:extLst>
+          </p:cNvPr>
+          <p:cNvSpPr txBox="1"/>
+          <p:nvPr/>
+        </p:nvSpPr>
+        <p:spPr>
+          <a:xfrm>
+            <a:off x="409074" y="666690"/>
+            <a:ext cx="4162926" cy="400069"/>
+          </a:xfrm>
+          <a:prstGeom prst="rect">
+            <a:avLst/>
+          </a:prstGeom>
+          <a:noFill/>
+          <a:ln>
+            <a:noFill/>
+          </a:ln>
+        </p:spPr>
+        <p:txBody>
+          <a:bodyPr spcFirstLastPara="1" wrap="square" lIns="91425" tIns="45700" rIns="91425" bIns="45700" anchor="t" anchorCtr="0">
+            <a:spAutoFit/>
+          </a:bodyPr>
+          <a:lstStyle/>
+          <a:p>
+            <a:pPr marL="342900" marR="0" lvl="0" indent="-342900" algn="l" rtl="0">
+              <a:lnSpc>
+                <a:spcPct val="100000"/>
+              </a:lnSpc>
+              <a:spcBef>
+                <a:spcPts val="0"/>
+              </a:spcBef>
+              <a:spcAft>
+                <a:spcPts val="0"/>
+              </a:spcAft>
+              <a:buClr>
+                <a:srgbClr val="03506C"/>
+              </a:buClr>
+              <a:buSzPts val="2000"/>
+              <a:buFont typeface="Noto Sans Symbols"/>
+              <a:buChar char="❖"/>
+            </a:pPr>
+            <a:r>
+              <a:rPr lang="en-US" sz="2000" b="1" u="sng" dirty="0">
+                <a:solidFill>
+                  <a:srgbClr val="03506C"/>
+                </a:solidFill>
+                <a:latin typeface="Arial"/>
+                <a:ea typeface="Arial"/>
+                <a:cs typeface="Arial"/>
+                <a:sym typeface="Arial"/>
+              </a:rPr>
+              <a:t>CÁC GIAO DIỆN MÀN HÌNH</a:t>
+            </a:r>
+            <a:endParaRPr sz="2000" b="1" i="0" u="sng" strike="noStrike" cap="none" dirty="0">
+              <a:solidFill>
+                <a:srgbClr val="03506C"/>
+              </a:solidFill>
+              <a:latin typeface="Arial"/>
+              <a:ea typeface="Arial"/>
+              <a:cs typeface="Arial"/>
+              <a:sym typeface="Arial"/>
+            </a:endParaRPr>
+          </a:p>
+        </p:txBody>
+      </p:sp>
+      <p:sp>
+        <p:nvSpPr>
+          <p:cNvPr id="4" name="Google Shape;321;p35">
+            <a:extLst>
+              <a:ext uri="{FF2B5EF4-FFF2-40B4-BE49-F238E27FC236}">
+                <a16:creationId xmlns:a16="http://schemas.microsoft.com/office/drawing/2014/main" id="{D2A71821-2155-4AB7-8140-AE2578AA2C56}"/>
+              </a:ext>
+            </a:extLst>
+          </p:cNvPr>
+          <p:cNvSpPr txBox="1"/>
+          <p:nvPr/>
+        </p:nvSpPr>
+        <p:spPr>
+          <a:xfrm>
+            <a:off x="9424736" y="57090"/>
+            <a:ext cx="1824789" cy="571500"/>
+          </a:xfrm>
+          <a:prstGeom prst="rect">
+            <a:avLst/>
+          </a:prstGeom>
+          <a:noFill/>
+          <a:ln>
+            <a:noFill/>
+          </a:ln>
+        </p:spPr>
+        <p:txBody>
+          <a:bodyPr spcFirstLastPara="1" wrap="square" lIns="91425" tIns="45700" rIns="91425" bIns="45700" anchor="ctr" anchorCtr="0">
+            <a:noAutofit/>
+          </a:bodyPr>
+          <a:lstStyle/>
+          <a:p>
+            <a:pPr marL="0" marR="0" lvl="0" indent="0" algn="l" rtl="0">
+              <a:lnSpc>
+                <a:spcPct val="100000"/>
+              </a:lnSpc>
+              <a:spcBef>
+                <a:spcPts val="0"/>
+              </a:spcBef>
+              <a:spcAft>
+                <a:spcPts val="0"/>
+              </a:spcAft>
+              <a:buClr>
+                <a:srgbClr val="0578A2"/>
+              </a:buClr>
+              <a:buSzPts val="2400"/>
+              <a:buFont typeface="Arial"/>
+              <a:buNone/>
+            </a:pPr>
+            <a:r>
+              <a:rPr lang="en-US" sz="2400" b="1" i="0" u="none" strike="noStrike" cap="none">
+                <a:solidFill>
+                  <a:srgbClr val="0578A2"/>
+                </a:solidFill>
+                <a:latin typeface="Arial"/>
+                <a:ea typeface="Arial"/>
+                <a:cs typeface="Arial"/>
+                <a:sym typeface="Arial"/>
+              </a:rPr>
+              <a:t>THIẾT KẾ</a:t>
+            </a:r>
+            <a:endParaRPr sz="2400" b="1" i="0" u="none" strike="noStrike" cap="none">
+              <a:solidFill>
+                <a:srgbClr val="0578A2"/>
+              </a:solidFill>
+              <a:latin typeface="Arial"/>
+              <a:ea typeface="Arial"/>
+              <a:cs typeface="Arial"/>
+              <a:sym typeface="Arial"/>
+            </a:endParaRPr>
+          </a:p>
+        </p:txBody>
+      </p:sp>
+      <p:sp>
+        <p:nvSpPr>
+          <p:cNvPr id="5" name="Google Shape;322;p35">
+            <a:extLst>
+              <a:ext uri="{FF2B5EF4-FFF2-40B4-BE49-F238E27FC236}">
+                <a16:creationId xmlns:a16="http://schemas.microsoft.com/office/drawing/2014/main" id="{59D5B30F-C62E-4D16-8C3B-EF79DFD6400F}"/>
+              </a:ext>
+            </a:extLst>
+          </p:cNvPr>
+          <p:cNvSpPr txBox="1"/>
+          <p:nvPr/>
+        </p:nvSpPr>
+        <p:spPr>
+          <a:xfrm>
+            <a:off x="5314950" y="6396335"/>
+            <a:ext cx="1562100" cy="461665"/>
+          </a:xfrm>
+          <a:prstGeom prst="rect">
+            <a:avLst/>
+          </a:prstGeom>
+          <a:noFill/>
+          <a:ln>
+            <a:noFill/>
+          </a:ln>
+        </p:spPr>
+        <p:txBody>
+          <a:bodyPr spcFirstLastPara="1" wrap="square" lIns="91425" tIns="45700" rIns="91425" bIns="45700" anchor="t" anchorCtr="0">
+            <a:spAutoFit/>
+          </a:bodyPr>
+          <a:lstStyle/>
+          <a:p>
+            <a:pPr marL="0" marR="0" lvl="0" indent="0" algn="l" rtl="0">
+              <a:lnSpc>
+                <a:spcPct val="100000"/>
+              </a:lnSpc>
+              <a:spcBef>
+                <a:spcPts val="0"/>
+              </a:spcBef>
+              <a:spcAft>
+                <a:spcPts val="0"/>
+              </a:spcAft>
+              <a:buNone/>
+            </a:pPr>
+            <a:r>
+              <a:rPr lang="en-US" sz="2400" b="1" i="0" u="none" strike="noStrike" cap="none" dirty="0">
+                <a:solidFill>
+                  <a:schemeClr val="lt1"/>
+                </a:solidFill>
+                <a:latin typeface="Arial"/>
+                <a:ea typeface="Arial"/>
+                <a:cs typeface="Arial"/>
+                <a:sym typeface="Arial"/>
+              </a:rPr>
+              <a:t>NHÓM </a:t>
+            </a:r>
+            <a:r>
+              <a:rPr lang="en-US" sz="2400" b="1" dirty="0">
+                <a:solidFill>
+                  <a:schemeClr val="lt1"/>
+                </a:solidFill>
+                <a:latin typeface="Arial"/>
+                <a:ea typeface="Arial"/>
+                <a:cs typeface="Arial"/>
+                <a:sym typeface="Arial"/>
+              </a:rPr>
+              <a:t>6</a:t>
+            </a:r>
+            <a:endParaRPr sz="2400" b="1" i="0" u="none" strike="noStrike" cap="none" dirty="0">
+              <a:solidFill>
+                <a:schemeClr val="lt1"/>
+              </a:solidFill>
+              <a:latin typeface="Arial"/>
+              <a:ea typeface="Arial"/>
+              <a:cs typeface="Arial"/>
+              <a:sym typeface="Arial"/>
+            </a:endParaRPr>
+          </a:p>
+        </p:txBody>
+      </p:sp>
+    </p:spTree>
+    <p:extLst>
+      <p:ext uri="{BB962C8B-B14F-4D97-AF65-F5344CB8AC3E}">
+        <p14:creationId xmlns:p14="http://schemas.microsoft.com/office/powerpoint/2010/main" val="1682014255"/>
       </p:ext>
     </p:extLst>
   </p:cSld>
@@ -15484,6 +15458,40 @@
           </a:p>
         </p:txBody>
       </p:sp>
+      <p:pic>
+        <p:nvPicPr>
+          <p:cNvPr id="6" name="Picture 5" descr="Diagram&#10;&#10;Description automatically generated">
+            <a:extLst>
+              <a:ext uri="{FF2B5EF4-FFF2-40B4-BE49-F238E27FC236}">
+                <a16:creationId xmlns:a16="http://schemas.microsoft.com/office/drawing/2014/main" id="{4E0D8CD6-9753-46B4-BA12-B96C7825DA1C}"/>
+              </a:ext>
+            </a:extLst>
+          </p:cNvPr>
+          <p:cNvPicPr/>
+          <p:nvPr/>
+        </p:nvPicPr>
+        <p:blipFill>
+          <a:blip r:embed="rId2">
+            <a:extLst>
+              <a:ext uri="{28A0092B-C50C-407E-A947-70E740481C1C}">
+                <a14:useLocalDpi xmlns:a14="http://schemas.microsoft.com/office/drawing/2010/main" val="0"/>
+              </a:ext>
+            </a:extLst>
+          </a:blip>
+          <a:stretch>
+            <a:fillRect/>
+          </a:stretch>
+        </p:blipFill>
+        <p:spPr>
+          <a:xfrm>
+            <a:off x="92764" y="1066759"/>
+            <a:ext cx="12099235" cy="5228024"/>
+          </a:xfrm>
+          <a:prstGeom prst="rect">
+            <a:avLst/>
+          </a:prstGeom>
+        </p:spPr>
+      </p:pic>
     </p:spTree>
     <p:extLst>
       <p:ext uri="{BB962C8B-B14F-4D97-AF65-F5344CB8AC3E}">
@@ -17120,652 +17128,6 @@
       </p:grpSpPr>
       <p:sp>
         <p:nvSpPr>
-          <p:cNvPr id="2" name="Google Shape;319;p35">
-            <a:extLst>
-              <a:ext uri="{FF2B5EF4-FFF2-40B4-BE49-F238E27FC236}">
-                <a16:creationId xmlns:a16="http://schemas.microsoft.com/office/drawing/2014/main" id="{E92A6367-C15C-45B5-8467-F9925B35CFD5}"/>
-              </a:ext>
-            </a:extLst>
-          </p:cNvPr>
-          <p:cNvSpPr/>
-          <p:nvPr/>
-        </p:nvSpPr>
-        <p:spPr>
-          <a:xfrm>
-            <a:off x="11173326" y="-476310"/>
-            <a:ext cx="609600" cy="1143000"/>
-          </a:xfrm>
-          <a:prstGeom prst="roundRect">
-            <a:avLst>
-              <a:gd name="adj" fmla="val 16667"/>
-            </a:avLst>
-          </a:prstGeom>
-          <a:solidFill>
-            <a:schemeClr val="accent3"/>
-          </a:solidFill>
-          <a:ln w="25400" cap="flat" cmpd="sng">
-            <a:solidFill>
-              <a:srgbClr val="05759E"/>
-            </a:solidFill>
-            <a:prstDash val="solid"/>
-            <a:round/>
-            <a:headEnd type="none" w="sm" len="sm"/>
-            <a:tailEnd type="none" w="sm" len="sm"/>
-          </a:ln>
-        </p:spPr>
-        <p:txBody>
-          <a:bodyPr spcFirstLastPara="1" wrap="square" lIns="91425" tIns="45700" rIns="91425" bIns="45700" anchor="ctr" anchorCtr="0">
-            <a:noAutofit/>
-          </a:bodyPr>
-          <a:lstStyle/>
-          <a:p>
-            <a:pPr marL="0" marR="0" lvl="0" indent="0" algn="ctr" rtl="0">
-              <a:lnSpc>
-                <a:spcPct val="100000"/>
-              </a:lnSpc>
-              <a:spcBef>
-                <a:spcPts val="0"/>
-              </a:spcBef>
-              <a:spcAft>
-                <a:spcPts val="0"/>
-              </a:spcAft>
-              <a:buClr>
-                <a:srgbClr val="000000"/>
-              </a:buClr>
-              <a:buSzPts val="1800"/>
-              <a:buFont typeface="Arial"/>
-              <a:buNone/>
-            </a:pPr>
-            <a:endParaRPr sz="1800" b="0" i="0" u="none" strike="noStrike" cap="none">
-              <a:solidFill>
-                <a:schemeClr val="lt1"/>
-              </a:solidFill>
-              <a:latin typeface="Libre Franklin Thin"/>
-              <a:ea typeface="Libre Franklin Thin"/>
-              <a:cs typeface="Libre Franklin Thin"/>
-              <a:sym typeface="Libre Franklin Thin"/>
-            </a:endParaRPr>
-          </a:p>
-        </p:txBody>
-      </p:sp>
-      <p:sp>
-        <p:nvSpPr>
-          <p:cNvPr id="3" name="Google Shape;320;p35">
-            <a:extLst>
-              <a:ext uri="{FF2B5EF4-FFF2-40B4-BE49-F238E27FC236}">
-                <a16:creationId xmlns:a16="http://schemas.microsoft.com/office/drawing/2014/main" id="{6B0395E8-8A89-4E5E-997E-B500C0381475}"/>
-              </a:ext>
-            </a:extLst>
-          </p:cNvPr>
-          <p:cNvSpPr txBox="1"/>
-          <p:nvPr/>
-        </p:nvSpPr>
-        <p:spPr>
-          <a:xfrm>
-            <a:off x="409074" y="666690"/>
-            <a:ext cx="3096126" cy="400069"/>
-          </a:xfrm>
-          <a:prstGeom prst="rect">
-            <a:avLst/>
-          </a:prstGeom>
-          <a:noFill/>
-          <a:ln>
-            <a:noFill/>
-          </a:ln>
-        </p:spPr>
-        <p:txBody>
-          <a:bodyPr spcFirstLastPara="1" wrap="square" lIns="91425" tIns="45700" rIns="91425" bIns="45700" anchor="t" anchorCtr="0">
-            <a:spAutoFit/>
-          </a:bodyPr>
-          <a:lstStyle/>
-          <a:p>
-            <a:pPr marL="342900" marR="0" lvl="0" indent="-342900" algn="l" rtl="0">
-              <a:lnSpc>
-                <a:spcPct val="100000"/>
-              </a:lnSpc>
-              <a:spcBef>
-                <a:spcPts val="0"/>
-              </a:spcBef>
-              <a:spcAft>
-                <a:spcPts val="0"/>
-              </a:spcAft>
-              <a:buClr>
-                <a:srgbClr val="03506C"/>
-              </a:buClr>
-              <a:buSzPts val="2000"/>
-              <a:buFont typeface="Noto Sans Symbols"/>
-              <a:buChar char="❖"/>
-            </a:pPr>
-            <a:r>
-              <a:rPr lang="en-US" sz="2000" b="1" u="sng" dirty="0">
-                <a:solidFill>
-                  <a:srgbClr val="03506C"/>
-                </a:solidFill>
-                <a:latin typeface="Arial"/>
-                <a:ea typeface="Arial"/>
-                <a:cs typeface="Arial"/>
-                <a:sym typeface="Arial"/>
-              </a:rPr>
-              <a:t>CƠ SỞ DỮ LIỆU</a:t>
-            </a:r>
-            <a:endParaRPr sz="2000" b="1" i="0" u="sng" strike="noStrike" cap="none" dirty="0">
-              <a:solidFill>
-                <a:srgbClr val="03506C"/>
-              </a:solidFill>
-              <a:latin typeface="Arial"/>
-              <a:ea typeface="Arial"/>
-              <a:cs typeface="Arial"/>
-              <a:sym typeface="Arial"/>
-            </a:endParaRPr>
-          </a:p>
-        </p:txBody>
-      </p:sp>
-      <p:sp>
-        <p:nvSpPr>
-          <p:cNvPr id="4" name="Google Shape;321;p35">
-            <a:extLst>
-              <a:ext uri="{FF2B5EF4-FFF2-40B4-BE49-F238E27FC236}">
-                <a16:creationId xmlns:a16="http://schemas.microsoft.com/office/drawing/2014/main" id="{65129259-E120-4C5A-8B09-8A39E81C75D9}"/>
-              </a:ext>
-            </a:extLst>
-          </p:cNvPr>
-          <p:cNvSpPr txBox="1"/>
-          <p:nvPr/>
-        </p:nvSpPr>
-        <p:spPr>
-          <a:xfrm>
-            <a:off x="9424736" y="57090"/>
-            <a:ext cx="1824789" cy="571500"/>
-          </a:xfrm>
-          <a:prstGeom prst="rect">
-            <a:avLst/>
-          </a:prstGeom>
-          <a:noFill/>
-          <a:ln>
-            <a:noFill/>
-          </a:ln>
-        </p:spPr>
-        <p:txBody>
-          <a:bodyPr spcFirstLastPara="1" wrap="square" lIns="91425" tIns="45700" rIns="91425" bIns="45700" anchor="ctr" anchorCtr="0">
-            <a:noAutofit/>
-          </a:bodyPr>
-          <a:lstStyle/>
-          <a:p>
-            <a:pPr marL="0" marR="0" lvl="0" indent="0" algn="l" rtl="0">
-              <a:lnSpc>
-                <a:spcPct val="100000"/>
-              </a:lnSpc>
-              <a:spcBef>
-                <a:spcPts val="0"/>
-              </a:spcBef>
-              <a:spcAft>
-                <a:spcPts val="0"/>
-              </a:spcAft>
-              <a:buClr>
-                <a:srgbClr val="0578A2"/>
-              </a:buClr>
-              <a:buSzPts val="2400"/>
-              <a:buFont typeface="Arial"/>
-              <a:buNone/>
-            </a:pPr>
-            <a:r>
-              <a:rPr lang="en-US" sz="2400" b="1" i="0" u="none" strike="noStrike" cap="none">
-                <a:solidFill>
-                  <a:srgbClr val="0578A2"/>
-                </a:solidFill>
-                <a:latin typeface="Arial"/>
-                <a:ea typeface="Arial"/>
-                <a:cs typeface="Arial"/>
-                <a:sym typeface="Arial"/>
-              </a:rPr>
-              <a:t>THIẾT KẾ</a:t>
-            </a:r>
-            <a:endParaRPr sz="2400" b="1" i="0" u="none" strike="noStrike" cap="none">
-              <a:solidFill>
-                <a:srgbClr val="0578A2"/>
-              </a:solidFill>
-              <a:latin typeface="Arial"/>
-              <a:ea typeface="Arial"/>
-              <a:cs typeface="Arial"/>
-              <a:sym typeface="Arial"/>
-            </a:endParaRPr>
-          </a:p>
-        </p:txBody>
-      </p:sp>
-      <p:sp>
-        <p:nvSpPr>
-          <p:cNvPr id="5" name="Google Shape;322;p35">
-            <a:extLst>
-              <a:ext uri="{FF2B5EF4-FFF2-40B4-BE49-F238E27FC236}">
-                <a16:creationId xmlns:a16="http://schemas.microsoft.com/office/drawing/2014/main" id="{E8971F61-40ED-4D27-B916-98434B122ADE}"/>
-              </a:ext>
-            </a:extLst>
-          </p:cNvPr>
-          <p:cNvSpPr txBox="1"/>
-          <p:nvPr/>
-        </p:nvSpPr>
-        <p:spPr>
-          <a:xfrm>
-            <a:off x="5314950" y="6396335"/>
-            <a:ext cx="1562100" cy="461665"/>
-          </a:xfrm>
-          <a:prstGeom prst="rect">
-            <a:avLst/>
-          </a:prstGeom>
-          <a:noFill/>
-          <a:ln>
-            <a:noFill/>
-          </a:ln>
-        </p:spPr>
-        <p:txBody>
-          <a:bodyPr spcFirstLastPara="1" wrap="square" lIns="91425" tIns="45700" rIns="91425" bIns="45700" anchor="t" anchorCtr="0">
-            <a:spAutoFit/>
-          </a:bodyPr>
-          <a:lstStyle/>
-          <a:p>
-            <a:pPr marL="0" marR="0" lvl="0" indent="0" algn="l" rtl="0">
-              <a:lnSpc>
-                <a:spcPct val="100000"/>
-              </a:lnSpc>
-              <a:spcBef>
-                <a:spcPts val="0"/>
-              </a:spcBef>
-              <a:spcAft>
-                <a:spcPts val="0"/>
-              </a:spcAft>
-              <a:buNone/>
-            </a:pPr>
-            <a:r>
-              <a:rPr lang="en-US" sz="2400" b="1" i="0" u="none" strike="noStrike" cap="none" dirty="0">
-                <a:solidFill>
-                  <a:schemeClr val="lt1"/>
-                </a:solidFill>
-                <a:latin typeface="Arial"/>
-                <a:ea typeface="Arial"/>
-                <a:cs typeface="Arial"/>
-                <a:sym typeface="Arial"/>
-              </a:rPr>
-              <a:t>NHÓM </a:t>
-            </a:r>
-            <a:r>
-              <a:rPr lang="en-US" sz="2400" b="1" dirty="0">
-                <a:solidFill>
-                  <a:schemeClr val="lt1"/>
-                </a:solidFill>
-                <a:latin typeface="Arial"/>
-                <a:ea typeface="Arial"/>
-                <a:cs typeface="Arial"/>
-                <a:sym typeface="Arial"/>
-              </a:rPr>
-              <a:t>6</a:t>
-            </a:r>
-            <a:endParaRPr sz="2400" b="1" i="0" u="none" strike="noStrike" cap="none" dirty="0">
-              <a:solidFill>
-                <a:schemeClr val="lt1"/>
-              </a:solidFill>
-              <a:latin typeface="Arial"/>
-              <a:ea typeface="Arial"/>
-              <a:cs typeface="Arial"/>
-              <a:sym typeface="Arial"/>
-            </a:endParaRPr>
-          </a:p>
-        </p:txBody>
-      </p:sp>
-    </p:spTree>
-    <p:extLst>
-      <p:ext uri="{BB962C8B-B14F-4D97-AF65-F5344CB8AC3E}">
-        <p14:creationId xmlns:p14="http://schemas.microsoft.com/office/powerpoint/2010/main" val="2758304604"/>
-      </p:ext>
-    </p:extLst>
-  </p:cSld>
-  <p:clrMapOvr>
-    <a:masterClrMapping/>
-  </p:clrMapOvr>
-</p:sld>
-</file>
-
-<file path=ppt/slides/slide21.xml><?xml version="1.0" encoding="utf-8"?>
-<p:sld xmlns:a="http://schemas.openxmlformats.org/drawingml/2006/main" xmlns:r="http://schemas.openxmlformats.org/officeDocument/2006/relationships" xmlns:p="http://schemas.openxmlformats.org/presentationml/2006/main">
-  <p:cSld>
-    <p:spTree>
-      <p:nvGrpSpPr>
-        <p:cNvPr id="1" name=""/>
-        <p:cNvGrpSpPr/>
-        <p:nvPr/>
-      </p:nvGrpSpPr>
-      <p:grpSpPr>
-        <a:xfrm>
-          <a:off x="0" y="0"/>
-          <a:ext cx="0" cy="0"/>
-          <a:chOff x="0" y="0"/>
-          <a:chExt cx="0" cy="0"/>
-        </a:xfrm>
-      </p:grpSpPr>
-      <p:sp>
-        <p:nvSpPr>
-          <p:cNvPr id="2" name="Google Shape;319;p35">
-            <a:extLst>
-              <a:ext uri="{FF2B5EF4-FFF2-40B4-BE49-F238E27FC236}">
-                <a16:creationId xmlns:a16="http://schemas.microsoft.com/office/drawing/2014/main" id="{7C0478A8-3F75-4502-B52A-01C233A094E7}"/>
-              </a:ext>
-            </a:extLst>
-          </p:cNvPr>
-          <p:cNvSpPr/>
-          <p:nvPr/>
-        </p:nvSpPr>
-        <p:spPr>
-          <a:xfrm>
-            <a:off x="11173326" y="-476310"/>
-            <a:ext cx="609600" cy="1143000"/>
-          </a:xfrm>
-          <a:prstGeom prst="roundRect">
-            <a:avLst>
-              <a:gd name="adj" fmla="val 16667"/>
-            </a:avLst>
-          </a:prstGeom>
-          <a:solidFill>
-            <a:schemeClr val="accent3"/>
-          </a:solidFill>
-          <a:ln w="25400" cap="flat" cmpd="sng">
-            <a:solidFill>
-              <a:srgbClr val="05759E"/>
-            </a:solidFill>
-            <a:prstDash val="solid"/>
-            <a:round/>
-            <a:headEnd type="none" w="sm" len="sm"/>
-            <a:tailEnd type="none" w="sm" len="sm"/>
-          </a:ln>
-        </p:spPr>
-        <p:txBody>
-          <a:bodyPr spcFirstLastPara="1" wrap="square" lIns="91425" tIns="45700" rIns="91425" bIns="45700" anchor="ctr" anchorCtr="0">
-            <a:noAutofit/>
-          </a:bodyPr>
-          <a:lstStyle/>
-          <a:p>
-            <a:pPr marL="0" marR="0" lvl="0" indent="0" algn="ctr" rtl="0">
-              <a:lnSpc>
-                <a:spcPct val="100000"/>
-              </a:lnSpc>
-              <a:spcBef>
-                <a:spcPts val="0"/>
-              </a:spcBef>
-              <a:spcAft>
-                <a:spcPts val="0"/>
-              </a:spcAft>
-              <a:buClr>
-                <a:srgbClr val="000000"/>
-              </a:buClr>
-              <a:buSzPts val="1800"/>
-              <a:buFont typeface="Arial"/>
-              <a:buNone/>
-            </a:pPr>
-            <a:endParaRPr sz="1800" b="0" i="0" u="none" strike="noStrike" cap="none">
-              <a:solidFill>
-                <a:schemeClr val="lt1"/>
-              </a:solidFill>
-              <a:latin typeface="Libre Franklin Thin"/>
-              <a:ea typeface="Libre Franklin Thin"/>
-              <a:cs typeface="Libre Franklin Thin"/>
-              <a:sym typeface="Libre Franklin Thin"/>
-            </a:endParaRPr>
-          </a:p>
-        </p:txBody>
-      </p:sp>
-      <p:sp>
-        <p:nvSpPr>
-          <p:cNvPr id="3" name="Google Shape;320;p35">
-            <a:extLst>
-              <a:ext uri="{FF2B5EF4-FFF2-40B4-BE49-F238E27FC236}">
-                <a16:creationId xmlns:a16="http://schemas.microsoft.com/office/drawing/2014/main" id="{0126A184-298E-41D6-A51D-95AF6E54812F}"/>
-              </a:ext>
-            </a:extLst>
-          </p:cNvPr>
-          <p:cNvSpPr txBox="1"/>
-          <p:nvPr/>
-        </p:nvSpPr>
-        <p:spPr>
-          <a:xfrm>
-            <a:off x="409074" y="666690"/>
-            <a:ext cx="4162926" cy="400069"/>
-          </a:xfrm>
-          <a:prstGeom prst="rect">
-            <a:avLst/>
-          </a:prstGeom>
-          <a:noFill/>
-          <a:ln>
-            <a:noFill/>
-          </a:ln>
-        </p:spPr>
-        <p:txBody>
-          <a:bodyPr spcFirstLastPara="1" wrap="square" lIns="91425" tIns="45700" rIns="91425" bIns="45700" anchor="t" anchorCtr="0">
-            <a:spAutoFit/>
-          </a:bodyPr>
-          <a:lstStyle/>
-          <a:p>
-            <a:pPr marL="342900" marR="0" lvl="0" indent="-342900" algn="l" rtl="0">
-              <a:lnSpc>
-                <a:spcPct val="100000"/>
-              </a:lnSpc>
-              <a:spcBef>
-                <a:spcPts val="0"/>
-              </a:spcBef>
-              <a:spcAft>
-                <a:spcPts val="0"/>
-              </a:spcAft>
-              <a:buClr>
-                <a:srgbClr val="03506C"/>
-              </a:buClr>
-              <a:buSzPts val="2000"/>
-              <a:buFont typeface="Noto Sans Symbols"/>
-              <a:buChar char="❖"/>
-            </a:pPr>
-            <a:r>
-              <a:rPr lang="en-US" sz="2000" b="1" u="sng" dirty="0">
-                <a:solidFill>
-                  <a:srgbClr val="03506C"/>
-                </a:solidFill>
-                <a:latin typeface="Arial"/>
-                <a:ea typeface="Arial"/>
-                <a:cs typeface="Arial"/>
-                <a:sym typeface="Arial"/>
-              </a:rPr>
-              <a:t>CÁC GIAO DIỆN MÀN HÌNH</a:t>
-            </a:r>
-            <a:endParaRPr sz="2000" b="1" i="0" u="sng" strike="noStrike" cap="none" dirty="0">
-              <a:solidFill>
-                <a:srgbClr val="03506C"/>
-              </a:solidFill>
-              <a:latin typeface="Arial"/>
-              <a:ea typeface="Arial"/>
-              <a:cs typeface="Arial"/>
-              <a:sym typeface="Arial"/>
-            </a:endParaRPr>
-          </a:p>
-        </p:txBody>
-      </p:sp>
-      <p:sp>
-        <p:nvSpPr>
-          <p:cNvPr id="4" name="Google Shape;321;p35">
-            <a:extLst>
-              <a:ext uri="{FF2B5EF4-FFF2-40B4-BE49-F238E27FC236}">
-                <a16:creationId xmlns:a16="http://schemas.microsoft.com/office/drawing/2014/main" id="{D2A71821-2155-4AB7-8140-AE2578AA2C56}"/>
-              </a:ext>
-            </a:extLst>
-          </p:cNvPr>
-          <p:cNvSpPr txBox="1"/>
-          <p:nvPr/>
-        </p:nvSpPr>
-        <p:spPr>
-          <a:xfrm>
-            <a:off x="9424736" y="57090"/>
-            <a:ext cx="1824789" cy="571500"/>
-          </a:xfrm>
-          <a:prstGeom prst="rect">
-            <a:avLst/>
-          </a:prstGeom>
-          <a:noFill/>
-          <a:ln>
-            <a:noFill/>
-          </a:ln>
-        </p:spPr>
-        <p:txBody>
-          <a:bodyPr spcFirstLastPara="1" wrap="square" lIns="91425" tIns="45700" rIns="91425" bIns="45700" anchor="ctr" anchorCtr="0">
-            <a:noAutofit/>
-          </a:bodyPr>
-          <a:lstStyle/>
-          <a:p>
-            <a:pPr marL="0" marR="0" lvl="0" indent="0" algn="l" rtl="0">
-              <a:lnSpc>
-                <a:spcPct val="100000"/>
-              </a:lnSpc>
-              <a:spcBef>
-                <a:spcPts val="0"/>
-              </a:spcBef>
-              <a:spcAft>
-                <a:spcPts val="0"/>
-              </a:spcAft>
-              <a:buClr>
-                <a:srgbClr val="0578A2"/>
-              </a:buClr>
-              <a:buSzPts val="2400"/>
-              <a:buFont typeface="Arial"/>
-              <a:buNone/>
-            </a:pPr>
-            <a:r>
-              <a:rPr lang="en-US" sz="2400" b="1" i="0" u="none" strike="noStrike" cap="none">
-                <a:solidFill>
-                  <a:srgbClr val="0578A2"/>
-                </a:solidFill>
-                <a:latin typeface="Arial"/>
-                <a:ea typeface="Arial"/>
-                <a:cs typeface="Arial"/>
-                <a:sym typeface="Arial"/>
-              </a:rPr>
-              <a:t>THIẾT KẾ</a:t>
-            </a:r>
-            <a:endParaRPr sz="2400" b="1" i="0" u="none" strike="noStrike" cap="none">
-              <a:solidFill>
-                <a:srgbClr val="0578A2"/>
-              </a:solidFill>
-              <a:latin typeface="Arial"/>
-              <a:ea typeface="Arial"/>
-              <a:cs typeface="Arial"/>
-              <a:sym typeface="Arial"/>
-            </a:endParaRPr>
-          </a:p>
-        </p:txBody>
-      </p:sp>
-      <p:sp>
-        <p:nvSpPr>
-          <p:cNvPr id="5" name="Google Shape;322;p35">
-            <a:extLst>
-              <a:ext uri="{FF2B5EF4-FFF2-40B4-BE49-F238E27FC236}">
-                <a16:creationId xmlns:a16="http://schemas.microsoft.com/office/drawing/2014/main" id="{59D5B30F-C62E-4D16-8C3B-EF79DFD6400F}"/>
-              </a:ext>
-            </a:extLst>
-          </p:cNvPr>
-          <p:cNvSpPr txBox="1"/>
-          <p:nvPr/>
-        </p:nvSpPr>
-        <p:spPr>
-          <a:xfrm>
-            <a:off x="5314950" y="6396335"/>
-            <a:ext cx="1562100" cy="461665"/>
-          </a:xfrm>
-          <a:prstGeom prst="rect">
-            <a:avLst/>
-          </a:prstGeom>
-          <a:noFill/>
-          <a:ln>
-            <a:noFill/>
-          </a:ln>
-        </p:spPr>
-        <p:txBody>
-          <a:bodyPr spcFirstLastPara="1" wrap="square" lIns="91425" tIns="45700" rIns="91425" bIns="45700" anchor="t" anchorCtr="0">
-            <a:spAutoFit/>
-          </a:bodyPr>
-          <a:lstStyle/>
-          <a:p>
-            <a:pPr marL="0" marR="0" lvl="0" indent="0" algn="l" rtl="0">
-              <a:lnSpc>
-                <a:spcPct val="100000"/>
-              </a:lnSpc>
-              <a:spcBef>
-                <a:spcPts val="0"/>
-              </a:spcBef>
-              <a:spcAft>
-                <a:spcPts val="0"/>
-              </a:spcAft>
-              <a:buNone/>
-            </a:pPr>
-            <a:r>
-              <a:rPr lang="en-US" sz="2400" b="1" i="0" u="none" strike="noStrike" cap="none" dirty="0">
-                <a:solidFill>
-                  <a:schemeClr val="lt1"/>
-                </a:solidFill>
-                <a:latin typeface="Arial"/>
-                <a:ea typeface="Arial"/>
-                <a:cs typeface="Arial"/>
-                <a:sym typeface="Arial"/>
-              </a:rPr>
-              <a:t>NHÓM </a:t>
-            </a:r>
-            <a:r>
-              <a:rPr lang="en-US" sz="2400" b="1" dirty="0">
-                <a:solidFill>
-                  <a:schemeClr val="lt1"/>
-                </a:solidFill>
-                <a:latin typeface="Arial"/>
-                <a:ea typeface="Arial"/>
-                <a:cs typeface="Arial"/>
-                <a:sym typeface="Arial"/>
-              </a:rPr>
-              <a:t>6</a:t>
-            </a:r>
-            <a:endParaRPr sz="2400" b="1" i="0" u="none" strike="noStrike" cap="none" dirty="0">
-              <a:solidFill>
-                <a:schemeClr val="lt1"/>
-              </a:solidFill>
-              <a:latin typeface="Arial"/>
-              <a:ea typeface="Arial"/>
-              <a:cs typeface="Arial"/>
-              <a:sym typeface="Arial"/>
-            </a:endParaRPr>
-          </a:p>
-        </p:txBody>
-      </p:sp>
-    </p:spTree>
-    <p:extLst>
-      <p:ext uri="{BB962C8B-B14F-4D97-AF65-F5344CB8AC3E}">
-        <p14:creationId xmlns:p14="http://schemas.microsoft.com/office/powerpoint/2010/main" val="1682014255"/>
-      </p:ext>
-    </p:extLst>
-  </p:cSld>
-  <p:clrMapOvr>
-    <a:masterClrMapping/>
-  </p:clrMapOvr>
-</p:sld>
-</file>
-
-<file path=ppt/slides/slide22.xml><?xml version="1.0" encoding="utf-8"?>
-<p:sld xmlns:a="http://schemas.openxmlformats.org/drawingml/2006/main" xmlns:r="http://schemas.openxmlformats.org/officeDocument/2006/relationships" xmlns:p="http://schemas.openxmlformats.org/presentationml/2006/main">
-  <p:cSld>
-    <p:spTree>
-      <p:nvGrpSpPr>
-        <p:cNvPr id="1" name=""/>
-        <p:cNvGrpSpPr/>
-        <p:nvPr/>
-      </p:nvGrpSpPr>
-      <p:grpSpPr>
-        <a:xfrm>
-          <a:off x="0" y="0"/>
-          <a:ext cx="0" cy="0"/>
-          <a:chOff x="0" y="0"/>
-          <a:chExt cx="0" cy="0"/>
-        </a:xfrm>
-      </p:grpSpPr>
-      <p:sp>
-        <p:nvSpPr>
           <p:cNvPr id="2" name="Google Shape;536;p57">
             <a:extLst>
               <a:ext uri="{FF2B5EF4-FFF2-40B4-BE49-F238E27FC236}">
@@ -22195,10 +21557,10 @@
       </p:grpSpPr>
       <p:sp>
         <p:nvSpPr>
-          <p:cNvPr id="2" name="Google Shape;266;p14">
+          <p:cNvPr id="2" name="Google Shape;278;p34">
             <a:extLst>
               <a:ext uri="{FF2B5EF4-FFF2-40B4-BE49-F238E27FC236}">
-                <a16:creationId xmlns:a16="http://schemas.microsoft.com/office/drawing/2014/main" id="{B768DD7A-3820-4317-824D-F7C531CDD026}"/>
+                <a16:creationId xmlns:a16="http://schemas.microsoft.com/office/drawing/2014/main" id="{257836AA-7F8D-4989-BAAB-9C59A3AA8A42}"/>
               </a:ext>
             </a:extLst>
           </p:cNvPr>
@@ -22207,8 +21569,8 @@
         </p:nvSpPr>
         <p:spPr>
           <a:xfrm>
-            <a:off x="568036" y="413586"/>
-            <a:ext cx="5257800" cy="571500"/>
+            <a:off x="9424736" y="57090"/>
+            <a:ext cx="1824789" cy="571500"/>
           </a:xfrm>
           <a:prstGeom prst="rect">
             <a:avLst/>
@@ -22224,7 +21586,7 @@
           </a:bodyPr>
           <a:lstStyle/>
           <a:p>
-            <a:pPr marL="285750" marR="0" lvl="0" indent="-285750" algn="l" rtl="0">
+            <a:pPr marL="0" marR="0" lvl="0" indent="0" algn="l" rtl="0">
               <a:lnSpc>
                 <a:spcPct val="100000"/>
               </a:lnSpc>
@@ -22238,11 +21600,11 @@
                 <a:srgbClr val="0578A2"/>
               </a:buClr>
               <a:buSzPts val="2400"/>
-              <a:buFont typeface="Noto Sans Symbols"/>
-              <a:buChar char="❖"/>
+              <a:buFont typeface="Arial"/>
+              <a:buNone/>
             </a:pPr>
             <a:r>
-              <a:rPr lang="en-US" sz="1400" b="1" i="0" u="none" strike="noStrike" cap="none" dirty="0">
+              <a:rPr lang="en-US" sz="2400" b="1" i="0" u="none" strike="noStrike" cap="none">
                 <a:solidFill>
                   <a:srgbClr val="0578A2"/>
                 </a:solidFill>
@@ -22251,9 +21613,9 @@
                 <a:cs typeface="Arial"/>
                 <a:sym typeface="Arial"/>
               </a:rPr>
-              <a:t>QUY ĐỊNH KHI SỬ DỤNG ỨNG DỤNG</a:t>
-            </a:r>
-            <a:endParaRPr sz="1400" b="1" i="0" u="none" strike="noStrike" cap="none" dirty="0">
+              <a:t>THIẾT KẾ</a:t>
+            </a:r>
+            <a:endParaRPr sz="2400" b="1" i="0" u="none" strike="noStrike" cap="none">
               <a:solidFill>
                 <a:srgbClr val="0578A2"/>
               </a:solidFill>
@@ -22267,10 +21629,10 @@
       </p:sp>
       <p:sp>
         <p:nvSpPr>
-          <p:cNvPr id="3" name="Google Shape;267;p14">
+          <p:cNvPr id="3" name="Google Shape;279;p34">
             <a:extLst>
               <a:ext uri="{FF2B5EF4-FFF2-40B4-BE49-F238E27FC236}">
-                <a16:creationId xmlns:a16="http://schemas.microsoft.com/office/drawing/2014/main" id="{A56551B3-456C-4EEB-91DB-9B547B72604E}"/>
+                <a16:creationId xmlns:a16="http://schemas.microsoft.com/office/drawing/2014/main" id="{A464EEFD-93AF-4670-A19C-7208AF790495}"/>
               </a:ext>
             </a:extLst>
           </p:cNvPr>
@@ -22279,7 +21641,7 @@
         </p:nvSpPr>
         <p:spPr>
           <a:xfrm>
-            <a:off x="11319164" y="-339574"/>
+            <a:off x="11173326" y="-476310"/>
             <a:ext cx="609600" cy="1143000"/>
           </a:xfrm>
           <a:prstGeom prst="roundRect">
@@ -22327,20 +21689,20 @@
               <a:solidFill>
                 <a:schemeClr val="lt1"/>
               </a:solidFill>
-              <a:latin typeface="Arial"/>
-              <a:ea typeface="Arial"/>
-              <a:cs typeface="Arial"/>
-              <a:sym typeface="Arial"/>
+              <a:latin typeface="Libre Franklin Thin"/>
+              <a:ea typeface="Libre Franklin Thin"/>
+              <a:cs typeface="Libre Franklin Thin"/>
+              <a:sym typeface="Libre Franklin Thin"/>
             </a:endParaRPr>
           </a:p>
         </p:txBody>
       </p:sp>
       <p:sp>
         <p:nvSpPr>
-          <p:cNvPr id="9" name="Google Shape;273;p14">
+          <p:cNvPr id="4" name="Google Shape;280;p34">
             <a:extLst>
               <a:ext uri="{FF2B5EF4-FFF2-40B4-BE49-F238E27FC236}">
-                <a16:creationId xmlns:a16="http://schemas.microsoft.com/office/drawing/2014/main" id="{75F6BA19-6FD2-490D-B0AD-BDF2A46A65B0}"/>
+                <a16:creationId xmlns:a16="http://schemas.microsoft.com/office/drawing/2014/main" id="{902ADAD4-C829-4AEB-84BB-904CDD690669}"/>
               </a:ext>
             </a:extLst>
           </p:cNvPr>
@@ -22349,8 +21711,8 @@
         </p:nvSpPr>
         <p:spPr>
           <a:xfrm>
-            <a:off x="9448800" y="193826"/>
-            <a:ext cx="1946564" cy="571500"/>
+            <a:off x="409074" y="666690"/>
+            <a:ext cx="2600826" cy="400069"/>
           </a:xfrm>
           <a:prstGeom prst="rect">
             <a:avLst/>
@@ -22361,12 +21723,12 @@
           </a:ln>
         </p:spPr>
         <p:txBody>
-          <a:bodyPr spcFirstLastPara="1" wrap="square" lIns="91425" tIns="45700" rIns="91425" bIns="45700" anchor="ctr" anchorCtr="0">
-            <a:noAutofit/>
+          <a:bodyPr spcFirstLastPara="1" wrap="square" lIns="91425" tIns="45700" rIns="91425" bIns="45700" anchor="t" anchorCtr="0">
+            <a:spAutoFit/>
           </a:bodyPr>
           <a:lstStyle/>
           <a:p>
-            <a:pPr marL="0" marR="0" lvl="0" indent="0" algn="l" rtl="0">
+            <a:pPr marL="342900" marR="0" lvl="0" indent="-342900" algn="l" rtl="0">
               <a:lnSpc>
                 <a:spcPct val="100000"/>
               </a:lnSpc>
@@ -22377,27 +21739,27 @@
                 <a:spcPts val="0"/>
               </a:spcAft>
               <a:buClr>
-                <a:srgbClr val="0578A2"/>
+                <a:srgbClr val="03506C"/>
               </a:buClr>
-              <a:buSzPts val="2400"/>
-              <a:buFont typeface="Arial"/>
-              <a:buNone/>
+              <a:buSzPts val="2000"/>
+              <a:buFont typeface="Noto Sans Symbols"/>
+              <a:buChar char="❖"/>
             </a:pPr>
             <a:r>
-              <a:rPr lang="en-US" sz="2400" b="1" i="0" u="none" strike="noStrike" cap="none">
+              <a:rPr lang="en-US" sz="2000" b="1" i="0" u="sng" strike="noStrike" cap="none">
                 <a:solidFill>
-                  <a:srgbClr val="0578A2"/>
+                  <a:srgbClr val="03506C"/>
                 </a:solidFill>
                 <a:latin typeface="Arial"/>
                 <a:ea typeface="Arial"/>
                 <a:cs typeface="Arial"/>
                 <a:sym typeface="Arial"/>
               </a:rPr>
-              <a:t>PHÂN TÍCH</a:t>
-            </a:r>
-            <a:endParaRPr sz="2400" b="1" i="0" u="none" strike="noStrike" cap="none">
+              <a:t>Sơ đồ USECASE</a:t>
+            </a:r>
+            <a:endParaRPr sz="2000" b="1" i="0" u="sng" strike="noStrike" cap="none">
               <a:solidFill>
-                <a:srgbClr val="0578A2"/>
+                <a:srgbClr val="03506C"/>
               </a:solidFill>
               <a:latin typeface="Arial"/>
               <a:ea typeface="Arial"/>
@@ -22409,10 +21771,10 @@
       </p:sp>
       <p:sp>
         <p:nvSpPr>
-          <p:cNvPr id="10" name="Google Shape;251;p12">
+          <p:cNvPr id="5" name="Google Shape;281;p34">
             <a:extLst>
               <a:ext uri="{FF2B5EF4-FFF2-40B4-BE49-F238E27FC236}">
-                <a16:creationId xmlns:a16="http://schemas.microsoft.com/office/drawing/2014/main" id="{21B3FD6B-6286-4444-B752-E41440214206}"/>
+                <a16:creationId xmlns:a16="http://schemas.microsoft.com/office/drawing/2014/main" id="{9B8DD7F9-299B-4B5D-8296-2F0BA22D0482}"/>
               </a:ext>
             </a:extLst>
           </p:cNvPr>
@@ -22474,10 +21836,46 @@
           </a:p>
         </p:txBody>
       </p:sp>
+      <p:pic>
+        <p:nvPicPr>
+          <p:cNvPr id="6" name="Picture 5" descr="Diagram&#10;&#10;Description automatically generated">
+            <a:extLst>
+              <a:ext uri="{FF2B5EF4-FFF2-40B4-BE49-F238E27FC236}">
+                <a16:creationId xmlns:a16="http://schemas.microsoft.com/office/drawing/2014/main" id="{5BCAE55F-9B8E-4840-B748-B1116DC021A9}"/>
+              </a:ext>
+            </a:extLst>
+          </p:cNvPr>
+          <p:cNvPicPr>
+            <a:picLocks noChangeAspect="1"/>
+          </p:cNvPicPr>
+          <p:nvPr/>
+        </p:nvPicPr>
+        <p:blipFill>
+          <a:blip r:embed="rId2" cstate="print">
+            <a:extLst>
+              <a:ext uri="{28A0092B-C50C-407E-A947-70E740481C1C}">
+                <a14:useLocalDpi xmlns:a14="http://schemas.microsoft.com/office/drawing/2010/main" val="0"/>
+              </a:ext>
+            </a:extLst>
+          </a:blip>
+          <a:stretch>
+            <a:fillRect/>
+          </a:stretch>
+        </p:blipFill>
+        <p:spPr>
+          <a:xfrm>
+            <a:off x="798575" y="1066759"/>
+            <a:ext cx="10374751" cy="5289047"/>
+          </a:xfrm>
+          <a:prstGeom prst="rect">
+            <a:avLst/>
+          </a:prstGeom>
+        </p:spPr>
+      </p:pic>
     </p:spTree>
     <p:extLst>
       <p:ext uri="{BB962C8B-B14F-4D97-AF65-F5344CB8AC3E}">
-        <p14:creationId xmlns:p14="http://schemas.microsoft.com/office/powerpoint/2010/main" val="4013084254"/>
+        <p14:creationId xmlns:p14="http://schemas.microsoft.com/office/powerpoint/2010/main" val="1424451358"/>
       </p:ext>
     </p:extLst>
   </p:cSld>

--- a/Slide_BaoCao/AppChat_Nhom6.pptx
+++ b/Slide_BaoCao/AppChat_Nhom6.pptx
@@ -5731,77 +5731,8 @@
                 <a:cs typeface="Arial"/>
                 <a:sym typeface="Arial"/>
               </a:rPr>
-              <a:t>Phan </a:t>
-            </a:r>
-            <a:r>
-              <a:rPr lang="en-US" sz="1800" b="1" i="0" u="none" strike="noStrike" cap="none" dirty="0" err="1">
-                <a:solidFill>
-                  <a:schemeClr val="dk1"/>
-                </a:solidFill>
-                <a:latin typeface="Arial"/>
-                <a:ea typeface="Arial"/>
-                <a:cs typeface="Arial"/>
-                <a:sym typeface="Arial"/>
-              </a:rPr>
-              <a:t>Thị</a:t>
-            </a:r>
-            <a:r>
-              <a:rPr lang="en-US" sz="1800" b="1" i="0" u="none" strike="noStrike" cap="none" dirty="0">
-                <a:solidFill>
-                  <a:schemeClr val="dk1"/>
-                </a:solidFill>
-                <a:latin typeface="Arial"/>
-                <a:ea typeface="Arial"/>
-                <a:cs typeface="Arial"/>
-                <a:sym typeface="Arial"/>
-              </a:rPr>
-              <a:t> </a:t>
-            </a:r>
-            <a:r>
-              <a:rPr lang="en-US" sz="1800" b="1" i="0" u="none" strike="noStrike" cap="none" dirty="0" err="1">
-                <a:solidFill>
-                  <a:schemeClr val="dk1"/>
-                </a:solidFill>
-                <a:latin typeface="Arial"/>
-                <a:ea typeface="Arial"/>
-                <a:cs typeface="Arial"/>
-                <a:sym typeface="Arial"/>
-              </a:rPr>
-              <a:t>Tứ</a:t>
-            </a:r>
-            <a:r>
-              <a:rPr lang="en-US" sz="1800" b="1" i="0" u="none" strike="noStrike" cap="none" dirty="0">
-                <a:solidFill>
-                  <a:schemeClr val="dk1"/>
-                </a:solidFill>
-                <a:latin typeface="Arial"/>
-                <a:ea typeface="Arial"/>
-                <a:cs typeface="Arial"/>
-                <a:sym typeface="Arial"/>
-              </a:rPr>
-              <a:t> </a:t>
-            </a:r>
-            <a:r>
-              <a:rPr lang="en-US" sz="1800" b="1" i="0" u="none" strike="noStrike" cap="none" dirty="0" err="1">
-                <a:solidFill>
-                  <a:schemeClr val="dk1"/>
-                </a:solidFill>
-                <a:latin typeface="Arial"/>
-                <a:ea typeface="Arial"/>
-                <a:cs typeface="Arial"/>
-                <a:sym typeface="Arial"/>
-              </a:rPr>
-              <a:t>Thi</a:t>
-            </a:r>
-            <a:endParaRPr lang="en-US" sz="1800" b="1" i="0" u="none" strike="noStrike" cap="none" dirty="0">
-              <a:solidFill>
-                <a:schemeClr val="dk1"/>
-              </a:solidFill>
-              <a:latin typeface="Arial"/>
-              <a:ea typeface="Arial"/>
-              <a:cs typeface="Arial"/>
-              <a:sym typeface="Arial"/>
-            </a:endParaRPr>
+              <a:t>Phan Thị Tứ Thi         18086141</a:t>
+            </a:r>
           </a:p>
           <a:p>
             <a:pPr marL="0" marR="0" lvl="0" indent="0" algn="l" rtl="0">
@@ -5881,15 +5812,18 @@
               </a:rPr>
               <a:t>Lý</a:t>
             </a:r>
-            <a:endParaRPr lang="en-US" b="1" dirty="0">
-              <a:solidFill>
-                <a:schemeClr val="dk1"/>
-              </a:solidFill>
-              <a:latin typeface="Arial"/>
-              <a:ea typeface="Arial"/>
-              <a:cs typeface="Arial"/>
-              <a:sym typeface="Arial"/>
-            </a:endParaRPr>
+            <a:r>
+              <a:rPr lang="en-US" b="1" dirty="0">
+                <a:solidFill>
+                  <a:schemeClr val="dk1"/>
+                </a:solidFill>
+                <a:latin typeface="Arial"/>
+                <a:ea typeface="Arial"/>
+                <a:cs typeface="Arial"/>
+                <a:sym typeface="Arial"/>
+              </a:rPr>
+              <a:t>          18077551</a:t>
+            </a:r>
           </a:p>
         </p:txBody>
       </p:sp>
